--- a/Progetto sistemi.pptx
+++ b/Progetto sistemi.pptx
@@ -5,10 +5,10 @@
     <p:sldMasterId id="2147483648" r:id="rId1"/>
   </p:sldMasterIdLst>
   <p:notesMasterIdLst>
-    <p:notesMasterId r:id="rId16"/>
+    <p:notesMasterId r:id="rId26"/>
   </p:notesMasterIdLst>
   <p:handoutMasterIdLst>
-    <p:handoutMasterId r:id="rId17"/>
+    <p:handoutMasterId r:id="rId27"/>
   </p:handoutMasterIdLst>
   <p:sldIdLst>
     <p:sldId id="256" r:id="rId2"/>
@@ -25,6 +25,16 @@
     <p:sldId id="266" r:id="rId13"/>
     <p:sldId id="267" r:id="rId14"/>
     <p:sldId id="269" r:id="rId15"/>
+    <p:sldId id="270" r:id="rId16"/>
+    <p:sldId id="271" r:id="rId17"/>
+    <p:sldId id="272" r:id="rId18"/>
+    <p:sldId id="273" r:id="rId19"/>
+    <p:sldId id="274" r:id="rId20"/>
+    <p:sldId id="275" r:id="rId21"/>
+    <p:sldId id="276" r:id="rId22"/>
+    <p:sldId id="277" r:id="rId23"/>
+    <p:sldId id="278" r:id="rId24"/>
+    <p:sldId id="279" r:id="rId25"/>
   </p:sldIdLst>
   <p:sldSz cx="12192000" cy="6858000"/>
   <p:notesSz cx="6858000" cy="9144000"/>
@@ -146,6 +156,16 @@
             <p14:sldId id="266"/>
             <p14:sldId id="267"/>
             <p14:sldId id="269"/>
+            <p14:sldId id="270"/>
+            <p14:sldId id="271"/>
+            <p14:sldId id="272"/>
+            <p14:sldId id="273"/>
+            <p14:sldId id="274"/>
+            <p14:sldId id="275"/>
+            <p14:sldId id="276"/>
+            <p14:sldId id="277"/>
+            <p14:sldId id="278"/>
+            <p14:sldId id="279"/>
           </p14:sldIdLst>
         </p14:section>
       </p14:sectionLst>
@@ -163,6 +183,9 @@
           </p15:clr>
         </p15:guide>
       </p15:sldGuideLst>
+    </p:ext>
+    <p:ext uri="{2D200454-40CA-4A62-9FC3-DE9A4176ACB9}">
+      <p15:notesGuideLst xmlns:p15="http://schemas.microsoft.com/office/powerpoint/2012/main"/>
     </p:ext>
   </p:extLst>
 </p:presentation>
@@ -250,7 +273,7 @@
           <a:p>
             <a:fld id="{E7209603-6E60-49B9-BBC7-D363A6F8E0E1}" type="datetimeFigureOut">
               <a:rPr lang="it-IT" smtClean="0"/>
-              <a:t>13/02/2018</a:t>
+              <a:t>16/02/2018</a:t>
             </a:fld>
             <a:endParaRPr lang="it-IT"/>
           </a:p>
@@ -415,7 +438,7 @@
           <a:p>
             <a:fld id="{28EC8708-F48D-430F-8DA4-8CA34B9897F8}" type="datetimeFigureOut">
               <a:rPr lang="it-IT" smtClean="0"/>
-              <a:t>13/02/2018</a:t>
+              <a:t>16/02/2018</a:t>
             </a:fld>
             <a:endParaRPr lang="it-IT"/>
           </a:p>
@@ -479,38 +502,37 @@
           <a:p>
             <a:pPr lvl="0"/>
             <a:r>
-              <a:rPr lang="it-IT" smtClean="0"/>
+              <a:rPr lang="it-IT"/>
               <a:t>Modifica gli stili del testo dello schema</a:t>
             </a:r>
           </a:p>
           <a:p>
             <a:pPr lvl="1"/>
             <a:r>
-              <a:rPr lang="it-IT" smtClean="0"/>
+              <a:rPr lang="it-IT"/>
               <a:t>Secondo livello</a:t>
             </a:r>
           </a:p>
           <a:p>
             <a:pPr lvl="2"/>
             <a:r>
-              <a:rPr lang="it-IT" smtClean="0"/>
+              <a:rPr lang="it-IT"/>
               <a:t>Terzo livello</a:t>
             </a:r>
           </a:p>
           <a:p>
             <a:pPr lvl="3"/>
             <a:r>
-              <a:rPr lang="it-IT" smtClean="0"/>
+              <a:rPr lang="it-IT"/>
               <a:t>Quarto livello</a:t>
             </a:r>
           </a:p>
           <a:p>
             <a:pPr lvl="4"/>
             <a:r>
-              <a:rPr lang="it-IT" smtClean="0"/>
+              <a:rPr lang="it-IT"/>
               <a:t>Quinto livello</a:t>
             </a:r>
-            <a:endParaRPr lang="it-IT"/>
           </a:p>
         </p:txBody>
       </p:sp>
@@ -728,11 +750,11 @@
           <a:lstStyle/>
           <a:p>
             <a:r>
-              <a:rPr lang="it-IT" dirty="0" smtClean="0"/>
+              <a:rPr lang="it-IT" dirty="0"/>
               <a:t>Rappresenta la composizione delle due</a:t>
             </a:r>
             <a:r>
-              <a:rPr lang="it-IT" baseline="0" dirty="0" smtClean="0"/>
+              <a:rPr lang="it-IT" baseline="0" dirty="0"/>
               <a:t> macchine a stati finiti che rappresentano la navicella spaziale e gli asteroidi da evitare. A questo livello di dettaglio è stato sottolineato quali sono le condizione per passare da uno stato di gioco attivo a uno di game over, ovvero la posizione della navicella non deve mai sovrapporsi a quella di uno degli asteroidi. </a:t>
             </a:r>
           </a:p>
@@ -819,19 +841,19 @@
           <a:lstStyle/>
           <a:p>
             <a:r>
-              <a:rPr lang="it-IT" dirty="0" smtClean="0"/>
+              <a:rPr lang="it-IT" dirty="0"/>
               <a:t>Viene</a:t>
             </a:r>
             <a:r>
-              <a:rPr lang="it-IT" baseline="0" dirty="0" smtClean="0"/>
+              <a:rPr lang="it-IT" baseline="0" dirty="0"/>
               <a:t> qui rappresentato un </a:t>
             </a:r>
             <a:r>
-              <a:rPr lang="it-IT" baseline="0" dirty="0" err="1" smtClean="0"/>
+              <a:rPr lang="it-IT" baseline="0" dirty="0" err="1"/>
               <a:t>refinement</a:t>
             </a:r>
             <a:r>
-              <a:rPr lang="it-IT" baseline="0" dirty="0" smtClean="0"/>
+              <a:rPr lang="it-IT" baseline="0" dirty="0"/>
               <a:t> della finite state machine del singolo asteroide, è possibile vedere tutte le transizioni disponibili, alcune omesse nella slide precedente per motivi di leggibilità. In particolare ci sono due transizioni che gestiscono l’eventuale impatto con uno dei bordi dello schermo. E’ infine esplicitata la semplice legge del moto adottata.</a:t>
             </a:r>
             <a:endParaRPr lang="it-IT" dirty="0"/>
@@ -919,35 +941,35 @@
           <a:lstStyle/>
           <a:p>
             <a:r>
-              <a:rPr lang="it-IT" dirty="0" smtClean="0"/>
+              <a:rPr lang="it-IT" dirty="0"/>
               <a:t>Viene</a:t>
             </a:r>
             <a:r>
-              <a:rPr lang="it-IT" baseline="0" dirty="0" smtClean="0"/>
+              <a:rPr lang="it-IT" baseline="0" dirty="0"/>
               <a:t> qui rappresentato uno state </a:t>
             </a:r>
             <a:r>
-              <a:rPr lang="it-IT" baseline="0" dirty="0" err="1" smtClean="0"/>
+              <a:rPr lang="it-IT" baseline="0" dirty="0" err="1"/>
               <a:t>refinement</a:t>
             </a:r>
             <a:r>
-              <a:rPr lang="it-IT" baseline="0" dirty="0" smtClean="0"/>
+              <a:rPr lang="it-IT" baseline="0" dirty="0"/>
               <a:t> dello stato </a:t>
             </a:r>
             <a:r>
-              <a:rPr lang="it-IT" baseline="0" dirty="0" err="1" smtClean="0"/>
+              <a:rPr lang="it-IT" baseline="0" dirty="0" err="1"/>
               <a:t>Playing</a:t>
             </a:r>
             <a:r>
-              <a:rPr lang="it-IT" baseline="0" dirty="0" smtClean="0"/>
+              <a:rPr lang="it-IT" baseline="0" dirty="0"/>
               <a:t>. In particolare vengono qui descritte le modalità di movimento della navicella spaziale secondo le 8 direzioni principali, regolate dalla pressione dei tasti WASD della tastiera, le varie guardie contengono un controllo per un eventuale impatto della navicella con i bordi. È possibile aprire un collegamento ipertestuale da ogni stato in modo da visionare lo state </a:t>
             </a:r>
             <a:r>
-              <a:rPr lang="it-IT" baseline="0" dirty="0" err="1" smtClean="0"/>
+              <a:rPr lang="it-IT" baseline="0" dirty="0" err="1"/>
               <a:t>refinement</a:t>
             </a:r>
             <a:r>
-              <a:rPr lang="it-IT" baseline="0" dirty="0" smtClean="0"/>
+              <a:rPr lang="it-IT" baseline="0" dirty="0"/>
               <a:t> che presenta la legge del moto adottata per il movimento della navicella. </a:t>
             </a:r>
             <a:endParaRPr lang="it-IT" dirty="0"/>
@@ -1035,19 +1057,19 @@
           <a:lstStyle/>
           <a:p>
             <a:r>
-              <a:rPr lang="it-IT" dirty="0" smtClean="0"/>
+              <a:rPr lang="it-IT" dirty="0"/>
               <a:t>È qui presentata</a:t>
             </a:r>
             <a:r>
-              <a:rPr lang="it-IT" baseline="0" dirty="0" smtClean="0"/>
+              <a:rPr lang="it-IT" baseline="0" dirty="0"/>
               <a:t> una piccola demo del gioco realizzato attraverso il motore grafico </a:t>
             </a:r>
             <a:r>
-              <a:rPr lang="it-IT" baseline="0" dirty="0" err="1" smtClean="0"/>
+              <a:rPr lang="it-IT" baseline="0" dirty="0" err="1"/>
               <a:t>Unity</a:t>
             </a:r>
             <a:r>
-              <a:rPr lang="it-IT" baseline="0" dirty="0" smtClean="0"/>
+              <a:rPr lang="it-IT" baseline="0" dirty="0"/>
               <a:t>, che dimostra tutti i comportamenti precedentemente descritti.</a:t>
             </a:r>
             <a:endParaRPr lang="it-IT" dirty="0"/>
@@ -1081,6 +1103,174 @@
     <p:extLst>
       <p:ext uri="{BB962C8B-B14F-4D97-AF65-F5344CB8AC3E}">
         <p14:creationId xmlns:p14="http://schemas.microsoft.com/office/powerpoint/2010/main" val="4077205148"/>
+      </p:ext>
+    </p:extLst>
+  </p:cSld>
+  <p:clrMapOvr>
+    <a:masterClrMapping/>
+  </p:clrMapOvr>
+</p:notes>
+</file>
+
+<file path=ppt/notesSlides/notesSlide5.xml><?xml version="1.0" encoding="utf-8"?>
+<p:notes xmlns:a="http://schemas.openxmlformats.org/drawingml/2006/main" xmlns:r="http://schemas.openxmlformats.org/officeDocument/2006/relationships" xmlns:p="http://schemas.openxmlformats.org/presentationml/2006/main">
+  <p:cSld>
+    <p:spTree>
+      <p:nvGrpSpPr>
+        <p:cNvPr id="1" name=""/>
+        <p:cNvGrpSpPr/>
+        <p:nvPr/>
+      </p:nvGrpSpPr>
+      <p:grpSpPr>
+        <a:xfrm>
+          <a:off x="0" y="0"/>
+          <a:ext cx="0" cy="0"/>
+          <a:chOff x="0" y="0"/>
+          <a:chExt cx="0" cy="0"/>
+        </a:xfrm>
+      </p:grpSpPr>
+      <p:sp>
+        <p:nvSpPr>
+          <p:cNvPr id="2" name="Segnaposto immagine diapositiva 1"/>
+          <p:cNvSpPr>
+            <a:spLocks noGrp="1" noRot="1" noChangeAspect="1"/>
+          </p:cNvSpPr>
+          <p:nvPr>
+            <p:ph type="sldImg"/>
+          </p:nvPr>
+        </p:nvSpPr>
+        <p:spPr/>
+      </p:sp>
+      <p:sp>
+        <p:nvSpPr>
+          <p:cNvPr id="3" name="Segnaposto note 2"/>
+          <p:cNvSpPr>
+            <a:spLocks noGrp="1"/>
+          </p:cNvSpPr>
+          <p:nvPr>
+            <p:ph type="body" idx="1"/>
+          </p:nvPr>
+        </p:nvSpPr>
+        <p:spPr/>
+        <p:txBody>
+          <a:bodyPr/>
+          <a:lstStyle/>
+          <a:p>
+            <a:endParaRPr lang="it-IT" dirty="0"/>
+          </a:p>
+        </p:txBody>
+      </p:sp>
+      <p:sp>
+        <p:nvSpPr>
+          <p:cNvPr id="4" name="Segnaposto numero diapositiva 3"/>
+          <p:cNvSpPr>
+            <a:spLocks noGrp="1"/>
+          </p:cNvSpPr>
+          <p:nvPr>
+            <p:ph type="sldNum" sz="quarter" idx="10"/>
+          </p:nvPr>
+        </p:nvSpPr>
+        <p:spPr/>
+        <p:txBody>
+          <a:bodyPr/>
+          <a:lstStyle/>
+          <a:p>
+            <a:fld id="{AF5D5AC8-672A-409E-B76F-2374AA227A07}" type="slidenum">
+              <a:rPr lang="it-IT" smtClean="0"/>
+              <a:t>17</a:t>
+            </a:fld>
+            <a:endParaRPr lang="it-IT"/>
+          </a:p>
+        </p:txBody>
+      </p:sp>
+    </p:spTree>
+    <p:extLst>
+      <p:ext uri="{BB962C8B-B14F-4D97-AF65-F5344CB8AC3E}">
+        <p14:creationId xmlns:p14="http://schemas.microsoft.com/office/powerpoint/2010/main" val="1733201032"/>
+      </p:ext>
+    </p:extLst>
+  </p:cSld>
+  <p:clrMapOvr>
+    <a:masterClrMapping/>
+  </p:clrMapOvr>
+</p:notes>
+</file>
+
+<file path=ppt/notesSlides/notesSlide6.xml><?xml version="1.0" encoding="utf-8"?>
+<p:notes xmlns:a="http://schemas.openxmlformats.org/drawingml/2006/main" xmlns:r="http://schemas.openxmlformats.org/officeDocument/2006/relationships" xmlns:p="http://schemas.openxmlformats.org/presentationml/2006/main">
+  <p:cSld>
+    <p:spTree>
+      <p:nvGrpSpPr>
+        <p:cNvPr id="1" name=""/>
+        <p:cNvGrpSpPr/>
+        <p:nvPr/>
+      </p:nvGrpSpPr>
+      <p:grpSpPr>
+        <a:xfrm>
+          <a:off x="0" y="0"/>
+          <a:ext cx="0" cy="0"/>
+          <a:chOff x="0" y="0"/>
+          <a:chExt cx="0" cy="0"/>
+        </a:xfrm>
+      </p:grpSpPr>
+      <p:sp>
+        <p:nvSpPr>
+          <p:cNvPr id="2" name="Segnaposto immagine diapositiva 1"/>
+          <p:cNvSpPr>
+            <a:spLocks noGrp="1" noRot="1" noChangeAspect="1"/>
+          </p:cNvSpPr>
+          <p:nvPr>
+            <p:ph type="sldImg"/>
+          </p:nvPr>
+        </p:nvSpPr>
+        <p:spPr/>
+      </p:sp>
+      <p:sp>
+        <p:nvSpPr>
+          <p:cNvPr id="3" name="Segnaposto note 2"/>
+          <p:cNvSpPr>
+            <a:spLocks noGrp="1"/>
+          </p:cNvSpPr>
+          <p:nvPr>
+            <p:ph type="body" idx="1"/>
+          </p:nvPr>
+        </p:nvSpPr>
+        <p:spPr/>
+        <p:txBody>
+          <a:bodyPr/>
+          <a:lstStyle/>
+          <a:p>
+            <a:endParaRPr lang="it-IT" dirty="0"/>
+          </a:p>
+        </p:txBody>
+      </p:sp>
+      <p:sp>
+        <p:nvSpPr>
+          <p:cNvPr id="4" name="Segnaposto numero diapositiva 3"/>
+          <p:cNvSpPr>
+            <a:spLocks noGrp="1"/>
+          </p:cNvSpPr>
+          <p:nvPr>
+            <p:ph type="sldNum" sz="quarter" idx="10"/>
+          </p:nvPr>
+        </p:nvSpPr>
+        <p:spPr/>
+        <p:txBody>
+          <a:bodyPr/>
+          <a:lstStyle/>
+          <a:p>
+            <a:fld id="{AF5D5AC8-672A-409E-B76F-2374AA227A07}" type="slidenum">
+              <a:rPr lang="it-IT" smtClean="0"/>
+              <a:t>22</a:t>
+            </a:fld>
+            <a:endParaRPr lang="it-IT"/>
+          </a:p>
+        </p:txBody>
+      </p:sp>
+    </p:spTree>
+    <p:extLst>
+      <p:ext uri="{BB962C8B-B14F-4D97-AF65-F5344CB8AC3E}">
+        <p14:creationId xmlns:p14="http://schemas.microsoft.com/office/powerpoint/2010/main" val="2549722405"/>
       </p:ext>
     </p:extLst>
   </p:cSld>
@@ -1132,10 +1322,9 @@
           </a:lstStyle>
           <a:p>
             <a:r>
-              <a:rPr lang="it-IT" smtClean="0"/>
+              <a:rPr lang="it-IT"/>
               <a:t>Fare clic per modificare lo stile del titolo</a:t>
             </a:r>
-            <a:endParaRPr lang="it-IT"/>
           </a:p>
         </p:txBody>
       </p:sp>
@@ -1197,10 +1386,9 @@
           </a:lstStyle>
           <a:p>
             <a:r>
-              <a:rPr lang="it-IT" smtClean="0"/>
+              <a:rPr lang="it-IT"/>
               <a:t>Fare clic per modificare lo stile del sottotitolo dello schema</a:t>
             </a:r>
-            <a:endParaRPr lang="it-IT"/>
           </a:p>
         </p:txBody>
       </p:sp>
@@ -1221,7 +1409,7 @@
           <a:p>
             <a:fld id="{5243369B-FBAA-403C-8A1E-C9994F99F854}" type="datetimeFigureOut">
               <a:rPr lang="it-IT" smtClean="0"/>
-              <a:t>13/02/2018</a:t>
+              <a:t>16/02/2018</a:t>
             </a:fld>
             <a:endParaRPr lang="it-IT"/>
           </a:p>
@@ -1315,10 +1503,9 @@
           <a:lstStyle/>
           <a:p>
             <a:r>
-              <a:rPr lang="it-IT" smtClean="0"/>
+              <a:rPr lang="it-IT"/>
               <a:t>Fare clic per modificare lo stile del titolo</a:t>
             </a:r>
-            <a:endParaRPr lang="it-IT"/>
           </a:p>
         </p:txBody>
       </p:sp>
@@ -1339,38 +1526,37 @@
           <a:p>
             <a:pPr lvl="0"/>
             <a:r>
-              <a:rPr lang="it-IT" smtClean="0"/>
+              <a:rPr lang="it-IT"/>
               <a:t>Modifica gli stili del testo dello schema</a:t>
             </a:r>
           </a:p>
           <a:p>
             <a:pPr lvl="1"/>
             <a:r>
-              <a:rPr lang="it-IT" smtClean="0"/>
+              <a:rPr lang="it-IT"/>
               <a:t>Secondo livello</a:t>
             </a:r>
           </a:p>
           <a:p>
             <a:pPr lvl="2"/>
             <a:r>
-              <a:rPr lang="it-IT" smtClean="0"/>
+              <a:rPr lang="it-IT"/>
               <a:t>Terzo livello</a:t>
             </a:r>
           </a:p>
           <a:p>
             <a:pPr lvl="3"/>
             <a:r>
-              <a:rPr lang="it-IT" smtClean="0"/>
+              <a:rPr lang="it-IT"/>
               <a:t>Quarto livello</a:t>
             </a:r>
           </a:p>
           <a:p>
             <a:pPr lvl="4"/>
             <a:r>
-              <a:rPr lang="it-IT" smtClean="0"/>
+              <a:rPr lang="it-IT"/>
               <a:t>Quinto livello</a:t>
             </a:r>
-            <a:endParaRPr lang="it-IT"/>
           </a:p>
         </p:txBody>
       </p:sp>
@@ -1391,7 +1577,7 @@
           <a:p>
             <a:fld id="{5243369B-FBAA-403C-8A1E-C9994F99F854}" type="datetimeFigureOut">
               <a:rPr lang="it-IT" smtClean="0"/>
-              <a:t>13/02/2018</a:t>
+              <a:t>16/02/2018</a:t>
             </a:fld>
             <a:endParaRPr lang="it-IT"/>
           </a:p>
@@ -1490,10 +1676,9 @@
           <a:lstStyle/>
           <a:p>
             <a:r>
-              <a:rPr lang="it-IT" smtClean="0"/>
+              <a:rPr lang="it-IT"/>
               <a:t>Fare clic per modificare lo stile del titolo</a:t>
             </a:r>
-            <a:endParaRPr lang="it-IT"/>
           </a:p>
         </p:txBody>
       </p:sp>
@@ -1519,38 +1704,37 @@
           <a:p>
             <a:pPr lvl="0"/>
             <a:r>
-              <a:rPr lang="it-IT" smtClean="0"/>
+              <a:rPr lang="it-IT"/>
               <a:t>Modifica gli stili del testo dello schema</a:t>
             </a:r>
           </a:p>
           <a:p>
             <a:pPr lvl="1"/>
             <a:r>
-              <a:rPr lang="it-IT" smtClean="0"/>
+              <a:rPr lang="it-IT"/>
               <a:t>Secondo livello</a:t>
             </a:r>
           </a:p>
           <a:p>
             <a:pPr lvl="2"/>
             <a:r>
-              <a:rPr lang="it-IT" smtClean="0"/>
+              <a:rPr lang="it-IT"/>
               <a:t>Terzo livello</a:t>
             </a:r>
           </a:p>
           <a:p>
             <a:pPr lvl="3"/>
             <a:r>
-              <a:rPr lang="it-IT" smtClean="0"/>
+              <a:rPr lang="it-IT"/>
               <a:t>Quarto livello</a:t>
             </a:r>
           </a:p>
           <a:p>
             <a:pPr lvl="4"/>
             <a:r>
-              <a:rPr lang="it-IT" smtClean="0"/>
+              <a:rPr lang="it-IT"/>
               <a:t>Quinto livello</a:t>
             </a:r>
-            <a:endParaRPr lang="it-IT"/>
           </a:p>
         </p:txBody>
       </p:sp>
@@ -1571,7 +1755,7 @@
           <a:p>
             <a:fld id="{5243369B-FBAA-403C-8A1E-C9994F99F854}" type="datetimeFigureOut">
               <a:rPr lang="it-IT" smtClean="0"/>
-              <a:t>13/02/2018</a:t>
+              <a:t>16/02/2018</a:t>
             </a:fld>
             <a:endParaRPr lang="it-IT"/>
           </a:p>
@@ -1665,10 +1849,9 @@
           <a:lstStyle/>
           <a:p>
             <a:r>
-              <a:rPr lang="it-IT" smtClean="0"/>
+              <a:rPr lang="it-IT"/>
               <a:t>Fare clic per modificare lo stile del titolo</a:t>
             </a:r>
-            <a:endParaRPr lang="it-IT"/>
           </a:p>
         </p:txBody>
       </p:sp>
@@ -1689,38 +1872,37 @@
           <a:p>
             <a:pPr lvl="0"/>
             <a:r>
-              <a:rPr lang="it-IT" smtClean="0"/>
+              <a:rPr lang="it-IT"/>
               <a:t>Modifica gli stili del testo dello schema</a:t>
             </a:r>
           </a:p>
           <a:p>
             <a:pPr lvl="1"/>
             <a:r>
-              <a:rPr lang="it-IT" smtClean="0"/>
+              <a:rPr lang="it-IT"/>
               <a:t>Secondo livello</a:t>
             </a:r>
           </a:p>
           <a:p>
             <a:pPr lvl="2"/>
             <a:r>
-              <a:rPr lang="it-IT" smtClean="0"/>
+              <a:rPr lang="it-IT"/>
               <a:t>Terzo livello</a:t>
             </a:r>
           </a:p>
           <a:p>
             <a:pPr lvl="3"/>
             <a:r>
-              <a:rPr lang="it-IT" smtClean="0"/>
+              <a:rPr lang="it-IT"/>
               <a:t>Quarto livello</a:t>
             </a:r>
           </a:p>
           <a:p>
             <a:pPr lvl="4"/>
             <a:r>
-              <a:rPr lang="it-IT" smtClean="0"/>
+              <a:rPr lang="it-IT"/>
               <a:t>Quinto livello</a:t>
             </a:r>
-            <a:endParaRPr lang="it-IT"/>
           </a:p>
         </p:txBody>
       </p:sp>
@@ -1741,7 +1923,7 @@
           <a:p>
             <a:fld id="{5243369B-FBAA-403C-8A1E-C9994F99F854}" type="datetimeFigureOut">
               <a:rPr lang="it-IT" smtClean="0"/>
-              <a:t>13/02/2018</a:t>
+              <a:t>16/02/2018</a:t>
             </a:fld>
             <a:endParaRPr lang="it-IT"/>
           </a:p>
@@ -1844,10 +2026,9 @@
           </a:lstStyle>
           <a:p>
             <a:r>
-              <a:rPr lang="it-IT" smtClean="0"/>
+              <a:rPr lang="it-IT"/>
               <a:t>Fare clic per modificare lo stile del titolo</a:t>
             </a:r>
-            <a:endParaRPr lang="it-IT"/>
           </a:p>
         </p:txBody>
       </p:sp>
@@ -1964,7 +2145,7 @@
           <a:p>
             <a:pPr lvl="0"/>
             <a:r>
-              <a:rPr lang="it-IT" smtClean="0"/>
+              <a:rPr lang="it-IT"/>
               <a:t>Modifica gli stili del testo dello schema</a:t>
             </a:r>
           </a:p>
@@ -1987,7 +2168,7 @@
           <a:p>
             <a:fld id="{5243369B-FBAA-403C-8A1E-C9994F99F854}" type="datetimeFigureOut">
               <a:rPr lang="it-IT" smtClean="0"/>
-              <a:t>13/02/2018</a:t>
+              <a:t>16/02/2018</a:t>
             </a:fld>
             <a:endParaRPr lang="it-IT"/>
           </a:p>
@@ -2081,10 +2262,9 @@
           <a:lstStyle/>
           <a:p>
             <a:r>
-              <a:rPr lang="it-IT" smtClean="0"/>
+              <a:rPr lang="it-IT"/>
               <a:t>Fare clic per modificare lo stile del titolo</a:t>
             </a:r>
-            <a:endParaRPr lang="it-IT"/>
           </a:p>
         </p:txBody>
       </p:sp>
@@ -2110,38 +2290,37 @@
           <a:p>
             <a:pPr lvl="0"/>
             <a:r>
-              <a:rPr lang="it-IT" smtClean="0"/>
+              <a:rPr lang="it-IT"/>
               <a:t>Modifica gli stili del testo dello schema</a:t>
             </a:r>
           </a:p>
           <a:p>
             <a:pPr lvl="1"/>
             <a:r>
-              <a:rPr lang="it-IT" smtClean="0"/>
+              <a:rPr lang="it-IT"/>
               <a:t>Secondo livello</a:t>
             </a:r>
           </a:p>
           <a:p>
             <a:pPr lvl="2"/>
             <a:r>
-              <a:rPr lang="it-IT" smtClean="0"/>
+              <a:rPr lang="it-IT"/>
               <a:t>Terzo livello</a:t>
             </a:r>
           </a:p>
           <a:p>
             <a:pPr lvl="3"/>
             <a:r>
-              <a:rPr lang="it-IT" smtClean="0"/>
+              <a:rPr lang="it-IT"/>
               <a:t>Quarto livello</a:t>
             </a:r>
           </a:p>
           <a:p>
             <a:pPr lvl="4"/>
             <a:r>
-              <a:rPr lang="it-IT" smtClean="0"/>
+              <a:rPr lang="it-IT"/>
               <a:t>Quinto livello</a:t>
             </a:r>
-            <a:endParaRPr lang="it-IT"/>
           </a:p>
         </p:txBody>
       </p:sp>
@@ -2167,38 +2346,37 @@
           <a:p>
             <a:pPr lvl="0"/>
             <a:r>
-              <a:rPr lang="it-IT" smtClean="0"/>
+              <a:rPr lang="it-IT"/>
               <a:t>Modifica gli stili del testo dello schema</a:t>
             </a:r>
           </a:p>
           <a:p>
             <a:pPr lvl="1"/>
             <a:r>
-              <a:rPr lang="it-IT" smtClean="0"/>
+              <a:rPr lang="it-IT"/>
               <a:t>Secondo livello</a:t>
             </a:r>
           </a:p>
           <a:p>
             <a:pPr lvl="2"/>
             <a:r>
-              <a:rPr lang="it-IT" smtClean="0"/>
+              <a:rPr lang="it-IT"/>
               <a:t>Terzo livello</a:t>
             </a:r>
           </a:p>
           <a:p>
             <a:pPr lvl="3"/>
             <a:r>
-              <a:rPr lang="it-IT" smtClean="0"/>
+              <a:rPr lang="it-IT"/>
               <a:t>Quarto livello</a:t>
             </a:r>
           </a:p>
           <a:p>
             <a:pPr lvl="4"/>
             <a:r>
-              <a:rPr lang="it-IT" smtClean="0"/>
+              <a:rPr lang="it-IT"/>
               <a:t>Quinto livello</a:t>
             </a:r>
-            <a:endParaRPr lang="it-IT"/>
           </a:p>
         </p:txBody>
       </p:sp>
@@ -2219,7 +2397,7 @@
           <a:p>
             <a:fld id="{5243369B-FBAA-403C-8A1E-C9994F99F854}" type="datetimeFigureOut">
               <a:rPr lang="it-IT" smtClean="0"/>
-              <a:t>13/02/2018</a:t>
+              <a:t>16/02/2018</a:t>
             </a:fld>
             <a:endParaRPr lang="it-IT"/>
           </a:p>
@@ -2318,10 +2496,9 @@
           <a:lstStyle/>
           <a:p>
             <a:r>
-              <a:rPr lang="it-IT" smtClean="0"/>
+              <a:rPr lang="it-IT"/>
               <a:t>Fare clic per modificare lo stile del titolo</a:t>
             </a:r>
-            <a:endParaRPr lang="it-IT"/>
           </a:p>
         </p:txBody>
       </p:sp>
@@ -2384,7 +2561,7 @@
           <a:p>
             <a:pPr lvl="0"/>
             <a:r>
-              <a:rPr lang="it-IT" smtClean="0"/>
+              <a:rPr lang="it-IT"/>
               <a:t>Modifica gli stili del testo dello schema</a:t>
             </a:r>
           </a:p>
@@ -2412,38 +2589,37 @@
           <a:p>
             <a:pPr lvl="0"/>
             <a:r>
-              <a:rPr lang="it-IT" smtClean="0"/>
+              <a:rPr lang="it-IT"/>
               <a:t>Modifica gli stili del testo dello schema</a:t>
             </a:r>
           </a:p>
           <a:p>
             <a:pPr lvl="1"/>
             <a:r>
-              <a:rPr lang="it-IT" smtClean="0"/>
+              <a:rPr lang="it-IT"/>
               <a:t>Secondo livello</a:t>
             </a:r>
           </a:p>
           <a:p>
             <a:pPr lvl="2"/>
             <a:r>
-              <a:rPr lang="it-IT" smtClean="0"/>
+              <a:rPr lang="it-IT"/>
               <a:t>Terzo livello</a:t>
             </a:r>
           </a:p>
           <a:p>
             <a:pPr lvl="3"/>
             <a:r>
-              <a:rPr lang="it-IT" smtClean="0"/>
+              <a:rPr lang="it-IT"/>
               <a:t>Quarto livello</a:t>
             </a:r>
           </a:p>
           <a:p>
             <a:pPr lvl="4"/>
             <a:r>
-              <a:rPr lang="it-IT" smtClean="0"/>
+              <a:rPr lang="it-IT"/>
               <a:t>Quinto livello</a:t>
             </a:r>
-            <a:endParaRPr lang="it-IT"/>
           </a:p>
         </p:txBody>
       </p:sp>
@@ -2506,7 +2682,7 @@
           <a:p>
             <a:pPr lvl="0"/>
             <a:r>
-              <a:rPr lang="it-IT" smtClean="0"/>
+              <a:rPr lang="it-IT"/>
               <a:t>Modifica gli stili del testo dello schema</a:t>
             </a:r>
           </a:p>
@@ -2534,38 +2710,37 @@
           <a:p>
             <a:pPr lvl="0"/>
             <a:r>
-              <a:rPr lang="it-IT" smtClean="0"/>
+              <a:rPr lang="it-IT"/>
               <a:t>Modifica gli stili del testo dello schema</a:t>
             </a:r>
           </a:p>
           <a:p>
             <a:pPr lvl="1"/>
             <a:r>
-              <a:rPr lang="it-IT" smtClean="0"/>
+              <a:rPr lang="it-IT"/>
               <a:t>Secondo livello</a:t>
             </a:r>
           </a:p>
           <a:p>
             <a:pPr lvl="2"/>
             <a:r>
-              <a:rPr lang="it-IT" smtClean="0"/>
+              <a:rPr lang="it-IT"/>
               <a:t>Terzo livello</a:t>
             </a:r>
           </a:p>
           <a:p>
             <a:pPr lvl="3"/>
             <a:r>
-              <a:rPr lang="it-IT" smtClean="0"/>
+              <a:rPr lang="it-IT"/>
               <a:t>Quarto livello</a:t>
             </a:r>
           </a:p>
           <a:p>
             <a:pPr lvl="4"/>
             <a:r>
-              <a:rPr lang="it-IT" smtClean="0"/>
+              <a:rPr lang="it-IT"/>
               <a:t>Quinto livello</a:t>
             </a:r>
-            <a:endParaRPr lang="it-IT"/>
           </a:p>
         </p:txBody>
       </p:sp>
@@ -2586,7 +2761,7 @@
           <a:p>
             <a:fld id="{5243369B-FBAA-403C-8A1E-C9994F99F854}" type="datetimeFigureOut">
               <a:rPr lang="it-IT" smtClean="0"/>
-              <a:t>13/02/2018</a:t>
+              <a:t>16/02/2018</a:t>
             </a:fld>
             <a:endParaRPr lang="it-IT"/>
           </a:p>
@@ -2680,10 +2855,9 @@
           <a:lstStyle/>
           <a:p>
             <a:r>
-              <a:rPr lang="it-IT" smtClean="0"/>
+              <a:rPr lang="it-IT"/>
               <a:t>Fare clic per modificare lo stile del titolo</a:t>
             </a:r>
-            <a:endParaRPr lang="it-IT"/>
           </a:p>
         </p:txBody>
       </p:sp>
@@ -2704,7 +2878,7 @@
           <a:p>
             <a:fld id="{5243369B-FBAA-403C-8A1E-C9994F99F854}" type="datetimeFigureOut">
               <a:rPr lang="it-IT" smtClean="0"/>
-              <a:t>13/02/2018</a:t>
+              <a:t>16/02/2018</a:t>
             </a:fld>
             <a:endParaRPr lang="it-IT"/>
           </a:p>
@@ -2799,7 +2973,7 @@
           <a:p>
             <a:fld id="{5243369B-FBAA-403C-8A1E-C9994F99F854}" type="datetimeFigureOut">
               <a:rPr lang="it-IT" smtClean="0"/>
-              <a:t>13/02/2018</a:t>
+              <a:t>16/02/2018</a:t>
             </a:fld>
             <a:endParaRPr lang="it-IT"/>
           </a:p>
@@ -2902,10 +3076,9 @@
           </a:lstStyle>
           <a:p>
             <a:r>
-              <a:rPr lang="it-IT" smtClean="0"/>
+              <a:rPr lang="it-IT"/>
               <a:t>Fare clic per modificare lo stile del titolo</a:t>
             </a:r>
-            <a:endParaRPr lang="it-IT"/>
           </a:p>
         </p:txBody>
       </p:sp>
@@ -2959,38 +3132,37 @@
           <a:p>
             <a:pPr lvl="0"/>
             <a:r>
-              <a:rPr lang="it-IT" smtClean="0"/>
+              <a:rPr lang="it-IT"/>
               <a:t>Modifica gli stili del testo dello schema</a:t>
             </a:r>
           </a:p>
           <a:p>
             <a:pPr lvl="1"/>
             <a:r>
-              <a:rPr lang="it-IT" smtClean="0"/>
+              <a:rPr lang="it-IT"/>
               <a:t>Secondo livello</a:t>
             </a:r>
           </a:p>
           <a:p>
             <a:pPr lvl="2"/>
             <a:r>
-              <a:rPr lang="it-IT" smtClean="0"/>
+              <a:rPr lang="it-IT"/>
               <a:t>Terzo livello</a:t>
             </a:r>
           </a:p>
           <a:p>
             <a:pPr lvl="3"/>
             <a:r>
-              <a:rPr lang="it-IT" smtClean="0"/>
+              <a:rPr lang="it-IT"/>
               <a:t>Quarto livello</a:t>
             </a:r>
           </a:p>
           <a:p>
             <a:pPr lvl="4"/>
             <a:r>
-              <a:rPr lang="it-IT" smtClean="0"/>
+              <a:rPr lang="it-IT"/>
               <a:t>Quinto livello</a:t>
             </a:r>
-            <a:endParaRPr lang="it-IT"/>
           </a:p>
         </p:txBody>
       </p:sp>
@@ -3053,7 +3225,7 @@
           <a:p>
             <a:pPr lvl="0"/>
             <a:r>
-              <a:rPr lang="it-IT" smtClean="0"/>
+              <a:rPr lang="it-IT"/>
               <a:t>Modifica gli stili del testo dello schema</a:t>
             </a:r>
           </a:p>
@@ -3076,7 +3248,7 @@
           <a:p>
             <a:fld id="{5243369B-FBAA-403C-8A1E-C9994F99F854}" type="datetimeFigureOut">
               <a:rPr lang="it-IT" smtClean="0"/>
-              <a:t>13/02/2018</a:t>
+              <a:t>16/02/2018</a:t>
             </a:fld>
             <a:endParaRPr lang="it-IT"/>
           </a:p>
@@ -3179,10 +3351,9 @@
           </a:lstStyle>
           <a:p>
             <a:r>
-              <a:rPr lang="it-IT" smtClean="0"/>
+              <a:rPr lang="it-IT"/>
               <a:t>Fare clic per modificare lo stile del titolo</a:t>
             </a:r>
-            <a:endParaRPr lang="it-IT"/>
           </a:p>
         </p:txBody>
       </p:sp>
@@ -3306,7 +3477,7 @@
           <a:p>
             <a:pPr lvl="0"/>
             <a:r>
-              <a:rPr lang="it-IT" smtClean="0"/>
+              <a:rPr lang="it-IT"/>
               <a:t>Modifica gli stili del testo dello schema</a:t>
             </a:r>
           </a:p>
@@ -3329,7 +3500,7 @@
           <a:p>
             <a:fld id="{5243369B-FBAA-403C-8A1E-C9994F99F854}" type="datetimeFigureOut">
               <a:rPr lang="it-IT" smtClean="0"/>
-              <a:t>13/02/2018</a:t>
+              <a:t>16/02/2018</a:t>
             </a:fld>
             <a:endParaRPr lang="it-IT"/>
           </a:p>
@@ -3438,10 +3609,9 @@
           <a:lstStyle/>
           <a:p>
             <a:r>
-              <a:rPr lang="it-IT" smtClean="0"/>
+              <a:rPr lang="it-IT"/>
               <a:t>Fare clic per modificare lo stile del titolo</a:t>
             </a:r>
-            <a:endParaRPr lang="it-IT"/>
           </a:p>
         </p:txBody>
       </p:sp>
@@ -3472,38 +3642,37 @@
           <a:p>
             <a:pPr lvl="0"/>
             <a:r>
-              <a:rPr lang="it-IT" smtClean="0"/>
+              <a:rPr lang="it-IT"/>
               <a:t>Modifica gli stili del testo dello schema</a:t>
             </a:r>
           </a:p>
           <a:p>
             <a:pPr lvl="1"/>
             <a:r>
-              <a:rPr lang="it-IT" smtClean="0"/>
+              <a:rPr lang="it-IT"/>
               <a:t>Secondo livello</a:t>
             </a:r>
           </a:p>
           <a:p>
             <a:pPr lvl="2"/>
             <a:r>
-              <a:rPr lang="it-IT" smtClean="0"/>
+              <a:rPr lang="it-IT"/>
               <a:t>Terzo livello</a:t>
             </a:r>
           </a:p>
           <a:p>
             <a:pPr lvl="3"/>
             <a:r>
-              <a:rPr lang="it-IT" smtClean="0"/>
+              <a:rPr lang="it-IT"/>
               <a:t>Quarto livello</a:t>
             </a:r>
           </a:p>
           <a:p>
             <a:pPr lvl="4"/>
             <a:r>
-              <a:rPr lang="it-IT" smtClean="0"/>
+              <a:rPr lang="it-IT"/>
               <a:t>Quinto livello</a:t>
             </a:r>
-            <a:endParaRPr lang="it-IT"/>
           </a:p>
         </p:txBody>
       </p:sp>
@@ -3542,7 +3711,7 @@
           <a:p>
             <a:fld id="{5243369B-FBAA-403C-8A1E-C9994F99F854}" type="datetimeFigureOut">
               <a:rPr lang="it-IT" smtClean="0"/>
-              <a:t>13/02/2018</a:t>
+              <a:t>16/02/2018</a:t>
             </a:fld>
             <a:endParaRPr lang="it-IT"/>
           </a:p>
@@ -3963,14 +4132,13 @@
           <a:lstStyle/>
           <a:p>
             <a:r>
-              <a:rPr lang="it-IT" dirty="0" err="1" smtClean="0"/>
+              <a:rPr lang="it-IT" dirty="0" err="1"/>
               <a:t>Don’t</a:t>
             </a:r>
             <a:r>
-              <a:rPr lang="it-IT" dirty="0" smtClean="0"/>
+              <a:rPr lang="it-IT" dirty="0"/>
               <a:t> Die</a:t>
             </a:r>
-            <a:endParaRPr lang="it-IT" dirty="0"/>
           </a:p>
         </p:txBody>
       </p:sp>
@@ -3990,10 +4158,9 @@
           <a:lstStyle/>
           <a:p>
             <a:r>
-              <a:rPr lang="it-IT" dirty="0" smtClean="0"/>
+              <a:rPr lang="it-IT" dirty="0"/>
               <a:t>Elaborato Sistemi Discreti</a:t>
             </a:r>
-            <a:endParaRPr lang="it-IT" dirty="0"/>
           </a:p>
         </p:txBody>
       </p:sp>
@@ -4007,13 +4174,6 @@
   <p:clrMapOvr>
     <a:masterClrMapping/>
   </p:clrMapOvr>
-  <p:timing>
-    <p:tnLst>
-      <p:par>
-        <p:cTn id="1" dur="indefinite" restart="never" nodeType="tmRoot"/>
-      </p:par>
-    </p:tnLst>
-  </p:timing>
 </p:sld>
 </file>
 
@@ -4091,18 +4251,13 @@
             <a:p>
               <a:pPr algn="ctr"/>
               <a:r>
-                <a:rPr lang="it-IT" sz="2000" dirty="0" smtClean="0">
+                <a:rPr lang="it-IT" sz="2000" dirty="0">
                   <a:solidFill>
                     <a:schemeClr val="tx1"/>
                   </a:solidFill>
                 </a:rPr>
                 <a:t>Up-Right</a:t>
               </a:r>
-              <a:endParaRPr lang="it-IT" sz="2000" dirty="0">
-                <a:solidFill>
-                  <a:schemeClr val="tx1"/>
-                </a:solidFill>
-              </a:endParaRPr>
             </a:p>
           </p:txBody>
         </p:sp>
@@ -4182,8 +4337,8 @@
             </a:fontRef>
           </p:style>
         </p:cxnSp>
-        <mc:AlternateContent xmlns:mc="http://schemas.openxmlformats.org/markup-compatibility/2006">
-          <mc:Choice xmlns:a14="http://schemas.microsoft.com/office/drawing/2010/main" Requires="a14">
+        <mc:AlternateContent xmlns:mc="http://schemas.openxmlformats.org/markup-compatibility/2006" xmlns:a14="http://schemas.microsoft.com/office/drawing/2010/main">
+          <mc:Choice Requires="a14">
             <p:sp>
               <p:nvSpPr>
                 <p:cNvPr id="9" name="CasellaDiTesto 8"/>
@@ -4206,6 +4361,7 @@
                 </a:bodyPr>
                 <a:lstStyle/>
                 <a:p>
+                  <a:pPr/>
                   <a14:m>
                     <m:oMathPara xmlns:m="http://schemas.openxmlformats.org/officeDocument/2006/math">
                       <m:oMathParaPr>
@@ -4251,9 +4407,10 @@
                       </m:oMath>
                     </m:oMathPara>
                   </a14:m>
-                  <a:endParaRPr lang="it-IT" sz="1400" b="0" dirty="0" smtClean="0"/>
+                  <a:endParaRPr lang="it-IT" sz="1400" b="0" dirty="0"/>
                 </a:p>
                 <a:p>
+                  <a:pPr/>
                   <a14:m>
                     <m:oMathPara xmlns:m="http://schemas.openxmlformats.org/officeDocument/2006/math">
                       <m:oMathParaPr>
@@ -4304,7 +4461,7 @@
               </p:txBody>
             </p:sp>
           </mc:Choice>
-          <mc:Fallback>
+          <mc:Fallback xmlns="">
             <p:sp>
               <p:nvSpPr>
                 <p:cNvPr id="9" name="CasellaDiTesto 8"/>
@@ -4367,7 +4524,7 @@
           <a:lstStyle/>
           <a:p>
             <a:r>
-              <a:rPr lang="it-IT" dirty="0" smtClean="0"/>
+              <a:rPr lang="it-IT" dirty="0"/>
               <a:t>Input:</a:t>
             </a:r>
           </a:p>
@@ -4377,27 +4534,27 @@
               <a:buChar char="•"/>
             </a:pPr>
             <a:r>
-              <a:rPr lang="it-IT" i="1" dirty="0" smtClean="0"/>
+              <a:rPr lang="it-IT" i="1" dirty="0"/>
               <a:t>w</a:t>
             </a:r>
             <a:r>
-              <a:rPr lang="it-IT" dirty="0" smtClean="0"/>
+              <a:rPr lang="it-IT" dirty="0"/>
               <a:t> (</a:t>
             </a:r>
             <a:r>
-              <a:rPr lang="it-IT" dirty="0" err="1" smtClean="0"/>
+              <a:rPr lang="it-IT" dirty="0" err="1"/>
               <a:t>present</a:t>
             </a:r>
             <a:r>
-              <a:rPr lang="it-IT" dirty="0" smtClean="0"/>
+              <a:rPr lang="it-IT" dirty="0"/>
               <a:t>, </a:t>
             </a:r>
             <a:r>
-              <a:rPr lang="it-IT" dirty="0" err="1" smtClean="0"/>
+              <a:rPr lang="it-IT" dirty="0" err="1"/>
               <a:t>absent</a:t>
             </a:r>
             <a:r>
-              <a:rPr lang="it-IT" dirty="0" smtClean="0"/>
+              <a:rPr lang="it-IT" dirty="0"/>
               <a:t>);</a:t>
             </a:r>
           </a:p>
@@ -4407,30 +4564,29 @@
               <a:buChar char="•"/>
             </a:pPr>
             <a:r>
-              <a:rPr lang="it-IT" i="1" dirty="0" smtClean="0"/>
+              <a:rPr lang="it-IT" i="1" dirty="0"/>
               <a:t>a </a:t>
             </a:r>
             <a:r>
-              <a:rPr lang="it-IT" dirty="0" smtClean="0"/>
+              <a:rPr lang="it-IT" dirty="0"/>
               <a:t>(</a:t>
             </a:r>
             <a:r>
-              <a:rPr lang="it-IT" dirty="0" err="1" smtClean="0"/>
+              <a:rPr lang="it-IT" dirty="0" err="1"/>
               <a:t>present</a:t>
             </a:r>
             <a:r>
-              <a:rPr lang="it-IT" dirty="0" smtClean="0"/>
+              <a:rPr lang="it-IT" dirty="0"/>
               <a:t>, </a:t>
             </a:r>
             <a:r>
-              <a:rPr lang="it-IT" dirty="0" err="1" smtClean="0"/>
+              <a:rPr lang="it-IT" dirty="0" err="1"/>
               <a:t>absent</a:t>
             </a:r>
             <a:r>
-              <a:rPr lang="it-IT" dirty="0" smtClean="0"/>
+              <a:rPr lang="it-IT" dirty="0"/>
               <a:t>);</a:t>
             </a:r>
-            <a:endParaRPr lang="it-IT" dirty="0" smtClean="0"/>
           </a:p>
           <a:p>
             <a:pPr marL="285750" indent="-285750">
@@ -4438,34 +4594,29 @@
               <a:buChar char="•"/>
             </a:pPr>
             <a:r>
-              <a:rPr lang="it-IT" i="1" dirty="0" smtClean="0"/>
+              <a:rPr lang="it-IT" i="1" dirty="0"/>
               <a:t>s</a:t>
             </a:r>
             <a:r>
-              <a:rPr lang="it-IT" dirty="0" smtClean="0"/>
-              <a:t> </a:t>
-            </a:r>
-            <a:r>
-              <a:rPr lang="it-IT" dirty="0" smtClean="0"/>
-              <a:t>(</a:t>
-            </a:r>
-            <a:r>
-              <a:rPr lang="it-IT" dirty="0" err="1" smtClean="0"/>
+              <a:rPr lang="it-IT" dirty="0"/>
+              <a:t> (</a:t>
+            </a:r>
+            <a:r>
+              <a:rPr lang="it-IT" dirty="0" err="1"/>
               <a:t>present</a:t>
             </a:r>
             <a:r>
-              <a:rPr lang="it-IT" dirty="0" smtClean="0"/>
+              <a:rPr lang="it-IT" dirty="0"/>
               <a:t>, </a:t>
             </a:r>
             <a:r>
-              <a:rPr lang="it-IT" dirty="0" err="1" smtClean="0"/>
+              <a:rPr lang="it-IT" dirty="0" err="1"/>
               <a:t>absent</a:t>
             </a:r>
             <a:r>
-              <a:rPr lang="it-IT" dirty="0" smtClean="0"/>
+              <a:rPr lang="it-IT" dirty="0"/>
               <a:t>);</a:t>
             </a:r>
-            <a:endParaRPr lang="it-IT" dirty="0" smtClean="0"/>
           </a:p>
           <a:p>
             <a:pPr marL="285750" indent="-285750">
@@ -4473,31 +4624,27 @@
               <a:buChar char="•"/>
             </a:pPr>
             <a:r>
-              <a:rPr lang="it-IT" i="1" dirty="0" smtClean="0"/>
+              <a:rPr lang="it-IT" i="1" dirty="0"/>
               <a:t>d</a:t>
             </a:r>
             <a:r>
-              <a:rPr lang="it-IT" dirty="0" smtClean="0"/>
-              <a:t> </a:t>
-            </a:r>
-            <a:r>
-              <a:rPr lang="it-IT" dirty="0" smtClean="0"/>
-              <a:t>(</a:t>
-            </a:r>
-            <a:r>
-              <a:rPr lang="it-IT" dirty="0" err="1" smtClean="0"/>
+              <a:rPr lang="it-IT" dirty="0"/>
+              <a:t> (</a:t>
+            </a:r>
+            <a:r>
+              <a:rPr lang="it-IT" dirty="0" err="1"/>
               <a:t>present</a:t>
             </a:r>
             <a:r>
-              <a:rPr lang="it-IT" dirty="0" smtClean="0"/>
+              <a:rPr lang="it-IT" dirty="0"/>
               <a:t>, </a:t>
             </a:r>
             <a:r>
-              <a:rPr lang="it-IT" dirty="0" err="1" smtClean="0"/>
+              <a:rPr lang="it-IT" dirty="0" err="1"/>
               <a:t>absent</a:t>
             </a:r>
             <a:r>
-              <a:rPr lang="it-IT" dirty="0" smtClean="0"/>
+              <a:rPr lang="it-IT" dirty="0"/>
               <a:t>);</a:t>
             </a:r>
           </a:p>
@@ -4507,10 +4654,9 @@
               <a:buChar char="•"/>
             </a:pPr>
             <a:r>
-              <a:rPr lang="it-IT" i="1" dirty="0" smtClean="0"/>
+              <a:rPr lang="it-IT" i="1" dirty="0"/>
               <a:t>position</a:t>
             </a:r>
-            <a:endParaRPr lang="it-IT" i="1" dirty="0" smtClean="0"/>
           </a:p>
         </p:txBody>
       </p:sp>
@@ -4537,7 +4683,7 @@
           <a:lstStyle/>
           <a:p>
             <a:r>
-              <a:rPr lang="it-IT" dirty="0" smtClean="0"/>
+              <a:rPr lang="it-IT" dirty="0"/>
               <a:t>Output:</a:t>
             </a:r>
           </a:p>
@@ -4547,7 +4693,7 @@
               <a:buChar char="•"/>
             </a:pPr>
             <a:r>
-              <a:rPr lang="it-IT" i="1" dirty="0" smtClean="0"/>
+              <a:rPr lang="it-IT" i="1" dirty="0"/>
               <a:t>Stop</a:t>
             </a:r>
           </a:p>
@@ -4576,7 +4722,7 @@
           <a:lstStyle/>
           <a:p>
             <a:r>
-              <a:rPr lang="it-IT" dirty="0" smtClean="0"/>
+              <a:rPr lang="it-IT" dirty="0"/>
               <a:t>Parametri:</a:t>
             </a:r>
           </a:p>
@@ -4586,19 +4732,19 @@
               <a:buChar char="•"/>
             </a:pPr>
             <a:r>
-              <a:rPr lang="it-IT" i="1" dirty="0" smtClean="0"/>
+              <a:rPr lang="it-IT" i="1" dirty="0"/>
               <a:t>x</a:t>
             </a:r>
             <a:r>
-              <a:rPr lang="it-IT" i="1" baseline="-25000" dirty="0" smtClean="0"/>
+              <a:rPr lang="it-IT" i="1" baseline="-25000" dirty="0"/>
               <a:t>s</a:t>
             </a:r>
             <a:r>
-              <a:rPr lang="it-IT" i="1" dirty="0" smtClean="0"/>
+              <a:rPr lang="it-IT" i="1" dirty="0"/>
               <a:t> </a:t>
             </a:r>
             <a:r>
-              <a:rPr lang="it-IT" dirty="0" smtClean="0"/>
+              <a:rPr lang="it-IT" dirty="0"/>
               <a:t>(Posizione navicella)</a:t>
             </a:r>
           </a:p>
@@ -4608,19 +4754,19 @@
               <a:buChar char="•"/>
             </a:pPr>
             <a:r>
-              <a:rPr lang="it-IT" i="1" dirty="0" smtClean="0"/>
+              <a:rPr lang="it-IT" i="1" dirty="0"/>
               <a:t>y</a:t>
             </a:r>
             <a:r>
-              <a:rPr lang="it-IT" i="1" baseline="-25000" dirty="0" smtClean="0"/>
+              <a:rPr lang="it-IT" i="1" baseline="-25000" dirty="0"/>
               <a:t>s</a:t>
             </a:r>
             <a:r>
-              <a:rPr lang="it-IT" i="1" dirty="0" smtClean="0"/>
+              <a:rPr lang="it-IT" i="1" dirty="0"/>
               <a:t> </a:t>
             </a:r>
             <a:r>
-              <a:rPr lang="it-IT" dirty="0" smtClean="0"/>
+              <a:rPr lang="it-IT" dirty="0"/>
               <a:t>(Posizione navicella)</a:t>
             </a:r>
           </a:p>
@@ -4630,11 +4776,11 @@
               <a:buChar char="•"/>
             </a:pPr>
             <a:r>
-              <a:rPr lang="it-IT" i="1" dirty="0" smtClean="0"/>
+              <a:rPr lang="it-IT" i="1" dirty="0"/>
               <a:t>v </a:t>
             </a:r>
             <a:r>
-              <a:rPr lang="it-IT" dirty="0" smtClean="0"/>
+              <a:rPr lang="it-IT" dirty="0"/>
               <a:t>(velocità costante)</a:t>
             </a:r>
           </a:p>
@@ -4643,7 +4789,7 @@
               <a:buFont typeface="Arial" panose="020B0604020202020204" pitchFamily="34" charset="0"/>
               <a:buChar char="•"/>
             </a:pPr>
-            <a:endParaRPr lang="it-IT" i="1" dirty="0" smtClean="0"/>
+            <a:endParaRPr lang="it-IT" i="1" dirty="0"/>
           </a:p>
         </p:txBody>
       </p:sp>
@@ -4671,19 +4817,19 @@
           <a:p>
             <a:pPr algn="ctr"/>
             <a:r>
-              <a:rPr lang="it-IT" dirty="0" smtClean="0"/>
+              <a:rPr lang="it-IT" dirty="0"/>
               <a:t>FSM </a:t>
             </a:r>
             <a:r>
-              <a:rPr lang="it-IT" dirty="0" err="1" smtClean="0"/>
+              <a:rPr lang="it-IT" dirty="0" err="1"/>
               <a:t>Spaceship</a:t>
             </a:r>
             <a:r>
-              <a:rPr lang="it-IT" dirty="0" smtClean="0"/>
+              <a:rPr lang="it-IT" dirty="0"/>
               <a:t>, State </a:t>
             </a:r>
             <a:r>
-              <a:rPr lang="it-IT" dirty="0" err="1" smtClean="0"/>
+              <a:rPr lang="it-IT" dirty="0" err="1"/>
               <a:t>refinement</a:t>
             </a:r>
             <a:endParaRPr lang="it-IT" dirty="0"/>
@@ -4700,21 +4846,6 @@
   <p:clrMapOvr>
     <a:masterClrMapping/>
   </p:clrMapOvr>
-  <mc:AlternateContent xmlns:mc="http://schemas.openxmlformats.org/markup-compatibility/2006">
-    <mc:Choice xmlns:p14="http://schemas.microsoft.com/office/powerpoint/2010/main" Requires="p14">
-      <p:transition spd="slow" p14:dur="2000"/>
-    </mc:Choice>
-    <mc:Fallback>
-      <p:transition spd="slow"/>
-    </mc:Fallback>
-  </mc:AlternateContent>
-  <p:timing>
-    <p:tnLst>
-      <p:par>
-        <p:cTn id="1" dur="indefinite" restart="never" nodeType="tmRoot"/>
-      </p:par>
-    </p:tnLst>
-  </p:timing>
 </p:sld>
 </file>
 
@@ -4792,18 +4923,13 @@
             <a:p>
               <a:pPr algn="ctr"/>
               <a:r>
-                <a:rPr lang="it-IT" sz="2000" dirty="0" smtClean="0">
+                <a:rPr lang="it-IT" sz="2000" dirty="0">
                   <a:solidFill>
                     <a:schemeClr val="tx1"/>
                   </a:solidFill>
                 </a:rPr>
                 <a:t>Down-Right</a:t>
               </a:r>
-              <a:endParaRPr lang="it-IT" sz="2000" dirty="0">
-                <a:solidFill>
-                  <a:schemeClr val="tx1"/>
-                </a:solidFill>
-              </a:endParaRPr>
             </a:p>
           </p:txBody>
         </p:sp>
@@ -4883,8 +5009,8 @@
             </a:fontRef>
           </p:style>
         </p:cxnSp>
-        <mc:AlternateContent xmlns:mc="http://schemas.openxmlformats.org/markup-compatibility/2006">
-          <mc:Choice xmlns:a14="http://schemas.microsoft.com/office/drawing/2010/main" Requires="a14">
+        <mc:AlternateContent xmlns:mc="http://schemas.openxmlformats.org/markup-compatibility/2006" xmlns:a14="http://schemas.microsoft.com/office/drawing/2010/main">
+          <mc:Choice Requires="a14">
             <p:sp>
               <p:nvSpPr>
                 <p:cNvPr id="9" name="CasellaDiTesto 8"/>
@@ -4907,6 +5033,7 @@
                 </a:bodyPr>
                 <a:lstStyle/>
                 <a:p>
+                  <a:pPr/>
                   <a14:m>
                     <m:oMathPara xmlns:m="http://schemas.openxmlformats.org/officeDocument/2006/math">
                       <m:oMathParaPr>
@@ -4952,9 +5079,10 @@
                       </m:oMath>
                     </m:oMathPara>
                   </a14:m>
-                  <a:endParaRPr lang="it-IT" sz="1400" b="0" dirty="0" smtClean="0"/>
+                  <a:endParaRPr lang="it-IT" sz="1400" b="0" dirty="0"/>
                 </a:p>
                 <a:p>
+                  <a:pPr/>
                   <a14:m>
                     <m:oMathPara xmlns:m="http://schemas.openxmlformats.org/officeDocument/2006/math">
                       <m:oMathParaPr>
@@ -4989,13 +5117,7 @@
                           <a:rPr lang="it-IT" sz="1400" b="0" i="1" smtClean="0">
                             <a:latin typeface="Cambria Math" panose="02040503050406030204" pitchFamily="18" charset="0"/>
                           </a:rPr>
-                          <m:t>=</m:t>
-                        </m:r>
-                        <m:r>
-                          <a:rPr lang="it-IT" sz="1400" b="0" i="1" smtClean="0">
-                            <a:latin typeface="Cambria Math" panose="02040503050406030204" pitchFamily="18" charset="0"/>
-                          </a:rPr>
-                          <m:t>−</m:t>
+                          <m:t>=−</m:t>
                         </m:r>
                         <m:r>
                           <a:rPr lang="it-IT" sz="1400" b="0" i="1" smtClean="0">
@@ -5011,7 +5133,7 @@
               </p:txBody>
             </p:sp>
           </mc:Choice>
-          <mc:Fallback>
+          <mc:Fallback xmlns="">
             <p:sp>
               <p:nvSpPr>
                 <p:cNvPr id="9" name="CasellaDiTesto 8"/>
@@ -5074,7 +5196,7 @@
           <a:lstStyle/>
           <a:p>
             <a:r>
-              <a:rPr lang="it-IT" dirty="0" smtClean="0"/>
+              <a:rPr lang="it-IT" dirty="0"/>
               <a:t>Input:</a:t>
             </a:r>
           </a:p>
@@ -5084,27 +5206,27 @@
               <a:buChar char="•"/>
             </a:pPr>
             <a:r>
-              <a:rPr lang="it-IT" i="1" dirty="0" smtClean="0"/>
+              <a:rPr lang="it-IT" i="1" dirty="0"/>
               <a:t>w</a:t>
             </a:r>
             <a:r>
-              <a:rPr lang="it-IT" dirty="0" smtClean="0"/>
+              <a:rPr lang="it-IT" dirty="0"/>
               <a:t> (</a:t>
             </a:r>
             <a:r>
-              <a:rPr lang="it-IT" dirty="0" err="1" smtClean="0"/>
+              <a:rPr lang="it-IT" dirty="0" err="1"/>
               <a:t>present</a:t>
             </a:r>
             <a:r>
-              <a:rPr lang="it-IT" dirty="0" smtClean="0"/>
+              <a:rPr lang="it-IT" dirty="0"/>
               <a:t>, </a:t>
             </a:r>
             <a:r>
-              <a:rPr lang="it-IT" dirty="0" err="1" smtClean="0"/>
+              <a:rPr lang="it-IT" dirty="0" err="1"/>
               <a:t>absent</a:t>
             </a:r>
             <a:r>
-              <a:rPr lang="it-IT" dirty="0" smtClean="0"/>
+              <a:rPr lang="it-IT" dirty="0"/>
               <a:t>);</a:t>
             </a:r>
           </a:p>
@@ -5114,30 +5236,29 @@
               <a:buChar char="•"/>
             </a:pPr>
             <a:r>
-              <a:rPr lang="it-IT" i="1" dirty="0" smtClean="0"/>
+              <a:rPr lang="it-IT" i="1" dirty="0"/>
               <a:t>a </a:t>
             </a:r>
             <a:r>
-              <a:rPr lang="it-IT" dirty="0" smtClean="0"/>
+              <a:rPr lang="it-IT" dirty="0"/>
               <a:t>(</a:t>
             </a:r>
             <a:r>
-              <a:rPr lang="it-IT" dirty="0" err="1" smtClean="0"/>
+              <a:rPr lang="it-IT" dirty="0" err="1"/>
               <a:t>present</a:t>
             </a:r>
             <a:r>
-              <a:rPr lang="it-IT" dirty="0" smtClean="0"/>
+              <a:rPr lang="it-IT" dirty="0"/>
               <a:t>, </a:t>
             </a:r>
             <a:r>
-              <a:rPr lang="it-IT" dirty="0" err="1" smtClean="0"/>
+              <a:rPr lang="it-IT" dirty="0" err="1"/>
               <a:t>absent</a:t>
             </a:r>
             <a:r>
-              <a:rPr lang="it-IT" dirty="0" smtClean="0"/>
+              <a:rPr lang="it-IT" dirty="0"/>
               <a:t>);</a:t>
             </a:r>
-            <a:endParaRPr lang="it-IT" dirty="0" smtClean="0"/>
           </a:p>
           <a:p>
             <a:pPr marL="285750" indent="-285750">
@@ -5145,34 +5266,29 @@
               <a:buChar char="•"/>
             </a:pPr>
             <a:r>
-              <a:rPr lang="it-IT" i="1" dirty="0" smtClean="0"/>
+              <a:rPr lang="it-IT" i="1" dirty="0"/>
               <a:t>s</a:t>
             </a:r>
             <a:r>
-              <a:rPr lang="it-IT" dirty="0" smtClean="0"/>
-              <a:t> </a:t>
-            </a:r>
-            <a:r>
-              <a:rPr lang="it-IT" dirty="0" smtClean="0"/>
-              <a:t>(</a:t>
-            </a:r>
-            <a:r>
-              <a:rPr lang="it-IT" dirty="0" err="1" smtClean="0"/>
+              <a:rPr lang="it-IT" dirty="0"/>
+              <a:t> (</a:t>
+            </a:r>
+            <a:r>
+              <a:rPr lang="it-IT" dirty="0" err="1"/>
               <a:t>present</a:t>
             </a:r>
             <a:r>
-              <a:rPr lang="it-IT" dirty="0" smtClean="0"/>
+              <a:rPr lang="it-IT" dirty="0"/>
               <a:t>, </a:t>
             </a:r>
             <a:r>
-              <a:rPr lang="it-IT" dirty="0" err="1" smtClean="0"/>
+              <a:rPr lang="it-IT" dirty="0" err="1"/>
               <a:t>absent</a:t>
             </a:r>
             <a:r>
-              <a:rPr lang="it-IT" dirty="0" smtClean="0"/>
+              <a:rPr lang="it-IT" dirty="0"/>
               <a:t>);</a:t>
             </a:r>
-            <a:endParaRPr lang="it-IT" dirty="0" smtClean="0"/>
           </a:p>
           <a:p>
             <a:pPr marL="285750" indent="-285750">
@@ -5180,31 +5296,27 @@
               <a:buChar char="•"/>
             </a:pPr>
             <a:r>
-              <a:rPr lang="it-IT" i="1" dirty="0" smtClean="0"/>
+              <a:rPr lang="it-IT" i="1" dirty="0"/>
               <a:t>d</a:t>
             </a:r>
             <a:r>
-              <a:rPr lang="it-IT" dirty="0" smtClean="0"/>
-              <a:t> </a:t>
-            </a:r>
-            <a:r>
-              <a:rPr lang="it-IT" dirty="0" smtClean="0"/>
-              <a:t>(</a:t>
-            </a:r>
-            <a:r>
-              <a:rPr lang="it-IT" dirty="0" err="1" smtClean="0"/>
+              <a:rPr lang="it-IT" dirty="0"/>
+              <a:t> (</a:t>
+            </a:r>
+            <a:r>
+              <a:rPr lang="it-IT" dirty="0" err="1"/>
               <a:t>present</a:t>
             </a:r>
             <a:r>
-              <a:rPr lang="it-IT" dirty="0" smtClean="0"/>
+              <a:rPr lang="it-IT" dirty="0"/>
               <a:t>, </a:t>
             </a:r>
             <a:r>
-              <a:rPr lang="it-IT" dirty="0" err="1" smtClean="0"/>
+              <a:rPr lang="it-IT" dirty="0" err="1"/>
               <a:t>absent</a:t>
             </a:r>
             <a:r>
-              <a:rPr lang="it-IT" dirty="0" smtClean="0"/>
+              <a:rPr lang="it-IT" dirty="0"/>
               <a:t>);</a:t>
             </a:r>
           </a:p>
@@ -5214,10 +5326,9 @@
               <a:buChar char="•"/>
             </a:pPr>
             <a:r>
-              <a:rPr lang="it-IT" i="1" dirty="0" smtClean="0"/>
+              <a:rPr lang="it-IT" i="1" dirty="0"/>
               <a:t>position</a:t>
             </a:r>
-            <a:endParaRPr lang="it-IT" i="1" dirty="0" smtClean="0"/>
           </a:p>
         </p:txBody>
       </p:sp>
@@ -5244,7 +5355,7 @@
           <a:lstStyle/>
           <a:p>
             <a:r>
-              <a:rPr lang="it-IT" dirty="0" smtClean="0"/>
+              <a:rPr lang="it-IT" dirty="0"/>
               <a:t>Output:</a:t>
             </a:r>
           </a:p>
@@ -5254,7 +5365,7 @@
               <a:buChar char="•"/>
             </a:pPr>
             <a:r>
-              <a:rPr lang="it-IT" i="1" dirty="0" smtClean="0"/>
+              <a:rPr lang="it-IT" i="1" dirty="0"/>
               <a:t>Stop</a:t>
             </a:r>
           </a:p>
@@ -5283,7 +5394,7 @@
           <a:lstStyle/>
           <a:p>
             <a:r>
-              <a:rPr lang="it-IT" dirty="0" smtClean="0"/>
+              <a:rPr lang="it-IT" dirty="0"/>
               <a:t>Parametri:</a:t>
             </a:r>
           </a:p>
@@ -5293,19 +5404,19 @@
               <a:buChar char="•"/>
             </a:pPr>
             <a:r>
-              <a:rPr lang="it-IT" i="1" dirty="0" smtClean="0"/>
+              <a:rPr lang="it-IT" i="1" dirty="0"/>
               <a:t>x</a:t>
             </a:r>
             <a:r>
-              <a:rPr lang="it-IT" i="1" baseline="-25000" dirty="0" smtClean="0"/>
+              <a:rPr lang="it-IT" i="1" baseline="-25000" dirty="0"/>
               <a:t>s</a:t>
             </a:r>
             <a:r>
-              <a:rPr lang="it-IT" i="1" dirty="0" smtClean="0"/>
+              <a:rPr lang="it-IT" i="1" dirty="0"/>
               <a:t> </a:t>
             </a:r>
             <a:r>
-              <a:rPr lang="it-IT" dirty="0" smtClean="0"/>
+              <a:rPr lang="it-IT" dirty="0"/>
               <a:t>(Posizione navicella)</a:t>
             </a:r>
           </a:p>
@@ -5315,19 +5426,19 @@
               <a:buChar char="•"/>
             </a:pPr>
             <a:r>
-              <a:rPr lang="it-IT" i="1" dirty="0" smtClean="0"/>
+              <a:rPr lang="it-IT" i="1" dirty="0"/>
               <a:t>y</a:t>
             </a:r>
             <a:r>
-              <a:rPr lang="it-IT" i="1" baseline="-25000" dirty="0" smtClean="0"/>
+              <a:rPr lang="it-IT" i="1" baseline="-25000" dirty="0"/>
               <a:t>s</a:t>
             </a:r>
             <a:r>
-              <a:rPr lang="it-IT" i="1" dirty="0" smtClean="0"/>
+              <a:rPr lang="it-IT" i="1" dirty="0"/>
               <a:t> </a:t>
             </a:r>
             <a:r>
-              <a:rPr lang="it-IT" dirty="0" smtClean="0"/>
+              <a:rPr lang="it-IT" dirty="0"/>
               <a:t>(Posizione navicella)</a:t>
             </a:r>
           </a:p>
@@ -5337,11 +5448,11 @@
               <a:buChar char="•"/>
             </a:pPr>
             <a:r>
-              <a:rPr lang="it-IT" i="1" dirty="0" smtClean="0"/>
+              <a:rPr lang="it-IT" i="1" dirty="0"/>
               <a:t>v </a:t>
             </a:r>
             <a:r>
-              <a:rPr lang="it-IT" dirty="0" smtClean="0"/>
+              <a:rPr lang="it-IT" dirty="0"/>
               <a:t>(velocità costante)</a:t>
             </a:r>
           </a:p>
@@ -5350,7 +5461,7 @@
               <a:buFont typeface="Arial" panose="020B0604020202020204" pitchFamily="34" charset="0"/>
               <a:buChar char="•"/>
             </a:pPr>
-            <a:endParaRPr lang="it-IT" i="1" dirty="0" smtClean="0"/>
+            <a:endParaRPr lang="it-IT" i="1" dirty="0"/>
           </a:p>
         </p:txBody>
       </p:sp>
@@ -5378,19 +5489,19 @@
           <a:p>
             <a:pPr algn="ctr"/>
             <a:r>
-              <a:rPr lang="it-IT" dirty="0" smtClean="0"/>
+              <a:rPr lang="it-IT" dirty="0"/>
               <a:t>FSM </a:t>
             </a:r>
             <a:r>
-              <a:rPr lang="it-IT" dirty="0" err="1" smtClean="0"/>
+              <a:rPr lang="it-IT" dirty="0" err="1"/>
               <a:t>Spaceship</a:t>
             </a:r>
             <a:r>
-              <a:rPr lang="it-IT" dirty="0" smtClean="0"/>
+              <a:rPr lang="it-IT" dirty="0"/>
               <a:t>, State </a:t>
             </a:r>
             <a:r>
-              <a:rPr lang="it-IT" dirty="0" err="1" smtClean="0"/>
+              <a:rPr lang="it-IT" dirty="0" err="1"/>
               <a:t>refinement</a:t>
             </a:r>
             <a:endParaRPr lang="it-IT" dirty="0"/>
@@ -5407,21 +5518,6 @@
   <p:clrMapOvr>
     <a:masterClrMapping/>
   </p:clrMapOvr>
-  <mc:AlternateContent xmlns:mc="http://schemas.openxmlformats.org/markup-compatibility/2006">
-    <mc:Choice xmlns:p14="http://schemas.microsoft.com/office/powerpoint/2010/main" Requires="p14">
-      <p:transition spd="slow" p14:dur="2000"/>
-    </mc:Choice>
-    <mc:Fallback>
-      <p:transition spd="slow"/>
-    </mc:Fallback>
-  </mc:AlternateContent>
-  <p:timing>
-    <p:tnLst>
-      <p:par>
-        <p:cTn id="1" dur="indefinite" restart="never" nodeType="tmRoot"/>
-      </p:par>
-    </p:tnLst>
-  </p:timing>
 </p:sld>
 </file>
 
@@ -5499,18 +5595,13 @@
             <a:p>
               <a:pPr algn="ctr"/>
               <a:r>
-                <a:rPr lang="it-IT" sz="2000" dirty="0" smtClean="0">
+                <a:rPr lang="it-IT" sz="2000" dirty="0">
                   <a:solidFill>
                     <a:schemeClr val="tx1"/>
                   </a:solidFill>
                 </a:rPr>
                 <a:t>Down-Left</a:t>
               </a:r>
-              <a:endParaRPr lang="it-IT" sz="2000" dirty="0">
-                <a:solidFill>
-                  <a:schemeClr val="tx1"/>
-                </a:solidFill>
-              </a:endParaRPr>
             </a:p>
           </p:txBody>
         </p:sp>
@@ -5590,8 +5681,8 @@
             </a:fontRef>
           </p:style>
         </p:cxnSp>
-        <mc:AlternateContent xmlns:mc="http://schemas.openxmlformats.org/markup-compatibility/2006">
-          <mc:Choice xmlns:a14="http://schemas.microsoft.com/office/drawing/2010/main" Requires="a14">
+        <mc:AlternateContent xmlns:mc="http://schemas.openxmlformats.org/markup-compatibility/2006" xmlns:a14="http://schemas.microsoft.com/office/drawing/2010/main">
+          <mc:Choice Requires="a14">
             <p:sp>
               <p:nvSpPr>
                 <p:cNvPr id="9" name="CasellaDiTesto 8"/>
@@ -5614,6 +5705,7 @@
                 </a:bodyPr>
                 <a:lstStyle/>
                 <a:p>
+                  <a:pPr/>
                   <a14:m>
                     <m:oMathPara xmlns:m="http://schemas.openxmlformats.org/officeDocument/2006/math">
                       <m:oMathParaPr>
@@ -5659,9 +5751,10 @@
                       </m:oMath>
                     </m:oMathPara>
                   </a14:m>
-                  <a:endParaRPr lang="it-IT" sz="1400" b="0" dirty="0" smtClean="0"/>
+                  <a:endParaRPr lang="it-IT" sz="1400" b="0" dirty="0"/>
                 </a:p>
                 <a:p>
+                  <a:pPr/>
                   <a14:m>
                     <m:oMathPara xmlns:m="http://schemas.openxmlformats.org/officeDocument/2006/math">
                       <m:oMathParaPr>
@@ -5696,13 +5789,7 @@
                           <a:rPr lang="it-IT" sz="1400" b="0" i="1" smtClean="0">
                             <a:latin typeface="Cambria Math" panose="02040503050406030204" pitchFamily="18" charset="0"/>
                           </a:rPr>
-                          <m:t>=</m:t>
-                        </m:r>
-                        <m:r>
-                          <a:rPr lang="it-IT" sz="1400" b="0" i="1" smtClean="0">
-                            <a:latin typeface="Cambria Math" panose="02040503050406030204" pitchFamily="18" charset="0"/>
-                          </a:rPr>
-                          <m:t>−</m:t>
+                          <m:t>=−</m:t>
                         </m:r>
                         <m:r>
                           <a:rPr lang="it-IT" sz="1400" b="0" i="1" smtClean="0">
@@ -5718,7 +5805,7 @@
               </p:txBody>
             </p:sp>
           </mc:Choice>
-          <mc:Fallback>
+          <mc:Fallback xmlns="">
             <p:sp>
               <p:nvSpPr>
                 <p:cNvPr id="9" name="CasellaDiTesto 8"/>
@@ -5781,7 +5868,7 @@
           <a:lstStyle/>
           <a:p>
             <a:r>
-              <a:rPr lang="it-IT" dirty="0" smtClean="0"/>
+              <a:rPr lang="it-IT" dirty="0"/>
               <a:t>Input:</a:t>
             </a:r>
           </a:p>
@@ -5791,27 +5878,27 @@
               <a:buChar char="•"/>
             </a:pPr>
             <a:r>
-              <a:rPr lang="it-IT" i="1" dirty="0" smtClean="0"/>
+              <a:rPr lang="it-IT" i="1" dirty="0"/>
               <a:t>w</a:t>
             </a:r>
             <a:r>
-              <a:rPr lang="it-IT" dirty="0" smtClean="0"/>
+              <a:rPr lang="it-IT" dirty="0"/>
               <a:t> (</a:t>
             </a:r>
             <a:r>
-              <a:rPr lang="it-IT" dirty="0" err="1" smtClean="0"/>
+              <a:rPr lang="it-IT" dirty="0" err="1"/>
               <a:t>present</a:t>
             </a:r>
             <a:r>
-              <a:rPr lang="it-IT" dirty="0" smtClean="0"/>
+              <a:rPr lang="it-IT" dirty="0"/>
               <a:t>, </a:t>
             </a:r>
             <a:r>
-              <a:rPr lang="it-IT" dirty="0" err="1" smtClean="0"/>
+              <a:rPr lang="it-IT" dirty="0" err="1"/>
               <a:t>absent</a:t>
             </a:r>
             <a:r>
-              <a:rPr lang="it-IT" dirty="0" smtClean="0"/>
+              <a:rPr lang="it-IT" dirty="0"/>
               <a:t>);</a:t>
             </a:r>
           </a:p>
@@ -5821,30 +5908,29 @@
               <a:buChar char="•"/>
             </a:pPr>
             <a:r>
-              <a:rPr lang="it-IT" i="1" dirty="0" smtClean="0"/>
+              <a:rPr lang="it-IT" i="1" dirty="0"/>
               <a:t>a </a:t>
             </a:r>
             <a:r>
-              <a:rPr lang="it-IT" dirty="0" smtClean="0"/>
+              <a:rPr lang="it-IT" dirty="0"/>
               <a:t>(</a:t>
             </a:r>
             <a:r>
-              <a:rPr lang="it-IT" dirty="0" err="1" smtClean="0"/>
+              <a:rPr lang="it-IT" dirty="0" err="1"/>
               <a:t>present</a:t>
             </a:r>
             <a:r>
-              <a:rPr lang="it-IT" dirty="0" smtClean="0"/>
+              <a:rPr lang="it-IT" dirty="0"/>
               <a:t>, </a:t>
             </a:r>
             <a:r>
-              <a:rPr lang="it-IT" dirty="0" err="1" smtClean="0"/>
+              <a:rPr lang="it-IT" dirty="0" err="1"/>
               <a:t>absent</a:t>
             </a:r>
             <a:r>
-              <a:rPr lang="it-IT" dirty="0" smtClean="0"/>
+              <a:rPr lang="it-IT" dirty="0"/>
               <a:t>);</a:t>
             </a:r>
-            <a:endParaRPr lang="it-IT" dirty="0" smtClean="0"/>
           </a:p>
           <a:p>
             <a:pPr marL="285750" indent="-285750">
@@ -5852,34 +5938,29 @@
               <a:buChar char="•"/>
             </a:pPr>
             <a:r>
-              <a:rPr lang="it-IT" i="1" dirty="0" smtClean="0"/>
+              <a:rPr lang="it-IT" i="1" dirty="0"/>
               <a:t>s</a:t>
             </a:r>
             <a:r>
-              <a:rPr lang="it-IT" dirty="0" smtClean="0"/>
-              <a:t> </a:t>
-            </a:r>
-            <a:r>
-              <a:rPr lang="it-IT" dirty="0" smtClean="0"/>
-              <a:t>(</a:t>
-            </a:r>
-            <a:r>
-              <a:rPr lang="it-IT" dirty="0" err="1" smtClean="0"/>
+              <a:rPr lang="it-IT" dirty="0"/>
+              <a:t> (</a:t>
+            </a:r>
+            <a:r>
+              <a:rPr lang="it-IT" dirty="0" err="1"/>
               <a:t>present</a:t>
             </a:r>
             <a:r>
-              <a:rPr lang="it-IT" dirty="0" smtClean="0"/>
+              <a:rPr lang="it-IT" dirty="0"/>
               <a:t>, </a:t>
             </a:r>
             <a:r>
-              <a:rPr lang="it-IT" dirty="0" err="1" smtClean="0"/>
+              <a:rPr lang="it-IT" dirty="0" err="1"/>
               <a:t>absent</a:t>
             </a:r>
             <a:r>
-              <a:rPr lang="it-IT" dirty="0" smtClean="0"/>
+              <a:rPr lang="it-IT" dirty="0"/>
               <a:t>);</a:t>
             </a:r>
-            <a:endParaRPr lang="it-IT" dirty="0" smtClean="0"/>
           </a:p>
           <a:p>
             <a:pPr marL="285750" indent="-285750">
@@ -5887,31 +5968,27 @@
               <a:buChar char="•"/>
             </a:pPr>
             <a:r>
-              <a:rPr lang="it-IT" i="1" dirty="0" smtClean="0"/>
+              <a:rPr lang="it-IT" i="1" dirty="0"/>
               <a:t>d</a:t>
             </a:r>
             <a:r>
-              <a:rPr lang="it-IT" dirty="0" smtClean="0"/>
-              <a:t> </a:t>
-            </a:r>
-            <a:r>
-              <a:rPr lang="it-IT" dirty="0" smtClean="0"/>
-              <a:t>(</a:t>
-            </a:r>
-            <a:r>
-              <a:rPr lang="it-IT" dirty="0" err="1" smtClean="0"/>
+              <a:rPr lang="it-IT" dirty="0"/>
+              <a:t> (</a:t>
+            </a:r>
+            <a:r>
+              <a:rPr lang="it-IT" dirty="0" err="1"/>
               <a:t>present</a:t>
             </a:r>
             <a:r>
-              <a:rPr lang="it-IT" dirty="0" smtClean="0"/>
+              <a:rPr lang="it-IT" dirty="0"/>
               <a:t>, </a:t>
             </a:r>
             <a:r>
-              <a:rPr lang="it-IT" dirty="0" err="1" smtClean="0"/>
+              <a:rPr lang="it-IT" dirty="0" err="1"/>
               <a:t>absent</a:t>
             </a:r>
             <a:r>
-              <a:rPr lang="it-IT" dirty="0" smtClean="0"/>
+              <a:rPr lang="it-IT" dirty="0"/>
               <a:t>);</a:t>
             </a:r>
           </a:p>
@@ -5921,10 +5998,9 @@
               <a:buChar char="•"/>
             </a:pPr>
             <a:r>
-              <a:rPr lang="it-IT" i="1" dirty="0" smtClean="0"/>
+              <a:rPr lang="it-IT" i="1" dirty="0"/>
               <a:t>position</a:t>
             </a:r>
-            <a:endParaRPr lang="it-IT" i="1" dirty="0" smtClean="0"/>
           </a:p>
         </p:txBody>
       </p:sp>
@@ -5951,7 +6027,7 @@
           <a:lstStyle/>
           <a:p>
             <a:r>
-              <a:rPr lang="it-IT" dirty="0" smtClean="0"/>
+              <a:rPr lang="it-IT" dirty="0"/>
               <a:t>Output:</a:t>
             </a:r>
           </a:p>
@@ -5961,7 +6037,7 @@
               <a:buChar char="•"/>
             </a:pPr>
             <a:r>
-              <a:rPr lang="it-IT" i="1" dirty="0" smtClean="0"/>
+              <a:rPr lang="it-IT" i="1" dirty="0"/>
               <a:t>Stop</a:t>
             </a:r>
           </a:p>
@@ -5990,7 +6066,7 @@
           <a:lstStyle/>
           <a:p>
             <a:r>
-              <a:rPr lang="it-IT" dirty="0" smtClean="0"/>
+              <a:rPr lang="it-IT" dirty="0"/>
               <a:t>Parametri:</a:t>
             </a:r>
           </a:p>
@@ -6000,19 +6076,19 @@
               <a:buChar char="•"/>
             </a:pPr>
             <a:r>
-              <a:rPr lang="it-IT" i="1" dirty="0" smtClean="0"/>
+              <a:rPr lang="it-IT" i="1" dirty="0"/>
               <a:t>x</a:t>
             </a:r>
             <a:r>
-              <a:rPr lang="it-IT" i="1" baseline="-25000" dirty="0" smtClean="0"/>
+              <a:rPr lang="it-IT" i="1" baseline="-25000" dirty="0"/>
               <a:t>s</a:t>
             </a:r>
             <a:r>
-              <a:rPr lang="it-IT" i="1" dirty="0" smtClean="0"/>
+              <a:rPr lang="it-IT" i="1" dirty="0"/>
               <a:t> </a:t>
             </a:r>
             <a:r>
-              <a:rPr lang="it-IT" dirty="0" smtClean="0"/>
+              <a:rPr lang="it-IT" dirty="0"/>
               <a:t>(Posizione navicella)</a:t>
             </a:r>
           </a:p>
@@ -6022,19 +6098,19 @@
               <a:buChar char="•"/>
             </a:pPr>
             <a:r>
-              <a:rPr lang="it-IT" i="1" dirty="0" smtClean="0"/>
+              <a:rPr lang="it-IT" i="1" dirty="0"/>
               <a:t>y</a:t>
             </a:r>
             <a:r>
-              <a:rPr lang="it-IT" i="1" baseline="-25000" dirty="0" smtClean="0"/>
+              <a:rPr lang="it-IT" i="1" baseline="-25000" dirty="0"/>
               <a:t>s</a:t>
             </a:r>
             <a:r>
-              <a:rPr lang="it-IT" i="1" dirty="0" smtClean="0"/>
+              <a:rPr lang="it-IT" i="1" dirty="0"/>
               <a:t> </a:t>
             </a:r>
             <a:r>
-              <a:rPr lang="it-IT" dirty="0" smtClean="0"/>
+              <a:rPr lang="it-IT" dirty="0"/>
               <a:t>(Posizione navicella)</a:t>
             </a:r>
           </a:p>
@@ -6044,11 +6120,11 @@
               <a:buChar char="•"/>
             </a:pPr>
             <a:r>
-              <a:rPr lang="it-IT" i="1" dirty="0" smtClean="0"/>
+              <a:rPr lang="it-IT" i="1" dirty="0"/>
               <a:t>v </a:t>
             </a:r>
             <a:r>
-              <a:rPr lang="it-IT" dirty="0" smtClean="0"/>
+              <a:rPr lang="it-IT" dirty="0"/>
               <a:t>(velocità costante)</a:t>
             </a:r>
           </a:p>
@@ -6057,7 +6133,7 @@
               <a:buFont typeface="Arial" panose="020B0604020202020204" pitchFamily="34" charset="0"/>
               <a:buChar char="•"/>
             </a:pPr>
-            <a:endParaRPr lang="it-IT" i="1" dirty="0" smtClean="0"/>
+            <a:endParaRPr lang="it-IT" i="1" dirty="0"/>
           </a:p>
         </p:txBody>
       </p:sp>
@@ -6085,19 +6161,19 @@
           <a:p>
             <a:pPr algn="ctr"/>
             <a:r>
-              <a:rPr lang="it-IT" dirty="0" smtClean="0"/>
+              <a:rPr lang="it-IT" dirty="0"/>
               <a:t>FSM </a:t>
             </a:r>
             <a:r>
-              <a:rPr lang="it-IT" dirty="0" err="1" smtClean="0"/>
+              <a:rPr lang="it-IT" dirty="0" err="1"/>
               <a:t>Spaceship</a:t>
             </a:r>
             <a:r>
-              <a:rPr lang="it-IT" dirty="0" smtClean="0"/>
+              <a:rPr lang="it-IT" dirty="0"/>
               <a:t>, State </a:t>
             </a:r>
             <a:r>
-              <a:rPr lang="it-IT" dirty="0" err="1" smtClean="0"/>
+              <a:rPr lang="it-IT" dirty="0" err="1"/>
               <a:t>refinement</a:t>
             </a:r>
             <a:endParaRPr lang="it-IT" dirty="0"/>
@@ -6114,21 +6190,6 @@
   <p:clrMapOvr>
     <a:masterClrMapping/>
   </p:clrMapOvr>
-  <mc:AlternateContent xmlns:mc="http://schemas.openxmlformats.org/markup-compatibility/2006">
-    <mc:Choice xmlns:p14="http://schemas.microsoft.com/office/powerpoint/2010/main" Requires="p14">
-      <p:transition spd="slow" p14:dur="2000"/>
-    </mc:Choice>
-    <mc:Fallback>
-      <p:transition spd="slow"/>
-    </mc:Fallback>
-  </mc:AlternateContent>
-  <p:timing>
-    <p:tnLst>
-      <p:par>
-        <p:cTn id="1" dur="indefinite" restart="never" nodeType="tmRoot"/>
-      </p:par>
-    </p:tnLst>
-  </p:timing>
 </p:sld>
 </file>
 
@@ -6206,18 +6267,13 @@
             <a:p>
               <a:pPr algn="ctr"/>
               <a:r>
-                <a:rPr lang="it-IT" sz="2000" dirty="0" smtClean="0">
+                <a:rPr lang="it-IT" sz="2000" dirty="0">
                   <a:solidFill>
                     <a:schemeClr val="tx1"/>
                   </a:solidFill>
                 </a:rPr>
                 <a:t>Up-Left</a:t>
               </a:r>
-              <a:endParaRPr lang="it-IT" sz="2000" dirty="0">
-                <a:solidFill>
-                  <a:schemeClr val="tx1"/>
-                </a:solidFill>
-              </a:endParaRPr>
             </a:p>
           </p:txBody>
         </p:sp>
@@ -6297,8 +6353,8 @@
             </a:fontRef>
           </p:style>
         </p:cxnSp>
-        <mc:AlternateContent xmlns:mc="http://schemas.openxmlformats.org/markup-compatibility/2006">
-          <mc:Choice xmlns:a14="http://schemas.microsoft.com/office/drawing/2010/main" Requires="a14">
+        <mc:AlternateContent xmlns:mc="http://schemas.openxmlformats.org/markup-compatibility/2006" xmlns:a14="http://schemas.microsoft.com/office/drawing/2010/main">
+          <mc:Choice Requires="a14">
             <p:sp>
               <p:nvSpPr>
                 <p:cNvPr id="9" name="CasellaDiTesto 8"/>
@@ -6321,6 +6377,7 @@
                 </a:bodyPr>
                 <a:lstStyle/>
                 <a:p>
+                  <a:pPr/>
                   <a14:m>
                     <m:oMathPara xmlns:m="http://schemas.openxmlformats.org/officeDocument/2006/math">
                       <m:oMathParaPr>
@@ -6366,9 +6423,10 @@
                       </m:oMath>
                     </m:oMathPara>
                   </a14:m>
-                  <a:endParaRPr lang="it-IT" sz="1400" b="0" dirty="0" smtClean="0"/>
+                  <a:endParaRPr lang="it-IT" sz="1400" b="0" dirty="0"/>
                 </a:p>
                 <a:p>
+                  <a:pPr/>
                   <a14:m>
                     <m:oMathPara xmlns:m="http://schemas.openxmlformats.org/officeDocument/2006/math">
                       <m:oMathParaPr>
@@ -6419,7 +6477,7 @@
               </p:txBody>
             </p:sp>
           </mc:Choice>
-          <mc:Fallback>
+          <mc:Fallback xmlns="">
             <p:sp>
               <p:nvSpPr>
                 <p:cNvPr id="9" name="CasellaDiTesto 8"/>
@@ -6482,7 +6540,7 @@
           <a:lstStyle/>
           <a:p>
             <a:r>
-              <a:rPr lang="it-IT" dirty="0" smtClean="0"/>
+              <a:rPr lang="it-IT" dirty="0"/>
               <a:t>Input:</a:t>
             </a:r>
           </a:p>
@@ -6492,27 +6550,27 @@
               <a:buChar char="•"/>
             </a:pPr>
             <a:r>
-              <a:rPr lang="it-IT" i="1" dirty="0" smtClean="0"/>
+              <a:rPr lang="it-IT" i="1" dirty="0"/>
               <a:t>w</a:t>
             </a:r>
             <a:r>
-              <a:rPr lang="it-IT" dirty="0" smtClean="0"/>
+              <a:rPr lang="it-IT" dirty="0"/>
               <a:t> (</a:t>
             </a:r>
             <a:r>
-              <a:rPr lang="it-IT" dirty="0" err="1" smtClean="0"/>
+              <a:rPr lang="it-IT" dirty="0" err="1"/>
               <a:t>present</a:t>
             </a:r>
             <a:r>
-              <a:rPr lang="it-IT" dirty="0" smtClean="0"/>
+              <a:rPr lang="it-IT" dirty="0"/>
               <a:t>, </a:t>
             </a:r>
             <a:r>
-              <a:rPr lang="it-IT" dirty="0" err="1" smtClean="0"/>
+              <a:rPr lang="it-IT" dirty="0" err="1"/>
               <a:t>absent</a:t>
             </a:r>
             <a:r>
-              <a:rPr lang="it-IT" dirty="0" smtClean="0"/>
+              <a:rPr lang="it-IT" dirty="0"/>
               <a:t>);</a:t>
             </a:r>
           </a:p>
@@ -6522,30 +6580,29 @@
               <a:buChar char="•"/>
             </a:pPr>
             <a:r>
-              <a:rPr lang="it-IT" i="1" dirty="0" smtClean="0"/>
+              <a:rPr lang="it-IT" i="1" dirty="0"/>
               <a:t>a </a:t>
             </a:r>
             <a:r>
-              <a:rPr lang="it-IT" dirty="0" smtClean="0"/>
+              <a:rPr lang="it-IT" dirty="0"/>
               <a:t>(</a:t>
             </a:r>
             <a:r>
-              <a:rPr lang="it-IT" dirty="0" err="1" smtClean="0"/>
+              <a:rPr lang="it-IT" dirty="0" err="1"/>
               <a:t>present</a:t>
             </a:r>
             <a:r>
-              <a:rPr lang="it-IT" dirty="0" smtClean="0"/>
+              <a:rPr lang="it-IT" dirty="0"/>
               <a:t>, </a:t>
             </a:r>
             <a:r>
-              <a:rPr lang="it-IT" dirty="0" err="1" smtClean="0"/>
+              <a:rPr lang="it-IT" dirty="0" err="1"/>
               <a:t>absent</a:t>
             </a:r>
             <a:r>
-              <a:rPr lang="it-IT" dirty="0" smtClean="0"/>
+              <a:rPr lang="it-IT" dirty="0"/>
               <a:t>);</a:t>
             </a:r>
-            <a:endParaRPr lang="it-IT" dirty="0" smtClean="0"/>
           </a:p>
           <a:p>
             <a:pPr marL="285750" indent="-285750">
@@ -6553,34 +6610,29 @@
               <a:buChar char="•"/>
             </a:pPr>
             <a:r>
-              <a:rPr lang="it-IT" i="1" dirty="0" smtClean="0"/>
+              <a:rPr lang="it-IT" i="1" dirty="0"/>
               <a:t>s</a:t>
             </a:r>
             <a:r>
-              <a:rPr lang="it-IT" dirty="0" smtClean="0"/>
-              <a:t> </a:t>
-            </a:r>
-            <a:r>
-              <a:rPr lang="it-IT" dirty="0" smtClean="0"/>
-              <a:t>(</a:t>
-            </a:r>
-            <a:r>
-              <a:rPr lang="it-IT" dirty="0" err="1" smtClean="0"/>
+              <a:rPr lang="it-IT" dirty="0"/>
+              <a:t> (</a:t>
+            </a:r>
+            <a:r>
+              <a:rPr lang="it-IT" dirty="0" err="1"/>
               <a:t>present</a:t>
             </a:r>
             <a:r>
-              <a:rPr lang="it-IT" dirty="0" smtClean="0"/>
+              <a:rPr lang="it-IT" dirty="0"/>
               <a:t>, </a:t>
             </a:r>
             <a:r>
-              <a:rPr lang="it-IT" dirty="0" err="1" smtClean="0"/>
+              <a:rPr lang="it-IT" dirty="0" err="1"/>
               <a:t>absent</a:t>
             </a:r>
             <a:r>
-              <a:rPr lang="it-IT" dirty="0" smtClean="0"/>
+              <a:rPr lang="it-IT" dirty="0"/>
               <a:t>);</a:t>
             </a:r>
-            <a:endParaRPr lang="it-IT" dirty="0" smtClean="0"/>
           </a:p>
           <a:p>
             <a:pPr marL="285750" indent="-285750">
@@ -6588,31 +6640,27 @@
               <a:buChar char="•"/>
             </a:pPr>
             <a:r>
-              <a:rPr lang="it-IT" i="1" dirty="0" smtClean="0"/>
+              <a:rPr lang="it-IT" i="1" dirty="0"/>
               <a:t>d</a:t>
             </a:r>
             <a:r>
-              <a:rPr lang="it-IT" dirty="0" smtClean="0"/>
-              <a:t> </a:t>
-            </a:r>
-            <a:r>
-              <a:rPr lang="it-IT" dirty="0" smtClean="0"/>
-              <a:t>(</a:t>
-            </a:r>
-            <a:r>
-              <a:rPr lang="it-IT" dirty="0" err="1" smtClean="0"/>
+              <a:rPr lang="it-IT" dirty="0"/>
+              <a:t> (</a:t>
+            </a:r>
+            <a:r>
+              <a:rPr lang="it-IT" dirty="0" err="1"/>
               <a:t>present</a:t>
             </a:r>
             <a:r>
-              <a:rPr lang="it-IT" dirty="0" smtClean="0"/>
+              <a:rPr lang="it-IT" dirty="0"/>
               <a:t>, </a:t>
             </a:r>
             <a:r>
-              <a:rPr lang="it-IT" dirty="0" err="1" smtClean="0"/>
+              <a:rPr lang="it-IT" dirty="0" err="1"/>
               <a:t>absent</a:t>
             </a:r>
             <a:r>
-              <a:rPr lang="it-IT" dirty="0" smtClean="0"/>
+              <a:rPr lang="it-IT" dirty="0"/>
               <a:t>);</a:t>
             </a:r>
           </a:p>
@@ -6622,10 +6670,9 @@
               <a:buChar char="•"/>
             </a:pPr>
             <a:r>
-              <a:rPr lang="it-IT" i="1" dirty="0" smtClean="0"/>
+              <a:rPr lang="it-IT" i="1" dirty="0"/>
               <a:t>position</a:t>
             </a:r>
-            <a:endParaRPr lang="it-IT" i="1" dirty="0" smtClean="0"/>
           </a:p>
         </p:txBody>
       </p:sp>
@@ -6652,7 +6699,7 @@
           <a:lstStyle/>
           <a:p>
             <a:r>
-              <a:rPr lang="it-IT" dirty="0" smtClean="0"/>
+              <a:rPr lang="it-IT" dirty="0"/>
               <a:t>Output:</a:t>
             </a:r>
           </a:p>
@@ -6662,7 +6709,7 @@
               <a:buChar char="•"/>
             </a:pPr>
             <a:r>
-              <a:rPr lang="it-IT" i="1" dirty="0" smtClean="0"/>
+              <a:rPr lang="it-IT" i="1" dirty="0"/>
               <a:t>Stop</a:t>
             </a:r>
           </a:p>
@@ -6691,7 +6738,7 @@
           <a:lstStyle/>
           <a:p>
             <a:r>
-              <a:rPr lang="it-IT" dirty="0" smtClean="0"/>
+              <a:rPr lang="it-IT" dirty="0"/>
               <a:t>Parametri:</a:t>
             </a:r>
           </a:p>
@@ -6701,19 +6748,19 @@
               <a:buChar char="•"/>
             </a:pPr>
             <a:r>
-              <a:rPr lang="it-IT" i="1" dirty="0" smtClean="0"/>
+              <a:rPr lang="it-IT" i="1" dirty="0"/>
               <a:t>x</a:t>
             </a:r>
             <a:r>
-              <a:rPr lang="it-IT" i="1" baseline="-25000" dirty="0" smtClean="0"/>
+              <a:rPr lang="it-IT" i="1" baseline="-25000" dirty="0"/>
               <a:t>s</a:t>
             </a:r>
             <a:r>
-              <a:rPr lang="it-IT" i="1" dirty="0" smtClean="0"/>
+              <a:rPr lang="it-IT" i="1" dirty="0"/>
               <a:t> </a:t>
             </a:r>
             <a:r>
-              <a:rPr lang="it-IT" dirty="0" smtClean="0"/>
+              <a:rPr lang="it-IT" dirty="0"/>
               <a:t>(Posizione navicella)</a:t>
             </a:r>
           </a:p>
@@ -6723,19 +6770,19 @@
               <a:buChar char="•"/>
             </a:pPr>
             <a:r>
-              <a:rPr lang="it-IT" i="1" dirty="0" smtClean="0"/>
+              <a:rPr lang="it-IT" i="1" dirty="0"/>
               <a:t>y</a:t>
             </a:r>
             <a:r>
-              <a:rPr lang="it-IT" i="1" baseline="-25000" dirty="0" smtClean="0"/>
+              <a:rPr lang="it-IT" i="1" baseline="-25000" dirty="0"/>
               <a:t>s</a:t>
             </a:r>
             <a:r>
-              <a:rPr lang="it-IT" i="1" dirty="0" smtClean="0"/>
+              <a:rPr lang="it-IT" i="1" dirty="0"/>
               <a:t> </a:t>
             </a:r>
             <a:r>
-              <a:rPr lang="it-IT" dirty="0" smtClean="0"/>
+              <a:rPr lang="it-IT" dirty="0"/>
               <a:t>(Posizione navicella)</a:t>
             </a:r>
           </a:p>
@@ -6745,11 +6792,11 @@
               <a:buChar char="•"/>
             </a:pPr>
             <a:r>
-              <a:rPr lang="it-IT" i="1" dirty="0" smtClean="0"/>
+              <a:rPr lang="it-IT" i="1" dirty="0"/>
               <a:t>v </a:t>
             </a:r>
             <a:r>
-              <a:rPr lang="it-IT" dirty="0" smtClean="0"/>
+              <a:rPr lang="it-IT" dirty="0"/>
               <a:t>(velocità costante)</a:t>
             </a:r>
           </a:p>
@@ -6758,7 +6805,7 @@
               <a:buFont typeface="Arial" panose="020B0604020202020204" pitchFamily="34" charset="0"/>
               <a:buChar char="•"/>
             </a:pPr>
-            <a:endParaRPr lang="it-IT" i="1" dirty="0" smtClean="0"/>
+            <a:endParaRPr lang="it-IT" i="1" dirty="0"/>
           </a:p>
         </p:txBody>
       </p:sp>
@@ -6786,19 +6833,19 @@
           <a:p>
             <a:pPr algn="ctr"/>
             <a:r>
-              <a:rPr lang="it-IT" dirty="0" smtClean="0"/>
+              <a:rPr lang="it-IT" dirty="0"/>
               <a:t>FSM </a:t>
             </a:r>
             <a:r>
-              <a:rPr lang="it-IT" dirty="0" err="1" smtClean="0"/>
+              <a:rPr lang="it-IT" dirty="0" err="1"/>
               <a:t>Spaceship</a:t>
             </a:r>
             <a:r>
-              <a:rPr lang="it-IT" dirty="0" smtClean="0"/>
+              <a:rPr lang="it-IT" dirty="0"/>
               <a:t>, State </a:t>
             </a:r>
             <a:r>
-              <a:rPr lang="it-IT" dirty="0" err="1" smtClean="0"/>
+              <a:rPr lang="it-IT" dirty="0" err="1"/>
               <a:t>refinement</a:t>
             </a:r>
             <a:endParaRPr lang="it-IT" dirty="0"/>
@@ -6815,21 +6862,6 @@
   <p:clrMapOvr>
     <a:masterClrMapping/>
   </p:clrMapOvr>
-  <mc:AlternateContent xmlns:mc="http://schemas.openxmlformats.org/markup-compatibility/2006">
-    <mc:Choice xmlns:p14="http://schemas.microsoft.com/office/powerpoint/2010/main" Requires="p14">
-      <p:transition spd="slow" p14:dur="2000"/>
-    </mc:Choice>
-    <mc:Fallback>
-      <p:transition spd="slow"/>
-    </mc:Fallback>
-  </mc:AlternateContent>
-  <p:timing>
-    <p:tnLst>
-      <p:par>
-        <p:cTn id="1" dur="indefinite" restart="never" nodeType="tmRoot"/>
-      </p:par>
-    </p:tnLst>
-  </p:timing>
 </p:sld>
 </file>
 
@@ -6866,10 +6898,9 @@
           <a:lstStyle/>
           <a:p>
             <a:r>
-              <a:rPr lang="it-IT" dirty="0" smtClean="0"/>
+              <a:rPr lang="it-IT" dirty="0"/>
               <a:t>Demo</a:t>
             </a:r>
-            <a:endParaRPr lang="it-IT" dirty="0"/>
           </a:p>
         </p:txBody>
       </p:sp>
@@ -6997,6 +7028,660 @@
 </p:sld>
 </file>
 
+<file path=ppt/slides/slide15.xml><?xml version="1.0" encoding="utf-8"?>
+<p:sld xmlns:a="http://schemas.openxmlformats.org/drawingml/2006/main" xmlns:r="http://schemas.openxmlformats.org/officeDocument/2006/relationships" xmlns:p="http://schemas.openxmlformats.org/presentationml/2006/main">
+  <p:cSld>
+    <p:spTree>
+      <p:nvGrpSpPr>
+        <p:cNvPr id="1" name=""/>
+        <p:cNvGrpSpPr/>
+        <p:nvPr/>
+      </p:nvGrpSpPr>
+      <p:grpSpPr>
+        <a:xfrm>
+          <a:off x="0" y="0"/>
+          <a:ext cx="0" cy="0"/>
+          <a:chOff x="0" y="0"/>
+          <a:chExt cx="0" cy="0"/>
+        </a:xfrm>
+      </p:grpSpPr>
+      <p:sp>
+        <p:nvSpPr>
+          <p:cNvPr id="2" name="Titolo 1">
+            <a:extLst>
+              <a:ext uri="{FF2B5EF4-FFF2-40B4-BE49-F238E27FC236}">
+                <a16:creationId xmlns:a16="http://schemas.microsoft.com/office/drawing/2014/main" id="{CBA41BAE-2AFA-40DA-B369-42C86CB0D4E7}"/>
+              </a:ext>
+            </a:extLst>
+          </p:cNvPr>
+          <p:cNvSpPr>
+            <a:spLocks noGrp="1"/>
+          </p:cNvSpPr>
+          <p:nvPr>
+            <p:ph type="title"/>
+          </p:nvPr>
+        </p:nvSpPr>
+        <p:spPr/>
+        <p:txBody>
+          <a:bodyPr/>
+          <a:lstStyle/>
+          <a:p>
+            <a:r>
+              <a:rPr lang="it-IT" dirty="0"/>
+              <a:t>Implementazione in </a:t>
+            </a:r>
+            <a:r>
+              <a:rPr lang="it-IT" dirty="0" err="1"/>
+              <a:t>Unity</a:t>
+            </a:r>
+            <a:endParaRPr lang="it-IT" dirty="0"/>
+          </a:p>
+        </p:txBody>
+      </p:sp>
+      <p:sp>
+        <p:nvSpPr>
+          <p:cNvPr id="3" name="Segnaposto contenuto 2">
+            <a:extLst>
+              <a:ext uri="{FF2B5EF4-FFF2-40B4-BE49-F238E27FC236}">
+                <a16:creationId xmlns:a16="http://schemas.microsoft.com/office/drawing/2014/main" id="{809FE257-B3F2-45F3-82FA-22ABA03822F7}"/>
+              </a:ext>
+            </a:extLst>
+          </p:cNvPr>
+          <p:cNvSpPr>
+            <a:spLocks noGrp="1"/>
+          </p:cNvSpPr>
+          <p:nvPr>
+            <p:ph idx="1"/>
+          </p:nvPr>
+        </p:nvSpPr>
+        <p:spPr/>
+        <p:txBody>
+          <a:bodyPr/>
+          <a:lstStyle/>
+          <a:p>
+            <a:pPr marL="0" indent="0">
+              <a:buNone/>
+            </a:pPr>
+            <a:r>
+              <a:rPr lang="it-IT" dirty="0"/>
+              <a:t>Cosa è </a:t>
+            </a:r>
+            <a:r>
+              <a:rPr lang="it-IT" dirty="0" err="1"/>
+              <a:t>unity</a:t>
+            </a:r>
+            <a:r>
+              <a:rPr lang="it-IT" dirty="0"/>
+              <a:t>?</a:t>
+            </a:r>
+            <a:br>
+              <a:rPr lang="it-IT" dirty="0"/>
+            </a:br>
+            <a:endParaRPr lang="it-IT" dirty="0"/>
+          </a:p>
+          <a:p>
+            <a:pPr marL="0" indent="0">
+              <a:buNone/>
+            </a:pPr>
+            <a:br>
+              <a:rPr lang="it-IT" dirty="0"/>
+            </a:br>
+            <a:r>
+              <a:rPr lang="it-IT" b="1" dirty="0" err="1"/>
+              <a:t>Unity</a:t>
+            </a:r>
+            <a:r>
+              <a:rPr lang="it-IT" dirty="0"/>
+              <a:t> è uno strumento di </a:t>
+            </a:r>
+            <a:r>
+              <a:rPr lang="it-IT" dirty="0" err="1"/>
+              <a:t>authoring</a:t>
+            </a:r>
+            <a:r>
+              <a:rPr lang="it-IT" dirty="0"/>
+              <a:t> integrato multipiattaforma per la creazione di videogiochi 3D o altri contenuti interattivi, quali visualizzazioni architettoniche o animazioni 3D in tempo reale.</a:t>
+            </a:r>
+            <a:br>
+              <a:rPr lang="it-IT" dirty="0"/>
+            </a:br>
+            <a:r>
+              <a:rPr lang="it-IT" dirty="0"/>
+              <a:t>[</a:t>
+            </a:r>
+            <a:r>
+              <a:rPr lang="it-IT" dirty="0" err="1"/>
+              <a:t>wikipedia</a:t>
+            </a:r>
+            <a:r>
+              <a:rPr lang="it-IT" dirty="0"/>
+              <a:t> 16/02/2018]</a:t>
+            </a:r>
+          </a:p>
+        </p:txBody>
+      </p:sp>
+    </p:spTree>
+    <p:extLst>
+      <p:ext uri="{BB962C8B-B14F-4D97-AF65-F5344CB8AC3E}">
+        <p14:creationId xmlns:p14="http://schemas.microsoft.com/office/powerpoint/2010/main" val="3819808766"/>
+      </p:ext>
+    </p:extLst>
+  </p:cSld>
+  <p:clrMapOvr>
+    <a:masterClrMapping/>
+  </p:clrMapOvr>
+</p:sld>
+</file>
+
+<file path=ppt/slides/slide16.xml><?xml version="1.0" encoding="utf-8"?>
+<p:sld xmlns:a="http://schemas.openxmlformats.org/drawingml/2006/main" xmlns:r="http://schemas.openxmlformats.org/officeDocument/2006/relationships" xmlns:p="http://schemas.openxmlformats.org/presentationml/2006/main">
+  <p:cSld>
+    <p:spTree>
+      <p:nvGrpSpPr>
+        <p:cNvPr id="1" name=""/>
+        <p:cNvGrpSpPr/>
+        <p:nvPr/>
+      </p:nvGrpSpPr>
+      <p:grpSpPr>
+        <a:xfrm>
+          <a:off x="0" y="0"/>
+          <a:ext cx="0" cy="0"/>
+          <a:chOff x="0" y="0"/>
+          <a:chExt cx="0" cy="0"/>
+        </a:xfrm>
+      </p:grpSpPr>
+      <p:sp>
+        <p:nvSpPr>
+          <p:cNvPr id="2" name="Titolo 1">
+            <a:extLst>
+              <a:ext uri="{FF2B5EF4-FFF2-40B4-BE49-F238E27FC236}">
+                <a16:creationId xmlns:a16="http://schemas.microsoft.com/office/drawing/2014/main" id="{AEF0197D-765B-443A-ACC3-84FDB04677A1}"/>
+              </a:ext>
+            </a:extLst>
+          </p:cNvPr>
+          <p:cNvSpPr>
+            <a:spLocks noGrp="1"/>
+          </p:cNvSpPr>
+          <p:nvPr>
+            <p:ph type="title"/>
+          </p:nvPr>
+        </p:nvSpPr>
+        <p:spPr/>
+        <p:txBody>
+          <a:bodyPr/>
+          <a:lstStyle/>
+          <a:p>
+            <a:r>
+              <a:rPr lang="it-IT" dirty="0" err="1"/>
+              <a:t>Asteroid</a:t>
+            </a:r>
+            <a:r>
+              <a:rPr lang="it-IT" dirty="0"/>
+              <a:t> in </a:t>
+            </a:r>
+            <a:r>
+              <a:rPr lang="it-IT" dirty="0" err="1"/>
+              <a:t>unity</a:t>
+            </a:r>
+            <a:endParaRPr lang="it-IT" dirty="0"/>
+          </a:p>
+        </p:txBody>
+      </p:sp>
+      <p:sp>
+        <p:nvSpPr>
+          <p:cNvPr id="3" name="Segnaposto contenuto 2">
+            <a:extLst>
+              <a:ext uri="{FF2B5EF4-FFF2-40B4-BE49-F238E27FC236}">
+                <a16:creationId xmlns:a16="http://schemas.microsoft.com/office/drawing/2014/main" id="{5137D0D8-7530-49FF-B384-4E43600BD73F}"/>
+              </a:ext>
+            </a:extLst>
+          </p:cNvPr>
+          <p:cNvSpPr>
+            <a:spLocks noGrp="1"/>
+          </p:cNvSpPr>
+          <p:nvPr>
+            <p:ph idx="1"/>
+          </p:nvPr>
+        </p:nvSpPr>
+        <p:spPr>
+          <a:xfrm>
+            <a:off x="838200" y="1577147"/>
+            <a:ext cx="10515600" cy="4351338"/>
+          </a:xfrm>
+        </p:spPr>
+        <p:txBody>
+          <a:bodyPr/>
+          <a:lstStyle/>
+          <a:p>
+            <a:pPr marL="0" indent="0">
+              <a:buNone/>
+            </a:pPr>
+            <a:r>
+              <a:rPr lang="it-IT" dirty="0"/>
+              <a:t>La direzione che deve prendere l’asteroide viene definita attraverso la creazione di un oggetto di tipo «Vector3» e di un oggetto di tipo «Ray2D»</a:t>
+            </a:r>
+            <a:br>
+              <a:rPr lang="it-IT" dirty="0"/>
+            </a:br>
+            <a:r>
+              <a:rPr lang="it-IT" dirty="0"/>
+              <a:t>Per creare Vector3 abbiamo bisogno di 3 parametri, la x, la y e la zeta rispetto al centro del sistema di riferimento definito da «Ray2D»</a:t>
+            </a:r>
+          </a:p>
+        </p:txBody>
+      </p:sp>
+      <p:pic>
+        <p:nvPicPr>
+          <p:cNvPr id="4" name="Immagine 3">
+            <a:extLst>
+              <a:ext uri="{FF2B5EF4-FFF2-40B4-BE49-F238E27FC236}">
+                <a16:creationId xmlns:a16="http://schemas.microsoft.com/office/drawing/2014/main" id="{F6205A84-7517-478D-B14D-4E1398FB3B74}"/>
+              </a:ext>
+            </a:extLst>
+          </p:cNvPr>
+          <p:cNvPicPr>
+            <a:picLocks noChangeAspect="1"/>
+          </p:cNvPicPr>
+          <p:nvPr/>
+        </p:nvPicPr>
+        <p:blipFill>
+          <a:blip r:embed="rId2"/>
+          <a:stretch>
+            <a:fillRect/>
+          </a:stretch>
+        </p:blipFill>
+        <p:spPr>
+          <a:xfrm>
+            <a:off x="3319670" y="3661632"/>
+            <a:ext cx="5072476" cy="3129416"/>
+          </a:xfrm>
+          <a:prstGeom prst="rect">
+            <a:avLst/>
+          </a:prstGeom>
+        </p:spPr>
+      </p:pic>
+    </p:spTree>
+    <p:extLst>
+      <p:ext uri="{BB962C8B-B14F-4D97-AF65-F5344CB8AC3E}">
+        <p14:creationId xmlns:p14="http://schemas.microsoft.com/office/powerpoint/2010/main" val="4008795025"/>
+      </p:ext>
+    </p:extLst>
+  </p:cSld>
+  <p:clrMapOvr>
+    <a:masterClrMapping/>
+  </p:clrMapOvr>
+</p:sld>
+</file>
+
+<file path=ppt/slides/slide17.xml><?xml version="1.0" encoding="utf-8"?>
+<p:sld xmlns:a="http://schemas.openxmlformats.org/drawingml/2006/main" xmlns:r="http://schemas.openxmlformats.org/officeDocument/2006/relationships" xmlns:p="http://schemas.openxmlformats.org/presentationml/2006/main">
+  <p:cSld>
+    <p:spTree>
+      <p:nvGrpSpPr>
+        <p:cNvPr id="1" name=""/>
+        <p:cNvGrpSpPr/>
+        <p:nvPr/>
+      </p:nvGrpSpPr>
+      <p:grpSpPr>
+        <a:xfrm>
+          <a:off x="0" y="0"/>
+          <a:ext cx="0" cy="0"/>
+          <a:chOff x="0" y="0"/>
+          <a:chExt cx="0" cy="0"/>
+        </a:xfrm>
+      </p:grpSpPr>
+      <p:sp>
+        <p:nvSpPr>
+          <p:cNvPr id="2" name="Titolo 1">
+            <a:extLst>
+              <a:ext uri="{FF2B5EF4-FFF2-40B4-BE49-F238E27FC236}">
+                <a16:creationId xmlns:a16="http://schemas.microsoft.com/office/drawing/2014/main" id="{9616A194-690B-4E0E-ADA3-405B8509D449}"/>
+              </a:ext>
+            </a:extLst>
+          </p:cNvPr>
+          <p:cNvSpPr>
+            <a:spLocks noGrp="1"/>
+          </p:cNvSpPr>
+          <p:nvPr>
+            <p:ph type="title"/>
+          </p:nvPr>
+        </p:nvSpPr>
+        <p:spPr/>
+        <p:txBody>
+          <a:bodyPr/>
+          <a:lstStyle/>
+          <a:p>
+            <a:r>
+              <a:rPr lang="it-IT" dirty="0" err="1"/>
+              <a:t>Asteroid</a:t>
+            </a:r>
+            <a:r>
+              <a:rPr lang="it-IT" dirty="0"/>
+              <a:t> in </a:t>
+            </a:r>
+            <a:r>
+              <a:rPr lang="it-IT" dirty="0" err="1"/>
+              <a:t>unity</a:t>
+            </a:r>
+            <a:endParaRPr lang="it-IT" dirty="0"/>
+          </a:p>
+        </p:txBody>
+      </p:sp>
+      <p:sp>
+        <p:nvSpPr>
+          <p:cNvPr id="3" name="Segnaposto contenuto 2">
+            <a:extLst>
+              <a:ext uri="{FF2B5EF4-FFF2-40B4-BE49-F238E27FC236}">
+                <a16:creationId xmlns:a16="http://schemas.microsoft.com/office/drawing/2014/main" id="{C41102CF-4431-4A02-9089-03F6F4DA46C6}"/>
+              </a:ext>
+            </a:extLst>
+          </p:cNvPr>
+          <p:cNvSpPr>
+            <a:spLocks noGrp="1"/>
+          </p:cNvSpPr>
+          <p:nvPr>
+            <p:ph idx="1"/>
+          </p:nvPr>
+        </p:nvSpPr>
+        <p:spPr/>
+        <p:txBody>
+          <a:bodyPr/>
+          <a:lstStyle/>
+          <a:p>
+            <a:pPr marL="0" indent="0">
+              <a:buNone/>
+            </a:pPr>
+            <a:r>
+              <a:rPr lang="it-IT" dirty="0"/>
+              <a:t>Come valori per la x e la y vengono dati dei numeri casuali compresi tra -1 e 1, per la z invece dato che ci troviamo in un ambiente 2D viene sempre dato zero</a:t>
+            </a:r>
+            <a:br>
+              <a:rPr lang="it-IT" dirty="0"/>
+            </a:br>
+            <a:r>
+              <a:rPr lang="it-IT" dirty="0"/>
+              <a:t>Quindi l’oggetto «Vector3D» può essere un punto qualsiasi in quest’area</a:t>
+            </a:r>
+          </a:p>
+        </p:txBody>
+      </p:sp>
+      <p:pic>
+        <p:nvPicPr>
+          <p:cNvPr id="5" name="Immagine 4">
+            <a:extLst>
+              <a:ext uri="{FF2B5EF4-FFF2-40B4-BE49-F238E27FC236}">
+                <a16:creationId xmlns:a16="http://schemas.microsoft.com/office/drawing/2014/main" id="{F17CDE5E-C449-410A-B3F7-05E488AC45E3}"/>
+              </a:ext>
+            </a:extLst>
+          </p:cNvPr>
+          <p:cNvPicPr>
+            <a:picLocks noChangeAspect="1"/>
+          </p:cNvPicPr>
+          <p:nvPr/>
+        </p:nvPicPr>
+        <p:blipFill>
+          <a:blip r:embed="rId3"/>
+          <a:stretch>
+            <a:fillRect/>
+          </a:stretch>
+        </p:blipFill>
+        <p:spPr>
+          <a:xfrm>
+            <a:off x="3995531" y="3869616"/>
+            <a:ext cx="3486770" cy="2898931"/>
+          </a:xfrm>
+          <a:prstGeom prst="rect">
+            <a:avLst/>
+          </a:prstGeom>
+        </p:spPr>
+      </p:pic>
+    </p:spTree>
+    <p:extLst>
+      <p:ext uri="{BB962C8B-B14F-4D97-AF65-F5344CB8AC3E}">
+        <p14:creationId xmlns:p14="http://schemas.microsoft.com/office/powerpoint/2010/main" val="3841872830"/>
+      </p:ext>
+    </p:extLst>
+  </p:cSld>
+  <p:clrMapOvr>
+    <a:masterClrMapping/>
+  </p:clrMapOvr>
+</p:sld>
+</file>
+
+<file path=ppt/slides/slide18.xml><?xml version="1.0" encoding="utf-8"?>
+<p:sld xmlns:a="http://schemas.openxmlformats.org/drawingml/2006/main" xmlns:r="http://schemas.openxmlformats.org/officeDocument/2006/relationships" xmlns:p="http://schemas.openxmlformats.org/presentationml/2006/main">
+  <p:cSld>
+    <p:spTree>
+      <p:nvGrpSpPr>
+        <p:cNvPr id="1" name=""/>
+        <p:cNvGrpSpPr/>
+        <p:nvPr/>
+      </p:nvGrpSpPr>
+      <p:grpSpPr>
+        <a:xfrm>
+          <a:off x="0" y="0"/>
+          <a:ext cx="0" cy="0"/>
+          <a:chOff x="0" y="0"/>
+          <a:chExt cx="0" cy="0"/>
+        </a:xfrm>
+      </p:grpSpPr>
+      <p:sp>
+        <p:nvSpPr>
+          <p:cNvPr id="2" name="Titolo 1">
+            <a:extLst>
+              <a:ext uri="{FF2B5EF4-FFF2-40B4-BE49-F238E27FC236}">
+                <a16:creationId xmlns:a16="http://schemas.microsoft.com/office/drawing/2014/main" id="{9440ABB6-7C3C-4DFA-92FE-583D46ADD735}"/>
+              </a:ext>
+            </a:extLst>
+          </p:cNvPr>
+          <p:cNvSpPr>
+            <a:spLocks noGrp="1"/>
+          </p:cNvSpPr>
+          <p:nvPr>
+            <p:ph type="title"/>
+          </p:nvPr>
+        </p:nvSpPr>
+        <p:spPr/>
+        <p:txBody>
+          <a:bodyPr/>
+          <a:lstStyle/>
+          <a:p>
+            <a:r>
+              <a:rPr lang="it-IT" dirty="0" err="1"/>
+              <a:t>Asteroid</a:t>
+            </a:r>
+            <a:r>
+              <a:rPr lang="it-IT" dirty="0"/>
+              <a:t> in </a:t>
+            </a:r>
+            <a:r>
+              <a:rPr lang="it-IT" dirty="0" err="1"/>
+              <a:t>unity</a:t>
+            </a:r>
+            <a:endParaRPr lang="it-IT" dirty="0"/>
+          </a:p>
+        </p:txBody>
+      </p:sp>
+      <p:sp>
+        <p:nvSpPr>
+          <p:cNvPr id="3" name="Segnaposto contenuto 2">
+            <a:extLst>
+              <a:ext uri="{FF2B5EF4-FFF2-40B4-BE49-F238E27FC236}">
+                <a16:creationId xmlns:a16="http://schemas.microsoft.com/office/drawing/2014/main" id="{BC733F7A-3701-488E-84D9-F7A4E35011B2}"/>
+              </a:ext>
+            </a:extLst>
+          </p:cNvPr>
+          <p:cNvSpPr>
+            <a:spLocks noGrp="1"/>
+          </p:cNvSpPr>
+          <p:nvPr>
+            <p:ph idx="1"/>
+          </p:nvPr>
+        </p:nvSpPr>
+        <p:spPr/>
+        <p:txBody>
+          <a:bodyPr/>
+          <a:lstStyle/>
+          <a:p>
+            <a:pPr marL="0" indent="0">
+              <a:buNone/>
+            </a:pPr>
+            <a:r>
+              <a:rPr lang="it-IT" dirty="0"/>
+              <a:t>Con ray2D passando come parametro l’oggetto vector3D  e la posizione dell’oggetto asteroide creiamo un segmento che parte dall’origine(l’asteroide stesso) e arriva al punto specificato dal parametro vector3D</a:t>
+            </a:r>
+          </a:p>
+        </p:txBody>
+      </p:sp>
+      <p:pic>
+        <p:nvPicPr>
+          <p:cNvPr id="4" name="Immagine 3">
+            <a:extLst>
+              <a:ext uri="{FF2B5EF4-FFF2-40B4-BE49-F238E27FC236}">
+                <a16:creationId xmlns:a16="http://schemas.microsoft.com/office/drawing/2014/main" id="{2B958273-6141-471A-8AD3-9A97C3F6E246}"/>
+              </a:ext>
+            </a:extLst>
+          </p:cNvPr>
+          <p:cNvPicPr>
+            <a:picLocks noChangeAspect="1"/>
+          </p:cNvPicPr>
+          <p:nvPr/>
+        </p:nvPicPr>
+        <p:blipFill>
+          <a:blip r:embed="rId2"/>
+          <a:stretch>
+            <a:fillRect/>
+          </a:stretch>
+        </p:blipFill>
+        <p:spPr>
+          <a:xfrm>
+            <a:off x="3920987" y="3075471"/>
+            <a:ext cx="3733800" cy="3467100"/>
+          </a:xfrm>
+          <a:prstGeom prst="rect">
+            <a:avLst/>
+          </a:prstGeom>
+        </p:spPr>
+      </p:pic>
+    </p:spTree>
+    <p:extLst>
+      <p:ext uri="{BB962C8B-B14F-4D97-AF65-F5344CB8AC3E}">
+        <p14:creationId xmlns:p14="http://schemas.microsoft.com/office/powerpoint/2010/main" val="767860872"/>
+      </p:ext>
+    </p:extLst>
+  </p:cSld>
+  <p:clrMapOvr>
+    <a:masterClrMapping/>
+  </p:clrMapOvr>
+</p:sld>
+</file>
+
+<file path=ppt/slides/slide19.xml><?xml version="1.0" encoding="utf-8"?>
+<p:sld xmlns:a="http://schemas.openxmlformats.org/drawingml/2006/main" xmlns:r="http://schemas.openxmlformats.org/officeDocument/2006/relationships" xmlns:p="http://schemas.openxmlformats.org/presentationml/2006/main">
+  <p:cSld>
+    <p:spTree>
+      <p:nvGrpSpPr>
+        <p:cNvPr id="1" name=""/>
+        <p:cNvGrpSpPr/>
+        <p:nvPr/>
+      </p:nvGrpSpPr>
+      <p:grpSpPr>
+        <a:xfrm>
+          <a:off x="0" y="0"/>
+          <a:ext cx="0" cy="0"/>
+          <a:chOff x="0" y="0"/>
+          <a:chExt cx="0" cy="0"/>
+        </a:xfrm>
+      </p:grpSpPr>
+      <p:sp>
+        <p:nvSpPr>
+          <p:cNvPr id="2" name="Titolo 1">
+            <a:extLst>
+              <a:ext uri="{FF2B5EF4-FFF2-40B4-BE49-F238E27FC236}">
+                <a16:creationId xmlns:a16="http://schemas.microsoft.com/office/drawing/2014/main" id="{64C2FA08-AB1D-485A-82BD-69143C5FBEC2}"/>
+              </a:ext>
+            </a:extLst>
+          </p:cNvPr>
+          <p:cNvSpPr>
+            <a:spLocks noGrp="1"/>
+          </p:cNvSpPr>
+          <p:nvPr>
+            <p:ph type="title"/>
+          </p:nvPr>
+        </p:nvSpPr>
+        <p:spPr/>
+        <p:txBody>
+          <a:bodyPr/>
+          <a:lstStyle/>
+          <a:p>
+            <a:r>
+              <a:rPr lang="it-IT" dirty="0" err="1"/>
+              <a:t>Asteroid</a:t>
+            </a:r>
+            <a:r>
+              <a:rPr lang="it-IT" dirty="0"/>
+              <a:t> in </a:t>
+            </a:r>
+            <a:r>
+              <a:rPr lang="it-IT" dirty="0" err="1"/>
+              <a:t>unity</a:t>
+            </a:r>
+            <a:endParaRPr lang="it-IT" dirty="0"/>
+          </a:p>
+        </p:txBody>
+      </p:sp>
+      <p:sp>
+        <p:nvSpPr>
+          <p:cNvPr id="3" name="Segnaposto contenuto 2">
+            <a:extLst>
+              <a:ext uri="{FF2B5EF4-FFF2-40B4-BE49-F238E27FC236}">
+                <a16:creationId xmlns:a16="http://schemas.microsoft.com/office/drawing/2014/main" id="{506F63CA-6907-4D87-AE1C-6304C66D7FF4}"/>
+              </a:ext>
+            </a:extLst>
+          </p:cNvPr>
+          <p:cNvSpPr>
+            <a:spLocks noGrp="1"/>
+          </p:cNvSpPr>
+          <p:nvPr>
+            <p:ph idx="1"/>
+          </p:nvPr>
+        </p:nvSpPr>
+        <p:spPr/>
+        <p:txBody>
+          <a:bodyPr/>
+          <a:lstStyle/>
+          <a:p>
+            <a:pPr marL="0" indent="0">
+              <a:buNone/>
+            </a:pPr>
+            <a:r>
+              <a:rPr lang="it-IT" dirty="0"/>
+              <a:t>Infine passiamo ad «</a:t>
+            </a:r>
+            <a:r>
+              <a:rPr lang="it-IT" dirty="0" err="1"/>
+              <a:t>AddForce</a:t>
+            </a:r>
+            <a:r>
+              <a:rPr lang="it-IT" dirty="0"/>
+              <a:t>»  il «ray2D» e la velocità da voler applicare in modo  che l’oggetto si muova</a:t>
+            </a:r>
+          </a:p>
+        </p:txBody>
+      </p:sp>
+    </p:spTree>
+    <p:extLst>
+      <p:ext uri="{BB962C8B-B14F-4D97-AF65-F5344CB8AC3E}">
+        <p14:creationId xmlns:p14="http://schemas.microsoft.com/office/powerpoint/2010/main" val="4140082053"/>
+      </p:ext>
+    </p:extLst>
+  </p:cSld>
+  <p:clrMapOvr>
+    <a:masterClrMapping/>
+  </p:clrMapOvr>
+</p:sld>
+</file>
+
 <file path=ppt/slides/slide2.xml><?xml version="1.0" encoding="utf-8"?>
 <p:sld xmlns:a="http://schemas.openxmlformats.org/drawingml/2006/main" xmlns:r="http://schemas.openxmlformats.org/officeDocument/2006/relationships" xmlns:p="http://schemas.openxmlformats.org/presentationml/2006/main">
   <p:cSld>
@@ -7107,7 +7792,7 @@
           <a:p>
             <a:pPr algn="ctr"/>
             <a:r>
-              <a:rPr lang="it-IT" sz="2000" dirty="0" err="1" smtClean="0">
+              <a:rPr lang="it-IT" sz="2000" dirty="0" err="1">
                 <a:solidFill>
                   <a:schemeClr val="tx1"/>
                 </a:solidFill>
@@ -7167,18 +7852,13 @@
           <a:p>
             <a:pPr algn="ctr"/>
             <a:r>
-              <a:rPr lang="it-IT" sz="2000" dirty="0" smtClean="0">
+              <a:rPr lang="it-IT" sz="2000" dirty="0">
                 <a:solidFill>
                   <a:schemeClr val="tx1"/>
                 </a:solidFill>
               </a:rPr>
               <a:t>Game Over</a:t>
             </a:r>
-            <a:endParaRPr lang="it-IT" sz="2000" dirty="0">
-              <a:solidFill>
-                <a:schemeClr val="tx1"/>
-              </a:solidFill>
-            </a:endParaRPr>
           </a:p>
         </p:txBody>
       </p:sp>
@@ -7223,8 +7903,8 @@
           </a:fontRef>
         </p:style>
       </p:cxnSp>
-      <mc:AlternateContent xmlns:mc="http://schemas.openxmlformats.org/markup-compatibility/2006">
-        <mc:Choice xmlns:a14="http://schemas.microsoft.com/office/drawing/2010/main" Requires="a14">
+      <mc:AlternateContent xmlns:mc="http://schemas.openxmlformats.org/markup-compatibility/2006" xmlns:a14="http://schemas.microsoft.com/office/drawing/2010/main">
+        <mc:Choice Requires="a14">
           <p:sp>
             <p:nvSpPr>
               <p:cNvPr id="28" name="CasellaDiTesto 27"/>
@@ -7247,6 +7927,7 @@
               </a:bodyPr>
               <a:lstStyle/>
               <a:p>
+                <a:pPr/>
                 <a14:m>
                   <m:oMathPara xmlns:m="http://schemas.openxmlformats.org/officeDocument/2006/math">
                     <m:oMathParaPr>
@@ -7291,7 +7972,7 @@
             </p:txBody>
           </p:sp>
         </mc:Choice>
-        <mc:Fallback>
+        <mc:Fallback xmlns="">
           <p:sp>
             <p:nvSpPr>
               <p:cNvPr id="28" name="CasellaDiTesto 27"/>
@@ -7439,7 +8120,7 @@
             <a:p>
               <a:pPr algn="ctr"/>
               <a:r>
-                <a:rPr lang="it-IT" sz="2000" dirty="0" err="1" smtClean="0">
+                <a:rPr lang="it-IT" sz="2000" dirty="0" err="1">
                   <a:solidFill>
                     <a:schemeClr val="tx1"/>
                   </a:solidFill>
@@ -7499,18 +8180,13 @@
             <a:p>
               <a:pPr algn="ctr"/>
               <a:r>
-                <a:rPr lang="it-IT" sz="2000" dirty="0" smtClean="0">
+                <a:rPr lang="it-IT" sz="2000" dirty="0">
                   <a:solidFill>
                     <a:schemeClr val="tx1"/>
                   </a:solidFill>
                 </a:rPr>
                 <a:t>Stop</a:t>
               </a:r>
-              <a:endParaRPr lang="it-IT" sz="2000" dirty="0">
-                <a:solidFill>
-                  <a:schemeClr val="tx1"/>
-                </a:solidFill>
-              </a:endParaRPr>
             </a:p>
           </p:txBody>
         </p:sp>
@@ -7555,8 +8231,8 @@
             </a:fontRef>
           </p:style>
         </p:cxnSp>
-        <mc:AlternateContent xmlns:mc="http://schemas.openxmlformats.org/markup-compatibility/2006">
-          <mc:Choice xmlns:a14="http://schemas.microsoft.com/office/drawing/2010/main" Requires="a14">
+        <mc:AlternateContent xmlns:mc="http://schemas.openxmlformats.org/markup-compatibility/2006" xmlns:a14="http://schemas.microsoft.com/office/drawing/2010/main">
+          <mc:Choice Requires="a14">
             <p:sp>
               <p:nvSpPr>
                 <p:cNvPr id="32" name="CasellaDiTesto 31"/>
@@ -7579,6 +8255,7 @@
                 </a:bodyPr>
                 <a:lstStyle/>
                 <a:p>
+                  <a:pPr/>
                   <a14:m>
                     <m:oMathPara xmlns:m="http://schemas.openxmlformats.org/officeDocument/2006/math">
                       <m:oMathParaPr>
@@ -7605,7 +8282,7 @@
               </p:txBody>
             </p:sp>
           </mc:Choice>
-          <mc:Fallback>
+          <mc:Fallback xmlns="">
             <p:sp>
               <p:nvSpPr>
                 <p:cNvPr id="32" name="CasellaDiTesto 31"/>
@@ -7684,8 +8361,8 @@
             </a:fontRef>
           </p:style>
         </p:cxnSp>
-        <mc:AlternateContent xmlns:mc="http://schemas.openxmlformats.org/markup-compatibility/2006">
-          <mc:Choice xmlns:a14="http://schemas.microsoft.com/office/drawing/2010/main" Requires="a14">
+        <mc:AlternateContent xmlns:mc="http://schemas.openxmlformats.org/markup-compatibility/2006" xmlns:a14="http://schemas.microsoft.com/office/drawing/2010/main">
+          <mc:Choice Requires="a14">
             <p:sp>
               <p:nvSpPr>
                 <p:cNvPr id="34" name="CasellaDiTesto 33"/>
@@ -7708,6 +8385,7 @@
                 </a:bodyPr>
                 <a:lstStyle/>
                 <a:p>
+                  <a:pPr/>
                   <a14:m>
                     <m:oMathPara xmlns:m="http://schemas.openxmlformats.org/officeDocument/2006/math">
                       <m:oMathParaPr>
@@ -7730,13 +8408,13 @@
                           <a:rPr lang="it-IT" sz="1000" i="1" dirty="0" smtClean="0">
                             <a:latin typeface="Cambria Math" panose="02040503050406030204" pitchFamily="18" charset="0"/>
                           </a:rPr>
-                          <m:t>𝑝𝑜</m:t>
+                          <m:t>𝑝𝑜𝑠𝑖</m:t>
                         </m:r>
                         <m:r>
                           <a:rPr lang="it-IT" sz="1000" b="0" i="1" dirty="0" smtClean="0">
                             <a:latin typeface="Cambria Math" panose="02040503050406030204" pitchFamily="18" charset="0"/>
                           </a:rPr>
-                          <m:t>𝑠𝑖𝑡𝑖𝑜𝑛</m:t>
+                          <m:t>𝑡𝑖𝑜𝑛</m:t>
                         </m:r>
                       </m:oMath>
                     </m:oMathPara>
@@ -7746,7 +8424,7 @@
               </p:txBody>
             </p:sp>
           </mc:Choice>
-          <mc:Fallback>
+          <mc:Fallback xmlns="">
             <p:sp>
               <p:nvSpPr>
                 <p:cNvPr id="34" name="CasellaDiTesto 33"/>
@@ -7867,8 +8545,8 @@
             </a:fontRef>
           </p:style>
         </p:cxnSp>
-        <mc:AlternateContent xmlns:mc="http://schemas.openxmlformats.org/markup-compatibility/2006">
-          <mc:Choice xmlns:a14="http://schemas.microsoft.com/office/drawing/2010/main" Requires="a14">
+        <mc:AlternateContent xmlns:mc="http://schemas.openxmlformats.org/markup-compatibility/2006" xmlns:a14="http://schemas.microsoft.com/office/drawing/2010/main">
+          <mc:Choice Requires="a14">
             <p:sp>
               <p:nvSpPr>
                 <p:cNvPr id="45" name="CasellaDiTesto 44"/>
@@ -7891,6 +8569,7 @@
                 </a:bodyPr>
                 <a:lstStyle/>
                 <a:p>
+                  <a:pPr/>
                   <a14:m>
                     <m:oMathPara xmlns:m="http://schemas.openxmlformats.org/officeDocument/2006/math">
                       <m:oMathParaPr>
@@ -7965,9 +8644,10 @@
                       </m:oMath>
                     </m:oMathPara>
                   </a14:m>
-                  <a:endParaRPr lang="it-IT" sz="1000" b="0" dirty="0" smtClean="0"/>
+                  <a:endParaRPr lang="it-IT" sz="1000" b="0" dirty="0"/>
                 </a:p>
                 <a:p>
+                  <a:pPr/>
                   <a14:m>
                     <m:oMathPara xmlns:m="http://schemas.openxmlformats.org/officeDocument/2006/math">
                       <m:oMathParaPr>
@@ -8047,7 +8727,7 @@
               </p:txBody>
             </p:sp>
           </mc:Choice>
-          <mc:Fallback>
+          <mc:Fallback xmlns="">
             <p:sp>
               <p:nvSpPr>
                 <p:cNvPr id="45" name="CasellaDiTesto 44"/>
@@ -8168,8 +8848,8 @@
             </a:fontRef>
           </p:style>
         </p:cxnSp>
-        <mc:AlternateContent xmlns:mc="http://schemas.openxmlformats.org/markup-compatibility/2006">
-          <mc:Choice xmlns:a14="http://schemas.microsoft.com/office/drawing/2010/main" Requires="a14">
+        <mc:AlternateContent xmlns:mc="http://schemas.openxmlformats.org/markup-compatibility/2006" xmlns:a14="http://schemas.microsoft.com/office/drawing/2010/main">
+          <mc:Choice Requires="a14">
             <p:sp>
               <p:nvSpPr>
                 <p:cNvPr id="57" name="CasellaDiTesto 56"/>
@@ -8192,6 +8872,7 @@
                 </a:bodyPr>
                 <a:lstStyle/>
                 <a:p>
+                  <a:pPr/>
                   <a14:m>
                     <m:oMathPara xmlns:m="http://schemas.openxmlformats.org/officeDocument/2006/math">
                       <m:oMathParaPr>
@@ -8231,9 +8912,10 @@
                       </m:oMath>
                     </m:oMathPara>
                   </a14:m>
-                  <a:endParaRPr lang="it-IT" sz="1000" b="0" dirty="0" smtClean="0"/>
+                  <a:endParaRPr lang="it-IT" sz="1000" b="0" dirty="0"/>
                 </a:p>
                 <a:p>
+                  <a:pPr/>
                   <a14:m>
                     <m:oMathPara xmlns:m="http://schemas.openxmlformats.org/officeDocument/2006/math">
                       <m:oMathParaPr>
@@ -8268,13 +8950,7 @@
                           <a:rPr lang="it-IT" sz="1000" b="0" i="1" smtClean="0">
                             <a:latin typeface="Cambria Math" panose="02040503050406030204" pitchFamily="18" charset="0"/>
                           </a:rPr>
-                          <m:t>=</m:t>
-                        </m:r>
-                        <m:r>
-                          <a:rPr lang="it-IT" sz="1000" b="0" i="1" smtClean="0">
-                            <a:latin typeface="Cambria Math" panose="02040503050406030204" pitchFamily="18" charset="0"/>
-                          </a:rPr>
-                          <m:t>0</m:t>
+                          <m:t>=0</m:t>
                         </m:r>
                       </m:oMath>
                     </m:oMathPara>
@@ -8284,7 +8960,7 @@
               </p:txBody>
             </p:sp>
           </mc:Choice>
-          <mc:Fallback>
+          <mc:Fallback xmlns="">
             <p:sp>
               <p:nvSpPr>
                 <p:cNvPr id="57" name="CasellaDiTesto 56"/>
@@ -8361,8 +9037,8 @@
             </a:fontRef>
           </p:style>
         </p:cxnSp>
-        <mc:AlternateContent xmlns:mc="http://schemas.openxmlformats.org/markup-compatibility/2006">
-          <mc:Choice xmlns:a14="http://schemas.microsoft.com/office/drawing/2010/main" Requires="a14">
+        <mc:AlternateContent xmlns:mc="http://schemas.openxmlformats.org/markup-compatibility/2006" xmlns:a14="http://schemas.microsoft.com/office/drawing/2010/main">
+          <mc:Choice Requires="a14">
             <p:sp>
               <p:nvSpPr>
                 <p:cNvPr id="67" name="CasellaDiTesto 66"/>
@@ -8385,6 +9061,7 @@
                 </a:bodyPr>
                 <a:lstStyle/>
                 <a:p>
+                  <a:pPr/>
                   <a14:m>
                     <m:oMathPara xmlns:m="http://schemas.openxmlformats.org/officeDocument/2006/math">
                       <m:oMathParaPr>
@@ -8555,7 +9232,7 @@
               </p:txBody>
             </p:sp>
           </mc:Choice>
-          <mc:Fallback>
+          <mc:Fallback xmlns="">
             <p:sp>
               <p:nvSpPr>
                 <p:cNvPr id="67" name="CasellaDiTesto 66"/>
@@ -8633,8 +9310,8 @@
           </a:fontRef>
         </p:style>
       </p:cxnSp>
-      <mc:AlternateContent xmlns:mc="http://schemas.openxmlformats.org/markup-compatibility/2006">
-        <mc:Choice xmlns:a14="http://schemas.microsoft.com/office/drawing/2010/main" Requires="a14">
+      <mc:AlternateContent xmlns:mc="http://schemas.openxmlformats.org/markup-compatibility/2006" xmlns:a14="http://schemas.microsoft.com/office/drawing/2010/main">
+        <mc:Choice Requires="a14">
           <p:sp>
             <p:nvSpPr>
               <p:cNvPr id="70" name="CasellaDiTesto 69"/>
@@ -8657,6 +9334,7 @@
               </a:bodyPr>
               <a:lstStyle/>
               <a:p>
+                <a:pPr/>
                 <a14:m>
                   <m:oMathPara xmlns:m="http://schemas.openxmlformats.org/officeDocument/2006/math">
                     <m:oMathParaPr>
@@ -8737,7 +9415,7 @@
             </p:txBody>
           </p:sp>
         </mc:Choice>
-        <mc:Fallback>
+        <mc:Fallback xmlns="">
           <p:sp>
             <p:nvSpPr>
               <p:cNvPr id="70" name="CasellaDiTesto 69"/>
@@ -8854,8 +9532,8 @@
           </a:fontRef>
         </p:style>
       </p:cxnSp>
-      <mc:AlternateContent xmlns:mc="http://schemas.openxmlformats.org/markup-compatibility/2006">
-        <mc:Choice xmlns:a14="http://schemas.microsoft.com/office/drawing/2010/main" Requires="a14">
+      <mc:AlternateContent xmlns:mc="http://schemas.openxmlformats.org/markup-compatibility/2006" xmlns:a14="http://schemas.microsoft.com/office/drawing/2010/main">
+        <mc:Choice Requires="a14">
           <p:sp>
             <p:nvSpPr>
               <p:cNvPr id="76" name="CasellaDiTesto 75"/>
@@ -8878,6 +9556,7 @@
               </a:bodyPr>
               <a:lstStyle/>
               <a:p>
+                <a:pPr/>
                 <a14:m>
                   <m:oMathPara xmlns:m="http://schemas.openxmlformats.org/officeDocument/2006/math">
                     <m:oMathParaPr>
@@ -8917,9 +9596,10 @@
                     </m:oMath>
                   </m:oMathPara>
                 </a14:m>
-                <a:endParaRPr lang="it-IT" sz="1000" b="0" dirty="0" smtClean="0"/>
+                <a:endParaRPr lang="it-IT" sz="1000" b="0" dirty="0"/>
               </a:p>
               <a:p>
+                <a:pPr/>
                 <a14:m>
                   <m:oMathPara xmlns:m="http://schemas.openxmlformats.org/officeDocument/2006/math">
                     <m:oMathParaPr>
@@ -8954,13 +9634,7 @@
                         <a:rPr lang="it-IT" sz="1000" b="0" i="1" smtClean="0">
                           <a:latin typeface="Cambria Math" panose="02040503050406030204" pitchFamily="18" charset="0"/>
                         </a:rPr>
-                        <m:t>=</m:t>
-                      </m:r>
-                      <m:r>
-                        <a:rPr lang="it-IT" sz="1000" b="0" i="1" smtClean="0">
-                          <a:latin typeface="Cambria Math" panose="02040503050406030204" pitchFamily="18" charset="0"/>
-                        </a:rPr>
-                        <m:t>0</m:t>
+                        <m:t>=0</m:t>
                       </m:r>
                     </m:oMath>
                   </m:oMathPara>
@@ -8970,7 +9644,7 @@
             </p:txBody>
           </p:sp>
         </mc:Choice>
-        <mc:Fallback>
+        <mc:Fallback xmlns="">
           <p:sp>
             <p:nvSpPr>
               <p:cNvPr id="76" name="CasellaDiTesto 75"/>
@@ -9046,8 +9720,8 @@
           </a:fontRef>
         </p:style>
       </p:cxnSp>
-      <mc:AlternateContent xmlns:mc="http://schemas.openxmlformats.org/markup-compatibility/2006">
-        <mc:Choice xmlns:a14="http://schemas.microsoft.com/office/drawing/2010/main" Requires="a14">
+      <mc:AlternateContent xmlns:mc="http://schemas.openxmlformats.org/markup-compatibility/2006" xmlns:a14="http://schemas.microsoft.com/office/drawing/2010/main">
+        <mc:Choice Requires="a14">
           <p:sp>
             <p:nvSpPr>
               <p:cNvPr id="85" name="CasellaDiTesto 84"/>
@@ -9070,6 +9744,7 @@
               </a:bodyPr>
               <a:lstStyle/>
               <a:p>
+                <a:pPr/>
                 <a14:m>
                   <m:oMathPara xmlns:m="http://schemas.openxmlformats.org/officeDocument/2006/math">
                     <m:oMathParaPr>
@@ -9090,7 +9765,7 @@
             </p:txBody>
           </p:sp>
         </mc:Choice>
-        <mc:Fallback>
+        <mc:Fallback xmlns="">
           <p:sp>
             <p:nvSpPr>
               <p:cNvPr id="85" name="CasellaDiTesto 84"/>
@@ -9166,8 +9841,8 @@
           </a:fontRef>
         </p:style>
       </p:cxnSp>
-      <mc:AlternateContent xmlns:mc="http://schemas.openxmlformats.org/markup-compatibility/2006">
-        <mc:Choice xmlns:a14="http://schemas.microsoft.com/office/drawing/2010/main" Requires="a14">
+      <mc:AlternateContent xmlns:mc="http://schemas.openxmlformats.org/markup-compatibility/2006" xmlns:a14="http://schemas.microsoft.com/office/drawing/2010/main">
+        <mc:Choice Requires="a14">
           <p:sp>
             <p:nvSpPr>
               <p:cNvPr id="88" name="CasellaDiTesto 87"/>
@@ -9190,6 +9865,7 @@
               </a:bodyPr>
               <a:lstStyle/>
               <a:p>
+                <a:pPr/>
                 <a14:m>
                   <m:oMathPara xmlns:m="http://schemas.openxmlformats.org/officeDocument/2006/math">
                     <m:oMathParaPr>
@@ -9210,7 +9886,7 @@
             </p:txBody>
           </p:sp>
         </mc:Choice>
-        <mc:Fallback>
+        <mc:Fallback xmlns="">
           <p:sp>
             <p:nvSpPr>
               <p:cNvPr id="88" name="CasellaDiTesto 87"/>
@@ -9273,23 +9949,23 @@
           <a:p>
             <a:pPr algn="ctr"/>
             <a:r>
-              <a:rPr lang="it-IT" dirty="0" err="1" smtClean="0"/>
+              <a:rPr lang="it-IT" dirty="0" err="1"/>
               <a:t>Composition</a:t>
             </a:r>
             <a:r>
-              <a:rPr lang="it-IT" dirty="0" smtClean="0"/>
+              <a:rPr lang="it-IT" dirty="0"/>
               <a:t> of </a:t>
             </a:r>
             <a:r>
-              <a:rPr lang="it-IT" dirty="0" err="1" smtClean="0"/>
+              <a:rPr lang="it-IT" dirty="0" err="1"/>
               <a:t>Asteroids</a:t>
             </a:r>
             <a:r>
-              <a:rPr lang="it-IT" dirty="0" smtClean="0"/>
+              <a:rPr lang="it-IT" dirty="0"/>
               <a:t> and </a:t>
             </a:r>
             <a:r>
-              <a:rPr lang="it-IT" dirty="0" err="1" smtClean="0"/>
+              <a:rPr lang="it-IT" dirty="0" err="1"/>
               <a:t>Spaceship</a:t>
             </a:r>
             <a:endParaRPr lang="it-IT" dirty="0"/>
@@ -9451,7 +10127,7 @@
             <a:p>
               <a:pPr algn="ctr"/>
               <a:r>
-                <a:rPr lang="it-IT" sz="2000" dirty="0" err="1" smtClean="0">
+                <a:rPr lang="it-IT" sz="2000" dirty="0" err="1">
                   <a:solidFill>
                     <a:schemeClr val="tx1"/>
                   </a:solidFill>
@@ -9511,18 +10187,13 @@
             <a:p>
               <a:pPr algn="ctr"/>
               <a:r>
-                <a:rPr lang="it-IT" sz="2000" dirty="0" smtClean="0">
+                <a:rPr lang="it-IT" sz="2000" dirty="0">
                   <a:solidFill>
                     <a:schemeClr val="tx1"/>
                   </a:solidFill>
                 </a:rPr>
                 <a:t>Stop</a:t>
               </a:r>
-              <a:endParaRPr lang="it-IT" sz="2000" dirty="0">
-                <a:solidFill>
-                  <a:schemeClr val="tx1"/>
-                </a:solidFill>
-              </a:endParaRPr>
             </a:p>
           </p:txBody>
         </p:sp>
@@ -9567,8 +10238,8 @@
             </a:fontRef>
           </p:style>
         </p:cxnSp>
-        <mc:AlternateContent xmlns:mc="http://schemas.openxmlformats.org/markup-compatibility/2006">
-          <mc:Choice xmlns:a14="http://schemas.microsoft.com/office/drawing/2010/main" Requires="a14">
+        <mc:AlternateContent xmlns:mc="http://schemas.openxmlformats.org/markup-compatibility/2006" xmlns:a14="http://schemas.microsoft.com/office/drawing/2010/main">
+          <mc:Choice Requires="a14">
             <p:sp>
               <p:nvSpPr>
                 <p:cNvPr id="128" name="CasellaDiTesto 127"/>
@@ -9591,6 +10262,7 @@
                 </a:bodyPr>
                 <a:lstStyle/>
                 <a:p>
+                  <a:pPr/>
                   <a14:m>
                     <m:oMathPara xmlns:m="http://schemas.openxmlformats.org/officeDocument/2006/math">
                       <m:oMathParaPr>
@@ -9617,7 +10289,7 @@
               </p:txBody>
             </p:sp>
           </mc:Choice>
-          <mc:Fallback>
+          <mc:Fallback xmlns="">
             <p:sp>
               <p:nvSpPr>
                 <p:cNvPr id="128" name="CasellaDiTesto 127"/>
@@ -9696,8 +10368,8 @@
             </a:fontRef>
           </p:style>
         </p:cxnSp>
-        <mc:AlternateContent xmlns:mc="http://schemas.openxmlformats.org/markup-compatibility/2006">
-          <mc:Choice xmlns:a14="http://schemas.microsoft.com/office/drawing/2010/main" Requires="a14">
+        <mc:AlternateContent xmlns:mc="http://schemas.openxmlformats.org/markup-compatibility/2006" xmlns:a14="http://schemas.microsoft.com/office/drawing/2010/main">
+          <mc:Choice Requires="a14">
             <p:sp>
               <p:nvSpPr>
                 <p:cNvPr id="130" name="CasellaDiTesto 129"/>
@@ -9720,6 +10392,7 @@
                 </a:bodyPr>
                 <a:lstStyle/>
                 <a:p>
+                  <a:pPr/>
                   <a14:m>
                     <m:oMathPara xmlns:m="http://schemas.openxmlformats.org/officeDocument/2006/math">
                       <m:oMathParaPr>
@@ -9742,13 +10415,13 @@
                           <a:rPr lang="it-IT" sz="1000" i="1" dirty="0" smtClean="0">
                             <a:latin typeface="Cambria Math" panose="02040503050406030204" pitchFamily="18" charset="0"/>
                           </a:rPr>
-                          <m:t>𝑝𝑜</m:t>
+                          <m:t>𝑝𝑜𝑠𝑖</m:t>
                         </m:r>
                         <m:r>
                           <a:rPr lang="it-IT" sz="1000" b="0" i="1" dirty="0" smtClean="0">
                             <a:latin typeface="Cambria Math" panose="02040503050406030204" pitchFamily="18" charset="0"/>
                           </a:rPr>
-                          <m:t>𝑠𝑖𝑡𝑖𝑜𝑛</m:t>
+                          <m:t>𝑡𝑖𝑜𝑛</m:t>
                         </m:r>
                       </m:oMath>
                     </m:oMathPara>
@@ -9758,7 +10431,7 @@
               </p:txBody>
             </p:sp>
           </mc:Choice>
-          <mc:Fallback>
+          <mc:Fallback xmlns="">
             <p:sp>
               <p:nvSpPr>
                 <p:cNvPr id="130" name="CasellaDiTesto 129"/>
@@ -9879,8 +10552,8 @@
             </a:fontRef>
           </p:style>
         </p:cxnSp>
-        <mc:AlternateContent xmlns:mc="http://schemas.openxmlformats.org/markup-compatibility/2006">
-          <mc:Choice xmlns:a14="http://schemas.microsoft.com/office/drawing/2010/main" Requires="a14">
+        <mc:AlternateContent xmlns:mc="http://schemas.openxmlformats.org/markup-compatibility/2006" xmlns:a14="http://schemas.microsoft.com/office/drawing/2010/main">
+          <mc:Choice Requires="a14">
             <p:sp>
               <p:nvSpPr>
                 <p:cNvPr id="133" name="CasellaDiTesto 132"/>
@@ -9903,6 +10576,7 @@
                 </a:bodyPr>
                 <a:lstStyle/>
                 <a:p>
+                  <a:pPr/>
                   <a14:m>
                     <m:oMathPara xmlns:m="http://schemas.openxmlformats.org/officeDocument/2006/math">
                       <m:oMathParaPr>
@@ -9977,9 +10651,10 @@
                       </m:oMath>
                     </m:oMathPara>
                   </a14:m>
-                  <a:endParaRPr lang="it-IT" sz="1000" b="0" dirty="0" smtClean="0"/>
+                  <a:endParaRPr lang="it-IT" sz="1000" b="0" dirty="0"/>
                 </a:p>
                 <a:p>
+                  <a:pPr/>
                   <a14:m>
                     <m:oMathPara xmlns:m="http://schemas.openxmlformats.org/officeDocument/2006/math">
                       <m:oMathParaPr>
@@ -10059,7 +10734,7 @@
               </p:txBody>
             </p:sp>
           </mc:Choice>
-          <mc:Fallback>
+          <mc:Fallback xmlns="">
             <p:sp>
               <p:nvSpPr>
                 <p:cNvPr id="133" name="CasellaDiTesto 132"/>
@@ -10180,8 +10855,8 @@
             </a:fontRef>
           </p:style>
         </p:cxnSp>
-        <mc:AlternateContent xmlns:mc="http://schemas.openxmlformats.org/markup-compatibility/2006">
-          <mc:Choice xmlns:a14="http://schemas.microsoft.com/office/drawing/2010/main" Requires="a14">
+        <mc:AlternateContent xmlns:mc="http://schemas.openxmlformats.org/markup-compatibility/2006" xmlns:a14="http://schemas.microsoft.com/office/drawing/2010/main">
+          <mc:Choice Requires="a14">
             <p:sp>
               <p:nvSpPr>
                 <p:cNvPr id="136" name="CasellaDiTesto 135"/>
@@ -10204,6 +10879,7 @@
                 </a:bodyPr>
                 <a:lstStyle/>
                 <a:p>
+                  <a:pPr/>
                   <a14:m>
                     <m:oMathPara xmlns:m="http://schemas.openxmlformats.org/officeDocument/2006/math">
                       <m:oMathParaPr>
@@ -10243,9 +10919,10 @@
                       </m:oMath>
                     </m:oMathPara>
                   </a14:m>
-                  <a:endParaRPr lang="it-IT" sz="1000" b="0" dirty="0" smtClean="0"/>
+                  <a:endParaRPr lang="it-IT" sz="1000" b="0" dirty="0"/>
                 </a:p>
                 <a:p>
+                  <a:pPr/>
                   <a14:m>
                     <m:oMathPara xmlns:m="http://schemas.openxmlformats.org/officeDocument/2006/math">
                       <m:oMathParaPr>
@@ -10280,13 +10957,7 @@
                           <a:rPr lang="it-IT" sz="1000" b="0" i="1" smtClean="0">
                             <a:latin typeface="Cambria Math" panose="02040503050406030204" pitchFamily="18" charset="0"/>
                           </a:rPr>
-                          <m:t>=</m:t>
-                        </m:r>
-                        <m:r>
-                          <a:rPr lang="it-IT" sz="1000" b="0" i="1" smtClean="0">
-                            <a:latin typeface="Cambria Math" panose="02040503050406030204" pitchFamily="18" charset="0"/>
-                          </a:rPr>
-                          <m:t>0</m:t>
+                          <m:t>=0</m:t>
                         </m:r>
                       </m:oMath>
                     </m:oMathPara>
@@ -10296,7 +10967,7 @@
               </p:txBody>
             </p:sp>
           </mc:Choice>
-          <mc:Fallback>
+          <mc:Fallback xmlns="">
             <p:sp>
               <p:nvSpPr>
                 <p:cNvPr id="136" name="CasellaDiTesto 135"/>
@@ -10373,8 +11044,8 @@
             </a:fontRef>
           </p:style>
         </p:cxnSp>
-        <mc:AlternateContent xmlns:mc="http://schemas.openxmlformats.org/markup-compatibility/2006">
-          <mc:Choice xmlns:a14="http://schemas.microsoft.com/office/drawing/2010/main" Requires="a14">
+        <mc:AlternateContent xmlns:mc="http://schemas.openxmlformats.org/markup-compatibility/2006" xmlns:a14="http://schemas.microsoft.com/office/drawing/2010/main">
+          <mc:Choice Requires="a14">
             <p:sp>
               <p:nvSpPr>
                 <p:cNvPr id="138" name="CasellaDiTesto 137"/>
@@ -10397,6 +11068,7 @@
                 </a:bodyPr>
                 <a:lstStyle/>
                 <a:p>
+                  <a:pPr/>
                   <a14:m>
                     <m:oMathPara xmlns:m="http://schemas.openxmlformats.org/officeDocument/2006/math">
                       <m:oMathParaPr>
@@ -10567,7 +11239,7 @@
               </p:txBody>
             </p:sp>
           </mc:Choice>
-          <mc:Fallback>
+          <mc:Fallback xmlns="">
             <p:sp>
               <p:nvSpPr>
                 <p:cNvPr id="138" name="CasellaDiTesto 137"/>
@@ -10681,8 +11353,8 @@
           </a:fontRef>
         </p:style>
       </p:cxnSp>
-      <mc:AlternateContent xmlns:mc="http://schemas.openxmlformats.org/markup-compatibility/2006">
-        <mc:Choice xmlns:a14="http://schemas.microsoft.com/office/drawing/2010/main" Requires="a14">
+      <mc:AlternateContent xmlns:mc="http://schemas.openxmlformats.org/markup-compatibility/2006" xmlns:a14="http://schemas.microsoft.com/office/drawing/2010/main">
+        <mc:Choice Requires="a14">
           <p:sp>
             <p:nvSpPr>
               <p:cNvPr id="143" name="CasellaDiTesto 142"/>
@@ -10705,6 +11377,7 @@
               </a:bodyPr>
               <a:lstStyle/>
               <a:p>
+                <a:pPr/>
                 <a14:m>
                   <m:oMathPara xmlns:m="http://schemas.openxmlformats.org/officeDocument/2006/math">
                     <m:oMathParaPr>
@@ -10731,7 +11404,7 @@
             </p:txBody>
           </p:sp>
         </mc:Choice>
-        <mc:Fallback>
+        <mc:Fallback xmlns="">
           <p:sp>
             <p:nvSpPr>
               <p:cNvPr id="143" name="CasellaDiTesto 142"/>
@@ -10770,8 +11443,8 @@
           </p:sp>
         </mc:Fallback>
       </mc:AlternateContent>
-      <mc:AlternateContent xmlns:mc="http://schemas.openxmlformats.org/markup-compatibility/2006">
-        <mc:Choice xmlns:a14="http://schemas.microsoft.com/office/drawing/2010/main" Requires="a14">
+      <mc:AlternateContent xmlns:mc="http://schemas.openxmlformats.org/markup-compatibility/2006" xmlns:a14="http://schemas.microsoft.com/office/drawing/2010/main">
+        <mc:Choice Requires="a14">
           <p:sp>
             <p:nvSpPr>
               <p:cNvPr id="144" name="CasellaDiTesto 143"/>
@@ -10794,6 +11467,7 @@
               </a:bodyPr>
               <a:lstStyle/>
               <a:p>
+                <a:pPr/>
                 <a14:m>
                   <m:oMathPara xmlns:m="http://schemas.openxmlformats.org/officeDocument/2006/math">
                     <m:oMathParaPr>
@@ -10820,7 +11494,7 @@
             </p:txBody>
           </p:sp>
         </mc:Choice>
-        <mc:Fallback>
+        <mc:Fallback xmlns="">
           <p:sp>
             <p:nvSpPr>
               <p:cNvPr id="144" name="CasellaDiTesto 143"/>
@@ -10973,8 +11647,8 @@
           </a:fontRef>
         </p:style>
       </p:cxnSp>
-      <mc:AlternateContent xmlns:mc="http://schemas.openxmlformats.org/markup-compatibility/2006">
-        <mc:Choice xmlns:a14="http://schemas.microsoft.com/office/drawing/2010/main" Requires="a14">
+      <mc:AlternateContent xmlns:mc="http://schemas.openxmlformats.org/markup-compatibility/2006" xmlns:a14="http://schemas.microsoft.com/office/drawing/2010/main">
+        <mc:Choice Requires="a14">
           <p:sp>
             <p:nvSpPr>
               <p:cNvPr id="153" name="CasellaDiTesto 152"/>
@@ -10997,6 +11671,7 @@
               </a:bodyPr>
               <a:lstStyle/>
               <a:p>
+                <a:pPr/>
                 <a14:m>
                   <m:oMathPara xmlns:m="http://schemas.openxmlformats.org/officeDocument/2006/math">
                     <m:oMathParaPr>
@@ -11017,7 +11692,7 @@
             </p:txBody>
           </p:sp>
         </mc:Choice>
-        <mc:Fallback>
+        <mc:Fallback xmlns="">
           <p:sp>
             <p:nvSpPr>
               <p:cNvPr id="153" name="CasellaDiTesto 152"/>
@@ -11079,70 +11754,69 @@
           <a:lstStyle/>
           <a:p>
             <a:r>
-              <a:rPr lang="it-IT" sz="900" dirty="0" err="1" smtClean="0"/>
+              <a:rPr lang="it-IT" sz="900" dirty="0" err="1"/>
               <a:t>Shared</a:t>
             </a:r>
             <a:r>
-              <a:rPr lang="it-IT" sz="900" dirty="0" smtClean="0"/>
+              <a:rPr lang="it-IT" sz="900" dirty="0"/>
               <a:t> </a:t>
             </a:r>
             <a:r>
-              <a:rPr lang="it-IT" sz="900" dirty="0" err="1" smtClean="0"/>
+              <a:rPr lang="it-IT" sz="900" dirty="0" err="1"/>
               <a:t>variable</a:t>
             </a:r>
             <a:r>
-              <a:rPr lang="it-IT" sz="900" dirty="0" smtClean="0"/>
+              <a:rPr lang="it-IT" sz="900" dirty="0"/>
               <a:t>: </a:t>
             </a:r>
             <a:r>
-              <a:rPr lang="it-IT" sz="900" i="1" dirty="0" smtClean="0"/>
+              <a:rPr lang="it-IT" sz="900" i="1" dirty="0"/>
               <a:t>p</a:t>
             </a:r>
             <a:r>
-              <a:rPr lang="it-IT" sz="900" dirty="0" smtClean="0"/>
+              <a:rPr lang="it-IT" sz="900" dirty="0"/>
               <a:t> </a:t>
             </a:r>
             <a:r>
-              <a:rPr lang="it-IT" sz="900" dirty="0" err="1" smtClean="0"/>
+              <a:rPr lang="it-IT" sz="900" dirty="0" err="1"/>
               <a:t>int</a:t>
             </a:r>
             <a:r>
-              <a:rPr lang="it-IT" sz="900" dirty="0" smtClean="0"/>
+              <a:rPr lang="it-IT" sz="900" dirty="0"/>
               <a:t> (punteggio)</a:t>
             </a:r>
           </a:p>
           <a:p>
             <a:r>
-              <a:rPr lang="it-IT" sz="900" dirty="0" smtClean="0"/>
+              <a:rPr lang="it-IT" sz="900" dirty="0"/>
               <a:t>Input: </a:t>
             </a:r>
             <a:r>
-              <a:rPr lang="it-IT" sz="900" i="1" dirty="0" smtClean="0"/>
+              <a:rPr lang="it-IT" sz="900" i="1" dirty="0"/>
               <a:t>Stop</a:t>
             </a:r>
             <a:r>
-              <a:rPr lang="it-IT" sz="900" dirty="0" smtClean="0"/>
+              <a:rPr lang="it-IT" sz="900" dirty="0"/>
               <a:t> </a:t>
             </a:r>
           </a:p>
           <a:p>
             <a:r>
-              <a:rPr lang="it-IT" sz="900" dirty="0" err="1" smtClean="0"/>
+              <a:rPr lang="it-IT" sz="900" dirty="0" err="1"/>
               <a:t>Outputs</a:t>
             </a:r>
             <a:r>
-              <a:rPr lang="it-IT" sz="900" dirty="0" smtClean="0"/>
+              <a:rPr lang="it-IT" sz="900" dirty="0"/>
               <a:t>: </a:t>
             </a:r>
             <a:r>
-              <a:rPr lang="it-IT" sz="900" i="1" dirty="0" smtClean="0"/>
+              <a:rPr lang="it-IT" sz="900" i="1" dirty="0"/>
               <a:t>position</a:t>
             </a:r>
             <a:r>
-              <a:rPr lang="it-IT" sz="900" dirty="0" smtClean="0"/>
+              <a:rPr lang="it-IT" sz="900" dirty="0"/>
               <a:t> </a:t>
             </a:r>
-            <a:endParaRPr lang="it-IT" sz="900" dirty="0"/>
           </a:p>
         </p:txBody>
       </p:sp>
@@ -11169,10 +11843,9 @@
           <a:lstStyle/>
           <a:p>
             <a:r>
-              <a:rPr lang="it-IT" dirty="0" smtClean="0"/>
+              <a:rPr lang="it-IT" dirty="0"/>
               <a:t>1</a:t>
             </a:r>
-            <a:endParaRPr lang="it-IT" dirty="0"/>
           </a:p>
         </p:txBody>
       </p:sp>
@@ -11202,12 +11875,11 @@
               <a:rPr lang="it-IT" dirty="0"/>
               <a:t>2</a:t>
             </a:r>
-            <a:endParaRPr lang="it-IT" dirty="0"/>
           </a:p>
         </p:txBody>
       </p:sp>
-      <mc:AlternateContent xmlns:mc="http://schemas.openxmlformats.org/markup-compatibility/2006">
-        <mc:Choice xmlns:a14="http://schemas.microsoft.com/office/drawing/2010/main" Requires="a14">
+      <mc:AlternateContent xmlns:mc="http://schemas.openxmlformats.org/markup-compatibility/2006" xmlns:a14="http://schemas.microsoft.com/office/drawing/2010/main">
+        <mc:Choice Requires="a14">
           <p:sp>
             <p:nvSpPr>
               <p:cNvPr id="166" name="CasellaDiTesto 165"/>
@@ -11231,27 +11903,27 @@
               <a:lstStyle/>
               <a:p>
                 <a:r>
-                  <a:rPr lang="it-IT" sz="900" dirty="0" err="1" smtClean="0"/>
+                  <a:rPr lang="it-IT" sz="900" dirty="0" err="1"/>
                   <a:t>Variables</a:t>
                 </a:r>
                 <a:r>
-                  <a:rPr lang="it-IT" sz="900" dirty="0" smtClean="0"/>
+                  <a:rPr lang="it-IT" sz="900" dirty="0"/>
                   <a:t>: x</a:t>
                 </a:r>
                 <a:r>
-                  <a:rPr lang="it-IT" sz="900" baseline="-25000" dirty="0" smtClean="0"/>
+                  <a:rPr lang="it-IT" sz="900" baseline="-25000" dirty="0"/>
                   <a:t>a</a:t>
                 </a:r>
                 <a:r>
-                  <a:rPr lang="it-IT" sz="900" dirty="0" smtClean="0"/>
+                  <a:rPr lang="it-IT" sz="900" dirty="0"/>
                   <a:t>, y</a:t>
                 </a:r>
                 <a:r>
-                  <a:rPr lang="it-IT" sz="900" baseline="-25000" dirty="0" smtClean="0"/>
+                  <a:rPr lang="it-IT" sz="900" baseline="-25000" dirty="0"/>
                   <a:t>a</a:t>
                 </a:r>
                 <a:r>
-                  <a:rPr lang="it-IT" sz="900" dirty="0" smtClean="0"/>
+                  <a:rPr lang="it-IT" sz="900" dirty="0"/>
                   <a:t> , </a:t>
                 </a:r>
                 <a14:m>
@@ -11265,45 +11937,44 @@
                     </m:r>
                   </m:oMath>
                 </a14:m>
-                <a:endParaRPr lang="it-IT" sz="900" dirty="0" smtClean="0"/>
+                <a:endParaRPr lang="it-IT" sz="900" dirty="0"/>
               </a:p>
               <a:p>
                 <a:r>
-                  <a:rPr lang="it-IT" sz="900" dirty="0" smtClean="0"/>
+                  <a:rPr lang="it-IT" sz="900" dirty="0"/>
                   <a:t>Input: </a:t>
                 </a:r>
                 <a:r>
-                  <a:rPr lang="it-IT" sz="900" i="1" dirty="0" smtClean="0"/>
+                  <a:rPr lang="it-IT" sz="900" i="1" dirty="0"/>
                   <a:t>Stop</a:t>
                 </a:r>
                 <a:r>
-                  <a:rPr lang="it-IT" sz="900" dirty="0" smtClean="0"/>
+                  <a:rPr lang="it-IT" sz="900" dirty="0"/>
                   <a:t> </a:t>
                 </a:r>
               </a:p>
               <a:p>
                 <a:r>
-                  <a:rPr lang="it-IT" sz="900" dirty="0" err="1" smtClean="0"/>
+                  <a:rPr lang="it-IT" sz="900" dirty="0" err="1"/>
                   <a:t>Outputs</a:t>
                 </a:r>
                 <a:r>
-                  <a:rPr lang="it-IT" sz="900" dirty="0" smtClean="0"/>
+                  <a:rPr lang="it-IT" sz="900" dirty="0"/>
                   <a:t>: </a:t>
                 </a:r>
                 <a:r>
-                  <a:rPr lang="it-IT" sz="900" i="1" dirty="0" smtClean="0"/>
+                  <a:rPr lang="it-IT" sz="900" i="1" dirty="0"/>
                   <a:t>position 1</a:t>
                 </a:r>
                 <a:r>
-                  <a:rPr lang="it-IT" sz="900" dirty="0" smtClean="0"/>
+                  <a:rPr lang="it-IT" sz="900" dirty="0"/>
                   <a:t> </a:t>
                 </a:r>
-                <a:endParaRPr lang="it-IT" sz="900" dirty="0"/>
               </a:p>
             </p:txBody>
           </p:sp>
         </mc:Choice>
-        <mc:Fallback>
+        <mc:Fallback xmlns="">
           <p:sp>
             <p:nvSpPr>
               <p:cNvPr id="166" name="CasellaDiTesto 165"/>
@@ -11342,8 +12013,8 @@
           </p:sp>
         </mc:Fallback>
       </mc:AlternateContent>
-      <mc:AlternateContent xmlns:mc="http://schemas.openxmlformats.org/markup-compatibility/2006">
-        <mc:Choice xmlns:a14="http://schemas.microsoft.com/office/drawing/2010/main" Requires="a14">
+      <mc:AlternateContent xmlns:mc="http://schemas.openxmlformats.org/markup-compatibility/2006" xmlns:a14="http://schemas.microsoft.com/office/drawing/2010/main">
+        <mc:Choice Requires="a14">
           <p:sp>
             <p:nvSpPr>
               <p:cNvPr id="167" name="CasellaDiTesto 166"/>
@@ -11367,27 +12038,27 @@
               <a:lstStyle/>
               <a:p>
                 <a:r>
-                  <a:rPr lang="it-IT" sz="900" dirty="0" err="1" smtClean="0"/>
+                  <a:rPr lang="it-IT" sz="900" dirty="0" err="1"/>
                   <a:t>Variables</a:t>
                 </a:r>
                 <a:r>
-                  <a:rPr lang="it-IT" sz="900" dirty="0" smtClean="0"/>
+                  <a:rPr lang="it-IT" sz="900" dirty="0"/>
                   <a:t>: x</a:t>
                 </a:r>
                 <a:r>
-                  <a:rPr lang="it-IT" sz="900" baseline="-25000" dirty="0" smtClean="0"/>
+                  <a:rPr lang="it-IT" sz="900" baseline="-25000" dirty="0"/>
                   <a:t>a</a:t>
                 </a:r>
                 <a:r>
-                  <a:rPr lang="it-IT" sz="900" dirty="0" smtClean="0"/>
+                  <a:rPr lang="it-IT" sz="900" dirty="0"/>
                   <a:t>, y</a:t>
                 </a:r>
                 <a:r>
-                  <a:rPr lang="it-IT" sz="900" baseline="-25000" dirty="0" smtClean="0"/>
+                  <a:rPr lang="it-IT" sz="900" baseline="-25000" dirty="0"/>
                   <a:t>a</a:t>
                 </a:r>
                 <a:r>
-                  <a:rPr lang="it-IT" sz="900" dirty="0" smtClean="0"/>
+                  <a:rPr lang="it-IT" sz="900" dirty="0"/>
                   <a:t> , </a:t>
                 </a:r>
                 <a14:m>
@@ -11401,45 +12072,44 @@
                     </m:r>
                   </m:oMath>
                 </a14:m>
-                <a:endParaRPr lang="it-IT" sz="900" dirty="0" smtClean="0"/>
+                <a:endParaRPr lang="it-IT" sz="900" dirty="0"/>
               </a:p>
               <a:p>
                 <a:r>
-                  <a:rPr lang="it-IT" sz="900" dirty="0" smtClean="0"/>
+                  <a:rPr lang="it-IT" sz="900" dirty="0"/>
                   <a:t>Input: </a:t>
                 </a:r>
                 <a:r>
-                  <a:rPr lang="it-IT" sz="900" i="1" dirty="0" smtClean="0"/>
+                  <a:rPr lang="it-IT" sz="900" i="1" dirty="0"/>
                   <a:t>Stop</a:t>
                 </a:r>
                 <a:r>
-                  <a:rPr lang="it-IT" sz="900" dirty="0" smtClean="0"/>
+                  <a:rPr lang="it-IT" sz="900" dirty="0"/>
                   <a:t> </a:t>
                 </a:r>
               </a:p>
               <a:p>
                 <a:r>
-                  <a:rPr lang="it-IT" sz="900" dirty="0" err="1" smtClean="0"/>
+                  <a:rPr lang="it-IT" sz="900" dirty="0" err="1"/>
                   <a:t>Outputs</a:t>
                 </a:r>
                 <a:r>
-                  <a:rPr lang="it-IT" sz="900" dirty="0" smtClean="0"/>
+                  <a:rPr lang="it-IT" sz="900" dirty="0"/>
                   <a:t>: </a:t>
                 </a:r>
                 <a:r>
-                  <a:rPr lang="it-IT" sz="900" i="1" dirty="0" smtClean="0"/>
+                  <a:rPr lang="it-IT" sz="900" i="1" dirty="0"/>
                   <a:t>position 2</a:t>
                 </a:r>
                 <a:r>
-                  <a:rPr lang="it-IT" sz="900" dirty="0" smtClean="0"/>
+                  <a:rPr lang="it-IT" sz="900" dirty="0"/>
                   <a:t> </a:t>
                 </a:r>
-                <a:endParaRPr lang="it-IT" sz="900" dirty="0"/>
               </a:p>
             </p:txBody>
           </p:sp>
         </mc:Choice>
-        <mc:Fallback>
+        <mc:Fallback xmlns="">
           <p:sp>
             <p:nvSpPr>
               <p:cNvPr id="167" name="CasellaDiTesto 166"/>
@@ -11501,54 +12171,53 @@
           <a:lstStyle/>
           <a:p>
             <a:r>
-              <a:rPr lang="it-IT" sz="1200" dirty="0" err="1" smtClean="0"/>
+              <a:rPr lang="it-IT" sz="1200" dirty="0" err="1"/>
               <a:t>Variable</a:t>
             </a:r>
             <a:r>
-              <a:rPr lang="it-IT" sz="1200" dirty="0" smtClean="0"/>
+              <a:rPr lang="it-IT" sz="1200" dirty="0"/>
               <a:t>: </a:t>
             </a:r>
             <a:r>
-              <a:rPr lang="it-IT" sz="1200" dirty="0" err="1" smtClean="0"/>
+              <a:rPr lang="it-IT" sz="1200" dirty="0" err="1"/>
               <a:t>Sposition</a:t>
             </a:r>
             <a:r>
-              <a:rPr lang="it-IT" sz="1200" dirty="0" smtClean="0"/>
+              <a:rPr lang="it-IT" sz="1200" dirty="0"/>
               <a:t> (x</a:t>
             </a:r>
             <a:r>
-              <a:rPr lang="it-IT" sz="1200" baseline="-25000" dirty="0" smtClean="0"/>
+              <a:rPr lang="it-IT" sz="1200" baseline="-25000" dirty="0"/>
               <a:t>s</a:t>
             </a:r>
             <a:r>
-              <a:rPr lang="it-IT" sz="1200" dirty="0" smtClean="0"/>
+              <a:rPr lang="it-IT" sz="1200" dirty="0"/>
               <a:t>,y</a:t>
             </a:r>
             <a:r>
-              <a:rPr lang="it-IT" sz="1200" baseline="-25000" dirty="0" smtClean="0"/>
+              <a:rPr lang="it-IT" sz="1200" baseline="-25000" dirty="0"/>
               <a:t>s</a:t>
             </a:r>
             <a:r>
-              <a:rPr lang="it-IT" sz="1200" dirty="0" smtClean="0"/>
+              <a:rPr lang="it-IT" sz="1200" dirty="0"/>
               <a:t>)</a:t>
             </a:r>
           </a:p>
           <a:p>
             <a:r>
-              <a:rPr lang="it-IT" sz="1200" dirty="0" smtClean="0"/>
+              <a:rPr lang="it-IT" sz="1200" dirty="0"/>
               <a:t>Input: position  </a:t>
             </a:r>
           </a:p>
           <a:p>
             <a:r>
-              <a:rPr lang="it-IT" sz="1200" dirty="0" err="1" smtClean="0"/>
+              <a:rPr lang="it-IT" sz="1200" dirty="0" err="1"/>
               <a:t>Outputs</a:t>
             </a:r>
             <a:r>
-              <a:rPr lang="it-IT" sz="1200" dirty="0" smtClean="0"/>
+              <a:rPr lang="it-IT" sz="1200" dirty="0"/>
               <a:t>: Stop</a:t>
             </a:r>
-            <a:endParaRPr lang="it-IT" sz="1200" dirty="0"/>
           </a:p>
         </p:txBody>
       </p:sp>
@@ -11576,11 +12245,11 @@
           <a:p>
             <a:pPr algn="ctr"/>
             <a:r>
-              <a:rPr lang="it-IT" dirty="0" smtClean="0"/>
+              <a:rPr lang="it-IT" dirty="0"/>
               <a:t>FSM </a:t>
             </a:r>
             <a:r>
-              <a:rPr lang="it-IT" dirty="0" err="1" smtClean="0"/>
+              <a:rPr lang="it-IT" dirty="0" err="1"/>
               <a:t>Asteroids</a:t>
             </a:r>
             <a:endParaRPr lang="it-IT" dirty="0"/>
@@ -11611,11 +12280,11 @@
           <a:p>
             <a:pPr algn="ctr"/>
             <a:r>
-              <a:rPr lang="it-IT" dirty="0" smtClean="0"/>
+              <a:rPr lang="it-IT" dirty="0"/>
               <a:t>FSM </a:t>
             </a:r>
             <a:r>
-              <a:rPr lang="it-IT" dirty="0" err="1" smtClean="0"/>
+              <a:rPr lang="it-IT" dirty="0" err="1"/>
               <a:t>Spaceship</a:t>
             </a:r>
             <a:endParaRPr lang="it-IT" dirty="0"/>
@@ -11632,13 +12301,690 @@
   <p:clrMapOvr>
     <a:masterClrMapping/>
   </p:clrMapOvr>
-  <p:timing>
-    <p:tnLst>
-      <p:par>
-        <p:cTn id="1" dur="indefinite" restart="never" nodeType="tmRoot"/>
-      </p:par>
-    </p:tnLst>
-  </p:timing>
+</p:sld>
+</file>
+
+<file path=ppt/slides/slide20.xml><?xml version="1.0" encoding="utf-8"?>
+<p:sld xmlns:a="http://schemas.openxmlformats.org/drawingml/2006/main" xmlns:r="http://schemas.openxmlformats.org/officeDocument/2006/relationships" xmlns:p="http://schemas.openxmlformats.org/presentationml/2006/main">
+  <p:cSld>
+    <p:spTree>
+      <p:nvGrpSpPr>
+        <p:cNvPr id="1" name=""/>
+        <p:cNvGrpSpPr/>
+        <p:nvPr/>
+      </p:nvGrpSpPr>
+      <p:grpSpPr>
+        <a:xfrm>
+          <a:off x="0" y="0"/>
+          <a:ext cx="0" cy="0"/>
+          <a:chOff x="0" y="0"/>
+          <a:chExt cx="0" cy="0"/>
+        </a:xfrm>
+      </p:grpSpPr>
+      <p:sp>
+        <p:nvSpPr>
+          <p:cNvPr id="2" name="Titolo 1">
+            <a:extLst>
+              <a:ext uri="{FF2B5EF4-FFF2-40B4-BE49-F238E27FC236}">
+                <a16:creationId xmlns:a16="http://schemas.microsoft.com/office/drawing/2014/main" id="{763A2169-1ECF-4FDB-B88A-F810E0934637}"/>
+              </a:ext>
+            </a:extLst>
+          </p:cNvPr>
+          <p:cNvSpPr>
+            <a:spLocks noGrp="1"/>
+          </p:cNvSpPr>
+          <p:nvPr>
+            <p:ph type="title"/>
+          </p:nvPr>
+        </p:nvSpPr>
+        <p:spPr/>
+        <p:txBody>
+          <a:bodyPr/>
+          <a:lstStyle/>
+          <a:p>
+            <a:r>
+              <a:rPr lang="it-IT" dirty="0"/>
+              <a:t>Rimbalzo </a:t>
+            </a:r>
+            <a:r>
+              <a:rPr lang="it-IT" dirty="0" err="1"/>
+              <a:t>Asteroid</a:t>
+            </a:r>
+            <a:endParaRPr lang="it-IT" dirty="0"/>
+          </a:p>
+        </p:txBody>
+      </p:sp>
+      <p:sp>
+        <p:nvSpPr>
+          <p:cNvPr id="3" name="Segnaposto contenuto 2">
+            <a:extLst>
+              <a:ext uri="{FF2B5EF4-FFF2-40B4-BE49-F238E27FC236}">
+                <a16:creationId xmlns:a16="http://schemas.microsoft.com/office/drawing/2014/main" id="{402764E4-A8F0-4CFE-81A1-186BEB8BC0FD}"/>
+              </a:ext>
+            </a:extLst>
+          </p:cNvPr>
+          <p:cNvSpPr>
+            <a:spLocks noGrp="1"/>
+          </p:cNvSpPr>
+          <p:nvPr>
+            <p:ph idx="1"/>
+          </p:nvPr>
+        </p:nvSpPr>
+        <p:spPr/>
+        <p:txBody>
+          <a:bodyPr/>
+          <a:lstStyle/>
+          <a:p>
+            <a:pPr marL="0" indent="0">
+              <a:buNone/>
+            </a:pPr>
+            <a:r>
+              <a:rPr lang="it-IT" dirty="0"/>
+              <a:t>Per rilevare il contatto tra l’asteroide e il bordo utilizziamo dei collider che ci offre </a:t>
+            </a:r>
+            <a:r>
+              <a:rPr lang="it-IT" dirty="0" err="1"/>
+              <a:t>Unity</a:t>
+            </a:r>
+            <a:r>
+              <a:rPr lang="it-IT" dirty="0"/>
+              <a:t>, andando a definire un collider sferico per l’asteroide e un collider sui bordi possiamo con la funzione «OnTriggerEnter2D» specificare il comportamento che l’asteroide deve avere quando colpisce qualcosa</a:t>
+            </a:r>
+          </a:p>
+        </p:txBody>
+      </p:sp>
+    </p:spTree>
+    <p:extLst>
+      <p:ext uri="{BB962C8B-B14F-4D97-AF65-F5344CB8AC3E}">
+        <p14:creationId xmlns:p14="http://schemas.microsoft.com/office/powerpoint/2010/main" val="2179192037"/>
+      </p:ext>
+    </p:extLst>
+  </p:cSld>
+  <p:clrMapOvr>
+    <a:masterClrMapping/>
+  </p:clrMapOvr>
+</p:sld>
+</file>
+
+<file path=ppt/slides/slide21.xml><?xml version="1.0" encoding="utf-8"?>
+<p:sld xmlns:a="http://schemas.openxmlformats.org/drawingml/2006/main" xmlns:r="http://schemas.openxmlformats.org/officeDocument/2006/relationships" xmlns:p="http://schemas.openxmlformats.org/presentationml/2006/main">
+  <p:cSld>
+    <p:spTree>
+      <p:nvGrpSpPr>
+        <p:cNvPr id="1" name=""/>
+        <p:cNvGrpSpPr/>
+        <p:nvPr/>
+      </p:nvGrpSpPr>
+      <p:grpSpPr>
+        <a:xfrm>
+          <a:off x="0" y="0"/>
+          <a:ext cx="0" cy="0"/>
+          <a:chOff x="0" y="0"/>
+          <a:chExt cx="0" cy="0"/>
+        </a:xfrm>
+      </p:grpSpPr>
+      <p:sp>
+        <p:nvSpPr>
+          <p:cNvPr id="2" name="Titolo 1">
+            <a:extLst>
+              <a:ext uri="{FF2B5EF4-FFF2-40B4-BE49-F238E27FC236}">
+                <a16:creationId xmlns:a16="http://schemas.microsoft.com/office/drawing/2014/main" id="{A8746ED2-5676-43D0-BB63-0A13E1E0A531}"/>
+              </a:ext>
+            </a:extLst>
+          </p:cNvPr>
+          <p:cNvSpPr>
+            <a:spLocks noGrp="1"/>
+          </p:cNvSpPr>
+          <p:nvPr>
+            <p:ph type="title"/>
+          </p:nvPr>
+        </p:nvSpPr>
+        <p:spPr/>
+        <p:txBody>
+          <a:bodyPr/>
+          <a:lstStyle/>
+          <a:p>
+            <a:r>
+              <a:rPr lang="it-IT" dirty="0"/>
+              <a:t>Rimbalzo </a:t>
+            </a:r>
+            <a:r>
+              <a:rPr lang="it-IT" dirty="0" err="1"/>
+              <a:t>Asteroid</a:t>
+            </a:r>
+            <a:endParaRPr lang="it-IT" dirty="0"/>
+          </a:p>
+        </p:txBody>
+      </p:sp>
+      <p:sp>
+        <p:nvSpPr>
+          <p:cNvPr id="3" name="Segnaposto contenuto 2">
+            <a:extLst>
+              <a:ext uri="{FF2B5EF4-FFF2-40B4-BE49-F238E27FC236}">
+                <a16:creationId xmlns:a16="http://schemas.microsoft.com/office/drawing/2014/main" id="{C44AE149-07FA-4F9E-837C-AA70AD4C271D}"/>
+              </a:ext>
+            </a:extLst>
+          </p:cNvPr>
+          <p:cNvSpPr>
+            <a:spLocks noGrp="1"/>
+          </p:cNvSpPr>
+          <p:nvPr>
+            <p:ph idx="1"/>
+          </p:nvPr>
+        </p:nvSpPr>
+        <p:spPr/>
+        <p:txBody>
+          <a:bodyPr/>
+          <a:lstStyle/>
+          <a:p>
+            <a:pPr marL="0" indent="0">
+              <a:buNone/>
+            </a:pPr>
+            <a:r>
+              <a:rPr lang="it-IT" dirty="0"/>
+              <a:t>Nel caso «OnTriggerEnter2D» venga </a:t>
+            </a:r>
+            <a:r>
+              <a:rPr lang="it-IT" dirty="0" err="1"/>
+              <a:t>triggerato</a:t>
+            </a:r>
+            <a:r>
+              <a:rPr lang="it-IT" dirty="0"/>
+              <a:t> da un bordo del background quello che andiamo a fare è controllare quale bordo è stato colpito in modo da andare a modificare il «ray2D» dell’asteroide</a:t>
+            </a:r>
+            <a:br>
+              <a:rPr lang="it-IT" dirty="0"/>
+            </a:br>
+            <a:r>
+              <a:rPr lang="it-IT" dirty="0"/>
+              <a:t>Ad esempio se è stato colpito il bordo di destra creiamo un «vector3D» uguale a quello precedente ma con la componente x moltiplicata per meno uno e andiamo a modificare il «ray2D» con questo nuovo «Vector3D»</a:t>
+            </a:r>
+          </a:p>
+        </p:txBody>
+      </p:sp>
+    </p:spTree>
+    <p:extLst>
+      <p:ext uri="{BB962C8B-B14F-4D97-AF65-F5344CB8AC3E}">
+        <p14:creationId xmlns:p14="http://schemas.microsoft.com/office/powerpoint/2010/main" val="2205646357"/>
+      </p:ext>
+    </p:extLst>
+  </p:cSld>
+  <p:clrMapOvr>
+    <a:masterClrMapping/>
+  </p:clrMapOvr>
+</p:sld>
+</file>
+
+<file path=ppt/slides/slide22.xml><?xml version="1.0" encoding="utf-8"?>
+<p:sld xmlns:a="http://schemas.openxmlformats.org/drawingml/2006/main" xmlns:r="http://schemas.openxmlformats.org/officeDocument/2006/relationships" xmlns:p="http://schemas.openxmlformats.org/presentationml/2006/main">
+  <p:cSld>
+    <p:spTree>
+      <p:nvGrpSpPr>
+        <p:cNvPr id="1" name=""/>
+        <p:cNvGrpSpPr/>
+        <p:nvPr/>
+      </p:nvGrpSpPr>
+      <p:grpSpPr>
+        <a:xfrm>
+          <a:off x="0" y="0"/>
+          <a:ext cx="0" cy="0"/>
+          <a:chOff x="0" y="0"/>
+          <a:chExt cx="0" cy="0"/>
+        </a:xfrm>
+      </p:grpSpPr>
+      <p:sp>
+        <p:nvSpPr>
+          <p:cNvPr id="2" name="Titolo 1">
+            <a:extLst>
+              <a:ext uri="{FF2B5EF4-FFF2-40B4-BE49-F238E27FC236}">
+                <a16:creationId xmlns:a16="http://schemas.microsoft.com/office/drawing/2014/main" id="{A67A23A0-CFFB-4B63-AAD5-3CECD0EC816E}"/>
+              </a:ext>
+            </a:extLst>
+          </p:cNvPr>
+          <p:cNvSpPr>
+            <a:spLocks noGrp="1"/>
+          </p:cNvSpPr>
+          <p:nvPr>
+            <p:ph type="title"/>
+          </p:nvPr>
+        </p:nvSpPr>
+        <p:spPr/>
+        <p:txBody>
+          <a:bodyPr/>
+          <a:lstStyle/>
+          <a:p>
+            <a:r>
+              <a:rPr lang="it-IT" dirty="0"/>
+              <a:t>Rimbalzo </a:t>
+            </a:r>
+            <a:r>
+              <a:rPr lang="it-IT" dirty="0" err="1"/>
+              <a:t>Asteroid</a:t>
+            </a:r>
+            <a:endParaRPr lang="it-IT" dirty="0"/>
+          </a:p>
+        </p:txBody>
+      </p:sp>
+      <p:sp>
+        <p:nvSpPr>
+          <p:cNvPr id="3" name="Segnaposto contenuto 2">
+            <a:extLst>
+              <a:ext uri="{FF2B5EF4-FFF2-40B4-BE49-F238E27FC236}">
+                <a16:creationId xmlns:a16="http://schemas.microsoft.com/office/drawing/2014/main" id="{8A7F0A4B-BA81-4565-A75B-3E091B7B28BD}"/>
+              </a:ext>
+            </a:extLst>
+          </p:cNvPr>
+          <p:cNvSpPr>
+            <a:spLocks noGrp="1"/>
+          </p:cNvSpPr>
+          <p:nvPr>
+            <p:ph idx="1"/>
+          </p:nvPr>
+        </p:nvSpPr>
+        <p:spPr/>
+        <p:txBody>
+          <a:bodyPr>
+            <a:normAutofit fontScale="92500" lnSpcReduction="20000"/>
+          </a:bodyPr>
+          <a:lstStyle/>
+          <a:p>
+            <a:pPr marL="0" indent="0">
+              <a:buNone/>
+            </a:pPr>
+            <a:r>
+              <a:rPr lang="it-IT" dirty="0"/>
+              <a:t>	Ray2D prima del rimbalzo</a:t>
+            </a:r>
+          </a:p>
+          <a:p>
+            <a:pPr marL="0" indent="0">
+              <a:buNone/>
+            </a:pPr>
+            <a:r>
+              <a:rPr lang="it-IT" dirty="0"/>
+              <a:t>	(prima di colpire il bordo di destra)</a:t>
+            </a:r>
+          </a:p>
+          <a:p>
+            <a:pPr marL="0" indent="0">
+              <a:buNone/>
+            </a:pPr>
+            <a:endParaRPr lang="it-IT" dirty="0"/>
+          </a:p>
+          <a:p>
+            <a:pPr marL="0" indent="0">
+              <a:buNone/>
+            </a:pPr>
+            <a:endParaRPr lang="it-IT" dirty="0"/>
+          </a:p>
+          <a:p>
+            <a:pPr marL="0" indent="0">
+              <a:buNone/>
+            </a:pPr>
+            <a:endParaRPr lang="it-IT" dirty="0"/>
+          </a:p>
+          <a:p>
+            <a:pPr marL="0" indent="0">
+              <a:buNone/>
+            </a:pPr>
+            <a:endParaRPr lang="it-IT" dirty="0"/>
+          </a:p>
+          <a:p>
+            <a:pPr marL="0" indent="0">
+              <a:buNone/>
+            </a:pPr>
+            <a:r>
+              <a:rPr lang="it-IT" dirty="0"/>
+              <a:t>	Ray2D dopo del rimbalzo</a:t>
+            </a:r>
+            <a:br>
+              <a:rPr lang="it-IT" dirty="0"/>
+            </a:br>
+            <a:r>
+              <a:rPr lang="it-IT" dirty="0"/>
+              <a:t>	(dopo aver colpito bordo di destra)</a:t>
+            </a:r>
+            <a:br>
+              <a:rPr lang="it-IT" dirty="0"/>
+            </a:br>
+            <a:endParaRPr lang="it-IT" dirty="0"/>
+          </a:p>
+          <a:p>
+            <a:pPr marL="0" indent="0">
+              <a:buNone/>
+            </a:pPr>
+            <a:br>
+              <a:rPr lang="it-IT" dirty="0"/>
+            </a:br>
+            <a:endParaRPr lang="it-IT" dirty="0"/>
+          </a:p>
+        </p:txBody>
+      </p:sp>
+      <p:pic>
+        <p:nvPicPr>
+          <p:cNvPr id="4" name="Immagine 3">
+            <a:extLst>
+              <a:ext uri="{FF2B5EF4-FFF2-40B4-BE49-F238E27FC236}">
+                <a16:creationId xmlns:a16="http://schemas.microsoft.com/office/drawing/2014/main" id="{FBC8E21F-4E41-4080-8483-EA8E861C9ECF}"/>
+              </a:ext>
+            </a:extLst>
+          </p:cNvPr>
+          <p:cNvPicPr>
+            <a:picLocks noChangeAspect="1"/>
+          </p:cNvPicPr>
+          <p:nvPr/>
+        </p:nvPicPr>
+        <p:blipFill>
+          <a:blip r:embed="rId3"/>
+          <a:stretch>
+            <a:fillRect/>
+          </a:stretch>
+        </p:blipFill>
+        <p:spPr>
+          <a:xfrm>
+            <a:off x="7558708" y="1289662"/>
+            <a:ext cx="2847561" cy="2644163"/>
+          </a:xfrm>
+          <a:prstGeom prst="rect">
+            <a:avLst/>
+          </a:prstGeom>
+        </p:spPr>
+      </p:pic>
+      <p:pic>
+        <p:nvPicPr>
+          <p:cNvPr id="5" name="Immagine 4">
+            <a:extLst>
+              <a:ext uri="{FF2B5EF4-FFF2-40B4-BE49-F238E27FC236}">
+                <a16:creationId xmlns:a16="http://schemas.microsoft.com/office/drawing/2014/main" id="{486D790A-5C36-41D8-97A2-F556A8EBF38D}"/>
+              </a:ext>
+            </a:extLst>
+          </p:cNvPr>
+          <p:cNvPicPr>
+            <a:picLocks noChangeAspect="1"/>
+          </p:cNvPicPr>
+          <p:nvPr/>
+        </p:nvPicPr>
+        <p:blipFill>
+          <a:blip r:embed="rId4"/>
+          <a:stretch>
+            <a:fillRect/>
+          </a:stretch>
+        </p:blipFill>
+        <p:spPr>
+          <a:xfrm>
+            <a:off x="7615856" y="4001294"/>
+            <a:ext cx="2685677" cy="2429569"/>
+          </a:xfrm>
+          <a:prstGeom prst="rect">
+            <a:avLst/>
+          </a:prstGeom>
+        </p:spPr>
+      </p:pic>
+    </p:spTree>
+    <p:extLst>
+      <p:ext uri="{BB962C8B-B14F-4D97-AF65-F5344CB8AC3E}">
+        <p14:creationId xmlns:p14="http://schemas.microsoft.com/office/powerpoint/2010/main" val="2831663876"/>
+      </p:ext>
+    </p:extLst>
+  </p:cSld>
+  <p:clrMapOvr>
+    <a:masterClrMapping/>
+  </p:clrMapOvr>
+</p:sld>
+</file>
+
+<file path=ppt/slides/slide23.xml><?xml version="1.0" encoding="utf-8"?>
+<p:sld xmlns:a="http://schemas.openxmlformats.org/drawingml/2006/main" xmlns:r="http://schemas.openxmlformats.org/officeDocument/2006/relationships" xmlns:p="http://schemas.openxmlformats.org/presentationml/2006/main">
+  <p:cSld>
+    <p:spTree>
+      <p:nvGrpSpPr>
+        <p:cNvPr id="1" name=""/>
+        <p:cNvGrpSpPr/>
+        <p:nvPr/>
+      </p:nvGrpSpPr>
+      <p:grpSpPr>
+        <a:xfrm>
+          <a:off x="0" y="0"/>
+          <a:ext cx="0" cy="0"/>
+          <a:chOff x="0" y="0"/>
+          <a:chExt cx="0" cy="0"/>
+        </a:xfrm>
+      </p:grpSpPr>
+      <p:sp>
+        <p:nvSpPr>
+          <p:cNvPr id="2" name="Titolo 1">
+            <a:extLst>
+              <a:ext uri="{FF2B5EF4-FFF2-40B4-BE49-F238E27FC236}">
+                <a16:creationId xmlns:a16="http://schemas.microsoft.com/office/drawing/2014/main" id="{E5F8A9DD-903B-43E9-9B7C-6FABA833E186}"/>
+              </a:ext>
+            </a:extLst>
+          </p:cNvPr>
+          <p:cNvSpPr>
+            <a:spLocks noGrp="1"/>
+          </p:cNvSpPr>
+          <p:nvPr>
+            <p:ph type="title"/>
+          </p:nvPr>
+        </p:nvSpPr>
+        <p:spPr/>
+        <p:txBody>
+          <a:bodyPr/>
+          <a:lstStyle/>
+          <a:p>
+            <a:r>
+              <a:rPr lang="it-IT" dirty="0"/>
+              <a:t>Collisione con la navicella</a:t>
+            </a:r>
+          </a:p>
+        </p:txBody>
+      </p:sp>
+      <p:sp>
+        <p:nvSpPr>
+          <p:cNvPr id="3" name="Segnaposto contenuto 2">
+            <a:extLst>
+              <a:ext uri="{FF2B5EF4-FFF2-40B4-BE49-F238E27FC236}">
+                <a16:creationId xmlns:a16="http://schemas.microsoft.com/office/drawing/2014/main" id="{B22CF22A-DC56-4657-9F0C-96FF82574A5A}"/>
+              </a:ext>
+            </a:extLst>
+          </p:cNvPr>
+          <p:cNvSpPr>
+            <a:spLocks noGrp="1"/>
+          </p:cNvSpPr>
+          <p:nvPr>
+            <p:ph idx="1"/>
+          </p:nvPr>
+        </p:nvSpPr>
+        <p:spPr/>
+        <p:txBody>
+          <a:bodyPr/>
+          <a:lstStyle/>
+          <a:p>
+            <a:pPr marL="0" indent="0">
+              <a:buNone/>
+            </a:pPr>
+            <a:endParaRPr lang="it-IT" dirty="0"/>
+          </a:p>
+          <a:p>
+            <a:pPr marL="0" indent="0">
+              <a:buNone/>
+            </a:pPr>
+            <a:endParaRPr lang="it-IT" dirty="0"/>
+          </a:p>
+          <a:p>
+            <a:pPr marL="0" indent="0">
+              <a:buNone/>
+            </a:pPr>
+            <a:r>
+              <a:rPr lang="it-IT" dirty="0"/>
+              <a:t>Nel caso in cui l’asteroide collida con la navicella viene mandata a quest’ultima un messaggio di game over utilizzando «</a:t>
+            </a:r>
+            <a:r>
+              <a:rPr lang="it-IT" dirty="0" err="1"/>
+              <a:t>sendMessage</a:t>
+            </a:r>
+            <a:r>
+              <a:rPr lang="it-IT" dirty="0"/>
+              <a:t>»</a:t>
+            </a:r>
+          </a:p>
+          <a:p>
+            <a:pPr marL="0" indent="0">
+              <a:buNone/>
+            </a:pPr>
+            <a:endParaRPr lang="it-IT" dirty="0"/>
+          </a:p>
+          <a:p>
+            <a:pPr marL="0" indent="0">
+              <a:buNone/>
+            </a:pPr>
+            <a:r>
+              <a:rPr lang="it-IT" dirty="0"/>
+              <a:t>In questo caso apparirà una schermata di game over e il gioco termina</a:t>
+            </a:r>
+          </a:p>
+        </p:txBody>
+      </p:sp>
+    </p:spTree>
+    <p:extLst>
+      <p:ext uri="{BB962C8B-B14F-4D97-AF65-F5344CB8AC3E}">
+        <p14:creationId xmlns:p14="http://schemas.microsoft.com/office/powerpoint/2010/main" val="1330150008"/>
+      </p:ext>
+    </p:extLst>
+  </p:cSld>
+  <p:clrMapOvr>
+    <a:masterClrMapping/>
+  </p:clrMapOvr>
+</p:sld>
+</file>
+
+<file path=ppt/slides/slide24.xml><?xml version="1.0" encoding="utf-8"?>
+<p:sld xmlns:a="http://schemas.openxmlformats.org/drawingml/2006/main" xmlns:r="http://schemas.openxmlformats.org/officeDocument/2006/relationships" xmlns:p="http://schemas.openxmlformats.org/presentationml/2006/main">
+  <p:cSld>
+    <p:spTree>
+      <p:nvGrpSpPr>
+        <p:cNvPr id="1" name=""/>
+        <p:cNvGrpSpPr/>
+        <p:nvPr/>
+      </p:nvGrpSpPr>
+      <p:grpSpPr>
+        <a:xfrm>
+          <a:off x="0" y="0"/>
+          <a:ext cx="0" cy="0"/>
+          <a:chOff x="0" y="0"/>
+          <a:chExt cx="0" cy="0"/>
+        </a:xfrm>
+      </p:grpSpPr>
+      <p:sp>
+        <p:nvSpPr>
+          <p:cNvPr id="2" name="Titolo 1">
+            <a:extLst>
+              <a:ext uri="{FF2B5EF4-FFF2-40B4-BE49-F238E27FC236}">
+                <a16:creationId xmlns:a16="http://schemas.microsoft.com/office/drawing/2014/main" id="{60D3AB70-6C2B-4F2F-9168-49C8E749B4EC}"/>
+              </a:ext>
+            </a:extLst>
+          </p:cNvPr>
+          <p:cNvSpPr>
+            <a:spLocks noGrp="1"/>
+          </p:cNvSpPr>
+          <p:nvPr>
+            <p:ph type="title"/>
+          </p:nvPr>
+        </p:nvSpPr>
+        <p:spPr/>
+        <p:txBody>
+          <a:bodyPr/>
+          <a:lstStyle/>
+          <a:p>
+            <a:r>
+              <a:rPr lang="it-IT" dirty="0"/>
+              <a:t>Movimento navicella</a:t>
+            </a:r>
+          </a:p>
+        </p:txBody>
+      </p:sp>
+      <p:sp>
+        <p:nvSpPr>
+          <p:cNvPr id="3" name="Segnaposto contenuto 2">
+            <a:extLst>
+              <a:ext uri="{FF2B5EF4-FFF2-40B4-BE49-F238E27FC236}">
+                <a16:creationId xmlns:a16="http://schemas.microsoft.com/office/drawing/2014/main" id="{DEAD9EF2-70DA-40AB-971B-4DAF167E6182}"/>
+              </a:ext>
+            </a:extLst>
+          </p:cNvPr>
+          <p:cNvSpPr>
+            <a:spLocks noGrp="1"/>
+          </p:cNvSpPr>
+          <p:nvPr>
+            <p:ph idx="1"/>
+          </p:nvPr>
+        </p:nvSpPr>
+        <p:spPr/>
+        <p:txBody>
+          <a:bodyPr>
+            <a:normAutofit fontScale="92500" lnSpcReduction="10000"/>
+          </a:bodyPr>
+          <a:lstStyle/>
+          <a:p>
+            <a:pPr marL="0" indent="0">
+              <a:buNone/>
+            </a:pPr>
+            <a:r>
+              <a:rPr lang="it-IT" dirty="0"/>
+              <a:t>Per il movimento della navicella andiamo a creare un </a:t>
+            </a:r>
+            <a:r>
+              <a:rPr lang="it-IT" dirty="0" err="1"/>
+              <a:t>Vector</a:t>
+            </a:r>
+            <a:r>
+              <a:rPr lang="it-IT" dirty="0"/>
+              <a:t> molto similmente a come si fa per gli asteroidi, solo che le componenti x e y le otteniamo con «</a:t>
+            </a:r>
+            <a:r>
+              <a:rPr lang="it-IT" dirty="0" err="1"/>
+              <a:t>GetAxis</a:t>
+            </a:r>
+            <a:r>
+              <a:rPr lang="it-IT" dirty="0"/>
+              <a:t>» che ci restituisce -1 o 1 in base a quale pulsante della croce direzionale si è premuto</a:t>
+            </a:r>
+          </a:p>
+          <a:p>
+            <a:pPr marL="0" indent="0">
+              <a:buNone/>
+            </a:pPr>
+            <a:r>
+              <a:rPr lang="it-IT" dirty="0"/>
+              <a:t>Questo vettore viene moltiplicato per la variabile «speed» in modo che la navicella si muova solo fin quando un bottone della croce direzionale è premuto</a:t>
+            </a:r>
+          </a:p>
+          <a:p>
+            <a:pPr marL="0" indent="0">
+              <a:buNone/>
+            </a:pPr>
+            <a:endParaRPr lang="it-IT" dirty="0"/>
+          </a:p>
+          <a:p>
+            <a:pPr marL="0" indent="0">
+              <a:buNone/>
+            </a:pPr>
+            <a:r>
+              <a:rPr lang="it-IT" dirty="0"/>
+              <a:t>Avendo i collider sia sulla navicella sia sui bordi e non andando a definire nessun comportamento particolare con «OnTriggerEnter2D»  quello che succede è che la navicella si comporta come se fosse dinanzi ad un muro e non si muove oltre il bordo</a:t>
+            </a:r>
+          </a:p>
+        </p:txBody>
+      </p:sp>
+    </p:spTree>
+    <p:extLst>
+      <p:ext uri="{BB962C8B-B14F-4D97-AF65-F5344CB8AC3E}">
+        <p14:creationId xmlns:p14="http://schemas.microsoft.com/office/powerpoint/2010/main" val="2701391852"/>
+      </p:ext>
+    </p:extLst>
+  </p:cSld>
+  <p:clrMapOvr>
+    <a:masterClrMapping/>
+  </p:clrMapOvr>
 </p:sld>
 </file>
 
@@ -11683,27 +13029,27 @@
           <a:p>
             <a:pPr algn="ctr"/>
             <a:r>
-              <a:rPr lang="it-IT" dirty="0" smtClean="0"/>
+              <a:rPr lang="it-IT" dirty="0"/>
               <a:t>FSM </a:t>
             </a:r>
             <a:r>
-              <a:rPr lang="it-IT" dirty="0" err="1" smtClean="0"/>
+              <a:rPr lang="it-IT" dirty="0" err="1"/>
               <a:t>Asteroids</a:t>
             </a:r>
             <a:r>
-              <a:rPr lang="it-IT" dirty="0" smtClean="0"/>
+              <a:rPr lang="it-IT" dirty="0"/>
               <a:t>, State </a:t>
             </a:r>
             <a:r>
-              <a:rPr lang="it-IT" dirty="0" err="1" smtClean="0"/>
+              <a:rPr lang="it-IT" dirty="0" err="1"/>
               <a:t>refinement</a:t>
             </a:r>
             <a:endParaRPr lang="it-IT" dirty="0"/>
           </a:p>
         </p:txBody>
       </p:sp>
-      <mc:AlternateContent xmlns:mc="http://schemas.openxmlformats.org/markup-compatibility/2006">
-        <mc:Choice xmlns:a14="http://schemas.microsoft.com/office/drawing/2010/main" Requires="a14">
+      <mc:AlternateContent xmlns:mc="http://schemas.openxmlformats.org/markup-compatibility/2006" xmlns:a14="http://schemas.microsoft.com/office/drawing/2010/main">
+        <mc:Choice Requires="a14">
           <p:sp>
             <p:nvSpPr>
               <p:cNvPr id="44" name="CasellaDiTesto 43"/>
@@ -11727,7 +13073,7 @@
               <a:lstStyle/>
               <a:p>
                 <a:r>
-                  <a:rPr lang="it-IT" sz="1600" dirty="0" smtClean="0"/>
+                  <a:rPr lang="it-IT" sz="1600" dirty="0"/>
                   <a:t>Parametri del sistema</a:t>
                 </a:r>
               </a:p>
@@ -11737,7 +13083,7 @@
                   <a:buAutoNum type="arabicPeriod"/>
                 </a:pPr>
                 <a:r>
-                  <a:rPr lang="it-IT" sz="1600" dirty="0" smtClean="0"/>
+                  <a:rPr lang="it-IT" sz="1600" dirty="0"/>
                   <a:t>Variabili:</a:t>
                 </a:r>
               </a:p>
@@ -11747,15 +13093,15 @@
                   <a:buChar char="•"/>
                 </a:pPr>
                 <a:r>
-                  <a:rPr lang="it-IT" sz="1600" i="1" dirty="0" smtClean="0"/>
+                  <a:rPr lang="it-IT" sz="1600" i="1" dirty="0"/>
                   <a:t>x</a:t>
                 </a:r>
                 <a:r>
-                  <a:rPr lang="it-IT" sz="1600" i="1" baseline="-25000" dirty="0" smtClean="0"/>
+                  <a:rPr lang="it-IT" sz="1600" i="1" baseline="-25000" dirty="0"/>
                   <a:t>a</a:t>
                 </a:r>
                 <a:r>
-                  <a:rPr lang="it-IT" sz="1600" dirty="0" smtClean="0"/>
+                  <a:rPr lang="it-IT" sz="1600" dirty="0"/>
                   <a:t> (posizione asteroide)</a:t>
                 </a:r>
               </a:p>
@@ -11765,19 +13111,19 @@
                   <a:buChar char="•"/>
                 </a:pPr>
                 <a:r>
-                  <a:rPr lang="it-IT" sz="1600" i="1" dirty="0" smtClean="0"/>
+                  <a:rPr lang="it-IT" sz="1600" i="1" dirty="0"/>
                   <a:t>y</a:t>
                 </a:r>
                 <a:r>
-                  <a:rPr lang="it-IT" sz="1600" i="1" baseline="-25000" dirty="0" smtClean="0"/>
+                  <a:rPr lang="it-IT" sz="1600" i="1" baseline="-25000" dirty="0"/>
                   <a:t>a</a:t>
                 </a:r>
                 <a:r>
-                  <a:rPr lang="it-IT" sz="1600" i="1" dirty="0" smtClean="0"/>
+                  <a:rPr lang="it-IT" sz="1600" i="1" dirty="0"/>
                   <a:t> </a:t>
                 </a:r>
                 <a:r>
-                  <a:rPr lang="it-IT" sz="1600" dirty="0" smtClean="0"/>
+                  <a:rPr lang="it-IT" sz="1600" dirty="0"/>
                   <a:t>(posizione asteroide)</a:t>
                 </a:r>
               </a:p>
@@ -11798,18 +13144,13 @@
                   </m:oMath>
                 </a14:m>
                 <a:r>
-                  <a:rPr lang="it-IT" sz="1600" i="1" dirty="0" smtClean="0"/>
-                  <a:t> </a:t>
+                  <a:rPr lang="it-IT" sz="1600" i="1" dirty="0"/>
+                  <a:t> (</a:t>
                 </a:r>
                 <a:r>
-                  <a:rPr lang="it-IT" sz="1600" i="1" dirty="0" smtClean="0"/>
-                  <a:t>(</a:t>
-                </a:r>
-                <a:r>
-                  <a:rPr lang="it-IT" sz="1600" dirty="0" smtClean="0"/>
+                  <a:rPr lang="it-IT" sz="1600" dirty="0"/>
                   <a:t>angolo d’impatto)</a:t>
                 </a:r>
-                <a:endParaRPr lang="it-IT" sz="1600" dirty="0" smtClean="0"/>
               </a:p>
               <a:p>
                 <a:pPr marL="742950" lvl="1" indent="-285750">
@@ -11821,7 +13162,7 @@
                   <a:t>p</a:t>
                 </a:r>
                 <a:r>
-                  <a:rPr lang="it-IT" sz="1600" dirty="0" smtClean="0"/>
+                  <a:rPr lang="it-IT" sz="1600" dirty="0"/>
                   <a:t> (Punteggio)</a:t>
                 </a:r>
               </a:p>
@@ -11831,7 +13172,7 @@
                   <a:buAutoNum type="arabicPeriod"/>
                 </a:pPr>
                 <a:r>
-                  <a:rPr lang="it-IT" sz="1600" dirty="0" smtClean="0"/>
+                  <a:rPr lang="it-IT" sz="1600" dirty="0"/>
                   <a:t>Costanti:</a:t>
                 </a:r>
               </a:p>
@@ -11845,7 +13186,7 @@
                   <a:t>v</a:t>
                 </a:r>
                 <a:r>
-                  <a:rPr lang="it-IT" sz="1600" dirty="0" smtClean="0"/>
+                  <a:rPr lang="it-IT" sz="1600" dirty="0"/>
                   <a:t> (velocità)</a:t>
                 </a:r>
               </a:p>
@@ -11855,15 +13196,15 @@
                   <a:buChar char="•"/>
                 </a:pPr>
                 <a:r>
-                  <a:rPr lang="it-IT" sz="1600" i="1" dirty="0" smtClean="0"/>
+                  <a:rPr lang="it-IT" sz="1600" i="1" dirty="0"/>
                   <a:t>x</a:t>
                 </a:r>
                 <a:r>
-                  <a:rPr lang="it-IT" sz="1600" i="1" baseline="-25000" dirty="0" smtClean="0"/>
+                  <a:rPr lang="it-IT" sz="1600" i="1" baseline="-25000" dirty="0"/>
                   <a:t>max</a:t>
                 </a:r>
                 <a:r>
-                  <a:rPr lang="it-IT" sz="1600" dirty="0" smtClean="0"/>
+                  <a:rPr lang="it-IT" sz="1600" dirty="0"/>
                   <a:t> (valore massimo, bordo)</a:t>
                 </a:r>
               </a:p>
@@ -11873,15 +13214,15 @@
                   <a:buChar char="•"/>
                 </a:pPr>
                 <a:r>
-                  <a:rPr lang="it-IT" sz="1600" i="1" dirty="0" err="1" smtClean="0"/>
+                  <a:rPr lang="it-IT" sz="1600" i="1" dirty="0" err="1"/>
                   <a:t>x</a:t>
                 </a:r>
                 <a:r>
-                  <a:rPr lang="it-IT" sz="1600" i="1" baseline="-25000" dirty="0" err="1" smtClean="0"/>
+                  <a:rPr lang="it-IT" sz="1600" i="1" baseline="-25000" dirty="0" err="1"/>
                   <a:t>min</a:t>
                 </a:r>
                 <a:r>
-                  <a:rPr lang="it-IT" sz="1600" dirty="0" smtClean="0"/>
+                  <a:rPr lang="it-IT" sz="1600" dirty="0"/>
                   <a:t> (valore minimo, bordo)</a:t>
                 </a:r>
               </a:p>
@@ -11895,11 +13236,11 @@
                   <a:t>y</a:t>
                 </a:r>
                 <a:r>
-                  <a:rPr lang="it-IT" sz="1600" i="1" baseline="-25000" dirty="0" err="1" smtClean="0"/>
+                  <a:rPr lang="it-IT" sz="1600" i="1" baseline="-25000" dirty="0" err="1"/>
                   <a:t>max</a:t>
                 </a:r>
                 <a:r>
-                  <a:rPr lang="it-IT" sz="1600" dirty="0" smtClean="0"/>
+                  <a:rPr lang="it-IT" sz="1600" dirty="0"/>
                   <a:t> (valore massimo, bordo)</a:t>
                 </a:r>
               </a:p>
@@ -11913,11 +13254,11 @@
                   <a:t>y</a:t>
                 </a:r>
                 <a:r>
-                  <a:rPr lang="it-IT" sz="1600" i="1" baseline="-25000" dirty="0" err="1" smtClean="0"/>
+                  <a:rPr lang="it-IT" sz="1600" i="1" baseline="-25000" dirty="0" err="1"/>
                   <a:t>min</a:t>
                 </a:r>
                 <a:r>
-                  <a:rPr lang="it-IT" sz="1600" dirty="0" smtClean="0"/>
+                  <a:rPr lang="it-IT" sz="1600" dirty="0"/>
                   <a:t> (valore minimo, bordo)</a:t>
                 </a:r>
               </a:p>
@@ -11926,12 +13267,12 @@
                   <a:buFont typeface="Arial" panose="020B0604020202020204" pitchFamily="34" charset="0"/>
                   <a:buChar char="•"/>
                 </a:pPr>
-                <a:endParaRPr lang="it-IT" sz="1600" dirty="0" smtClean="0"/>
+                <a:endParaRPr lang="it-IT" sz="1600" dirty="0"/>
               </a:p>
             </p:txBody>
           </p:sp>
         </mc:Choice>
-        <mc:Fallback>
+        <mc:Fallback xmlns="">
           <p:sp>
             <p:nvSpPr>
               <p:cNvPr id="44" name="CasellaDiTesto 43"/>
@@ -11993,7 +13334,7 @@
           <a:lstStyle/>
           <a:p>
             <a:r>
-              <a:rPr lang="it-IT" sz="1600" dirty="0" smtClean="0"/>
+              <a:rPr lang="it-IT" sz="1600" dirty="0"/>
               <a:t>Output:</a:t>
             </a:r>
           </a:p>
@@ -12004,37 +13345,32 @@
             </a:pPr>
             <a:r>
               <a:rPr lang="it-IT" sz="1600" i="1" dirty="0"/>
-              <a:t>p</a:t>
-            </a:r>
-            <a:r>
-              <a:rPr lang="it-IT" sz="1600" i="1" dirty="0" smtClean="0"/>
-              <a:t>osition </a:t>
-            </a:r>
-            <a:r>
-              <a:rPr lang="it-IT" sz="1600" dirty="0" smtClean="0"/>
+              <a:t>position </a:t>
+            </a:r>
+            <a:r>
+              <a:rPr lang="it-IT" sz="1600" dirty="0"/>
               <a:t>(posizione attuale dell’asteroide (</a:t>
             </a:r>
             <a:r>
-              <a:rPr lang="it-IT" sz="1600" i="1" dirty="0" smtClean="0"/>
+              <a:rPr lang="it-IT" sz="1600" i="1" dirty="0"/>
               <a:t>x</a:t>
             </a:r>
             <a:r>
-              <a:rPr lang="it-IT" sz="1600" i="1" baseline="-25000" dirty="0" smtClean="0"/>
+              <a:rPr lang="it-IT" sz="1600" i="1" baseline="-25000" dirty="0"/>
               <a:t>a</a:t>
             </a:r>
             <a:r>
-              <a:rPr lang="it-IT" sz="1600" i="1" dirty="0" smtClean="0"/>
+              <a:rPr lang="it-IT" sz="1600" i="1" dirty="0"/>
               <a:t>,y</a:t>
             </a:r>
             <a:r>
-              <a:rPr lang="it-IT" sz="1600" i="1" baseline="-25000" dirty="0" smtClean="0"/>
+              <a:rPr lang="it-IT" sz="1600" i="1" baseline="-25000" dirty="0"/>
               <a:t>a</a:t>
             </a:r>
             <a:r>
-              <a:rPr lang="it-IT" sz="1600" dirty="0" smtClean="0"/>
+              <a:rPr lang="it-IT" sz="1600" dirty="0"/>
               <a:t>) )</a:t>
             </a:r>
-            <a:endParaRPr lang="it-IT" sz="1600" dirty="0"/>
           </a:p>
         </p:txBody>
       </p:sp>
@@ -12109,7 +13445,7 @@
               <a:p>
                 <a:pPr algn="ctr"/>
                 <a:r>
-                  <a:rPr lang="it-IT" sz="2000" dirty="0" err="1" smtClean="0">
+                  <a:rPr lang="it-IT" sz="2000" dirty="0" err="1">
                     <a:solidFill>
                       <a:schemeClr val="tx1"/>
                     </a:solidFill>
@@ -12162,8 +13498,8 @@
               </a:fontRef>
             </p:style>
           </p:cxnSp>
-          <mc:AlternateContent xmlns:mc="http://schemas.openxmlformats.org/markup-compatibility/2006">
-            <mc:Choice xmlns:a14="http://schemas.microsoft.com/office/drawing/2010/main" Requires="a14">
+          <mc:AlternateContent xmlns:mc="http://schemas.openxmlformats.org/markup-compatibility/2006" xmlns:a14="http://schemas.microsoft.com/office/drawing/2010/main">
+            <mc:Choice Requires="a14">
               <p:sp>
                 <p:nvSpPr>
                   <p:cNvPr id="14" name="CasellaDiTesto 13"/>
@@ -12186,6 +13522,7 @@
                   </a:bodyPr>
                   <a:lstStyle/>
                   <a:p>
+                    <a:pPr/>
                     <a14:m>
                       <m:oMathPara xmlns:m="http://schemas.openxmlformats.org/officeDocument/2006/math">
                         <m:oMathParaPr>
@@ -12291,7 +13628,7 @@
                 </p:txBody>
               </p:sp>
             </mc:Choice>
-            <mc:Fallback>
+            <mc:Fallback xmlns="">
               <p:sp>
                 <p:nvSpPr>
                   <p:cNvPr id="14" name="CasellaDiTesto 13"/>
@@ -12330,8 +13667,8 @@
               </p:sp>
             </mc:Fallback>
           </mc:AlternateContent>
-          <mc:AlternateContent xmlns:mc="http://schemas.openxmlformats.org/markup-compatibility/2006">
-            <mc:Choice xmlns:a14="http://schemas.microsoft.com/office/drawing/2010/main" Requires="a14">
+          <mc:AlternateContent xmlns:mc="http://schemas.openxmlformats.org/markup-compatibility/2006" xmlns:a14="http://schemas.microsoft.com/office/drawing/2010/main">
+            <mc:Choice Requires="a14">
               <p:sp>
                 <p:nvSpPr>
                   <p:cNvPr id="16" name="CasellaDiTesto 15"/>
@@ -12354,6 +13691,7 @@
                   </a:bodyPr>
                   <a:lstStyle/>
                   <a:p>
+                    <a:pPr/>
                     <a14:m>
                       <m:oMathPara xmlns:m="http://schemas.openxmlformats.org/officeDocument/2006/math">
                         <m:oMathParaPr>
@@ -12384,7 +13722,7 @@
                         </m:oMath>
                       </m:oMathPara>
                     </a14:m>
-                    <a:endParaRPr lang="it-IT" sz="1000" b="0" dirty="0" smtClean="0">
+                    <a:endParaRPr lang="it-IT" sz="1000" b="0" dirty="0">
                       <a:ea typeface="Cambria Math" panose="02040503050406030204" pitchFamily="18" charset="0"/>
                     </a:endParaRPr>
                   </a:p>
@@ -12432,19 +13770,19 @@
                         </m:oMath>
                       </m:oMathPara>
                     </a14:m>
-                    <a:endParaRPr lang="it-IT" sz="1000" b="0" dirty="0" smtClean="0">
+                    <a:endParaRPr lang="it-IT" sz="1000" b="0" dirty="0">
                       <a:ea typeface="Cambria Math" panose="02040503050406030204" pitchFamily="18" charset="0"/>
                     </a:endParaRPr>
                   </a:p>
                   <a:p>
-                    <a:endParaRPr lang="it-IT" sz="1000" b="0" dirty="0" smtClean="0">
+                    <a:endParaRPr lang="it-IT" sz="1000" b="0" dirty="0">
                       <a:ea typeface="Cambria Math" panose="02040503050406030204" pitchFamily="18" charset="0"/>
                     </a:endParaRPr>
                   </a:p>
                 </p:txBody>
               </p:sp>
             </mc:Choice>
-            <mc:Fallback>
+            <mc:Fallback xmlns="">
               <p:sp>
                 <p:nvSpPr>
                   <p:cNvPr id="16" name="CasellaDiTesto 15"/>
@@ -12526,8 +13864,8 @@
               </a:fontRef>
             </p:style>
           </p:cxnSp>
-          <mc:AlternateContent xmlns:mc="http://schemas.openxmlformats.org/markup-compatibility/2006">
-            <mc:Choice xmlns:a14="http://schemas.microsoft.com/office/drawing/2010/main" Requires="a14">
+          <mc:AlternateContent xmlns:mc="http://schemas.openxmlformats.org/markup-compatibility/2006" xmlns:a14="http://schemas.microsoft.com/office/drawing/2010/main">
+            <mc:Choice Requires="a14">
               <p:sp>
                 <p:nvSpPr>
                   <p:cNvPr id="21" name="CasellaDiTesto 20"/>
@@ -12550,6 +13888,7 @@
                   </a:bodyPr>
                   <a:lstStyle/>
                   <a:p>
+                    <a:pPr/>
                     <a14:m>
                       <m:oMathPara xmlns:m="http://schemas.openxmlformats.org/officeDocument/2006/math">
                         <m:oMathParaPr>
@@ -12655,7 +13994,7 @@
                 </p:txBody>
               </p:sp>
             </mc:Choice>
-            <mc:Fallback>
+            <mc:Fallback xmlns="">
               <p:sp>
                 <p:nvSpPr>
                   <p:cNvPr id="21" name="CasellaDiTesto 20"/>
@@ -12694,8 +14033,8 @@
               </p:sp>
             </mc:Fallback>
           </mc:AlternateContent>
-          <mc:AlternateContent xmlns:mc="http://schemas.openxmlformats.org/markup-compatibility/2006">
-            <mc:Choice xmlns:a14="http://schemas.microsoft.com/office/drawing/2010/main" Requires="a14">
+          <mc:AlternateContent xmlns:mc="http://schemas.openxmlformats.org/markup-compatibility/2006" xmlns:a14="http://schemas.microsoft.com/office/drawing/2010/main">
+            <mc:Choice Requires="a14">
               <p:sp>
                 <p:nvSpPr>
                   <p:cNvPr id="22" name="CasellaDiTesto 21"/>
@@ -12718,6 +14057,7 @@
                   </a:bodyPr>
                   <a:lstStyle/>
                   <a:p>
+                    <a:pPr/>
                     <a14:m>
                       <m:oMathPara xmlns:m="http://schemas.openxmlformats.org/officeDocument/2006/math">
                         <m:oMathParaPr>
@@ -12762,9 +14102,10 @@
                         </m:oMath>
                       </m:oMathPara>
                     </a14:m>
-                    <a:endParaRPr lang="it-IT" sz="1000" b="0" dirty="0" smtClean="0"/>
+                    <a:endParaRPr lang="it-IT" sz="1000" b="0" dirty="0"/>
                   </a:p>
                   <a:p>
+                    <a:pPr/>
                     <a14:m>
                       <m:oMathPara xmlns:m="http://schemas.openxmlformats.org/officeDocument/2006/math">
                         <m:oMathParaPr>
@@ -12807,17 +14148,17 @@
                         </m:oMath>
                       </m:oMathPara>
                     </a14:m>
-                    <a:endParaRPr lang="it-IT" sz="1000" b="0" dirty="0" smtClean="0">
+                    <a:endParaRPr lang="it-IT" sz="1000" b="0" dirty="0">
                       <a:ea typeface="Cambria Math" panose="02040503050406030204" pitchFamily="18" charset="0"/>
                     </a:endParaRPr>
                   </a:p>
                   <a:p>
-                    <a:endParaRPr lang="it-IT" sz="1000" b="0" dirty="0" smtClean="0"/>
+                    <a:endParaRPr lang="it-IT" sz="1000" b="0" dirty="0"/>
                   </a:p>
                 </p:txBody>
               </p:sp>
             </mc:Choice>
-            <mc:Fallback>
+            <mc:Fallback xmlns="">
               <p:sp>
                 <p:nvSpPr>
                   <p:cNvPr id="22" name="CasellaDiTesto 21"/>
@@ -12899,8 +14240,8 @@
               </a:fontRef>
             </p:style>
           </p:cxnSp>
-          <mc:AlternateContent xmlns:mc="http://schemas.openxmlformats.org/markup-compatibility/2006">
-            <mc:Choice xmlns:a14="http://schemas.microsoft.com/office/drawing/2010/main" Requires="a14">
+          <mc:AlternateContent xmlns:mc="http://schemas.openxmlformats.org/markup-compatibility/2006" xmlns:a14="http://schemas.microsoft.com/office/drawing/2010/main">
+            <mc:Choice Requires="a14">
               <p:sp>
                 <p:nvSpPr>
                   <p:cNvPr id="25" name="CasellaDiTesto 24"/>
@@ -12923,6 +14264,7 @@
                   </a:bodyPr>
                   <a:lstStyle/>
                   <a:p>
+                    <a:pPr/>
                     <a14:m>
                       <m:oMathPara xmlns:m="http://schemas.openxmlformats.org/officeDocument/2006/math">
                         <m:oMathParaPr>
@@ -12945,13 +14287,13 @@
                             <a:rPr lang="it-IT" sz="1000" i="1" dirty="0" smtClean="0">
                               <a:latin typeface="Cambria Math" panose="02040503050406030204" pitchFamily="18" charset="0"/>
                             </a:rPr>
-                            <m:t>𝑝𝑜</m:t>
+                            <m:t>𝑝𝑜𝑠𝑖</m:t>
                           </m:r>
                           <m:r>
                             <a:rPr lang="it-IT" sz="1000" b="0" i="1" dirty="0" smtClean="0">
                               <a:latin typeface="Cambria Math" panose="02040503050406030204" pitchFamily="18" charset="0"/>
                             </a:rPr>
-                            <m:t>𝑠𝑖𝑡𝑖𝑜𝑛</m:t>
+                            <m:t>𝑡𝑖𝑜𝑛</m:t>
                           </m:r>
                         </m:oMath>
                       </m:oMathPara>
@@ -12961,7 +14303,7 @@
                 </p:txBody>
               </p:sp>
             </mc:Choice>
-            <mc:Fallback>
+            <mc:Fallback xmlns="">
               <p:sp>
                 <p:nvSpPr>
                   <p:cNvPr id="25" name="CasellaDiTesto 24"/>
@@ -13078,8 +14420,8 @@
               </a:fontRef>
             </p:style>
           </p:cxnSp>
-          <mc:AlternateContent xmlns:mc="http://schemas.openxmlformats.org/markup-compatibility/2006">
-            <mc:Choice xmlns:a14="http://schemas.microsoft.com/office/drawing/2010/main" Requires="a14">
+          <mc:AlternateContent xmlns:mc="http://schemas.openxmlformats.org/markup-compatibility/2006" xmlns:a14="http://schemas.microsoft.com/office/drawing/2010/main">
+            <mc:Choice Requires="a14">
               <p:sp>
                 <p:nvSpPr>
                   <p:cNvPr id="39" name="CasellaDiTesto 38"/>
@@ -13102,6 +14444,7 @@
                   </a:bodyPr>
                   <a:lstStyle/>
                   <a:p>
+                    <a:pPr/>
                     <a14:m>
                       <m:oMathPara xmlns:m="http://schemas.openxmlformats.org/officeDocument/2006/math">
                         <m:oMathParaPr>
@@ -13176,9 +14519,10 @@
                         </m:oMath>
                       </m:oMathPara>
                     </a14:m>
-                    <a:endParaRPr lang="it-IT" sz="1000" b="0" dirty="0" smtClean="0"/>
+                    <a:endParaRPr lang="it-IT" sz="1000" b="0" dirty="0"/>
                   </a:p>
                   <a:p>
+                    <a:pPr/>
                     <a14:m>
                       <m:oMathPara xmlns:m="http://schemas.openxmlformats.org/officeDocument/2006/math">
                         <m:oMathParaPr>
@@ -13258,7 +14602,7 @@
                 </p:txBody>
               </p:sp>
             </mc:Choice>
-            <mc:Fallback>
+            <mc:Fallback xmlns="">
               <p:sp>
                 <p:nvSpPr>
                   <p:cNvPr id="39" name="CasellaDiTesto 38"/>
@@ -13336,8 +14680,8 @@
             </a:fontRef>
           </p:style>
         </p:cxnSp>
-        <mc:AlternateContent xmlns:mc="http://schemas.openxmlformats.org/markup-compatibility/2006">
-          <mc:Choice xmlns:a14="http://schemas.microsoft.com/office/drawing/2010/main" Requires="a14">
+        <mc:AlternateContent xmlns:mc="http://schemas.openxmlformats.org/markup-compatibility/2006" xmlns:a14="http://schemas.microsoft.com/office/drawing/2010/main">
+          <mc:Choice Requires="a14">
             <p:sp>
               <p:nvSpPr>
                 <p:cNvPr id="51" name="CasellaDiTesto 50"/>
@@ -13360,6 +14704,7 @@
                 </a:bodyPr>
                 <a:lstStyle/>
                 <a:p>
+                  <a:pPr/>
                   <a14:m>
                     <m:oMathPara xmlns:m="http://schemas.openxmlformats.org/officeDocument/2006/math">
                       <m:oMathParaPr>
@@ -13530,7 +14875,7 @@
               </p:txBody>
             </p:sp>
           </mc:Choice>
-          <mc:Fallback>
+          <mc:Fallback xmlns="">
             <p:sp>
               <p:nvSpPr>
                 <p:cNvPr id="51" name="CasellaDiTesto 50"/>
@@ -13580,13 +14925,6 @@
   <p:clrMapOvr>
     <a:masterClrMapping/>
   </p:clrMapOvr>
-  <p:timing>
-    <p:tnLst>
-      <p:par>
-        <p:cTn id="1" dur="indefinite" restart="never" nodeType="tmRoot"/>
-      </p:par>
-    </p:tnLst>
-  </p:timing>
 </p:sld>
 </file>
 
@@ -13668,18 +15006,13 @@
             <a:p>
               <a:pPr algn="ctr"/>
               <a:r>
-                <a:rPr lang="it-IT" sz="2000" dirty="0" smtClean="0">
+                <a:rPr lang="it-IT" sz="2000" dirty="0">
                   <a:solidFill>
                     <a:schemeClr val="tx1"/>
                   </a:solidFill>
                 </a:rPr>
                 <a:t>Stop</a:t>
               </a:r>
-              <a:endParaRPr lang="it-IT" sz="2000" dirty="0">
-                <a:solidFill>
-                  <a:schemeClr val="tx1"/>
-                </a:solidFill>
-              </a:endParaRPr>
             </a:p>
           </p:txBody>
         </p:sp>
@@ -13728,18 +15061,13 @@
             <a:p>
               <a:pPr algn="ctr"/>
               <a:r>
-                <a:rPr lang="it-IT" sz="2000" dirty="0" smtClean="0">
+                <a:rPr lang="it-IT" sz="2000" dirty="0">
                   <a:solidFill>
                     <a:schemeClr val="tx1"/>
                   </a:solidFill>
                 </a:rPr>
                 <a:t>Up</a:t>
               </a:r>
-              <a:endParaRPr lang="it-IT" sz="2000" dirty="0">
-                <a:solidFill>
-                  <a:schemeClr val="tx1"/>
-                </a:solidFill>
-              </a:endParaRPr>
             </a:p>
           </p:txBody>
         </p:sp>
@@ -13788,18 +15116,13 @@
             <a:p>
               <a:pPr algn="ctr"/>
               <a:r>
-                <a:rPr lang="it-IT" sz="2000" dirty="0" smtClean="0">
+                <a:rPr lang="it-IT" sz="2000" dirty="0">
                   <a:solidFill>
                     <a:schemeClr val="tx1"/>
                   </a:solidFill>
                 </a:rPr>
                 <a:t>Right</a:t>
               </a:r>
-              <a:endParaRPr lang="it-IT" sz="2000" dirty="0">
-                <a:solidFill>
-                  <a:schemeClr val="tx1"/>
-                </a:solidFill>
-              </a:endParaRPr>
             </a:p>
           </p:txBody>
         </p:sp>
@@ -13848,18 +15171,13 @@
             <a:p>
               <a:pPr algn="ctr"/>
               <a:r>
-                <a:rPr lang="it-IT" sz="2000" dirty="0" smtClean="0">
+                <a:rPr lang="it-IT" sz="2000" dirty="0">
                   <a:solidFill>
                     <a:schemeClr val="tx1"/>
                   </a:solidFill>
                 </a:rPr>
                 <a:t>Down</a:t>
               </a:r>
-              <a:endParaRPr lang="it-IT" sz="2000" dirty="0">
-                <a:solidFill>
-                  <a:schemeClr val="tx1"/>
-                </a:solidFill>
-              </a:endParaRPr>
             </a:p>
           </p:txBody>
         </p:sp>
@@ -13908,18 +15226,13 @@
             <a:p>
               <a:pPr algn="ctr"/>
               <a:r>
-                <a:rPr lang="it-IT" sz="2000" dirty="0" smtClean="0">
+                <a:rPr lang="it-IT" sz="2000" dirty="0">
                   <a:solidFill>
                     <a:schemeClr val="tx1"/>
                   </a:solidFill>
                 </a:rPr>
                 <a:t>Left</a:t>
               </a:r>
-              <a:endParaRPr lang="it-IT" sz="2000" dirty="0">
-                <a:solidFill>
-                  <a:schemeClr val="tx1"/>
-                </a:solidFill>
-              </a:endParaRPr>
             </a:p>
           </p:txBody>
         </p:sp>
@@ -13968,18 +15281,13 @@
             <a:p>
               <a:pPr algn="ctr"/>
               <a:r>
-                <a:rPr lang="it-IT" sz="2000" dirty="0" smtClean="0">
+                <a:rPr lang="it-IT" sz="2000" dirty="0">
                   <a:solidFill>
                     <a:schemeClr val="tx1"/>
                   </a:solidFill>
                 </a:rPr>
                 <a:t>Up-Right</a:t>
               </a:r>
-              <a:endParaRPr lang="it-IT" sz="2000" dirty="0">
-                <a:solidFill>
-                  <a:schemeClr val="tx1"/>
-                </a:solidFill>
-              </a:endParaRPr>
             </a:p>
           </p:txBody>
         </p:sp>
@@ -14028,18 +15336,13 @@
             <a:p>
               <a:pPr algn="ctr"/>
               <a:r>
-                <a:rPr lang="it-IT" sz="2000" dirty="0" smtClean="0">
+                <a:rPr lang="it-IT" sz="2000" dirty="0">
                   <a:solidFill>
                     <a:schemeClr val="tx1"/>
                   </a:solidFill>
                 </a:rPr>
                 <a:t>Down-Right</a:t>
               </a:r>
-              <a:endParaRPr lang="it-IT" sz="2000" dirty="0">
-                <a:solidFill>
-                  <a:schemeClr val="tx1"/>
-                </a:solidFill>
-              </a:endParaRPr>
             </a:p>
           </p:txBody>
         </p:sp>
@@ -14088,18 +15391,13 @@
             <a:p>
               <a:pPr algn="ctr"/>
               <a:r>
-                <a:rPr lang="it-IT" sz="2000" dirty="0" smtClean="0">
+                <a:rPr lang="it-IT" sz="2000" dirty="0">
                   <a:solidFill>
                     <a:schemeClr val="tx1"/>
                   </a:solidFill>
                 </a:rPr>
                 <a:t>Up-Left</a:t>
               </a:r>
-              <a:endParaRPr lang="it-IT" sz="2000" dirty="0">
-                <a:solidFill>
-                  <a:schemeClr val="tx1"/>
-                </a:solidFill>
-              </a:endParaRPr>
             </a:p>
           </p:txBody>
         </p:sp>
@@ -14148,18 +15446,13 @@
             <a:p>
               <a:pPr algn="ctr"/>
               <a:r>
-                <a:rPr lang="it-IT" sz="2000" dirty="0" smtClean="0">
+                <a:rPr lang="it-IT" sz="2000" dirty="0">
                   <a:solidFill>
                     <a:schemeClr val="tx1"/>
                   </a:solidFill>
                 </a:rPr>
                 <a:t>Down-Left</a:t>
               </a:r>
-              <a:endParaRPr lang="it-IT" sz="2000" dirty="0">
-                <a:solidFill>
-                  <a:schemeClr val="tx1"/>
-                </a:solidFill>
-              </a:endParaRPr>
             </a:p>
           </p:txBody>
         </p:sp>
@@ -14239,8 +15532,8 @@
             </a:fontRef>
           </p:style>
         </p:cxnSp>
-        <mc:AlternateContent xmlns:mc="http://schemas.openxmlformats.org/markup-compatibility/2006">
-          <mc:Choice xmlns:a14="http://schemas.microsoft.com/office/drawing/2010/main" Requires="a14">
+        <mc:AlternateContent xmlns:mc="http://schemas.openxmlformats.org/markup-compatibility/2006" xmlns:a14="http://schemas.microsoft.com/office/drawing/2010/main">
+          <mc:Choice Requires="a14">
             <p:sp>
               <p:nvSpPr>
                 <p:cNvPr id="44" name="CasellaDiTesto 43"/>
@@ -14292,7 +15585,7 @@
               </p:txBody>
             </p:sp>
           </mc:Choice>
-          <mc:Fallback>
+          <mc:Fallback xmlns="">
             <p:sp>
               <p:nvSpPr>
                 <p:cNvPr id="44" name="CasellaDiTesto 43"/>
@@ -14331,8 +15624,8 @@
             </p:sp>
           </mc:Fallback>
         </mc:AlternateContent>
-        <mc:AlternateContent xmlns:mc="http://schemas.openxmlformats.org/markup-compatibility/2006">
-          <mc:Choice xmlns:a14="http://schemas.microsoft.com/office/drawing/2010/main" Requires="a14">
+        <mc:AlternateContent xmlns:mc="http://schemas.openxmlformats.org/markup-compatibility/2006" xmlns:a14="http://schemas.microsoft.com/office/drawing/2010/main">
+          <mc:Choice Requires="a14">
             <p:sp>
               <p:nvSpPr>
                 <p:cNvPr id="45" name="CasellaDiTesto 44"/>
@@ -14355,6 +15648,7 @@
                 </a:bodyPr>
                 <a:lstStyle/>
                 <a:p>
+                  <a:pPr/>
                   <a14:m>
                     <m:oMathPara xmlns:m="http://schemas.openxmlformats.org/officeDocument/2006/math">
                       <m:oMathParaPr>
@@ -14453,14 +15747,7 @@
                                 <a:latin typeface="Cambria Math" panose="02040503050406030204" pitchFamily="18" charset="0"/>
                                 <a:ea typeface="Cambria Math" panose="02040503050406030204" pitchFamily="18" charset="0"/>
                               </a:rPr>
-                              <m:t>𝑚</m:t>
-                            </m:r>
-                            <m:r>
-                              <a:rPr lang="it-IT" sz="1000" b="0" i="1" smtClean="0">
-                                <a:latin typeface="Cambria Math" panose="02040503050406030204" pitchFamily="18" charset="0"/>
-                                <a:ea typeface="Cambria Math" panose="02040503050406030204" pitchFamily="18" charset="0"/>
-                              </a:rPr>
-                              <m:t>𝑎𝑥</m:t>
+                              <m:t>𝑚𝑎𝑥</m:t>
                             </m:r>
                           </m:sub>
                         </m:sSub>
@@ -14479,7 +15766,7 @@
               </p:txBody>
             </p:sp>
           </mc:Choice>
-          <mc:Fallback>
+          <mc:Fallback xmlns="">
             <p:sp>
               <p:nvSpPr>
                 <p:cNvPr id="45" name="CasellaDiTesto 44"/>
@@ -14594,8 +15881,8 @@
             </a:fontRef>
           </p:style>
         </p:cxnSp>
-        <mc:AlternateContent xmlns:mc="http://schemas.openxmlformats.org/markup-compatibility/2006">
-          <mc:Choice xmlns:a14="http://schemas.microsoft.com/office/drawing/2010/main" Requires="a14">
+        <mc:AlternateContent xmlns:mc="http://schemas.openxmlformats.org/markup-compatibility/2006" xmlns:a14="http://schemas.microsoft.com/office/drawing/2010/main">
+          <mc:Choice Requires="a14">
             <p:sp>
               <p:nvSpPr>
                 <p:cNvPr id="48" name="CasellaDiTesto 47"/>
@@ -14736,7 +16023,7 @@
               </p:txBody>
             </p:sp>
           </mc:Choice>
-          <mc:Fallback>
+          <mc:Fallback xmlns="">
             <p:sp>
               <p:nvSpPr>
                 <p:cNvPr id="48" name="CasellaDiTesto 47"/>
@@ -14775,8 +16062,8 @@
             </p:sp>
           </mc:Fallback>
         </mc:AlternateContent>
-        <mc:AlternateContent xmlns:mc="http://schemas.openxmlformats.org/markup-compatibility/2006">
-          <mc:Choice xmlns:a14="http://schemas.microsoft.com/office/drawing/2010/main" Requires="a14">
+        <mc:AlternateContent xmlns:mc="http://schemas.openxmlformats.org/markup-compatibility/2006" xmlns:a14="http://schemas.microsoft.com/office/drawing/2010/main">
+          <mc:Choice Requires="a14">
             <p:sp>
               <p:nvSpPr>
                 <p:cNvPr id="49" name="CasellaDiTesto 48"/>
@@ -14799,6 +16086,7 @@
                 </a:bodyPr>
                 <a:lstStyle/>
                 <a:p>
+                  <a:pPr/>
                   <a14:m>
                     <m:oMathPara xmlns:m="http://schemas.openxmlformats.org/officeDocument/2006/math">
                       <m:oMathParaPr>
@@ -14827,7 +16115,7 @@
               </p:txBody>
             </p:sp>
           </mc:Choice>
-          <mc:Fallback>
+          <mc:Fallback xmlns="">
             <p:sp>
               <p:nvSpPr>
                 <p:cNvPr id="49" name="CasellaDiTesto 48"/>
@@ -14942,8 +16230,8 @@
             </a:fontRef>
           </p:style>
         </p:cxnSp>
-        <mc:AlternateContent xmlns:mc="http://schemas.openxmlformats.org/markup-compatibility/2006">
-          <mc:Choice xmlns:a14="http://schemas.microsoft.com/office/drawing/2010/main" Requires="a14">
+        <mc:AlternateContent xmlns:mc="http://schemas.openxmlformats.org/markup-compatibility/2006" xmlns:a14="http://schemas.microsoft.com/office/drawing/2010/main">
+          <mc:Choice Requires="a14">
             <p:sp>
               <p:nvSpPr>
                 <p:cNvPr id="53" name="CasellaDiTesto 52"/>
@@ -14995,7 +16283,7 @@
               </p:txBody>
             </p:sp>
           </mc:Choice>
-          <mc:Fallback>
+          <mc:Fallback xmlns="">
             <p:sp>
               <p:nvSpPr>
                 <p:cNvPr id="53" name="CasellaDiTesto 52"/>
@@ -15186,8 +16474,8 @@
             </a:fontRef>
           </p:style>
         </p:cxnSp>
-        <mc:AlternateContent xmlns:mc="http://schemas.openxmlformats.org/markup-compatibility/2006">
-          <mc:Choice xmlns:a14="http://schemas.microsoft.com/office/drawing/2010/main" Requires="a14">
+        <mc:AlternateContent xmlns:mc="http://schemas.openxmlformats.org/markup-compatibility/2006" xmlns:a14="http://schemas.microsoft.com/office/drawing/2010/main">
+          <mc:Choice Requires="a14">
             <p:sp>
               <p:nvSpPr>
                 <p:cNvPr id="61" name="CasellaDiTesto 60"/>
@@ -15239,7 +16527,7 @@
               </p:txBody>
             </p:sp>
           </mc:Choice>
-          <mc:Fallback>
+          <mc:Fallback xmlns="">
             <p:sp>
               <p:nvSpPr>
                 <p:cNvPr id="61" name="CasellaDiTesto 60"/>
@@ -15278,8 +16566,8 @@
             </p:sp>
           </mc:Fallback>
         </mc:AlternateContent>
-        <mc:AlternateContent xmlns:mc="http://schemas.openxmlformats.org/markup-compatibility/2006">
-          <mc:Choice xmlns:a14="http://schemas.microsoft.com/office/drawing/2010/main" Requires="a14">
+        <mc:AlternateContent xmlns:mc="http://schemas.openxmlformats.org/markup-compatibility/2006" xmlns:a14="http://schemas.microsoft.com/office/drawing/2010/main">
+          <mc:Choice Requires="a14">
             <p:sp>
               <p:nvSpPr>
                 <p:cNvPr id="62" name="CasellaDiTesto 61"/>
@@ -15302,6 +16590,7 @@
                 </a:bodyPr>
                 <a:lstStyle/>
                 <a:p>
+                  <a:pPr/>
                   <a14:m>
                     <m:oMathPara xmlns:m="http://schemas.openxmlformats.org/officeDocument/2006/math">
                       <m:oMathParaPr>
@@ -15419,7 +16708,7 @@
               </p:txBody>
             </p:sp>
           </mc:Choice>
-          <mc:Fallback>
+          <mc:Fallback xmlns="">
             <p:sp>
               <p:nvSpPr>
                 <p:cNvPr id="62" name="CasellaDiTesto 61"/>
@@ -15534,8 +16823,8 @@
             </a:fontRef>
           </p:style>
         </p:cxnSp>
-        <mc:AlternateContent xmlns:mc="http://schemas.openxmlformats.org/markup-compatibility/2006">
-          <mc:Choice xmlns:a14="http://schemas.microsoft.com/office/drawing/2010/main" Requires="a14">
+        <mc:AlternateContent xmlns:mc="http://schemas.openxmlformats.org/markup-compatibility/2006" xmlns:a14="http://schemas.microsoft.com/office/drawing/2010/main">
+          <mc:Choice Requires="a14">
             <p:sp>
               <p:nvSpPr>
                 <p:cNvPr id="70" name="CasellaDiTesto 69"/>
@@ -15558,6 +16847,7 @@
                 </a:bodyPr>
                 <a:lstStyle/>
                 <a:p>
+                  <a:pPr/>
                   <a14:m>
                     <m:oMathPara xmlns:m="http://schemas.openxmlformats.org/officeDocument/2006/math">
                       <m:oMathParaPr>
@@ -15586,7 +16876,7 @@
               </p:txBody>
             </p:sp>
           </mc:Choice>
-          <mc:Fallback>
+          <mc:Fallback xmlns="">
             <p:sp>
               <p:nvSpPr>
                 <p:cNvPr id="70" name="CasellaDiTesto 69"/>
@@ -15625,8 +16915,8 @@
             </p:sp>
           </mc:Fallback>
         </mc:AlternateContent>
-        <mc:AlternateContent xmlns:mc="http://schemas.openxmlformats.org/markup-compatibility/2006">
-          <mc:Choice xmlns:a14="http://schemas.microsoft.com/office/drawing/2010/main" Requires="a14">
+        <mc:AlternateContent xmlns:mc="http://schemas.openxmlformats.org/markup-compatibility/2006" xmlns:a14="http://schemas.microsoft.com/office/drawing/2010/main">
+          <mc:Choice Requires="a14">
             <p:sp>
               <p:nvSpPr>
                 <p:cNvPr id="71" name="CasellaDiTesto 70"/>
@@ -15767,7 +17057,7 @@
               </p:txBody>
             </p:sp>
           </mc:Choice>
-          <mc:Fallback>
+          <mc:Fallback xmlns="">
             <p:sp>
               <p:nvSpPr>
                 <p:cNvPr id="71" name="CasellaDiTesto 70"/>
@@ -15806,8 +17096,8 @@
             </p:sp>
           </mc:Fallback>
         </mc:AlternateContent>
-        <mc:AlternateContent xmlns:mc="http://schemas.openxmlformats.org/markup-compatibility/2006">
-          <mc:Choice xmlns:a14="http://schemas.microsoft.com/office/drawing/2010/main" Requires="a14">
+        <mc:AlternateContent xmlns:mc="http://schemas.openxmlformats.org/markup-compatibility/2006" xmlns:a14="http://schemas.microsoft.com/office/drawing/2010/main">
+          <mc:Choice Requires="a14">
             <p:sp>
               <p:nvSpPr>
                 <p:cNvPr id="72" name="CasellaDiTesto 71"/>
@@ -15830,6 +17120,7 @@
                 </a:bodyPr>
                 <a:lstStyle/>
                 <a:p>
+                  <a:pPr/>
                   <a14:m>
                     <m:oMathPara xmlns:m="http://schemas.openxmlformats.org/officeDocument/2006/math">
                       <m:oMathParaPr>
@@ -15858,7 +17149,7 @@
               </p:txBody>
             </p:sp>
           </mc:Choice>
-          <mc:Fallback>
+          <mc:Fallback xmlns="">
             <p:sp>
               <p:nvSpPr>
                 <p:cNvPr id="72" name="CasellaDiTesto 71"/>
@@ -15969,8 +17260,8 @@
             </a:fontRef>
           </p:style>
         </p:cxnSp>
-        <mc:AlternateContent xmlns:mc="http://schemas.openxmlformats.org/markup-compatibility/2006">
-          <mc:Choice xmlns:a14="http://schemas.microsoft.com/office/drawing/2010/main" Requires="a14">
+        <mc:AlternateContent xmlns:mc="http://schemas.openxmlformats.org/markup-compatibility/2006" xmlns:a14="http://schemas.microsoft.com/office/drawing/2010/main">
+          <mc:Choice Requires="a14">
             <p:sp>
               <p:nvSpPr>
                 <p:cNvPr id="79" name="CasellaDiTesto 78"/>
@@ -16022,7 +17313,7 @@
               </p:txBody>
             </p:sp>
           </mc:Choice>
-          <mc:Fallback>
+          <mc:Fallback xmlns="">
             <p:sp>
               <p:nvSpPr>
                 <p:cNvPr id="79" name="CasellaDiTesto 78"/>
@@ -16061,8 +17352,8 @@
             </p:sp>
           </mc:Fallback>
         </mc:AlternateContent>
-        <mc:AlternateContent xmlns:mc="http://schemas.openxmlformats.org/markup-compatibility/2006">
-          <mc:Choice xmlns:a14="http://schemas.microsoft.com/office/drawing/2010/main" Requires="a14">
+        <mc:AlternateContent xmlns:mc="http://schemas.openxmlformats.org/markup-compatibility/2006" xmlns:a14="http://schemas.microsoft.com/office/drawing/2010/main">
+          <mc:Choice Requires="a14">
             <p:sp>
               <p:nvSpPr>
                 <p:cNvPr id="80" name="CasellaDiTesto 79"/>
@@ -16085,6 +17376,7 @@
                 </a:bodyPr>
                 <a:lstStyle/>
                 <a:p>
+                  <a:pPr/>
                   <a14:m>
                     <m:oMathPara xmlns:m="http://schemas.openxmlformats.org/officeDocument/2006/math">
                       <m:oMathParaPr>
@@ -16183,14 +17475,7 @@
                                 <a:latin typeface="Cambria Math" panose="02040503050406030204" pitchFamily="18" charset="0"/>
                                 <a:ea typeface="Cambria Math" panose="02040503050406030204" pitchFamily="18" charset="0"/>
                               </a:rPr>
-                              <m:t>𝑚</m:t>
-                            </m:r>
-                            <m:r>
-                              <a:rPr lang="it-IT" sz="1000" b="0" i="1" smtClean="0">
-                                <a:latin typeface="Cambria Math" panose="02040503050406030204" pitchFamily="18" charset="0"/>
-                                <a:ea typeface="Cambria Math" panose="02040503050406030204" pitchFamily="18" charset="0"/>
-                              </a:rPr>
-                              <m:t>𝑖𝑛</m:t>
+                              <m:t>𝑚𝑖𝑛</m:t>
                             </m:r>
                           </m:sub>
                         </m:sSub>
@@ -16212,7 +17497,7 @@
               </p:txBody>
             </p:sp>
           </mc:Choice>
-          <mc:Fallback>
+          <mc:Fallback xmlns="">
             <p:sp>
               <p:nvSpPr>
                 <p:cNvPr id="80" name="CasellaDiTesto 79"/>
@@ -16323,8 +17608,8 @@
             </a:fontRef>
           </p:style>
         </p:cxnSp>
-        <mc:AlternateContent xmlns:mc="http://schemas.openxmlformats.org/markup-compatibility/2006">
-          <mc:Choice xmlns:a14="http://schemas.microsoft.com/office/drawing/2010/main" Requires="a14">
+        <mc:AlternateContent xmlns:mc="http://schemas.openxmlformats.org/markup-compatibility/2006" xmlns:a14="http://schemas.microsoft.com/office/drawing/2010/main">
+          <mc:Choice Requires="a14">
             <p:sp>
               <p:nvSpPr>
                 <p:cNvPr id="83" name="CasellaDiTesto 82"/>
@@ -16376,7 +17661,7 @@
               </p:txBody>
             </p:sp>
           </mc:Choice>
-          <mc:Fallback>
+          <mc:Fallback xmlns="">
             <p:sp>
               <p:nvSpPr>
                 <p:cNvPr id="83" name="CasellaDiTesto 82"/>
@@ -16415,8 +17700,8 @@
             </p:sp>
           </mc:Fallback>
         </mc:AlternateContent>
-        <mc:AlternateContent xmlns:mc="http://schemas.openxmlformats.org/markup-compatibility/2006">
-          <mc:Choice xmlns:a14="http://schemas.microsoft.com/office/drawing/2010/main" Requires="a14">
+        <mc:AlternateContent xmlns:mc="http://schemas.openxmlformats.org/markup-compatibility/2006" xmlns:a14="http://schemas.microsoft.com/office/drawing/2010/main">
+          <mc:Choice Requires="a14">
             <p:sp>
               <p:nvSpPr>
                 <p:cNvPr id="84" name="CasellaDiTesto 83"/>
@@ -16439,6 +17724,7 @@
                 </a:bodyPr>
                 <a:lstStyle/>
                 <a:p>
+                  <a:pPr/>
                   <a14:m>
                     <m:oMathPara xmlns:m="http://schemas.openxmlformats.org/officeDocument/2006/math">
                       <m:oMathParaPr>
@@ -16556,7 +17842,7 @@
               </p:txBody>
             </p:sp>
           </mc:Choice>
-          <mc:Fallback>
+          <mc:Fallback xmlns="">
             <p:sp>
               <p:nvSpPr>
                 <p:cNvPr id="84" name="CasellaDiTesto 83"/>
@@ -16667,8 +17953,8 @@
             </a:fontRef>
           </p:style>
         </p:cxnSp>
-        <mc:AlternateContent xmlns:mc="http://schemas.openxmlformats.org/markup-compatibility/2006">
-          <mc:Choice xmlns:a14="http://schemas.microsoft.com/office/drawing/2010/main" Requires="a14">
+        <mc:AlternateContent xmlns:mc="http://schemas.openxmlformats.org/markup-compatibility/2006" xmlns:a14="http://schemas.microsoft.com/office/drawing/2010/main">
+          <mc:Choice Requires="a14">
             <p:sp>
               <p:nvSpPr>
                 <p:cNvPr id="87" name="CasellaDiTesto 86"/>
@@ -16720,7 +18006,7 @@
               </p:txBody>
             </p:sp>
           </mc:Choice>
-          <mc:Fallback>
+          <mc:Fallback xmlns="">
             <p:sp>
               <p:nvSpPr>
                 <p:cNvPr id="87" name="CasellaDiTesto 86"/>
@@ -16759,8 +18045,8 @@
             </p:sp>
           </mc:Fallback>
         </mc:AlternateContent>
-        <mc:AlternateContent xmlns:mc="http://schemas.openxmlformats.org/markup-compatibility/2006">
-          <mc:Choice xmlns:a14="http://schemas.microsoft.com/office/drawing/2010/main" Requires="a14">
+        <mc:AlternateContent xmlns:mc="http://schemas.openxmlformats.org/markup-compatibility/2006" xmlns:a14="http://schemas.microsoft.com/office/drawing/2010/main">
+          <mc:Choice Requires="a14">
             <p:sp>
               <p:nvSpPr>
                 <p:cNvPr id="88" name="CasellaDiTesto 87"/>
@@ -16783,6 +18069,7 @@
                 </a:bodyPr>
                 <a:lstStyle/>
                 <a:p>
+                  <a:pPr/>
                   <a14:m>
                     <m:oMathPara xmlns:m="http://schemas.openxmlformats.org/officeDocument/2006/math">
                       <m:oMathParaPr>
@@ -16900,7 +18187,7 @@
               </p:txBody>
             </p:sp>
           </mc:Choice>
-          <mc:Fallback>
+          <mc:Fallback xmlns="">
             <p:sp>
               <p:nvSpPr>
                 <p:cNvPr id="88" name="CasellaDiTesto 87"/>
@@ -17011,8 +18298,8 @@
             </a:fontRef>
           </p:style>
         </p:cxnSp>
-        <mc:AlternateContent xmlns:mc="http://schemas.openxmlformats.org/markup-compatibility/2006">
-          <mc:Choice xmlns:a14="http://schemas.microsoft.com/office/drawing/2010/main" Requires="a14">
+        <mc:AlternateContent xmlns:mc="http://schemas.openxmlformats.org/markup-compatibility/2006" xmlns:a14="http://schemas.microsoft.com/office/drawing/2010/main">
+          <mc:Choice Requires="a14">
             <p:sp>
               <p:nvSpPr>
                 <p:cNvPr id="91" name="CasellaDiTesto 90"/>
@@ -17035,9 +18322,8 @@
                 </a:bodyPr>
                 <a:lstStyle/>
                 <a:p>
-                  <a:pPr/>
                   <a:r>
-                    <a:rPr lang="it-IT" sz="1000" b="0" dirty="0" smtClean="0">
+                    <a:rPr lang="it-IT" sz="1000" b="0" dirty="0">
                       <a:ea typeface="Cambria Math" panose="02040503050406030204" pitchFamily="18" charset="0"/>
                     </a:rPr>
                     <a:t>d</a:t>
@@ -17058,7 +18344,7 @@
               </p:txBody>
             </p:sp>
           </mc:Choice>
-          <mc:Fallback>
+          <mc:Fallback xmlns="">
             <p:sp>
               <p:nvSpPr>
                 <p:cNvPr id="91" name="CasellaDiTesto 90"/>
@@ -17097,8 +18383,8 @@
             </p:sp>
           </mc:Fallback>
         </mc:AlternateContent>
-        <mc:AlternateContent xmlns:mc="http://schemas.openxmlformats.org/markup-compatibility/2006">
-          <mc:Choice xmlns:a14="http://schemas.microsoft.com/office/drawing/2010/main" Requires="a14">
+        <mc:AlternateContent xmlns:mc="http://schemas.openxmlformats.org/markup-compatibility/2006" xmlns:a14="http://schemas.microsoft.com/office/drawing/2010/main">
+          <mc:Choice Requires="a14">
             <p:sp>
               <p:nvSpPr>
                 <p:cNvPr id="92" name="CasellaDiTesto 91"/>
@@ -17121,6 +18407,7 @@
                 </a:bodyPr>
                 <a:lstStyle/>
                 <a:p>
+                  <a:pPr/>
                   <a14:m>
                     <m:oMathPara xmlns:m="http://schemas.openxmlformats.org/officeDocument/2006/math">
                       <m:oMathParaPr>
@@ -17238,7 +18525,7 @@
               </p:txBody>
             </p:sp>
           </mc:Choice>
-          <mc:Fallback>
+          <mc:Fallback xmlns="">
             <p:sp>
               <p:nvSpPr>
                 <p:cNvPr id="92" name="CasellaDiTesto 91"/>
@@ -17349,8 +18636,8 @@
             </a:fontRef>
           </p:style>
         </p:cxnSp>
-        <mc:AlternateContent xmlns:mc="http://schemas.openxmlformats.org/markup-compatibility/2006">
-          <mc:Choice xmlns:a14="http://schemas.microsoft.com/office/drawing/2010/main" Requires="a14">
+        <mc:AlternateContent xmlns:mc="http://schemas.openxmlformats.org/markup-compatibility/2006" xmlns:a14="http://schemas.microsoft.com/office/drawing/2010/main">
+          <mc:Choice Requires="a14">
             <p:sp>
               <p:nvSpPr>
                 <p:cNvPr id="95" name="CasellaDiTesto 94"/>
@@ -17373,9 +18660,8 @@
                 </a:bodyPr>
                 <a:lstStyle/>
                 <a:p>
-                  <a:pPr/>
                   <a:r>
-                    <a:rPr lang="it-IT" sz="1000" b="0" dirty="0" smtClean="0">
+                    <a:rPr lang="it-IT" sz="1000" b="0" dirty="0">
                       <a:ea typeface="Cambria Math" panose="02040503050406030204" pitchFamily="18" charset="0"/>
                     </a:rPr>
                     <a:t>d</a:t>
@@ -17396,7 +18682,7 @@
               </p:txBody>
             </p:sp>
           </mc:Choice>
-          <mc:Fallback>
+          <mc:Fallback xmlns="">
             <p:sp>
               <p:nvSpPr>
                 <p:cNvPr id="95" name="CasellaDiTesto 94"/>
@@ -17435,8 +18721,8 @@
             </p:sp>
           </mc:Fallback>
         </mc:AlternateContent>
-        <mc:AlternateContent xmlns:mc="http://schemas.openxmlformats.org/markup-compatibility/2006">
-          <mc:Choice xmlns:a14="http://schemas.microsoft.com/office/drawing/2010/main" Requires="a14">
+        <mc:AlternateContent xmlns:mc="http://schemas.openxmlformats.org/markup-compatibility/2006" xmlns:a14="http://schemas.microsoft.com/office/drawing/2010/main">
+          <mc:Choice Requires="a14">
             <p:sp>
               <p:nvSpPr>
                 <p:cNvPr id="96" name="CasellaDiTesto 95"/>
@@ -17459,6 +18745,7 @@
                 </a:bodyPr>
                 <a:lstStyle/>
                 <a:p>
+                  <a:pPr/>
                   <a14:m>
                     <m:oMathPara xmlns:m="http://schemas.openxmlformats.org/officeDocument/2006/math">
                       <m:oMathParaPr>
@@ -17576,7 +18863,7 @@
               </p:txBody>
             </p:sp>
           </mc:Choice>
-          <mc:Fallback>
+          <mc:Fallback xmlns="">
             <p:sp>
               <p:nvSpPr>
                 <p:cNvPr id="96" name="CasellaDiTesto 95"/>
@@ -17687,8 +18974,8 @@
             </a:fontRef>
           </p:style>
         </p:cxnSp>
-        <mc:AlternateContent xmlns:mc="http://schemas.openxmlformats.org/markup-compatibility/2006">
-          <mc:Choice xmlns:a14="http://schemas.microsoft.com/office/drawing/2010/main" Requires="a14">
+        <mc:AlternateContent xmlns:mc="http://schemas.openxmlformats.org/markup-compatibility/2006" xmlns:a14="http://schemas.microsoft.com/office/drawing/2010/main">
+          <mc:Choice Requires="a14">
             <p:sp>
               <p:nvSpPr>
                 <p:cNvPr id="99" name="CasellaDiTesto 98"/>
@@ -17711,9 +18998,8 @@
                 </a:bodyPr>
                 <a:lstStyle/>
                 <a:p>
-                  <a:pPr/>
                   <a:r>
-                    <a:rPr lang="it-IT" sz="1000" b="0" dirty="0" smtClean="0">
+                    <a:rPr lang="it-IT" sz="1000" b="0" dirty="0">
                       <a:ea typeface="Cambria Math" panose="02040503050406030204" pitchFamily="18" charset="0"/>
                     </a:rPr>
                     <a:t>d</a:t>
@@ -17734,7 +19020,7 @@
               </p:txBody>
             </p:sp>
           </mc:Choice>
-          <mc:Fallback>
+          <mc:Fallback xmlns="">
             <p:sp>
               <p:nvSpPr>
                 <p:cNvPr id="99" name="CasellaDiTesto 98"/>
@@ -17773,8 +19059,8 @@
             </p:sp>
           </mc:Fallback>
         </mc:AlternateContent>
-        <mc:AlternateContent xmlns:mc="http://schemas.openxmlformats.org/markup-compatibility/2006">
-          <mc:Choice xmlns:a14="http://schemas.microsoft.com/office/drawing/2010/main" Requires="a14">
+        <mc:AlternateContent xmlns:mc="http://schemas.openxmlformats.org/markup-compatibility/2006" xmlns:a14="http://schemas.microsoft.com/office/drawing/2010/main">
+          <mc:Choice Requires="a14">
             <p:sp>
               <p:nvSpPr>
                 <p:cNvPr id="100" name="CasellaDiTesto 99"/>
@@ -17797,6 +19083,7 @@
                 </a:bodyPr>
                 <a:lstStyle/>
                 <a:p>
+                  <a:pPr/>
                   <a14:m>
                     <m:oMathPara xmlns:m="http://schemas.openxmlformats.org/officeDocument/2006/math">
                       <m:oMathParaPr>
@@ -17914,7 +19201,7 @@
               </p:txBody>
             </p:sp>
           </mc:Choice>
-          <mc:Fallback>
+          <mc:Fallback xmlns="">
             <p:sp>
               <p:nvSpPr>
                 <p:cNvPr id="100" name="CasellaDiTesto 99"/>
@@ -18025,8 +19312,8 @@
             </a:fontRef>
           </p:style>
         </p:cxnSp>
-        <mc:AlternateContent xmlns:mc="http://schemas.openxmlformats.org/markup-compatibility/2006">
-          <mc:Choice xmlns:a14="http://schemas.microsoft.com/office/drawing/2010/main" Requires="a14">
+        <mc:AlternateContent xmlns:mc="http://schemas.openxmlformats.org/markup-compatibility/2006" xmlns:a14="http://schemas.microsoft.com/office/drawing/2010/main">
+          <mc:Choice Requires="a14">
             <p:sp>
               <p:nvSpPr>
                 <p:cNvPr id="111" name="CasellaDiTesto 110"/>
@@ -18050,7 +19337,7 @@
                 <a:lstStyle/>
                 <a:p>
                   <a:r>
-                    <a:rPr lang="it-IT" sz="1000" dirty="0" smtClean="0">
+                    <a:rPr lang="it-IT" sz="1000" dirty="0">
                       <a:ea typeface="Cambria Math" panose="02040503050406030204" pitchFamily="18" charset="0"/>
                     </a:rPr>
                     <a:t>(</a:t>
@@ -18076,14 +19363,7 @@
                           <a:latin typeface="Cambria Math" panose="02040503050406030204" pitchFamily="18" charset="0"/>
                           <a:ea typeface="Cambria Math" panose="02040503050406030204" pitchFamily="18" charset="0"/>
                         </a:rPr>
-                        <m:t>⋀</m:t>
-                      </m:r>
-                      <m:r>
-                        <a:rPr lang="it-IT" sz="1000" i="1" smtClean="0">
-                          <a:latin typeface="Cambria Math" panose="02040503050406030204" pitchFamily="18" charset="0"/>
-                          <a:ea typeface="Cambria Math" panose="02040503050406030204" pitchFamily="18" charset="0"/>
-                        </a:rPr>
-                        <m:t>¬</m:t>
+                        <m:t>⋀¬</m:t>
                       </m:r>
                       <m:r>
                         <a:rPr lang="it-IT" sz="1000" b="0" i="1" smtClean="0">
@@ -18268,14 +19548,7 @@
                           <a:latin typeface="Cambria Math" panose="02040503050406030204" pitchFamily="18" charset="0"/>
                           <a:ea typeface="Cambria Math" panose="02040503050406030204" pitchFamily="18" charset="0"/>
                         </a:rPr>
-                        <m:t>)</m:t>
-                      </m:r>
-                      <m:r>
-                        <a:rPr lang="it-IT" sz="1000" b="0" i="1" smtClean="0">
-                          <a:latin typeface="Cambria Math" panose="02040503050406030204" pitchFamily="18" charset="0"/>
-                          <a:ea typeface="Cambria Math" panose="02040503050406030204" pitchFamily="18" charset="0"/>
-                        </a:rPr>
-                        <m:t>/</m:t>
+                        <m:t>)/</m:t>
                       </m:r>
                     </m:oMath>
                   </a14:m>
@@ -18284,7 +19557,7 @@
               </p:txBody>
             </p:sp>
           </mc:Choice>
-          <mc:Fallback>
+          <mc:Fallback xmlns="">
             <p:sp>
               <p:nvSpPr>
                 <p:cNvPr id="111" name="CasellaDiTesto 110"/>
@@ -18323,8 +19596,8 @@
             </p:sp>
           </mc:Fallback>
         </mc:AlternateContent>
-        <mc:AlternateContent xmlns:mc="http://schemas.openxmlformats.org/markup-compatibility/2006">
-          <mc:Choice xmlns:a14="http://schemas.microsoft.com/office/drawing/2010/main" Requires="a14">
+        <mc:AlternateContent xmlns:mc="http://schemas.openxmlformats.org/markup-compatibility/2006" xmlns:a14="http://schemas.microsoft.com/office/drawing/2010/main">
+          <mc:Choice Requires="a14">
             <p:sp>
               <p:nvSpPr>
                 <p:cNvPr id="112" name="CasellaDiTesto 111"/>
@@ -18347,9 +19620,8 @@
                 </a:bodyPr>
                 <a:lstStyle/>
                 <a:p>
-                  <a:pPr/>
                   <a:r>
-                    <a:rPr lang="it-IT" sz="1000" b="0" dirty="0" smtClean="0">
+                    <a:rPr lang="it-IT" sz="1000" b="0" dirty="0">
                       <a:ea typeface="Cambria Math" panose="02040503050406030204" pitchFamily="18" charset="0"/>
                     </a:rPr>
                     <a:t>d</a:t>
@@ -18384,7 +19656,7 @@
               </p:txBody>
             </p:sp>
           </mc:Choice>
-          <mc:Fallback>
+          <mc:Fallback xmlns="">
             <p:sp>
               <p:nvSpPr>
                 <p:cNvPr id="112" name="CasellaDiTesto 111"/>
@@ -18459,8 +19731,8 @@
             </a:fontRef>
           </p:style>
         </p:cxnSp>
-        <mc:AlternateContent xmlns:mc="http://schemas.openxmlformats.org/markup-compatibility/2006">
-          <mc:Choice xmlns:a14="http://schemas.microsoft.com/office/drawing/2010/main" Requires="a14">
+        <mc:AlternateContent xmlns:mc="http://schemas.openxmlformats.org/markup-compatibility/2006" xmlns:a14="http://schemas.microsoft.com/office/drawing/2010/main">
+          <mc:Choice Requires="a14">
             <p:sp>
               <p:nvSpPr>
                 <p:cNvPr id="115" name="CasellaDiTesto 114"/>
@@ -18526,7 +19798,7 @@
               </p:txBody>
             </p:sp>
           </mc:Choice>
-          <mc:Fallback>
+          <mc:Fallback xmlns="">
             <p:sp>
               <p:nvSpPr>
                 <p:cNvPr id="115" name="CasellaDiTesto 114"/>
@@ -18673,8 +19945,8 @@
             </a:fontRef>
           </p:style>
         </p:cxnSp>
-        <mc:AlternateContent xmlns:mc="http://schemas.openxmlformats.org/markup-compatibility/2006">
-          <mc:Choice xmlns:a14="http://schemas.microsoft.com/office/drawing/2010/main" Requires="a14">
+        <mc:AlternateContent xmlns:mc="http://schemas.openxmlformats.org/markup-compatibility/2006" xmlns:a14="http://schemas.microsoft.com/office/drawing/2010/main">
+          <mc:Choice Requires="a14">
             <p:sp>
               <p:nvSpPr>
                 <p:cNvPr id="125" name="CasellaDiTesto 124"/>
@@ -18740,7 +20012,7 @@
               </p:txBody>
             </p:sp>
           </mc:Choice>
-          <mc:Fallback>
+          <mc:Fallback xmlns="">
             <p:sp>
               <p:nvSpPr>
                 <p:cNvPr id="125" name="CasellaDiTesto 124"/>
@@ -18851,8 +20123,8 @@
             </a:fontRef>
           </p:style>
         </p:cxnSp>
-        <mc:AlternateContent xmlns:mc="http://schemas.openxmlformats.org/markup-compatibility/2006">
-          <mc:Choice xmlns:a14="http://schemas.microsoft.com/office/drawing/2010/main" Requires="a14">
+        <mc:AlternateContent xmlns:mc="http://schemas.openxmlformats.org/markup-compatibility/2006" xmlns:a14="http://schemas.microsoft.com/office/drawing/2010/main">
+          <mc:Choice Requires="a14">
             <p:sp>
               <p:nvSpPr>
                 <p:cNvPr id="129" name="CasellaDiTesto 128"/>
@@ -18918,7 +20190,7 @@
               </p:txBody>
             </p:sp>
           </mc:Choice>
-          <mc:Fallback>
+          <mc:Fallback xmlns="">
             <p:sp>
               <p:nvSpPr>
                 <p:cNvPr id="129" name="CasellaDiTesto 128"/>
@@ -18981,7 +20253,7 @@
           <a:lstStyle/>
           <a:p>
             <a:r>
-              <a:rPr lang="it-IT" sz="1600" dirty="0" smtClean="0"/>
+              <a:rPr lang="it-IT" sz="1600" dirty="0"/>
               <a:t>Input:</a:t>
             </a:r>
           </a:p>
@@ -18991,27 +20263,27 @@
               <a:buChar char="•"/>
             </a:pPr>
             <a:r>
-              <a:rPr lang="it-IT" sz="1600" i="1" dirty="0" smtClean="0"/>
+              <a:rPr lang="it-IT" sz="1600" i="1" dirty="0"/>
               <a:t>w</a:t>
             </a:r>
             <a:r>
-              <a:rPr lang="it-IT" sz="1600" dirty="0" smtClean="0"/>
+              <a:rPr lang="it-IT" sz="1600" dirty="0"/>
               <a:t> (</a:t>
             </a:r>
             <a:r>
-              <a:rPr lang="it-IT" sz="1600" dirty="0" err="1" smtClean="0"/>
+              <a:rPr lang="it-IT" sz="1600" dirty="0" err="1"/>
               <a:t>present</a:t>
             </a:r>
             <a:r>
-              <a:rPr lang="it-IT" sz="1600" dirty="0" smtClean="0"/>
+              <a:rPr lang="it-IT" sz="1600" dirty="0"/>
               <a:t>, </a:t>
             </a:r>
             <a:r>
-              <a:rPr lang="it-IT" sz="1600" dirty="0" err="1" smtClean="0"/>
+              <a:rPr lang="it-IT" sz="1600" dirty="0" err="1"/>
               <a:t>absent</a:t>
             </a:r>
             <a:r>
-              <a:rPr lang="it-IT" sz="1600" dirty="0" smtClean="0"/>
+              <a:rPr lang="it-IT" sz="1600" dirty="0"/>
               <a:t>);</a:t>
             </a:r>
           </a:p>
@@ -19021,30 +20293,29 @@
               <a:buChar char="•"/>
             </a:pPr>
             <a:r>
-              <a:rPr lang="it-IT" sz="1600" i="1" dirty="0" smtClean="0"/>
+              <a:rPr lang="it-IT" sz="1600" i="1" dirty="0"/>
               <a:t>a </a:t>
             </a:r>
             <a:r>
-              <a:rPr lang="it-IT" sz="1600" dirty="0" smtClean="0"/>
+              <a:rPr lang="it-IT" sz="1600" dirty="0"/>
               <a:t>(</a:t>
             </a:r>
             <a:r>
-              <a:rPr lang="it-IT" sz="1600" dirty="0" err="1" smtClean="0"/>
+              <a:rPr lang="it-IT" sz="1600" dirty="0" err="1"/>
               <a:t>present</a:t>
             </a:r>
             <a:r>
-              <a:rPr lang="it-IT" sz="1600" dirty="0" smtClean="0"/>
+              <a:rPr lang="it-IT" sz="1600" dirty="0"/>
               <a:t>, </a:t>
             </a:r>
             <a:r>
-              <a:rPr lang="it-IT" sz="1600" dirty="0" err="1" smtClean="0"/>
+              <a:rPr lang="it-IT" sz="1600" dirty="0" err="1"/>
               <a:t>absent</a:t>
             </a:r>
             <a:r>
-              <a:rPr lang="it-IT" sz="1600" dirty="0" smtClean="0"/>
+              <a:rPr lang="it-IT" sz="1600" dirty="0"/>
               <a:t>);</a:t>
             </a:r>
-            <a:endParaRPr lang="it-IT" sz="1600" dirty="0" smtClean="0"/>
           </a:p>
           <a:p>
             <a:pPr marL="285750" indent="-285750">
@@ -19052,34 +20323,29 @@
               <a:buChar char="•"/>
             </a:pPr>
             <a:r>
-              <a:rPr lang="it-IT" sz="1600" i="1" dirty="0" smtClean="0"/>
+              <a:rPr lang="it-IT" sz="1600" i="1" dirty="0"/>
               <a:t>s</a:t>
             </a:r>
             <a:r>
-              <a:rPr lang="it-IT" sz="1600" dirty="0" smtClean="0"/>
-              <a:t> </a:t>
-            </a:r>
-            <a:r>
-              <a:rPr lang="it-IT" sz="1600" dirty="0" smtClean="0"/>
-              <a:t>(</a:t>
-            </a:r>
-            <a:r>
-              <a:rPr lang="it-IT" sz="1600" dirty="0" err="1" smtClean="0"/>
+              <a:rPr lang="it-IT" sz="1600" dirty="0"/>
+              <a:t> (</a:t>
+            </a:r>
+            <a:r>
+              <a:rPr lang="it-IT" sz="1600" dirty="0" err="1"/>
               <a:t>present</a:t>
             </a:r>
             <a:r>
-              <a:rPr lang="it-IT" sz="1600" dirty="0" smtClean="0"/>
+              <a:rPr lang="it-IT" sz="1600" dirty="0"/>
               <a:t>, </a:t>
             </a:r>
             <a:r>
-              <a:rPr lang="it-IT" sz="1600" dirty="0" err="1" smtClean="0"/>
+              <a:rPr lang="it-IT" sz="1600" dirty="0" err="1"/>
               <a:t>absent</a:t>
             </a:r>
             <a:r>
-              <a:rPr lang="it-IT" sz="1600" dirty="0" smtClean="0"/>
+              <a:rPr lang="it-IT" sz="1600" dirty="0"/>
               <a:t>);</a:t>
             </a:r>
-            <a:endParaRPr lang="it-IT" sz="1600" dirty="0" smtClean="0"/>
           </a:p>
           <a:p>
             <a:pPr marL="285750" indent="-285750">
@@ -19087,31 +20353,27 @@
               <a:buChar char="•"/>
             </a:pPr>
             <a:r>
-              <a:rPr lang="it-IT" sz="1600" i="1" dirty="0" smtClean="0"/>
+              <a:rPr lang="it-IT" sz="1600" i="1" dirty="0"/>
               <a:t>d</a:t>
             </a:r>
             <a:r>
-              <a:rPr lang="it-IT" sz="1600" dirty="0" smtClean="0"/>
-              <a:t> </a:t>
-            </a:r>
-            <a:r>
-              <a:rPr lang="it-IT" sz="1600" dirty="0" smtClean="0"/>
-              <a:t>(</a:t>
-            </a:r>
-            <a:r>
-              <a:rPr lang="it-IT" sz="1600" dirty="0" err="1" smtClean="0"/>
+              <a:rPr lang="it-IT" sz="1600" dirty="0"/>
+              <a:t> (</a:t>
+            </a:r>
+            <a:r>
+              <a:rPr lang="it-IT" sz="1600" dirty="0" err="1"/>
               <a:t>present</a:t>
             </a:r>
             <a:r>
-              <a:rPr lang="it-IT" sz="1600" dirty="0" smtClean="0"/>
+              <a:rPr lang="it-IT" sz="1600" dirty="0"/>
               <a:t>, </a:t>
             </a:r>
             <a:r>
-              <a:rPr lang="it-IT" sz="1600" dirty="0" err="1" smtClean="0"/>
+              <a:rPr lang="it-IT" sz="1600" dirty="0" err="1"/>
               <a:t>absent</a:t>
             </a:r>
             <a:r>
-              <a:rPr lang="it-IT" sz="1600" dirty="0" smtClean="0"/>
+              <a:rPr lang="it-IT" sz="1600" dirty="0"/>
               <a:t>);</a:t>
             </a:r>
           </a:p>
@@ -19121,10 +20383,9 @@
               <a:buChar char="•"/>
             </a:pPr>
             <a:r>
-              <a:rPr lang="it-IT" sz="1600" i="1" dirty="0" smtClean="0"/>
+              <a:rPr lang="it-IT" sz="1600" i="1" dirty="0"/>
               <a:t>position</a:t>
             </a:r>
-            <a:endParaRPr lang="it-IT" sz="1600" i="1" dirty="0" smtClean="0"/>
           </a:p>
         </p:txBody>
       </p:sp>
@@ -19151,7 +20412,7 @@
           <a:lstStyle/>
           <a:p>
             <a:r>
-              <a:rPr lang="it-IT" sz="1600" dirty="0" smtClean="0"/>
+              <a:rPr lang="it-IT" sz="1600" dirty="0"/>
               <a:t>Output:</a:t>
             </a:r>
           </a:p>
@@ -19161,10 +20422,9 @@
               <a:buChar char="•"/>
             </a:pPr>
             <a:r>
-              <a:rPr lang="it-IT" sz="1600" i="1" dirty="0" smtClean="0"/>
+              <a:rPr lang="it-IT" sz="1600" i="1" dirty="0"/>
               <a:t>Stop</a:t>
             </a:r>
-            <a:endParaRPr lang="it-IT" sz="1600" i="1" dirty="0" smtClean="0"/>
           </a:p>
         </p:txBody>
       </p:sp>
@@ -19191,7 +20451,7 @@
           <a:lstStyle/>
           <a:p>
             <a:r>
-              <a:rPr lang="it-IT" sz="1600" dirty="0" smtClean="0"/>
+              <a:rPr lang="it-IT" sz="1600" dirty="0"/>
               <a:t>Parametri del sistema</a:t>
             </a:r>
           </a:p>
@@ -19201,7 +20461,7 @@
               <a:buAutoNum type="arabicPeriod"/>
             </a:pPr>
             <a:r>
-              <a:rPr lang="it-IT" sz="1600" dirty="0" smtClean="0"/>
+              <a:rPr lang="it-IT" sz="1600" dirty="0"/>
               <a:t>Variabili:</a:t>
             </a:r>
           </a:p>
@@ -19211,20 +20471,16 @@
               <a:buChar char="•"/>
             </a:pPr>
             <a:r>
-              <a:rPr lang="it-IT" sz="1600" i="1" dirty="0" smtClean="0"/>
+              <a:rPr lang="it-IT" sz="1600" i="1" dirty="0"/>
               <a:t>x</a:t>
             </a:r>
             <a:r>
-              <a:rPr lang="it-IT" sz="1600" i="1" baseline="-25000" dirty="0" smtClean="0"/>
+              <a:rPr lang="it-IT" sz="1600" i="1" baseline="-25000" dirty="0"/>
               <a:t>s</a:t>
             </a:r>
             <a:r>
-              <a:rPr lang="it-IT" sz="1600" dirty="0" smtClean="0"/>
-              <a:t> </a:t>
-            </a:r>
-            <a:r>
-              <a:rPr lang="it-IT" sz="1600" dirty="0" smtClean="0"/>
-              <a:t>(posizione asteroide)</a:t>
+              <a:rPr lang="it-IT" sz="1600" dirty="0"/>
+              <a:t> (posizione asteroide)</a:t>
             </a:r>
           </a:p>
           <a:p>
@@ -19233,19 +20489,19 @@
               <a:buChar char="•"/>
             </a:pPr>
             <a:r>
-              <a:rPr lang="it-IT" sz="1600" i="1" dirty="0" smtClean="0"/>
+              <a:rPr lang="it-IT" sz="1600" i="1" dirty="0"/>
               <a:t>y</a:t>
             </a:r>
             <a:r>
-              <a:rPr lang="it-IT" sz="1600" i="1" baseline="-25000" dirty="0" smtClean="0"/>
+              <a:rPr lang="it-IT" sz="1600" i="1" baseline="-25000" dirty="0"/>
               <a:t>s</a:t>
             </a:r>
             <a:r>
-              <a:rPr lang="it-IT" sz="1600" i="1" dirty="0" smtClean="0"/>
+              <a:rPr lang="it-IT" sz="1600" i="1" dirty="0"/>
               <a:t> </a:t>
             </a:r>
             <a:r>
-              <a:rPr lang="it-IT" sz="1600" dirty="0" smtClean="0"/>
+              <a:rPr lang="it-IT" sz="1600" dirty="0"/>
               <a:t>(posizione asteroide)</a:t>
             </a:r>
           </a:p>
@@ -19255,12 +20511,8 @@
               <a:buAutoNum type="arabicPeriod"/>
             </a:pPr>
             <a:r>
-              <a:rPr lang="it-IT" sz="1600" dirty="0" smtClean="0"/>
-              <a:t>Costanti</a:t>
-            </a:r>
-            <a:r>
-              <a:rPr lang="it-IT" sz="1600" dirty="0" smtClean="0"/>
-              <a:t>:</a:t>
+              <a:rPr lang="it-IT" sz="1600" dirty="0"/>
+              <a:t>Costanti:</a:t>
             </a:r>
           </a:p>
           <a:p>
@@ -19273,7 +20525,7 @@
               <a:t>v</a:t>
             </a:r>
             <a:r>
-              <a:rPr lang="it-IT" sz="1600" dirty="0" smtClean="0"/>
+              <a:rPr lang="it-IT" sz="1600" dirty="0"/>
               <a:t> (velocità)</a:t>
             </a:r>
           </a:p>
@@ -19283,15 +20535,15 @@
               <a:buChar char="•"/>
             </a:pPr>
             <a:r>
-              <a:rPr lang="it-IT" sz="1600" i="1" dirty="0" smtClean="0"/>
+              <a:rPr lang="it-IT" sz="1600" i="1" dirty="0"/>
               <a:t>x</a:t>
             </a:r>
             <a:r>
-              <a:rPr lang="it-IT" sz="1600" i="1" baseline="-25000" dirty="0" smtClean="0"/>
+              <a:rPr lang="it-IT" sz="1600" i="1" baseline="-25000" dirty="0"/>
               <a:t>max</a:t>
             </a:r>
             <a:r>
-              <a:rPr lang="it-IT" sz="1600" dirty="0" smtClean="0"/>
+              <a:rPr lang="it-IT" sz="1600" dirty="0"/>
               <a:t> (valore massimo, bordo)</a:t>
             </a:r>
           </a:p>
@@ -19301,15 +20553,15 @@
               <a:buChar char="•"/>
             </a:pPr>
             <a:r>
-              <a:rPr lang="it-IT" sz="1600" i="1" dirty="0" err="1" smtClean="0"/>
+              <a:rPr lang="it-IT" sz="1600" i="1" dirty="0" err="1"/>
               <a:t>x</a:t>
             </a:r>
             <a:r>
-              <a:rPr lang="it-IT" sz="1600" i="1" baseline="-25000" dirty="0" err="1" smtClean="0"/>
+              <a:rPr lang="it-IT" sz="1600" i="1" baseline="-25000" dirty="0" err="1"/>
               <a:t>min</a:t>
             </a:r>
             <a:r>
-              <a:rPr lang="it-IT" sz="1600" dirty="0" smtClean="0"/>
+              <a:rPr lang="it-IT" sz="1600" dirty="0"/>
               <a:t> (valore minimo, bordo)</a:t>
             </a:r>
           </a:p>
@@ -19323,11 +20575,11 @@
               <a:t>y</a:t>
             </a:r>
             <a:r>
-              <a:rPr lang="it-IT" sz="1600" i="1" baseline="-25000" dirty="0" err="1" smtClean="0"/>
+              <a:rPr lang="it-IT" sz="1600" i="1" baseline="-25000" dirty="0" err="1"/>
               <a:t>max</a:t>
             </a:r>
             <a:r>
-              <a:rPr lang="it-IT" sz="1600" dirty="0" smtClean="0"/>
+              <a:rPr lang="it-IT" sz="1600" dirty="0"/>
               <a:t> (valore massimo, bordo)</a:t>
             </a:r>
           </a:p>
@@ -19341,16 +20593,16 @@
               <a:t>y</a:t>
             </a:r>
             <a:r>
-              <a:rPr lang="it-IT" sz="1600" i="1" baseline="-25000" dirty="0" err="1" smtClean="0"/>
+              <a:rPr lang="it-IT" sz="1600" i="1" baseline="-25000" dirty="0" err="1"/>
               <a:t>min</a:t>
             </a:r>
             <a:r>
-              <a:rPr lang="it-IT" sz="1600" dirty="0" smtClean="0"/>
+              <a:rPr lang="it-IT" sz="1600" dirty="0"/>
               <a:t> (valore minimo, bordo)</a:t>
             </a:r>
           </a:p>
           <a:p>
-            <a:endParaRPr lang="it-IT" i="1" dirty="0" smtClean="0"/>
+            <a:endParaRPr lang="it-IT" i="1" dirty="0"/>
           </a:p>
         </p:txBody>
       </p:sp>
@@ -19378,27 +20630,27 @@
           <a:p>
             <a:pPr algn="ctr"/>
             <a:r>
-              <a:rPr lang="it-IT" dirty="0" smtClean="0"/>
+              <a:rPr lang="it-IT" dirty="0"/>
               <a:t>FSM </a:t>
             </a:r>
             <a:r>
-              <a:rPr lang="it-IT" dirty="0" err="1" smtClean="0"/>
+              <a:rPr lang="it-IT" dirty="0" err="1"/>
               <a:t>Spaceship</a:t>
             </a:r>
             <a:r>
-              <a:rPr lang="it-IT" dirty="0" smtClean="0"/>
+              <a:rPr lang="it-IT" dirty="0"/>
               <a:t>, State </a:t>
             </a:r>
             <a:r>
-              <a:rPr lang="it-IT" dirty="0" err="1" smtClean="0"/>
+              <a:rPr lang="it-IT" dirty="0" err="1"/>
               <a:t>refinement</a:t>
             </a:r>
             <a:endParaRPr lang="it-IT" dirty="0"/>
           </a:p>
         </p:txBody>
       </p:sp>
-      <mc:AlternateContent xmlns:mc="http://schemas.openxmlformats.org/markup-compatibility/2006">
-        <mc:Choice xmlns:a14="http://schemas.microsoft.com/office/drawing/2010/main" Requires="a14">
+      <mc:AlternateContent xmlns:mc="http://schemas.openxmlformats.org/markup-compatibility/2006" xmlns:a14="http://schemas.microsoft.com/office/drawing/2010/main">
+        <mc:Choice Requires="a14">
           <p:sp>
             <p:nvSpPr>
               <p:cNvPr id="137" name="CasellaDiTesto 136"/>
@@ -19421,6 +20673,7 @@
               </a:bodyPr>
               <a:lstStyle/>
               <a:p>
+                <a:pPr/>
                 <a14:m>
                   <m:oMathPara xmlns:m="http://schemas.openxmlformats.org/officeDocument/2006/math">
                     <m:oMathParaPr>
@@ -19538,7 +20791,7 @@
             </p:txBody>
           </p:sp>
         </mc:Choice>
-        <mc:Fallback>
+        <mc:Fallback xmlns="">
           <p:sp>
             <p:nvSpPr>
               <p:cNvPr id="137" name="CasellaDiTesto 136"/>
@@ -19577,8 +20830,8 @@
           </p:sp>
         </mc:Fallback>
       </mc:AlternateContent>
-      <mc:AlternateContent xmlns:mc="http://schemas.openxmlformats.org/markup-compatibility/2006">
-        <mc:Choice xmlns:a14="http://schemas.microsoft.com/office/drawing/2010/main" Requires="a14">
+      <mc:AlternateContent xmlns:mc="http://schemas.openxmlformats.org/markup-compatibility/2006" xmlns:a14="http://schemas.microsoft.com/office/drawing/2010/main">
+        <mc:Choice Requires="a14">
           <p:sp>
             <p:nvSpPr>
               <p:cNvPr id="138" name="CasellaDiTesto 137"/>
@@ -19719,7 +20972,7 @@
             </p:txBody>
           </p:sp>
         </mc:Choice>
-        <mc:Fallback>
+        <mc:Fallback xmlns="">
           <p:sp>
             <p:nvSpPr>
               <p:cNvPr id="138" name="CasellaDiTesto 137"/>
@@ -19758,8 +21011,8 @@
           </p:sp>
         </mc:Fallback>
       </mc:AlternateContent>
-      <mc:AlternateContent xmlns:mc="http://schemas.openxmlformats.org/markup-compatibility/2006">
-        <mc:Choice xmlns:a14="http://schemas.microsoft.com/office/drawing/2010/main" Requires="a14">
+      <mc:AlternateContent xmlns:mc="http://schemas.openxmlformats.org/markup-compatibility/2006" xmlns:a14="http://schemas.microsoft.com/office/drawing/2010/main">
+        <mc:Choice Requires="a14">
           <p:sp>
             <p:nvSpPr>
               <p:cNvPr id="139" name="CasellaDiTesto 138"/>
@@ -19783,7 +21036,7 @@
               <a:lstStyle/>
               <a:p>
                 <a:r>
-                  <a:rPr lang="it-IT" sz="1000" dirty="0" smtClean="0">
+                  <a:rPr lang="it-IT" sz="1000" dirty="0">
                     <a:ea typeface="Cambria Math" panose="02040503050406030204" pitchFamily="18" charset="0"/>
                   </a:rPr>
                   <a:t>(</a:t>
@@ -19809,14 +21062,7 @@
                         <a:latin typeface="Cambria Math" panose="02040503050406030204" pitchFamily="18" charset="0"/>
                         <a:ea typeface="Cambria Math" panose="02040503050406030204" pitchFamily="18" charset="0"/>
                       </a:rPr>
-                      <m:t>⋀</m:t>
-                    </m:r>
-                    <m:r>
-                      <a:rPr lang="it-IT" sz="1000" i="1" smtClean="0">
-                        <a:latin typeface="Cambria Math" panose="02040503050406030204" pitchFamily="18" charset="0"/>
-                        <a:ea typeface="Cambria Math" panose="02040503050406030204" pitchFamily="18" charset="0"/>
-                      </a:rPr>
-                      <m:t>¬</m:t>
+                      <m:t>⋀¬</m:t>
                     </m:r>
                     <m:r>
                       <a:rPr lang="it-IT" sz="1000" b="0" i="1" smtClean="0">
@@ -19910,14 +21156,7 @@
                             <a:latin typeface="Cambria Math" panose="02040503050406030204" pitchFamily="18" charset="0"/>
                             <a:ea typeface="Cambria Math" panose="02040503050406030204" pitchFamily="18" charset="0"/>
                           </a:rPr>
-                          <m:t>𝑚</m:t>
-                        </m:r>
-                        <m:r>
-                          <a:rPr lang="it-IT" sz="1000" b="0" i="1" smtClean="0">
-                            <a:latin typeface="Cambria Math" panose="02040503050406030204" pitchFamily="18" charset="0"/>
-                            <a:ea typeface="Cambria Math" panose="02040503050406030204" pitchFamily="18" charset="0"/>
-                          </a:rPr>
-                          <m:t>𝑎𝑥</m:t>
+                          <m:t>𝑚𝑎𝑥</m:t>
                         </m:r>
                       </m:sub>
                     </m:sSub>
@@ -19999,14 +21238,7 @@
                             <a:latin typeface="Cambria Math" panose="02040503050406030204" pitchFamily="18" charset="0"/>
                             <a:ea typeface="Cambria Math" panose="02040503050406030204" pitchFamily="18" charset="0"/>
                           </a:rPr>
-                          <m:t>𝑚</m:t>
-                        </m:r>
-                        <m:r>
-                          <a:rPr lang="it-IT" sz="1000" b="0" i="1" smtClean="0">
-                            <a:latin typeface="Cambria Math" panose="02040503050406030204" pitchFamily="18" charset="0"/>
-                            <a:ea typeface="Cambria Math" panose="02040503050406030204" pitchFamily="18" charset="0"/>
-                          </a:rPr>
-                          <m:t>𝑖𝑛</m:t>
+                          <m:t>𝑚𝑖𝑛</m:t>
                         </m:r>
                       </m:sub>
                     </m:sSub>
@@ -20015,14 +21247,7 @@
                         <a:latin typeface="Cambria Math" panose="02040503050406030204" pitchFamily="18" charset="0"/>
                         <a:ea typeface="Cambria Math" panose="02040503050406030204" pitchFamily="18" charset="0"/>
                       </a:rPr>
-                      <m:t>)</m:t>
-                    </m:r>
-                    <m:r>
-                      <a:rPr lang="it-IT" sz="1000" b="0" i="1" smtClean="0">
-                        <a:latin typeface="Cambria Math" panose="02040503050406030204" pitchFamily="18" charset="0"/>
-                        <a:ea typeface="Cambria Math" panose="02040503050406030204" pitchFamily="18" charset="0"/>
-                      </a:rPr>
-                      <m:t>/</m:t>
+                      <m:t>)/</m:t>
                     </m:r>
                   </m:oMath>
                 </a14:m>
@@ -20031,7 +21256,7 @@
             </p:txBody>
           </p:sp>
         </mc:Choice>
-        <mc:Fallback>
+        <mc:Fallback xmlns="">
           <p:sp>
             <p:nvSpPr>
               <p:cNvPr id="139" name="CasellaDiTesto 138"/>
@@ -20070,8 +21295,8 @@
           </p:sp>
         </mc:Fallback>
       </mc:AlternateContent>
-      <mc:AlternateContent xmlns:mc="http://schemas.openxmlformats.org/markup-compatibility/2006">
-        <mc:Choice xmlns:a14="http://schemas.microsoft.com/office/drawing/2010/main" Requires="a14">
+      <mc:AlternateContent xmlns:mc="http://schemas.openxmlformats.org/markup-compatibility/2006" xmlns:a14="http://schemas.microsoft.com/office/drawing/2010/main">
+        <mc:Choice Requires="a14">
           <p:sp>
             <p:nvSpPr>
               <p:cNvPr id="140" name="CasellaDiTesto 139"/>
@@ -20095,7 +21320,7 @@
               <a:lstStyle/>
               <a:p>
                 <a:r>
-                  <a:rPr lang="it-IT" sz="1000" dirty="0" smtClean="0">
+                  <a:rPr lang="it-IT" sz="1000" dirty="0">
                     <a:ea typeface="Cambria Math" panose="02040503050406030204" pitchFamily="18" charset="0"/>
                   </a:rPr>
                   <a:t>(</a:t>
@@ -20121,14 +21346,7 @@
                         <a:latin typeface="Cambria Math" panose="02040503050406030204" pitchFamily="18" charset="0"/>
                         <a:ea typeface="Cambria Math" panose="02040503050406030204" pitchFamily="18" charset="0"/>
                       </a:rPr>
-                      <m:t>⋀</m:t>
-                    </m:r>
-                    <m:r>
-                      <a:rPr lang="it-IT" sz="1000" i="1" smtClean="0">
-                        <a:latin typeface="Cambria Math" panose="02040503050406030204" pitchFamily="18" charset="0"/>
-                        <a:ea typeface="Cambria Math" panose="02040503050406030204" pitchFamily="18" charset="0"/>
-                      </a:rPr>
-                      <m:t>¬</m:t>
+                      <m:t>⋀¬</m:t>
                     </m:r>
                     <m:r>
                       <a:rPr lang="it-IT" sz="1000" b="0" i="1" smtClean="0">
@@ -20222,14 +21440,7 @@
                             <a:latin typeface="Cambria Math" panose="02040503050406030204" pitchFamily="18" charset="0"/>
                             <a:ea typeface="Cambria Math" panose="02040503050406030204" pitchFamily="18" charset="0"/>
                           </a:rPr>
-                          <m:t>𝑚</m:t>
-                        </m:r>
-                        <m:r>
-                          <a:rPr lang="it-IT" sz="1000" b="0" i="1" smtClean="0">
-                            <a:latin typeface="Cambria Math" panose="02040503050406030204" pitchFamily="18" charset="0"/>
-                            <a:ea typeface="Cambria Math" panose="02040503050406030204" pitchFamily="18" charset="0"/>
-                          </a:rPr>
-                          <m:t>𝑖𝑛</m:t>
+                          <m:t>𝑚𝑖𝑛</m:t>
                         </m:r>
                       </m:sub>
                     </m:sSub>
@@ -20311,14 +21522,7 @@
                             <a:latin typeface="Cambria Math" panose="02040503050406030204" pitchFamily="18" charset="0"/>
                             <a:ea typeface="Cambria Math" panose="02040503050406030204" pitchFamily="18" charset="0"/>
                           </a:rPr>
-                          <m:t>𝑚</m:t>
-                        </m:r>
-                        <m:r>
-                          <a:rPr lang="it-IT" sz="1000" b="0" i="1" smtClean="0">
-                            <a:latin typeface="Cambria Math" panose="02040503050406030204" pitchFamily="18" charset="0"/>
-                            <a:ea typeface="Cambria Math" panose="02040503050406030204" pitchFamily="18" charset="0"/>
-                          </a:rPr>
-                          <m:t>𝑖𝑛</m:t>
+                          <m:t>𝑚𝑖𝑛</m:t>
                         </m:r>
                       </m:sub>
                     </m:sSub>
@@ -20327,14 +21531,7 @@
                         <a:latin typeface="Cambria Math" panose="02040503050406030204" pitchFamily="18" charset="0"/>
                         <a:ea typeface="Cambria Math" panose="02040503050406030204" pitchFamily="18" charset="0"/>
                       </a:rPr>
-                      <m:t>)</m:t>
-                    </m:r>
-                    <m:r>
-                      <a:rPr lang="it-IT" sz="1000" b="0" i="1" smtClean="0">
-                        <a:latin typeface="Cambria Math" panose="02040503050406030204" pitchFamily="18" charset="0"/>
-                        <a:ea typeface="Cambria Math" panose="02040503050406030204" pitchFamily="18" charset="0"/>
-                      </a:rPr>
-                      <m:t>/</m:t>
+                      <m:t>)/</m:t>
                     </m:r>
                   </m:oMath>
                 </a14:m>
@@ -20343,7 +21540,7 @@
             </p:txBody>
           </p:sp>
         </mc:Choice>
-        <mc:Fallback>
+        <mc:Fallback xmlns="">
           <p:sp>
             <p:nvSpPr>
               <p:cNvPr id="140" name="CasellaDiTesto 139"/>
@@ -20382,8 +21579,8 @@
           </p:sp>
         </mc:Fallback>
       </mc:AlternateContent>
-      <mc:AlternateContent xmlns:mc="http://schemas.openxmlformats.org/markup-compatibility/2006">
-        <mc:Choice xmlns:a14="http://schemas.microsoft.com/office/drawing/2010/main" Requires="a14">
+      <mc:AlternateContent xmlns:mc="http://schemas.openxmlformats.org/markup-compatibility/2006" xmlns:a14="http://schemas.microsoft.com/office/drawing/2010/main">
+        <mc:Choice Requires="a14">
           <p:sp>
             <p:nvSpPr>
               <p:cNvPr id="141" name="CasellaDiTesto 140"/>
@@ -20407,7 +21604,7 @@
               <a:lstStyle/>
               <a:p>
                 <a:r>
-                  <a:rPr lang="it-IT" sz="1000" dirty="0" smtClean="0">
+                  <a:rPr lang="it-IT" sz="1000" dirty="0">
                     <a:ea typeface="Cambria Math" panose="02040503050406030204" pitchFamily="18" charset="0"/>
                   </a:rPr>
                   <a:t>(</a:t>
@@ -20433,14 +21630,7 @@
                         <a:latin typeface="Cambria Math" panose="02040503050406030204" pitchFamily="18" charset="0"/>
                         <a:ea typeface="Cambria Math" panose="02040503050406030204" pitchFamily="18" charset="0"/>
                       </a:rPr>
-                      <m:t>⋀</m:t>
-                    </m:r>
-                    <m:r>
-                      <a:rPr lang="it-IT" sz="1000" i="1" smtClean="0">
-                        <a:latin typeface="Cambria Math" panose="02040503050406030204" pitchFamily="18" charset="0"/>
-                        <a:ea typeface="Cambria Math" panose="02040503050406030204" pitchFamily="18" charset="0"/>
-                      </a:rPr>
-                      <m:t>¬</m:t>
+                      <m:t>⋀¬</m:t>
                     </m:r>
                     <m:r>
                       <a:rPr lang="it-IT" sz="1000" b="0" i="1" smtClean="0">
@@ -20534,14 +21724,7 @@
                             <a:latin typeface="Cambria Math" panose="02040503050406030204" pitchFamily="18" charset="0"/>
                             <a:ea typeface="Cambria Math" panose="02040503050406030204" pitchFamily="18" charset="0"/>
                           </a:rPr>
-                          <m:t>𝑚</m:t>
-                        </m:r>
-                        <m:r>
-                          <a:rPr lang="it-IT" sz="1000" b="0" i="1" smtClean="0">
-                            <a:latin typeface="Cambria Math" panose="02040503050406030204" pitchFamily="18" charset="0"/>
-                            <a:ea typeface="Cambria Math" panose="02040503050406030204" pitchFamily="18" charset="0"/>
-                          </a:rPr>
-                          <m:t>𝑖𝑛</m:t>
+                          <m:t>𝑚𝑖𝑛</m:t>
                         </m:r>
                       </m:sub>
                     </m:sSub>
@@ -20623,14 +21806,7 @@
                             <a:latin typeface="Cambria Math" panose="02040503050406030204" pitchFamily="18" charset="0"/>
                             <a:ea typeface="Cambria Math" panose="02040503050406030204" pitchFamily="18" charset="0"/>
                           </a:rPr>
-                          <m:t>𝑚</m:t>
-                        </m:r>
-                        <m:r>
-                          <a:rPr lang="it-IT" sz="1000" b="0" i="1" smtClean="0">
-                            <a:latin typeface="Cambria Math" panose="02040503050406030204" pitchFamily="18" charset="0"/>
-                            <a:ea typeface="Cambria Math" panose="02040503050406030204" pitchFamily="18" charset="0"/>
-                          </a:rPr>
-                          <m:t>𝑎𝑥</m:t>
+                          <m:t>𝑚𝑎𝑥</m:t>
                         </m:r>
                       </m:sub>
                     </m:sSub>
@@ -20639,14 +21815,7 @@
                         <a:latin typeface="Cambria Math" panose="02040503050406030204" pitchFamily="18" charset="0"/>
                         <a:ea typeface="Cambria Math" panose="02040503050406030204" pitchFamily="18" charset="0"/>
                       </a:rPr>
-                      <m:t>)</m:t>
-                    </m:r>
-                    <m:r>
-                      <a:rPr lang="it-IT" sz="1000" b="0" i="1" smtClean="0">
-                        <a:latin typeface="Cambria Math" panose="02040503050406030204" pitchFamily="18" charset="0"/>
-                        <a:ea typeface="Cambria Math" panose="02040503050406030204" pitchFamily="18" charset="0"/>
-                      </a:rPr>
-                      <m:t>/</m:t>
+                      <m:t>)/</m:t>
                     </m:r>
                   </m:oMath>
                 </a14:m>
@@ -20655,7 +21824,7 @@
             </p:txBody>
           </p:sp>
         </mc:Choice>
-        <mc:Fallback>
+        <mc:Fallback xmlns="">
           <p:sp>
             <p:nvSpPr>
               <p:cNvPr id="141" name="CasellaDiTesto 140"/>
@@ -20704,13 +21873,6 @@
   <p:clrMapOvr>
     <a:masterClrMapping/>
   </p:clrMapOvr>
-  <p:timing>
-    <p:tnLst>
-      <p:par>
-        <p:cTn id="1" dur="indefinite" restart="never" nodeType="tmRoot"/>
-      </p:par>
-    </p:tnLst>
-  </p:timing>
 </p:sld>
 </file>
 
@@ -20788,18 +21950,13 @@
             <a:p>
               <a:pPr algn="ctr"/>
               <a:r>
-                <a:rPr lang="it-IT" sz="2000" dirty="0" smtClean="0">
+                <a:rPr lang="it-IT" sz="2000" dirty="0">
                   <a:solidFill>
                     <a:schemeClr val="tx1"/>
                   </a:solidFill>
                 </a:rPr>
                 <a:t>Stop</a:t>
               </a:r>
-              <a:endParaRPr lang="it-IT" sz="2000" dirty="0">
-                <a:solidFill>
-                  <a:schemeClr val="tx1"/>
-                </a:solidFill>
-              </a:endParaRPr>
             </a:p>
           </p:txBody>
         </p:sp>
@@ -20879,8 +22036,8 @@
             </a:fontRef>
           </p:style>
         </p:cxnSp>
-        <mc:AlternateContent xmlns:mc="http://schemas.openxmlformats.org/markup-compatibility/2006">
-          <mc:Choice xmlns:a14="http://schemas.microsoft.com/office/drawing/2010/main" Requires="a14">
+        <mc:AlternateContent xmlns:mc="http://schemas.openxmlformats.org/markup-compatibility/2006" xmlns:a14="http://schemas.microsoft.com/office/drawing/2010/main">
+          <mc:Choice Requires="a14">
             <p:sp>
               <p:nvSpPr>
                 <p:cNvPr id="9" name="CasellaDiTesto 8"/>
@@ -20903,6 +22060,7 @@
                 </a:bodyPr>
                 <a:lstStyle/>
                 <a:p>
+                  <a:pPr/>
                   <a14:m>
                     <m:oMathPara xmlns:m="http://schemas.openxmlformats.org/officeDocument/2006/math">
                       <m:oMathParaPr>
@@ -20942,9 +22100,10 @@
                       </m:oMath>
                     </m:oMathPara>
                   </a14:m>
-                  <a:endParaRPr lang="it-IT" sz="1400" b="0" dirty="0" smtClean="0"/>
+                  <a:endParaRPr lang="it-IT" sz="1400" b="0" dirty="0"/>
                 </a:p>
                 <a:p>
+                  <a:pPr/>
                   <a14:m>
                     <m:oMathPara xmlns:m="http://schemas.openxmlformats.org/officeDocument/2006/math">
                       <m:oMathParaPr>
@@ -20979,13 +22138,7 @@
                           <a:rPr lang="it-IT" sz="1400" b="0" i="1" smtClean="0">
                             <a:latin typeface="Cambria Math" panose="02040503050406030204" pitchFamily="18" charset="0"/>
                           </a:rPr>
-                          <m:t>=</m:t>
-                        </m:r>
-                        <m:r>
-                          <a:rPr lang="it-IT" sz="1400" b="0" i="1" smtClean="0">
-                            <a:latin typeface="Cambria Math" panose="02040503050406030204" pitchFamily="18" charset="0"/>
-                          </a:rPr>
-                          <m:t>0</m:t>
+                          <m:t>=0</m:t>
                         </m:r>
                       </m:oMath>
                     </m:oMathPara>
@@ -20995,7 +22148,7 @@
               </p:txBody>
             </p:sp>
           </mc:Choice>
-          <mc:Fallback>
+          <mc:Fallback xmlns="">
             <p:sp>
               <p:nvSpPr>
                 <p:cNvPr id="9" name="CasellaDiTesto 8"/>
@@ -21058,7 +22211,7 @@
           <a:lstStyle/>
           <a:p>
             <a:r>
-              <a:rPr lang="it-IT" dirty="0" smtClean="0"/>
+              <a:rPr lang="it-IT" dirty="0"/>
               <a:t>Input:</a:t>
             </a:r>
           </a:p>
@@ -21068,27 +22221,27 @@
               <a:buChar char="•"/>
             </a:pPr>
             <a:r>
-              <a:rPr lang="it-IT" i="1" dirty="0" smtClean="0"/>
+              <a:rPr lang="it-IT" i="1" dirty="0"/>
               <a:t>w</a:t>
             </a:r>
             <a:r>
-              <a:rPr lang="it-IT" dirty="0" smtClean="0"/>
+              <a:rPr lang="it-IT" dirty="0"/>
               <a:t> (</a:t>
             </a:r>
             <a:r>
-              <a:rPr lang="it-IT" dirty="0" err="1" smtClean="0"/>
+              <a:rPr lang="it-IT" dirty="0" err="1"/>
               <a:t>present</a:t>
             </a:r>
             <a:r>
-              <a:rPr lang="it-IT" dirty="0" smtClean="0"/>
+              <a:rPr lang="it-IT" dirty="0"/>
               <a:t>, </a:t>
             </a:r>
             <a:r>
-              <a:rPr lang="it-IT" dirty="0" err="1" smtClean="0"/>
+              <a:rPr lang="it-IT" dirty="0" err="1"/>
               <a:t>absent</a:t>
             </a:r>
             <a:r>
-              <a:rPr lang="it-IT" dirty="0" smtClean="0"/>
+              <a:rPr lang="it-IT" dirty="0"/>
               <a:t>);</a:t>
             </a:r>
           </a:p>
@@ -21098,30 +22251,29 @@
               <a:buChar char="•"/>
             </a:pPr>
             <a:r>
-              <a:rPr lang="it-IT" i="1" dirty="0" smtClean="0"/>
+              <a:rPr lang="it-IT" i="1" dirty="0"/>
               <a:t>a </a:t>
             </a:r>
             <a:r>
-              <a:rPr lang="it-IT" dirty="0" smtClean="0"/>
+              <a:rPr lang="it-IT" dirty="0"/>
               <a:t>(</a:t>
             </a:r>
             <a:r>
-              <a:rPr lang="it-IT" dirty="0" err="1" smtClean="0"/>
+              <a:rPr lang="it-IT" dirty="0" err="1"/>
               <a:t>present</a:t>
             </a:r>
             <a:r>
-              <a:rPr lang="it-IT" dirty="0" smtClean="0"/>
+              <a:rPr lang="it-IT" dirty="0"/>
               <a:t>, </a:t>
             </a:r>
             <a:r>
-              <a:rPr lang="it-IT" dirty="0" err="1" smtClean="0"/>
+              <a:rPr lang="it-IT" dirty="0" err="1"/>
               <a:t>absent</a:t>
             </a:r>
             <a:r>
-              <a:rPr lang="it-IT" dirty="0" smtClean="0"/>
+              <a:rPr lang="it-IT" dirty="0"/>
               <a:t>);</a:t>
             </a:r>
-            <a:endParaRPr lang="it-IT" dirty="0" smtClean="0"/>
           </a:p>
           <a:p>
             <a:pPr marL="285750" indent="-285750">
@@ -21129,34 +22281,29 @@
               <a:buChar char="•"/>
             </a:pPr>
             <a:r>
-              <a:rPr lang="it-IT" i="1" dirty="0" smtClean="0"/>
+              <a:rPr lang="it-IT" i="1" dirty="0"/>
               <a:t>s</a:t>
             </a:r>
             <a:r>
-              <a:rPr lang="it-IT" dirty="0" smtClean="0"/>
-              <a:t> </a:t>
-            </a:r>
-            <a:r>
-              <a:rPr lang="it-IT" dirty="0" smtClean="0"/>
-              <a:t>(</a:t>
-            </a:r>
-            <a:r>
-              <a:rPr lang="it-IT" dirty="0" err="1" smtClean="0"/>
+              <a:rPr lang="it-IT" dirty="0"/>
+              <a:t> (</a:t>
+            </a:r>
+            <a:r>
+              <a:rPr lang="it-IT" dirty="0" err="1"/>
               <a:t>present</a:t>
             </a:r>
             <a:r>
-              <a:rPr lang="it-IT" dirty="0" smtClean="0"/>
+              <a:rPr lang="it-IT" dirty="0"/>
               <a:t>, </a:t>
             </a:r>
             <a:r>
-              <a:rPr lang="it-IT" dirty="0" err="1" smtClean="0"/>
+              <a:rPr lang="it-IT" dirty="0" err="1"/>
               <a:t>absent</a:t>
             </a:r>
             <a:r>
-              <a:rPr lang="it-IT" dirty="0" smtClean="0"/>
+              <a:rPr lang="it-IT" dirty="0"/>
               <a:t>);</a:t>
             </a:r>
-            <a:endParaRPr lang="it-IT" dirty="0" smtClean="0"/>
           </a:p>
           <a:p>
             <a:pPr marL="285750" indent="-285750">
@@ -21164,31 +22311,27 @@
               <a:buChar char="•"/>
             </a:pPr>
             <a:r>
-              <a:rPr lang="it-IT" i="1" dirty="0" smtClean="0"/>
+              <a:rPr lang="it-IT" i="1" dirty="0"/>
               <a:t>d</a:t>
             </a:r>
             <a:r>
-              <a:rPr lang="it-IT" dirty="0" smtClean="0"/>
-              <a:t> </a:t>
-            </a:r>
-            <a:r>
-              <a:rPr lang="it-IT" dirty="0" smtClean="0"/>
-              <a:t>(</a:t>
-            </a:r>
-            <a:r>
-              <a:rPr lang="it-IT" dirty="0" err="1" smtClean="0"/>
+              <a:rPr lang="it-IT" dirty="0"/>
+              <a:t> (</a:t>
+            </a:r>
+            <a:r>
+              <a:rPr lang="it-IT" dirty="0" err="1"/>
               <a:t>present</a:t>
             </a:r>
             <a:r>
-              <a:rPr lang="it-IT" dirty="0" smtClean="0"/>
+              <a:rPr lang="it-IT" dirty="0"/>
               <a:t>, </a:t>
             </a:r>
             <a:r>
-              <a:rPr lang="it-IT" dirty="0" err="1" smtClean="0"/>
+              <a:rPr lang="it-IT" dirty="0" err="1"/>
               <a:t>absent</a:t>
             </a:r>
             <a:r>
-              <a:rPr lang="it-IT" dirty="0" smtClean="0"/>
+              <a:rPr lang="it-IT" dirty="0"/>
               <a:t>);</a:t>
             </a:r>
           </a:p>
@@ -21198,10 +22341,9 @@
               <a:buChar char="•"/>
             </a:pPr>
             <a:r>
-              <a:rPr lang="it-IT" i="1" dirty="0" smtClean="0"/>
+              <a:rPr lang="it-IT" i="1" dirty="0"/>
               <a:t>position</a:t>
             </a:r>
-            <a:endParaRPr lang="it-IT" i="1" dirty="0" smtClean="0"/>
           </a:p>
         </p:txBody>
       </p:sp>
@@ -21228,7 +22370,7 @@
           <a:lstStyle/>
           <a:p>
             <a:r>
-              <a:rPr lang="it-IT" dirty="0" smtClean="0"/>
+              <a:rPr lang="it-IT" dirty="0"/>
               <a:t>Output:</a:t>
             </a:r>
           </a:p>
@@ -21238,10 +22380,9 @@
               <a:buChar char="•"/>
             </a:pPr>
             <a:r>
-              <a:rPr lang="it-IT" i="1" dirty="0" smtClean="0"/>
+              <a:rPr lang="it-IT" i="1" dirty="0"/>
               <a:t>Stop</a:t>
             </a:r>
-            <a:endParaRPr lang="it-IT" i="1" dirty="0" smtClean="0"/>
           </a:p>
         </p:txBody>
       </p:sp>
@@ -21268,7 +22409,7 @@
           <a:lstStyle/>
           <a:p>
             <a:r>
-              <a:rPr lang="it-IT" dirty="0" smtClean="0"/>
+              <a:rPr lang="it-IT" dirty="0"/>
               <a:t>Parametri:</a:t>
             </a:r>
           </a:p>
@@ -21278,19 +22419,19 @@
               <a:buChar char="•"/>
             </a:pPr>
             <a:r>
-              <a:rPr lang="it-IT" i="1" dirty="0" smtClean="0"/>
+              <a:rPr lang="it-IT" i="1" dirty="0"/>
               <a:t>x</a:t>
             </a:r>
             <a:r>
-              <a:rPr lang="it-IT" i="1" baseline="-25000" dirty="0" smtClean="0"/>
+              <a:rPr lang="it-IT" i="1" baseline="-25000" dirty="0"/>
               <a:t>s</a:t>
             </a:r>
             <a:r>
-              <a:rPr lang="it-IT" i="1" dirty="0" smtClean="0"/>
+              <a:rPr lang="it-IT" i="1" dirty="0"/>
               <a:t> </a:t>
             </a:r>
             <a:r>
-              <a:rPr lang="it-IT" dirty="0" smtClean="0"/>
+              <a:rPr lang="it-IT" dirty="0"/>
               <a:t>(Posizione navicella)</a:t>
             </a:r>
           </a:p>
@@ -21300,19 +22441,19 @@
               <a:buChar char="•"/>
             </a:pPr>
             <a:r>
-              <a:rPr lang="it-IT" i="1" dirty="0" smtClean="0"/>
+              <a:rPr lang="it-IT" i="1" dirty="0"/>
               <a:t>y</a:t>
             </a:r>
             <a:r>
-              <a:rPr lang="it-IT" i="1" baseline="-25000" dirty="0" smtClean="0"/>
+              <a:rPr lang="it-IT" i="1" baseline="-25000" dirty="0"/>
               <a:t>s</a:t>
             </a:r>
             <a:r>
-              <a:rPr lang="it-IT" i="1" dirty="0" smtClean="0"/>
+              <a:rPr lang="it-IT" i="1" dirty="0"/>
               <a:t> </a:t>
             </a:r>
             <a:r>
-              <a:rPr lang="it-IT" dirty="0" smtClean="0"/>
+              <a:rPr lang="it-IT" dirty="0"/>
               <a:t>(Posizione navicella)</a:t>
             </a:r>
           </a:p>
@@ -21322,11 +22463,11 @@
               <a:buChar char="•"/>
             </a:pPr>
             <a:r>
-              <a:rPr lang="it-IT" i="1" dirty="0" smtClean="0"/>
+              <a:rPr lang="it-IT" i="1" dirty="0"/>
               <a:t>v </a:t>
             </a:r>
             <a:r>
-              <a:rPr lang="it-IT" dirty="0" smtClean="0"/>
+              <a:rPr lang="it-IT" dirty="0"/>
               <a:t>(velocità costante)</a:t>
             </a:r>
           </a:p>
@@ -21335,7 +22476,7 @@
               <a:buFont typeface="Arial" panose="020B0604020202020204" pitchFamily="34" charset="0"/>
               <a:buChar char="•"/>
             </a:pPr>
-            <a:endParaRPr lang="it-IT" i="1" dirty="0" smtClean="0"/>
+            <a:endParaRPr lang="it-IT" i="1" dirty="0"/>
           </a:p>
         </p:txBody>
       </p:sp>
@@ -21363,19 +22504,19 @@
           <a:p>
             <a:pPr algn="ctr"/>
             <a:r>
-              <a:rPr lang="it-IT" dirty="0" smtClean="0"/>
+              <a:rPr lang="it-IT" dirty="0"/>
               <a:t>FSM </a:t>
             </a:r>
             <a:r>
-              <a:rPr lang="it-IT" dirty="0" err="1" smtClean="0"/>
+              <a:rPr lang="it-IT" dirty="0" err="1"/>
               <a:t>Spaceship</a:t>
             </a:r>
             <a:r>
-              <a:rPr lang="it-IT" dirty="0" smtClean="0"/>
+              <a:rPr lang="it-IT" dirty="0"/>
               <a:t>, State </a:t>
             </a:r>
             <a:r>
-              <a:rPr lang="it-IT" dirty="0" err="1" smtClean="0"/>
+              <a:rPr lang="it-IT" dirty="0" err="1"/>
               <a:t>refinement</a:t>
             </a:r>
             <a:endParaRPr lang="it-IT" dirty="0"/>
@@ -21392,21 +22533,6 @@
   <p:clrMapOvr>
     <a:masterClrMapping/>
   </p:clrMapOvr>
-  <mc:AlternateContent xmlns:mc="http://schemas.openxmlformats.org/markup-compatibility/2006">
-    <mc:Choice xmlns:p14="http://schemas.microsoft.com/office/powerpoint/2010/main" Requires="p14">
-      <p:transition spd="slow" p14:dur="2000"/>
-    </mc:Choice>
-    <mc:Fallback>
-      <p:transition spd="slow"/>
-    </mc:Fallback>
-  </mc:AlternateContent>
-  <p:timing>
-    <p:tnLst>
-      <p:par>
-        <p:cTn id="1" dur="indefinite" restart="never" nodeType="tmRoot"/>
-      </p:par>
-    </p:tnLst>
-  </p:timing>
 </p:sld>
 </file>
 
@@ -21484,18 +22610,13 @@
             <a:p>
               <a:pPr algn="ctr"/>
               <a:r>
-                <a:rPr lang="it-IT" sz="2000" dirty="0" smtClean="0">
+                <a:rPr lang="it-IT" sz="2000" dirty="0">
                   <a:solidFill>
                     <a:schemeClr val="tx1"/>
                   </a:solidFill>
                 </a:rPr>
                 <a:t>Up</a:t>
               </a:r>
-              <a:endParaRPr lang="it-IT" sz="2000" dirty="0">
-                <a:solidFill>
-                  <a:schemeClr val="tx1"/>
-                </a:solidFill>
-              </a:endParaRPr>
             </a:p>
           </p:txBody>
         </p:sp>
@@ -21575,8 +22696,8 @@
             </a:fontRef>
           </p:style>
         </p:cxnSp>
-        <mc:AlternateContent xmlns:mc="http://schemas.openxmlformats.org/markup-compatibility/2006">
-          <mc:Choice xmlns:a14="http://schemas.microsoft.com/office/drawing/2010/main" Requires="a14">
+        <mc:AlternateContent xmlns:mc="http://schemas.openxmlformats.org/markup-compatibility/2006" xmlns:a14="http://schemas.microsoft.com/office/drawing/2010/main">
+          <mc:Choice Requires="a14">
             <p:sp>
               <p:nvSpPr>
                 <p:cNvPr id="9" name="CasellaDiTesto 8"/>
@@ -21599,6 +22720,7 @@
                 </a:bodyPr>
                 <a:lstStyle/>
                 <a:p>
+                  <a:pPr/>
                   <a14:m>
                     <m:oMathPara xmlns:m="http://schemas.openxmlformats.org/officeDocument/2006/math">
                       <m:oMathParaPr>
@@ -21638,9 +22760,10 @@
                       </m:oMath>
                     </m:oMathPara>
                   </a14:m>
-                  <a:endParaRPr lang="it-IT" sz="1400" b="0" dirty="0" smtClean="0"/>
+                  <a:endParaRPr lang="it-IT" sz="1400" b="0" dirty="0"/>
                 </a:p>
                 <a:p>
+                  <a:pPr/>
                   <a14:m>
                     <m:oMathPara xmlns:m="http://schemas.openxmlformats.org/officeDocument/2006/math">
                       <m:oMathParaPr>
@@ -21691,7 +22814,7 @@
               </p:txBody>
             </p:sp>
           </mc:Choice>
-          <mc:Fallback>
+          <mc:Fallback xmlns="">
             <p:sp>
               <p:nvSpPr>
                 <p:cNvPr id="9" name="CasellaDiTesto 8"/>
@@ -21754,7 +22877,7 @@
           <a:lstStyle/>
           <a:p>
             <a:r>
-              <a:rPr lang="it-IT" dirty="0" smtClean="0"/>
+              <a:rPr lang="it-IT" dirty="0"/>
               <a:t>Input:</a:t>
             </a:r>
           </a:p>
@@ -21764,27 +22887,27 @@
               <a:buChar char="•"/>
             </a:pPr>
             <a:r>
-              <a:rPr lang="it-IT" i="1" dirty="0" smtClean="0"/>
+              <a:rPr lang="it-IT" i="1" dirty="0"/>
               <a:t>w</a:t>
             </a:r>
             <a:r>
-              <a:rPr lang="it-IT" dirty="0" smtClean="0"/>
+              <a:rPr lang="it-IT" dirty="0"/>
               <a:t> (</a:t>
             </a:r>
             <a:r>
-              <a:rPr lang="it-IT" dirty="0" err="1" smtClean="0"/>
+              <a:rPr lang="it-IT" dirty="0" err="1"/>
               <a:t>present</a:t>
             </a:r>
             <a:r>
-              <a:rPr lang="it-IT" dirty="0" smtClean="0"/>
+              <a:rPr lang="it-IT" dirty="0"/>
               <a:t>, </a:t>
             </a:r>
             <a:r>
-              <a:rPr lang="it-IT" dirty="0" err="1" smtClean="0"/>
+              <a:rPr lang="it-IT" dirty="0" err="1"/>
               <a:t>absent</a:t>
             </a:r>
             <a:r>
-              <a:rPr lang="it-IT" dirty="0" smtClean="0"/>
+              <a:rPr lang="it-IT" dirty="0"/>
               <a:t>);</a:t>
             </a:r>
           </a:p>
@@ -21794,30 +22917,29 @@
               <a:buChar char="•"/>
             </a:pPr>
             <a:r>
-              <a:rPr lang="it-IT" i="1" dirty="0" smtClean="0"/>
+              <a:rPr lang="it-IT" i="1" dirty="0"/>
               <a:t>a </a:t>
             </a:r>
             <a:r>
-              <a:rPr lang="it-IT" dirty="0" smtClean="0"/>
+              <a:rPr lang="it-IT" dirty="0"/>
               <a:t>(</a:t>
             </a:r>
             <a:r>
-              <a:rPr lang="it-IT" dirty="0" err="1" smtClean="0"/>
+              <a:rPr lang="it-IT" dirty="0" err="1"/>
               <a:t>present</a:t>
             </a:r>
             <a:r>
-              <a:rPr lang="it-IT" dirty="0" smtClean="0"/>
+              <a:rPr lang="it-IT" dirty="0"/>
               <a:t>, </a:t>
             </a:r>
             <a:r>
-              <a:rPr lang="it-IT" dirty="0" err="1" smtClean="0"/>
+              <a:rPr lang="it-IT" dirty="0" err="1"/>
               <a:t>absent</a:t>
             </a:r>
             <a:r>
-              <a:rPr lang="it-IT" dirty="0" smtClean="0"/>
+              <a:rPr lang="it-IT" dirty="0"/>
               <a:t>);</a:t>
             </a:r>
-            <a:endParaRPr lang="it-IT" dirty="0" smtClean="0"/>
           </a:p>
           <a:p>
             <a:pPr marL="285750" indent="-285750">
@@ -21825,34 +22947,29 @@
               <a:buChar char="•"/>
             </a:pPr>
             <a:r>
-              <a:rPr lang="it-IT" i="1" dirty="0" smtClean="0"/>
+              <a:rPr lang="it-IT" i="1" dirty="0"/>
               <a:t>s</a:t>
             </a:r>
             <a:r>
-              <a:rPr lang="it-IT" dirty="0" smtClean="0"/>
-              <a:t> </a:t>
-            </a:r>
-            <a:r>
-              <a:rPr lang="it-IT" dirty="0" smtClean="0"/>
-              <a:t>(</a:t>
-            </a:r>
-            <a:r>
-              <a:rPr lang="it-IT" dirty="0" err="1" smtClean="0"/>
+              <a:rPr lang="it-IT" dirty="0"/>
+              <a:t> (</a:t>
+            </a:r>
+            <a:r>
+              <a:rPr lang="it-IT" dirty="0" err="1"/>
               <a:t>present</a:t>
             </a:r>
             <a:r>
-              <a:rPr lang="it-IT" dirty="0" smtClean="0"/>
+              <a:rPr lang="it-IT" dirty="0"/>
               <a:t>, </a:t>
             </a:r>
             <a:r>
-              <a:rPr lang="it-IT" dirty="0" err="1" smtClean="0"/>
+              <a:rPr lang="it-IT" dirty="0" err="1"/>
               <a:t>absent</a:t>
             </a:r>
             <a:r>
-              <a:rPr lang="it-IT" dirty="0" smtClean="0"/>
+              <a:rPr lang="it-IT" dirty="0"/>
               <a:t>);</a:t>
             </a:r>
-            <a:endParaRPr lang="it-IT" dirty="0" smtClean="0"/>
           </a:p>
           <a:p>
             <a:pPr marL="285750" indent="-285750">
@@ -21860,31 +22977,27 @@
               <a:buChar char="•"/>
             </a:pPr>
             <a:r>
-              <a:rPr lang="it-IT" i="1" dirty="0" smtClean="0"/>
+              <a:rPr lang="it-IT" i="1" dirty="0"/>
               <a:t>d</a:t>
             </a:r>
             <a:r>
-              <a:rPr lang="it-IT" dirty="0" smtClean="0"/>
-              <a:t> </a:t>
-            </a:r>
-            <a:r>
-              <a:rPr lang="it-IT" dirty="0" smtClean="0"/>
-              <a:t>(</a:t>
-            </a:r>
-            <a:r>
-              <a:rPr lang="it-IT" dirty="0" err="1" smtClean="0"/>
+              <a:rPr lang="it-IT" dirty="0"/>
+              <a:t> (</a:t>
+            </a:r>
+            <a:r>
+              <a:rPr lang="it-IT" dirty="0" err="1"/>
               <a:t>present</a:t>
             </a:r>
             <a:r>
-              <a:rPr lang="it-IT" dirty="0" smtClean="0"/>
+              <a:rPr lang="it-IT" dirty="0"/>
               <a:t>, </a:t>
             </a:r>
             <a:r>
-              <a:rPr lang="it-IT" dirty="0" err="1" smtClean="0"/>
+              <a:rPr lang="it-IT" dirty="0" err="1"/>
               <a:t>absent</a:t>
             </a:r>
             <a:r>
-              <a:rPr lang="it-IT" dirty="0" smtClean="0"/>
+              <a:rPr lang="it-IT" dirty="0"/>
               <a:t>);</a:t>
             </a:r>
           </a:p>
@@ -21894,10 +23007,9 @@
               <a:buChar char="•"/>
             </a:pPr>
             <a:r>
-              <a:rPr lang="it-IT" i="1" dirty="0" smtClean="0"/>
+              <a:rPr lang="it-IT" i="1" dirty="0"/>
               <a:t>position</a:t>
             </a:r>
-            <a:endParaRPr lang="it-IT" i="1" dirty="0" smtClean="0"/>
           </a:p>
         </p:txBody>
       </p:sp>
@@ -21924,7 +23036,7 @@
           <a:lstStyle/>
           <a:p>
             <a:r>
-              <a:rPr lang="it-IT" dirty="0" smtClean="0"/>
+              <a:rPr lang="it-IT" dirty="0"/>
               <a:t>Output:</a:t>
             </a:r>
           </a:p>
@@ -21934,7 +23046,7 @@
               <a:buChar char="•"/>
             </a:pPr>
             <a:r>
-              <a:rPr lang="it-IT" i="1" dirty="0" smtClean="0"/>
+              <a:rPr lang="it-IT" i="1" dirty="0"/>
               <a:t>Stop</a:t>
             </a:r>
           </a:p>
@@ -21963,7 +23075,7 @@
           <a:lstStyle/>
           <a:p>
             <a:r>
-              <a:rPr lang="it-IT" dirty="0" smtClean="0"/>
+              <a:rPr lang="it-IT" dirty="0"/>
               <a:t>Parametri:</a:t>
             </a:r>
           </a:p>
@@ -21973,19 +23085,19 @@
               <a:buChar char="•"/>
             </a:pPr>
             <a:r>
-              <a:rPr lang="it-IT" i="1" dirty="0" smtClean="0"/>
+              <a:rPr lang="it-IT" i="1" dirty="0"/>
               <a:t>x</a:t>
             </a:r>
             <a:r>
-              <a:rPr lang="it-IT" i="1" baseline="-25000" dirty="0" smtClean="0"/>
+              <a:rPr lang="it-IT" i="1" baseline="-25000" dirty="0"/>
               <a:t>s</a:t>
             </a:r>
             <a:r>
-              <a:rPr lang="it-IT" i="1" dirty="0" smtClean="0"/>
+              <a:rPr lang="it-IT" i="1" dirty="0"/>
               <a:t> </a:t>
             </a:r>
             <a:r>
-              <a:rPr lang="it-IT" dirty="0" smtClean="0"/>
+              <a:rPr lang="it-IT" dirty="0"/>
               <a:t>(Posizione navicella)</a:t>
             </a:r>
           </a:p>
@@ -21995,19 +23107,19 @@
               <a:buChar char="•"/>
             </a:pPr>
             <a:r>
-              <a:rPr lang="it-IT" i="1" dirty="0" smtClean="0"/>
+              <a:rPr lang="it-IT" i="1" dirty="0"/>
               <a:t>y</a:t>
             </a:r>
             <a:r>
-              <a:rPr lang="it-IT" i="1" baseline="-25000" dirty="0" smtClean="0"/>
+              <a:rPr lang="it-IT" i="1" baseline="-25000" dirty="0"/>
               <a:t>s</a:t>
             </a:r>
             <a:r>
-              <a:rPr lang="it-IT" i="1" dirty="0" smtClean="0"/>
+              <a:rPr lang="it-IT" i="1" dirty="0"/>
               <a:t> </a:t>
             </a:r>
             <a:r>
-              <a:rPr lang="it-IT" dirty="0" smtClean="0"/>
+              <a:rPr lang="it-IT" dirty="0"/>
               <a:t>(Posizione navicella)</a:t>
             </a:r>
           </a:p>
@@ -22017,11 +23129,11 @@
               <a:buChar char="•"/>
             </a:pPr>
             <a:r>
-              <a:rPr lang="it-IT" i="1" dirty="0" smtClean="0"/>
+              <a:rPr lang="it-IT" i="1" dirty="0"/>
               <a:t>v </a:t>
             </a:r>
             <a:r>
-              <a:rPr lang="it-IT" dirty="0" smtClean="0"/>
+              <a:rPr lang="it-IT" dirty="0"/>
               <a:t>(velocità costante)</a:t>
             </a:r>
           </a:p>
@@ -22030,7 +23142,7 @@
               <a:buFont typeface="Arial" panose="020B0604020202020204" pitchFamily="34" charset="0"/>
               <a:buChar char="•"/>
             </a:pPr>
-            <a:endParaRPr lang="it-IT" i="1" dirty="0" smtClean="0"/>
+            <a:endParaRPr lang="it-IT" i="1" dirty="0"/>
           </a:p>
         </p:txBody>
       </p:sp>
@@ -22058,19 +23170,19 @@
           <a:p>
             <a:pPr algn="ctr"/>
             <a:r>
-              <a:rPr lang="it-IT" dirty="0" smtClean="0"/>
+              <a:rPr lang="it-IT" dirty="0"/>
               <a:t>FSM </a:t>
             </a:r>
             <a:r>
-              <a:rPr lang="it-IT" dirty="0" err="1" smtClean="0"/>
+              <a:rPr lang="it-IT" dirty="0" err="1"/>
               <a:t>Spaceship</a:t>
             </a:r>
             <a:r>
-              <a:rPr lang="it-IT" dirty="0" smtClean="0"/>
+              <a:rPr lang="it-IT" dirty="0"/>
               <a:t>, State </a:t>
             </a:r>
             <a:r>
-              <a:rPr lang="it-IT" dirty="0" err="1" smtClean="0"/>
+              <a:rPr lang="it-IT" dirty="0" err="1"/>
               <a:t>refinement</a:t>
             </a:r>
             <a:endParaRPr lang="it-IT" dirty="0"/>
@@ -22087,21 +23199,6 @@
   <p:clrMapOvr>
     <a:masterClrMapping/>
   </p:clrMapOvr>
-  <mc:AlternateContent xmlns:mc="http://schemas.openxmlformats.org/markup-compatibility/2006">
-    <mc:Choice xmlns:p14="http://schemas.microsoft.com/office/powerpoint/2010/main" Requires="p14">
-      <p:transition spd="slow" p14:dur="2000"/>
-    </mc:Choice>
-    <mc:Fallback>
-      <p:transition spd="slow"/>
-    </mc:Fallback>
-  </mc:AlternateContent>
-  <p:timing>
-    <p:tnLst>
-      <p:par>
-        <p:cTn id="1" dur="indefinite" restart="never" nodeType="tmRoot"/>
-      </p:par>
-    </p:tnLst>
-  </p:timing>
 </p:sld>
 </file>
 
@@ -22179,18 +23276,13 @@
             <a:p>
               <a:pPr algn="ctr"/>
               <a:r>
-                <a:rPr lang="it-IT" sz="2000" dirty="0" smtClean="0">
+                <a:rPr lang="it-IT" sz="2000" dirty="0">
                   <a:solidFill>
                     <a:schemeClr val="tx1"/>
                   </a:solidFill>
                 </a:rPr>
                 <a:t>Down</a:t>
               </a:r>
-              <a:endParaRPr lang="it-IT" sz="2000" dirty="0">
-                <a:solidFill>
-                  <a:schemeClr val="tx1"/>
-                </a:solidFill>
-              </a:endParaRPr>
             </a:p>
           </p:txBody>
         </p:sp>
@@ -22270,8 +23362,8 @@
             </a:fontRef>
           </p:style>
         </p:cxnSp>
-        <mc:AlternateContent xmlns:mc="http://schemas.openxmlformats.org/markup-compatibility/2006">
-          <mc:Choice xmlns:a14="http://schemas.microsoft.com/office/drawing/2010/main" Requires="a14">
+        <mc:AlternateContent xmlns:mc="http://schemas.openxmlformats.org/markup-compatibility/2006" xmlns:a14="http://schemas.microsoft.com/office/drawing/2010/main">
+          <mc:Choice Requires="a14">
             <p:sp>
               <p:nvSpPr>
                 <p:cNvPr id="9" name="CasellaDiTesto 8"/>
@@ -22294,6 +23386,7 @@
                 </a:bodyPr>
                 <a:lstStyle/>
                 <a:p>
+                  <a:pPr/>
                   <a14:m>
                     <m:oMathPara xmlns:m="http://schemas.openxmlformats.org/officeDocument/2006/math">
                       <m:oMathParaPr>
@@ -22333,9 +23426,10 @@
                       </m:oMath>
                     </m:oMathPara>
                   </a14:m>
-                  <a:endParaRPr lang="it-IT" sz="1400" b="0" dirty="0" smtClean="0"/>
+                  <a:endParaRPr lang="it-IT" sz="1400" b="0" dirty="0"/>
                 </a:p>
                 <a:p>
+                  <a:pPr/>
                   <a14:m>
                     <m:oMathPara xmlns:m="http://schemas.openxmlformats.org/officeDocument/2006/math">
                       <m:oMathParaPr>
@@ -22370,13 +23464,7 @@
                           <a:rPr lang="it-IT" sz="1400" b="0" i="1" smtClean="0">
                             <a:latin typeface="Cambria Math" panose="02040503050406030204" pitchFamily="18" charset="0"/>
                           </a:rPr>
-                          <m:t>=</m:t>
-                        </m:r>
-                        <m:r>
-                          <a:rPr lang="it-IT" sz="1400" b="0" i="1" smtClean="0">
-                            <a:latin typeface="Cambria Math" panose="02040503050406030204" pitchFamily="18" charset="0"/>
-                          </a:rPr>
-                          <m:t>−</m:t>
+                          <m:t>=−</m:t>
                         </m:r>
                         <m:r>
                           <a:rPr lang="it-IT" sz="1400" b="0" i="1" smtClean="0">
@@ -22392,7 +23480,7 @@
               </p:txBody>
             </p:sp>
           </mc:Choice>
-          <mc:Fallback>
+          <mc:Fallback xmlns="">
             <p:sp>
               <p:nvSpPr>
                 <p:cNvPr id="9" name="CasellaDiTesto 8"/>
@@ -22455,7 +23543,7 @@
           <a:lstStyle/>
           <a:p>
             <a:r>
-              <a:rPr lang="it-IT" dirty="0" smtClean="0"/>
+              <a:rPr lang="it-IT" dirty="0"/>
               <a:t>Input:</a:t>
             </a:r>
           </a:p>
@@ -22465,27 +23553,27 @@
               <a:buChar char="•"/>
             </a:pPr>
             <a:r>
-              <a:rPr lang="it-IT" i="1" dirty="0" smtClean="0"/>
+              <a:rPr lang="it-IT" i="1" dirty="0"/>
               <a:t>w</a:t>
             </a:r>
             <a:r>
-              <a:rPr lang="it-IT" dirty="0" smtClean="0"/>
+              <a:rPr lang="it-IT" dirty="0"/>
               <a:t> (</a:t>
             </a:r>
             <a:r>
-              <a:rPr lang="it-IT" dirty="0" err="1" smtClean="0"/>
+              <a:rPr lang="it-IT" dirty="0" err="1"/>
               <a:t>present</a:t>
             </a:r>
             <a:r>
-              <a:rPr lang="it-IT" dirty="0" smtClean="0"/>
+              <a:rPr lang="it-IT" dirty="0"/>
               <a:t>, </a:t>
             </a:r>
             <a:r>
-              <a:rPr lang="it-IT" dirty="0" err="1" smtClean="0"/>
+              <a:rPr lang="it-IT" dirty="0" err="1"/>
               <a:t>absent</a:t>
             </a:r>
             <a:r>
-              <a:rPr lang="it-IT" dirty="0" smtClean="0"/>
+              <a:rPr lang="it-IT" dirty="0"/>
               <a:t>);</a:t>
             </a:r>
           </a:p>
@@ -22495,30 +23583,29 @@
               <a:buChar char="•"/>
             </a:pPr>
             <a:r>
-              <a:rPr lang="it-IT" i="1" dirty="0" smtClean="0"/>
+              <a:rPr lang="it-IT" i="1" dirty="0"/>
               <a:t>a </a:t>
             </a:r>
             <a:r>
-              <a:rPr lang="it-IT" dirty="0" smtClean="0"/>
+              <a:rPr lang="it-IT" dirty="0"/>
               <a:t>(</a:t>
             </a:r>
             <a:r>
-              <a:rPr lang="it-IT" dirty="0" err="1" smtClean="0"/>
+              <a:rPr lang="it-IT" dirty="0" err="1"/>
               <a:t>present</a:t>
             </a:r>
             <a:r>
-              <a:rPr lang="it-IT" dirty="0" smtClean="0"/>
+              <a:rPr lang="it-IT" dirty="0"/>
               <a:t>, </a:t>
             </a:r>
             <a:r>
-              <a:rPr lang="it-IT" dirty="0" err="1" smtClean="0"/>
+              <a:rPr lang="it-IT" dirty="0" err="1"/>
               <a:t>absent</a:t>
             </a:r>
             <a:r>
-              <a:rPr lang="it-IT" dirty="0" smtClean="0"/>
+              <a:rPr lang="it-IT" dirty="0"/>
               <a:t>);</a:t>
             </a:r>
-            <a:endParaRPr lang="it-IT" dirty="0" smtClean="0"/>
           </a:p>
           <a:p>
             <a:pPr marL="285750" indent="-285750">
@@ -22526,34 +23613,29 @@
               <a:buChar char="•"/>
             </a:pPr>
             <a:r>
-              <a:rPr lang="it-IT" i="1" dirty="0" smtClean="0"/>
+              <a:rPr lang="it-IT" i="1" dirty="0"/>
               <a:t>s</a:t>
             </a:r>
             <a:r>
-              <a:rPr lang="it-IT" dirty="0" smtClean="0"/>
-              <a:t> </a:t>
-            </a:r>
-            <a:r>
-              <a:rPr lang="it-IT" dirty="0" smtClean="0"/>
-              <a:t>(</a:t>
-            </a:r>
-            <a:r>
-              <a:rPr lang="it-IT" dirty="0" err="1" smtClean="0"/>
+              <a:rPr lang="it-IT" dirty="0"/>
+              <a:t> (</a:t>
+            </a:r>
+            <a:r>
+              <a:rPr lang="it-IT" dirty="0" err="1"/>
               <a:t>present</a:t>
             </a:r>
             <a:r>
-              <a:rPr lang="it-IT" dirty="0" smtClean="0"/>
+              <a:rPr lang="it-IT" dirty="0"/>
               <a:t>, </a:t>
             </a:r>
             <a:r>
-              <a:rPr lang="it-IT" dirty="0" err="1" smtClean="0"/>
+              <a:rPr lang="it-IT" dirty="0" err="1"/>
               <a:t>absent</a:t>
             </a:r>
             <a:r>
-              <a:rPr lang="it-IT" dirty="0" smtClean="0"/>
+              <a:rPr lang="it-IT" dirty="0"/>
               <a:t>);</a:t>
             </a:r>
-            <a:endParaRPr lang="it-IT" dirty="0" smtClean="0"/>
           </a:p>
           <a:p>
             <a:pPr marL="285750" indent="-285750">
@@ -22561,31 +23643,27 @@
               <a:buChar char="•"/>
             </a:pPr>
             <a:r>
-              <a:rPr lang="it-IT" i="1" dirty="0" smtClean="0"/>
+              <a:rPr lang="it-IT" i="1" dirty="0"/>
               <a:t>d</a:t>
             </a:r>
             <a:r>
-              <a:rPr lang="it-IT" dirty="0" smtClean="0"/>
-              <a:t> </a:t>
-            </a:r>
-            <a:r>
-              <a:rPr lang="it-IT" dirty="0" smtClean="0"/>
-              <a:t>(</a:t>
-            </a:r>
-            <a:r>
-              <a:rPr lang="it-IT" dirty="0" err="1" smtClean="0"/>
+              <a:rPr lang="it-IT" dirty="0"/>
+              <a:t> (</a:t>
+            </a:r>
+            <a:r>
+              <a:rPr lang="it-IT" dirty="0" err="1"/>
               <a:t>present</a:t>
             </a:r>
             <a:r>
-              <a:rPr lang="it-IT" dirty="0" smtClean="0"/>
+              <a:rPr lang="it-IT" dirty="0"/>
               <a:t>, </a:t>
             </a:r>
             <a:r>
-              <a:rPr lang="it-IT" dirty="0" err="1" smtClean="0"/>
+              <a:rPr lang="it-IT" dirty="0" err="1"/>
               <a:t>absent</a:t>
             </a:r>
             <a:r>
-              <a:rPr lang="it-IT" dirty="0" smtClean="0"/>
+              <a:rPr lang="it-IT" dirty="0"/>
               <a:t>);</a:t>
             </a:r>
           </a:p>
@@ -22595,10 +23673,9 @@
               <a:buChar char="•"/>
             </a:pPr>
             <a:r>
-              <a:rPr lang="it-IT" i="1" dirty="0" smtClean="0"/>
+              <a:rPr lang="it-IT" i="1" dirty="0"/>
               <a:t>position</a:t>
             </a:r>
-            <a:endParaRPr lang="it-IT" i="1" dirty="0" smtClean="0"/>
           </a:p>
         </p:txBody>
       </p:sp>
@@ -22625,7 +23702,7 @@
           <a:lstStyle/>
           <a:p>
             <a:r>
-              <a:rPr lang="it-IT" dirty="0" smtClean="0"/>
+              <a:rPr lang="it-IT" dirty="0"/>
               <a:t>Output:</a:t>
             </a:r>
           </a:p>
@@ -22635,7 +23712,7 @@
               <a:buChar char="•"/>
             </a:pPr>
             <a:r>
-              <a:rPr lang="it-IT" i="1" dirty="0" smtClean="0"/>
+              <a:rPr lang="it-IT" i="1" dirty="0"/>
               <a:t>Stop</a:t>
             </a:r>
           </a:p>
@@ -22664,7 +23741,7 @@
           <a:lstStyle/>
           <a:p>
             <a:r>
-              <a:rPr lang="it-IT" dirty="0" smtClean="0"/>
+              <a:rPr lang="it-IT" dirty="0"/>
               <a:t>Parametri:</a:t>
             </a:r>
           </a:p>
@@ -22674,19 +23751,19 @@
               <a:buChar char="•"/>
             </a:pPr>
             <a:r>
-              <a:rPr lang="it-IT" i="1" dirty="0" smtClean="0"/>
+              <a:rPr lang="it-IT" i="1" dirty="0"/>
               <a:t>x</a:t>
             </a:r>
             <a:r>
-              <a:rPr lang="it-IT" i="1" baseline="-25000" dirty="0" smtClean="0"/>
+              <a:rPr lang="it-IT" i="1" baseline="-25000" dirty="0"/>
               <a:t>s</a:t>
             </a:r>
             <a:r>
-              <a:rPr lang="it-IT" i="1" dirty="0" smtClean="0"/>
+              <a:rPr lang="it-IT" i="1" dirty="0"/>
               <a:t> </a:t>
             </a:r>
             <a:r>
-              <a:rPr lang="it-IT" dirty="0" smtClean="0"/>
+              <a:rPr lang="it-IT" dirty="0"/>
               <a:t>(Posizione navicella)</a:t>
             </a:r>
           </a:p>
@@ -22696,19 +23773,19 @@
               <a:buChar char="•"/>
             </a:pPr>
             <a:r>
-              <a:rPr lang="it-IT" i="1" dirty="0" smtClean="0"/>
+              <a:rPr lang="it-IT" i="1" dirty="0"/>
               <a:t>y</a:t>
             </a:r>
             <a:r>
-              <a:rPr lang="it-IT" i="1" baseline="-25000" dirty="0" smtClean="0"/>
+              <a:rPr lang="it-IT" i="1" baseline="-25000" dirty="0"/>
               <a:t>s</a:t>
             </a:r>
             <a:r>
-              <a:rPr lang="it-IT" i="1" dirty="0" smtClean="0"/>
+              <a:rPr lang="it-IT" i="1" dirty="0"/>
               <a:t> </a:t>
             </a:r>
             <a:r>
-              <a:rPr lang="it-IT" dirty="0" smtClean="0"/>
+              <a:rPr lang="it-IT" dirty="0"/>
               <a:t>(Posizione navicella)</a:t>
             </a:r>
           </a:p>
@@ -22718,11 +23795,11 @@
               <a:buChar char="•"/>
             </a:pPr>
             <a:r>
-              <a:rPr lang="it-IT" i="1" dirty="0" smtClean="0"/>
+              <a:rPr lang="it-IT" i="1" dirty="0"/>
               <a:t>v </a:t>
             </a:r>
             <a:r>
-              <a:rPr lang="it-IT" dirty="0" smtClean="0"/>
+              <a:rPr lang="it-IT" dirty="0"/>
               <a:t>(velocità costante)</a:t>
             </a:r>
           </a:p>
@@ -22731,7 +23808,7 @@
               <a:buFont typeface="Arial" panose="020B0604020202020204" pitchFamily="34" charset="0"/>
               <a:buChar char="•"/>
             </a:pPr>
-            <a:endParaRPr lang="it-IT" i="1" dirty="0" smtClean="0"/>
+            <a:endParaRPr lang="it-IT" i="1" dirty="0"/>
           </a:p>
         </p:txBody>
       </p:sp>
@@ -22759,19 +23836,19 @@
           <a:p>
             <a:pPr algn="ctr"/>
             <a:r>
-              <a:rPr lang="it-IT" dirty="0" smtClean="0"/>
+              <a:rPr lang="it-IT" dirty="0"/>
               <a:t>FSM </a:t>
             </a:r>
             <a:r>
-              <a:rPr lang="it-IT" dirty="0" err="1" smtClean="0"/>
+              <a:rPr lang="it-IT" dirty="0" err="1"/>
               <a:t>Spaceship</a:t>
             </a:r>
             <a:r>
-              <a:rPr lang="it-IT" dirty="0" smtClean="0"/>
+              <a:rPr lang="it-IT" dirty="0"/>
               <a:t>, State </a:t>
             </a:r>
             <a:r>
-              <a:rPr lang="it-IT" dirty="0" err="1" smtClean="0"/>
+              <a:rPr lang="it-IT" dirty="0" err="1"/>
               <a:t>refinement</a:t>
             </a:r>
             <a:endParaRPr lang="it-IT" dirty="0"/>
@@ -22788,21 +23865,6 @@
   <p:clrMapOvr>
     <a:masterClrMapping/>
   </p:clrMapOvr>
-  <mc:AlternateContent xmlns:mc="http://schemas.openxmlformats.org/markup-compatibility/2006">
-    <mc:Choice xmlns:p14="http://schemas.microsoft.com/office/powerpoint/2010/main" Requires="p14">
-      <p:transition spd="slow" p14:dur="2000"/>
-    </mc:Choice>
-    <mc:Fallback>
-      <p:transition spd="slow"/>
-    </mc:Fallback>
-  </mc:AlternateContent>
-  <p:timing>
-    <p:tnLst>
-      <p:par>
-        <p:cTn id="1" dur="indefinite" restart="never" nodeType="tmRoot"/>
-      </p:par>
-    </p:tnLst>
-  </p:timing>
 </p:sld>
 </file>
 
@@ -22880,18 +23942,13 @@
             <a:p>
               <a:pPr algn="ctr"/>
               <a:r>
-                <a:rPr lang="it-IT" sz="2000" dirty="0" smtClean="0">
+                <a:rPr lang="it-IT" sz="2000" dirty="0">
                   <a:solidFill>
                     <a:schemeClr val="tx1"/>
                   </a:solidFill>
                 </a:rPr>
                 <a:t>Right</a:t>
               </a:r>
-              <a:endParaRPr lang="it-IT" sz="2000" dirty="0">
-                <a:solidFill>
-                  <a:schemeClr val="tx1"/>
-                </a:solidFill>
-              </a:endParaRPr>
             </a:p>
           </p:txBody>
         </p:sp>
@@ -22971,8 +24028,8 @@
             </a:fontRef>
           </p:style>
         </p:cxnSp>
-        <mc:AlternateContent xmlns:mc="http://schemas.openxmlformats.org/markup-compatibility/2006">
-          <mc:Choice xmlns:a14="http://schemas.microsoft.com/office/drawing/2010/main" Requires="a14">
+        <mc:AlternateContent xmlns:mc="http://schemas.openxmlformats.org/markup-compatibility/2006" xmlns:a14="http://schemas.microsoft.com/office/drawing/2010/main">
+          <mc:Choice Requires="a14">
             <p:sp>
               <p:nvSpPr>
                 <p:cNvPr id="9" name="CasellaDiTesto 8"/>
@@ -22995,6 +24052,7 @@
                 </a:bodyPr>
                 <a:lstStyle/>
                 <a:p>
+                  <a:pPr/>
                   <a14:m>
                     <m:oMathPara xmlns:m="http://schemas.openxmlformats.org/officeDocument/2006/math">
                       <m:oMathParaPr>
@@ -23040,9 +24098,10 @@
                       </m:oMath>
                     </m:oMathPara>
                   </a14:m>
-                  <a:endParaRPr lang="it-IT" sz="1400" b="0" dirty="0" smtClean="0"/>
+                  <a:endParaRPr lang="it-IT" sz="1400" b="0" dirty="0"/>
                 </a:p>
                 <a:p>
+                  <a:pPr/>
                   <a14:m>
                     <m:oMathPara xmlns:m="http://schemas.openxmlformats.org/officeDocument/2006/math">
                       <m:oMathParaPr>
@@ -23077,13 +24136,7 @@
                           <a:rPr lang="it-IT" sz="1400" b="0" i="1" smtClean="0">
                             <a:latin typeface="Cambria Math" panose="02040503050406030204" pitchFamily="18" charset="0"/>
                           </a:rPr>
-                          <m:t>=</m:t>
-                        </m:r>
-                        <m:r>
-                          <a:rPr lang="it-IT" sz="1400" b="0" i="1" smtClean="0">
-                            <a:latin typeface="Cambria Math" panose="02040503050406030204" pitchFamily="18" charset="0"/>
-                          </a:rPr>
-                          <m:t>0</m:t>
+                          <m:t>=0</m:t>
                         </m:r>
                       </m:oMath>
                     </m:oMathPara>
@@ -23093,7 +24146,7 @@
               </p:txBody>
             </p:sp>
           </mc:Choice>
-          <mc:Fallback>
+          <mc:Fallback xmlns="">
             <p:sp>
               <p:nvSpPr>
                 <p:cNvPr id="9" name="CasellaDiTesto 8"/>
@@ -23156,7 +24209,7 @@
           <a:lstStyle/>
           <a:p>
             <a:r>
-              <a:rPr lang="it-IT" dirty="0" smtClean="0"/>
+              <a:rPr lang="it-IT" dirty="0"/>
               <a:t>Input:</a:t>
             </a:r>
           </a:p>
@@ -23166,27 +24219,27 @@
               <a:buChar char="•"/>
             </a:pPr>
             <a:r>
-              <a:rPr lang="it-IT" i="1" dirty="0" smtClean="0"/>
+              <a:rPr lang="it-IT" i="1" dirty="0"/>
               <a:t>w</a:t>
             </a:r>
             <a:r>
-              <a:rPr lang="it-IT" dirty="0" smtClean="0"/>
+              <a:rPr lang="it-IT" dirty="0"/>
               <a:t> (</a:t>
             </a:r>
             <a:r>
-              <a:rPr lang="it-IT" dirty="0" err="1" smtClean="0"/>
+              <a:rPr lang="it-IT" dirty="0" err="1"/>
               <a:t>present</a:t>
             </a:r>
             <a:r>
-              <a:rPr lang="it-IT" dirty="0" smtClean="0"/>
+              <a:rPr lang="it-IT" dirty="0"/>
               <a:t>, </a:t>
             </a:r>
             <a:r>
-              <a:rPr lang="it-IT" dirty="0" err="1" smtClean="0"/>
+              <a:rPr lang="it-IT" dirty="0" err="1"/>
               <a:t>absent</a:t>
             </a:r>
             <a:r>
-              <a:rPr lang="it-IT" dirty="0" smtClean="0"/>
+              <a:rPr lang="it-IT" dirty="0"/>
               <a:t>);</a:t>
             </a:r>
           </a:p>
@@ -23196,30 +24249,29 @@
               <a:buChar char="•"/>
             </a:pPr>
             <a:r>
-              <a:rPr lang="it-IT" i="1" dirty="0" smtClean="0"/>
+              <a:rPr lang="it-IT" i="1" dirty="0"/>
               <a:t>a </a:t>
             </a:r>
             <a:r>
-              <a:rPr lang="it-IT" dirty="0" smtClean="0"/>
+              <a:rPr lang="it-IT" dirty="0"/>
               <a:t>(</a:t>
             </a:r>
             <a:r>
-              <a:rPr lang="it-IT" dirty="0" err="1" smtClean="0"/>
+              <a:rPr lang="it-IT" dirty="0" err="1"/>
               <a:t>present</a:t>
             </a:r>
             <a:r>
-              <a:rPr lang="it-IT" dirty="0" smtClean="0"/>
+              <a:rPr lang="it-IT" dirty="0"/>
               <a:t>, </a:t>
             </a:r>
             <a:r>
-              <a:rPr lang="it-IT" dirty="0" err="1" smtClean="0"/>
+              <a:rPr lang="it-IT" dirty="0" err="1"/>
               <a:t>absent</a:t>
             </a:r>
             <a:r>
-              <a:rPr lang="it-IT" dirty="0" smtClean="0"/>
+              <a:rPr lang="it-IT" dirty="0"/>
               <a:t>);</a:t>
             </a:r>
-            <a:endParaRPr lang="it-IT" dirty="0" smtClean="0"/>
           </a:p>
           <a:p>
             <a:pPr marL="285750" indent="-285750">
@@ -23227,34 +24279,29 @@
               <a:buChar char="•"/>
             </a:pPr>
             <a:r>
-              <a:rPr lang="it-IT" i="1" dirty="0" smtClean="0"/>
+              <a:rPr lang="it-IT" i="1" dirty="0"/>
               <a:t>s</a:t>
             </a:r>
             <a:r>
-              <a:rPr lang="it-IT" dirty="0" smtClean="0"/>
-              <a:t> </a:t>
-            </a:r>
-            <a:r>
-              <a:rPr lang="it-IT" dirty="0" smtClean="0"/>
-              <a:t>(</a:t>
-            </a:r>
-            <a:r>
-              <a:rPr lang="it-IT" dirty="0" err="1" smtClean="0"/>
+              <a:rPr lang="it-IT" dirty="0"/>
+              <a:t> (</a:t>
+            </a:r>
+            <a:r>
+              <a:rPr lang="it-IT" dirty="0" err="1"/>
               <a:t>present</a:t>
             </a:r>
             <a:r>
-              <a:rPr lang="it-IT" dirty="0" smtClean="0"/>
+              <a:rPr lang="it-IT" dirty="0"/>
               <a:t>, </a:t>
             </a:r>
             <a:r>
-              <a:rPr lang="it-IT" dirty="0" err="1" smtClean="0"/>
+              <a:rPr lang="it-IT" dirty="0" err="1"/>
               <a:t>absent</a:t>
             </a:r>
             <a:r>
-              <a:rPr lang="it-IT" dirty="0" smtClean="0"/>
+              <a:rPr lang="it-IT" dirty="0"/>
               <a:t>);</a:t>
             </a:r>
-            <a:endParaRPr lang="it-IT" dirty="0" smtClean="0"/>
           </a:p>
           <a:p>
             <a:pPr marL="285750" indent="-285750">
@@ -23262,31 +24309,27 @@
               <a:buChar char="•"/>
             </a:pPr>
             <a:r>
-              <a:rPr lang="it-IT" i="1" dirty="0" smtClean="0"/>
+              <a:rPr lang="it-IT" i="1" dirty="0"/>
               <a:t>d</a:t>
             </a:r>
             <a:r>
-              <a:rPr lang="it-IT" dirty="0" smtClean="0"/>
-              <a:t> </a:t>
-            </a:r>
-            <a:r>
-              <a:rPr lang="it-IT" dirty="0" smtClean="0"/>
-              <a:t>(</a:t>
-            </a:r>
-            <a:r>
-              <a:rPr lang="it-IT" dirty="0" err="1" smtClean="0"/>
+              <a:rPr lang="it-IT" dirty="0"/>
+              <a:t> (</a:t>
+            </a:r>
+            <a:r>
+              <a:rPr lang="it-IT" dirty="0" err="1"/>
               <a:t>present</a:t>
             </a:r>
             <a:r>
-              <a:rPr lang="it-IT" dirty="0" smtClean="0"/>
+              <a:rPr lang="it-IT" dirty="0"/>
               <a:t>, </a:t>
             </a:r>
             <a:r>
-              <a:rPr lang="it-IT" dirty="0" err="1" smtClean="0"/>
+              <a:rPr lang="it-IT" dirty="0" err="1"/>
               <a:t>absent</a:t>
             </a:r>
             <a:r>
-              <a:rPr lang="it-IT" dirty="0" smtClean="0"/>
+              <a:rPr lang="it-IT" dirty="0"/>
               <a:t>);</a:t>
             </a:r>
           </a:p>
@@ -23296,10 +24339,9 @@
               <a:buChar char="•"/>
             </a:pPr>
             <a:r>
-              <a:rPr lang="it-IT" i="1" dirty="0" smtClean="0"/>
+              <a:rPr lang="it-IT" i="1" dirty="0"/>
               <a:t>position</a:t>
             </a:r>
-            <a:endParaRPr lang="it-IT" i="1" dirty="0" smtClean="0"/>
           </a:p>
         </p:txBody>
       </p:sp>
@@ -23326,7 +24368,7 @@
           <a:lstStyle/>
           <a:p>
             <a:r>
-              <a:rPr lang="it-IT" dirty="0" smtClean="0"/>
+              <a:rPr lang="it-IT" dirty="0"/>
               <a:t>Output:</a:t>
             </a:r>
           </a:p>
@@ -23336,7 +24378,7 @@
               <a:buChar char="•"/>
             </a:pPr>
             <a:r>
-              <a:rPr lang="it-IT" i="1" dirty="0" smtClean="0"/>
+              <a:rPr lang="it-IT" i="1" dirty="0"/>
               <a:t>Stop</a:t>
             </a:r>
           </a:p>
@@ -23365,7 +24407,7 @@
           <a:lstStyle/>
           <a:p>
             <a:r>
-              <a:rPr lang="it-IT" dirty="0" smtClean="0"/>
+              <a:rPr lang="it-IT" dirty="0"/>
               <a:t>Parametri:</a:t>
             </a:r>
           </a:p>
@@ -23375,19 +24417,19 @@
               <a:buChar char="•"/>
             </a:pPr>
             <a:r>
-              <a:rPr lang="it-IT" i="1" dirty="0" smtClean="0"/>
+              <a:rPr lang="it-IT" i="1" dirty="0"/>
               <a:t>x</a:t>
             </a:r>
             <a:r>
-              <a:rPr lang="it-IT" i="1" baseline="-25000" dirty="0" smtClean="0"/>
+              <a:rPr lang="it-IT" i="1" baseline="-25000" dirty="0"/>
               <a:t>s</a:t>
             </a:r>
             <a:r>
-              <a:rPr lang="it-IT" i="1" dirty="0" smtClean="0"/>
+              <a:rPr lang="it-IT" i="1" dirty="0"/>
               <a:t> </a:t>
             </a:r>
             <a:r>
-              <a:rPr lang="it-IT" dirty="0" smtClean="0"/>
+              <a:rPr lang="it-IT" dirty="0"/>
               <a:t>(Posizione navicella)</a:t>
             </a:r>
           </a:p>
@@ -23397,19 +24439,19 @@
               <a:buChar char="•"/>
             </a:pPr>
             <a:r>
-              <a:rPr lang="it-IT" i="1" dirty="0" smtClean="0"/>
+              <a:rPr lang="it-IT" i="1" dirty="0"/>
               <a:t>y</a:t>
             </a:r>
             <a:r>
-              <a:rPr lang="it-IT" i="1" baseline="-25000" dirty="0" smtClean="0"/>
+              <a:rPr lang="it-IT" i="1" baseline="-25000" dirty="0"/>
               <a:t>s</a:t>
             </a:r>
             <a:r>
-              <a:rPr lang="it-IT" i="1" dirty="0" smtClean="0"/>
+              <a:rPr lang="it-IT" i="1" dirty="0"/>
               <a:t> </a:t>
             </a:r>
             <a:r>
-              <a:rPr lang="it-IT" dirty="0" smtClean="0"/>
+              <a:rPr lang="it-IT" dirty="0"/>
               <a:t>(Posizione navicella)</a:t>
             </a:r>
           </a:p>
@@ -23419,11 +24461,11 @@
               <a:buChar char="•"/>
             </a:pPr>
             <a:r>
-              <a:rPr lang="it-IT" i="1" dirty="0" smtClean="0"/>
+              <a:rPr lang="it-IT" i="1" dirty="0"/>
               <a:t>v </a:t>
             </a:r>
             <a:r>
-              <a:rPr lang="it-IT" dirty="0" smtClean="0"/>
+              <a:rPr lang="it-IT" dirty="0"/>
               <a:t>(velocità costante)</a:t>
             </a:r>
           </a:p>
@@ -23432,7 +24474,7 @@
               <a:buFont typeface="Arial" panose="020B0604020202020204" pitchFamily="34" charset="0"/>
               <a:buChar char="•"/>
             </a:pPr>
-            <a:endParaRPr lang="it-IT" i="1" dirty="0" smtClean="0"/>
+            <a:endParaRPr lang="it-IT" i="1" dirty="0"/>
           </a:p>
         </p:txBody>
       </p:sp>
@@ -23460,19 +24502,19 @@
           <a:p>
             <a:pPr algn="ctr"/>
             <a:r>
-              <a:rPr lang="it-IT" dirty="0" smtClean="0"/>
+              <a:rPr lang="it-IT" dirty="0"/>
               <a:t>FSM </a:t>
             </a:r>
             <a:r>
-              <a:rPr lang="it-IT" dirty="0" err="1" smtClean="0"/>
+              <a:rPr lang="it-IT" dirty="0" err="1"/>
               <a:t>Spaceship</a:t>
             </a:r>
             <a:r>
-              <a:rPr lang="it-IT" dirty="0" smtClean="0"/>
+              <a:rPr lang="it-IT" dirty="0"/>
               <a:t>, State </a:t>
             </a:r>
             <a:r>
-              <a:rPr lang="it-IT" dirty="0" err="1" smtClean="0"/>
+              <a:rPr lang="it-IT" dirty="0" err="1"/>
               <a:t>refinement</a:t>
             </a:r>
             <a:endParaRPr lang="it-IT" dirty="0"/>
@@ -23489,21 +24531,6 @@
   <p:clrMapOvr>
     <a:masterClrMapping/>
   </p:clrMapOvr>
-  <mc:AlternateContent xmlns:mc="http://schemas.openxmlformats.org/markup-compatibility/2006">
-    <mc:Choice xmlns:p14="http://schemas.microsoft.com/office/powerpoint/2010/main" Requires="p14">
-      <p:transition spd="slow" p14:dur="2000"/>
-    </mc:Choice>
-    <mc:Fallback>
-      <p:transition spd="slow"/>
-    </mc:Fallback>
-  </mc:AlternateContent>
-  <p:timing>
-    <p:tnLst>
-      <p:par>
-        <p:cTn id="1" dur="indefinite" restart="never" nodeType="tmRoot"/>
-      </p:par>
-    </p:tnLst>
-  </p:timing>
 </p:sld>
 </file>
 
@@ -23581,18 +24608,13 @@
             <a:p>
               <a:pPr algn="ctr"/>
               <a:r>
-                <a:rPr lang="it-IT" sz="2000" dirty="0" smtClean="0">
+                <a:rPr lang="it-IT" sz="2000" dirty="0">
                   <a:solidFill>
                     <a:schemeClr val="tx1"/>
                   </a:solidFill>
                 </a:rPr>
                 <a:t>Left</a:t>
               </a:r>
-              <a:endParaRPr lang="it-IT" sz="2000" dirty="0">
-                <a:solidFill>
-                  <a:schemeClr val="tx1"/>
-                </a:solidFill>
-              </a:endParaRPr>
             </a:p>
           </p:txBody>
         </p:sp>
@@ -23672,8 +24694,8 @@
             </a:fontRef>
           </p:style>
         </p:cxnSp>
-        <mc:AlternateContent xmlns:mc="http://schemas.openxmlformats.org/markup-compatibility/2006">
-          <mc:Choice xmlns:a14="http://schemas.microsoft.com/office/drawing/2010/main" Requires="a14">
+        <mc:AlternateContent xmlns:mc="http://schemas.openxmlformats.org/markup-compatibility/2006" xmlns:a14="http://schemas.microsoft.com/office/drawing/2010/main">
+          <mc:Choice Requires="a14">
             <p:sp>
               <p:nvSpPr>
                 <p:cNvPr id="9" name="CasellaDiTesto 8"/>
@@ -23696,6 +24718,7 @@
                 </a:bodyPr>
                 <a:lstStyle/>
                 <a:p>
+                  <a:pPr/>
                   <a14:m>
                     <m:oMathPara xmlns:m="http://schemas.openxmlformats.org/officeDocument/2006/math">
                       <m:oMathParaPr>
@@ -23741,9 +24764,10 @@
                       </m:oMath>
                     </m:oMathPara>
                   </a14:m>
-                  <a:endParaRPr lang="it-IT" sz="1400" b="0" dirty="0" smtClean="0"/>
+                  <a:endParaRPr lang="it-IT" sz="1400" b="0" dirty="0"/>
                 </a:p>
                 <a:p>
+                  <a:pPr/>
                   <a14:m>
                     <m:oMathPara xmlns:m="http://schemas.openxmlformats.org/officeDocument/2006/math">
                       <m:oMathParaPr>
@@ -23778,13 +24802,7 @@
                           <a:rPr lang="it-IT" sz="1400" b="0" i="1" smtClean="0">
                             <a:latin typeface="Cambria Math" panose="02040503050406030204" pitchFamily="18" charset="0"/>
                           </a:rPr>
-                          <m:t>=</m:t>
-                        </m:r>
-                        <m:r>
-                          <a:rPr lang="it-IT" sz="1400" b="0" i="1" smtClean="0">
-                            <a:latin typeface="Cambria Math" panose="02040503050406030204" pitchFamily="18" charset="0"/>
-                          </a:rPr>
-                          <m:t>0</m:t>
+                          <m:t>=0</m:t>
                         </m:r>
                       </m:oMath>
                     </m:oMathPara>
@@ -23794,7 +24812,7 @@
               </p:txBody>
             </p:sp>
           </mc:Choice>
-          <mc:Fallback>
+          <mc:Fallback xmlns="">
             <p:sp>
               <p:nvSpPr>
                 <p:cNvPr id="9" name="CasellaDiTesto 8"/>
@@ -23857,7 +24875,7 @@
           <a:lstStyle/>
           <a:p>
             <a:r>
-              <a:rPr lang="it-IT" dirty="0" smtClean="0"/>
+              <a:rPr lang="it-IT" dirty="0"/>
               <a:t>Input:</a:t>
             </a:r>
           </a:p>
@@ -23867,27 +24885,27 @@
               <a:buChar char="•"/>
             </a:pPr>
             <a:r>
-              <a:rPr lang="it-IT" i="1" dirty="0" smtClean="0"/>
+              <a:rPr lang="it-IT" i="1" dirty="0"/>
               <a:t>w</a:t>
             </a:r>
             <a:r>
-              <a:rPr lang="it-IT" dirty="0" smtClean="0"/>
+              <a:rPr lang="it-IT" dirty="0"/>
               <a:t> (</a:t>
             </a:r>
             <a:r>
-              <a:rPr lang="it-IT" dirty="0" err="1" smtClean="0"/>
+              <a:rPr lang="it-IT" dirty="0" err="1"/>
               <a:t>present</a:t>
             </a:r>
             <a:r>
-              <a:rPr lang="it-IT" dirty="0" smtClean="0"/>
+              <a:rPr lang="it-IT" dirty="0"/>
               <a:t>, </a:t>
             </a:r>
             <a:r>
-              <a:rPr lang="it-IT" dirty="0" err="1" smtClean="0"/>
+              <a:rPr lang="it-IT" dirty="0" err="1"/>
               <a:t>absent</a:t>
             </a:r>
             <a:r>
-              <a:rPr lang="it-IT" dirty="0" smtClean="0"/>
+              <a:rPr lang="it-IT" dirty="0"/>
               <a:t>);</a:t>
             </a:r>
           </a:p>
@@ -23897,30 +24915,29 @@
               <a:buChar char="•"/>
             </a:pPr>
             <a:r>
-              <a:rPr lang="it-IT" i="1" dirty="0" smtClean="0"/>
+              <a:rPr lang="it-IT" i="1" dirty="0"/>
               <a:t>a </a:t>
             </a:r>
             <a:r>
-              <a:rPr lang="it-IT" dirty="0" smtClean="0"/>
+              <a:rPr lang="it-IT" dirty="0"/>
               <a:t>(</a:t>
             </a:r>
             <a:r>
-              <a:rPr lang="it-IT" dirty="0" err="1" smtClean="0"/>
+              <a:rPr lang="it-IT" dirty="0" err="1"/>
               <a:t>present</a:t>
             </a:r>
             <a:r>
-              <a:rPr lang="it-IT" dirty="0" smtClean="0"/>
+              <a:rPr lang="it-IT" dirty="0"/>
               <a:t>, </a:t>
             </a:r>
             <a:r>
-              <a:rPr lang="it-IT" dirty="0" err="1" smtClean="0"/>
+              <a:rPr lang="it-IT" dirty="0" err="1"/>
               <a:t>absent</a:t>
             </a:r>
             <a:r>
-              <a:rPr lang="it-IT" dirty="0" smtClean="0"/>
+              <a:rPr lang="it-IT" dirty="0"/>
               <a:t>);</a:t>
             </a:r>
-            <a:endParaRPr lang="it-IT" dirty="0" smtClean="0"/>
           </a:p>
           <a:p>
             <a:pPr marL="285750" indent="-285750">
@@ -23928,34 +24945,29 @@
               <a:buChar char="•"/>
             </a:pPr>
             <a:r>
-              <a:rPr lang="it-IT" i="1" dirty="0" smtClean="0"/>
+              <a:rPr lang="it-IT" i="1" dirty="0"/>
               <a:t>s</a:t>
             </a:r>
             <a:r>
-              <a:rPr lang="it-IT" dirty="0" smtClean="0"/>
-              <a:t> </a:t>
-            </a:r>
-            <a:r>
-              <a:rPr lang="it-IT" dirty="0" smtClean="0"/>
-              <a:t>(</a:t>
-            </a:r>
-            <a:r>
-              <a:rPr lang="it-IT" dirty="0" err="1" smtClean="0"/>
+              <a:rPr lang="it-IT" dirty="0"/>
+              <a:t> (</a:t>
+            </a:r>
+            <a:r>
+              <a:rPr lang="it-IT" dirty="0" err="1"/>
               <a:t>present</a:t>
             </a:r>
             <a:r>
-              <a:rPr lang="it-IT" dirty="0" smtClean="0"/>
+              <a:rPr lang="it-IT" dirty="0"/>
               <a:t>, </a:t>
             </a:r>
             <a:r>
-              <a:rPr lang="it-IT" dirty="0" err="1" smtClean="0"/>
+              <a:rPr lang="it-IT" dirty="0" err="1"/>
               <a:t>absent</a:t>
             </a:r>
             <a:r>
-              <a:rPr lang="it-IT" dirty="0" smtClean="0"/>
+              <a:rPr lang="it-IT" dirty="0"/>
               <a:t>);</a:t>
             </a:r>
-            <a:endParaRPr lang="it-IT" dirty="0" smtClean="0"/>
           </a:p>
           <a:p>
             <a:pPr marL="285750" indent="-285750">
@@ -23963,31 +24975,27 @@
               <a:buChar char="•"/>
             </a:pPr>
             <a:r>
-              <a:rPr lang="it-IT" i="1" dirty="0" smtClean="0"/>
+              <a:rPr lang="it-IT" i="1" dirty="0"/>
               <a:t>d</a:t>
             </a:r>
             <a:r>
-              <a:rPr lang="it-IT" dirty="0" smtClean="0"/>
-              <a:t> </a:t>
-            </a:r>
-            <a:r>
-              <a:rPr lang="it-IT" dirty="0" smtClean="0"/>
-              <a:t>(</a:t>
-            </a:r>
-            <a:r>
-              <a:rPr lang="it-IT" dirty="0" err="1" smtClean="0"/>
+              <a:rPr lang="it-IT" dirty="0"/>
+              <a:t> (</a:t>
+            </a:r>
+            <a:r>
+              <a:rPr lang="it-IT" dirty="0" err="1"/>
               <a:t>present</a:t>
             </a:r>
             <a:r>
-              <a:rPr lang="it-IT" dirty="0" smtClean="0"/>
+              <a:rPr lang="it-IT" dirty="0"/>
               <a:t>, </a:t>
             </a:r>
             <a:r>
-              <a:rPr lang="it-IT" dirty="0" err="1" smtClean="0"/>
+              <a:rPr lang="it-IT" dirty="0" err="1"/>
               <a:t>absent</a:t>
             </a:r>
             <a:r>
-              <a:rPr lang="it-IT" dirty="0" smtClean="0"/>
+              <a:rPr lang="it-IT" dirty="0"/>
               <a:t>);</a:t>
             </a:r>
           </a:p>
@@ -23997,10 +25005,9 @@
               <a:buChar char="•"/>
             </a:pPr>
             <a:r>
-              <a:rPr lang="it-IT" i="1" dirty="0" smtClean="0"/>
+              <a:rPr lang="it-IT" i="1" dirty="0"/>
               <a:t>position</a:t>
             </a:r>
-            <a:endParaRPr lang="it-IT" i="1" dirty="0" smtClean="0"/>
           </a:p>
         </p:txBody>
       </p:sp>
@@ -24027,7 +25034,7 @@
           <a:lstStyle/>
           <a:p>
             <a:r>
-              <a:rPr lang="it-IT" dirty="0" smtClean="0"/>
+              <a:rPr lang="it-IT" dirty="0"/>
               <a:t>Output:</a:t>
             </a:r>
           </a:p>
@@ -24037,7 +25044,7 @@
               <a:buChar char="•"/>
             </a:pPr>
             <a:r>
-              <a:rPr lang="it-IT" i="1" dirty="0" smtClean="0"/>
+              <a:rPr lang="it-IT" i="1" dirty="0"/>
               <a:t>Stop</a:t>
             </a:r>
           </a:p>
@@ -24066,7 +25073,7 @@
           <a:lstStyle/>
           <a:p>
             <a:r>
-              <a:rPr lang="it-IT" dirty="0" smtClean="0"/>
+              <a:rPr lang="it-IT" dirty="0"/>
               <a:t>Parametri:</a:t>
             </a:r>
           </a:p>
@@ -24076,19 +25083,19 @@
               <a:buChar char="•"/>
             </a:pPr>
             <a:r>
-              <a:rPr lang="it-IT" i="1" dirty="0" smtClean="0"/>
+              <a:rPr lang="it-IT" i="1" dirty="0"/>
               <a:t>x</a:t>
             </a:r>
             <a:r>
-              <a:rPr lang="it-IT" i="1" baseline="-25000" dirty="0" smtClean="0"/>
+              <a:rPr lang="it-IT" i="1" baseline="-25000" dirty="0"/>
               <a:t>s</a:t>
             </a:r>
             <a:r>
-              <a:rPr lang="it-IT" i="1" dirty="0" smtClean="0"/>
+              <a:rPr lang="it-IT" i="1" dirty="0"/>
               <a:t> </a:t>
             </a:r>
             <a:r>
-              <a:rPr lang="it-IT" dirty="0" smtClean="0"/>
+              <a:rPr lang="it-IT" dirty="0"/>
               <a:t>(Posizione navicella)</a:t>
             </a:r>
           </a:p>
@@ -24098,19 +25105,19 @@
               <a:buChar char="•"/>
             </a:pPr>
             <a:r>
-              <a:rPr lang="it-IT" i="1" dirty="0" smtClean="0"/>
+              <a:rPr lang="it-IT" i="1" dirty="0"/>
               <a:t>y</a:t>
             </a:r>
             <a:r>
-              <a:rPr lang="it-IT" i="1" baseline="-25000" dirty="0" smtClean="0"/>
+              <a:rPr lang="it-IT" i="1" baseline="-25000" dirty="0"/>
               <a:t>s</a:t>
             </a:r>
             <a:r>
-              <a:rPr lang="it-IT" i="1" dirty="0" smtClean="0"/>
+              <a:rPr lang="it-IT" i="1" dirty="0"/>
               <a:t> </a:t>
             </a:r>
             <a:r>
-              <a:rPr lang="it-IT" dirty="0" smtClean="0"/>
+              <a:rPr lang="it-IT" dirty="0"/>
               <a:t>(Posizione navicella)</a:t>
             </a:r>
           </a:p>
@@ -24120,11 +25127,11 @@
               <a:buChar char="•"/>
             </a:pPr>
             <a:r>
-              <a:rPr lang="it-IT" i="1" dirty="0" smtClean="0"/>
+              <a:rPr lang="it-IT" i="1" dirty="0"/>
               <a:t>v </a:t>
             </a:r>
             <a:r>
-              <a:rPr lang="it-IT" dirty="0" smtClean="0"/>
+              <a:rPr lang="it-IT" dirty="0"/>
               <a:t>(velocità costante)</a:t>
             </a:r>
           </a:p>
@@ -24133,7 +25140,7 @@
               <a:buFont typeface="Arial" panose="020B0604020202020204" pitchFamily="34" charset="0"/>
               <a:buChar char="•"/>
             </a:pPr>
-            <a:endParaRPr lang="it-IT" i="1" dirty="0" smtClean="0"/>
+            <a:endParaRPr lang="it-IT" i="1" dirty="0"/>
           </a:p>
         </p:txBody>
       </p:sp>
@@ -24161,19 +25168,19 @@
           <a:p>
             <a:pPr algn="ctr"/>
             <a:r>
-              <a:rPr lang="it-IT" dirty="0" smtClean="0"/>
+              <a:rPr lang="it-IT" dirty="0"/>
               <a:t>FSM </a:t>
             </a:r>
             <a:r>
-              <a:rPr lang="it-IT" dirty="0" err="1" smtClean="0"/>
+              <a:rPr lang="it-IT" dirty="0" err="1"/>
               <a:t>Spaceship</a:t>
             </a:r>
             <a:r>
-              <a:rPr lang="it-IT" dirty="0" smtClean="0"/>
+              <a:rPr lang="it-IT" dirty="0"/>
               <a:t>, State </a:t>
             </a:r>
             <a:r>
-              <a:rPr lang="it-IT" dirty="0" err="1" smtClean="0"/>
+              <a:rPr lang="it-IT" dirty="0" err="1"/>
               <a:t>refinement</a:t>
             </a:r>
             <a:endParaRPr lang="it-IT" dirty="0"/>
@@ -24190,21 +25197,6 @@
   <p:clrMapOvr>
     <a:masterClrMapping/>
   </p:clrMapOvr>
-  <mc:AlternateContent xmlns:mc="http://schemas.openxmlformats.org/markup-compatibility/2006">
-    <mc:Choice xmlns:p14="http://schemas.microsoft.com/office/powerpoint/2010/main" Requires="p14">
-      <p:transition spd="slow" p14:dur="2000"/>
-    </mc:Choice>
-    <mc:Fallback>
-      <p:transition spd="slow"/>
-    </mc:Fallback>
-  </mc:AlternateContent>
-  <p:timing>
-    <p:tnLst>
-      <p:par>
-        <p:cTn id="1" dur="indefinite" restart="never" nodeType="tmRoot"/>
-      </p:par>
-    </p:tnLst>
-  </p:timing>
 </p:sld>
 </file>
 

--- a/Progetto sistemi.pptx
+++ b/Progetto sistemi.pptx
@@ -5,10 +5,10 @@
     <p:sldMasterId id="2147483648" r:id="rId1"/>
   </p:sldMasterIdLst>
   <p:notesMasterIdLst>
-    <p:notesMasterId r:id="rId26"/>
+    <p:notesMasterId r:id="rId25"/>
   </p:notesMasterIdLst>
   <p:handoutMasterIdLst>
-    <p:handoutMasterId r:id="rId27"/>
+    <p:handoutMasterId r:id="rId26"/>
   </p:handoutMasterIdLst>
   <p:sldIdLst>
     <p:sldId id="256" r:id="rId2"/>
@@ -29,12 +29,11 @@
     <p:sldId id="271" r:id="rId17"/>
     <p:sldId id="272" r:id="rId18"/>
     <p:sldId id="273" r:id="rId19"/>
-    <p:sldId id="274" r:id="rId20"/>
-    <p:sldId id="275" r:id="rId21"/>
-    <p:sldId id="276" r:id="rId22"/>
-    <p:sldId id="277" r:id="rId23"/>
-    <p:sldId id="278" r:id="rId24"/>
-    <p:sldId id="279" r:id="rId25"/>
+    <p:sldId id="275" r:id="rId20"/>
+    <p:sldId id="276" r:id="rId21"/>
+    <p:sldId id="277" r:id="rId22"/>
+    <p:sldId id="278" r:id="rId23"/>
+    <p:sldId id="279" r:id="rId24"/>
   </p:sldIdLst>
   <p:sldSz cx="12192000" cy="6858000"/>
   <p:notesSz cx="6858000" cy="9144000"/>
@@ -160,7 +159,6 @@
             <p14:sldId id="271"/>
             <p14:sldId id="272"/>
             <p14:sldId id="273"/>
-            <p14:sldId id="274"/>
             <p14:sldId id="275"/>
             <p14:sldId id="276"/>
             <p14:sldId id="277"/>
@@ -841,19 +839,19 @@
           <a:lstStyle/>
           <a:p>
             <a:r>
-              <a:rPr lang="it-IT" dirty="0" smtClean="0"/>
+              <a:rPr lang="it-IT" dirty="0"/>
               <a:t>Viene</a:t>
             </a:r>
             <a:r>
-              <a:rPr lang="it-IT" baseline="0" dirty="0" smtClean="0"/>
+              <a:rPr lang="it-IT" baseline="0" dirty="0"/>
               <a:t> qui rappresentato un </a:t>
             </a:r>
             <a:r>
-              <a:rPr lang="it-IT" baseline="0" dirty="0" err="1" smtClean="0"/>
+              <a:rPr lang="it-IT" baseline="0" dirty="0" err="1"/>
               <a:t>refinement</a:t>
             </a:r>
             <a:r>
-              <a:rPr lang="it-IT" baseline="0" dirty="0" smtClean="0"/>
+              <a:rPr lang="it-IT" baseline="0" dirty="0"/>
               <a:t> della finite state machine del singolo asteroide, è possibile vedere tutte le transizioni disponibili, alcune omesse nella slide precedente per motivi di leggibilità. In particolare ci sono due transizioni che gestiscono l’eventuale impatto con uno dei bordi dello schermo. E’ infine esplicitata la semplice legge del moto adottata.</a:t>
             </a:r>
             <a:endParaRPr lang="it-IT" dirty="0"/>
@@ -1056,6 +1054,22 @@
           <a:bodyPr/>
           <a:lstStyle/>
           <a:p>
+            <a:r>
+              <a:rPr lang="it-IT" dirty="0"/>
+              <a:t>Tutti gli oggetti in scena per funzionare hanno bisogno di un </a:t>
+            </a:r>
+            <a:r>
+              <a:rPr lang="it-IT" dirty="0" err="1"/>
+              <a:t>RigidBody</a:t>
+            </a:r>
+            <a:r>
+              <a:rPr lang="it-IT" dirty="0"/>
+              <a:t> 2D che fa si che un oggetto sia sotto controllo del motore fisico di </a:t>
+            </a:r>
+            <a:r>
+              <a:rPr lang="it-IT" dirty="0" err="1"/>
+              <a:t>unity</a:t>
+            </a:r>
             <a:endParaRPr lang="it-IT" dirty="0"/>
           </a:p>
         </p:txBody>
@@ -1077,7 +1091,7 @@
           <a:p>
             <a:fld id="{AF5D5AC8-672A-409E-B76F-2374AA227A07}" type="slidenum">
               <a:rPr lang="it-IT" smtClean="0"/>
-              <a:t>17</a:t>
+              <a:t>16</a:t>
             </a:fld>
             <a:endParaRPr lang="it-IT"/>
           </a:p>
@@ -1086,7 +1100,7 @@
     </p:spTree>
     <p:extLst>
       <p:ext uri="{BB962C8B-B14F-4D97-AF65-F5344CB8AC3E}">
-        <p14:creationId xmlns:p14="http://schemas.microsoft.com/office/powerpoint/2010/main" val="1733201032"/>
+        <p14:creationId xmlns:p14="http://schemas.microsoft.com/office/powerpoint/2010/main" val="2503029666"/>
       </p:ext>
     </p:extLst>
   </p:cSld>
@@ -1161,7 +1175,221 @@
           <a:p>
             <a:fld id="{AF5D5AC8-672A-409E-B76F-2374AA227A07}" type="slidenum">
               <a:rPr lang="it-IT" smtClean="0"/>
-              <a:t>22</a:t>
+              <a:t>17</a:t>
+            </a:fld>
+            <a:endParaRPr lang="it-IT"/>
+          </a:p>
+        </p:txBody>
+      </p:sp>
+    </p:spTree>
+    <p:extLst>
+      <p:ext uri="{BB962C8B-B14F-4D97-AF65-F5344CB8AC3E}">
+        <p14:creationId xmlns:p14="http://schemas.microsoft.com/office/powerpoint/2010/main" val="1733201032"/>
+      </p:ext>
+    </p:extLst>
+  </p:cSld>
+  <p:clrMapOvr>
+    <a:masterClrMapping/>
+  </p:clrMapOvr>
+</p:notes>
+</file>
+
+<file path=ppt/notesSlides/notesSlide6.xml><?xml version="1.0" encoding="utf-8"?>
+<p:notes xmlns:a="http://schemas.openxmlformats.org/drawingml/2006/main" xmlns:r="http://schemas.openxmlformats.org/officeDocument/2006/relationships" xmlns:p="http://schemas.openxmlformats.org/presentationml/2006/main">
+  <p:cSld>
+    <p:spTree>
+      <p:nvGrpSpPr>
+        <p:cNvPr id="1" name=""/>
+        <p:cNvGrpSpPr/>
+        <p:nvPr/>
+      </p:nvGrpSpPr>
+      <p:grpSpPr>
+        <a:xfrm>
+          <a:off x="0" y="0"/>
+          <a:ext cx="0" cy="0"/>
+          <a:chOff x="0" y="0"/>
+          <a:chExt cx="0" cy="0"/>
+        </a:xfrm>
+      </p:grpSpPr>
+      <p:sp>
+        <p:nvSpPr>
+          <p:cNvPr id="2" name="Segnaposto immagine diapositiva 1"/>
+          <p:cNvSpPr>
+            <a:spLocks noGrp="1" noRot="1" noChangeAspect="1"/>
+          </p:cNvSpPr>
+          <p:nvPr>
+            <p:ph type="sldImg"/>
+          </p:nvPr>
+        </p:nvSpPr>
+        <p:spPr/>
+      </p:sp>
+      <p:sp>
+        <p:nvSpPr>
+          <p:cNvPr id="3" name="Segnaposto note 2"/>
+          <p:cNvSpPr>
+            <a:spLocks noGrp="1"/>
+          </p:cNvSpPr>
+          <p:nvPr>
+            <p:ph type="body" idx="1"/>
+          </p:nvPr>
+        </p:nvSpPr>
+        <p:spPr/>
+        <p:txBody>
+          <a:bodyPr/>
+          <a:lstStyle/>
+          <a:p>
+            <a:pPr marL="0" marR="0" lvl="0" indent="0" algn="l" defTabSz="914400" rtl="0" eaLnBrk="1" fontAlgn="auto" latinLnBrk="0" hangingPunct="1">
+              <a:lnSpc>
+                <a:spcPct val="100000"/>
+              </a:lnSpc>
+              <a:spcBef>
+                <a:spcPts val="0"/>
+              </a:spcBef>
+              <a:spcAft>
+                <a:spcPts val="0"/>
+              </a:spcAft>
+              <a:buClrTx/>
+              <a:buSzTx/>
+              <a:buFontTx/>
+              <a:buNone/>
+              <a:tabLst/>
+              <a:defRPr/>
+            </a:pPr>
+            <a:r>
+              <a:rPr lang="it-IT" dirty="0"/>
+              <a:t>Infine passiamo a «Rigidbody2d.AddForce»  un parametro che è il prodotto tra «ray2D» e la forza da voler applicare in modo che l’oggetto si muova</a:t>
+            </a:r>
+          </a:p>
+          <a:p>
+            <a:pPr marL="0" marR="0" lvl="0" indent="0" algn="l" defTabSz="914400" rtl="0" eaLnBrk="1" fontAlgn="auto" latinLnBrk="0" hangingPunct="1">
+              <a:lnSpc>
+                <a:spcPct val="100000"/>
+              </a:lnSpc>
+              <a:spcBef>
+                <a:spcPts val="0"/>
+              </a:spcBef>
+              <a:spcAft>
+                <a:spcPts val="0"/>
+              </a:spcAft>
+              <a:buClrTx/>
+              <a:buSzTx/>
+              <a:buFontTx/>
+              <a:buNone/>
+              <a:tabLst/>
+              <a:defRPr/>
+            </a:pPr>
+            <a:r>
+              <a:rPr lang="it-IT" dirty="0"/>
+              <a:t>(La massa dell’asteroide è 1)</a:t>
+            </a:r>
+          </a:p>
+          <a:p>
+            <a:endParaRPr lang="it-IT" dirty="0"/>
+          </a:p>
+        </p:txBody>
+      </p:sp>
+      <p:sp>
+        <p:nvSpPr>
+          <p:cNvPr id="4" name="Segnaposto numero diapositiva 3"/>
+          <p:cNvSpPr>
+            <a:spLocks noGrp="1"/>
+          </p:cNvSpPr>
+          <p:nvPr>
+            <p:ph type="sldNum" sz="quarter" idx="10"/>
+          </p:nvPr>
+        </p:nvSpPr>
+        <p:spPr/>
+        <p:txBody>
+          <a:bodyPr/>
+          <a:lstStyle/>
+          <a:p>
+            <a:fld id="{AF5D5AC8-672A-409E-B76F-2374AA227A07}" type="slidenum">
+              <a:rPr lang="it-IT" smtClean="0"/>
+              <a:t>18</a:t>
+            </a:fld>
+            <a:endParaRPr lang="it-IT"/>
+          </a:p>
+        </p:txBody>
+      </p:sp>
+    </p:spTree>
+    <p:extLst>
+      <p:ext uri="{BB962C8B-B14F-4D97-AF65-F5344CB8AC3E}">
+        <p14:creationId xmlns:p14="http://schemas.microsoft.com/office/powerpoint/2010/main" val="700364141"/>
+      </p:ext>
+    </p:extLst>
+  </p:cSld>
+  <p:clrMapOvr>
+    <a:masterClrMapping/>
+  </p:clrMapOvr>
+</p:notes>
+</file>
+
+<file path=ppt/notesSlides/notesSlide7.xml><?xml version="1.0" encoding="utf-8"?>
+<p:notes xmlns:a="http://schemas.openxmlformats.org/drawingml/2006/main" xmlns:r="http://schemas.openxmlformats.org/officeDocument/2006/relationships" xmlns:p="http://schemas.openxmlformats.org/presentationml/2006/main">
+  <p:cSld>
+    <p:spTree>
+      <p:nvGrpSpPr>
+        <p:cNvPr id="1" name=""/>
+        <p:cNvGrpSpPr/>
+        <p:nvPr/>
+      </p:nvGrpSpPr>
+      <p:grpSpPr>
+        <a:xfrm>
+          <a:off x="0" y="0"/>
+          <a:ext cx="0" cy="0"/>
+          <a:chOff x="0" y="0"/>
+          <a:chExt cx="0" cy="0"/>
+        </a:xfrm>
+      </p:grpSpPr>
+      <p:sp>
+        <p:nvSpPr>
+          <p:cNvPr id="2" name="Segnaposto immagine diapositiva 1"/>
+          <p:cNvSpPr>
+            <a:spLocks noGrp="1" noRot="1" noChangeAspect="1"/>
+          </p:cNvSpPr>
+          <p:nvPr>
+            <p:ph type="sldImg"/>
+          </p:nvPr>
+        </p:nvSpPr>
+        <p:spPr/>
+      </p:sp>
+      <p:sp>
+        <p:nvSpPr>
+          <p:cNvPr id="3" name="Segnaposto note 2"/>
+          <p:cNvSpPr>
+            <a:spLocks noGrp="1"/>
+          </p:cNvSpPr>
+          <p:nvPr>
+            <p:ph type="body" idx="1"/>
+          </p:nvPr>
+        </p:nvSpPr>
+        <p:spPr/>
+        <p:txBody>
+          <a:bodyPr/>
+          <a:lstStyle/>
+          <a:p>
+            <a:endParaRPr lang="it-IT" dirty="0"/>
+          </a:p>
+        </p:txBody>
+      </p:sp>
+      <p:sp>
+        <p:nvSpPr>
+          <p:cNvPr id="4" name="Segnaposto numero diapositiva 3"/>
+          <p:cNvSpPr>
+            <a:spLocks noGrp="1"/>
+          </p:cNvSpPr>
+          <p:nvPr>
+            <p:ph type="sldNum" sz="quarter" idx="10"/>
+          </p:nvPr>
+        </p:nvSpPr>
+        <p:spPr/>
+        <p:txBody>
+          <a:bodyPr/>
+          <a:lstStyle/>
+          <a:p>
+            <a:fld id="{AF5D5AC8-672A-409E-B76F-2374AA227A07}" type="slidenum">
+              <a:rPr lang="it-IT" smtClean="0"/>
+              <a:t>21</a:t>
             </a:fld>
             <a:endParaRPr lang="it-IT"/>
           </a:p>
@@ -1171,6 +1399,90 @@
     <p:extLst>
       <p:ext uri="{BB962C8B-B14F-4D97-AF65-F5344CB8AC3E}">
         <p14:creationId xmlns:p14="http://schemas.microsoft.com/office/powerpoint/2010/main" val="2549722405"/>
+      </p:ext>
+    </p:extLst>
+  </p:cSld>
+  <p:clrMapOvr>
+    <a:masterClrMapping/>
+  </p:clrMapOvr>
+</p:notes>
+</file>
+
+<file path=ppt/notesSlides/notesSlide8.xml><?xml version="1.0" encoding="utf-8"?>
+<p:notes xmlns:a="http://schemas.openxmlformats.org/drawingml/2006/main" xmlns:r="http://schemas.openxmlformats.org/officeDocument/2006/relationships" xmlns:p="http://schemas.openxmlformats.org/presentationml/2006/main">
+  <p:cSld>
+    <p:spTree>
+      <p:nvGrpSpPr>
+        <p:cNvPr id="1" name=""/>
+        <p:cNvGrpSpPr/>
+        <p:nvPr/>
+      </p:nvGrpSpPr>
+      <p:grpSpPr>
+        <a:xfrm>
+          <a:off x="0" y="0"/>
+          <a:ext cx="0" cy="0"/>
+          <a:chOff x="0" y="0"/>
+          <a:chExt cx="0" cy="0"/>
+        </a:xfrm>
+      </p:grpSpPr>
+      <p:sp>
+        <p:nvSpPr>
+          <p:cNvPr id="2" name="Segnaposto immagine diapositiva 1"/>
+          <p:cNvSpPr>
+            <a:spLocks noGrp="1" noRot="1" noChangeAspect="1"/>
+          </p:cNvSpPr>
+          <p:nvPr>
+            <p:ph type="sldImg"/>
+          </p:nvPr>
+        </p:nvSpPr>
+        <p:spPr/>
+      </p:sp>
+      <p:sp>
+        <p:nvSpPr>
+          <p:cNvPr id="3" name="Segnaposto note 2"/>
+          <p:cNvSpPr>
+            <a:spLocks noGrp="1"/>
+          </p:cNvSpPr>
+          <p:nvPr>
+            <p:ph type="body" idx="1"/>
+          </p:nvPr>
+        </p:nvSpPr>
+        <p:spPr/>
+        <p:txBody>
+          <a:bodyPr/>
+          <a:lstStyle/>
+          <a:p>
+            <a:endParaRPr lang="it-IT" dirty="0"/>
+          </a:p>
+        </p:txBody>
+      </p:sp>
+      <p:sp>
+        <p:nvSpPr>
+          <p:cNvPr id="4" name="Segnaposto numero diapositiva 3"/>
+          <p:cNvSpPr>
+            <a:spLocks noGrp="1"/>
+          </p:cNvSpPr>
+          <p:nvPr>
+            <p:ph type="sldNum" sz="quarter" idx="10"/>
+          </p:nvPr>
+        </p:nvSpPr>
+        <p:spPr/>
+        <p:txBody>
+          <a:bodyPr/>
+          <a:lstStyle/>
+          <a:p>
+            <a:fld id="{AF5D5AC8-672A-409E-B76F-2374AA227A07}" type="slidenum">
+              <a:rPr lang="it-IT" smtClean="0"/>
+              <a:t>23</a:t>
+            </a:fld>
+            <a:endParaRPr lang="it-IT"/>
+          </a:p>
+        </p:txBody>
+      </p:sp>
+    </p:spTree>
+    <p:extLst>
+      <p:ext uri="{BB962C8B-B14F-4D97-AF65-F5344CB8AC3E}">
+        <p14:creationId xmlns:p14="http://schemas.microsoft.com/office/powerpoint/2010/main" val="312302557"/>
       </p:ext>
     </p:extLst>
   </p:cSld>
@@ -4740,14 +5052,6 @@
   <p:clrMapOvr>
     <a:masterClrMapping/>
   </p:clrMapOvr>
-  <mc:AlternateContent xmlns:mc="http://schemas.openxmlformats.org/markup-compatibility/2006">
-    <mc:Choice xmlns:p14="http://schemas.microsoft.com/office/powerpoint/2010/main" Requires="p14">
-      <p:transition spd="slow" p14:dur="2000"/>
-    </mc:Choice>
-    <mc:Fallback>
-      <p:transition spd="slow"/>
-    </mc:Fallback>
-  </mc:AlternateContent>
 </p:sld>
 </file>
 
@@ -4825,18 +5129,13 @@
             <a:p>
               <a:pPr algn="ctr"/>
               <a:r>
-                <a:rPr lang="it-IT" sz="2000" dirty="0" smtClean="0">
+                <a:rPr lang="it-IT" sz="2000" dirty="0">
                   <a:solidFill>
                     <a:schemeClr val="tx1"/>
                   </a:solidFill>
                 </a:rPr>
                 <a:t>Up-Right</a:t>
               </a:r>
-              <a:endParaRPr lang="it-IT" sz="2000" dirty="0">
-                <a:solidFill>
-                  <a:schemeClr val="tx1"/>
-                </a:solidFill>
-              </a:endParaRPr>
             </a:p>
           </p:txBody>
         </p:sp>
@@ -5034,7 +5333,7 @@
                       </m:oMath>
                     </m:oMathPara>
                   </a14:m>
-                  <a:endParaRPr lang="it-IT" sz="1400" b="0" dirty="0" smtClean="0"/>
+                  <a:endParaRPr lang="it-IT" sz="1400" b="0" dirty="0"/>
                 </a:p>
                 <a:p>
                   <a:pPr/>
@@ -5206,19 +5505,19 @@
           <a:p>
             <a:pPr algn="ctr"/>
             <a:r>
-              <a:rPr lang="it-IT" dirty="0" smtClean="0"/>
+              <a:rPr lang="it-IT" dirty="0"/>
               <a:t>FSM </a:t>
             </a:r>
             <a:r>
-              <a:rPr lang="it-IT" dirty="0" err="1" smtClean="0"/>
+              <a:rPr lang="it-IT" dirty="0" err="1"/>
               <a:t>Spaceship</a:t>
             </a:r>
             <a:r>
-              <a:rPr lang="it-IT" dirty="0" smtClean="0"/>
+              <a:rPr lang="it-IT" dirty="0"/>
               <a:t>, State </a:t>
             </a:r>
             <a:r>
-              <a:rPr lang="it-IT" dirty="0" err="1" smtClean="0"/>
+              <a:rPr lang="it-IT" dirty="0" err="1"/>
               <a:t>refinement</a:t>
             </a:r>
             <a:endParaRPr lang="it-IT" dirty="0"/>
@@ -5527,21 +5826,6 @@
   <p:clrMapOvr>
     <a:masterClrMapping/>
   </p:clrMapOvr>
-  <mc:AlternateContent xmlns:mc="http://schemas.openxmlformats.org/markup-compatibility/2006" xmlns:p14="http://schemas.microsoft.com/office/powerpoint/2010/main">
-    <mc:Choice Requires="p14">
-      <p:transition spd="slow" p14:dur="2000"/>
-    </mc:Choice>
-    <mc:Fallback xmlns="">
-      <p:transition spd="slow"/>
-    </mc:Fallback>
-  </mc:AlternateContent>
-  <p:timing>
-    <p:tnLst>
-      <p:par>
-        <p:cTn id="1" dur="indefinite" restart="never" nodeType="tmRoot"/>
-      </p:par>
-    </p:tnLst>
-  </p:timing>
 </p:sld>
 </file>
 
@@ -5619,18 +5903,13 @@
             <a:p>
               <a:pPr algn="ctr"/>
               <a:r>
-                <a:rPr lang="it-IT" sz="2000" dirty="0" smtClean="0">
+                <a:rPr lang="it-IT" sz="2000" dirty="0">
                   <a:solidFill>
                     <a:schemeClr val="tx1"/>
                   </a:solidFill>
                 </a:rPr>
                 <a:t>Down-Right</a:t>
               </a:r>
-              <a:endParaRPr lang="it-IT" sz="2000" dirty="0">
-                <a:solidFill>
-                  <a:schemeClr val="tx1"/>
-                </a:solidFill>
-              </a:endParaRPr>
             </a:p>
           </p:txBody>
         </p:sp>
@@ -5828,7 +6107,7 @@
                       </m:oMath>
                     </m:oMathPara>
                   </a14:m>
-                  <a:endParaRPr lang="it-IT" sz="1400" b="0" dirty="0" smtClean="0"/>
+                  <a:endParaRPr lang="it-IT" sz="1400" b="0" dirty="0"/>
                 </a:p>
                 <a:p>
                   <a:pPr/>
@@ -5994,19 +6273,19 @@
           <a:p>
             <a:pPr algn="ctr"/>
             <a:r>
-              <a:rPr lang="it-IT" dirty="0" smtClean="0"/>
+              <a:rPr lang="it-IT" dirty="0"/>
               <a:t>FSM </a:t>
             </a:r>
             <a:r>
-              <a:rPr lang="it-IT" dirty="0" err="1" smtClean="0"/>
+              <a:rPr lang="it-IT" dirty="0" err="1"/>
               <a:t>Spaceship</a:t>
             </a:r>
             <a:r>
-              <a:rPr lang="it-IT" dirty="0" smtClean="0"/>
+              <a:rPr lang="it-IT" dirty="0"/>
               <a:t>, State </a:t>
             </a:r>
             <a:r>
-              <a:rPr lang="it-IT" dirty="0" err="1" smtClean="0"/>
+              <a:rPr lang="it-IT" dirty="0" err="1"/>
               <a:t>refinement</a:t>
             </a:r>
             <a:endParaRPr lang="it-IT" dirty="0"/>
@@ -6315,21 +6594,6 @@
   <p:clrMapOvr>
     <a:masterClrMapping/>
   </p:clrMapOvr>
-  <mc:AlternateContent xmlns:mc="http://schemas.openxmlformats.org/markup-compatibility/2006" xmlns:p14="http://schemas.microsoft.com/office/powerpoint/2010/main">
-    <mc:Choice Requires="p14">
-      <p:transition spd="slow" p14:dur="2000"/>
-    </mc:Choice>
-    <mc:Fallback xmlns="">
-      <p:transition spd="slow"/>
-    </mc:Fallback>
-  </mc:AlternateContent>
-  <p:timing>
-    <p:tnLst>
-      <p:par>
-        <p:cTn id="1" dur="indefinite" restart="never" nodeType="tmRoot"/>
-      </p:par>
-    </p:tnLst>
-  </p:timing>
 </p:sld>
 </file>
 
@@ -6407,18 +6671,13 @@
             <a:p>
               <a:pPr algn="ctr"/>
               <a:r>
-                <a:rPr lang="it-IT" sz="2000" dirty="0" smtClean="0">
+                <a:rPr lang="it-IT" sz="2000" dirty="0">
                   <a:solidFill>
                     <a:schemeClr val="tx1"/>
                   </a:solidFill>
                 </a:rPr>
                 <a:t>Down-Left</a:t>
               </a:r>
-              <a:endParaRPr lang="it-IT" sz="2000" dirty="0">
-                <a:solidFill>
-                  <a:schemeClr val="tx1"/>
-                </a:solidFill>
-              </a:endParaRPr>
             </a:p>
           </p:txBody>
         </p:sp>
@@ -6616,7 +6875,7 @@
                       </m:oMath>
                     </m:oMathPara>
                   </a14:m>
-                  <a:endParaRPr lang="it-IT" sz="1400" b="0" dirty="0" smtClean="0"/>
+                  <a:endParaRPr lang="it-IT" sz="1400" b="0" dirty="0"/>
                 </a:p>
                 <a:p>
                   <a:pPr/>
@@ -6782,19 +7041,19 @@
           <a:p>
             <a:pPr algn="ctr"/>
             <a:r>
-              <a:rPr lang="it-IT" dirty="0" smtClean="0"/>
+              <a:rPr lang="it-IT" dirty="0"/>
               <a:t>FSM </a:t>
             </a:r>
             <a:r>
-              <a:rPr lang="it-IT" dirty="0" err="1" smtClean="0"/>
+              <a:rPr lang="it-IT" dirty="0" err="1"/>
               <a:t>Spaceship</a:t>
             </a:r>
             <a:r>
-              <a:rPr lang="it-IT" dirty="0" smtClean="0"/>
+              <a:rPr lang="it-IT" dirty="0"/>
               <a:t>, State </a:t>
             </a:r>
             <a:r>
-              <a:rPr lang="it-IT" dirty="0" err="1" smtClean="0"/>
+              <a:rPr lang="it-IT" dirty="0" err="1"/>
               <a:t>refinement</a:t>
             </a:r>
             <a:endParaRPr lang="it-IT" dirty="0"/>
@@ -7103,21 +7362,6 @@
   <p:clrMapOvr>
     <a:masterClrMapping/>
   </p:clrMapOvr>
-  <mc:AlternateContent xmlns:mc="http://schemas.openxmlformats.org/markup-compatibility/2006" xmlns:p14="http://schemas.microsoft.com/office/powerpoint/2010/main">
-    <mc:Choice Requires="p14">
-      <p:transition spd="slow" p14:dur="2000"/>
-    </mc:Choice>
-    <mc:Fallback xmlns="">
-      <p:transition spd="slow"/>
-    </mc:Fallback>
-  </mc:AlternateContent>
-  <p:timing>
-    <p:tnLst>
-      <p:par>
-        <p:cTn id="1" dur="indefinite" restart="never" nodeType="tmRoot"/>
-      </p:par>
-    </p:tnLst>
-  </p:timing>
 </p:sld>
 </file>
 
@@ -7195,18 +7439,13 @@
             <a:p>
               <a:pPr algn="ctr"/>
               <a:r>
-                <a:rPr lang="it-IT" sz="2000" dirty="0" smtClean="0">
+                <a:rPr lang="it-IT" sz="2000" dirty="0">
                   <a:solidFill>
                     <a:schemeClr val="tx1"/>
                   </a:solidFill>
                 </a:rPr>
                 <a:t>Up-Left</a:t>
               </a:r>
-              <a:endParaRPr lang="it-IT" sz="2000" dirty="0">
-                <a:solidFill>
-                  <a:schemeClr val="tx1"/>
-                </a:solidFill>
-              </a:endParaRPr>
             </a:p>
           </p:txBody>
         </p:sp>
@@ -7404,7 +7643,7 @@
                       </m:oMath>
                     </m:oMathPara>
                   </a14:m>
-                  <a:endParaRPr lang="it-IT" sz="1400" b="0" dirty="0" smtClean="0"/>
+                  <a:endParaRPr lang="it-IT" sz="1400" b="0" dirty="0"/>
                 </a:p>
                 <a:p>
                   <a:pPr/>
@@ -7570,19 +7809,19 @@
           <a:p>
             <a:pPr algn="ctr"/>
             <a:r>
-              <a:rPr lang="it-IT" dirty="0" smtClean="0"/>
+              <a:rPr lang="it-IT" dirty="0"/>
               <a:t>FSM </a:t>
             </a:r>
             <a:r>
-              <a:rPr lang="it-IT" dirty="0" err="1" smtClean="0"/>
+              <a:rPr lang="it-IT" dirty="0" err="1"/>
               <a:t>Spaceship</a:t>
             </a:r>
             <a:r>
-              <a:rPr lang="it-IT" dirty="0" smtClean="0"/>
+              <a:rPr lang="it-IT" dirty="0"/>
               <a:t>, State </a:t>
             </a:r>
             <a:r>
-              <a:rPr lang="it-IT" dirty="0" err="1" smtClean="0"/>
+              <a:rPr lang="it-IT" dirty="0" err="1"/>
               <a:t>refinement</a:t>
             </a:r>
             <a:endParaRPr lang="it-IT" dirty="0"/>
@@ -7891,21 +8130,6 @@
   <p:clrMapOvr>
     <a:masterClrMapping/>
   </p:clrMapOvr>
-  <mc:AlternateContent xmlns:mc="http://schemas.openxmlformats.org/markup-compatibility/2006" xmlns:p14="http://schemas.microsoft.com/office/powerpoint/2010/main">
-    <mc:Choice Requires="p14">
-      <p:transition spd="slow" p14:dur="2000"/>
-    </mc:Choice>
-    <mc:Fallback xmlns="">
-      <p:transition spd="slow"/>
-    </mc:Fallback>
-  </mc:AlternateContent>
-  <p:timing>
-    <p:tnLst>
-      <p:par>
-        <p:cTn id="1" dur="indefinite" restart="never" nodeType="tmRoot"/>
-      </p:par>
-    </p:tnLst>
-  </p:timing>
 </p:sld>
 </file>
 
@@ -8004,10 +8228,6 @@
             <a:pPr marL="0" indent="0">
               <a:buNone/>
             </a:pPr>
-            <a:r>
-              <a:rPr lang="it-IT" dirty="0"/>
-              <a:t/>
-            </a:r>
             <a:br>
               <a:rPr lang="it-IT" dirty="0"/>
             </a:br>
@@ -8170,15 +8390,15 @@
           <p:nvPr/>
         </p:nvPicPr>
         <p:blipFill>
-          <a:blip r:embed="rId2"/>
+          <a:blip r:embed="rId3"/>
           <a:stretch>
             <a:fillRect/>
           </a:stretch>
         </p:blipFill>
         <p:spPr>
           <a:xfrm>
-            <a:off x="3319670" y="3661632"/>
-            <a:ext cx="5072476" cy="3129416"/>
+            <a:off x="3738666" y="3671571"/>
+            <a:ext cx="4714668" cy="2908670"/>
           </a:xfrm>
           <a:prstGeom prst="rect">
             <a:avLst/>
@@ -8413,7 +8633,7 @@
             </a:pPr>
             <a:r>
               <a:rPr lang="it-IT" dirty="0"/>
-              <a:t>Con ray2D passando come parametro l’oggetto vector3D  e la posizione dell’oggetto asteroide creiamo un segmento che parte dall’origine(l’asteroide stesso) e arriva al punto specificato dal parametro vector3D</a:t>
+              <a:t>Con «ray2D» passando come parametro l’oggetto «vector3D»  e la posizione dell’oggetto asteroide creiamo un segmento che parte dall’origine(l’asteroide stesso) e arriva al punto specificato dal parametro vector3D</a:t>
             </a:r>
           </a:p>
         </p:txBody>
@@ -8433,7 +8653,7 @@
           <p:nvPr/>
         </p:nvPicPr>
         <p:blipFill>
-          <a:blip r:embed="rId2"/>
+          <a:blip r:embed="rId3"/>
           <a:stretch>
             <a:fillRect/>
           </a:stretch>
@@ -8483,7 +8703,7 @@
           <p:cNvPr id="2" name="Titolo 1">
             <a:extLst>
               <a:ext uri="{FF2B5EF4-FFF2-40B4-BE49-F238E27FC236}">
-                <a16:creationId xmlns:a16="http://schemas.microsoft.com/office/drawing/2014/main" id="{64C2FA08-AB1D-485A-82BD-69143C5FBEC2}"/>
+                <a16:creationId xmlns:a16="http://schemas.microsoft.com/office/drawing/2014/main" id="{763A2169-1ECF-4FDB-B88A-F810E0934637}"/>
               </a:ext>
             </a:extLst>
           </p:cNvPr>
@@ -8500,16 +8720,12 @@
           <a:lstStyle/>
           <a:p>
             <a:r>
+              <a:rPr lang="it-IT" dirty="0"/>
+              <a:t>Rimbalzo </a:t>
+            </a:r>
+            <a:r>
               <a:rPr lang="it-IT" dirty="0" err="1"/>
               <a:t>Asteroid</a:t>
-            </a:r>
-            <a:r>
-              <a:rPr lang="it-IT" dirty="0"/>
-              <a:t> in </a:t>
-            </a:r>
-            <a:r>
-              <a:rPr lang="it-IT" dirty="0" err="1"/>
-              <a:t>unity</a:t>
             </a:r>
             <a:endParaRPr lang="it-IT" dirty="0"/>
           </a:p>
@@ -8520,7 +8736,7 @@
           <p:cNvPr id="3" name="Segnaposto contenuto 2">
             <a:extLst>
               <a:ext uri="{FF2B5EF4-FFF2-40B4-BE49-F238E27FC236}">
-                <a16:creationId xmlns:a16="http://schemas.microsoft.com/office/drawing/2014/main" id="{506F63CA-6907-4D87-AE1C-6304C66D7FF4}"/>
+                <a16:creationId xmlns:a16="http://schemas.microsoft.com/office/drawing/2014/main" id="{402764E4-A8F0-4CFE-81A1-186BEB8BC0FD}"/>
               </a:ext>
             </a:extLst>
           </p:cNvPr>
@@ -8541,15 +8757,15 @@
             </a:pPr>
             <a:r>
               <a:rPr lang="it-IT" dirty="0"/>
-              <a:t>Infine passiamo ad «</a:t>
+              <a:t>Per rilevare il contatto tra l’asteroide e il bordo utilizziamo dei collider che ci offre </a:t>
             </a:r>
             <a:r>
               <a:rPr lang="it-IT" dirty="0" err="1"/>
-              <a:t>AddForce</a:t>
+              <a:t>Unity</a:t>
             </a:r>
             <a:r>
               <a:rPr lang="it-IT" dirty="0"/>
-              <a:t>»  il «ray2D» e la velocità da voler applicare in modo  che l’oggetto si muova</a:t>
+              <a:t>, andando a definire un collider sferico per l’asteroide e un collider sui bordi possiamo con la funzione «OnTriggerEnter2D» specificare il comportamento che l’asteroide deve avere quando colpisce qualcosa</a:t>
             </a:r>
           </a:p>
         </p:txBody>
@@ -8557,7 +8773,7 @@
     </p:spTree>
     <p:extLst>
       <p:ext uri="{BB962C8B-B14F-4D97-AF65-F5344CB8AC3E}">
-        <p14:creationId xmlns:p14="http://schemas.microsoft.com/office/powerpoint/2010/main" val="4140082053"/>
+        <p14:creationId xmlns:p14="http://schemas.microsoft.com/office/powerpoint/2010/main" val="2179192037"/>
       </p:ext>
     </p:extLst>
   </p:cSld>
@@ -8608,10 +8824,9 @@
           <a:p>
             <a:pPr algn="ctr"/>
             <a:r>
-              <a:rPr lang="it-IT" dirty="0" smtClean="0"/>
+              <a:rPr lang="it-IT" dirty="0"/>
               <a:t>Introduzione</a:t>
             </a:r>
-            <a:endParaRPr lang="it-IT" dirty="0"/>
           </a:p>
         </p:txBody>
       </p:sp>
@@ -8673,7 +8888,7 @@
               <a:buChar char="•"/>
             </a:pPr>
             <a:r>
-              <a:rPr lang="it-IT" sz="1500" dirty="0" smtClean="0"/>
+              <a:rPr lang="it-IT" sz="1500" dirty="0"/>
               <a:t>L’idea alla base del nostro elaborato è quella di realizzare un semplice gioco in 2D il cui obbiettivo è quello di evitare degli ostacoli, degli asteroidi, che si muovono in maniera autonoma sullo schermo. Il nostro attore principale sarà una navicella che verrà controllata dall’utente attraverso la tastiera. Il sistema del punteggio è legato al numero di rimbalzi degli asteroidi sul bordo dello schermo.</a:t>
             </a:r>
           </a:p>
@@ -8683,18 +8898,17 @@
               <a:buChar char="•"/>
             </a:pPr>
             <a:r>
-              <a:rPr lang="it-IT" sz="1500" dirty="0" smtClean="0"/>
+              <a:rPr lang="it-IT" sz="1500" dirty="0"/>
               <a:t>Nelle slide successive verranno presentate le FSM degli attori e le loro interazioni. Nella seconda parte verranno presentato il motore grafico utilizzato, </a:t>
             </a:r>
             <a:r>
-              <a:rPr lang="it-IT" sz="1500" dirty="0" err="1" smtClean="0"/>
+              <a:rPr lang="it-IT" sz="1500" dirty="0" err="1"/>
               <a:t>Unity</a:t>
             </a:r>
             <a:r>
-              <a:rPr lang="it-IT" sz="1500" dirty="0" smtClean="0"/>
+              <a:rPr lang="it-IT" sz="1500" dirty="0"/>
               <a:t>, e alcuni dettagli implementativi.</a:t>
             </a:r>
-            <a:endParaRPr lang="it-IT" sz="1500" dirty="0"/>
           </a:p>
         </p:txBody>
       </p:sp>
@@ -8813,108 +9027,6 @@
           <p:cNvPr id="2" name="Titolo 1">
             <a:extLst>
               <a:ext uri="{FF2B5EF4-FFF2-40B4-BE49-F238E27FC236}">
-                <a16:creationId xmlns:a16="http://schemas.microsoft.com/office/drawing/2014/main" id="{763A2169-1ECF-4FDB-B88A-F810E0934637}"/>
-              </a:ext>
-            </a:extLst>
-          </p:cNvPr>
-          <p:cNvSpPr>
-            <a:spLocks noGrp="1"/>
-          </p:cNvSpPr>
-          <p:nvPr>
-            <p:ph type="title"/>
-          </p:nvPr>
-        </p:nvSpPr>
-        <p:spPr/>
-        <p:txBody>
-          <a:bodyPr/>
-          <a:lstStyle/>
-          <a:p>
-            <a:r>
-              <a:rPr lang="it-IT" dirty="0"/>
-              <a:t>Rimbalzo </a:t>
-            </a:r>
-            <a:r>
-              <a:rPr lang="it-IT" dirty="0" err="1"/>
-              <a:t>Asteroid</a:t>
-            </a:r>
-            <a:endParaRPr lang="it-IT" dirty="0"/>
-          </a:p>
-        </p:txBody>
-      </p:sp>
-      <p:sp>
-        <p:nvSpPr>
-          <p:cNvPr id="3" name="Segnaposto contenuto 2">
-            <a:extLst>
-              <a:ext uri="{FF2B5EF4-FFF2-40B4-BE49-F238E27FC236}">
-                <a16:creationId xmlns:a16="http://schemas.microsoft.com/office/drawing/2014/main" id="{402764E4-A8F0-4CFE-81A1-186BEB8BC0FD}"/>
-              </a:ext>
-            </a:extLst>
-          </p:cNvPr>
-          <p:cNvSpPr>
-            <a:spLocks noGrp="1"/>
-          </p:cNvSpPr>
-          <p:nvPr>
-            <p:ph idx="1"/>
-          </p:nvPr>
-        </p:nvSpPr>
-        <p:spPr/>
-        <p:txBody>
-          <a:bodyPr/>
-          <a:lstStyle/>
-          <a:p>
-            <a:pPr marL="0" indent="0">
-              <a:buNone/>
-            </a:pPr>
-            <a:r>
-              <a:rPr lang="it-IT" dirty="0"/>
-              <a:t>Per rilevare il contatto tra l’asteroide e il bordo utilizziamo dei collider che ci offre </a:t>
-            </a:r>
-            <a:r>
-              <a:rPr lang="it-IT" dirty="0" err="1"/>
-              <a:t>Unity</a:t>
-            </a:r>
-            <a:r>
-              <a:rPr lang="it-IT" dirty="0"/>
-              <a:t>, andando a definire un collider sferico per l’asteroide e un collider sui bordi possiamo con la funzione «OnTriggerEnter2D» specificare il comportamento che l’asteroide deve avere quando colpisce qualcosa</a:t>
-            </a:r>
-          </a:p>
-        </p:txBody>
-      </p:sp>
-    </p:spTree>
-    <p:extLst>
-      <p:ext uri="{BB962C8B-B14F-4D97-AF65-F5344CB8AC3E}">
-        <p14:creationId xmlns:p14="http://schemas.microsoft.com/office/powerpoint/2010/main" val="2179192037"/>
-      </p:ext>
-    </p:extLst>
-  </p:cSld>
-  <p:clrMapOvr>
-    <a:masterClrMapping/>
-  </p:clrMapOvr>
-</p:sld>
-</file>
-
-<file path=ppt/slides/slide21.xml><?xml version="1.0" encoding="utf-8"?>
-<p:sld xmlns:a="http://schemas.openxmlformats.org/drawingml/2006/main" xmlns:r="http://schemas.openxmlformats.org/officeDocument/2006/relationships" xmlns:p="http://schemas.openxmlformats.org/presentationml/2006/main">
-  <p:cSld>
-    <p:spTree>
-      <p:nvGrpSpPr>
-        <p:cNvPr id="1" name=""/>
-        <p:cNvGrpSpPr/>
-        <p:nvPr/>
-      </p:nvGrpSpPr>
-      <p:grpSpPr>
-        <a:xfrm>
-          <a:off x="0" y="0"/>
-          <a:ext cx="0" cy="0"/>
-          <a:chOff x="0" y="0"/>
-          <a:chExt cx="0" cy="0"/>
-        </a:xfrm>
-      </p:grpSpPr>
-      <p:sp>
-        <p:nvSpPr>
-          <p:cNvPr id="2" name="Titolo 1">
-            <a:extLst>
-              <a:ext uri="{FF2B5EF4-FFF2-40B4-BE49-F238E27FC236}">
                 <a16:creationId xmlns:a16="http://schemas.microsoft.com/office/drawing/2014/main" id="{A8746ED2-5676-43D0-BB63-0A13E1E0A531}"/>
               </a:ext>
             </a:extLst>
@@ -9002,7 +9114,7 @@
 </p:sld>
 </file>
 
-<file path=ppt/slides/slide22.xml><?xml version="1.0" encoding="utf-8"?>
+<file path=ppt/slides/slide21.xml><?xml version="1.0" encoding="utf-8"?>
 <p:sld xmlns:a="http://schemas.openxmlformats.org/drawingml/2006/main" xmlns:r="http://schemas.openxmlformats.org/officeDocument/2006/relationships" xmlns:p="http://schemas.openxmlformats.org/presentationml/2006/main">
   <p:cSld>
     <p:spTree>
@@ -9140,10 +9252,6 @@
             <a:pPr marL="0" indent="0">
               <a:buNone/>
             </a:pPr>
-            <a:r>
-              <a:rPr lang="it-IT" dirty="0"/>
-              <a:t/>
-            </a:r>
             <a:br>
               <a:rPr lang="it-IT" dirty="0"/>
             </a:br>
@@ -9224,7 +9332,7 @@
 </p:sld>
 </file>
 
-<file path=ppt/slides/slide23.xml><?xml version="1.0" encoding="utf-8"?>
+<file path=ppt/slides/slide22.xml><?xml version="1.0" encoding="utf-8"?>
 <p:sld xmlns:a="http://schemas.openxmlformats.org/drawingml/2006/main" xmlns:r="http://schemas.openxmlformats.org/officeDocument/2006/relationships" xmlns:p="http://schemas.openxmlformats.org/presentationml/2006/main">
   <p:cSld>
     <p:spTree>
@@ -9293,41 +9401,23 @@
             <a:pPr marL="0" indent="0">
               <a:buNone/>
             </a:pPr>
-            <a:endParaRPr lang="it-IT" dirty="0"/>
+            <a:r>
+              <a:rPr lang="it-IT" dirty="0"/>
+              <a:t>Nel caso in cui l’asteroide collida con la navicella viene mandata a quest’ultima un messaggio di game over utilizzando «</a:t>
+            </a:r>
+            <a:r>
+              <a:rPr lang="it-IT" dirty="0" err="1"/>
+              <a:t>sendMessage</a:t>
+            </a:r>
+            <a:r>
+              <a:rPr lang="it-IT" dirty="0"/>
+              <a:t>»</a:t>
+            </a:r>
           </a:p>
           <a:p>
             <a:pPr marL="0" indent="0">
               <a:buNone/>
             </a:pPr>
-            <a:endParaRPr lang="it-IT" dirty="0"/>
-          </a:p>
-          <a:p>
-            <a:pPr marL="0" indent="0">
-              <a:buNone/>
-            </a:pPr>
-            <a:r>
-              <a:rPr lang="it-IT" dirty="0"/>
-              <a:t>Nel caso in cui l’asteroide collida con la navicella viene mandata a quest’ultima un messaggio di game over utilizzando «</a:t>
-            </a:r>
-            <a:r>
-              <a:rPr lang="it-IT" dirty="0" err="1"/>
-              <a:t>sendMessage</a:t>
-            </a:r>
-            <a:r>
-              <a:rPr lang="it-IT" dirty="0"/>
-              <a:t>»</a:t>
-            </a:r>
-          </a:p>
-          <a:p>
-            <a:pPr marL="0" indent="0">
-              <a:buNone/>
-            </a:pPr>
-            <a:endParaRPr lang="it-IT" dirty="0"/>
-          </a:p>
-          <a:p>
-            <a:pPr marL="0" indent="0">
-              <a:buNone/>
-            </a:pPr>
             <a:r>
               <a:rPr lang="it-IT" dirty="0"/>
               <a:t>In questo caso apparirà una schermata di game over e il gioco termina</a:t>
@@ -9335,6 +9425,36 @@
           </a:p>
         </p:txBody>
       </p:sp>
+      <p:pic>
+        <p:nvPicPr>
+          <p:cNvPr id="4" name="Immagine 3">
+            <a:extLst>
+              <a:ext uri="{FF2B5EF4-FFF2-40B4-BE49-F238E27FC236}">
+                <a16:creationId xmlns:a16="http://schemas.microsoft.com/office/drawing/2014/main" id="{70587D19-6C14-4EDE-84B0-FB5B5E9FCFA2}"/>
+              </a:ext>
+            </a:extLst>
+          </p:cNvPr>
+          <p:cNvPicPr>
+            <a:picLocks noChangeAspect="1"/>
+          </p:cNvPicPr>
+          <p:nvPr/>
+        </p:nvPicPr>
+        <p:blipFill>
+          <a:blip r:embed="rId2"/>
+          <a:stretch>
+            <a:fillRect/>
+          </a:stretch>
+        </p:blipFill>
+        <p:spPr>
+          <a:xfrm>
+            <a:off x="3741254" y="3438885"/>
+            <a:ext cx="4709491" cy="2895861"/>
+          </a:xfrm>
+          <a:prstGeom prst="rect">
+            <a:avLst/>
+          </a:prstGeom>
+        </p:spPr>
+      </p:pic>
     </p:spTree>
     <p:extLst>
       <p:ext uri="{BB962C8B-B14F-4D97-AF65-F5344CB8AC3E}">
@@ -9348,7 +9468,7 @@
 </p:sld>
 </file>
 
-<file path=ppt/slides/slide24.xml><?xml version="1.0" encoding="utf-8"?>
+<file path=ppt/slides/slide23.xml><?xml version="1.0" encoding="utf-8"?>
 <p:sld xmlns:a="http://schemas.openxmlformats.org/drawingml/2006/main" xmlns:r="http://schemas.openxmlformats.org/officeDocument/2006/relationships" xmlns:p="http://schemas.openxmlformats.org/presentationml/2006/main">
   <p:cSld>
     <p:spTree>
@@ -9700,8 +9820,8 @@
           </a:fontRef>
         </p:style>
       </p:cxnSp>
-      <mc:AlternateContent xmlns:mc="http://schemas.openxmlformats.org/markup-compatibility/2006">
-        <mc:Choice xmlns:a14="http://schemas.microsoft.com/office/drawing/2010/main" Requires="a14">
+      <mc:AlternateContent xmlns:mc="http://schemas.openxmlformats.org/markup-compatibility/2006" xmlns:a14="http://schemas.microsoft.com/office/drawing/2010/main">
+        <mc:Choice Requires="a14">
           <p:sp>
             <p:nvSpPr>
               <p:cNvPr id="28" name="CasellaDiTesto 27"/>
@@ -9769,7 +9889,7 @@
             </p:txBody>
           </p:sp>
         </mc:Choice>
-        <mc:Fallback>
+        <mc:Fallback xmlns="">
           <p:sp>
             <p:nvSpPr>
               <p:cNvPr id="28" name="CasellaDiTesto 27"/>
@@ -10205,13 +10325,13 @@
                           <a:rPr lang="it-IT" sz="1000" i="1" dirty="0" smtClean="0">
                             <a:latin typeface="Cambria Math" panose="02040503050406030204" pitchFamily="18" charset="0"/>
                           </a:rPr>
-                          <m:t>𝑝𝑜𝑠𝑖𝑡</m:t>
+                          <m:t>𝑝𝑜𝑠𝑖𝑡𝑖</m:t>
                         </m:r>
                         <m:r>
                           <a:rPr lang="it-IT" sz="1000" b="0" i="1" dirty="0" smtClean="0">
                             <a:latin typeface="Cambria Math" panose="02040503050406030204" pitchFamily="18" charset="0"/>
                           </a:rPr>
-                          <m:t>𝑖𝑜𝑛</m:t>
+                          <m:t>𝑜𝑛</m:t>
                         </m:r>
                       </m:oMath>
                     </m:oMathPara>
@@ -11107,8 +11227,8 @@
           </a:fontRef>
         </p:style>
       </p:cxnSp>
-      <mc:AlternateContent xmlns:mc="http://schemas.openxmlformats.org/markup-compatibility/2006">
-        <mc:Choice xmlns:a14="http://schemas.microsoft.com/office/drawing/2010/main" Requires="a14">
+      <mc:AlternateContent xmlns:mc="http://schemas.openxmlformats.org/markup-compatibility/2006" xmlns:a14="http://schemas.microsoft.com/office/drawing/2010/main">
+        <mc:Choice Requires="a14">
           <p:sp>
             <p:nvSpPr>
               <p:cNvPr id="70" name="CasellaDiTesto 69"/>
@@ -11212,7 +11332,7 @@
             </p:txBody>
           </p:sp>
         </mc:Choice>
-        <mc:Fallback>
+        <mc:Fallback xmlns="">
           <p:sp>
             <p:nvSpPr>
               <p:cNvPr id="70" name="CasellaDiTesto 69"/>
@@ -11329,8 +11449,8 @@
           </a:fontRef>
         </p:style>
       </p:cxnSp>
-      <mc:AlternateContent xmlns:mc="http://schemas.openxmlformats.org/markup-compatibility/2006">
-        <mc:Choice xmlns:a14="http://schemas.microsoft.com/office/drawing/2010/main" Requires="a14">
+      <mc:AlternateContent xmlns:mc="http://schemas.openxmlformats.org/markup-compatibility/2006" xmlns:a14="http://schemas.microsoft.com/office/drawing/2010/main">
+        <mc:Choice Requires="a14">
           <p:sp>
             <p:nvSpPr>
               <p:cNvPr id="76" name="CasellaDiTesto 75"/>
@@ -11441,7 +11561,7 @@
             </p:txBody>
           </p:sp>
         </mc:Choice>
-        <mc:Fallback>
+        <mc:Fallback xmlns="">
           <p:sp>
             <p:nvSpPr>
               <p:cNvPr id="76" name="CasellaDiTesto 75"/>
@@ -11517,8 +11637,8 @@
           </a:fontRef>
         </p:style>
       </p:cxnSp>
-      <mc:AlternateContent xmlns:mc="http://schemas.openxmlformats.org/markup-compatibility/2006">
-        <mc:Choice xmlns:a14="http://schemas.microsoft.com/office/drawing/2010/main" Requires="a14">
+      <mc:AlternateContent xmlns:mc="http://schemas.openxmlformats.org/markup-compatibility/2006" xmlns:a14="http://schemas.microsoft.com/office/drawing/2010/main">
+        <mc:Choice Requires="a14">
           <p:sp>
             <p:nvSpPr>
               <p:cNvPr id="85" name="CasellaDiTesto 84"/>
@@ -11562,7 +11682,7 @@
             </p:txBody>
           </p:sp>
         </mc:Choice>
-        <mc:Fallback>
+        <mc:Fallback xmlns="">
           <p:sp>
             <p:nvSpPr>
               <p:cNvPr id="85" name="CasellaDiTesto 84"/>
@@ -12212,13 +12332,13 @@
                           <a:rPr lang="it-IT" sz="1000" i="1" dirty="0" smtClean="0">
                             <a:latin typeface="Cambria Math" panose="02040503050406030204" pitchFamily="18" charset="0"/>
                           </a:rPr>
-                          <m:t>𝑝𝑜𝑠𝑖𝑡</m:t>
+                          <m:t>𝑝𝑜𝑠𝑖𝑡𝑖</m:t>
                         </m:r>
                         <m:r>
                           <a:rPr lang="it-IT" sz="1000" b="0" i="1" dirty="0" smtClean="0">
                             <a:latin typeface="Cambria Math" panose="02040503050406030204" pitchFamily="18" charset="0"/>
                           </a:rPr>
-                          <m:t>𝑖𝑜𝑛</m:t>
+                          <m:t>𝑜𝑛</m:t>
                         </m:r>
                       </m:oMath>
                     </m:oMathPara>
@@ -13599,7 +13719,7 @@
           </a:p>
           <a:p>
             <a:r>
-              <a:rPr lang="it-IT" sz="900" dirty="0" smtClean="0"/>
+              <a:rPr lang="it-IT" sz="900" dirty="0"/>
               <a:t>Output: </a:t>
             </a:r>
             <a:r>
@@ -13671,8 +13791,8 @@
           </a:p>
         </p:txBody>
       </p:sp>
-      <mc:AlternateContent xmlns:mc="http://schemas.openxmlformats.org/markup-compatibility/2006">
-        <mc:Choice xmlns:a14="http://schemas.microsoft.com/office/drawing/2010/main" Requires="a14">
+      <mc:AlternateContent xmlns:mc="http://schemas.openxmlformats.org/markup-compatibility/2006" xmlns:a14="http://schemas.microsoft.com/office/drawing/2010/main">
+        <mc:Choice Requires="a14">
           <p:sp>
             <p:nvSpPr>
               <p:cNvPr id="166" name="CasellaDiTesto 165"/>
@@ -13696,12 +13816,8 @@
               <a:lstStyle/>
               <a:p>
                 <a:r>
-                  <a:rPr lang="it-IT" sz="900" dirty="0" smtClean="0"/>
-                  <a:t>Variables</a:t>
-                </a:r>
-                <a:r>
                   <a:rPr lang="it-IT" sz="900" dirty="0"/>
-                  <a:t>: x</a:t>
+                  <a:t>Variables: x</a:t>
                 </a:r>
                 <a:r>
                   <a:rPr lang="it-IT" sz="900" baseline="-25000" dirty="0"/>
@@ -13730,68 +13846,67 @@
                     </m:r>
                   </m:oMath>
                 </a14:m>
-                <a:endParaRPr lang="it-IT" sz="900" dirty="0" smtClean="0">
+                <a:endParaRPr lang="it-IT" sz="900" dirty="0">
                   <a:ea typeface="Cambria Math" panose="02040503050406030204" pitchFamily="18" charset="0"/>
                 </a:endParaRPr>
               </a:p>
               <a:p>
                 <a:r>
-                  <a:rPr lang="it-IT" sz="900" dirty="0" err="1" smtClean="0"/>
+                  <a:rPr lang="it-IT" sz="900" dirty="0" err="1"/>
                   <a:t>Costant</a:t>
                 </a:r>
                 <a:r>
-                  <a:rPr lang="it-IT" sz="900" dirty="0" smtClean="0"/>
+                  <a:rPr lang="it-IT" sz="900" dirty="0"/>
                   <a:t>: </a:t>
                 </a:r>
                 <a:r>
-                  <a:rPr lang="it-IT" sz="900" i="1" dirty="0" err="1" smtClean="0"/>
+                  <a:rPr lang="it-IT" sz="900" i="1" dirty="0" err="1"/>
                   <a:t>v,x</a:t>
                 </a:r>
                 <a:r>
-                  <a:rPr lang="it-IT" sz="900" i="1" baseline="-25000" dirty="0" err="1" smtClean="0"/>
+                  <a:rPr lang="it-IT" sz="900" i="1" baseline="-25000" dirty="0" err="1"/>
                   <a:t>max</a:t>
                 </a:r>
                 <a:r>
-                  <a:rPr lang="it-IT" sz="900" dirty="0" smtClean="0"/>
+                  <a:rPr lang="it-IT" sz="900" dirty="0"/>
                   <a:t> ,</a:t>
                 </a:r>
                 <a:r>
-                  <a:rPr lang="it-IT" sz="900" i="1" dirty="0" err="1" smtClean="0"/>
+                  <a:rPr lang="it-IT" sz="900" i="1" dirty="0" err="1"/>
                   <a:t>x</a:t>
                 </a:r>
                 <a:r>
-                  <a:rPr lang="it-IT" sz="900" i="1" baseline="-25000" dirty="0" err="1" smtClean="0"/>
+                  <a:rPr lang="it-IT" sz="900" i="1" baseline="-25000" dirty="0" err="1"/>
                   <a:t>min</a:t>
                 </a:r>
                 <a:r>
-                  <a:rPr lang="it-IT" sz="900" dirty="0" err="1" smtClean="0"/>
+                  <a:rPr lang="it-IT" sz="900" dirty="0" err="1"/>
                   <a:t>,</a:t>
                 </a:r>
                 <a:r>
-                  <a:rPr lang="it-IT" sz="900" i="1" dirty="0" err="1" smtClean="0"/>
+                  <a:rPr lang="it-IT" sz="900" i="1" dirty="0" err="1"/>
                   <a:t>y</a:t>
                 </a:r>
                 <a:r>
-                  <a:rPr lang="it-IT" sz="900" i="1" baseline="-25000" dirty="0" err="1" smtClean="0"/>
+                  <a:rPr lang="it-IT" sz="900" i="1" baseline="-25000" dirty="0" err="1"/>
                   <a:t>max</a:t>
                 </a:r>
                 <a:r>
-                  <a:rPr lang="it-IT" sz="900" dirty="0" smtClean="0"/>
+                  <a:rPr lang="it-IT" sz="900" dirty="0"/>
                   <a:t> ,</a:t>
                 </a:r>
                 <a:r>
-                  <a:rPr lang="it-IT" sz="900" i="1" dirty="0" err="1" smtClean="0"/>
+                  <a:rPr lang="it-IT" sz="900" i="1" dirty="0" err="1"/>
                   <a:t>y</a:t>
                 </a:r>
                 <a:r>
-                  <a:rPr lang="it-IT" sz="900" i="1" baseline="-25000" dirty="0" err="1" smtClean="0"/>
+                  <a:rPr lang="it-IT" sz="900" i="1" baseline="-25000" dirty="0" err="1"/>
                   <a:t>min</a:t>
                 </a:r>
                 <a:r>
-                  <a:rPr lang="it-IT" sz="900" dirty="0" smtClean="0"/>
+                  <a:rPr lang="it-IT" sz="900" dirty="0"/>
                   <a:t> </a:t>
                 </a:r>
-                <a:endParaRPr lang="it-IT" sz="900" dirty="0"/>
               </a:p>
               <a:p>
                 <a:r>
@@ -13828,7 +13943,7 @@
             </p:txBody>
           </p:sp>
         </mc:Choice>
-        <mc:Fallback>
+        <mc:Fallback xmlns="">
           <p:sp>
             <p:nvSpPr>
               <p:cNvPr id="166" name="CasellaDiTesto 165"/>
@@ -13928,14 +14043,13 @@
               <a:t>Input: </a:t>
             </a:r>
             <a:r>
-              <a:rPr lang="it-IT" sz="1200" dirty="0" err="1" smtClean="0"/>
+              <a:rPr lang="it-IT" sz="1200" dirty="0" err="1"/>
               <a:t>position,w,a,s,d</a:t>
             </a:r>
             <a:r>
-              <a:rPr lang="it-IT" sz="1200" dirty="0" smtClean="0"/>
+              <a:rPr lang="it-IT" sz="1200" dirty="0"/>
               <a:t>  </a:t>
             </a:r>
-            <a:endParaRPr lang="it-IT" sz="1200" dirty="0"/>
           </a:p>
           <a:p>
             <a:r>
@@ -14129,8 +14243,8 @@
           </a:fontRef>
         </p:style>
       </p:cxnSp>
-      <mc:AlternateContent xmlns:mc="http://schemas.openxmlformats.org/markup-compatibility/2006">
-        <mc:Choice xmlns:a14="http://schemas.microsoft.com/office/drawing/2010/main" Requires="a14">
+      <mc:AlternateContent xmlns:mc="http://schemas.openxmlformats.org/markup-compatibility/2006" xmlns:a14="http://schemas.microsoft.com/office/drawing/2010/main">
+        <mc:Choice Requires="a14">
           <p:sp>
             <p:nvSpPr>
               <p:cNvPr id="183" name="CasellaDiTesto 182"/>
@@ -14154,12 +14268,8 @@
               <a:lstStyle/>
               <a:p>
                 <a:r>
-                  <a:rPr lang="it-IT" sz="900" dirty="0" smtClean="0"/>
-                  <a:t>Variables</a:t>
-                </a:r>
-                <a:r>
                   <a:rPr lang="it-IT" sz="900" dirty="0"/>
-                  <a:t>: x</a:t>
+                  <a:t>Variables: x</a:t>
                 </a:r>
                 <a:r>
                   <a:rPr lang="it-IT" sz="900" baseline="-25000" dirty="0"/>
@@ -14188,68 +14298,67 @@
                     </m:r>
                   </m:oMath>
                 </a14:m>
-                <a:endParaRPr lang="it-IT" sz="900" dirty="0" smtClean="0">
+                <a:endParaRPr lang="it-IT" sz="900" dirty="0">
                   <a:ea typeface="Cambria Math" panose="02040503050406030204" pitchFamily="18" charset="0"/>
                 </a:endParaRPr>
               </a:p>
               <a:p>
                 <a:r>
-                  <a:rPr lang="it-IT" sz="900" dirty="0" err="1" smtClean="0"/>
+                  <a:rPr lang="it-IT" sz="900" dirty="0" err="1"/>
                   <a:t>Costant</a:t>
                 </a:r>
                 <a:r>
-                  <a:rPr lang="it-IT" sz="900" dirty="0" smtClean="0"/>
+                  <a:rPr lang="it-IT" sz="900" dirty="0"/>
                   <a:t>: </a:t>
                 </a:r>
                 <a:r>
-                  <a:rPr lang="it-IT" sz="900" i="1" dirty="0" err="1" smtClean="0"/>
+                  <a:rPr lang="it-IT" sz="900" i="1" dirty="0" err="1"/>
                   <a:t>v,x</a:t>
                 </a:r>
                 <a:r>
-                  <a:rPr lang="it-IT" sz="900" i="1" baseline="-25000" dirty="0" err="1" smtClean="0"/>
+                  <a:rPr lang="it-IT" sz="900" i="1" baseline="-25000" dirty="0" err="1"/>
                   <a:t>max</a:t>
                 </a:r>
                 <a:r>
-                  <a:rPr lang="it-IT" sz="900" dirty="0" smtClean="0"/>
+                  <a:rPr lang="it-IT" sz="900" dirty="0"/>
                   <a:t> ,</a:t>
                 </a:r>
                 <a:r>
-                  <a:rPr lang="it-IT" sz="900" i="1" dirty="0" err="1" smtClean="0"/>
+                  <a:rPr lang="it-IT" sz="900" i="1" dirty="0" err="1"/>
                   <a:t>x</a:t>
                 </a:r>
                 <a:r>
-                  <a:rPr lang="it-IT" sz="900" i="1" baseline="-25000" dirty="0" err="1" smtClean="0"/>
+                  <a:rPr lang="it-IT" sz="900" i="1" baseline="-25000" dirty="0" err="1"/>
                   <a:t>min</a:t>
                 </a:r>
                 <a:r>
-                  <a:rPr lang="it-IT" sz="900" dirty="0" err="1" smtClean="0"/>
+                  <a:rPr lang="it-IT" sz="900" dirty="0" err="1"/>
                   <a:t>,</a:t>
                 </a:r>
                 <a:r>
-                  <a:rPr lang="it-IT" sz="900" i="1" dirty="0" err="1" smtClean="0"/>
+                  <a:rPr lang="it-IT" sz="900" i="1" dirty="0" err="1"/>
                   <a:t>y</a:t>
                 </a:r>
                 <a:r>
-                  <a:rPr lang="it-IT" sz="900" i="1" baseline="-25000" dirty="0" err="1" smtClean="0"/>
+                  <a:rPr lang="it-IT" sz="900" i="1" baseline="-25000" dirty="0" err="1"/>
                   <a:t>max</a:t>
                 </a:r>
                 <a:r>
-                  <a:rPr lang="it-IT" sz="900" dirty="0" smtClean="0"/>
+                  <a:rPr lang="it-IT" sz="900" dirty="0"/>
                   <a:t> ,</a:t>
                 </a:r>
                 <a:r>
-                  <a:rPr lang="it-IT" sz="900" i="1" dirty="0" err="1" smtClean="0"/>
+                  <a:rPr lang="it-IT" sz="900" i="1" dirty="0" err="1"/>
                   <a:t>y</a:t>
                 </a:r>
                 <a:r>
-                  <a:rPr lang="it-IT" sz="900" i="1" baseline="-25000" dirty="0" err="1" smtClean="0"/>
+                  <a:rPr lang="it-IT" sz="900" i="1" baseline="-25000" dirty="0" err="1"/>
                   <a:t>min</a:t>
                 </a:r>
                 <a:r>
-                  <a:rPr lang="it-IT" sz="900" dirty="0" smtClean="0"/>
+                  <a:rPr lang="it-IT" sz="900" dirty="0"/>
                   <a:t> </a:t>
                 </a:r>
-                <a:endParaRPr lang="it-IT" sz="900" dirty="0"/>
               </a:p>
               <a:p>
                 <a:r>
@@ -14286,7 +14395,7 @@
             </p:txBody>
           </p:sp>
         </mc:Choice>
-        <mc:Fallback>
+        <mc:Fallback xmlns="">
           <p:sp>
             <p:nvSpPr>
               <p:cNvPr id="183" name="CasellaDiTesto 182"/>
@@ -14379,19 +14488,19 @@
           <a:p>
             <a:pPr algn="ctr"/>
             <a:r>
-              <a:rPr lang="it-IT" dirty="0" smtClean="0"/>
+              <a:rPr lang="it-IT" dirty="0"/>
               <a:t>FSM </a:t>
             </a:r>
             <a:r>
-              <a:rPr lang="it-IT" dirty="0" err="1" smtClean="0"/>
+              <a:rPr lang="it-IT" dirty="0" err="1"/>
               <a:t>Asteroids</a:t>
             </a:r>
             <a:r>
-              <a:rPr lang="it-IT" dirty="0" smtClean="0"/>
+              <a:rPr lang="it-IT" dirty="0"/>
               <a:t>, State </a:t>
             </a:r>
             <a:r>
-              <a:rPr lang="it-IT" dirty="0" err="1" smtClean="0"/>
+              <a:rPr lang="it-IT" dirty="0" err="1"/>
               <a:t>refinement</a:t>
             </a:r>
             <a:endParaRPr lang="it-IT" dirty="0"/>
@@ -14421,7 +14530,7 @@
           <a:lstStyle/>
           <a:p>
             <a:r>
-              <a:rPr lang="it-IT" sz="1500" dirty="0" smtClean="0"/>
+              <a:rPr lang="it-IT" sz="1500" dirty="0"/>
               <a:t>Output:</a:t>
             </a:r>
           </a:p>
@@ -14435,37 +14544,32 @@
             </a:pPr>
             <a:r>
               <a:rPr lang="it-IT" sz="1500" i="1" dirty="0"/>
-              <a:t>p</a:t>
-            </a:r>
-            <a:r>
-              <a:rPr lang="it-IT" sz="1500" i="1" dirty="0" smtClean="0"/>
-              <a:t>osition </a:t>
-            </a:r>
-            <a:r>
-              <a:rPr lang="it-IT" sz="1500" dirty="0" smtClean="0"/>
+              <a:t>position </a:t>
+            </a:r>
+            <a:r>
+              <a:rPr lang="it-IT" sz="1500" dirty="0"/>
               <a:t>(posizione attuale dell’asteroide (</a:t>
             </a:r>
             <a:r>
-              <a:rPr lang="it-IT" sz="1500" i="1" dirty="0" smtClean="0"/>
+              <a:rPr lang="it-IT" sz="1500" i="1" dirty="0"/>
               <a:t>x</a:t>
             </a:r>
             <a:r>
-              <a:rPr lang="it-IT" sz="1500" i="1" baseline="-25000" dirty="0" smtClean="0"/>
+              <a:rPr lang="it-IT" sz="1500" i="1" baseline="-25000" dirty="0"/>
               <a:t>a</a:t>
             </a:r>
             <a:r>
-              <a:rPr lang="it-IT" sz="1500" i="1" dirty="0" smtClean="0"/>
+              <a:rPr lang="it-IT" sz="1500" i="1" dirty="0"/>
               <a:t>,y</a:t>
             </a:r>
             <a:r>
-              <a:rPr lang="it-IT" sz="1500" i="1" baseline="-25000" dirty="0" smtClean="0"/>
+              <a:rPr lang="it-IT" sz="1500" i="1" baseline="-25000" dirty="0"/>
               <a:t>a</a:t>
             </a:r>
             <a:r>
-              <a:rPr lang="it-IT" sz="1500" dirty="0" smtClean="0"/>
+              <a:rPr lang="it-IT" sz="1500" dirty="0"/>
               <a:t>) )</a:t>
             </a:r>
-            <a:endParaRPr lang="it-IT" sz="1500" dirty="0"/>
           </a:p>
         </p:txBody>
       </p:sp>
@@ -14540,7 +14644,7 @@
               <a:p>
                 <a:pPr algn="ctr"/>
                 <a:r>
-                  <a:rPr lang="it-IT" sz="2000" dirty="0" err="1" smtClean="0">
+                  <a:rPr lang="it-IT" sz="2000" dirty="0" err="1">
                     <a:solidFill>
                       <a:schemeClr val="tx1"/>
                     </a:solidFill>
@@ -14877,12 +14981,12 @@
                         </m:oMath>
                       </m:oMathPara>
                     </a14:m>
-                    <a:endParaRPr lang="it-IT" sz="1000" b="0" dirty="0" smtClean="0">
+                    <a:endParaRPr lang="it-IT" sz="1000" b="0" dirty="0">
                       <a:ea typeface="Cambria Math" panose="02040503050406030204" pitchFamily="18" charset="0"/>
                     </a:endParaRPr>
                   </a:p>
                   <a:p>
-                    <a:endParaRPr lang="it-IT" sz="1000" b="0" dirty="0" smtClean="0">
+                    <a:endParaRPr lang="it-IT" sz="1000" b="0" dirty="0">
                       <a:ea typeface="Cambria Math" panose="02040503050406030204" pitchFamily="18" charset="0"/>
                     </a:endParaRPr>
                   </a:p>
@@ -15243,12 +15347,12 @@
                         </m:oMath>
                       </m:oMathPara>
                     </a14:m>
-                    <a:endParaRPr lang="it-IT" sz="1000" b="0" dirty="0" smtClean="0">
+                    <a:endParaRPr lang="it-IT" sz="1000" b="0" dirty="0">
                       <a:ea typeface="Cambria Math" panose="02040503050406030204" pitchFamily="18" charset="0"/>
                     </a:endParaRPr>
                   </a:p>
                   <a:p>
-                    <a:endParaRPr lang="it-IT" sz="1000" b="0" dirty="0" smtClean="0"/>
+                    <a:endParaRPr lang="it-IT" sz="1000" b="0" dirty="0"/>
                   </a:p>
                 </p:txBody>
               </p:sp>
@@ -15382,13 +15486,13 @@
                             <a:rPr lang="it-IT" sz="1000" i="1" dirty="0" smtClean="0">
                               <a:latin typeface="Cambria Math" panose="02040503050406030204" pitchFamily="18" charset="0"/>
                             </a:rPr>
-                            <m:t>𝑝𝑜𝑠𝑖𝑡</m:t>
+                            <m:t>𝑝𝑜𝑠𝑖𝑡𝑖</m:t>
                           </m:r>
                           <m:r>
                             <a:rPr lang="it-IT" sz="1000" b="0" i="1" dirty="0" smtClean="0">
                               <a:latin typeface="Cambria Math" panose="02040503050406030204" pitchFamily="18" charset="0"/>
                             </a:rPr>
-                            <m:t>𝑖𝑜𝑛</m:t>
+                            <m:t>𝑜𝑛</m:t>
                           </m:r>
                         </m:oMath>
                       </m:oMathPara>
@@ -15614,7 +15718,7 @@
                         </m:oMath>
                       </m:oMathPara>
                     </a14:m>
-                    <a:endParaRPr lang="it-IT" sz="1000" b="0" dirty="0" smtClean="0"/>
+                    <a:endParaRPr lang="it-IT" sz="1000" b="0" dirty="0"/>
                   </a:p>
                   <a:p>
                     <a:pPr/>
@@ -16051,8 +16155,8 @@
           </a:fontRef>
         </p:style>
       </p:cxnSp>
-      <mc:AlternateContent xmlns:mc="http://schemas.openxmlformats.org/markup-compatibility/2006">
-        <mc:Choice xmlns:a14="http://schemas.microsoft.com/office/drawing/2010/main" Requires="a14">
+      <mc:AlternateContent xmlns:mc="http://schemas.openxmlformats.org/markup-compatibility/2006" xmlns:a14="http://schemas.microsoft.com/office/drawing/2010/main">
+        <mc:Choice Requires="a14">
           <p:sp>
             <p:nvSpPr>
               <p:cNvPr id="27" name="CasellaDiTesto 26"/>
@@ -16102,7 +16206,7 @@
             </p:txBody>
           </p:sp>
         </mc:Choice>
-        <mc:Fallback>
+        <mc:Fallback xmlns="">
           <p:sp>
             <p:nvSpPr>
               <p:cNvPr id="27" name="CasellaDiTesto 26"/>
@@ -16223,8 +16327,8 @@
           </a:fontRef>
         </p:style>
       </p:cxnSp>
-      <mc:AlternateContent xmlns:mc="http://schemas.openxmlformats.org/markup-compatibility/2006">
-        <mc:Choice xmlns:a14="http://schemas.microsoft.com/office/drawing/2010/main" Requires="a14">
+      <mc:AlternateContent xmlns:mc="http://schemas.openxmlformats.org/markup-compatibility/2006" xmlns:a14="http://schemas.microsoft.com/office/drawing/2010/main">
+        <mc:Choice Requires="a14">
           <p:sp>
             <p:nvSpPr>
               <p:cNvPr id="30" name="CasellaDiTesto 29"/>
@@ -16335,7 +16439,7 @@
             </p:txBody>
           </p:sp>
         </mc:Choice>
-        <mc:Fallback>
+        <mc:Fallback xmlns="">
           <p:sp>
             <p:nvSpPr>
               <p:cNvPr id="30" name="CasellaDiTesto 29"/>
@@ -16417,18 +16521,13 @@
           <a:p>
             <a:pPr algn="ctr"/>
             <a:r>
-              <a:rPr lang="it-IT" sz="2000" dirty="0" smtClean="0">
+              <a:rPr lang="it-IT" sz="2000" dirty="0">
                 <a:solidFill>
                   <a:schemeClr val="tx1"/>
                 </a:solidFill>
               </a:rPr>
               <a:t>Stop</a:t>
             </a:r>
-            <a:endParaRPr lang="it-IT" sz="2000" dirty="0">
-              <a:solidFill>
-                <a:schemeClr val="tx1"/>
-              </a:solidFill>
-            </a:endParaRPr>
           </a:p>
         </p:txBody>
       </p:sp>
@@ -16489,7 +16588,6 @@
               <a:rPr lang="it-IT" sz="1500" dirty="0"/>
               <a:t> (posizione asteroide)</a:t>
             </a:r>
-            <a:endParaRPr lang="it-IT" sz="1500" dirty="0"/>
           </a:p>
           <a:p>
             <a:pPr marL="447675" lvl="1" indent="-180975">
@@ -16512,7 +16610,6 @@
               <a:rPr lang="it-IT" sz="1500" dirty="0"/>
               <a:t>(posizione asteroide)</a:t>
             </a:r>
-            <a:endParaRPr lang="it-IT" sz="1500" dirty="0"/>
           </a:p>
           <a:p>
             <a:pPr marL="266700" indent="-266700">
@@ -16553,15 +16650,7 @@
             </a:r>
             <a:r>
               <a:rPr lang="it-IT" sz="1500" dirty="0"/>
-              <a:t> (valore </a:t>
-            </a:r>
-            <a:r>
-              <a:rPr lang="it-IT" sz="1500" dirty="0" smtClean="0"/>
-              <a:t>massimo, bordo</a:t>
-            </a:r>
-            <a:r>
-              <a:rPr lang="it-IT" sz="1500" dirty="0"/>
-              <a:t>)</a:t>
+              <a:t> (valore massimo, bordo)</a:t>
             </a:r>
           </a:p>
           <a:p>
@@ -16636,13 +16725,6 @@
   <p:clrMapOvr>
     <a:masterClrMapping/>
   </p:clrMapOvr>
-  <p:timing>
-    <p:tnLst>
-      <p:par>
-        <p:cTn id="1" dur="indefinite" restart="never" nodeType="tmRoot"/>
-      </p:par>
-    </p:tnLst>
-  </p:timing>
 </p:sld>
 </file>
 
@@ -16916,17 +16998,8 @@
             </a:r>
             <a:r>
               <a:rPr lang="it-IT" sz="1500" dirty="0"/>
-              <a:t> (posizione </a:t>
-            </a:r>
-            <a:r>
-              <a:rPr lang="it-IT" sz="1500" dirty="0" smtClean="0"/>
-              <a:t>navicella</a:t>
-            </a:r>
-            <a:r>
-              <a:rPr lang="it-IT" sz="1500" dirty="0" smtClean="0"/>
-              <a:t>)</a:t>
-            </a:r>
-            <a:endParaRPr lang="it-IT" sz="1500" dirty="0"/>
+              <a:t> (posizione navicella)</a:t>
+            </a:r>
           </a:p>
           <a:p>
             <a:pPr marL="447675" lvl="1" indent="-180975">
@@ -16947,17 +17020,8 @@
             </a:r>
             <a:r>
               <a:rPr lang="it-IT" sz="1500" dirty="0"/>
-              <a:t>(posizione </a:t>
-            </a:r>
-            <a:r>
-              <a:rPr lang="it-IT" sz="1500" dirty="0" smtClean="0"/>
-              <a:t>navicella</a:t>
-            </a:r>
-            <a:r>
-              <a:rPr lang="it-IT" sz="1500" dirty="0" smtClean="0"/>
-              <a:t>)</a:t>
-            </a:r>
-            <a:endParaRPr lang="it-IT" sz="1500" dirty="0"/>
+              <a:t>(posizione navicella)</a:t>
+            </a:r>
           </a:p>
           <a:p>
             <a:pPr marL="266700" indent="-266700">
@@ -16998,15 +17062,7 @@
             </a:r>
             <a:r>
               <a:rPr lang="it-IT" sz="1500" dirty="0"/>
-              <a:t> (valore </a:t>
-            </a:r>
-            <a:r>
-              <a:rPr lang="it-IT" sz="1500" dirty="0" smtClean="0"/>
-              <a:t>massimo, bordo</a:t>
-            </a:r>
-            <a:r>
-              <a:rPr lang="it-IT" sz="1500" dirty="0"/>
-              <a:t>)</a:t>
+              <a:t> (valore massimo, bordo)</a:t>
             </a:r>
           </a:p>
           <a:p>
@@ -23665,8 +23721,8 @@
             </a:fontRef>
           </p:style>
         </p:cxnSp>
-        <mc:AlternateContent xmlns:mc="http://schemas.openxmlformats.org/markup-compatibility/2006">
-          <mc:Choice xmlns:a14="http://schemas.microsoft.com/office/drawing/2010/main" Requires="a14">
+        <mc:AlternateContent xmlns:mc="http://schemas.openxmlformats.org/markup-compatibility/2006" xmlns:a14="http://schemas.microsoft.com/office/drawing/2010/main">
+          <mc:Choice Requires="a14">
             <p:sp>
               <p:nvSpPr>
                 <p:cNvPr id="101" name="CasellaDiTesto 100"/>
@@ -23770,7 +23826,7 @@
               </p:txBody>
             </p:sp>
           </mc:Choice>
-          <mc:Fallback>
+          <mc:Fallback xmlns="">
             <p:sp>
               <p:nvSpPr>
                 <p:cNvPr id="101" name="CasellaDiTesto 100"/>
@@ -24508,8 +24564,8 @@
           </a:fontRef>
         </p:style>
       </p:cxnSp>
-      <mc:AlternateContent xmlns:mc="http://schemas.openxmlformats.org/markup-compatibility/2006">
-        <mc:Choice xmlns:a14="http://schemas.microsoft.com/office/drawing/2010/main" Requires="a14">
+      <mc:AlternateContent xmlns:mc="http://schemas.openxmlformats.org/markup-compatibility/2006" xmlns:a14="http://schemas.microsoft.com/office/drawing/2010/main">
+        <mc:Choice Requires="a14">
           <p:sp>
             <p:nvSpPr>
               <p:cNvPr id="16" name="CasellaDiTesto 15"/>
@@ -24613,7 +24669,7 @@
             </p:txBody>
           </p:sp>
         </mc:Choice>
-        <mc:Fallback>
+        <mc:Fallback xmlns="">
           <p:sp>
             <p:nvSpPr>
               <p:cNvPr id="16" name="CasellaDiTesto 15"/>
@@ -24662,14 +24718,6 @@
   <p:clrMapOvr>
     <a:masterClrMapping/>
   </p:clrMapOvr>
-  <mc:AlternateContent xmlns:mc="http://schemas.openxmlformats.org/markup-compatibility/2006">
-    <mc:Choice xmlns:p14="http://schemas.microsoft.com/office/powerpoint/2010/main" Requires="p14">
-      <p:transition spd="slow" p14:dur="2000"/>
-    </mc:Choice>
-    <mc:Fallback>
-      <p:transition spd="slow"/>
-    </mc:Fallback>
-  </mc:AlternateContent>
 </p:sld>
 </file>
 
@@ -25336,14 +25384,6 @@
   <p:clrMapOvr>
     <a:masterClrMapping/>
   </p:clrMapOvr>
-  <mc:AlternateContent xmlns:mc="http://schemas.openxmlformats.org/markup-compatibility/2006">
-    <mc:Choice xmlns:p14="http://schemas.microsoft.com/office/powerpoint/2010/main" Requires="p14">
-      <p:transition spd="slow" p14:dur="2000"/>
-    </mc:Choice>
-    <mc:Fallback>
-      <p:transition spd="slow"/>
-    </mc:Fallback>
-  </mc:AlternateContent>
 </p:sld>
 </file>
 
@@ -26010,14 +26050,6 @@
   <p:clrMapOvr>
     <a:masterClrMapping/>
   </p:clrMapOvr>
-  <mc:AlternateContent xmlns:mc="http://schemas.openxmlformats.org/markup-compatibility/2006">
-    <mc:Choice xmlns:p14="http://schemas.microsoft.com/office/powerpoint/2010/main" Requires="p14">
-      <p:transition spd="slow" p14:dur="2000"/>
-    </mc:Choice>
-    <mc:Fallback>
-      <p:transition spd="slow"/>
-    </mc:Fallback>
-  </mc:AlternateContent>
 </p:sld>
 </file>
 
@@ -26684,14 +26716,6 @@
   <p:clrMapOvr>
     <a:masterClrMapping/>
   </p:clrMapOvr>
-  <mc:AlternateContent xmlns:mc="http://schemas.openxmlformats.org/markup-compatibility/2006">
-    <mc:Choice xmlns:p14="http://schemas.microsoft.com/office/powerpoint/2010/main" Requires="p14">
-      <p:transition spd="slow" p14:dur="2000"/>
-    </mc:Choice>
-    <mc:Fallback>
-      <p:transition spd="slow"/>
-    </mc:Fallback>
-  </mc:AlternateContent>
 </p:sld>
 </file>
 

--- a/Progetto sistemi.pptx
+++ b/Progetto sistemi.pptx
@@ -271,7 +271,7 @@
           <a:p>
             <a:fld id="{E7209603-6E60-49B9-BBC7-D363A6F8E0E1}" type="datetimeFigureOut">
               <a:rPr lang="it-IT" smtClean="0"/>
-              <a:t>16/02/2018</a:t>
+              <a:t>18/02/2018</a:t>
             </a:fld>
             <a:endParaRPr lang="it-IT"/>
           </a:p>
@@ -436,7 +436,7 @@
           <a:p>
             <a:fld id="{28EC8708-F48D-430F-8DA4-8CA34B9897F8}" type="datetimeFigureOut">
               <a:rPr lang="it-IT" smtClean="0"/>
-              <a:t>16/02/2018</a:t>
+              <a:t>18/02/2018</a:t>
             </a:fld>
             <a:endParaRPr lang="it-IT"/>
           </a:p>
@@ -1621,7 +1621,7 @@
           <a:p>
             <a:fld id="{5243369B-FBAA-403C-8A1E-C9994F99F854}" type="datetimeFigureOut">
               <a:rPr lang="it-IT" smtClean="0"/>
-              <a:t>16/02/2018</a:t>
+              <a:t>18/02/2018</a:t>
             </a:fld>
             <a:endParaRPr lang="it-IT"/>
           </a:p>
@@ -1789,7 +1789,7 @@
           <a:p>
             <a:fld id="{5243369B-FBAA-403C-8A1E-C9994F99F854}" type="datetimeFigureOut">
               <a:rPr lang="it-IT" smtClean="0"/>
-              <a:t>16/02/2018</a:t>
+              <a:t>18/02/2018</a:t>
             </a:fld>
             <a:endParaRPr lang="it-IT"/>
           </a:p>
@@ -1967,7 +1967,7 @@
           <a:p>
             <a:fld id="{5243369B-FBAA-403C-8A1E-C9994F99F854}" type="datetimeFigureOut">
               <a:rPr lang="it-IT" smtClean="0"/>
-              <a:t>16/02/2018</a:t>
+              <a:t>18/02/2018</a:t>
             </a:fld>
             <a:endParaRPr lang="it-IT"/>
           </a:p>
@@ -2135,7 +2135,7 @@
           <a:p>
             <a:fld id="{5243369B-FBAA-403C-8A1E-C9994F99F854}" type="datetimeFigureOut">
               <a:rPr lang="it-IT" smtClean="0"/>
-              <a:t>16/02/2018</a:t>
+              <a:t>18/02/2018</a:t>
             </a:fld>
             <a:endParaRPr lang="it-IT"/>
           </a:p>
@@ -2380,7 +2380,7 @@
           <a:p>
             <a:fld id="{5243369B-FBAA-403C-8A1E-C9994F99F854}" type="datetimeFigureOut">
               <a:rPr lang="it-IT" smtClean="0"/>
-              <a:t>16/02/2018</a:t>
+              <a:t>18/02/2018</a:t>
             </a:fld>
             <a:endParaRPr lang="it-IT"/>
           </a:p>
@@ -2609,7 +2609,7 @@
           <a:p>
             <a:fld id="{5243369B-FBAA-403C-8A1E-C9994F99F854}" type="datetimeFigureOut">
               <a:rPr lang="it-IT" smtClean="0"/>
-              <a:t>16/02/2018</a:t>
+              <a:t>18/02/2018</a:t>
             </a:fld>
             <a:endParaRPr lang="it-IT"/>
           </a:p>
@@ -2973,7 +2973,7 @@
           <a:p>
             <a:fld id="{5243369B-FBAA-403C-8A1E-C9994F99F854}" type="datetimeFigureOut">
               <a:rPr lang="it-IT" smtClean="0"/>
-              <a:t>16/02/2018</a:t>
+              <a:t>18/02/2018</a:t>
             </a:fld>
             <a:endParaRPr lang="it-IT"/>
           </a:p>
@@ -3090,7 +3090,7 @@
           <a:p>
             <a:fld id="{5243369B-FBAA-403C-8A1E-C9994F99F854}" type="datetimeFigureOut">
               <a:rPr lang="it-IT" smtClean="0"/>
-              <a:t>16/02/2018</a:t>
+              <a:t>18/02/2018</a:t>
             </a:fld>
             <a:endParaRPr lang="it-IT"/>
           </a:p>
@@ -3185,7 +3185,7 @@
           <a:p>
             <a:fld id="{5243369B-FBAA-403C-8A1E-C9994F99F854}" type="datetimeFigureOut">
               <a:rPr lang="it-IT" smtClean="0"/>
-              <a:t>16/02/2018</a:t>
+              <a:t>18/02/2018</a:t>
             </a:fld>
             <a:endParaRPr lang="it-IT"/>
           </a:p>
@@ -3460,7 +3460,7 @@
           <a:p>
             <a:fld id="{5243369B-FBAA-403C-8A1E-C9994F99F854}" type="datetimeFigureOut">
               <a:rPr lang="it-IT" smtClean="0"/>
-              <a:t>16/02/2018</a:t>
+              <a:t>18/02/2018</a:t>
             </a:fld>
             <a:endParaRPr lang="it-IT"/>
           </a:p>
@@ -3712,7 +3712,7 @@
           <a:p>
             <a:fld id="{5243369B-FBAA-403C-8A1E-C9994F99F854}" type="datetimeFigureOut">
               <a:rPr lang="it-IT" smtClean="0"/>
-              <a:t>16/02/2018</a:t>
+              <a:t>18/02/2018</a:t>
             </a:fld>
             <a:endParaRPr lang="it-IT"/>
           </a:p>
@@ -3923,7 +3923,7 @@
           <a:p>
             <a:fld id="{5243369B-FBAA-403C-8A1E-C9994F99F854}" type="datetimeFigureOut">
               <a:rPr lang="it-IT" smtClean="0"/>
-              <a:t>16/02/2018</a:t>
+              <a:t>18/02/2018</a:t>
             </a:fld>
             <a:endParaRPr lang="it-IT"/>
           </a:p>
@@ -5052,6 +5052,14 @@
   <p:clrMapOvr>
     <a:masterClrMapping/>
   </p:clrMapOvr>
+  <mc:AlternateContent xmlns:mc="http://schemas.openxmlformats.org/markup-compatibility/2006">
+    <mc:Choice xmlns:p14="http://schemas.microsoft.com/office/powerpoint/2010/main" Requires="p14">
+      <p:transition spd="slow" p14:dur="2000"/>
+    </mc:Choice>
+    <mc:Fallback>
+      <p:transition spd="slow"/>
+    </mc:Fallback>
+  </mc:AlternateContent>
 </p:sld>
 </file>
 
@@ -5826,6 +5834,14 @@
   <p:clrMapOvr>
     <a:masterClrMapping/>
   </p:clrMapOvr>
+  <mc:AlternateContent xmlns:mc="http://schemas.openxmlformats.org/markup-compatibility/2006">
+    <mc:Choice xmlns:p14="http://schemas.microsoft.com/office/powerpoint/2010/main" Requires="p14">
+      <p:transition spd="slow" p14:dur="2000"/>
+    </mc:Choice>
+    <mc:Fallback>
+      <p:transition spd="slow"/>
+    </mc:Fallback>
+  </mc:AlternateContent>
 </p:sld>
 </file>
 
@@ -6594,6 +6610,14 @@
   <p:clrMapOvr>
     <a:masterClrMapping/>
   </p:clrMapOvr>
+  <mc:AlternateContent xmlns:mc="http://schemas.openxmlformats.org/markup-compatibility/2006">
+    <mc:Choice xmlns:p14="http://schemas.microsoft.com/office/powerpoint/2010/main" Requires="p14">
+      <p:transition spd="slow" p14:dur="2000"/>
+    </mc:Choice>
+    <mc:Fallback>
+      <p:transition spd="slow"/>
+    </mc:Fallback>
+  </mc:AlternateContent>
 </p:sld>
 </file>
 
@@ -7362,6 +7386,14 @@
   <p:clrMapOvr>
     <a:masterClrMapping/>
   </p:clrMapOvr>
+  <mc:AlternateContent xmlns:mc="http://schemas.openxmlformats.org/markup-compatibility/2006">
+    <mc:Choice xmlns:p14="http://schemas.microsoft.com/office/powerpoint/2010/main" Requires="p14">
+      <p:transition spd="slow" p14:dur="2000"/>
+    </mc:Choice>
+    <mc:Fallback>
+      <p:transition spd="slow"/>
+    </mc:Fallback>
+  </mc:AlternateContent>
 </p:sld>
 </file>
 
@@ -8130,6 +8162,14 @@
   <p:clrMapOvr>
     <a:masterClrMapping/>
   </p:clrMapOvr>
+  <mc:AlternateContent xmlns:mc="http://schemas.openxmlformats.org/markup-compatibility/2006">
+    <mc:Choice xmlns:p14="http://schemas.microsoft.com/office/powerpoint/2010/main" Requires="p14">
+      <p:transition spd="slow" p14:dur="2000"/>
+    </mc:Choice>
+    <mc:Fallback>
+      <p:transition spd="slow"/>
+    </mc:Fallback>
+  </mc:AlternateContent>
 </p:sld>
 </file>
 
@@ -8228,6 +8268,10 @@
             <a:pPr marL="0" indent="0">
               <a:buNone/>
             </a:pPr>
+            <a:r>
+              <a:rPr lang="it-IT" dirty="0"/>
+              <a:t/>
+            </a:r>
             <a:br>
               <a:rPr lang="it-IT" dirty="0"/>
             </a:br>
@@ -9252,6 +9296,10 @@
             <a:pPr marL="0" indent="0">
               <a:buNone/>
             </a:pPr>
+            <a:r>
+              <a:rPr lang="it-IT" dirty="0"/>
+              <a:t/>
+            </a:r>
             <a:br>
               <a:rPr lang="it-IT" dirty="0"/>
             </a:br>
@@ -10325,13 +10373,13 @@
                           <a:rPr lang="it-IT" sz="1000" i="1" dirty="0" smtClean="0">
                             <a:latin typeface="Cambria Math" panose="02040503050406030204" pitchFamily="18" charset="0"/>
                           </a:rPr>
-                          <m:t>𝑝𝑜𝑠𝑖𝑡𝑖</m:t>
+                          <m:t>𝑝𝑜𝑠𝑖𝑡𝑖𝑜</m:t>
                         </m:r>
                         <m:r>
                           <a:rPr lang="it-IT" sz="1000" b="0" i="1" dirty="0" smtClean="0">
                             <a:latin typeface="Cambria Math" panose="02040503050406030204" pitchFamily="18" charset="0"/>
                           </a:rPr>
-                          <m:t>𝑜𝑛</m:t>
+                          <m:t>𝑛</m:t>
                         </m:r>
                       </m:oMath>
                     </m:oMathPara>
@@ -11758,8 +11806,8 @@
           </a:fontRef>
         </p:style>
       </p:cxnSp>
-      <mc:AlternateContent xmlns:mc="http://schemas.openxmlformats.org/markup-compatibility/2006" xmlns:a14="http://schemas.microsoft.com/office/drawing/2010/main">
-        <mc:Choice Requires="a14">
+      <mc:AlternateContent xmlns:mc="http://schemas.openxmlformats.org/markup-compatibility/2006">
+        <mc:Choice xmlns:a14="http://schemas.microsoft.com/office/drawing/2010/main" Requires="a14">
           <p:sp>
             <p:nvSpPr>
               <p:cNvPr id="88" name="CasellaDiTesto 87"/>
@@ -11768,7 +11816,7 @@
             </p:nvSpPr>
             <p:spPr>
               <a:xfrm>
-                <a:off x="4849220" y="3811029"/>
+                <a:off x="4823901" y="3747673"/>
                 <a:ext cx="2621316" cy="242695"/>
               </a:xfrm>
               <a:prstGeom prst="rect">
@@ -11803,7 +11851,7 @@
             </p:txBody>
           </p:sp>
         </mc:Choice>
-        <mc:Fallback xmlns="">
+        <mc:Fallback>
           <p:sp>
             <p:nvSpPr>
               <p:cNvPr id="88" name="CasellaDiTesto 87"/>
@@ -11814,7 +11862,7 @@
             </p:nvSpPr>
             <p:spPr>
               <a:xfrm>
-                <a:off x="4849220" y="3811029"/>
+                <a:off x="4823901" y="3747673"/>
                 <a:ext cx="2621316" cy="242695"/>
               </a:xfrm>
               <a:prstGeom prst="rect">
@@ -12332,13 +12380,13 @@
                           <a:rPr lang="it-IT" sz="1000" i="1" dirty="0" smtClean="0">
                             <a:latin typeface="Cambria Math" panose="02040503050406030204" pitchFamily="18" charset="0"/>
                           </a:rPr>
-                          <m:t>𝑝𝑜𝑠𝑖𝑡𝑖</m:t>
+                          <m:t>𝑝𝑜𝑠𝑖𝑡𝑖𝑜</m:t>
                         </m:r>
                         <m:r>
                           <a:rPr lang="it-IT" sz="1000" b="0" i="1" dirty="0" smtClean="0">
                             <a:latin typeface="Cambria Math" panose="02040503050406030204" pitchFamily="18" charset="0"/>
                           </a:rPr>
-                          <m:t>𝑜𝑛</m:t>
+                          <m:t>𝑛</m:t>
                         </m:r>
                       </m:oMath>
                     </m:oMathPara>
@@ -13564,8 +13612,8 @@
           </a:fontRef>
         </p:style>
       </p:cxnSp>
-      <mc:AlternateContent xmlns:mc="http://schemas.openxmlformats.org/markup-compatibility/2006" xmlns:a14="http://schemas.microsoft.com/office/drawing/2010/main">
-        <mc:Choice Requires="a14">
+      <mc:AlternateContent xmlns:mc="http://schemas.openxmlformats.org/markup-compatibility/2006">
+        <mc:Choice xmlns:a14="http://schemas.microsoft.com/office/drawing/2010/main" Requires="a14">
           <p:sp>
             <p:nvSpPr>
               <p:cNvPr id="153" name="CasellaDiTesto 152"/>
@@ -13574,7 +13622,7 @@
             </p:nvSpPr>
             <p:spPr>
               <a:xfrm>
-                <a:off x="-896565" y="3530112"/>
+                <a:off x="-1207917" y="3555685"/>
                 <a:ext cx="2621316" cy="227626"/>
               </a:xfrm>
               <a:prstGeom prst="rect">
@@ -13609,7 +13657,7 @@
             </p:txBody>
           </p:sp>
         </mc:Choice>
-        <mc:Fallback xmlns="">
+        <mc:Fallback>
           <p:sp>
             <p:nvSpPr>
               <p:cNvPr id="153" name="CasellaDiTesto 152"/>
@@ -13620,7 +13668,7 @@
             </p:nvSpPr>
             <p:spPr>
               <a:xfrm>
-                <a:off x="-896565" y="3530112"/>
+                <a:off x="-1207917" y="3555685"/>
                 <a:ext cx="2621316" cy="227626"/>
               </a:xfrm>
               <a:prstGeom prst="rect">
@@ -13629,7 +13677,7 @@
               <a:blipFill>
                 <a:blip r:embed="rId22"/>
                 <a:stretch>
-                  <a:fillRect b="-5405"/>
+                  <a:fillRect b="-2632"/>
                 </a:stretch>
               </a:blipFill>
             </p:spPr>
@@ -13709,13 +13757,14 @@
               <a:t>Input: </a:t>
             </a:r>
             <a:r>
-              <a:rPr lang="it-IT" sz="900" i="1" dirty="0"/>
-              <a:t>Stop</a:t>
-            </a:r>
-            <a:r>
-              <a:rPr lang="it-IT" sz="900" dirty="0"/>
+              <a:rPr lang="it-IT" sz="900" i="1" dirty="0" err="1" smtClean="0"/>
+              <a:t>Stop,RestartA</a:t>
+            </a:r>
+            <a:r>
+              <a:rPr lang="it-IT" sz="900" dirty="0" smtClean="0"/>
               <a:t> </a:t>
             </a:r>
+            <a:endParaRPr lang="it-IT" sz="900" dirty="0"/>
           </a:p>
           <a:p>
             <a:r>
@@ -13791,8 +13840,8 @@
           </a:p>
         </p:txBody>
       </p:sp>
-      <mc:AlternateContent xmlns:mc="http://schemas.openxmlformats.org/markup-compatibility/2006" xmlns:a14="http://schemas.microsoft.com/office/drawing/2010/main">
-        <mc:Choice Requires="a14">
+      <mc:AlternateContent xmlns:mc="http://schemas.openxmlformats.org/markup-compatibility/2006">
+        <mc:Choice xmlns:a14="http://schemas.microsoft.com/office/drawing/2010/main" Requires="a14">
           <p:sp>
             <p:nvSpPr>
               <p:cNvPr id="166" name="CasellaDiTesto 165"/>
@@ -13914,13 +13963,14 @@
                   <a:t>Input: </a:t>
                 </a:r>
                 <a:r>
-                  <a:rPr lang="it-IT" sz="900" i="1" dirty="0"/>
-                  <a:t>Stop</a:t>
+                  <a:rPr lang="it-IT" sz="900" i="1" dirty="0" err="1" smtClean="0"/>
+                  <a:t>Stop,RestartA</a:t>
                 </a:r>
                 <a:r>
-                  <a:rPr lang="it-IT" sz="900" dirty="0"/>
+                  <a:rPr lang="it-IT" sz="900" dirty="0" smtClean="0"/>
                   <a:t> </a:t>
                 </a:r>
+                <a:endParaRPr lang="it-IT" sz="900" dirty="0"/>
               </a:p>
               <a:p>
                 <a:r>
@@ -13943,7 +13993,7 @@
             </p:txBody>
           </p:sp>
         </mc:Choice>
-        <mc:Fallback xmlns="">
+        <mc:Fallback>
           <p:sp>
             <p:nvSpPr>
               <p:cNvPr id="166" name="CasellaDiTesto 165"/>
@@ -14043,13 +14093,14 @@
               <a:t>Input: </a:t>
             </a:r>
             <a:r>
-              <a:rPr lang="it-IT" sz="1200" dirty="0" err="1"/>
-              <a:t>position,w,a,s,d</a:t>
-            </a:r>
-            <a:r>
-              <a:rPr lang="it-IT" sz="1200" dirty="0"/>
+              <a:rPr lang="it-IT" sz="1200" dirty="0" err="1" smtClean="0"/>
+              <a:t>position,w,a,s,d,RestartS</a:t>
+            </a:r>
+            <a:r>
+              <a:rPr lang="it-IT" sz="1200" dirty="0" smtClean="0"/>
               <a:t>  </a:t>
             </a:r>
+            <a:endParaRPr lang="it-IT" sz="1200" dirty="0"/>
           </a:p>
           <a:p>
             <a:r>
@@ -14058,8 +14109,13 @@
             </a:r>
             <a:r>
               <a:rPr lang="it-IT" sz="1200" dirty="0"/>
-              <a:t>: Stop</a:t>
-            </a:r>
+              <a:t>: </a:t>
+            </a:r>
+            <a:r>
+              <a:rPr lang="it-IT" sz="1200" dirty="0" err="1" smtClean="0"/>
+              <a:t>Stop,RestartA</a:t>
+            </a:r>
+            <a:endParaRPr lang="it-IT" sz="1200" dirty="0"/>
           </a:p>
         </p:txBody>
       </p:sp>
@@ -14243,8 +14299,8 @@
           </a:fontRef>
         </p:style>
       </p:cxnSp>
-      <mc:AlternateContent xmlns:mc="http://schemas.openxmlformats.org/markup-compatibility/2006" xmlns:a14="http://schemas.microsoft.com/office/drawing/2010/main">
-        <mc:Choice Requires="a14">
+      <mc:AlternateContent xmlns:mc="http://schemas.openxmlformats.org/markup-compatibility/2006">
+        <mc:Choice xmlns:a14="http://schemas.microsoft.com/office/drawing/2010/main" Requires="a14">
           <p:sp>
             <p:nvSpPr>
               <p:cNvPr id="183" name="CasellaDiTesto 182"/>
@@ -14366,13 +14422,14 @@
                   <a:t>Input: </a:t>
                 </a:r>
                 <a:r>
-                  <a:rPr lang="it-IT" sz="900" i="1" dirty="0"/>
-                  <a:t>Stop</a:t>
+                  <a:rPr lang="it-IT" sz="900" i="1" dirty="0" err="1" smtClean="0"/>
+                  <a:t>Stop,RestartA</a:t>
                 </a:r>
                 <a:r>
-                  <a:rPr lang="it-IT" sz="900" dirty="0"/>
+                  <a:rPr lang="it-IT" sz="900" dirty="0" smtClean="0"/>
                   <a:t> </a:t>
                 </a:r>
+                <a:endParaRPr lang="it-IT" sz="900" dirty="0"/>
               </a:p>
               <a:p>
                 <a:r>
@@ -14395,7 +14452,7 @@
             </p:txBody>
           </p:sp>
         </mc:Choice>
-        <mc:Fallback xmlns="">
+        <mc:Fallback>
           <p:sp>
             <p:nvSpPr>
               <p:cNvPr id="183" name="CasellaDiTesto 182"/>
@@ -14416,6 +14473,1284 @@
                 <a:blip r:embed="rId25"/>
                 <a:stretch>
                   <a:fillRect b="-2830"/>
+                </a:stretch>
+              </a:blipFill>
+            </p:spPr>
+            <p:txBody>
+              <a:bodyPr/>
+              <a:lstStyle/>
+              <a:p>
+                <a:r>
+                  <a:rPr lang="it-IT">
+                    <a:noFill/>
+                  </a:rPr>
+                  <a:t> </a:t>
+                </a:r>
+              </a:p>
+            </p:txBody>
+          </p:sp>
+        </mc:Fallback>
+      </mc:AlternateContent>
+      <p:cxnSp>
+        <p:nvCxnSpPr>
+          <p:cNvPr id="4" name="Connettore 7 3"/>
+          <p:cNvCxnSpPr>
+            <a:stCxn id="25" idx="3"/>
+            <a:endCxn id="24" idx="5"/>
+          </p:cNvCxnSpPr>
+          <p:nvPr/>
+        </p:nvCxnSpPr>
+        <p:spPr>
+          <a:xfrm rot="5400000" flipH="1">
+            <a:off x="9477495" y="2917143"/>
+            <a:ext cx="589" cy="1696370"/>
+          </a:xfrm>
+          <a:prstGeom prst="curvedConnector3">
+            <a:avLst>
+              <a:gd name="adj1" fmla="val -59596265"/>
+            </a:avLst>
+          </a:prstGeom>
+          <a:ln>
+            <a:solidFill>
+              <a:schemeClr val="tx1"/>
+            </a:solidFill>
+            <a:tailEnd type="triangle"/>
+          </a:ln>
+        </p:spPr>
+        <p:style>
+          <a:lnRef idx="1">
+            <a:schemeClr val="accent1"/>
+          </a:lnRef>
+          <a:fillRef idx="0">
+            <a:schemeClr val="accent1"/>
+          </a:fillRef>
+          <a:effectRef idx="0">
+            <a:schemeClr val="accent1"/>
+          </a:effectRef>
+          <a:fontRef idx="minor">
+            <a:schemeClr val="tx1"/>
+          </a:fontRef>
+        </p:style>
+      </p:cxnSp>
+      <mc:AlternateContent xmlns:mc="http://schemas.openxmlformats.org/markup-compatibility/2006">
+        <mc:Choice xmlns:a14="http://schemas.microsoft.com/office/drawing/2010/main" Requires="a14">
+          <p:sp>
+            <p:nvSpPr>
+              <p:cNvPr id="72" name="CasellaDiTesto 71"/>
+              <p:cNvSpPr txBox="1"/>
+              <p:nvPr/>
+            </p:nvSpPr>
+            <p:spPr>
+              <a:xfrm>
+                <a:off x="8186300" y="3821715"/>
+                <a:ext cx="2621316" cy="242695"/>
+              </a:xfrm>
+              <a:prstGeom prst="rect">
+                <a:avLst/>
+              </a:prstGeom>
+              <a:noFill/>
+            </p:spPr>
+            <p:txBody>
+              <a:bodyPr wrap="square" rtlCol="0">
+                <a:spAutoFit/>
+              </a:bodyPr>
+              <a:lstStyle/>
+              <a:p>
+                <a:pPr/>
+                <a14:m>
+                  <m:oMathPara xmlns:m="http://schemas.openxmlformats.org/officeDocument/2006/math">
+                    <m:oMathParaPr>
+                      <m:jc m:val="centerGroup"/>
+                    </m:oMathParaPr>
+                    <m:oMath xmlns:m="http://schemas.openxmlformats.org/officeDocument/2006/math">
+                      <m:r>
+                        <a:rPr lang="it-IT" sz="1000" b="0" i="1" dirty="0" smtClean="0">
+                          <a:latin typeface="Cambria Math" panose="02040503050406030204" pitchFamily="18" charset="0"/>
+                        </a:rPr>
+                        <m:t>𝑅𝑒𝑠𝑡𝑎𝑟𝑡𝑆</m:t>
+                      </m:r>
+                      <m:r>
+                        <a:rPr lang="it-IT" sz="1000" b="0" i="1" dirty="0" smtClean="0">
+                          <a:latin typeface="Cambria Math" panose="02040503050406030204" pitchFamily="18" charset="0"/>
+                        </a:rPr>
+                        <m:t>/</m:t>
+                      </m:r>
+                      <m:r>
+                        <a:rPr lang="it-IT" sz="1000" b="0" i="1" dirty="0" smtClean="0">
+                          <a:latin typeface="Cambria Math" panose="02040503050406030204" pitchFamily="18" charset="0"/>
+                        </a:rPr>
+                        <m:t>𝑅𝑒𝑠𝑡𝑎𝑟𝑡𝐴</m:t>
+                      </m:r>
+                    </m:oMath>
+                  </m:oMathPara>
+                </a14:m>
+                <a:endParaRPr lang="it-IT" sz="1000" baseline="-25000" dirty="0"/>
+              </a:p>
+            </p:txBody>
+          </p:sp>
+        </mc:Choice>
+        <mc:Fallback>
+          <p:sp>
+            <p:nvSpPr>
+              <p:cNvPr id="72" name="CasellaDiTesto 71"/>
+              <p:cNvSpPr txBox="1">
+                <a:spLocks noRot="1" noChangeAspect="1" noMove="1" noResize="1" noEditPoints="1" noAdjustHandles="1" noChangeArrowheads="1" noChangeShapeType="1" noTextEdit="1"/>
+              </p:cNvSpPr>
+              <p:nvPr/>
+            </p:nvSpPr>
+            <p:spPr>
+              <a:xfrm>
+                <a:off x="8186300" y="3821715"/>
+                <a:ext cx="2621316" cy="242695"/>
+              </a:xfrm>
+              <a:prstGeom prst="rect">
+                <a:avLst/>
+              </a:prstGeom>
+              <a:blipFill>
+                <a:blip r:embed="rId26"/>
+                <a:stretch>
+                  <a:fillRect b="-2500"/>
+                </a:stretch>
+              </a:blipFill>
+            </p:spPr>
+            <p:txBody>
+              <a:bodyPr/>
+              <a:lstStyle/>
+              <a:p>
+                <a:r>
+                  <a:rPr lang="it-IT">
+                    <a:noFill/>
+                  </a:rPr>
+                  <a:t> </a:t>
+                </a:r>
+              </a:p>
+            </p:txBody>
+          </p:sp>
+        </mc:Fallback>
+      </mc:AlternateContent>
+      <p:cxnSp>
+        <p:nvCxnSpPr>
+          <p:cNvPr id="73" name="Connettore 2 72"/>
+          <p:cNvCxnSpPr/>
+          <p:nvPr/>
+        </p:nvCxnSpPr>
+        <p:spPr>
+          <a:xfrm flipH="1">
+            <a:off x="5678803" y="4531852"/>
+            <a:ext cx="954754" cy="0"/>
+          </a:xfrm>
+          <a:prstGeom prst="straightConnector1">
+            <a:avLst/>
+          </a:prstGeom>
+          <a:ln>
+            <a:solidFill>
+              <a:schemeClr val="tx1"/>
+            </a:solidFill>
+            <a:headEnd type="diamond"/>
+            <a:tailEnd type="triangle"/>
+          </a:ln>
+        </p:spPr>
+        <p:style>
+          <a:lnRef idx="1">
+            <a:schemeClr val="accent1"/>
+          </a:lnRef>
+          <a:fillRef idx="0">
+            <a:schemeClr val="accent1"/>
+          </a:fillRef>
+          <a:effectRef idx="0">
+            <a:schemeClr val="accent1"/>
+          </a:effectRef>
+          <a:fontRef idx="minor">
+            <a:schemeClr val="tx1"/>
+          </a:fontRef>
+        </p:style>
+      </p:cxnSp>
+      <mc:AlternateContent xmlns:mc="http://schemas.openxmlformats.org/markup-compatibility/2006">
+        <mc:Choice xmlns:a14="http://schemas.microsoft.com/office/drawing/2010/main" Requires="a14">
+          <p:sp>
+            <p:nvSpPr>
+              <p:cNvPr id="77" name="CasellaDiTesto 76"/>
+              <p:cNvSpPr txBox="1"/>
+              <p:nvPr/>
+            </p:nvSpPr>
+            <p:spPr>
+              <a:xfrm>
+                <a:off x="4823901" y="4268206"/>
+                <a:ext cx="2621316" cy="242695"/>
+              </a:xfrm>
+              <a:prstGeom prst="rect">
+                <a:avLst/>
+              </a:prstGeom>
+              <a:noFill/>
+            </p:spPr>
+            <p:txBody>
+              <a:bodyPr wrap="square" rtlCol="0">
+                <a:spAutoFit/>
+              </a:bodyPr>
+              <a:lstStyle/>
+              <a:p>
+                <a:pPr/>
+                <a14:m>
+                  <m:oMathPara xmlns:m="http://schemas.openxmlformats.org/officeDocument/2006/math">
+                    <m:oMathParaPr>
+                      <m:jc m:val="centerGroup"/>
+                    </m:oMathParaPr>
+                    <m:oMath xmlns:m="http://schemas.openxmlformats.org/officeDocument/2006/math">
+                      <m:r>
+                        <a:rPr lang="it-IT" sz="1000" b="0" i="1" dirty="0" smtClean="0">
+                          <a:latin typeface="Cambria Math" panose="02040503050406030204" pitchFamily="18" charset="0"/>
+                        </a:rPr>
+                        <m:t>𝑅𝑒𝑠𝑡𝑎𝑟𝑡𝐴</m:t>
+                      </m:r>
+                    </m:oMath>
+                  </m:oMathPara>
+                </a14:m>
+                <a:endParaRPr lang="it-IT" sz="1000" baseline="-25000" dirty="0"/>
+              </a:p>
+            </p:txBody>
+          </p:sp>
+        </mc:Choice>
+        <mc:Fallback>
+          <p:sp>
+            <p:nvSpPr>
+              <p:cNvPr id="77" name="CasellaDiTesto 76"/>
+              <p:cNvSpPr txBox="1">
+                <a:spLocks noRot="1" noChangeAspect="1" noMove="1" noResize="1" noEditPoints="1" noAdjustHandles="1" noChangeArrowheads="1" noChangeShapeType="1" noTextEdit="1"/>
+              </p:cNvSpPr>
+              <p:nvPr/>
+            </p:nvSpPr>
+            <p:spPr>
+              <a:xfrm>
+                <a:off x="4823901" y="4268206"/>
+                <a:ext cx="2621316" cy="242695"/>
+              </a:xfrm>
+              <a:prstGeom prst="rect">
+                <a:avLst/>
+              </a:prstGeom>
+              <a:blipFill>
+                <a:blip r:embed="rId27"/>
+                <a:stretch>
+                  <a:fillRect/>
+                </a:stretch>
+              </a:blipFill>
+            </p:spPr>
+            <p:txBody>
+              <a:bodyPr/>
+              <a:lstStyle/>
+              <a:p>
+                <a:r>
+                  <a:rPr lang="it-IT">
+                    <a:noFill/>
+                  </a:rPr>
+                  <a:t> </a:t>
+                </a:r>
+              </a:p>
+            </p:txBody>
+          </p:sp>
+        </mc:Fallback>
+      </mc:AlternateContent>
+      <p:cxnSp>
+        <p:nvCxnSpPr>
+          <p:cNvPr id="78" name="Connettore diritto 77"/>
+          <p:cNvCxnSpPr/>
+          <p:nvPr/>
+        </p:nvCxnSpPr>
+        <p:spPr>
+          <a:xfrm>
+            <a:off x="226243" y="4561796"/>
+            <a:ext cx="147182" cy="2"/>
+          </a:xfrm>
+          <a:prstGeom prst="line">
+            <a:avLst/>
+          </a:prstGeom>
+          <a:ln>
+            <a:solidFill>
+              <a:schemeClr val="tx1"/>
+            </a:solidFill>
+            <a:headEnd type="diamond"/>
+          </a:ln>
+        </p:spPr>
+        <p:style>
+          <a:lnRef idx="1">
+            <a:schemeClr val="accent1"/>
+          </a:lnRef>
+          <a:fillRef idx="0">
+            <a:schemeClr val="accent1"/>
+          </a:fillRef>
+          <a:effectRef idx="0">
+            <a:schemeClr val="accent1"/>
+          </a:effectRef>
+          <a:fontRef idx="minor">
+            <a:schemeClr val="tx1"/>
+          </a:fontRef>
+        </p:style>
+      </p:cxnSp>
+      <p:cxnSp>
+        <p:nvCxnSpPr>
+          <p:cNvPr id="79" name="Connettore 4 78"/>
+          <p:cNvCxnSpPr/>
+          <p:nvPr/>
+        </p:nvCxnSpPr>
+        <p:spPr>
+          <a:xfrm rot="5400000" flipH="1" flipV="1">
+            <a:off x="-88400" y="3768247"/>
+            <a:ext cx="1255379" cy="331729"/>
+          </a:xfrm>
+          <a:prstGeom prst="bentConnector2">
+            <a:avLst/>
+          </a:prstGeom>
+          <a:ln>
+            <a:solidFill>
+              <a:schemeClr val="tx1"/>
+            </a:solidFill>
+            <a:tailEnd type="triangle"/>
+          </a:ln>
+        </p:spPr>
+        <p:style>
+          <a:lnRef idx="1">
+            <a:schemeClr val="accent1"/>
+          </a:lnRef>
+          <a:fillRef idx="0">
+            <a:schemeClr val="accent1"/>
+          </a:fillRef>
+          <a:effectRef idx="0">
+            <a:schemeClr val="accent1"/>
+          </a:effectRef>
+          <a:fontRef idx="minor">
+            <a:schemeClr val="tx1"/>
+          </a:fontRef>
+        </p:style>
+      </p:cxnSp>
+      <p:cxnSp>
+        <p:nvCxnSpPr>
+          <p:cNvPr id="80" name="Connettore 4 79"/>
+          <p:cNvCxnSpPr/>
+          <p:nvPr/>
+        </p:nvCxnSpPr>
+        <p:spPr>
+          <a:xfrm rot="16200000" flipH="1">
+            <a:off x="-141443" y="5076664"/>
+            <a:ext cx="1361464" cy="331729"/>
+          </a:xfrm>
+          <a:prstGeom prst="bentConnector2">
+            <a:avLst/>
+          </a:prstGeom>
+          <a:ln>
+            <a:solidFill>
+              <a:schemeClr val="tx1"/>
+            </a:solidFill>
+            <a:tailEnd type="triangle"/>
+          </a:ln>
+        </p:spPr>
+        <p:style>
+          <a:lnRef idx="1">
+            <a:schemeClr val="accent1"/>
+          </a:lnRef>
+          <a:fillRef idx="0">
+            <a:schemeClr val="accent1"/>
+          </a:fillRef>
+          <a:effectRef idx="0">
+            <a:schemeClr val="accent1"/>
+          </a:effectRef>
+          <a:fontRef idx="minor">
+            <a:schemeClr val="tx1"/>
+          </a:fontRef>
+        </p:style>
+      </p:cxnSp>
+      <mc:AlternateContent xmlns:mc="http://schemas.openxmlformats.org/markup-compatibility/2006">
+        <mc:Choice xmlns:a14="http://schemas.microsoft.com/office/drawing/2010/main" Requires="a14">
+          <p:sp>
+            <p:nvSpPr>
+              <p:cNvPr id="81" name="CasellaDiTesto 80"/>
+              <p:cNvSpPr txBox="1"/>
+              <p:nvPr/>
+            </p:nvSpPr>
+            <p:spPr>
+              <a:xfrm>
+                <a:off x="-962090" y="4339941"/>
+                <a:ext cx="2621316" cy="227626"/>
+              </a:xfrm>
+              <a:prstGeom prst="rect">
+                <a:avLst/>
+              </a:prstGeom>
+              <a:noFill/>
+            </p:spPr>
+            <p:txBody>
+              <a:bodyPr wrap="square" rtlCol="0">
+                <a:spAutoFit/>
+              </a:bodyPr>
+              <a:lstStyle/>
+              <a:p>
+                <a:pPr/>
+                <a14:m>
+                  <m:oMathPara xmlns:m="http://schemas.openxmlformats.org/officeDocument/2006/math">
+                    <m:oMathParaPr>
+                      <m:jc m:val="centerGroup"/>
+                    </m:oMathParaPr>
+                    <m:oMath xmlns:m="http://schemas.openxmlformats.org/officeDocument/2006/math">
+                      <m:r>
+                        <a:rPr lang="it-IT" sz="900" b="0" i="1" dirty="0" smtClean="0">
+                          <a:latin typeface="Cambria Math" panose="02040503050406030204" pitchFamily="18" charset="0"/>
+                        </a:rPr>
+                        <m:t>𝑅𝑒𝑠𝑡𝑎𝑟𝑡𝐴</m:t>
+                      </m:r>
+                    </m:oMath>
+                  </m:oMathPara>
+                </a14:m>
+                <a:endParaRPr lang="it-IT" sz="900" baseline="-25000" dirty="0"/>
+              </a:p>
+            </p:txBody>
+          </p:sp>
+        </mc:Choice>
+        <mc:Fallback>
+          <p:sp>
+            <p:nvSpPr>
+              <p:cNvPr id="81" name="CasellaDiTesto 80"/>
+              <p:cNvSpPr txBox="1">
+                <a:spLocks noRot="1" noChangeAspect="1" noMove="1" noResize="1" noEditPoints="1" noAdjustHandles="1" noChangeArrowheads="1" noChangeShapeType="1" noTextEdit="1"/>
+              </p:cNvSpPr>
+              <p:nvPr/>
+            </p:nvSpPr>
+            <p:spPr>
+              <a:xfrm>
+                <a:off x="-962090" y="4339941"/>
+                <a:ext cx="2621316" cy="227626"/>
+              </a:xfrm>
+              <a:prstGeom prst="rect">
+                <a:avLst/>
+              </a:prstGeom>
+              <a:blipFill>
+                <a:blip r:embed="rId28"/>
+                <a:stretch>
+                  <a:fillRect/>
+                </a:stretch>
+              </a:blipFill>
+            </p:spPr>
+            <p:txBody>
+              <a:bodyPr/>
+              <a:lstStyle/>
+              <a:p>
+                <a:r>
+                  <a:rPr lang="it-IT">
+                    <a:noFill/>
+                  </a:rPr>
+                  <a:t> </a:t>
+                </a:r>
+              </a:p>
+            </p:txBody>
+          </p:sp>
+        </mc:Fallback>
+      </mc:AlternateContent>
+      <p:cxnSp>
+        <p:nvCxnSpPr>
+          <p:cNvPr id="86" name="Connettore 7 85"/>
+          <p:cNvCxnSpPr>
+            <a:stCxn id="30" idx="3"/>
+            <a:endCxn id="29" idx="5"/>
+          </p:cNvCxnSpPr>
+          <p:nvPr/>
+        </p:nvCxnSpPr>
+        <p:spPr>
+          <a:xfrm rot="5400000" flipH="1">
+            <a:off x="3101363" y="2008429"/>
+            <a:ext cx="527" cy="1518272"/>
+          </a:xfrm>
+          <a:prstGeom prst="curvedConnector3">
+            <a:avLst>
+              <a:gd name="adj1" fmla="val -64168691"/>
+            </a:avLst>
+          </a:prstGeom>
+          <a:ln>
+            <a:solidFill>
+              <a:schemeClr val="tx1"/>
+            </a:solidFill>
+            <a:tailEnd type="triangle"/>
+          </a:ln>
+        </p:spPr>
+        <p:style>
+          <a:lnRef idx="1">
+            <a:schemeClr val="accent1"/>
+          </a:lnRef>
+          <a:fillRef idx="0">
+            <a:schemeClr val="accent1"/>
+          </a:fillRef>
+          <a:effectRef idx="0">
+            <a:schemeClr val="accent1"/>
+          </a:effectRef>
+          <a:fontRef idx="minor">
+            <a:schemeClr val="tx1"/>
+          </a:fontRef>
+        </p:style>
+      </p:cxnSp>
+      <mc:AlternateContent xmlns:mc="http://schemas.openxmlformats.org/markup-compatibility/2006">
+        <mc:Choice xmlns:a14="http://schemas.microsoft.com/office/drawing/2010/main" Requires="a14">
+          <p:sp>
+            <p:nvSpPr>
+              <p:cNvPr id="90" name="CasellaDiTesto 89"/>
+              <p:cNvSpPr txBox="1"/>
+              <p:nvPr/>
+            </p:nvSpPr>
+            <p:spPr>
+              <a:xfrm>
+                <a:off x="1982518" y="2865842"/>
+                <a:ext cx="2346108" cy="242695"/>
+              </a:xfrm>
+              <a:prstGeom prst="rect">
+                <a:avLst/>
+              </a:prstGeom>
+              <a:noFill/>
+            </p:spPr>
+            <p:txBody>
+              <a:bodyPr wrap="square" rtlCol="0">
+                <a:spAutoFit/>
+              </a:bodyPr>
+              <a:lstStyle/>
+              <a:p>
+                <a:pPr/>
+                <a14:m>
+                  <m:oMathPara xmlns:m="http://schemas.openxmlformats.org/officeDocument/2006/math">
+                    <m:oMathParaPr>
+                      <m:jc m:val="centerGroup"/>
+                    </m:oMathParaPr>
+                    <m:oMath xmlns:m="http://schemas.openxmlformats.org/officeDocument/2006/math">
+                      <m:r>
+                        <a:rPr lang="it-IT" sz="1000" b="0" i="1" dirty="0" smtClean="0">
+                          <a:latin typeface="Cambria Math" panose="02040503050406030204" pitchFamily="18" charset="0"/>
+                        </a:rPr>
+                        <m:t>𝑅𝑒𝑠𝑡𝑎𝑟𝑡𝐴</m:t>
+                      </m:r>
+                      <m:r>
+                        <a:rPr lang="it-IT" sz="1000" b="0" i="1" dirty="0" smtClean="0">
+                          <a:latin typeface="Cambria Math" panose="02040503050406030204" pitchFamily="18" charset="0"/>
+                        </a:rPr>
+                        <m:t>/</m:t>
+                      </m:r>
+                    </m:oMath>
+                  </m:oMathPara>
+                </a14:m>
+                <a:endParaRPr lang="it-IT" sz="1000" baseline="-25000" dirty="0"/>
+              </a:p>
+            </p:txBody>
+          </p:sp>
+        </mc:Choice>
+        <mc:Fallback>
+          <p:sp>
+            <p:nvSpPr>
+              <p:cNvPr id="90" name="CasellaDiTesto 89"/>
+              <p:cNvSpPr txBox="1">
+                <a:spLocks noRot="1" noChangeAspect="1" noMove="1" noResize="1" noEditPoints="1" noAdjustHandles="1" noChangeArrowheads="1" noChangeShapeType="1" noTextEdit="1"/>
+              </p:cNvSpPr>
+              <p:nvPr/>
+            </p:nvSpPr>
+            <p:spPr>
+              <a:xfrm>
+                <a:off x="1982518" y="2865842"/>
+                <a:ext cx="2346108" cy="242695"/>
+              </a:xfrm>
+              <a:prstGeom prst="rect">
+                <a:avLst/>
+              </a:prstGeom>
+              <a:blipFill>
+                <a:blip r:embed="rId29"/>
+                <a:stretch>
+                  <a:fillRect b="-5000"/>
+                </a:stretch>
+              </a:blipFill>
+            </p:spPr>
+            <p:txBody>
+              <a:bodyPr/>
+              <a:lstStyle/>
+              <a:p>
+                <a:r>
+                  <a:rPr lang="it-IT">
+                    <a:noFill/>
+                  </a:rPr>
+                  <a:t> </a:t>
+                </a:r>
+              </a:p>
+            </p:txBody>
+          </p:sp>
+        </mc:Fallback>
+      </mc:AlternateContent>
+      <mc:AlternateContent xmlns:mc="http://schemas.openxmlformats.org/markup-compatibility/2006">
+        <mc:Choice xmlns:a14="http://schemas.microsoft.com/office/drawing/2010/main" Requires="a14">
+          <p:sp>
+            <p:nvSpPr>
+              <p:cNvPr id="91" name="CasellaDiTesto 90"/>
+              <p:cNvSpPr txBox="1"/>
+              <p:nvPr/>
+            </p:nvSpPr>
+            <p:spPr>
+              <a:xfrm>
+                <a:off x="2127401" y="3063060"/>
+                <a:ext cx="1939222" cy="956865"/>
+              </a:xfrm>
+              <a:prstGeom prst="rect">
+                <a:avLst/>
+              </a:prstGeom>
+              <a:noFill/>
+            </p:spPr>
+            <p:txBody>
+              <a:bodyPr wrap="square" rtlCol="0">
+                <a:spAutoFit/>
+              </a:bodyPr>
+              <a:lstStyle/>
+              <a:p>
+                <a:pPr/>
+                <a14:m>
+                  <m:oMathPara xmlns:m="http://schemas.openxmlformats.org/officeDocument/2006/math">
+                    <m:oMathParaPr>
+                      <m:jc m:val="centerGroup"/>
+                    </m:oMathParaPr>
+                    <m:oMath xmlns:m="http://schemas.openxmlformats.org/officeDocument/2006/math">
+                      <m:r>
+                        <a:rPr lang="it-IT" sz="1000" b="0" i="1" dirty="0" smtClean="0">
+                          <a:latin typeface="Cambria Math" panose="02040503050406030204" pitchFamily="18" charset="0"/>
+                        </a:rPr>
+                        <m:t>𝑦</m:t>
+                      </m:r>
+                      <m:r>
+                        <a:rPr lang="it-IT" sz="1000" i="1" baseline="-25000" dirty="0" err="1" smtClean="0">
+                          <a:latin typeface="Cambria Math" panose="02040503050406030204" pitchFamily="18" charset="0"/>
+                        </a:rPr>
+                        <m:t>𝑎</m:t>
+                      </m:r>
+                      <m:r>
+                        <a:rPr lang="it-IT" sz="1000" i="1" dirty="0" smtClean="0">
+                          <a:latin typeface="Cambria Math" panose="02040503050406030204" pitchFamily="18" charset="0"/>
+                        </a:rPr>
+                        <m:t>=</m:t>
+                      </m:r>
+                      <m:sSup>
+                        <m:sSupPr>
+                          <m:ctrlPr>
+                            <a:rPr lang="it-IT" sz="1000" b="0" i="1" dirty="0" smtClean="0">
+                              <a:latin typeface="Cambria Math" panose="02040503050406030204" pitchFamily="18" charset="0"/>
+                            </a:rPr>
+                          </m:ctrlPr>
+                        </m:sSupPr>
+                        <m:e>
+                          <m:r>
+                            <a:rPr lang="it-IT" sz="1000" b="0" i="1" dirty="0" smtClean="0">
+                              <a:latin typeface="Cambria Math" panose="02040503050406030204" pitchFamily="18" charset="0"/>
+                            </a:rPr>
+                            <m:t>𝑦</m:t>
+                          </m:r>
+                        </m:e>
+                        <m:sup>
+                          <m:r>
+                            <a:rPr lang="it-IT" sz="1000" b="0" i="1" dirty="0" smtClean="0">
+                              <a:latin typeface="Cambria Math" panose="02040503050406030204" pitchFamily="18" charset="0"/>
+                            </a:rPr>
+                            <m:t>𝑖</m:t>
+                          </m:r>
+                        </m:sup>
+                      </m:sSup>
+                    </m:oMath>
+                  </m:oMathPara>
+                </a14:m>
+                <a:endParaRPr lang="it-IT" sz="1000" b="0" i="1" dirty="0" smtClean="0">
+                  <a:latin typeface="Cambria Math" panose="02040503050406030204" pitchFamily="18" charset="0"/>
+                </a:endParaRPr>
+              </a:p>
+              <a:p>
+                <a:pPr/>
+                <a14:m>
+                  <m:oMathPara xmlns:m="http://schemas.openxmlformats.org/officeDocument/2006/math">
+                    <m:oMathParaPr>
+                      <m:jc m:val="centerGroup"/>
+                    </m:oMathParaPr>
+                    <m:oMath xmlns:m="http://schemas.openxmlformats.org/officeDocument/2006/math">
+                      <m:r>
+                        <a:rPr lang="it-IT" sz="1000" b="0" i="1" dirty="0" smtClean="0">
+                          <a:latin typeface="Cambria Math" panose="02040503050406030204" pitchFamily="18" charset="0"/>
+                        </a:rPr>
+                        <m:t>𝑥</m:t>
+                      </m:r>
+                      <m:r>
+                        <a:rPr lang="it-IT" sz="1000" i="1" baseline="-25000" dirty="0" err="1" smtClean="0">
+                          <a:latin typeface="Cambria Math" panose="02040503050406030204" pitchFamily="18" charset="0"/>
+                        </a:rPr>
+                        <m:t>𝑎</m:t>
+                      </m:r>
+                      <m:r>
+                        <a:rPr lang="it-IT" sz="1000" i="1" dirty="0" smtClean="0">
+                          <a:latin typeface="Cambria Math" panose="02040503050406030204" pitchFamily="18" charset="0"/>
+                        </a:rPr>
+                        <m:t>=</m:t>
+                      </m:r>
+                      <m:sSup>
+                        <m:sSupPr>
+                          <m:ctrlPr>
+                            <a:rPr lang="it-IT" sz="1000" i="1" dirty="0" smtClean="0">
+                              <a:latin typeface="Cambria Math" panose="02040503050406030204" pitchFamily="18" charset="0"/>
+                            </a:rPr>
+                          </m:ctrlPr>
+                        </m:sSupPr>
+                        <m:e>
+                          <m:r>
+                            <a:rPr lang="it-IT" sz="1000" b="0" i="1" dirty="0" smtClean="0">
+                              <a:latin typeface="Cambria Math" panose="02040503050406030204" pitchFamily="18" charset="0"/>
+                            </a:rPr>
+                            <m:t>𝑥</m:t>
+                          </m:r>
+                        </m:e>
+                        <m:sup>
+                          <m:r>
+                            <a:rPr lang="it-IT" sz="1000" b="0" i="1" dirty="0" smtClean="0">
+                              <a:latin typeface="Cambria Math" panose="02040503050406030204" pitchFamily="18" charset="0"/>
+                            </a:rPr>
+                            <m:t>𝑖</m:t>
+                          </m:r>
+                        </m:sup>
+                      </m:sSup>
+                    </m:oMath>
+                  </m:oMathPara>
+                </a14:m>
+                <a:endParaRPr lang="it-IT" sz="1000" b="0" i="1" dirty="0" smtClean="0">
+                  <a:latin typeface="Cambria Math" panose="02040503050406030204" pitchFamily="18" charset="0"/>
+                </a:endParaRPr>
+              </a:p>
+              <a:p>
+                <a14:m>
+                  <m:oMathPara xmlns:m="http://schemas.openxmlformats.org/officeDocument/2006/math">
+                    <m:oMathParaPr>
+                      <m:jc m:val="centerGroup"/>
+                    </m:oMathParaPr>
+                    <m:oMath xmlns:m="http://schemas.openxmlformats.org/officeDocument/2006/math">
+                      <m:r>
+                        <a:rPr lang="it-IT" sz="1000" b="0" i="1" dirty="0" smtClean="0">
+                          <a:latin typeface="Cambria Math" panose="02040503050406030204" pitchFamily="18" charset="0"/>
+                          <a:ea typeface="Cambria Math" panose="02040503050406030204" pitchFamily="18" charset="0"/>
+                        </a:rPr>
+                        <m:t>𝛾</m:t>
+                      </m:r>
+                      <m:r>
+                        <a:rPr lang="it-IT" sz="1000" b="0" i="1" dirty="0" smtClean="0">
+                          <a:latin typeface="Cambria Math" panose="02040503050406030204" pitchFamily="18" charset="0"/>
+                          <a:ea typeface="Cambria Math" panose="02040503050406030204" pitchFamily="18" charset="0"/>
+                        </a:rPr>
+                        <m:t>=</m:t>
+                      </m:r>
+                      <m:sSup>
+                        <m:sSupPr>
+                          <m:ctrlPr>
+                            <a:rPr lang="it-IT" sz="1000" b="0" i="1" dirty="0" smtClean="0">
+                              <a:latin typeface="Cambria Math" panose="02040503050406030204" pitchFamily="18" charset="0"/>
+                            </a:rPr>
+                          </m:ctrlPr>
+                        </m:sSupPr>
+                        <m:e>
+                          <m:r>
+                            <a:rPr lang="it-IT" sz="1000" b="0" i="1" dirty="0" smtClean="0">
+                              <a:latin typeface="Cambria Math" panose="02040503050406030204" pitchFamily="18" charset="0"/>
+                              <a:ea typeface="Cambria Math" panose="02040503050406030204" pitchFamily="18" charset="0"/>
+                            </a:rPr>
+                            <m:t>𝛾</m:t>
+                          </m:r>
+                        </m:e>
+                        <m:sup>
+                          <m:r>
+                            <a:rPr lang="it-IT" sz="1000" b="0" i="1" dirty="0" smtClean="0">
+                              <a:latin typeface="Cambria Math" panose="02040503050406030204" pitchFamily="18" charset="0"/>
+                            </a:rPr>
+                            <m:t>𝑖</m:t>
+                          </m:r>
+                        </m:sup>
+                      </m:sSup>
+                      <m:r>
+                        <a:rPr lang="it-IT" sz="1000" i="1" baseline="-25000" dirty="0" smtClean="0">
+                          <a:latin typeface="Cambria Math" panose="02040503050406030204" pitchFamily="18" charset="0"/>
+                        </a:rPr>
+                        <m:t> </m:t>
+                      </m:r>
+                    </m:oMath>
+                  </m:oMathPara>
+                </a14:m>
+                <a:endParaRPr lang="it-IT" sz="1000" i="1" baseline="-25000" dirty="0" smtClean="0">
+                  <a:latin typeface="Cambria Math" panose="02040503050406030204" pitchFamily="18" charset="0"/>
+                </a:endParaRPr>
+              </a:p>
+              <a:p>
+                <a14:m>
+                  <m:oMathPara xmlns:m="http://schemas.openxmlformats.org/officeDocument/2006/math">
+                    <m:oMathParaPr>
+                      <m:jc m:val="centerGroup"/>
+                    </m:oMathParaPr>
+                    <m:oMath xmlns:m="http://schemas.openxmlformats.org/officeDocument/2006/math">
+                      <m:r>
+                        <a:rPr lang="it-IT" sz="1000" b="0" i="1" dirty="0" smtClean="0">
+                          <a:latin typeface="Cambria Math" panose="02040503050406030204" pitchFamily="18" charset="0"/>
+                          <a:ea typeface="Cambria Math" panose="02040503050406030204" pitchFamily="18" charset="0"/>
+                        </a:rPr>
+                        <m:t>𝑝</m:t>
+                      </m:r>
+                      <m:r>
+                        <a:rPr lang="it-IT" sz="1000" i="1" dirty="0">
+                          <a:latin typeface="Cambria Math" panose="02040503050406030204" pitchFamily="18" charset="0"/>
+                          <a:ea typeface="Cambria Math" panose="02040503050406030204" pitchFamily="18" charset="0"/>
+                        </a:rPr>
+                        <m:t>=</m:t>
+                      </m:r>
+                      <m:r>
+                        <a:rPr lang="it-IT" sz="1000" b="0" i="1" dirty="0" smtClean="0">
+                          <a:latin typeface="Cambria Math" panose="02040503050406030204" pitchFamily="18" charset="0"/>
+                          <a:ea typeface="Cambria Math" panose="02040503050406030204" pitchFamily="18" charset="0"/>
+                        </a:rPr>
+                        <m:t>0</m:t>
+                      </m:r>
+                    </m:oMath>
+                  </m:oMathPara>
+                </a14:m>
+                <a:endParaRPr lang="it-IT" sz="1000" baseline="-25000" dirty="0"/>
+              </a:p>
+              <a:p>
+                <a:pPr/>
+                <a:endParaRPr lang="it-IT" sz="1000" baseline="-25000" dirty="0" smtClean="0"/>
+              </a:p>
+              <a:p>
+                <a:pPr/>
+                <a:endParaRPr lang="it-IT" sz="1000" baseline="-25000" dirty="0"/>
+              </a:p>
+            </p:txBody>
+          </p:sp>
+        </mc:Choice>
+        <mc:Fallback>
+          <p:sp>
+            <p:nvSpPr>
+              <p:cNvPr id="91" name="CasellaDiTesto 90"/>
+              <p:cNvSpPr txBox="1">
+                <a:spLocks noRot="1" noChangeAspect="1" noMove="1" noResize="1" noEditPoints="1" noAdjustHandles="1" noChangeArrowheads="1" noChangeShapeType="1" noTextEdit="1"/>
+              </p:cNvSpPr>
+              <p:nvPr/>
+            </p:nvSpPr>
+            <p:spPr>
+              <a:xfrm>
+                <a:off x="2127401" y="3063060"/>
+                <a:ext cx="1939222" cy="956865"/>
+              </a:xfrm>
+              <a:prstGeom prst="rect">
+                <a:avLst/>
+              </a:prstGeom>
+              <a:blipFill>
+                <a:blip r:embed="rId30"/>
+                <a:stretch>
+                  <a:fillRect/>
+                </a:stretch>
+              </a:blipFill>
+            </p:spPr>
+            <p:txBody>
+              <a:bodyPr/>
+              <a:lstStyle/>
+              <a:p>
+                <a:r>
+                  <a:rPr lang="it-IT">
+                    <a:noFill/>
+                  </a:rPr>
+                  <a:t> </a:t>
+                </a:r>
+              </a:p>
+            </p:txBody>
+          </p:sp>
+        </mc:Fallback>
+      </mc:AlternateContent>
+      <p:cxnSp>
+        <p:nvCxnSpPr>
+          <p:cNvPr id="93" name="Connettore 7 92"/>
+          <p:cNvCxnSpPr/>
+          <p:nvPr/>
+        </p:nvCxnSpPr>
+        <p:spPr>
+          <a:xfrm rot="5400000" flipH="1">
+            <a:off x="3091237" y="4610233"/>
+            <a:ext cx="527" cy="1518272"/>
+          </a:xfrm>
+          <a:prstGeom prst="curvedConnector3">
+            <a:avLst>
+              <a:gd name="adj1" fmla="val -64168691"/>
+            </a:avLst>
+          </a:prstGeom>
+          <a:ln>
+            <a:solidFill>
+              <a:schemeClr val="tx1"/>
+            </a:solidFill>
+            <a:tailEnd type="triangle"/>
+          </a:ln>
+        </p:spPr>
+        <p:style>
+          <a:lnRef idx="1">
+            <a:schemeClr val="accent1"/>
+          </a:lnRef>
+          <a:fillRef idx="0">
+            <a:schemeClr val="accent1"/>
+          </a:fillRef>
+          <a:effectRef idx="0">
+            <a:schemeClr val="accent1"/>
+          </a:effectRef>
+          <a:fontRef idx="minor">
+            <a:schemeClr val="tx1"/>
+          </a:fontRef>
+        </p:style>
+      </p:cxnSp>
+      <mc:AlternateContent xmlns:mc="http://schemas.openxmlformats.org/markup-compatibility/2006">
+        <mc:Choice xmlns:a14="http://schemas.microsoft.com/office/drawing/2010/main" Requires="a14">
+          <p:sp>
+            <p:nvSpPr>
+              <p:cNvPr id="94" name="CasellaDiTesto 93"/>
+              <p:cNvSpPr txBox="1"/>
+              <p:nvPr/>
+            </p:nvSpPr>
+            <p:spPr>
+              <a:xfrm>
+                <a:off x="1958673" y="5466449"/>
+                <a:ext cx="2346108" cy="242695"/>
+              </a:xfrm>
+              <a:prstGeom prst="rect">
+                <a:avLst/>
+              </a:prstGeom>
+              <a:noFill/>
+            </p:spPr>
+            <p:txBody>
+              <a:bodyPr wrap="square" rtlCol="0">
+                <a:spAutoFit/>
+              </a:bodyPr>
+              <a:lstStyle/>
+              <a:p>
+                <a:pPr/>
+                <a14:m>
+                  <m:oMathPara xmlns:m="http://schemas.openxmlformats.org/officeDocument/2006/math">
+                    <m:oMathParaPr>
+                      <m:jc m:val="centerGroup"/>
+                    </m:oMathParaPr>
+                    <m:oMath xmlns:m="http://schemas.openxmlformats.org/officeDocument/2006/math">
+                      <m:r>
+                        <a:rPr lang="it-IT" sz="1000" b="0" i="1" dirty="0" smtClean="0">
+                          <a:latin typeface="Cambria Math" panose="02040503050406030204" pitchFamily="18" charset="0"/>
+                        </a:rPr>
+                        <m:t>𝑅𝑒𝑠𝑡𝑎𝑟𝑡𝐴</m:t>
+                      </m:r>
+                      <m:r>
+                        <a:rPr lang="it-IT" sz="1000" b="0" i="1" dirty="0" smtClean="0">
+                          <a:latin typeface="Cambria Math" panose="02040503050406030204" pitchFamily="18" charset="0"/>
+                        </a:rPr>
+                        <m:t>/</m:t>
+                      </m:r>
+                    </m:oMath>
+                  </m:oMathPara>
+                </a14:m>
+                <a:endParaRPr lang="it-IT" sz="1000" baseline="-25000" dirty="0"/>
+              </a:p>
+            </p:txBody>
+          </p:sp>
+        </mc:Choice>
+        <mc:Fallback>
+          <p:sp>
+            <p:nvSpPr>
+              <p:cNvPr id="94" name="CasellaDiTesto 93"/>
+              <p:cNvSpPr txBox="1">
+                <a:spLocks noRot="1" noChangeAspect="1" noMove="1" noResize="1" noEditPoints="1" noAdjustHandles="1" noChangeArrowheads="1" noChangeShapeType="1" noTextEdit="1"/>
+              </p:cNvSpPr>
+              <p:nvPr/>
+            </p:nvSpPr>
+            <p:spPr>
+              <a:xfrm>
+                <a:off x="1958673" y="5466449"/>
+                <a:ext cx="2346108" cy="242695"/>
+              </a:xfrm>
+              <a:prstGeom prst="rect">
+                <a:avLst/>
+              </a:prstGeom>
+              <a:blipFill>
+                <a:blip r:embed="rId31"/>
+                <a:stretch>
+                  <a:fillRect b="-2500"/>
+                </a:stretch>
+              </a:blipFill>
+            </p:spPr>
+            <p:txBody>
+              <a:bodyPr/>
+              <a:lstStyle/>
+              <a:p>
+                <a:r>
+                  <a:rPr lang="it-IT">
+                    <a:noFill/>
+                  </a:rPr>
+                  <a:t> </a:t>
+                </a:r>
+              </a:p>
+            </p:txBody>
+          </p:sp>
+        </mc:Fallback>
+      </mc:AlternateContent>
+      <mc:AlternateContent xmlns:mc="http://schemas.openxmlformats.org/markup-compatibility/2006">
+        <mc:Choice xmlns:a14="http://schemas.microsoft.com/office/drawing/2010/main" Requires="a14">
+          <p:sp>
+            <p:nvSpPr>
+              <p:cNvPr id="95" name="CasellaDiTesto 94"/>
+              <p:cNvSpPr txBox="1"/>
+              <p:nvPr/>
+            </p:nvSpPr>
+            <p:spPr>
+              <a:xfrm>
+                <a:off x="2162116" y="5638016"/>
+                <a:ext cx="1939222" cy="869533"/>
+              </a:xfrm>
+              <a:prstGeom prst="rect">
+                <a:avLst/>
+              </a:prstGeom>
+              <a:noFill/>
+            </p:spPr>
+            <p:txBody>
+              <a:bodyPr wrap="square" rtlCol="0">
+                <a:spAutoFit/>
+              </a:bodyPr>
+              <a:lstStyle/>
+              <a:p>
+                <a:pPr/>
+                <a14:m>
+                  <m:oMathPara xmlns:m="http://schemas.openxmlformats.org/officeDocument/2006/math">
+                    <m:oMathParaPr>
+                      <m:jc m:val="centerGroup"/>
+                    </m:oMathParaPr>
+                    <m:oMath xmlns:m="http://schemas.openxmlformats.org/officeDocument/2006/math">
+                      <m:r>
+                        <a:rPr lang="it-IT" sz="1000" b="0" i="1" dirty="0" smtClean="0">
+                          <a:latin typeface="Cambria Math" panose="02040503050406030204" pitchFamily="18" charset="0"/>
+                        </a:rPr>
+                        <m:t>𝑦</m:t>
+                      </m:r>
+                      <m:r>
+                        <a:rPr lang="it-IT" sz="1000" i="1" baseline="-25000" dirty="0" err="1" smtClean="0">
+                          <a:latin typeface="Cambria Math" panose="02040503050406030204" pitchFamily="18" charset="0"/>
+                        </a:rPr>
+                        <m:t>𝑎</m:t>
+                      </m:r>
+                      <m:r>
+                        <a:rPr lang="it-IT" sz="1000" i="1" dirty="0" smtClean="0">
+                          <a:latin typeface="Cambria Math" panose="02040503050406030204" pitchFamily="18" charset="0"/>
+                        </a:rPr>
+                        <m:t>=</m:t>
+                      </m:r>
+                      <m:sSup>
+                        <m:sSupPr>
+                          <m:ctrlPr>
+                            <a:rPr lang="it-IT" sz="1000" b="0" i="1" dirty="0" smtClean="0">
+                              <a:latin typeface="Cambria Math" panose="02040503050406030204" pitchFamily="18" charset="0"/>
+                            </a:rPr>
+                          </m:ctrlPr>
+                        </m:sSupPr>
+                        <m:e>
+                          <m:r>
+                            <a:rPr lang="it-IT" sz="1000" b="0" i="1" dirty="0" smtClean="0">
+                              <a:latin typeface="Cambria Math" panose="02040503050406030204" pitchFamily="18" charset="0"/>
+                            </a:rPr>
+                            <m:t>𝑦</m:t>
+                          </m:r>
+                        </m:e>
+                        <m:sup>
+                          <m:r>
+                            <a:rPr lang="it-IT" sz="1000" b="0" i="1" dirty="0" smtClean="0">
+                              <a:latin typeface="Cambria Math" panose="02040503050406030204" pitchFamily="18" charset="0"/>
+                            </a:rPr>
+                            <m:t>𝑖</m:t>
+                          </m:r>
+                        </m:sup>
+                      </m:sSup>
+                    </m:oMath>
+                  </m:oMathPara>
+                </a14:m>
+                <a:endParaRPr lang="it-IT" sz="1000" b="0" i="1" dirty="0" smtClean="0">
+                  <a:latin typeface="Cambria Math" panose="02040503050406030204" pitchFamily="18" charset="0"/>
+                </a:endParaRPr>
+              </a:p>
+              <a:p>
+                <a:pPr/>
+                <a14:m>
+                  <m:oMathPara xmlns:m="http://schemas.openxmlformats.org/officeDocument/2006/math">
+                    <m:oMathParaPr>
+                      <m:jc m:val="centerGroup"/>
+                    </m:oMathParaPr>
+                    <m:oMath xmlns:m="http://schemas.openxmlformats.org/officeDocument/2006/math">
+                      <m:r>
+                        <a:rPr lang="it-IT" sz="1000" b="0" i="1" dirty="0" smtClean="0">
+                          <a:latin typeface="Cambria Math" panose="02040503050406030204" pitchFamily="18" charset="0"/>
+                        </a:rPr>
+                        <m:t>𝑥</m:t>
+                      </m:r>
+                      <m:r>
+                        <a:rPr lang="it-IT" sz="1000" i="1" baseline="-25000" dirty="0" err="1" smtClean="0">
+                          <a:latin typeface="Cambria Math" panose="02040503050406030204" pitchFamily="18" charset="0"/>
+                        </a:rPr>
+                        <m:t>𝑎</m:t>
+                      </m:r>
+                      <m:r>
+                        <a:rPr lang="it-IT" sz="1000" i="1" dirty="0" smtClean="0">
+                          <a:latin typeface="Cambria Math" panose="02040503050406030204" pitchFamily="18" charset="0"/>
+                        </a:rPr>
+                        <m:t>=</m:t>
+                      </m:r>
+                      <m:sSup>
+                        <m:sSupPr>
+                          <m:ctrlPr>
+                            <a:rPr lang="it-IT" sz="1000" i="1" dirty="0" smtClean="0">
+                              <a:latin typeface="Cambria Math" panose="02040503050406030204" pitchFamily="18" charset="0"/>
+                            </a:rPr>
+                          </m:ctrlPr>
+                        </m:sSupPr>
+                        <m:e>
+                          <m:r>
+                            <a:rPr lang="it-IT" sz="1000" b="0" i="1" dirty="0" smtClean="0">
+                              <a:latin typeface="Cambria Math" panose="02040503050406030204" pitchFamily="18" charset="0"/>
+                            </a:rPr>
+                            <m:t>𝑥</m:t>
+                          </m:r>
+                        </m:e>
+                        <m:sup>
+                          <m:r>
+                            <a:rPr lang="it-IT" sz="1000" b="0" i="1" dirty="0" smtClean="0">
+                              <a:latin typeface="Cambria Math" panose="02040503050406030204" pitchFamily="18" charset="0"/>
+                            </a:rPr>
+                            <m:t>𝑖</m:t>
+                          </m:r>
+                        </m:sup>
+                      </m:sSup>
+                    </m:oMath>
+                  </m:oMathPara>
+                </a14:m>
+                <a:endParaRPr lang="it-IT" sz="1000" b="0" i="1" dirty="0" smtClean="0">
+                  <a:latin typeface="Cambria Math" panose="02040503050406030204" pitchFamily="18" charset="0"/>
+                </a:endParaRPr>
+              </a:p>
+              <a:p>
+                <a14:m>
+                  <m:oMathPara xmlns:m="http://schemas.openxmlformats.org/officeDocument/2006/math">
+                    <m:oMathParaPr>
+                      <m:jc m:val="centerGroup"/>
+                    </m:oMathParaPr>
+                    <m:oMath xmlns:m="http://schemas.openxmlformats.org/officeDocument/2006/math">
+                      <m:r>
+                        <a:rPr lang="it-IT" sz="1000" i="1" dirty="0">
+                          <a:latin typeface="Cambria Math" panose="02040503050406030204" pitchFamily="18" charset="0"/>
+                          <a:ea typeface="Cambria Math" panose="02040503050406030204" pitchFamily="18" charset="0"/>
+                        </a:rPr>
+                        <m:t>𝛾</m:t>
+                      </m:r>
+                      <m:r>
+                        <a:rPr lang="it-IT" sz="1000" i="1" dirty="0">
+                          <a:latin typeface="Cambria Math" panose="02040503050406030204" pitchFamily="18" charset="0"/>
+                          <a:ea typeface="Cambria Math" panose="02040503050406030204" pitchFamily="18" charset="0"/>
+                        </a:rPr>
+                        <m:t>=</m:t>
+                      </m:r>
+                      <m:sSup>
+                        <m:sSupPr>
+                          <m:ctrlPr>
+                            <a:rPr lang="it-IT" sz="1000" i="1" dirty="0">
+                              <a:latin typeface="Cambria Math" panose="02040503050406030204" pitchFamily="18" charset="0"/>
+                            </a:rPr>
+                          </m:ctrlPr>
+                        </m:sSupPr>
+                        <m:e>
+                          <m:r>
+                            <a:rPr lang="it-IT" sz="1000" i="1" dirty="0">
+                              <a:latin typeface="Cambria Math" panose="02040503050406030204" pitchFamily="18" charset="0"/>
+                              <a:ea typeface="Cambria Math" panose="02040503050406030204" pitchFamily="18" charset="0"/>
+                            </a:rPr>
+                            <m:t>𝛾</m:t>
+                          </m:r>
+                        </m:e>
+                        <m:sup>
+                          <m:r>
+                            <a:rPr lang="it-IT" sz="1000" i="1" dirty="0">
+                              <a:latin typeface="Cambria Math" panose="02040503050406030204" pitchFamily="18" charset="0"/>
+                            </a:rPr>
+                            <m:t>𝑖</m:t>
+                          </m:r>
+                        </m:sup>
+                      </m:sSup>
+                    </m:oMath>
+                  </m:oMathPara>
+                </a14:m>
+                <a:endParaRPr lang="it-IT" sz="1000" i="1" dirty="0" smtClean="0">
+                  <a:latin typeface="Cambria Math" panose="02040503050406030204" pitchFamily="18" charset="0"/>
+                </a:endParaRPr>
+              </a:p>
+              <a:p>
+                <a14:m>
+                  <m:oMathPara xmlns:m="http://schemas.openxmlformats.org/officeDocument/2006/math">
+                    <m:oMathParaPr>
+                      <m:jc m:val="centerGroup"/>
+                    </m:oMathParaPr>
+                    <m:oMath xmlns:m="http://schemas.openxmlformats.org/officeDocument/2006/math">
+                      <m:r>
+                        <a:rPr lang="it-IT" sz="1000" i="1" dirty="0">
+                          <a:latin typeface="Cambria Math" panose="02040503050406030204" pitchFamily="18" charset="0"/>
+                          <a:ea typeface="Cambria Math" panose="02040503050406030204" pitchFamily="18" charset="0"/>
+                        </a:rPr>
+                        <m:t>𝑝</m:t>
+                      </m:r>
+                      <m:r>
+                        <a:rPr lang="it-IT" sz="1000" i="1" dirty="0">
+                          <a:latin typeface="Cambria Math" panose="02040503050406030204" pitchFamily="18" charset="0"/>
+                          <a:ea typeface="Cambria Math" panose="02040503050406030204" pitchFamily="18" charset="0"/>
+                        </a:rPr>
+                        <m:t>=</m:t>
+                      </m:r>
+                      <m:r>
+                        <a:rPr lang="it-IT" sz="1000" i="1" dirty="0">
+                          <a:latin typeface="Cambria Math" panose="02040503050406030204" pitchFamily="18" charset="0"/>
+                          <a:ea typeface="Cambria Math" panose="02040503050406030204" pitchFamily="18" charset="0"/>
+                        </a:rPr>
+                        <m:t>0</m:t>
+                      </m:r>
+                    </m:oMath>
+                  </m:oMathPara>
+                </a14:m>
+                <a:endParaRPr lang="it-IT" sz="1000" baseline="-25000" dirty="0"/>
+              </a:p>
+              <a:p>
+                <a:pPr/>
+                <a14:m>
+                  <m:oMathPara xmlns:m="http://schemas.openxmlformats.org/officeDocument/2006/math">
+                    <m:oMathParaPr>
+                      <m:jc m:val="centerGroup"/>
+                    </m:oMathParaPr>
+                    <m:oMath xmlns:m="http://schemas.openxmlformats.org/officeDocument/2006/math">
+                      <m:r>
+                        <a:rPr lang="it-IT" sz="1000" i="1" baseline="-25000" dirty="0" smtClean="0">
+                          <a:latin typeface="Cambria Math" panose="02040503050406030204" pitchFamily="18" charset="0"/>
+                        </a:rPr>
+                        <m:t> </m:t>
+                      </m:r>
+                    </m:oMath>
+                  </m:oMathPara>
+                </a14:m>
+                <a:endParaRPr lang="it-IT" sz="1000" baseline="-25000" dirty="0"/>
+              </a:p>
+            </p:txBody>
+          </p:sp>
+        </mc:Choice>
+        <mc:Fallback>
+          <p:sp>
+            <p:nvSpPr>
+              <p:cNvPr id="95" name="CasellaDiTesto 94"/>
+              <p:cNvSpPr txBox="1">
+                <a:spLocks noRot="1" noChangeAspect="1" noMove="1" noResize="1" noEditPoints="1" noAdjustHandles="1" noChangeArrowheads="1" noChangeShapeType="1" noTextEdit="1"/>
+              </p:cNvSpPr>
+              <p:nvPr/>
+            </p:nvSpPr>
+            <p:spPr>
+              <a:xfrm>
+                <a:off x="2162116" y="5638016"/>
+                <a:ext cx="1939222" cy="869533"/>
+              </a:xfrm>
+              <a:prstGeom prst="rect">
+                <a:avLst/>
+              </a:prstGeom>
+              <a:blipFill>
+                <a:blip r:embed="rId32"/>
+                <a:stretch>
+                  <a:fillRect/>
                 </a:stretch>
               </a:blipFill>
             </p:spPr>
@@ -14515,8 +15850,8 @@
         </p:nvSpPr>
         <p:spPr>
           <a:xfrm>
-            <a:off x="8869700" y="3388199"/>
-            <a:ext cx="3287568" cy="784830"/>
+            <a:off x="8869700" y="3817427"/>
+            <a:ext cx="3287568" cy="1477328"/>
           </a:xfrm>
           <a:prstGeom prst="rect">
             <a:avLst/>
@@ -14530,9 +15865,14 @@
           <a:lstStyle/>
           <a:p>
             <a:r>
-              <a:rPr lang="it-IT" sz="1500" dirty="0"/>
-              <a:t>Output:</a:t>
-            </a:r>
+              <a:rPr lang="it-IT" sz="1500" dirty="0" smtClean="0"/>
+              <a:t>Input</a:t>
+            </a:r>
+            <a:r>
+              <a:rPr lang="it-IT" sz="1500" dirty="0" smtClean="0"/>
+              <a:t>:</a:t>
+            </a:r>
+            <a:endParaRPr lang="it-IT" sz="1500" dirty="0"/>
           </a:p>
           <a:p>
             <a:pPr marL="447675" indent="-180975">
@@ -14543,33 +15883,31 @@
               </a:tabLst>
             </a:pPr>
             <a:r>
-              <a:rPr lang="it-IT" sz="1500" i="1" dirty="0"/>
-              <a:t>position </a:t>
-            </a:r>
-            <a:r>
-              <a:rPr lang="it-IT" sz="1500" dirty="0"/>
-              <a:t>(posizione attuale dell’asteroide (</a:t>
-            </a:r>
-            <a:r>
-              <a:rPr lang="it-IT" sz="1500" i="1" dirty="0"/>
-              <a:t>x</a:t>
-            </a:r>
-            <a:r>
-              <a:rPr lang="it-IT" sz="1500" i="1" baseline="-25000" dirty="0"/>
-              <a:t>a</a:t>
-            </a:r>
-            <a:r>
-              <a:rPr lang="it-IT" sz="1500" i="1" dirty="0"/>
-              <a:t>,y</a:t>
-            </a:r>
-            <a:r>
-              <a:rPr lang="it-IT" sz="1500" i="1" baseline="-25000" dirty="0"/>
-              <a:t>a</a:t>
-            </a:r>
-            <a:r>
-              <a:rPr lang="it-IT" sz="1500" dirty="0"/>
-              <a:t>) )</a:t>
-            </a:r>
+              <a:rPr lang="it-IT" sz="1500" i="1" dirty="0" smtClean="0"/>
+              <a:t>Stop </a:t>
+            </a:r>
+            <a:r>
+              <a:rPr lang="it-IT" sz="1500" dirty="0" smtClean="0"/>
+              <a:t>(Segnale inviato dalla navicella che indica una collisione)</a:t>
+            </a:r>
+          </a:p>
+          <a:p>
+            <a:pPr marL="447675" indent="-180975">
+              <a:buFont typeface="Arial" panose="020B0604020202020204" pitchFamily="34" charset="0"/>
+              <a:buChar char="•"/>
+              <a:tabLst>
+                <a:tab pos="447675" algn="l"/>
+              </a:tabLst>
+            </a:pPr>
+            <a:r>
+              <a:rPr lang="it-IT" sz="1500" dirty="0" err="1" smtClean="0"/>
+              <a:t>RestartA</a:t>
+            </a:r>
+            <a:r>
+              <a:rPr lang="it-IT" sz="1500" dirty="0" smtClean="0"/>
+              <a:t> (Segnale inviato dalla navicella che indica di inizializzare la posizione dell’asteroide)</a:t>
+            </a:r>
+            <a:endParaRPr lang="it-IT" sz="1500" dirty="0"/>
           </a:p>
         </p:txBody>
       </p:sp>
@@ -15486,13 +16824,13 @@
                             <a:rPr lang="it-IT" sz="1000" i="1" dirty="0" smtClean="0">
                               <a:latin typeface="Cambria Math" panose="02040503050406030204" pitchFamily="18" charset="0"/>
                             </a:rPr>
-                            <m:t>𝑝𝑜𝑠𝑖𝑡𝑖</m:t>
+                            <m:t>𝑝𝑜𝑠𝑖𝑡𝑖𝑜</m:t>
                           </m:r>
                           <m:r>
                             <a:rPr lang="it-IT" sz="1000" b="0" i="1" dirty="0" smtClean="0">
                               <a:latin typeface="Cambria Math" panose="02040503050406030204" pitchFamily="18" charset="0"/>
                             </a:rPr>
-                            <m:t>𝑜𝑛</m:t>
+                            <m:t>𝑛</m:t>
                           </m:r>
                         </m:oMath>
                       </m:oMathPara>
@@ -16540,7 +17878,7 @@
         <p:spPr>
           <a:xfrm>
             <a:off x="8869700" y="944745"/>
-            <a:ext cx="2861732" cy="2631490"/>
+            <a:ext cx="2861732" cy="3093154"/>
           </a:xfrm>
           <a:prstGeom prst="rect">
             <a:avLst/>
@@ -16608,8 +17946,23 @@
             </a:r>
             <a:r>
               <a:rPr lang="it-IT" sz="1500" dirty="0"/>
-              <a:t>(posizione asteroide)</a:t>
-            </a:r>
+              <a:t>(posizione asteroide</a:t>
+            </a:r>
+            <a:r>
+              <a:rPr lang="it-IT" sz="1500" dirty="0" smtClean="0"/>
+              <a:t>)</a:t>
+            </a:r>
+          </a:p>
+          <a:p>
+            <a:pPr marL="447675" lvl="1" indent="-180975">
+              <a:buFont typeface="Arial" panose="020B0604020202020204" pitchFamily="34" charset="0"/>
+              <a:buChar char="•"/>
+            </a:pPr>
+            <a:r>
+              <a:rPr lang="it-IT" sz="1500" dirty="0" smtClean="0"/>
+              <a:t>p (punteggio, aumenta ad ogni rimbalzo)</a:t>
+            </a:r>
+            <a:endParaRPr lang="it-IT" sz="1500" dirty="0"/>
           </a:p>
           <a:p>
             <a:pPr marL="266700" indent="-266700">
@@ -16715,6 +18068,478 @@
           </a:p>
         </p:txBody>
       </p:sp>
+      <p:cxnSp>
+        <p:nvCxnSpPr>
+          <p:cNvPr id="34" name="Connettore 7 33"/>
+          <p:cNvCxnSpPr>
+            <a:stCxn id="31" idx="3"/>
+            <a:endCxn id="6" idx="5"/>
+          </p:cNvCxnSpPr>
+          <p:nvPr/>
+        </p:nvCxnSpPr>
+        <p:spPr>
+          <a:xfrm rot="5400000">
+            <a:off x="5289299" y="2511162"/>
+            <a:ext cx="126956" cy="2174401"/>
+          </a:xfrm>
+          <a:prstGeom prst="curvedConnector3">
+            <a:avLst>
+              <a:gd name="adj1" fmla="val 409783"/>
+            </a:avLst>
+          </a:prstGeom>
+          <a:ln>
+            <a:solidFill>
+              <a:schemeClr val="tx1"/>
+            </a:solidFill>
+            <a:tailEnd type="triangle"/>
+          </a:ln>
+        </p:spPr>
+        <p:style>
+          <a:lnRef idx="1">
+            <a:schemeClr val="accent1"/>
+          </a:lnRef>
+          <a:fillRef idx="0">
+            <a:schemeClr val="accent1"/>
+          </a:fillRef>
+          <a:effectRef idx="0">
+            <a:schemeClr val="accent1"/>
+          </a:effectRef>
+          <a:fontRef idx="minor">
+            <a:schemeClr val="tx1"/>
+          </a:fontRef>
+        </p:style>
+      </p:cxnSp>
+      <mc:AlternateContent xmlns:mc="http://schemas.openxmlformats.org/markup-compatibility/2006">
+        <mc:Choice xmlns:a14="http://schemas.microsoft.com/office/drawing/2010/main" Requires="a14">
+          <p:sp>
+            <p:nvSpPr>
+              <p:cNvPr id="35" name="CasellaDiTesto 34"/>
+              <p:cNvSpPr txBox="1"/>
+              <p:nvPr/>
+            </p:nvSpPr>
+            <p:spPr>
+              <a:xfrm>
+                <a:off x="4265575" y="3817427"/>
+                <a:ext cx="2346108" cy="242695"/>
+              </a:xfrm>
+              <a:prstGeom prst="rect">
+                <a:avLst/>
+              </a:prstGeom>
+              <a:noFill/>
+            </p:spPr>
+            <p:txBody>
+              <a:bodyPr wrap="square" rtlCol="0">
+                <a:spAutoFit/>
+              </a:bodyPr>
+              <a:lstStyle/>
+              <a:p>
+                <a:pPr/>
+                <a14:m>
+                  <m:oMathPara xmlns:m="http://schemas.openxmlformats.org/officeDocument/2006/math">
+                    <m:oMathParaPr>
+                      <m:jc m:val="centerGroup"/>
+                    </m:oMathParaPr>
+                    <m:oMath xmlns:m="http://schemas.openxmlformats.org/officeDocument/2006/math">
+                      <m:r>
+                        <a:rPr lang="it-IT" sz="1000" b="0" i="1" dirty="0" smtClean="0">
+                          <a:latin typeface="Cambria Math" panose="02040503050406030204" pitchFamily="18" charset="0"/>
+                        </a:rPr>
+                        <m:t>𝑅𝑒𝑠𝑡𝑎𝑟𝑡𝐴</m:t>
+                      </m:r>
+                      <m:r>
+                        <a:rPr lang="it-IT" sz="1000" b="0" i="1" dirty="0" smtClean="0">
+                          <a:latin typeface="Cambria Math" panose="02040503050406030204" pitchFamily="18" charset="0"/>
+                        </a:rPr>
+                        <m:t>/</m:t>
+                      </m:r>
+                    </m:oMath>
+                  </m:oMathPara>
+                </a14:m>
+                <a:endParaRPr lang="it-IT" sz="1000" baseline="-25000" dirty="0"/>
+              </a:p>
+            </p:txBody>
+          </p:sp>
+        </mc:Choice>
+        <mc:Fallback>
+          <p:sp>
+            <p:nvSpPr>
+              <p:cNvPr id="35" name="CasellaDiTesto 34"/>
+              <p:cNvSpPr txBox="1">
+                <a:spLocks noRot="1" noChangeAspect="1" noMove="1" noResize="1" noEditPoints="1" noAdjustHandles="1" noChangeArrowheads="1" noChangeShapeType="1" noTextEdit="1"/>
+              </p:cNvSpPr>
+              <p:nvPr/>
+            </p:nvSpPr>
+            <p:spPr>
+              <a:xfrm>
+                <a:off x="4265575" y="3817427"/>
+                <a:ext cx="2346108" cy="242695"/>
+              </a:xfrm>
+              <a:prstGeom prst="rect">
+                <a:avLst/>
+              </a:prstGeom>
+              <a:blipFill>
+                <a:blip r:embed="rId13"/>
+                <a:stretch>
+                  <a:fillRect b="-5000"/>
+                </a:stretch>
+              </a:blipFill>
+            </p:spPr>
+            <p:txBody>
+              <a:bodyPr/>
+              <a:lstStyle/>
+              <a:p>
+                <a:r>
+                  <a:rPr lang="it-IT">
+                    <a:noFill/>
+                  </a:rPr>
+                  <a:t> </a:t>
+                </a:r>
+              </a:p>
+            </p:txBody>
+          </p:sp>
+        </mc:Fallback>
+      </mc:AlternateContent>
+      <p:sp>
+        <p:nvSpPr>
+          <p:cNvPr id="37" name="CasellaDiTesto 36"/>
+          <p:cNvSpPr txBox="1"/>
+          <p:nvPr/>
+        </p:nvSpPr>
+        <p:spPr>
+          <a:xfrm>
+            <a:off x="8869700" y="5294755"/>
+            <a:ext cx="3287568" cy="784830"/>
+          </a:xfrm>
+          <a:prstGeom prst="rect">
+            <a:avLst/>
+          </a:prstGeom>
+          <a:noFill/>
+        </p:spPr>
+        <p:txBody>
+          <a:bodyPr wrap="square" rtlCol="0">
+            <a:spAutoFit/>
+          </a:bodyPr>
+          <a:lstStyle/>
+          <a:p>
+            <a:r>
+              <a:rPr lang="it-IT" sz="1500" dirty="0"/>
+              <a:t>Output:</a:t>
+            </a:r>
+          </a:p>
+          <a:p>
+            <a:pPr marL="447675" indent="-180975">
+              <a:buFont typeface="Arial" panose="020B0604020202020204" pitchFamily="34" charset="0"/>
+              <a:buChar char="•"/>
+              <a:tabLst>
+                <a:tab pos="447675" algn="l"/>
+              </a:tabLst>
+            </a:pPr>
+            <a:r>
+              <a:rPr lang="it-IT" sz="1500" i="1" dirty="0"/>
+              <a:t>position </a:t>
+            </a:r>
+            <a:r>
+              <a:rPr lang="it-IT" sz="1500" dirty="0"/>
+              <a:t>(posizione attuale dell’asteroide (</a:t>
+            </a:r>
+            <a:r>
+              <a:rPr lang="it-IT" sz="1500" i="1" dirty="0"/>
+              <a:t>x</a:t>
+            </a:r>
+            <a:r>
+              <a:rPr lang="it-IT" sz="1500" i="1" baseline="-25000" dirty="0"/>
+              <a:t>a</a:t>
+            </a:r>
+            <a:r>
+              <a:rPr lang="it-IT" sz="1500" i="1" dirty="0"/>
+              <a:t>,y</a:t>
+            </a:r>
+            <a:r>
+              <a:rPr lang="it-IT" sz="1500" i="1" baseline="-25000" dirty="0"/>
+              <a:t>a</a:t>
+            </a:r>
+            <a:r>
+              <a:rPr lang="it-IT" sz="1500" dirty="0"/>
+              <a:t>) )</a:t>
+            </a:r>
+          </a:p>
+        </p:txBody>
+      </p:sp>
+      <mc:AlternateContent xmlns:mc="http://schemas.openxmlformats.org/markup-compatibility/2006">
+        <mc:Choice xmlns:a14="http://schemas.microsoft.com/office/drawing/2010/main" Requires="a14">
+          <p:sp>
+            <p:nvSpPr>
+              <p:cNvPr id="41" name="CasellaDiTesto 40"/>
+              <p:cNvSpPr txBox="1"/>
+              <p:nvPr/>
+            </p:nvSpPr>
+            <p:spPr>
+              <a:xfrm>
+                <a:off x="4337695" y="4019141"/>
+                <a:ext cx="2166700" cy="727635"/>
+              </a:xfrm>
+              <a:prstGeom prst="rect">
+                <a:avLst/>
+              </a:prstGeom>
+              <a:noFill/>
+            </p:spPr>
+            <p:txBody>
+              <a:bodyPr wrap="square" rtlCol="0">
+                <a:spAutoFit/>
+              </a:bodyPr>
+              <a:lstStyle/>
+              <a:p>
+                <a:pPr/>
+                <a14:m>
+                  <m:oMathPara xmlns:m="http://schemas.openxmlformats.org/officeDocument/2006/math">
+                    <m:oMathParaPr>
+                      <m:jc m:val="centerGroup"/>
+                    </m:oMathParaPr>
+                    <m:oMath xmlns:m="http://schemas.openxmlformats.org/officeDocument/2006/math">
+                      <m:r>
+                        <a:rPr lang="it-IT" sz="1000" b="0" i="1" dirty="0" smtClean="0">
+                          <a:latin typeface="Cambria Math" panose="02040503050406030204" pitchFamily="18" charset="0"/>
+                        </a:rPr>
+                        <m:t>𝑦</m:t>
+                      </m:r>
+                      <m:r>
+                        <a:rPr lang="it-IT" sz="1000" i="1" baseline="-25000" dirty="0" err="1" smtClean="0">
+                          <a:latin typeface="Cambria Math" panose="02040503050406030204" pitchFamily="18" charset="0"/>
+                        </a:rPr>
+                        <m:t>𝑎</m:t>
+                      </m:r>
+                      <m:r>
+                        <a:rPr lang="it-IT" sz="1000" i="1" dirty="0" smtClean="0">
+                          <a:latin typeface="Cambria Math" panose="02040503050406030204" pitchFamily="18" charset="0"/>
+                        </a:rPr>
+                        <m:t>=</m:t>
+                      </m:r>
+                      <m:sSup>
+                        <m:sSupPr>
+                          <m:ctrlPr>
+                            <a:rPr lang="it-IT" sz="1000" b="0" i="1" dirty="0" smtClean="0">
+                              <a:latin typeface="Cambria Math" panose="02040503050406030204" pitchFamily="18" charset="0"/>
+                            </a:rPr>
+                          </m:ctrlPr>
+                        </m:sSupPr>
+                        <m:e>
+                          <m:r>
+                            <a:rPr lang="it-IT" sz="1000" b="0" i="1" dirty="0" smtClean="0">
+                              <a:latin typeface="Cambria Math" panose="02040503050406030204" pitchFamily="18" charset="0"/>
+                            </a:rPr>
+                            <m:t>𝑦</m:t>
+                          </m:r>
+                        </m:e>
+                        <m:sup>
+                          <m:r>
+                            <a:rPr lang="it-IT" sz="1000" b="0" i="1" dirty="0" smtClean="0">
+                              <a:latin typeface="Cambria Math" panose="02040503050406030204" pitchFamily="18" charset="0"/>
+                            </a:rPr>
+                            <m:t>𝑖</m:t>
+                          </m:r>
+                        </m:sup>
+                      </m:sSup>
+                    </m:oMath>
+                  </m:oMathPara>
+                </a14:m>
+                <a:endParaRPr lang="it-IT" sz="1000" b="0" i="0" dirty="0" smtClean="0">
+                  <a:latin typeface="Cambria Math" panose="02040503050406030204" pitchFamily="18" charset="0"/>
+                </a:endParaRPr>
+              </a:p>
+              <a:p>
+                <a:pPr/>
+                <a14:m>
+                  <m:oMathPara xmlns:m="http://schemas.openxmlformats.org/officeDocument/2006/math">
+                    <m:oMathParaPr>
+                      <m:jc m:val="centerGroup"/>
+                    </m:oMathParaPr>
+                    <m:oMath xmlns:m="http://schemas.openxmlformats.org/officeDocument/2006/math">
+                      <m:r>
+                        <a:rPr lang="it-IT" sz="1000" b="0" i="1" dirty="0" smtClean="0">
+                          <a:latin typeface="Cambria Math" panose="02040503050406030204" pitchFamily="18" charset="0"/>
+                        </a:rPr>
+                        <m:t>𝑥</m:t>
+                      </m:r>
+                      <m:r>
+                        <a:rPr lang="it-IT" sz="1000" i="1" baseline="-25000" dirty="0" err="1" smtClean="0">
+                          <a:latin typeface="Cambria Math" panose="02040503050406030204" pitchFamily="18" charset="0"/>
+                        </a:rPr>
+                        <m:t>𝑎</m:t>
+                      </m:r>
+                      <m:r>
+                        <a:rPr lang="it-IT" sz="1000" i="1" dirty="0" smtClean="0">
+                          <a:latin typeface="Cambria Math" panose="02040503050406030204" pitchFamily="18" charset="0"/>
+                        </a:rPr>
+                        <m:t>=</m:t>
+                      </m:r>
+                      <m:sSup>
+                        <m:sSupPr>
+                          <m:ctrlPr>
+                            <a:rPr lang="it-IT" sz="1000" i="1" dirty="0" smtClean="0">
+                              <a:latin typeface="Cambria Math" panose="02040503050406030204" pitchFamily="18" charset="0"/>
+                            </a:rPr>
+                          </m:ctrlPr>
+                        </m:sSupPr>
+                        <m:e>
+                          <m:r>
+                            <a:rPr lang="it-IT" sz="1000" b="0" i="1" dirty="0" smtClean="0">
+                              <a:latin typeface="Cambria Math" panose="02040503050406030204" pitchFamily="18" charset="0"/>
+                            </a:rPr>
+                            <m:t>𝑥</m:t>
+                          </m:r>
+                        </m:e>
+                        <m:sup>
+                          <m:r>
+                            <a:rPr lang="it-IT" sz="1000" b="0" i="1" dirty="0" smtClean="0">
+                              <a:latin typeface="Cambria Math" panose="02040503050406030204" pitchFamily="18" charset="0"/>
+                            </a:rPr>
+                            <m:t>𝑖</m:t>
+                          </m:r>
+                        </m:sup>
+                      </m:sSup>
+                    </m:oMath>
+                  </m:oMathPara>
+                </a14:m>
+                <a:endParaRPr lang="it-IT" sz="1000" b="0" i="1" dirty="0" smtClean="0">
+                  <a:latin typeface="Cambria Math" panose="02040503050406030204" pitchFamily="18" charset="0"/>
+                </a:endParaRPr>
+              </a:p>
+              <a:p>
+                <a:pPr/>
+                <a14:m>
+                  <m:oMathPara xmlns:m="http://schemas.openxmlformats.org/officeDocument/2006/math">
+                    <m:oMathParaPr>
+                      <m:jc m:val="centerGroup"/>
+                    </m:oMathParaPr>
+                    <m:oMath xmlns:m="http://schemas.openxmlformats.org/officeDocument/2006/math">
+                      <m:r>
+                        <a:rPr lang="it-IT" sz="1000" i="1" dirty="0">
+                          <a:latin typeface="Cambria Math" panose="02040503050406030204" pitchFamily="18" charset="0"/>
+                          <a:ea typeface="Cambria Math" panose="02040503050406030204" pitchFamily="18" charset="0"/>
+                        </a:rPr>
+                        <m:t>𝛾</m:t>
+                      </m:r>
+                      <m:r>
+                        <a:rPr lang="it-IT" sz="1000" i="1" dirty="0">
+                          <a:latin typeface="Cambria Math" panose="02040503050406030204" pitchFamily="18" charset="0"/>
+                          <a:ea typeface="Cambria Math" panose="02040503050406030204" pitchFamily="18" charset="0"/>
+                        </a:rPr>
+                        <m:t>=</m:t>
+                      </m:r>
+                      <m:sSup>
+                        <m:sSupPr>
+                          <m:ctrlPr>
+                            <a:rPr lang="it-IT" sz="1000" i="1" dirty="0">
+                              <a:latin typeface="Cambria Math" panose="02040503050406030204" pitchFamily="18" charset="0"/>
+                            </a:rPr>
+                          </m:ctrlPr>
+                        </m:sSupPr>
+                        <m:e>
+                          <m:r>
+                            <a:rPr lang="it-IT" sz="1000" i="1" dirty="0">
+                              <a:latin typeface="Cambria Math" panose="02040503050406030204" pitchFamily="18" charset="0"/>
+                              <a:ea typeface="Cambria Math" panose="02040503050406030204" pitchFamily="18" charset="0"/>
+                            </a:rPr>
+                            <m:t>𝛾</m:t>
+                          </m:r>
+                        </m:e>
+                        <m:sup>
+                          <m:r>
+                            <a:rPr lang="it-IT" sz="1000" i="1" dirty="0">
+                              <a:latin typeface="Cambria Math" panose="02040503050406030204" pitchFamily="18" charset="0"/>
+                            </a:rPr>
+                            <m:t>𝑖</m:t>
+                          </m:r>
+                        </m:sup>
+                      </m:sSup>
+                    </m:oMath>
+                  </m:oMathPara>
+                </a14:m>
+                <a:endParaRPr lang="it-IT" sz="1000" i="1" dirty="0" smtClean="0">
+                  <a:latin typeface="Cambria Math" panose="02040503050406030204" pitchFamily="18" charset="0"/>
+                </a:endParaRPr>
+              </a:p>
+              <a:p>
+                <a:pPr/>
+                <a14:m>
+                  <m:oMathPara xmlns:m="http://schemas.openxmlformats.org/officeDocument/2006/math">
+                    <m:oMathParaPr>
+                      <m:jc m:val="centerGroup"/>
+                    </m:oMathParaPr>
+                    <m:oMath xmlns:m="http://schemas.openxmlformats.org/officeDocument/2006/math">
+                      <m:r>
+                        <a:rPr lang="it-IT" sz="1000" b="0" i="1" dirty="0" smtClean="0">
+                          <a:latin typeface="Cambria Math" panose="02040503050406030204" pitchFamily="18" charset="0"/>
+                          <a:ea typeface="Cambria Math" panose="02040503050406030204" pitchFamily="18" charset="0"/>
+                        </a:rPr>
+                        <m:t>𝑝</m:t>
+                      </m:r>
+                      <m:r>
+                        <a:rPr lang="it-IT" sz="1000" b="0" i="1" dirty="0" smtClean="0">
+                          <a:latin typeface="Cambria Math" panose="02040503050406030204" pitchFamily="18" charset="0"/>
+                          <a:ea typeface="Cambria Math" panose="02040503050406030204" pitchFamily="18" charset="0"/>
+                        </a:rPr>
+                        <m:t>=</m:t>
+                      </m:r>
+                      <m:r>
+                        <a:rPr lang="it-IT" sz="1000" b="0" i="1" dirty="0" smtClean="0">
+                          <a:latin typeface="Cambria Math" panose="02040503050406030204" pitchFamily="18" charset="0"/>
+                        </a:rPr>
+                        <m:t>0</m:t>
+                      </m:r>
+                      <m:r>
+                        <a:rPr lang="it-IT" sz="1000" i="1" baseline="-25000" dirty="0" smtClean="0">
+                          <a:latin typeface="Cambria Math" panose="02040503050406030204" pitchFamily="18" charset="0"/>
+                        </a:rPr>
+                        <m:t> </m:t>
+                      </m:r>
+                    </m:oMath>
+                  </m:oMathPara>
+                </a14:m>
+                <a:endParaRPr lang="it-IT" sz="1000" baseline="-25000" dirty="0"/>
+              </a:p>
+            </p:txBody>
+          </p:sp>
+        </mc:Choice>
+        <mc:Fallback>
+          <p:sp>
+            <p:nvSpPr>
+              <p:cNvPr id="41" name="CasellaDiTesto 40"/>
+              <p:cNvSpPr txBox="1">
+                <a:spLocks noRot="1" noChangeAspect="1" noMove="1" noResize="1" noEditPoints="1" noAdjustHandles="1" noChangeArrowheads="1" noChangeShapeType="1" noTextEdit="1"/>
+              </p:cNvSpPr>
+              <p:nvPr/>
+            </p:nvSpPr>
+            <p:spPr>
+              <a:xfrm>
+                <a:off x="4337695" y="4019141"/>
+                <a:ext cx="2166700" cy="727635"/>
+              </a:xfrm>
+              <a:prstGeom prst="rect">
+                <a:avLst/>
+              </a:prstGeom>
+              <a:blipFill>
+                <a:blip r:embed="rId14"/>
+                <a:stretch>
+                  <a:fillRect/>
+                </a:stretch>
+              </a:blipFill>
+            </p:spPr>
+            <p:txBody>
+              <a:bodyPr/>
+              <a:lstStyle/>
+              <a:p>
+                <a:r>
+                  <a:rPr lang="it-IT">
+                    <a:noFill/>
+                  </a:rPr>
+                  <a:t> </a:t>
+                </a:r>
+              </a:p>
+            </p:txBody>
+          </p:sp>
+        </mc:Fallback>
+      </mc:AlternateContent>
     </p:spTree>
     <p:extLst>
       <p:ext uri="{BB962C8B-B14F-4D97-AF65-F5344CB8AC3E}">
@@ -24718,6 +26543,14 @@
   <p:clrMapOvr>
     <a:masterClrMapping/>
   </p:clrMapOvr>
+  <mc:AlternateContent xmlns:mc="http://schemas.openxmlformats.org/markup-compatibility/2006">
+    <mc:Choice xmlns:p14="http://schemas.microsoft.com/office/powerpoint/2010/main" Requires="p14">
+      <p:transition spd="slow" p14:dur="2000"/>
+    </mc:Choice>
+    <mc:Fallback>
+      <p:transition spd="slow"/>
+    </mc:Fallback>
+  </mc:AlternateContent>
 </p:sld>
 </file>
 
@@ -25384,6 +27217,14 @@
   <p:clrMapOvr>
     <a:masterClrMapping/>
   </p:clrMapOvr>
+  <mc:AlternateContent xmlns:mc="http://schemas.openxmlformats.org/markup-compatibility/2006">
+    <mc:Choice xmlns:p14="http://schemas.microsoft.com/office/powerpoint/2010/main" Requires="p14">
+      <p:transition spd="slow" p14:dur="2000"/>
+    </mc:Choice>
+    <mc:Fallback>
+      <p:transition spd="slow"/>
+    </mc:Fallback>
+  </mc:AlternateContent>
 </p:sld>
 </file>
 
@@ -26050,6 +27891,14 @@
   <p:clrMapOvr>
     <a:masterClrMapping/>
   </p:clrMapOvr>
+  <mc:AlternateContent xmlns:mc="http://schemas.openxmlformats.org/markup-compatibility/2006">
+    <mc:Choice xmlns:p14="http://schemas.microsoft.com/office/powerpoint/2010/main" Requires="p14">
+      <p:transition spd="slow" p14:dur="2000"/>
+    </mc:Choice>
+    <mc:Fallback>
+      <p:transition spd="slow"/>
+    </mc:Fallback>
+  </mc:AlternateContent>
 </p:sld>
 </file>
 
@@ -26716,6 +28565,14 @@
   <p:clrMapOvr>
     <a:masterClrMapping/>
   </p:clrMapOvr>
+  <mc:AlternateContent xmlns:mc="http://schemas.openxmlformats.org/markup-compatibility/2006">
+    <mc:Choice xmlns:p14="http://schemas.microsoft.com/office/powerpoint/2010/main" Requires="p14">
+      <p:transition spd="slow" p14:dur="2000"/>
+    </mc:Choice>
+    <mc:Fallback>
+      <p:transition spd="slow"/>
+    </mc:Fallback>
+  </mc:AlternateContent>
 </p:sld>
 </file>
 

--- a/Progetto sistemi.pptx
+++ b/Progetto sistemi.pptx
@@ -5,10 +5,10 @@
     <p:sldMasterId id="2147483648" r:id="rId1"/>
   </p:sldMasterIdLst>
   <p:notesMasterIdLst>
-    <p:notesMasterId r:id="rId25"/>
+    <p:notesMasterId r:id="rId26"/>
   </p:notesMasterIdLst>
   <p:handoutMasterIdLst>
-    <p:handoutMasterId r:id="rId26"/>
+    <p:handoutMasterId r:id="rId27"/>
   </p:handoutMasterIdLst>
   <p:sldIdLst>
     <p:sldId id="256" r:id="rId2"/>
@@ -26,14 +26,15 @@
     <p:sldId id="283" r:id="rId14"/>
     <p:sldId id="284" r:id="rId15"/>
     <p:sldId id="270" r:id="rId16"/>
-    <p:sldId id="271" r:id="rId17"/>
-    <p:sldId id="272" r:id="rId18"/>
-    <p:sldId id="273" r:id="rId19"/>
-    <p:sldId id="275" r:id="rId20"/>
-    <p:sldId id="276" r:id="rId21"/>
-    <p:sldId id="277" r:id="rId22"/>
-    <p:sldId id="278" r:id="rId23"/>
-    <p:sldId id="279" r:id="rId24"/>
+    <p:sldId id="286" r:id="rId17"/>
+    <p:sldId id="271" r:id="rId18"/>
+    <p:sldId id="272" r:id="rId19"/>
+    <p:sldId id="273" r:id="rId20"/>
+    <p:sldId id="275" r:id="rId21"/>
+    <p:sldId id="276" r:id="rId22"/>
+    <p:sldId id="277" r:id="rId23"/>
+    <p:sldId id="278" r:id="rId24"/>
+    <p:sldId id="279" r:id="rId25"/>
   </p:sldIdLst>
   <p:sldSz cx="12192000" cy="6858000"/>
   <p:notesSz cx="6858000" cy="9144000"/>
@@ -156,6 +157,7 @@
             <p14:sldId id="283"/>
             <p14:sldId id="284"/>
             <p14:sldId id="270"/>
+            <p14:sldId id="286"/>
             <p14:sldId id="271"/>
             <p14:sldId id="272"/>
             <p14:sldId id="273"/>
@@ -1091,7 +1093,7 @@
           <a:p>
             <a:fld id="{AF5D5AC8-672A-409E-B76F-2374AA227A07}" type="slidenum">
               <a:rPr lang="it-IT" smtClean="0"/>
-              <a:t>16</a:t>
+              <a:t>17</a:t>
             </a:fld>
             <a:endParaRPr lang="it-IT"/>
           </a:p>
@@ -1175,7 +1177,7 @@
           <a:p>
             <a:fld id="{AF5D5AC8-672A-409E-B76F-2374AA227A07}" type="slidenum">
               <a:rPr lang="it-IT" smtClean="0"/>
-              <a:t>17</a:t>
+              <a:t>18</a:t>
             </a:fld>
             <a:endParaRPr lang="it-IT"/>
           </a:p>
@@ -1305,7 +1307,7 @@
           <a:p>
             <a:fld id="{AF5D5AC8-672A-409E-B76F-2374AA227A07}" type="slidenum">
               <a:rPr lang="it-IT" smtClean="0"/>
-              <a:t>18</a:t>
+              <a:t>19</a:t>
             </a:fld>
             <a:endParaRPr lang="it-IT"/>
           </a:p>
@@ -1389,7 +1391,7 @@
           <a:p>
             <a:fld id="{AF5D5AC8-672A-409E-B76F-2374AA227A07}" type="slidenum">
               <a:rPr lang="it-IT" smtClean="0"/>
-              <a:t>21</a:t>
+              <a:t>22</a:t>
             </a:fld>
             <a:endParaRPr lang="it-IT"/>
           </a:p>
@@ -1473,7 +1475,7 @@
           <a:p>
             <a:fld id="{AF5D5AC8-672A-409E-B76F-2374AA227A07}" type="slidenum">
               <a:rPr lang="it-IT" smtClean="0"/>
-              <a:t>23</a:t>
+              <a:t>24</a:t>
             </a:fld>
             <a:endParaRPr lang="it-IT"/>
           </a:p>
@@ -5052,14 +5054,6 @@
   <p:clrMapOvr>
     <a:masterClrMapping/>
   </p:clrMapOvr>
-  <mc:AlternateContent xmlns:mc="http://schemas.openxmlformats.org/markup-compatibility/2006">
-    <mc:Choice xmlns:p14="http://schemas.microsoft.com/office/powerpoint/2010/main" Requires="p14">
-      <p:transition spd="slow" p14:dur="2000"/>
-    </mc:Choice>
-    <mc:Fallback>
-      <p:transition spd="slow"/>
-    </mc:Fallback>
-  </mc:AlternateContent>
 </p:sld>
 </file>
 
@@ -5834,14 +5828,6 @@
   <p:clrMapOvr>
     <a:masterClrMapping/>
   </p:clrMapOvr>
-  <mc:AlternateContent xmlns:mc="http://schemas.openxmlformats.org/markup-compatibility/2006">
-    <mc:Choice xmlns:p14="http://schemas.microsoft.com/office/powerpoint/2010/main" Requires="p14">
-      <p:transition spd="slow" p14:dur="2000"/>
-    </mc:Choice>
-    <mc:Fallback>
-      <p:transition spd="slow"/>
-    </mc:Fallback>
-  </mc:AlternateContent>
 </p:sld>
 </file>
 
@@ -6610,14 +6596,6 @@
   <p:clrMapOvr>
     <a:masterClrMapping/>
   </p:clrMapOvr>
-  <mc:AlternateContent xmlns:mc="http://schemas.openxmlformats.org/markup-compatibility/2006">
-    <mc:Choice xmlns:p14="http://schemas.microsoft.com/office/powerpoint/2010/main" Requires="p14">
-      <p:transition spd="slow" p14:dur="2000"/>
-    </mc:Choice>
-    <mc:Fallback>
-      <p:transition spd="slow"/>
-    </mc:Fallback>
-  </mc:AlternateContent>
 </p:sld>
 </file>
 
@@ -7386,14 +7364,6 @@
   <p:clrMapOvr>
     <a:masterClrMapping/>
   </p:clrMapOvr>
-  <mc:AlternateContent xmlns:mc="http://schemas.openxmlformats.org/markup-compatibility/2006">
-    <mc:Choice xmlns:p14="http://schemas.microsoft.com/office/powerpoint/2010/main" Requires="p14">
-      <p:transition spd="slow" p14:dur="2000"/>
-    </mc:Choice>
-    <mc:Fallback>
-      <p:transition spd="slow"/>
-    </mc:Fallback>
-  </mc:AlternateContent>
 </p:sld>
 </file>
 
@@ -8162,14 +8132,6 @@
   <p:clrMapOvr>
     <a:masterClrMapping/>
   </p:clrMapOvr>
-  <mc:AlternateContent xmlns:mc="http://schemas.openxmlformats.org/markup-compatibility/2006">
-    <mc:Choice xmlns:p14="http://schemas.microsoft.com/office/powerpoint/2010/main" Requires="p14">
-      <p:transition spd="slow" p14:dur="2000"/>
-    </mc:Choice>
-    <mc:Fallback>
-      <p:transition spd="slow"/>
-    </mc:Fallback>
-  </mc:AlternateContent>
 </p:sld>
 </file>
 
@@ -8268,10 +8230,6 @@
             <a:pPr marL="0" indent="0">
               <a:buNone/>
             </a:pPr>
-            <a:r>
-              <a:rPr lang="it-IT" dirty="0"/>
-              <a:t/>
-            </a:r>
             <a:br>
               <a:rPr lang="it-IT" dirty="0"/>
             </a:br>
@@ -8323,6 +8281,136 @@
 </file>
 
 <file path=ppt/slides/slide16.xml><?xml version="1.0" encoding="utf-8"?>
+<p:sld xmlns:a="http://schemas.openxmlformats.org/drawingml/2006/main" xmlns:r="http://schemas.openxmlformats.org/officeDocument/2006/relationships" xmlns:p="http://schemas.openxmlformats.org/presentationml/2006/main">
+  <p:cSld>
+    <p:spTree>
+      <p:nvGrpSpPr>
+        <p:cNvPr id="1" name=""/>
+        <p:cNvGrpSpPr/>
+        <p:nvPr/>
+      </p:nvGrpSpPr>
+      <p:grpSpPr>
+        <a:xfrm>
+          <a:off x="0" y="0"/>
+          <a:ext cx="0" cy="0"/>
+          <a:chOff x="0" y="0"/>
+          <a:chExt cx="0" cy="0"/>
+        </a:xfrm>
+      </p:grpSpPr>
+      <p:sp>
+        <p:nvSpPr>
+          <p:cNvPr id="2" name="Titolo 1">
+            <a:extLst>
+              <a:ext uri="{FF2B5EF4-FFF2-40B4-BE49-F238E27FC236}">
+                <a16:creationId xmlns:a16="http://schemas.microsoft.com/office/drawing/2014/main" id="{E9DC76C1-F8F7-4F69-A998-17CAFCBAB50B}"/>
+              </a:ext>
+            </a:extLst>
+          </p:cNvPr>
+          <p:cNvSpPr>
+            <a:spLocks noGrp="1"/>
+          </p:cNvSpPr>
+          <p:nvPr>
+            <p:ph type="title"/>
+          </p:nvPr>
+        </p:nvSpPr>
+        <p:spPr/>
+        <p:txBody>
+          <a:bodyPr/>
+          <a:lstStyle/>
+          <a:p>
+            <a:r>
+              <a:rPr lang="it-IT" dirty="0"/>
+              <a:t>Implementazione in </a:t>
+            </a:r>
+            <a:r>
+              <a:rPr lang="it-IT" dirty="0" err="1"/>
+              <a:t>Unity</a:t>
+            </a:r>
+            <a:endParaRPr lang="it-IT" dirty="0"/>
+          </a:p>
+        </p:txBody>
+      </p:sp>
+      <p:sp>
+        <p:nvSpPr>
+          <p:cNvPr id="3" name="Segnaposto contenuto 2">
+            <a:extLst>
+              <a:ext uri="{FF2B5EF4-FFF2-40B4-BE49-F238E27FC236}">
+                <a16:creationId xmlns:a16="http://schemas.microsoft.com/office/drawing/2014/main" id="{AC026E89-350F-4B44-8CFD-0046836A72E4}"/>
+              </a:ext>
+            </a:extLst>
+          </p:cNvPr>
+          <p:cNvSpPr>
+            <a:spLocks noGrp="1"/>
+          </p:cNvSpPr>
+          <p:nvPr>
+            <p:ph idx="1"/>
+          </p:nvPr>
+        </p:nvSpPr>
+        <p:spPr/>
+        <p:txBody>
+          <a:bodyPr/>
+          <a:lstStyle/>
+          <a:p>
+            <a:pPr marL="0" indent="0">
+              <a:buNone/>
+            </a:pPr>
+            <a:r>
+              <a:rPr lang="it-IT" dirty="0"/>
+              <a:t>Tutti gli oggetti in scena (asteroidi, navicella e bordi) hanno un «RigidBody2D»</a:t>
+            </a:r>
+            <a:br>
+              <a:rPr lang="it-IT" dirty="0"/>
+            </a:br>
+            <a:endParaRPr lang="it-IT" dirty="0"/>
+          </a:p>
+          <a:p>
+            <a:pPr marL="0" indent="0">
+              <a:buNone/>
+            </a:pPr>
+            <a:r>
+              <a:rPr lang="it-IT" dirty="0"/>
+              <a:t>«RigidBody2d» è un componente che fa si che un oggetto sia sotto il controllo del motore fisico</a:t>
+            </a:r>
+          </a:p>
+          <a:p>
+            <a:pPr marL="0" indent="0">
+              <a:buNone/>
+            </a:pPr>
+            <a:endParaRPr lang="it-IT" dirty="0"/>
+          </a:p>
+          <a:p>
+            <a:pPr marL="0" indent="0">
+              <a:buNone/>
+            </a:pPr>
+            <a:r>
+              <a:rPr lang="it-IT" dirty="0"/>
+              <a:t>Senza esso non potremmo modificare la velocità degli oggetti oppure specificare cosa </a:t>
+            </a:r>
+            <a:r>
+              <a:rPr lang="it-IT"/>
+              <a:t>fare quando essi </a:t>
+            </a:r>
+            <a:r>
+              <a:rPr lang="it-IT" dirty="0"/>
+              <a:t>collidono</a:t>
+            </a:r>
+          </a:p>
+        </p:txBody>
+      </p:sp>
+    </p:spTree>
+    <p:extLst>
+      <p:ext uri="{BB962C8B-B14F-4D97-AF65-F5344CB8AC3E}">
+        <p14:creationId xmlns:p14="http://schemas.microsoft.com/office/powerpoint/2010/main" val="4089860860"/>
+      </p:ext>
+    </p:extLst>
+  </p:cSld>
+  <p:clrMapOvr>
+    <a:masterClrMapping/>
+  </p:clrMapOvr>
+</p:sld>
+</file>
+
+<file path=ppt/slides/slide17.xml><?xml version="1.0" encoding="utf-8"?>
 <p:sld xmlns:a="http://schemas.openxmlformats.org/drawingml/2006/main" xmlns:r="http://schemas.openxmlformats.org/officeDocument/2006/relationships" xmlns:p="http://schemas.openxmlformats.org/presentationml/2006/main">
   <p:cSld>
     <p:spTree>
@@ -8462,7 +8550,7 @@
 </p:sld>
 </file>
 
-<file path=ppt/slides/slide17.xml><?xml version="1.0" encoding="utf-8"?>
+<file path=ppt/slides/slide18.xml><?xml version="1.0" encoding="utf-8"?>
 <p:sld xmlns:a="http://schemas.openxmlformats.org/drawingml/2006/main" xmlns:r="http://schemas.openxmlformats.org/officeDocument/2006/relationships" xmlns:p="http://schemas.openxmlformats.org/presentationml/2006/main">
   <p:cSld>
     <p:spTree>
@@ -8597,7 +8685,7 @@
 </p:sld>
 </file>
 
-<file path=ppt/slides/slide18.xml><?xml version="1.0" encoding="utf-8"?>
+<file path=ppt/slides/slide19.xml><?xml version="1.0" encoding="utf-8"?>
 <p:sld xmlns:a="http://schemas.openxmlformats.org/drawingml/2006/main" xmlns:r="http://schemas.openxmlformats.org/officeDocument/2006/relationships" xmlns:p="http://schemas.openxmlformats.org/presentationml/2006/main">
   <p:cSld>
     <p:spTree>
@@ -8716,108 +8804,6 @@
     <p:extLst>
       <p:ext uri="{BB962C8B-B14F-4D97-AF65-F5344CB8AC3E}">
         <p14:creationId xmlns:p14="http://schemas.microsoft.com/office/powerpoint/2010/main" val="767860872"/>
-      </p:ext>
-    </p:extLst>
-  </p:cSld>
-  <p:clrMapOvr>
-    <a:masterClrMapping/>
-  </p:clrMapOvr>
-</p:sld>
-</file>
-
-<file path=ppt/slides/slide19.xml><?xml version="1.0" encoding="utf-8"?>
-<p:sld xmlns:a="http://schemas.openxmlformats.org/drawingml/2006/main" xmlns:r="http://schemas.openxmlformats.org/officeDocument/2006/relationships" xmlns:p="http://schemas.openxmlformats.org/presentationml/2006/main">
-  <p:cSld>
-    <p:spTree>
-      <p:nvGrpSpPr>
-        <p:cNvPr id="1" name=""/>
-        <p:cNvGrpSpPr/>
-        <p:nvPr/>
-      </p:nvGrpSpPr>
-      <p:grpSpPr>
-        <a:xfrm>
-          <a:off x="0" y="0"/>
-          <a:ext cx="0" cy="0"/>
-          <a:chOff x="0" y="0"/>
-          <a:chExt cx="0" cy="0"/>
-        </a:xfrm>
-      </p:grpSpPr>
-      <p:sp>
-        <p:nvSpPr>
-          <p:cNvPr id="2" name="Titolo 1">
-            <a:extLst>
-              <a:ext uri="{FF2B5EF4-FFF2-40B4-BE49-F238E27FC236}">
-                <a16:creationId xmlns:a16="http://schemas.microsoft.com/office/drawing/2014/main" id="{763A2169-1ECF-4FDB-B88A-F810E0934637}"/>
-              </a:ext>
-            </a:extLst>
-          </p:cNvPr>
-          <p:cNvSpPr>
-            <a:spLocks noGrp="1"/>
-          </p:cNvSpPr>
-          <p:nvPr>
-            <p:ph type="title"/>
-          </p:nvPr>
-        </p:nvSpPr>
-        <p:spPr/>
-        <p:txBody>
-          <a:bodyPr/>
-          <a:lstStyle/>
-          <a:p>
-            <a:r>
-              <a:rPr lang="it-IT" dirty="0"/>
-              <a:t>Rimbalzo </a:t>
-            </a:r>
-            <a:r>
-              <a:rPr lang="it-IT" dirty="0" err="1"/>
-              <a:t>Asteroid</a:t>
-            </a:r>
-            <a:endParaRPr lang="it-IT" dirty="0"/>
-          </a:p>
-        </p:txBody>
-      </p:sp>
-      <p:sp>
-        <p:nvSpPr>
-          <p:cNvPr id="3" name="Segnaposto contenuto 2">
-            <a:extLst>
-              <a:ext uri="{FF2B5EF4-FFF2-40B4-BE49-F238E27FC236}">
-                <a16:creationId xmlns:a16="http://schemas.microsoft.com/office/drawing/2014/main" id="{402764E4-A8F0-4CFE-81A1-186BEB8BC0FD}"/>
-              </a:ext>
-            </a:extLst>
-          </p:cNvPr>
-          <p:cNvSpPr>
-            <a:spLocks noGrp="1"/>
-          </p:cNvSpPr>
-          <p:nvPr>
-            <p:ph idx="1"/>
-          </p:nvPr>
-        </p:nvSpPr>
-        <p:spPr/>
-        <p:txBody>
-          <a:bodyPr/>
-          <a:lstStyle/>
-          <a:p>
-            <a:pPr marL="0" indent="0">
-              <a:buNone/>
-            </a:pPr>
-            <a:r>
-              <a:rPr lang="it-IT" dirty="0"/>
-              <a:t>Per rilevare il contatto tra l’asteroide e il bordo utilizziamo dei collider che ci offre </a:t>
-            </a:r>
-            <a:r>
-              <a:rPr lang="it-IT" dirty="0" err="1"/>
-              <a:t>Unity</a:t>
-            </a:r>
-            <a:r>
-              <a:rPr lang="it-IT" dirty="0"/>
-              <a:t>, andando a definire un collider sferico per l’asteroide e un collider sui bordi possiamo con la funzione «OnTriggerEnter2D» specificare il comportamento che l’asteroide deve avere quando colpisce qualcosa</a:t>
-            </a:r>
-          </a:p>
-        </p:txBody>
-      </p:sp>
-    </p:spTree>
-    <p:extLst>
-      <p:ext uri="{BB962C8B-B14F-4D97-AF65-F5344CB8AC3E}">
-        <p14:creationId xmlns:p14="http://schemas.microsoft.com/office/powerpoint/2010/main" val="2179192037"/>
       </p:ext>
     </p:extLst>
   </p:cSld>
@@ -9071,6 +9057,108 @@
           <p:cNvPr id="2" name="Titolo 1">
             <a:extLst>
               <a:ext uri="{FF2B5EF4-FFF2-40B4-BE49-F238E27FC236}">
+                <a16:creationId xmlns:a16="http://schemas.microsoft.com/office/drawing/2014/main" id="{763A2169-1ECF-4FDB-B88A-F810E0934637}"/>
+              </a:ext>
+            </a:extLst>
+          </p:cNvPr>
+          <p:cNvSpPr>
+            <a:spLocks noGrp="1"/>
+          </p:cNvSpPr>
+          <p:nvPr>
+            <p:ph type="title"/>
+          </p:nvPr>
+        </p:nvSpPr>
+        <p:spPr/>
+        <p:txBody>
+          <a:bodyPr/>
+          <a:lstStyle/>
+          <a:p>
+            <a:r>
+              <a:rPr lang="it-IT" dirty="0"/>
+              <a:t>Rimbalzo </a:t>
+            </a:r>
+            <a:r>
+              <a:rPr lang="it-IT" dirty="0" err="1"/>
+              <a:t>Asteroid</a:t>
+            </a:r>
+            <a:endParaRPr lang="it-IT" dirty="0"/>
+          </a:p>
+        </p:txBody>
+      </p:sp>
+      <p:sp>
+        <p:nvSpPr>
+          <p:cNvPr id="3" name="Segnaposto contenuto 2">
+            <a:extLst>
+              <a:ext uri="{FF2B5EF4-FFF2-40B4-BE49-F238E27FC236}">
+                <a16:creationId xmlns:a16="http://schemas.microsoft.com/office/drawing/2014/main" id="{402764E4-A8F0-4CFE-81A1-186BEB8BC0FD}"/>
+              </a:ext>
+            </a:extLst>
+          </p:cNvPr>
+          <p:cNvSpPr>
+            <a:spLocks noGrp="1"/>
+          </p:cNvSpPr>
+          <p:nvPr>
+            <p:ph idx="1"/>
+          </p:nvPr>
+        </p:nvSpPr>
+        <p:spPr/>
+        <p:txBody>
+          <a:bodyPr/>
+          <a:lstStyle/>
+          <a:p>
+            <a:pPr marL="0" indent="0">
+              <a:buNone/>
+            </a:pPr>
+            <a:r>
+              <a:rPr lang="it-IT" dirty="0"/>
+              <a:t>Per rilevare il contatto tra l’asteroide e il bordo utilizziamo dei collider che ci offre </a:t>
+            </a:r>
+            <a:r>
+              <a:rPr lang="it-IT" dirty="0" err="1"/>
+              <a:t>Unity</a:t>
+            </a:r>
+            <a:r>
+              <a:rPr lang="it-IT" dirty="0"/>
+              <a:t>, andando a definire un collider sferico per l’asteroide e un collider sui bordi possiamo con la funzione «OnTriggerEnter2D» specificare il comportamento che l’asteroide deve avere quando colpisce qualcosa</a:t>
+            </a:r>
+          </a:p>
+        </p:txBody>
+      </p:sp>
+    </p:spTree>
+    <p:extLst>
+      <p:ext uri="{BB962C8B-B14F-4D97-AF65-F5344CB8AC3E}">
+        <p14:creationId xmlns:p14="http://schemas.microsoft.com/office/powerpoint/2010/main" val="2179192037"/>
+      </p:ext>
+    </p:extLst>
+  </p:cSld>
+  <p:clrMapOvr>
+    <a:masterClrMapping/>
+  </p:clrMapOvr>
+</p:sld>
+</file>
+
+<file path=ppt/slides/slide21.xml><?xml version="1.0" encoding="utf-8"?>
+<p:sld xmlns:a="http://schemas.openxmlformats.org/drawingml/2006/main" xmlns:r="http://schemas.openxmlformats.org/officeDocument/2006/relationships" xmlns:p="http://schemas.openxmlformats.org/presentationml/2006/main">
+  <p:cSld>
+    <p:spTree>
+      <p:nvGrpSpPr>
+        <p:cNvPr id="1" name=""/>
+        <p:cNvGrpSpPr/>
+        <p:nvPr/>
+      </p:nvGrpSpPr>
+      <p:grpSpPr>
+        <a:xfrm>
+          <a:off x="0" y="0"/>
+          <a:ext cx="0" cy="0"/>
+          <a:chOff x="0" y="0"/>
+          <a:chExt cx="0" cy="0"/>
+        </a:xfrm>
+      </p:grpSpPr>
+      <p:sp>
+        <p:nvSpPr>
+          <p:cNvPr id="2" name="Titolo 1">
+            <a:extLst>
+              <a:ext uri="{FF2B5EF4-FFF2-40B4-BE49-F238E27FC236}">
                 <a16:creationId xmlns:a16="http://schemas.microsoft.com/office/drawing/2014/main" id="{A8746ED2-5676-43D0-BB63-0A13E1E0A531}"/>
               </a:ext>
             </a:extLst>
@@ -9158,7 +9246,7 @@
 </p:sld>
 </file>
 
-<file path=ppt/slides/slide21.xml><?xml version="1.0" encoding="utf-8"?>
+<file path=ppt/slides/slide22.xml><?xml version="1.0" encoding="utf-8"?>
 <p:sld xmlns:a="http://schemas.openxmlformats.org/drawingml/2006/main" xmlns:r="http://schemas.openxmlformats.org/officeDocument/2006/relationships" xmlns:p="http://schemas.openxmlformats.org/presentationml/2006/main">
   <p:cSld>
     <p:spTree>
@@ -9296,10 +9384,6 @@
             <a:pPr marL="0" indent="0">
               <a:buNone/>
             </a:pPr>
-            <a:r>
-              <a:rPr lang="it-IT" dirty="0"/>
-              <a:t/>
-            </a:r>
             <a:br>
               <a:rPr lang="it-IT" dirty="0"/>
             </a:br>
@@ -9380,7 +9464,7 @@
 </p:sld>
 </file>
 
-<file path=ppt/slides/slide22.xml><?xml version="1.0" encoding="utf-8"?>
+<file path=ppt/slides/slide23.xml><?xml version="1.0" encoding="utf-8"?>
 <p:sld xmlns:a="http://schemas.openxmlformats.org/drawingml/2006/main" xmlns:r="http://schemas.openxmlformats.org/officeDocument/2006/relationships" xmlns:p="http://schemas.openxmlformats.org/presentationml/2006/main">
   <p:cSld>
     <p:spTree>
@@ -9516,7 +9600,7 @@
 </p:sld>
 </file>
 
-<file path=ppt/slides/slide23.xml><?xml version="1.0" encoding="utf-8"?>
+<file path=ppt/slides/slide24.xml><?xml version="1.0" encoding="utf-8"?>
 <p:sld xmlns:a="http://schemas.openxmlformats.org/drawingml/2006/main" xmlns:r="http://schemas.openxmlformats.org/officeDocument/2006/relationships" xmlns:p="http://schemas.openxmlformats.org/presentationml/2006/main">
   <p:cSld>
     <p:spTree>
@@ -10373,13 +10457,7 @@
                           <a:rPr lang="it-IT" sz="1000" i="1" dirty="0" smtClean="0">
                             <a:latin typeface="Cambria Math" panose="02040503050406030204" pitchFamily="18" charset="0"/>
                           </a:rPr>
-                          <m:t>𝑝𝑜𝑠𝑖𝑡𝑖𝑜</m:t>
-                        </m:r>
-                        <m:r>
-                          <a:rPr lang="it-IT" sz="1000" b="0" i="1" dirty="0" smtClean="0">
-                            <a:latin typeface="Cambria Math" panose="02040503050406030204" pitchFamily="18" charset="0"/>
-                          </a:rPr>
-                          <m:t>𝑛</m:t>
+                          <m:t>𝑝𝑜𝑠𝑖𝑡𝑖𝑜𝑛</m:t>
                         </m:r>
                       </m:oMath>
                     </m:oMathPara>
@@ -11806,8 +11884,8 @@
           </a:fontRef>
         </p:style>
       </p:cxnSp>
-      <mc:AlternateContent xmlns:mc="http://schemas.openxmlformats.org/markup-compatibility/2006">
-        <mc:Choice xmlns:a14="http://schemas.microsoft.com/office/drawing/2010/main" Requires="a14">
+      <mc:AlternateContent xmlns:mc="http://schemas.openxmlformats.org/markup-compatibility/2006" xmlns:a14="http://schemas.microsoft.com/office/drawing/2010/main">
+        <mc:Choice Requires="a14">
           <p:sp>
             <p:nvSpPr>
               <p:cNvPr id="88" name="CasellaDiTesto 87"/>
@@ -11851,7 +11929,7 @@
             </p:txBody>
           </p:sp>
         </mc:Choice>
-        <mc:Fallback>
+        <mc:Fallback xmlns="">
           <p:sp>
             <p:nvSpPr>
               <p:cNvPr id="88" name="CasellaDiTesto 87"/>
@@ -12380,13 +12458,7 @@
                           <a:rPr lang="it-IT" sz="1000" i="1" dirty="0" smtClean="0">
                             <a:latin typeface="Cambria Math" panose="02040503050406030204" pitchFamily="18" charset="0"/>
                           </a:rPr>
-                          <m:t>𝑝𝑜𝑠𝑖𝑡𝑖𝑜</m:t>
-                        </m:r>
-                        <m:r>
-                          <a:rPr lang="it-IT" sz="1000" b="0" i="1" dirty="0" smtClean="0">
-                            <a:latin typeface="Cambria Math" panose="02040503050406030204" pitchFamily="18" charset="0"/>
-                          </a:rPr>
-                          <m:t>𝑛</m:t>
+                          <m:t>𝑝𝑜𝑠𝑖𝑡𝑖𝑜𝑛</m:t>
                         </m:r>
                       </m:oMath>
                     </m:oMathPara>
@@ -13612,8 +13684,8 @@
           </a:fontRef>
         </p:style>
       </p:cxnSp>
-      <mc:AlternateContent xmlns:mc="http://schemas.openxmlformats.org/markup-compatibility/2006">
-        <mc:Choice xmlns:a14="http://schemas.microsoft.com/office/drawing/2010/main" Requires="a14">
+      <mc:AlternateContent xmlns:mc="http://schemas.openxmlformats.org/markup-compatibility/2006" xmlns:a14="http://schemas.microsoft.com/office/drawing/2010/main">
+        <mc:Choice Requires="a14">
           <p:sp>
             <p:nvSpPr>
               <p:cNvPr id="153" name="CasellaDiTesto 152"/>
@@ -13657,7 +13729,7 @@
             </p:txBody>
           </p:sp>
         </mc:Choice>
-        <mc:Fallback>
+        <mc:Fallback xmlns="">
           <p:sp>
             <p:nvSpPr>
               <p:cNvPr id="153" name="CasellaDiTesto 152"/>
@@ -13757,14 +13829,13 @@
               <a:t>Input: </a:t>
             </a:r>
             <a:r>
-              <a:rPr lang="it-IT" sz="900" i="1" dirty="0" err="1" smtClean="0"/>
+              <a:rPr lang="it-IT" sz="900" i="1" dirty="0" err="1"/>
               <a:t>Stop,RestartA</a:t>
             </a:r>
             <a:r>
-              <a:rPr lang="it-IT" sz="900" dirty="0" smtClean="0"/>
+              <a:rPr lang="it-IT" sz="900" dirty="0"/>
               <a:t> </a:t>
             </a:r>
-            <a:endParaRPr lang="it-IT" sz="900" dirty="0"/>
           </a:p>
           <a:p>
             <a:r>
@@ -13840,8 +13911,8 @@
           </a:p>
         </p:txBody>
       </p:sp>
-      <mc:AlternateContent xmlns:mc="http://schemas.openxmlformats.org/markup-compatibility/2006">
-        <mc:Choice xmlns:a14="http://schemas.microsoft.com/office/drawing/2010/main" Requires="a14">
+      <mc:AlternateContent xmlns:mc="http://schemas.openxmlformats.org/markup-compatibility/2006" xmlns:a14="http://schemas.microsoft.com/office/drawing/2010/main">
+        <mc:Choice Requires="a14">
           <p:sp>
             <p:nvSpPr>
               <p:cNvPr id="166" name="CasellaDiTesto 165"/>
@@ -13963,14 +14034,13 @@
                   <a:t>Input: </a:t>
                 </a:r>
                 <a:r>
-                  <a:rPr lang="it-IT" sz="900" i="1" dirty="0" err="1" smtClean="0"/>
+                  <a:rPr lang="it-IT" sz="900" i="1" dirty="0" err="1"/>
                   <a:t>Stop,RestartA</a:t>
                 </a:r>
                 <a:r>
-                  <a:rPr lang="it-IT" sz="900" dirty="0" smtClean="0"/>
+                  <a:rPr lang="it-IT" sz="900" dirty="0"/>
                   <a:t> </a:t>
                 </a:r>
-                <a:endParaRPr lang="it-IT" sz="900" dirty="0"/>
               </a:p>
               <a:p>
                 <a:r>
@@ -13993,7 +14063,7 @@
             </p:txBody>
           </p:sp>
         </mc:Choice>
-        <mc:Fallback>
+        <mc:Fallback xmlns="">
           <p:sp>
             <p:nvSpPr>
               <p:cNvPr id="166" name="CasellaDiTesto 165"/>
@@ -14093,14 +14163,13 @@
               <a:t>Input: </a:t>
             </a:r>
             <a:r>
-              <a:rPr lang="it-IT" sz="1200" dirty="0" err="1" smtClean="0"/>
+              <a:rPr lang="it-IT" sz="1200" dirty="0" err="1"/>
               <a:t>position,w,a,s,d,RestartS</a:t>
             </a:r>
             <a:r>
-              <a:rPr lang="it-IT" sz="1200" dirty="0" smtClean="0"/>
+              <a:rPr lang="it-IT" sz="1200" dirty="0"/>
               <a:t>  </a:t>
             </a:r>
-            <a:endParaRPr lang="it-IT" sz="1200" dirty="0"/>
           </a:p>
           <a:p>
             <a:r>
@@ -14112,7 +14181,7 @@
               <a:t>: </a:t>
             </a:r>
             <a:r>
-              <a:rPr lang="it-IT" sz="1200" dirty="0" err="1" smtClean="0"/>
+              <a:rPr lang="it-IT" sz="1200" dirty="0" err="1"/>
               <a:t>Stop,RestartA</a:t>
             </a:r>
             <a:endParaRPr lang="it-IT" sz="1200" dirty="0"/>
@@ -14299,8 +14368,8 @@
           </a:fontRef>
         </p:style>
       </p:cxnSp>
-      <mc:AlternateContent xmlns:mc="http://schemas.openxmlformats.org/markup-compatibility/2006">
-        <mc:Choice xmlns:a14="http://schemas.microsoft.com/office/drawing/2010/main" Requires="a14">
+      <mc:AlternateContent xmlns:mc="http://schemas.openxmlformats.org/markup-compatibility/2006" xmlns:a14="http://schemas.microsoft.com/office/drawing/2010/main">
+        <mc:Choice Requires="a14">
           <p:sp>
             <p:nvSpPr>
               <p:cNvPr id="183" name="CasellaDiTesto 182"/>
@@ -14422,14 +14491,13 @@
                   <a:t>Input: </a:t>
                 </a:r>
                 <a:r>
-                  <a:rPr lang="it-IT" sz="900" i="1" dirty="0" err="1" smtClean="0"/>
+                  <a:rPr lang="it-IT" sz="900" i="1" dirty="0" err="1"/>
                   <a:t>Stop,RestartA</a:t>
                 </a:r>
                 <a:r>
-                  <a:rPr lang="it-IT" sz="900" dirty="0" smtClean="0"/>
+                  <a:rPr lang="it-IT" sz="900" dirty="0"/>
                   <a:t> </a:t>
                 </a:r>
-                <a:endParaRPr lang="it-IT" sz="900" dirty="0"/>
               </a:p>
               <a:p>
                 <a:r>
@@ -14452,7 +14520,7 @@
             </p:txBody>
           </p:sp>
         </mc:Choice>
-        <mc:Fallback>
+        <mc:Fallback xmlns="">
           <p:sp>
             <p:nvSpPr>
               <p:cNvPr id="183" name="CasellaDiTesto 182"/>
@@ -14514,7 +14582,8 @@
             <a:solidFill>
               <a:schemeClr val="tx1"/>
             </a:solidFill>
-            <a:tailEnd type="triangle"/>
+            <a:headEnd type="none" w="med" len="med"/>
+            <a:tailEnd type="arrow" w="med" len="med"/>
           </a:ln>
         </p:spPr>
         <p:style>
@@ -14532,8 +14601,8 @@
           </a:fontRef>
         </p:style>
       </p:cxnSp>
-      <mc:AlternateContent xmlns:mc="http://schemas.openxmlformats.org/markup-compatibility/2006">
-        <mc:Choice xmlns:a14="http://schemas.microsoft.com/office/drawing/2010/main" Requires="a14">
+      <mc:AlternateContent xmlns:mc="http://schemas.openxmlformats.org/markup-compatibility/2006" xmlns:a14="http://schemas.microsoft.com/office/drawing/2010/main">
+        <mc:Choice Requires="a14">
           <p:sp>
             <p:nvSpPr>
               <p:cNvPr id="72" name="CasellaDiTesto 71"/>
@@ -14589,7 +14658,7 @@
             </p:txBody>
           </p:sp>
         </mc:Choice>
-        <mc:Fallback>
+        <mc:Fallback xmlns="">
           <p:sp>
             <p:nvSpPr>
               <p:cNvPr id="72" name="CasellaDiTesto 71"/>
@@ -14665,8 +14734,8 @@
           </a:fontRef>
         </p:style>
       </p:cxnSp>
-      <mc:AlternateContent xmlns:mc="http://schemas.openxmlformats.org/markup-compatibility/2006">
-        <mc:Choice xmlns:a14="http://schemas.microsoft.com/office/drawing/2010/main" Requires="a14">
+      <mc:AlternateContent xmlns:mc="http://schemas.openxmlformats.org/markup-compatibility/2006" xmlns:a14="http://schemas.microsoft.com/office/drawing/2010/main">
+        <mc:Choice Requires="a14">
           <p:sp>
             <p:nvSpPr>
               <p:cNvPr id="77" name="CasellaDiTesto 76"/>
@@ -14710,7 +14779,7 @@
             </p:txBody>
           </p:sp>
         </mc:Choice>
-        <mc:Fallback>
+        <mc:Fallback xmlns="">
           <p:sp>
             <p:nvSpPr>
               <p:cNvPr id="77" name="CasellaDiTesto 76"/>
@@ -14857,8 +14926,8 @@
           </a:fontRef>
         </p:style>
       </p:cxnSp>
-      <mc:AlternateContent xmlns:mc="http://schemas.openxmlformats.org/markup-compatibility/2006">
-        <mc:Choice xmlns:a14="http://schemas.microsoft.com/office/drawing/2010/main" Requires="a14">
+      <mc:AlternateContent xmlns:mc="http://schemas.openxmlformats.org/markup-compatibility/2006" xmlns:a14="http://schemas.microsoft.com/office/drawing/2010/main">
+        <mc:Choice Requires="a14">
           <p:sp>
             <p:nvSpPr>
               <p:cNvPr id="81" name="CasellaDiTesto 80"/>
@@ -14902,7 +14971,7 @@
             </p:txBody>
           </p:sp>
         </mc:Choice>
-        <mc:Fallback>
+        <mc:Fallback xmlns="">
           <p:sp>
             <p:nvSpPr>
               <p:cNvPr id="81" name="CasellaDiTesto 80"/>
@@ -14982,8 +15051,8 @@
           </a:fontRef>
         </p:style>
       </p:cxnSp>
-      <mc:AlternateContent xmlns:mc="http://schemas.openxmlformats.org/markup-compatibility/2006">
-        <mc:Choice xmlns:a14="http://schemas.microsoft.com/office/drawing/2010/main" Requires="a14">
+      <mc:AlternateContent xmlns:mc="http://schemas.openxmlformats.org/markup-compatibility/2006" xmlns:a14="http://schemas.microsoft.com/office/drawing/2010/main">
+        <mc:Choice Requires="a14">
           <p:sp>
             <p:nvSpPr>
               <p:cNvPr id="90" name="CasellaDiTesto 89"/>
@@ -15033,7 +15102,7 @@
             </p:txBody>
           </p:sp>
         </mc:Choice>
-        <mc:Fallback>
+        <mc:Fallback xmlns="">
           <p:sp>
             <p:nvSpPr>
               <p:cNvPr id="90" name="CasellaDiTesto 89"/>
@@ -15072,8 +15141,8 @@
           </p:sp>
         </mc:Fallback>
       </mc:AlternateContent>
-      <mc:AlternateContent xmlns:mc="http://schemas.openxmlformats.org/markup-compatibility/2006">
-        <mc:Choice xmlns:a14="http://schemas.microsoft.com/office/drawing/2010/main" Requires="a14">
+      <mc:AlternateContent xmlns:mc="http://schemas.openxmlformats.org/markup-compatibility/2006" xmlns:a14="http://schemas.microsoft.com/office/drawing/2010/main">
+        <mc:Choice Requires="a14">
           <p:sp>
             <p:nvSpPr>
               <p:cNvPr id="91" name="CasellaDiTesto 90"/>
@@ -15149,7 +15218,7 @@
                     </m:oMath>
                   </m:oMathPara>
                 </a14:m>
-                <a:endParaRPr lang="it-IT" sz="1000" b="0" i="1" dirty="0" smtClean="0">
+                <a:endParaRPr lang="it-IT" sz="1000" b="0" i="1" dirty="0">
                   <a:latin typeface="Cambria Math" panose="02040503050406030204" pitchFamily="18" charset="0"/>
                 </a:endParaRPr>
               </a:p>
@@ -15207,11 +15276,12 @@
                     </m:oMath>
                   </m:oMathPara>
                 </a14:m>
-                <a:endParaRPr lang="it-IT" sz="1000" b="0" i="1" dirty="0" smtClean="0">
+                <a:endParaRPr lang="it-IT" sz="1000" b="0" i="1" dirty="0">
                   <a:latin typeface="Cambria Math" panose="02040503050406030204" pitchFamily="18" charset="0"/>
                 </a:endParaRPr>
               </a:p>
               <a:p>
+                <a:pPr/>
                 <a14:m>
                   <m:oMathPara xmlns:m="http://schemas.openxmlformats.org/officeDocument/2006/math">
                     <m:oMathParaPr>
@@ -15267,11 +15337,12 @@
                     </m:oMath>
                   </m:oMathPara>
                 </a14:m>
-                <a:endParaRPr lang="it-IT" sz="1000" i="1" baseline="-25000" dirty="0" smtClean="0">
+                <a:endParaRPr lang="it-IT" sz="1000" i="1" baseline="-25000" dirty="0">
                   <a:latin typeface="Cambria Math" panose="02040503050406030204" pitchFamily="18" charset="0"/>
                 </a:endParaRPr>
               </a:p>
               <a:p>
+                <a:pPr/>
                 <a14:m>
                   <m:oMathPara xmlns:m="http://schemas.openxmlformats.org/officeDocument/2006/math">
                     <m:oMathParaPr>
@@ -15305,17 +15376,15 @@
                 <a:endParaRPr lang="it-IT" sz="1000" baseline="-25000" dirty="0"/>
               </a:p>
               <a:p>
-                <a:pPr/>
-                <a:endParaRPr lang="it-IT" sz="1000" baseline="-25000" dirty="0" smtClean="0"/>
+                <a:endParaRPr lang="it-IT" sz="1000" baseline="-25000" dirty="0"/>
               </a:p>
               <a:p>
-                <a:pPr/>
                 <a:endParaRPr lang="it-IT" sz="1000" baseline="-25000" dirty="0"/>
               </a:p>
             </p:txBody>
           </p:sp>
         </mc:Choice>
-        <mc:Fallback>
+        <mc:Fallback xmlns="">
           <p:sp>
             <p:nvSpPr>
               <p:cNvPr id="91" name="CasellaDiTesto 90"/>
@@ -15392,8 +15461,8 @@
           </a:fontRef>
         </p:style>
       </p:cxnSp>
-      <mc:AlternateContent xmlns:mc="http://schemas.openxmlformats.org/markup-compatibility/2006">
-        <mc:Choice xmlns:a14="http://schemas.microsoft.com/office/drawing/2010/main" Requires="a14">
+      <mc:AlternateContent xmlns:mc="http://schemas.openxmlformats.org/markup-compatibility/2006" xmlns:a14="http://schemas.microsoft.com/office/drawing/2010/main">
+        <mc:Choice Requires="a14">
           <p:sp>
             <p:nvSpPr>
               <p:cNvPr id="94" name="CasellaDiTesto 93"/>
@@ -15443,7 +15512,7 @@
             </p:txBody>
           </p:sp>
         </mc:Choice>
-        <mc:Fallback>
+        <mc:Fallback xmlns="">
           <p:sp>
             <p:nvSpPr>
               <p:cNvPr id="94" name="CasellaDiTesto 93"/>
@@ -15482,8 +15551,8 @@
           </p:sp>
         </mc:Fallback>
       </mc:AlternateContent>
-      <mc:AlternateContent xmlns:mc="http://schemas.openxmlformats.org/markup-compatibility/2006">
-        <mc:Choice xmlns:a14="http://schemas.microsoft.com/office/drawing/2010/main" Requires="a14">
+      <mc:AlternateContent xmlns:mc="http://schemas.openxmlformats.org/markup-compatibility/2006" xmlns:a14="http://schemas.microsoft.com/office/drawing/2010/main">
+        <mc:Choice Requires="a14">
           <p:sp>
             <p:nvSpPr>
               <p:cNvPr id="95" name="CasellaDiTesto 94"/>
@@ -15559,7 +15628,7 @@
                     </m:oMath>
                   </m:oMathPara>
                 </a14:m>
-                <a:endParaRPr lang="it-IT" sz="1000" b="0" i="1" dirty="0" smtClean="0">
+                <a:endParaRPr lang="it-IT" sz="1000" b="0" i="1" dirty="0">
                   <a:latin typeface="Cambria Math" panose="02040503050406030204" pitchFamily="18" charset="0"/>
                 </a:endParaRPr>
               </a:p>
@@ -15617,11 +15686,12 @@
                     </m:oMath>
                   </m:oMathPara>
                 </a14:m>
-                <a:endParaRPr lang="it-IT" sz="1000" b="0" i="1" dirty="0" smtClean="0">
+                <a:endParaRPr lang="it-IT" sz="1000" b="0" i="1" dirty="0">
                   <a:latin typeface="Cambria Math" panose="02040503050406030204" pitchFamily="18" charset="0"/>
                 </a:endParaRPr>
               </a:p>
               <a:p>
+                <a:pPr/>
                 <a14:m>
                   <m:oMathPara xmlns:m="http://schemas.openxmlformats.org/officeDocument/2006/math">
                     <m:oMathParaPr>
@@ -15671,11 +15741,12 @@
                     </m:oMath>
                   </m:oMathPara>
                 </a14:m>
-                <a:endParaRPr lang="it-IT" sz="1000" i="1" dirty="0" smtClean="0">
+                <a:endParaRPr lang="it-IT" sz="1000" i="1" dirty="0">
                   <a:latin typeface="Cambria Math" panose="02040503050406030204" pitchFamily="18" charset="0"/>
                 </a:endParaRPr>
               </a:p>
               <a:p>
+                <a:pPr/>
                 <a14:m>
                   <m:oMathPara xmlns:m="http://schemas.openxmlformats.org/officeDocument/2006/math">
                     <m:oMathParaPr>
@@ -15694,14 +15765,7 @@
                           <a:latin typeface="Cambria Math" panose="02040503050406030204" pitchFamily="18" charset="0"/>
                           <a:ea typeface="Cambria Math" panose="02040503050406030204" pitchFamily="18" charset="0"/>
                         </a:rPr>
-                        <m:t>=</m:t>
-                      </m:r>
-                      <m:r>
-                        <a:rPr lang="it-IT" sz="1000" i="1" dirty="0">
-                          <a:latin typeface="Cambria Math" panose="02040503050406030204" pitchFamily="18" charset="0"/>
-                          <a:ea typeface="Cambria Math" panose="02040503050406030204" pitchFamily="18" charset="0"/>
-                        </a:rPr>
-                        <m:t>0</m:t>
+                        <m:t>=0</m:t>
                       </m:r>
                     </m:oMath>
                   </m:oMathPara>
@@ -15730,7 +15794,7 @@
             </p:txBody>
           </p:sp>
         </mc:Choice>
-        <mc:Fallback>
+        <mc:Fallback xmlns="">
           <p:sp>
             <p:nvSpPr>
               <p:cNvPr id="95" name="CasellaDiTesto 94"/>
@@ -15865,14 +15929,9 @@
           <a:lstStyle/>
           <a:p>
             <a:r>
-              <a:rPr lang="it-IT" sz="1500" dirty="0" smtClean="0"/>
-              <a:t>Input</a:t>
-            </a:r>
-            <a:r>
-              <a:rPr lang="it-IT" sz="1500" dirty="0" smtClean="0"/>
-              <a:t>:</a:t>
-            </a:r>
-            <a:endParaRPr lang="it-IT" sz="1500" dirty="0"/>
+              <a:rPr lang="it-IT" sz="1500" dirty="0"/>
+              <a:t>Input:</a:t>
+            </a:r>
           </a:p>
           <a:p>
             <a:pPr marL="447675" indent="-180975">
@@ -15883,11 +15942,11 @@
               </a:tabLst>
             </a:pPr>
             <a:r>
-              <a:rPr lang="it-IT" sz="1500" i="1" dirty="0" smtClean="0"/>
+              <a:rPr lang="it-IT" sz="1500" i="1" dirty="0"/>
               <a:t>Stop </a:t>
             </a:r>
             <a:r>
-              <a:rPr lang="it-IT" sz="1500" dirty="0" smtClean="0"/>
+              <a:rPr lang="it-IT" sz="1500" dirty="0"/>
               <a:t>(Segnale inviato dalla navicella che indica una collisione)</a:t>
             </a:r>
           </a:p>
@@ -15900,14 +15959,13 @@
               </a:tabLst>
             </a:pPr>
             <a:r>
-              <a:rPr lang="it-IT" sz="1500" dirty="0" err="1" smtClean="0"/>
+              <a:rPr lang="it-IT" sz="1500" dirty="0" err="1"/>
               <a:t>RestartA</a:t>
             </a:r>
             <a:r>
-              <a:rPr lang="it-IT" sz="1500" dirty="0" smtClean="0"/>
+              <a:rPr lang="it-IT" sz="1500" dirty="0"/>
               <a:t> (Segnale inviato dalla navicella che indica di inizializzare la posizione dell’asteroide)</a:t>
             </a:r>
-            <a:endParaRPr lang="it-IT" sz="1500" dirty="0"/>
           </a:p>
         </p:txBody>
       </p:sp>
@@ -16824,13 +16882,7 @@
                             <a:rPr lang="it-IT" sz="1000" i="1" dirty="0" smtClean="0">
                               <a:latin typeface="Cambria Math" panose="02040503050406030204" pitchFamily="18" charset="0"/>
                             </a:rPr>
-                            <m:t>𝑝𝑜𝑠𝑖𝑡𝑖𝑜</m:t>
-                          </m:r>
-                          <m:r>
-                            <a:rPr lang="it-IT" sz="1000" b="0" i="1" dirty="0" smtClean="0">
-                              <a:latin typeface="Cambria Math" panose="02040503050406030204" pitchFamily="18" charset="0"/>
-                            </a:rPr>
-                            <m:t>𝑛</m:t>
+                            <m:t>𝑝𝑜𝑠𝑖𝑡𝑖𝑜𝑛</m:t>
                           </m:r>
                         </m:oMath>
                       </m:oMathPara>
@@ -17946,11 +17998,7 @@
             </a:r>
             <a:r>
               <a:rPr lang="it-IT" sz="1500" dirty="0"/>
-              <a:t>(posizione asteroide</a:t>
-            </a:r>
-            <a:r>
-              <a:rPr lang="it-IT" sz="1500" dirty="0" smtClean="0"/>
-              <a:t>)</a:t>
+              <a:t>(posizione asteroide)</a:t>
             </a:r>
           </a:p>
           <a:p>
@@ -17959,10 +18007,9 @@
               <a:buChar char="•"/>
             </a:pPr>
             <a:r>
-              <a:rPr lang="it-IT" sz="1500" dirty="0" smtClean="0"/>
+              <a:rPr lang="it-IT" sz="1500" dirty="0"/>
               <a:t>p (punteggio, aumenta ad ogni rimbalzo)</a:t>
             </a:r>
-            <a:endParaRPr lang="it-IT" sz="1500" dirty="0"/>
           </a:p>
           <a:p>
             <a:pPr marL="266700" indent="-266700">
@@ -18109,8 +18156,8 @@
           </a:fontRef>
         </p:style>
       </p:cxnSp>
-      <mc:AlternateContent xmlns:mc="http://schemas.openxmlformats.org/markup-compatibility/2006">
-        <mc:Choice xmlns:a14="http://schemas.microsoft.com/office/drawing/2010/main" Requires="a14">
+      <mc:AlternateContent xmlns:mc="http://schemas.openxmlformats.org/markup-compatibility/2006" xmlns:a14="http://schemas.microsoft.com/office/drawing/2010/main">
+        <mc:Choice Requires="a14">
           <p:sp>
             <p:nvSpPr>
               <p:cNvPr id="35" name="CasellaDiTesto 34"/>
@@ -18160,7 +18207,7 @@
             </p:txBody>
           </p:sp>
         </mc:Choice>
-        <mc:Fallback>
+        <mc:Fallback xmlns="">
           <p:sp>
             <p:nvSpPr>
               <p:cNvPr id="35" name="CasellaDiTesto 34"/>
@@ -18265,8 +18312,8 @@
           </a:p>
         </p:txBody>
       </p:sp>
-      <mc:AlternateContent xmlns:mc="http://schemas.openxmlformats.org/markup-compatibility/2006">
-        <mc:Choice xmlns:a14="http://schemas.microsoft.com/office/drawing/2010/main" Requires="a14">
+      <mc:AlternateContent xmlns:mc="http://schemas.openxmlformats.org/markup-compatibility/2006" xmlns:a14="http://schemas.microsoft.com/office/drawing/2010/main">
+        <mc:Choice Requires="a14">
           <p:sp>
             <p:nvSpPr>
               <p:cNvPr id="41" name="CasellaDiTesto 40"/>
@@ -18342,7 +18389,7 @@
                     </m:oMath>
                   </m:oMathPara>
                 </a14:m>
-                <a:endParaRPr lang="it-IT" sz="1000" b="0" i="0" dirty="0" smtClean="0">
+                <a:endParaRPr lang="it-IT" sz="1000" b="0" i="0" dirty="0">
                   <a:latin typeface="Cambria Math" panose="02040503050406030204" pitchFamily="18" charset="0"/>
                 </a:endParaRPr>
               </a:p>
@@ -18400,7 +18447,7 @@
                     </m:oMath>
                   </m:oMathPara>
                 </a14:m>
-                <a:endParaRPr lang="it-IT" sz="1000" b="0" i="1" dirty="0" smtClean="0">
+                <a:endParaRPr lang="it-IT" sz="1000" b="0" i="1" dirty="0">
                   <a:latin typeface="Cambria Math" panose="02040503050406030204" pitchFamily="18" charset="0"/>
                 </a:endParaRPr>
               </a:p>
@@ -18455,7 +18502,7 @@
                     </m:oMath>
                   </m:oMathPara>
                 </a14:m>
-                <a:endParaRPr lang="it-IT" sz="1000" i="1" dirty="0" smtClean="0">
+                <a:endParaRPr lang="it-IT" sz="1000" i="1" dirty="0">
                   <a:latin typeface="Cambria Math" panose="02040503050406030204" pitchFamily="18" charset="0"/>
                 </a:endParaRPr>
               </a:p>
@@ -18479,19 +18526,7 @@
                           <a:latin typeface="Cambria Math" panose="02040503050406030204" pitchFamily="18" charset="0"/>
                           <a:ea typeface="Cambria Math" panose="02040503050406030204" pitchFamily="18" charset="0"/>
                         </a:rPr>
-                        <m:t>=</m:t>
-                      </m:r>
-                      <m:r>
-                        <a:rPr lang="it-IT" sz="1000" b="0" i="1" dirty="0" smtClean="0">
-                          <a:latin typeface="Cambria Math" panose="02040503050406030204" pitchFamily="18" charset="0"/>
-                        </a:rPr>
-                        <m:t>0</m:t>
-                      </m:r>
-                      <m:r>
-                        <a:rPr lang="it-IT" sz="1000" i="1" baseline="-25000" dirty="0" smtClean="0">
-                          <a:latin typeface="Cambria Math" panose="02040503050406030204" pitchFamily="18" charset="0"/>
-                        </a:rPr>
-                        <m:t> </m:t>
+                        <m:t>=0 </m:t>
                       </m:r>
                     </m:oMath>
                   </m:oMathPara>
@@ -18501,7 +18536,7 @@
             </p:txBody>
           </p:sp>
         </mc:Choice>
-        <mc:Fallback>
+        <mc:Fallback xmlns="">
           <p:sp>
             <p:nvSpPr>
               <p:cNvPr id="41" name="CasellaDiTesto 40"/>
@@ -26543,14 +26578,6 @@
   <p:clrMapOvr>
     <a:masterClrMapping/>
   </p:clrMapOvr>
-  <mc:AlternateContent xmlns:mc="http://schemas.openxmlformats.org/markup-compatibility/2006">
-    <mc:Choice xmlns:p14="http://schemas.microsoft.com/office/powerpoint/2010/main" Requires="p14">
-      <p:transition spd="slow" p14:dur="2000"/>
-    </mc:Choice>
-    <mc:Fallback>
-      <p:transition spd="slow"/>
-    </mc:Fallback>
-  </mc:AlternateContent>
 </p:sld>
 </file>
 
@@ -27217,14 +27244,6 @@
   <p:clrMapOvr>
     <a:masterClrMapping/>
   </p:clrMapOvr>
-  <mc:AlternateContent xmlns:mc="http://schemas.openxmlformats.org/markup-compatibility/2006">
-    <mc:Choice xmlns:p14="http://schemas.microsoft.com/office/powerpoint/2010/main" Requires="p14">
-      <p:transition spd="slow" p14:dur="2000"/>
-    </mc:Choice>
-    <mc:Fallback>
-      <p:transition spd="slow"/>
-    </mc:Fallback>
-  </mc:AlternateContent>
 </p:sld>
 </file>
 
@@ -27891,14 +27910,6 @@
   <p:clrMapOvr>
     <a:masterClrMapping/>
   </p:clrMapOvr>
-  <mc:AlternateContent xmlns:mc="http://schemas.openxmlformats.org/markup-compatibility/2006">
-    <mc:Choice xmlns:p14="http://schemas.microsoft.com/office/powerpoint/2010/main" Requires="p14">
-      <p:transition spd="slow" p14:dur="2000"/>
-    </mc:Choice>
-    <mc:Fallback>
-      <p:transition spd="slow"/>
-    </mc:Fallback>
-  </mc:AlternateContent>
 </p:sld>
 </file>
 
@@ -28565,14 +28576,6 @@
   <p:clrMapOvr>
     <a:masterClrMapping/>
   </p:clrMapOvr>
-  <mc:AlternateContent xmlns:mc="http://schemas.openxmlformats.org/markup-compatibility/2006">
-    <mc:Choice xmlns:p14="http://schemas.microsoft.com/office/powerpoint/2010/main" Requires="p14">
-      <p:transition spd="slow" p14:dur="2000"/>
-    </mc:Choice>
-    <mc:Fallback>
-      <p:transition spd="slow"/>
-    </mc:Fallback>
-  </mc:AlternateContent>
 </p:sld>
 </file>
 

--- a/Progetto sistemi.pptx
+++ b/Progetto sistemi.pptx
@@ -5,10 +5,10 @@
     <p:sldMasterId id="2147483648" r:id="rId1"/>
   </p:sldMasterIdLst>
   <p:notesMasterIdLst>
-    <p:notesMasterId r:id="rId26"/>
+    <p:notesMasterId r:id="rId27"/>
   </p:notesMasterIdLst>
   <p:handoutMasterIdLst>
-    <p:handoutMasterId r:id="rId27"/>
+    <p:handoutMasterId r:id="rId28"/>
   </p:handoutMasterIdLst>
   <p:sldIdLst>
     <p:sldId id="256" r:id="rId2"/>
@@ -30,11 +30,12 @@
     <p:sldId id="271" r:id="rId18"/>
     <p:sldId id="272" r:id="rId19"/>
     <p:sldId id="273" r:id="rId20"/>
-    <p:sldId id="275" r:id="rId21"/>
-    <p:sldId id="276" r:id="rId22"/>
-    <p:sldId id="277" r:id="rId23"/>
-    <p:sldId id="278" r:id="rId24"/>
-    <p:sldId id="279" r:id="rId25"/>
+    <p:sldId id="287" r:id="rId21"/>
+    <p:sldId id="275" r:id="rId22"/>
+    <p:sldId id="276" r:id="rId23"/>
+    <p:sldId id="277" r:id="rId24"/>
+    <p:sldId id="278" r:id="rId25"/>
+    <p:sldId id="279" r:id="rId26"/>
   </p:sldIdLst>
   <p:sldSz cx="12192000" cy="6858000"/>
   <p:notesSz cx="6858000" cy="9144000"/>
@@ -161,6 +162,7 @@
             <p14:sldId id="271"/>
             <p14:sldId id="272"/>
             <p14:sldId id="273"/>
+            <p14:sldId id="287"/>
             <p14:sldId id="275"/>
             <p14:sldId id="276"/>
             <p14:sldId id="277"/>
@@ -1370,7 +1372,10 @@
           <a:bodyPr/>
           <a:lstStyle/>
           <a:p>
-            <a:endParaRPr lang="it-IT" dirty="0"/>
+            <a:r>
+              <a:rPr lang="it-IT" dirty="0"/>
+              <a:t>La velocità è definita in metri al secondo</a:t>
+            </a:r>
           </a:p>
         </p:txBody>
       </p:sp>
@@ -1391,7 +1396,7 @@
           <a:p>
             <a:fld id="{AF5D5AC8-672A-409E-B76F-2374AA227A07}" type="slidenum">
               <a:rPr lang="it-IT" smtClean="0"/>
-              <a:t>22</a:t>
+              <a:t>20</a:t>
             </a:fld>
             <a:endParaRPr lang="it-IT"/>
           </a:p>
@@ -1400,7 +1405,7 @@
     </p:spTree>
     <p:extLst>
       <p:ext uri="{BB962C8B-B14F-4D97-AF65-F5344CB8AC3E}">
-        <p14:creationId xmlns:p14="http://schemas.microsoft.com/office/powerpoint/2010/main" val="2549722405"/>
+        <p14:creationId xmlns:p14="http://schemas.microsoft.com/office/powerpoint/2010/main" val="815827806"/>
       </p:ext>
     </p:extLst>
   </p:cSld>
@@ -1475,7 +1480,91 @@
           <a:p>
             <a:fld id="{AF5D5AC8-672A-409E-B76F-2374AA227A07}" type="slidenum">
               <a:rPr lang="it-IT" smtClean="0"/>
-              <a:t>24</a:t>
+              <a:t>23</a:t>
+            </a:fld>
+            <a:endParaRPr lang="it-IT"/>
+          </a:p>
+        </p:txBody>
+      </p:sp>
+    </p:spTree>
+    <p:extLst>
+      <p:ext uri="{BB962C8B-B14F-4D97-AF65-F5344CB8AC3E}">
+        <p14:creationId xmlns:p14="http://schemas.microsoft.com/office/powerpoint/2010/main" val="2549722405"/>
+      </p:ext>
+    </p:extLst>
+  </p:cSld>
+  <p:clrMapOvr>
+    <a:masterClrMapping/>
+  </p:clrMapOvr>
+</p:notes>
+</file>
+
+<file path=ppt/notesSlides/notesSlide9.xml><?xml version="1.0" encoding="utf-8"?>
+<p:notes xmlns:a="http://schemas.openxmlformats.org/drawingml/2006/main" xmlns:r="http://schemas.openxmlformats.org/officeDocument/2006/relationships" xmlns:p="http://schemas.openxmlformats.org/presentationml/2006/main">
+  <p:cSld>
+    <p:spTree>
+      <p:nvGrpSpPr>
+        <p:cNvPr id="1" name=""/>
+        <p:cNvGrpSpPr/>
+        <p:nvPr/>
+      </p:nvGrpSpPr>
+      <p:grpSpPr>
+        <a:xfrm>
+          <a:off x="0" y="0"/>
+          <a:ext cx="0" cy="0"/>
+          <a:chOff x="0" y="0"/>
+          <a:chExt cx="0" cy="0"/>
+        </a:xfrm>
+      </p:grpSpPr>
+      <p:sp>
+        <p:nvSpPr>
+          <p:cNvPr id="2" name="Segnaposto immagine diapositiva 1"/>
+          <p:cNvSpPr>
+            <a:spLocks noGrp="1" noRot="1" noChangeAspect="1"/>
+          </p:cNvSpPr>
+          <p:nvPr>
+            <p:ph type="sldImg"/>
+          </p:nvPr>
+        </p:nvSpPr>
+        <p:spPr/>
+      </p:sp>
+      <p:sp>
+        <p:nvSpPr>
+          <p:cNvPr id="3" name="Segnaposto note 2"/>
+          <p:cNvSpPr>
+            <a:spLocks noGrp="1"/>
+          </p:cNvSpPr>
+          <p:nvPr>
+            <p:ph type="body" idx="1"/>
+          </p:nvPr>
+        </p:nvSpPr>
+        <p:spPr/>
+        <p:txBody>
+          <a:bodyPr/>
+          <a:lstStyle/>
+          <a:p>
+            <a:endParaRPr lang="it-IT" dirty="0"/>
+          </a:p>
+        </p:txBody>
+      </p:sp>
+      <p:sp>
+        <p:nvSpPr>
+          <p:cNvPr id="4" name="Segnaposto numero diapositiva 3"/>
+          <p:cNvSpPr>
+            <a:spLocks noGrp="1"/>
+          </p:cNvSpPr>
+          <p:nvPr>
+            <p:ph type="sldNum" sz="quarter" idx="10"/>
+          </p:nvPr>
+        </p:nvSpPr>
+        <p:spPr/>
+        <p:txBody>
+          <a:bodyPr/>
+          <a:lstStyle/>
+          <a:p>
+            <a:fld id="{AF5D5AC8-672A-409E-B76F-2374AA227A07}" type="slidenum">
+              <a:rPr lang="it-IT" smtClean="0"/>
+              <a:t>25</a:t>
             </a:fld>
             <a:endParaRPr lang="it-IT"/>
           </a:p>
@@ -8369,7 +8458,7 @@
             </a:pPr>
             <a:r>
               <a:rPr lang="it-IT" dirty="0"/>
-              <a:t>«RigidBody2d» è un componente che fa si che un oggetto sia sotto il controllo del motore fisico</a:t>
+              <a:t>«RigidBody2D» è un componente che fa si che un oggetto sia sotto il controllo del motore fisico</a:t>
             </a:r>
           </a:p>
           <a:p>
@@ -8384,15 +8473,7 @@
             </a:pPr>
             <a:r>
               <a:rPr lang="it-IT" dirty="0"/>
-              <a:t>Senza esso non potremmo modificare la velocità degli oggetti oppure specificare cosa </a:t>
-            </a:r>
-            <a:r>
-              <a:rPr lang="it-IT"/>
-              <a:t>fare quando essi </a:t>
-            </a:r>
-            <a:r>
-              <a:rPr lang="it-IT" dirty="0"/>
-              <a:t>collidono</a:t>
+              <a:t>Senza esso non potremmo modificare la velocità degli oggetti oppure specificare cosa fare quando essi collidono</a:t>
             </a:r>
           </a:p>
         </p:txBody>
@@ -8493,50 +8574,31 @@
             <a:pPr marL="0" indent="0">
               <a:buNone/>
             </a:pPr>
+            <a:endParaRPr lang="it-IT" dirty="0"/>
+          </a:p>
+          <a:p>
+            <a:pPr marL="0" indent="0">
+              <a:buNone/>
+            </a:pPr>
             <a:r>
               <a:rPr lang="it-IT" dirty="0"/>
-              <a:t>La direzione che deve prendere l’asteroide viene definita attraverso la creazione di un oggetto di tipo «Vector3» e di un oggetto di tipo «Ray2D»</a:t>
-            </a:r>
+              <a:t>Per andare a specificare la velocità da applicare all’asteroide quello che facciamo è utilizzare un oggetto «Vector3D»</a:t>
+            </a:r>
+          </a:p>
+          <a:p>
+            <a:pPr marL="0" indent="0">
+              <a:buNone/>
+            </a:pPr>
             <a:br>
               <a:rPr lang="it-IT" dirty="0"/>
             </a:br>
             <a:r>
               <a:rPr lang="it-IT" dirty="0"/>
-              <a:t>Per creare Vector3 abbiamo bisogno di 3 parametri, la x, la y e la zeta rispetto al centro del sistema di riferimento definito da «Ray2D»</a:t>
+              <a:t>Per creare quest’oggetto dobbiamo passare 3 parametri: uno per la x, uno per la y e uno per la zeta</a:t>
             </a:r>
           </a:p>
         </p:txBody>
       </p:sp>
-      <p:pic>
-        <p:nvPicPr>
-          <p:cNvPr id="4" name="Immagine 3">
-            <a:extLst>
-              <a:ext uri="{FF2B5EF4-FFF2-40B4-BE49-F238E27FC236}">
-                <a16:creationId xmlns:a16="http://schemas.microsoft.com/office/drawing/2014/main" id="{F6205A84-7517-478D-B14D-4E1398FB3B74}"/>
-              </a:ext>
-            </a:extLst>
-          </p:cNvPr>
-          <p:cNvPicPr>
-            <a:picLocks noChangeAspect="1"/>
-          </p:cNvPicPr>
-          <p:nvPr/>
-        </p:nvPicPr>
-        <p:blipFill>
-          <a:blip r:embed="rId3"/>
-          <a:stretch>
-            <a:fillRect/>
-          </a:stretch>
-        </p:blipFill>
-        <p:spPr>
-          <a:xfrm>
-            <a:off x="3738666" y="3671571"/>
-            <a:ext cx="4714668" cy="2908670"/>
-          </a:xfrm>
-          <a:prstGeom prst="rect">
-            <a:avLst/>
-          </a:prstGeom>
-        </p:spPr>
-      </p:pic>
     </p:spTree>
     <p:extLst>
       <p:ext uri="{BB962C8B-B14F-4D97-AF65-F5344CB8AC3E}">
@@ -8637,7 +8699,7 @@
             </a:br>
             <a:r>
               <a:rPr lang="it-IT" dirty="0"/>
-              <a:t>Quindi l’oggetto «Vector3D» può essere un punto qualsiasi in quest’area</a:t>
+              <a:t>Quindi l’oggetto «Vector3D» può essere vettore qualsiasi in quest’area</a:t>
             </a:r>
           </a:p>
         </p:txBody>
@@ -8765,17 +8827,17 @@
             </a:pPr>
             <a:r>
               <a:rPr lang="it-IT" dirty="0"/>
-              <a:t>Con «ray2D» passando come parametro l’oggetto «vector3D»  e la posizione dell’oggetto asteroide creiamo un segmento che parte dall’origine(l’asteroide stesso) e arriva al punto specificato dal parametro vector3D</a:t>
+              <a:t>Dato i parametri passati è possibile che il vettore sia molto piccolo, utilizziamo quindi il metodo «Vector3D.Normalize()» in modo che diventi con la stessa direzione e verso ma modulo 1</a:t>
             </a:r>
           </a:p>
         </p:txBody>
       </p:sp>
       <p:pic>
         <p:nvPicPr>
-          <p:cNvPr id="4" name="Immagine 3">
+          <p:cNvPr id="8" name="Immagine 7">
             <a:extLst>
               <a:ext uri="{FF2B5EF4-FFF2-40B4-BE49-F238E27FC236}">
-                <a16:creationId xmlns:a16="http://schemas.microsoft.com/office/drawing/2014/main" id="{2B958273-6141-471A-8AD3-9A97C3F6E246}"/>
+                <a16:creationId xmlns:a16="http://schemas.microsoft.com/office/drawing/2014/main" id="{A120D1FC-87B8-4ABB-8D73-BF822E10A3E7}"/>
               </a:ext>
             </a:extLst>
           </p:cNvPr>
@@ -8792,8 +8854,8 @@
         </p:blipFill>
         <p:spPr>
           <a:xfrm>
-            <a:off x="3920987" y="3075471"/>
-            <a:ext cx="3733800" cy="3467100"/>
+            <a:off x="4219575" y="3313457"/>
+            <a:ext cx="3752850" cy="3371850"/>
           </a:xfrm>
           <a:prstGeom prst="rect">
             <a:avLst/>
@@ -9057,6 +9119,140 @@
           <p:cNvPr id="2" name="Titolo 1">
             <a:extLst>
               <a:ext uri="{FF2B5EF4-FFF2-40B4-BE49-F238E27FC236}">
+                <a16:creationId xmlns:a16="http://schemas.microsoft.com/office/drawing/2014/main" id="{7105D77E-2211-4415-8A7C-FB8B80692C70}"/>
+              </a:ext>
+            </a:extLst>
+          </p:cNvPr>
+          <p:cNvSpPr>
+            <a:spLocks noGrp="1"/>
+          </p:cNvSpPr>
+          <p:nvPr>
+            <p:ph type="title"/>
+          </p:nvPr>
+        </p:nvSpPr>
+        <p:spPr/>
+        <p:txBody>
+          <a:bodyPr/>
+          <a:lstStyle/>
+          <a:p>
+            <a:r>
+              <a:rPr lang="it-IT" dirty="0" err="1"/>
+              <a:t>Asteroid</a:t>
+            </a:r>
+            <a:r>
+              <a:rPr lang="it-IT" dirty="0"/>
+              <a:t> in </a:t>
+            </a:r>
+            <a:r>
+              <a:rPr lang="it-IT" dirty="0" err="1"/>
+              <a:t>unity</a:t>
+            </a:r>
+            <a:endParaRPr lang="it-IT" dirty="0"/>
+          </a:p>
+        </p:txBody>
+      </p:sp>
+      <p:sp>
+        <p:nvSpPr>
+          <p:cNvPr id="3" name="Segnaposto contenuto 2">
+            <a:extLst>
+              <a:ext uri="{FF2B5EF4-FFF2-40B4-BE49-F238E27FC236}">
+                <a16:creationId xmlns:a16="http://schemas.microsoft.com/office/drawing/2014/main" id="{82CC1095-3799-4447-8534-53584A047113}"/>
+              </a:ext>
+            </a:extLst>
+          </p:cNvPr>
+          <p:cNvSpPr>
+            <a:spLocks noGrp="1"/>
+          </p:cNvSpPr>
+          <p:nvPr>
+            <p:ph idx="1"/>
+          </p:nvPr>
+        </p:nvSpPr>
+        <p:spPr/>
+        <p:txBody>
+          <a:bodyPr/>
+          <a:lstStyle/>
+          <a:p>
+            <a:pPr marL="0" indent="0">
+              <a:buNone/>
+            </a:pPr>
+            <a:r>
+              <a:rPr lang="it-IT" dirty="0"/>
+              <a:t>Una volta ottenuto il vettore normalizzato grazie al «RigidBody2D» possiamo andare a modificare la velocità dell’asteroide, per farlo utilizziamo «</a:t>
+            </a:r>
+            <a:r>
+              <a:rPr lang="it-IT" dirty="0" err="1"/>
+              <a:t>rb.velocity</a:t>
+            </a:r>
+            <a:r>
+              <a:rPr lang="it-IT" dirty="0"/>
+              <a:t> = vettore * speed» dove </a:t>
+            </a:r>
+            <a:r>
+              <a:rPr lang="it-IT" dirty="0" err="1"/>
+              <a:t>rb</a:t>
+            </a:r>
+            <a:r>
+              <a:rPr lang="it-IT" dirty="0"/>
+              <a:t> è proprio una variabile </a:t>
+            </a:r>
+            <a:r>
+              <a:rPr lang="it-IT" dirty="0" err="1"/>
+              <a:t>rigidBody</a:t>
+            </a:r>
+            <a:r>
+              <a:rPr lang="it-IT" dirty="0"/>
+              <a:t> che si riferisce all’asteroide</a:t>
+            </a:r>
+          </a:p>
+          <a:p>
+            <a:pPr marL="0" indent="0">
+              <a:buNone/>
+            </a:pPr>
+            <a:br>
+              <a:rPr lang="it-IT" dirty="0"/>
+            </a:br>
+            <a:r>
+              <a:rPr lang="it-IT" dirty="0"/>
+              <a:t>L’operazione moltiplica tutti i componenti del vettore per l’intero speed e dato che il primo fattore è stato precedentemente normalizzato avremmo un vettore con modulo proprio uguale a speed.</a:t>
+            </a:r>
+          </a:p>
+        </p:txBody>
+      </p:sp>
+    </p:spTree>
+    <p:extLst>
+      <p:ext uri="{BB962C8B-B14F-4D97-AF65-F5344CB8AC3E}">
+        <p14:creationId xmlns:p14="http://schemas.microsoft.com/office/powerpoint/2010/main" val="2832864841"/>
+      </p:ext>
+    </p:extLst>
+  </p:cSld>
+  <p:clrMapOvr>
+    <a:masterClrMapping/>
+  </p:clrMapOvr>
+</p:sld>
+</file>
+
+<file path=ppt/slides/slide21.xml><?xml version="1.0" encoding="utf-8"?>
+<p:sld xmlns:a="http://schemas.openxmlformats.org/drawingml/2006/main" xmlns:r="http://schemas.openxmlformats.org/officeDocument/2006/relationships" xmlns:p="http://schemas.openxmlformats.org/presentationml/2006/main">
+  <p:cSld>
+    <p:spTree>
+      <p:nvGrpSpPr>
+        <p:cNvPr id="1" name=""/>
+        <p:cNvGrpSpPr/>
+        <p:nvPr/>
+      </p:nvGrpSpPr>
+      <p:grpSpPr>
+        <a:xfrm>
+          <a:off x="0" y="0"/>
+          <a:ext cx="0" cy="0"/>
+          <a:chOff x="0" y="0"/>
+          <a:chExt cx="0" cy="0"/>
+        </a:xfrm>
+      </p:grpSpPr>
+      <p:sp>
+        <p:nvSpPr>
+          <p:cNvPr id="2" name="Titolo 1">
+            <a:extLst>
+              <a:ext uri="{FF2B5EF4-FFF2-40B4-BE49-F238E27FC236}">
                 <a16:creationId xmlns:a16="http://schemas.microsoft.com/office/drawing/2014/main" id="{763A2169-1ECF-4FDB-B88A-F810E0934637}"/>
               </a:ext>
             </a:extLst>
@@ -9137,7 +9333,7 @@
 </p:sld>
 </file>
 
-<file path=ppt/slides/slide21.xml><?xml version="1.0" encoding="utf-8"?>
+<file path=ppt/slides/slide22.xml><?xml version="1.0" encoding="utf-8"?>
 <p:sld xmlns:a="http://schemas.openxmlformats.org/drawingml/2006/main" xmlns:r="http://schemas.openxmlformats.org/officeDocument/2006/relationships" xmlns:p="http://schemas.openxmlformats.org/presentationml/2006/main">
   <p:cSld>
     <p:spTree>
@@ -9221,14 +9417,22 @@
             </a:r>
             <a:r>
               <a:rPr lang="it-IT" dirty="0"/>
-              <a:t> da un bordo del background quello che andiamo a fare è controllare quale bordo è stato colpito in modo da andare a modificare il «ray2D» dell’asteroide</a:t>
+              <a:t> da un bordo del background quello che andiamo a fare è controllare quale bordo è stato colpito in modo da andare a modificare il vettore dell’asteroide.</a:t>
             </a:r>
             <a:br>
               <a:rPr lang="it-IT" dirty="0"/>
             </a:br>
             <a:r>
               <a:rPr lang="it-IT" dirty="0"/>
-              <a:t>Ad esempio se è stato colpito il bordo di destra creiamo un «vector3D» uguale a quello precedente ma con la componente x moltiplicata per meno uno e andiamo a modificare il «ray2D» con questo nuovo «Vector3D»</a:t>
+              <a:t>Ad esempio se è stato colpito il bordo di destra creiamo un «vector3D» uguale a quello precedente ma con la componente x moltiplicata per meno uno e modifichiamo la velocità con «</a:t>
+            </a:r>
+            <a:r>
+              <a:rPr lang="it-IT" dirty="0" err="1"/>
+              <a:t>rb.velocity</a:t>
+            </a:r>
+            <a:r>
+              <a:rPr lang="it-IT" dirty="0"/>
+              <a:t> = vettore * speed» </a:t>
             </a:r>
           </a:p>
         </p:txBody>
@@ -9246,7 +9450,7 @@
 </p:sld>
 </file>
 
-<file path=ppt/slides/slide22.xml><?xml version="1.0" encoding="utf-8"?>
+<file path=ppt/slides/slide23.xml><?xml version="1.0" encoding="utf-8"?>
 <p:sld xmlns:a="http://schemas.openxmlformats.org/drawingml/2006/main" xmlns:r="http://schemas.openxmlformats.org/officeDocument/2006/relationships" xmlns:p="http://schemas.openxmlformats.org/presentationml/2006/main">
   <p:cSld>
     <p:spTree>
@@ -9324,7 +9528,7 @@
             </a:pPr>
             <a:r>
               <a:rPr lang="it-IT" dirty="0"/>
-              <a:t>	Ray2D prima del rimbalzo</a:t>
+              <a:t>	Velocità prima del rimbalzo</a:t>
             </a:r>
           </a:p>
           <a:p>
@@ -9366,7 +9570,7 @@
             </a:pPr>
             <a:r>
               <a:rPr lang="it-IT" dirty="0"/>
-              <a:t>	Ray2D dopo del rimbalzo</a:t>
+              <a:t>	Velocità dopo del rimbalzo</a:t>
             </a:r>
             <a:br>
               <a:rPr lang="it-IT" dirty="0"/>
@@ -9393,10 +9597,10 @@
       </p:sp>
       <p:pic>
         <p:nvPicPr>
-          <p:cNvPr id="4" name="Immagine 3">
+          <p:cNvPr id="8" name="Immagine 7">
             <a:extLst>
               <a:ext uri="{FF2B5EF4-FFF2-40B4-BE49-F238E27FC236}">
-                <a16:creationId xmlns:a16="http://schemas.microsoft.com/office/drawing/2014/main" id="{FBC8E21F-4E41-4080-8483-EA8E861C9ECF}"/>
+                <a16:creationId xmlns:a16="http://schemas.microsoft.com/office/drawing/2014/main" id="{4E87EA32-8938-41B4-849B-1083D6F45284}"/>
               </a:ext>
             </a:extLst>
           </p:cNvPr>
@@ -9413,8 +9617,8 @@
         </p:blipFill>
         <p:spPr>
           <a:xfrm>
-            <a:off x="7558708" y="1289662"/>
-            <a:ext cx="2847561" cy="2644163"/>
+            <a:off x="7446081" y="739775"/>
+            <a:ext cx="2886075" cy="2724150"/>
           </a:xfrm>
           <a:prstGeom prst="rect">
             <a:avLst/>
@@ -9423,10 +9627,10 @@
       </p:pic>
       <p:pic>
         <p:nvPicPr>
-          <p:cNvPr id="5" name="Immagine 4">
+          <p:cNvPr id="9" name="Immagine 8">
             <a:extLst>
               <a:ext uri="{FF2B5EF4-FFF2-40B4-BE49-F238E27FC236}">
-                <a16:creationId xmlns:a16="http://schemas.microsoft.com/office/drawing/2014/main" id="{486D790A-5C36-41D8-97A2-F556A8EBF38D}"/>
+                <a16:creationId xmlns:a16="http://schemas.microsoft.com/office/drawing/2014/main" id="{EC41E821-D7DF-4C66-8060-15B5402999CF}"/>
               </a:ext>
             </a:extLst>
           </p:cNvPr>
@@ -9443,8 +9647,8 @@
         </p:blipFill>
         <p:spPr>
           <a:xfrm>
-            <a:off x="7615856" y="4001294"/>
-            <a:ext cx="2685677" cy="2429569"/>
+            <a:off x="7346068" y="3959225"/>
+            <a:ext cx="3086100" cy="2533650"/>
           </a:xfrm>
           <a:prstGeom prst="rect">
             <a:avLst/>
@@ -9464,7 +9668,7 @@
 </p:sld>
 </file>
 
-<file path=ppt/slides/slide23.xml><?xml version="1.0" encoding="utf-8"?>
+<file path=ppt/slides/slide24.xml><?xml version="1.0" encoding="utf-8"?>
 <p:sld xmlns:a="http://schemas.openxmlformats.org/drawingml/2006/main" xmlns:r="http://schemas.openxmlformats.org/officeDocument/2006/relationships" xmlns:p="http://schemas.openxmlformats.org/presentationml/2006/main">
   <p:cSld>
     <p:spTree>
@@ -9600,7 +9804,7 @@
 </p:sld>
 </file>
 
-<file path=ppt/slides/slide24.xml><?xml version="1.0" encoding="utf-8"?>
+<file path=ppt/slides/slide25.xml><?xml version="1.0" encoding="utf-8"?>
 <p:sld xmlns:a="http://schemas.openxmlformats.org/drawingml/2006/main" xmlns:r="http://schemas.openxmlformats.org/officeDocument/2006/relationships" xmlns:p="http://schemas.openxmlformats.org/presentationml/2006/main">
   <p:cSld>
     <p:spTree>
@@ -9713,7 +9917,7 @@
             </a:pPr>
             <a:r>
               <a:rPr lang="it-IT" dirty="0"/>
-              <a:t>Avendo i collider sia sulla navicella sia sui bordi e non andando a definire nessun comportamento particolare con «OnTriggerEnter2D»  quello che succede è che la navicella si comporta come se fosse dinanzi ad un muro e non si muove oltre il bordo</a:t>
+              <a:t>Avendo i collider sia sulla navicella sia sui bordi,  non andando a definire nessun comportamento particolare con «OnTriggerEnter2D»,  quello che succede è che la navicella si comporta come se fosse dinanzi ad un muro e non si muove oltre il bordo</a:t>
             </a:r>
           </a:p>
         </p:txBody>

--- a/Progetto sistemi.pptx
+++ b/Progetto sistemi.pptx
@@ -4841,8 +4841,8 @@
           </a:p>
         </p:txBody>
       </p:sp>
-      <mc:AlternateContent xmlns:mc="http://schemas.openxmlformats.org/markup-compatibility/2006">
-        <mc:Choice xmlns:a14="http://schemas.microsoft.com/office/drawing/2010/main" Requires="a14">
+      <mc:AlternateContent xmlns:mc="http://schemas.openxmlformats.org/markup-compatibility/2006" xmlns:a14="http://schemas.microsoft.com/office/drawing/2010/main">
+        <mc:Choice Requires="a14">
           <p:sp>
             <p:nvSpPr>
               <p:cNvPr id="11" name="CasellaDiTesto 10"/>
@@ -4997,11 +4997,7 @@
                 </a:pPr>
                 <a:r>
                   <a:rPr lang="it-IT" sz="1500" i="1" dirty="0"/>
-                  <a:t>p</a:t>
-                </a:r>
-                <a:r>
-                  <a:rPr lang="it-IT" sz="1500" i="1" dirty="0" smtClean="0"/>
-                  <a:t>osition </a:t>
+                  <a:t>position </a:t>
                 </a:r>
                 <a14:m>
                   <m:oMath xmlns:m="http://schemas.openxmlformats.org/officeDocument/2006/math">
@@ -5047,7 +5043,7 @@
             </p:txBody>
           </p:sp>
         </mc:Choice>
-        <mc:Fallback>
+        <mc:Fallback xmlns="">
           <p:sp>
             <p:nvSpPr>
               <p:cNvPr id="11" name="CasellaDiTesto 10"/>
@@ -5086,8 +5082,8 @@
           </p:sp>
         </mc:Fallback>
       </mc:AlternateContent>
-      <mc:AlternateContent xmlns:mc="http://schemas.openxmlformats.org/markup-compatibility/2006">
-        <mc:Choice xmlns:a14="http://schemas.microsoft.com/office/drawing/2010/main" Requires="a14">
+      <mc:AlternateContent xmlns:mc="http://schemas.openxmlformats.org/markup-compatibility/2006" xmlns:a14="http://schemas.microsoft.com/office/drawing/2010/main">
+        <mc:Choice Requires="a14">
           <p:sp>
             <p:nvSpPr>
               <p:cNvPr id="12" name="CasellaDiTesto 11"/>
@@ -5121,11 +5117,11 @@
                   <a:buChar char="•"/>
                 </a:pPr>
                 <a:r>
-                  <a:rPr lang="it-IT" sz="1500" i="1" dirty="0" err="1" smtClean="0"/>
+                  <a:rPr lang="it-IT" sz="1500" i="1" dirty="0" err="1"/>
                   <a:t>StopA</a:t>
                 </a:r>
                 <a:r>
-                  <a:rPr lang="it-IT" sz="1500" i="1" dirty="0" smtClean="0"/>
+                  <a:rPr lang="it-IT" sz="1500" i="1" dirty="0"/>
                   <a:t> </a:t>
                 </a:r>
                 <a:r>
@@ -5160,19 +5156,18 @@
                   <a:t>absent</a:t>
                 </a:r>
                 <a:r>
-                  <a:rPr lang="it-IT" sz="1500" dirty="0" smtClean="0"/>
+                  <a:rPr lang="it-IT" sz="1500" dirty="0"/>
                   <a:t>)</a:t>
                 </a:r>
                 <a:r>
-                  <a:rPr lang="it-IT" sz="1500" i="1" dirty="0" smtClean="0"/>
+                  <a:rPr lang="it-IT" sz="1500" i="1" dirty="0"/>
                   <a:t> </a:t>
                 </a:r>
-                <a:endParaRPr lang="it-IT" sz="1500" i="1" dirty="0"/>
               </a:p>
             </p:txBody>
           </p:sp>
         </mc:Choice>
-        <mc:Fallback>
+        <mc:Fallback xmlns="">
           <p:sp>
             <p:nvSpPr>
               <p:cNvPr id="12" name="CasellaDiTesto 11"/>
@@ -5211,8 +5206,8 @@
           </p:sp>
         </mc:Fallback>
       </mc:AlternateContent>
-      <mc:AlternateContent xmlns:mc="http://schemas.openxmlformats.org/markup-compatibility/2006">
-        <mc:Choice xmlns:a14="http://schemas.microsoft.com/office/drawing/2010/main" Requires="a14">
+      <mc:AlternateContent xmlns:mc="http://schemas.openxmlformats.org/markup-compatibility/2006" xmlns:a14="http://schemas.microsoft.com/office/drawing/2010/main">
+        <mc:Choice Requires="a14">
           <p:sp>
             <p:nvSpPr>
               <p:cNvPr id="17" name="CasellaDiTesto 16"/>
@@ -5277,15 +5272,7 @@
                 </a14:m>
                 <a:r>
                   <a:rPr lang="it-IT" sz="1500" dirty="0"/>
-                  <a:t> </a:t>
-                </a:r>
-                <a:r>
-                  <a:rPr lang="it-IT" sz="1500" dirty="0" smtClean="0"/>
-                  <a:t>(</a:t>
-                </a:r>
-                <a:r>
-                  <a:rPr lang="it-IT" sz="1500" dirty="0"/>
-                  <a:t>Posizione navicella)</a:t>
+                  <a:t> (Posizione navicella)</a:t>
                 </a:r>
               </a:p>
               <a:p>
@@ -5356,12 +5343,8 @@
                   </m:oMath>
                 </a14:m>
                 <a:r>
-                  <a:rPr lang="it-IT" sz="1500" dirty="0" smtClean="0"/>
-                  <a:t> </a:t>
-                </a:r>
-                <a:r>
                   <a:rPr lang="it-IT" sz="1500" dirty="0"/>
-                  <a:t>(velocità costante)</a:t>
+                  <a:t> (velocità costante)</a:t>
                 </a:r>
               </a:p>
               <a:p>
@@ -5374,7 +5357,7 @@
             </p:txBody>
           </p:sp>
         </mc:Choice>
-        <mc:Fallback>
+        <mc:Fallback xmlns="">
           <p:sp>
             <p:nvSpPr>
               <p:cNvPr id="17" name="CasellaDiTesto 16"/>
@@ -5423,14 +5406,6 @@
   <p:clrMapOvr>
     <a:masterClrMapping/>
   </p:clrMapOvr>
-  <mc:AlternateContent xmlns:mc="http://schemas.openxmlformats.org/markup-compatibility/2006">
-    <mc:Choice xmlns:p14="http://schemas.microsoft.com/office/powerpoint/2010/main" Requires="p14">
-      <p:transition spd="slow" p14:dur="2000"/>
-    </mc:Choice>
-    <mc:Fallback>
-      <p:transition spd="slow"/>
-    </mc:Fallback>
-  </mc:AlternateContent>
 </p:sld>
 </file>
 
@@ -5903,8 +5878,8 @@
           </a:p>
         </p:txBody>
       </p:sp>
-      <mc:AlternateContent xmlns:mc="http://schemas.openxmlformats.org/markup-compatibility/2006">
-        <mc:Choice xmlns:a14="http://schemas.microsoft.com/office/drawing/2010/main" Requires="a14">
+      <mc:AlternateContent xmlns:mc="http://schemas.openxmlformats.org/markup-compatibility/2006" xmlns:a14="http://schemas.microsoft.com/office/drawing/2010/main">
+        <mc:Choice Requires="a14">
           <p:sp>
             <p:nvSpPr>
               <p:cNvPr id="13" name="CasellaDiTesto 12"/>
@@ -6059,11 +6034,7 @@
                 </a:pPr>
                 <a:r>
                   <a:rPr lang="it-IT" sz="1500" i="1" dirty="0"/>
-                  <a:t>p</a:t>
-                </a:r>
-                <a:r>
-                  <a:rPr lang="it-IT" sz="1500" i="1" dirty="0" smtClean="0"/>
-                  <a:t>osition </a:t>
+                  <a:t>position </a:t>
                 </a:r>
                 <a14:m>
                   <m:oMath xmlns:m="http://schemas.openxmlformats.org/officeDocument/2006/math">
@@ -6109,7 +6080,7 @@
             </p:txBody>
           </p:sp>
         </mc:Choice>
-        <mc:Fallback>
+        <mc:Fallback xmlns="">
           <p:sp>
             <p:nvSpPr>
               <p:cNvPr id="13" name="CasellaDiTesto 12"/>
@@ -6148,8 +6119,8 @@
           </p:sp>
         </mc:Fallback>
       </mc:AlternateContent>
-      <mc:AlternateContent xmlns:mc="http://schemas.openxmlformats.org/markup-compatibility/2006">
-        <mc:Choice xmlns:a14="http://schemas.microsoft.com/office/drawing/2010/main" Requires="a14">
+      <mc:AlternateContent xmlns:mc="http://schemas.openxmlformats.org/markup-compatibility/2006" xmlns:a14="http://schemas.microsoft.com/office/drawing/2010/main">
+        <mc:Choice Requires="a14">
           <p:sp>
             <p:nvSpPr>
               <p:cNvPr id="14" name="CasellaDiTesto 13"/>
@@ -6183,11 +6154,11 @@
                   <a:buChar char="•"/>
                 </a:pPr>
                 <a:r>
-                  <a:rPr lang="it-IT" sz="1500" i="1" dirty="0" err="1" smtClean="0"/>
+                  <a:rPr lang="it-IT" sz="1500" i="1" dirty="0" err="1"/>
                   <a:t>StopA</a:t>
                 </a:r>
                 <a:r>
-                  <a:rPr lang="it-IT" sz="1500" i="1" dirty="0" smtClean="0"/>
+                  <a:rPr lang="it-IT" sz="1500" i="1" dirty="0"/>
                   <a:t> </a:t>
                 </a:r>
                 <a:r>
@@ -6222,19 +6193,18 @@
                   <a:t>absent</a:t>
                 </a:r>
                 <a:r>
-                  <a:rPr lang="it-IT" sz="1500" dirty="0" smtClean="0"/>
+                  <a:rPr lang="it-IT" sz="1500" dirty="0"/>
                   <a:t>)</a:t>
                 </a:r>
                 <a:r>
-                  <a:rPr lang="it-IT" sz="1500" i="1" dirty="0" smtClean="0"/>
+                  <a:rPr lang="it-IT" sz="1500" i="1" dirty="0"/>
                   <a:t> </a:t>
                 </a:r>
-                <a:endParaRPr lang="it-IT" sz="1500" i="1" dirty="0"/>
               </a:p>
             </p:txBody>
           </p:sp>
         </mc:Choice>
-        <mc:Fallback>
+        <mc:Fallback xmlns="">
           <p:sp>
             <p:nvSpPr>
               <p:cNvPr id="14" name="CasellaDiTesto 13"/>
@@ -6273,8 +6243,8 @@
           </p:sp>
         </mc:Fallback>
       </mc:AlternateContent>
-      <mc:AlternateContent xmlns:mc="http://schemas.openxmlformats.org/markup-compatibility/2006">
-        <mc:Choice xmlns:a14="http://schemas.microsoft.com/office/drawing/2010/main" Requires="a14">
+      <mc:AlternateContent xmlns:mc="http://schemas.openxmlformats.org/markup-compatibility/2006" xmlns:a14="http://schemas.microsoft.com/office/drawing/2010/main">
+        <mc:Choice Requires="a14">
           <p:sp>
             <p:nvSpPr>
               <p:cNvPr id="15" name="CasellaDiTesto 14"/>
@@ -6339,15 +6309,7 @@
                 </a14:m>
                 <a:r>
                   <a:rPr lang="it-IT" sz="1500" dirty="0"/>
-                  <a:t> </a:t>
-                </a:r>
-                <a:r>
-                  <a:rPr lang="it-IT" sz="1500" dirty="0" smtClean="0"/>
-                  <a:t>(</a:t>
-                </a:r>
-                <a:r>
-                  <a:rPr lang="it-IT" sz="1500" dirty="0"/>
-                  <a:t>Posizione navicella)</a:t>
+                  <a:t> (Posizione navicella)</a:t>
                 </a:r>
               </a:p>
               <a:p>
@@ -6418,12 +6380,8 @@
                   </m:oMath>
                 </a14:m>
                 <a:r>
-                  <a:rPr lang="it-IT" sz="1500" dirty="0" smtClean="0"/>
-                  <a:t> </a:t>
-                </a:r>
-                <a:r>
                   <a:rPr lang="it-IT" sz="1500" dirty="0"/>
-                  <a:t>(velocità costante)</a:t>
+                  <a:t> (velocità costante)</a:t>
                 </a:r>
               </a:p>
               <a:p>
@@ -6436,7 +6394,7 @@
             </p:txBody>
           </p:sp>
         </mc:Choice>
-        <mc:Fallback>
+        <mc:Fallback xmlns="">
           <p:sp>
             <p:nvSpPr>
               <p:cNvPr id="15" name="CasellaDiTesto 14"/>
@@ -6485,14 +6443,6 @@
   <p:clrMapOvr>
     <a:masterClrMapping/>
   </p:clrMapOvr>
-  <mc:AlternateContent xmlns:mc="http://schemas.openxmlformats.org/markup-compatibility/2006">
-    <mc:Choice xmlns:p14="http://schemas.microsoft.com/office/powerpoint/2010/main" Requires="p14">
-      <p:transition spd="slow" p14:dur="2000"/>
-    </mc:Choice>
-    <mc:Fallback>
-      <p:transition spd="slow"/>
-    </mc:Fallback>
-  </mc:AlternateContent>
 </p:sld>
 </file>
 
@@ -6959,8 +6909,8 @@
           </a:p>
         </p:txBody>
       </p:sp>
-      <mc:AlternateContent xmlns:mc="http://schemas.openxmlformats.org/markup-compatibility/2006">
-        <mc:Choice xmlns:a14="http://schemas.microsoft.com/office/drawing/2010/main" Requires="a14">
+      <mc:AlternateContent xmlns:mc="http://schemas.openxmlformats.org/markup-compatibility/2006" xmlns:a14="http://schemas.microsoft.com/office/drawing/2010/main">
+        <mc:Choice Requires="a14">
           <p:sp>
             <p:nvSpPr>
               <p:cNvPr id="11" name="CasellaDiTesto 10"/>
@@ -7115,11 +7065,7 @@
                 </a:pPr>
                 <a:r>
                   <a:rPr lang="it-IT" sz="1500" i="1" dirty="0"/>
-                  <a:t>p</a:t>
-                </a:r>
-                <a:r>
-                  <a:rPr lang="it-IT" sz="1500" i="1" dirty="0" smtClean="0"/>
-                  <a:t>osition </a:t>
+                  <a:t>position </a:t>
                 </a:r>
                 <a14:m>
                   <m:oMath xmlns:m="http://schemas.openxmlformats.org/officeDocument/2006/math">
@@ -7165,7 +7111,7 @@
             </p:txBody>
           </p:sp>
         </mc:Choice>
-        <mc:Fallback>
+        <mc:Fallback xmlns="">
           <p:sp>
             <p:nvSpPr>
               <p:cNvPr id="11" name="CasellaDiTesto 10"/>
@@ -7204,8 +7150,8 @@
           </p:sp>
         </mc:Fallback>
       </mc:AlternateContent>
-      <mc:AlternateContent xmlns:mc="http://schemas.openxmlformats.org/markup-compatibility/2006">
-        <mc:Choice xmlns:a14="http://schemas.microsoft.com/office/drawing/2010/main" Requires="a14">
+      <mc:AlternateContent xmlns:mc="http://schemas.openxmlformats.org/markup-compatibility/2006" xmlns:a14="http://schemas.microsoft.com/office/drawing/2010/main">
+        <mc:Choice Requires="a14">
           <p:sp>
             <p:nvSpPr>
               <p:cNvPr id="12" name="CasellaDiTesto 11"/>
@@ -7239,11 +7185,11 @@
                   <a:buChar char="•"/>
                 </a:pPr>
                 <a:r>
-                  <a:rPr lang="it-IT" sz="1500" i="1" dirty="0" err="1" smtClean="0"/>
+                  <a:rPr lang="it-IT" sz="1500" i="1" dirty="0" err="1"/>
                   <a:t>StopA</a:t>
                 </a:r>
                 <a:r>
-                  <a:rPr lang="it-IT" sz="1500" i="1" dirty="0" smtClean="0"/>
+                  <a:rPr lang="it-IT" sz="1500" i="1" dirty="0"/>
                   <a:t> </a:t>
                 </a:r>
                 <a:r>
@@ -7278,19 +7224,18 @@
                   <a:t>absent</a:t>
                 </a:r>
                 <a:r>
-                  <a:rPr lang="it-IT" sz="1500" dirty="0" smtClean="0"/>
+                  <a:rPr lang="it-IT" sz="1500" dirty="0"/>
                   <a:t>)</a:t>
                 </a:r>
                 <a:r>
-                  <a:rPr lang="it-IT" sz="1500" i="1" dirty="0" smtClean="0"/>
+                  <a:rPr lang="it-IT" sz="1500" i="1" dirty="0"/>
                   <a:t> </a:t>
                 </a:r>
-                <a:endParaRPr lang="it-IT" sz="1500" i="1" dirty="0"/>
               </a:p>
             </p:txBody>
           </p:sp>
         </mc:Choice>
-        <mc:Fallback>
+        <mc:Fallback xmlns="">
           <p:sp>
             <p:nvSpPr>
               <p:cNvPr id="12" name="CasellaDiTesto 11"/>
@@ -7329,8 +7274,8 @@
           </p:sp>
         </mc:Fallback>
       </mc:AlternateContent>
-      <mc:AlternateContent xmlns:mc="http://schemas.openxmlformats.org/markup-compatibility/2006">
-        <mc:Choice xmlns:a14="http://schemas.microsoft.com/office/drawing/2010/main" Requires="a14">
+      <mc:AlternateContent xmlns:mc="http://schemas.openxmlformats.org/markup-compatibility/2006" xmlns:a14="http://schemas.microsoft.com/office/drawing/2010/main">
+        <mc:Choice Requires="a14">
           <p:sp>
             <p:nvSpPr>
               <p:cNvPr id="14" name="CasellaDiTesto 13"/>
@@ -7395,15 +7340,7 @@
                 </a14:m>
                 <a:r>
                   <a:rPr lang="it-IT" sz="1500" dirty="0"/>
-                  <a:t> </a:t>
-                </a:r>
-                <a:r>
-                  <a:rPr lang="it-IT" sz="1500" dirty="0" smtClean="0"/>
-                  <a:t>(</a:t>
-                </a:r>
-                <a:r>
-                  <a:rPr lang="it-IT" sz="1500" dirty="0"/>
-                  <a:t>Posizione navicella)</a:t>
+                  <a:t> (Posizione navicella)</a:t>
                 </a:r>
               </a:p>
               <a:p>
@@ -7474,12 +7411,8 @@
                   </m:oMath>
                 </a14:m>
                 <a:r>
-                  <a:rPr lang="it-IT" sz="1500" dirty="0" smtClean="0"/>
-                  <a:t> </a:t>
-                </a:r>
-                <a:r>
                   <a:rPr lang="it-IT" sz="1500" dirty="0"/>
-                  <a:t>(velocità costante)</a:t>
+                  <a:t> (velocità costante)</a:t>
                 </a:r>
               </a:p>
               <a:p>
@@ -7492,7 +7425,7 @@
             </p:txBody>
           </p:sp>
         </mc:Choice>
-        <mc:Fallback>
+        <mc:Fallback xmlns="">
           <p:sp>
             <p:nvSpPr>
               <p:cNvPr id="14" name="CasellaDiTesto 13"/>
@@ -7541,14 +7474,6 @@
   <p:clrMapOvr>
     <a:masterClrMapping/>
   </p:clrMapOvr>
-  <mc:AlternateContent xmlns:mc="http://schemas.openxmlformats.org/markup-compatibility/2006">
-    <mc:Choice xmlns:p14="http://schemas.microsoft.com/office/powerpoint/2010/main" Requires="p14">
-      <p:transition spd="slow" p14:dur="2000"/>
-    </mc:Choice>
-    <mc:Fallback>
-      <p:transition spd="slow"/>
-    </mc:Fallback>
-  </mc:AlternateContent>
 </p:sld>
 </file>
 
@@ -8015,8 +7940,8 @@
           </a:p>
         </p:txBody>
       </p:sp>
-      <mc:AlternateContent xmlns:mc="http://schemas.openxmlformats.org/markup-compatibility/2006">
-        <mc:Choice xmlns:a14="http://schemas.microsoft.com/office/drawing/2010/main" Requires="a14">
+      <mc:AlternateContent xmlns:mc="http://schemas.openxmlformats.org/markup-compatibility/2006" xmlns:a14="http://schemas.microsoft.com/office/drawing/2010/main">
+        <mc:Choice Requires="a14">
           <p:sp>
             <p:nvSpPr>
               <p:cNvPr id="11" name="CasellaDiTesto 10"/>
@@ -8171,11 +8096,7 @@
                 </a:pPr>
                 <a:r>
                   <a:rPr lang="it-IT" sz="1500" i="1" dirty="0"/>
-                  <a:t>p</a:t>
-                </a:r>
-                <a:r>
-                  <a:rPr lang="it-IT" sz="1500" i="1" dirty="0" smtClean="0"/>
-                  <a:t>osition </a:t>
+                  <a:t>position </a:t>
                 </a:r>
                 <a14:m>
                   <m:oMath xmlns:m="http://schemas.openxmlformats.org/officeDocument/2006/math">
@@ -8221,7 +8142,7 @@
             </p:txBody>
           </p:sp>
         </mc:Choice>
-        <mc:Fallback>
+        <mc:Fallback xmlns="">
           <p:sp>
             <p:nvSpPr>
               <p:cNvPr id="11" name="CasellaDiTesto 10"/>
@@ -8260,8 +8181,8 @@
           </p:sp>
         </mc:Fallback>
       </mc:AlternateContent>
-      <mc:AlternateContent xmlns:mc="http://schemas.openxmlformats.org/markup-compatibility/2006">
-        <mc:Choice xmlns:a14="http://schemas.microsoft.com/office/drawing/2010/main" Requires="a14">
+      <mc:AlternateContent xmlns:mc="http://schemas.openxmlformats.org/markup-compatibility/2006" xmlns:a14="http://schemas.microsoft.com/office/drawing/2010/main">
+        <mc:Choice Requires="a14">
           <p:sp>
             <p:nvSpPr>
               <p:cNvPr id="12" name="CasellaDiTesto 11"/>
@@ -8295,11 +8216,11 @@
                   <a:buChar char="•"/>
                 </a:pPr>
                 <a:r>
-                  <a:rPr lang="it-IT" sz="1500" i="1" dirty="0" err="1" smtClean="0"/>
+                  <a:rPr lang="it-IT" sz="1500" i="1" dirty="0" err="1"/>
                   <a:t>StopA</a:t>
                 </a:r>
                 <a:r>
-                  <a:rPr lang="it-IT" sz="1500" i="1" dirty="0" smtClean="0"/>
+                  <a:rPr lang="it-IT" sz="1500" i="1" dirty="0"/>
                   <a:t> </a:t>
                 </a:r>
                 <a:r>
@@ -8334,19 +8255,18 @@
                   <a:t>absent</a:t>
                 </a:r>
                 <a:r>
-                  <a:rPr lang="it-IT" sz="1500" dirty="0" smtClean="0"/>
+                  <a:rPr lang="it-IT" sz="1500" dirty="0"/>
                   <a:t>)</a:t>
                 </a:r>
                 <a:r>
-                  <a:rPr lang="it-IT" sz="1500" i="1" dirty="0" smtClean="0"/>
+                  <a:rPr lang="it-IT" sz="1500" i="1" dirty="0"/>
                   <a:t> </a:t>
                 </a:r>
-                <a:endParaRPr lang="it-IT" sz="1500" i="1" dirty="0"/>
               </a:p>
             </p:txBody>
           </p:sp>
         </mc:Choice>
-        <mc:Fallback>
+        <mc:Fallback xmlns="">
           <p:sp>
             <p:nvSpPr>
               <p:cNvPr id="12" name="CasellaDiTesto 11"/>
@@ -8385,8 +8305,8 @@
           </p:sp>
         </mc:Fallback>
       </mc:AlternateContent>
-      <mc:AlternateContent xmlns:mc="http://schemas.openxmlformats.org/markup-compatibility/2006">
-        <mc:Choice xmlns:a14="http://schemas.microsoft.com/office/drawing/2010/main" Requires="a14">
+      <mc:AlternateContent xmlns:mc="http://schemas.openxmlformats.org/markup-compatibility/2006" xmlns:a14="http://schemas.microsoft.com/office/drawing/2010/main">
+        <mc:Choice Requires="a14">
           <p:sp>
             <p:nvSpPr>
               <p:cNvPr id="17" name="CasellaDiTesto 16"/>
@@ -8451,15 +8371,7 @@
                 </a14:m>
                 <a:r>
                   <a:rPr lang="it-IT" sz="1500" dirty="0"/>
-                  <a:t> </a:t>
-                </a:r>
-                <a:r>
-                  <a:rPr lang="it-IT" sz="1500" dirty="0" smtClean="0"/>
-                  <a:t>(</a:t>
-                </a:r>
-                <a:r>
-                  <a:rPr lang="it-IT" sz="1500" dirty="0"/>
-                  <a:t>Posizione navicella)</a:t>
+                  <a:t> (Posizione navicella)</a:t>
                 </a:r>
               </a:p>
               <a:p>
@@ -8530,12 +8442,8 @@
                   </m:oMath>
                 </a14:m>
                 <a:r>
-                  <a:rPr lang="it-IT" sz="1500" dirty="0" smtClean="0"/>
-                  <a:t> </a:t>
-                </a:r>
-                <a:r>
                   <a:rPr lang="it-IT" sz="1500" dirty="0"/>
-                  <a:t>(velocità costante)</a:t>
+                  <a:t> (velocità costante)</a:t>
                 </a:r>
               </a:p>
               <a:p>
@@ -8548,7 +8456,7 @@
             </p:txBody>
           </p:sp>
         </mc:Choice>
-        <mc:Fallback>
+        <mc:Fallback xmlns="">
           <p:sp>
             <p:nvSpPr>
               <p:cNvPr id="17" name="CasellaDiTesto 16"/>
@@ -8597,14 +8505,6 @@
   <p:clrMapOvr>
     <a:masterClrMapping/>
   </p:clrMapOvr>
-  <mc:AlternateContent xmlns:mc="http://schemas.openxmlformats.org/markup-compatibility/2006">
-    <mc:Choice xmlns:p14="http://schemas.microsoft.com/office/powerpoint/2010/main" Requires="p14">
-      <p:transition spd="slow" p14:dur="2000"/>
-    </mc:Choice>
-    <mc:Fallback>
-      <p:transition spd="slow"/>
-    </mc:Fallback>
-  </mc:AlternateContent>
 </p:sld>
 </file>
 
@@ -9071,8 +8971,8 @@
           </a:p>
         </p:txBody>
       </p:sp>
-      <mc:AlternateContent xmlns:mc="http://schemas.openxmlformats.org/markup-compatibility/2006">
-        <mc:Choice xmlns:a14="http://schemas.microsoft.com/office/drawing/2010/main" Requires="a14">
+      <mc:AlternateContent xmlns:mc="http://schemas.openxmlformats.org/markup-compatibility/2006" xmlns:a14="http://schemas.microsoft.com/office/drawing/2010/main">
+        <mc:Choice Requires="a14">
           <p:sp>
             <p:nvSpPr>
               <p:cNvPr id="11" name="CasellaDiTesto 10"/>
@@ -9227,11 +9127,7 @@
                 </a:pPr>
                 <a:r>
                   <a:rPr lang="it-IT" sz="1500" i="1" dirty="0"/>
-                  <a:t>p</a:t>
-                </a:r>
-                <a:r>
-                  <a:rPr lang="it-IT" sz="1500" i="1" dirty="0" smtClean="0"/>
-                  <a:t>osition </a:t>
+                  <a:t>position </a:t>
                 </a:r>
                 <a14:m>
                   <m:oMath xmlns:m="http://schemas.openxmlformats.org/officeDocument/2006/math">
@@ -9277,7 +9173,7 @@
             </p:txBody>
           </p:sp>
         </mc:Choice>
-        <mc:Fallback>
+        <mc:Fallback xmlns="">
           <p:sp>
             <p:nvSpPr>
               <p:cNvPr id="11" name="CasellaDiTesto 10"/>
@@ -9316,8 +9212,8 @@
           </p:sp>
         </mc:Fallback>
       </mc:AlternateContent>
-      <mc:AlternateContent xmlns:mc="http://schemas.openxmlformats.org/markup-compatibility/2006">
-        <mc:Choice xmlns:a14="http://schemas.microsoft.com/office/drawing/2010/main" Requires="a14">
+      <mc:AlternateContent xmlns:mc="http://schemas.openxmlformats.org/markup-compatibility/2006" xmlns:a14="http://schemas.microsoft.com/office/drawing/2010/main">
+        <mc:Choice Requires="a14">
           <p:sp>
             <p:nvSpPr>
               <p:cNvPr id="12" name="CasellaDiTesto 11"/>
@@ -9351,11 +9247,11 @@
                   <a:buChar char="•"/>
                 </a:pPr>
                 <a:r>
-                  <a:rPr lang="it-IT" sz="1500" i="1" dirty="0" err="1" smtClean="0"/>
+                  <a:rPr lang="it-IT" sz="1500" i="1" dirty="0" err="1"/>
                   <a:t>StopA</a:t>
                 </a:r>
                 <a:r>
-                  <a:rPr lang="it-IT" sz="1500" i="1" dirty="0" smtClean="0"/>
+                  <a:rPr lang="it-IT" sz="1500" i="1" dirty="0"/>
                   <a:t> </a:t>
                 </a:r>
                 <a:r>
@@ -9390,19 +9286,18 @@
                   <a:t>absent</a:t>
                 </a:r>
                 <a:r>
-                  <a:rPr lang="it-IT" sz="1500" dirty="0" smtClean="0"/>
+                  <a:rPr lang="it-IT" sz="1500" dirty="0"/>
                   <a:t>)</a:t>
                 </a:r>
                 <a:r>
-                  <a:rPr lang="it-IT" sz="1500" i="1" dirty="0" smtClean="0"/>
+                  <a:rPr lang="it-IT" sz="1500" i="1" dirty="0"/>
                   <a:t> </a:t>
                 </a:r>
-                <a:endParaRPr lang="it-IT" sz="1500" i="1" dirty="0"/>
               </a:p>
             </p:txBody>
           </p:sp>
         </mc:Choice>
-        <mc:Fallback>
+        <mc:Fallback xmlns="">
           <p:sp>
             <p:nvSpPr>
               <p:cNvPr id="12" name="CasellaDiTesto 11"/>
@@ -9441,8 +9336,8 @@
           </p:sp>
         </mc:Fallback>
       </mc:AlternateContent>
-      <mc:AlternateContent xmlns:mc="http://schemas.openxmlformats.org/markup-compatibility/2006">
-        <mc:Choice xmlns:a14="http://schemas.microsoft.com/office/drawing/2010/main" Requires="a14">
+      <mc:AlternateContent xmlns:mc="http://schemas.openxmlformats.org/markup-compatibility/2006" xmlns:a14="http://schemas.microsoft.com/office/drawing/2010/main">
+        <mc:Choice Requires="a14">
           <p:sp>
             <p:nvSpPr>
               <p:cNvPr id="17" name="CasellaDiTesto 16"/>
@@ -9507,15 +9402,7 @@
                 </a14:m>
                 <a:r>
                   <a:rPr lang="it-IT" sz="1500" dirty="0"/>
-                  <a:t> </a:t>
-                </a:r>
-                <a:r>
-                  <a:rPr lang="it-IT" sz="1500" dirty="0" smtClean="0"/>
-                  <a:t>(</a:t>
-                </a:r>
-                <a:r>
-                  <a:rPr lang="it-IT" sz="1500" dirty="0"/>
-                  <a:t>Posizione navicella)</a:t>
+                  <a:t> (Posizione navicella)</a:t>
                 </a:r>
               </a:p>
               <a:p>
@@ -9586,12 +9473,8 @@
                   </m:oMath>
                 </a14:m>
                 <a:r>
-                  <a:rPr lang="it-IT" sz="1500" dirty="0" smtClean="0"/>
-                  <a:t> </a:t>
-                </a:r>
-                <a:r>
                   <a:rPr lang="it-IT" sz="1500" dirty="0"/>
-                  <a:t>(velocità costante)</a:t>
+                  <a:t> (velocità costante)</a:t>
                 </a:r>
               </a:p>
               <a:p>
@@ -9604,7 +9487,7 @@
             </p:txBody>
           </p:sp>
         </mc:Choice>
-        <mc:Fallback>
+        <mc:Fallback xmlns="">
           <p:sp>
             <p:nvSpPr>
               <p:cNvPr id="17" name="CasellaDiTesto 16"/>
@@ -9653,14 +9536,6 @@
   <p:clrMapOvr>
     <a:masterClrMapping/>
   </p:clrMapOvr>
-  <mc:AlternateContent xmlns:mc="http://schemas.openxmlformats.org/markup-compatibility/2006">
-    <mc:Choice xmlns:p14="http://schemas.microsoft.com/office/powerpoint/2010/main" Requires="p14">
-      <p:transition spd="slow" p14:dur="2000"/>
-    </mc:Choice>
-    <mc:Fallback>
-      <p:transition spd="slow"/>
-    </mc:Fallback>
-  </mc:AlternateContent>
 </p:sld>
 </file>
 
@@ -9759,10 +9634,6 @@
             <a:pPr marL="0" indent="0">
               <a:buNone/>
             </a:pPr>
-            <a:r>
-              <a:rPr lang="it-IT" dirty="0"/>
-              <a:t/>
-            </a:r>
             <a:br>
               <a:rPr lang="it-IT" dirty="0"/>
             </a:br>
@@ -10033,10 +9904,6 @@
             <a:pPr marL="0" indent="0">
               <a:buNone/>
             </a:pPr>
-            <a:r>
-              <a:rPr lang="it-IT" dirty="0"/>
-              <a:t/>
-            </a:r>
             <a:br>
               <a:rPr lang="it-IT" dirty="0"/>
             </a:br>
@@ -10656,10 +10523,6 @@
             <a:pPr marL="0" indent="0">
               <a:buNone/>
             </a:pPr>
-            <a:r>
-              <a:rPr lang="it-IT" dirty="0"/>
-              <a:t/>
-            </a:r>
             <a:br>
               <a:rPr lang="it-IT" dirty="0"/>
             </a:br>
@@ -11040,10 +10903,6 @@
             <a:pPr marL="0" indent="0">
               <a:buNone/>
             </a:pPr>
-            <a:r>
-              <a:rPr lang="it-IT" dirty="0"/>
-              <a:t/>
-            </a:r>
             <a:br>
               <a:rPr lang="it-IT" dirty="0"/>
             </a:br>
@@ -11612,8 +11471,8 @@
           </a:fontRef>
         </p:style>
       </p:cxnSp>
-      <mc:AlternateContent xmlns:mc="http://schemas.openxmlformats.org/markup-compatibility/2006">
-        <mc:Choice xmlns:a14="http://schemas.microsoft.com/office/drawing/2010/main" Requires="a14">
+      <mc:AlternateContent xmlns:mc="http://schemas.openxmlformats.org/markup-compatibility/2006" xmlns:a14="http://schemas.microsoft.com/office/drawing/2010/main">
+        <mc:Choice Requires="a14">
           <p:sp>
             <p:nvSpPr>
               <p:cNvPr id="28" name="CasellaDiTesto 27"/>
@@ -11681,7 +11540,7 @@
             </p:txBody>
           </p:sp>
         </mc:Choice>
-        <mc:Fallback>
+        <mc:Fallback xmlns="">
           <p:sp>
             <p:nvSpPr>
               <p:cNvPr id="28" name="CasellaDiTesto 27"/>
@@ -11940,8 +11799,8 @@
             </a:fontRef>
           </p:style>
         </p:cxnSp>
-        <mc:AlternateContent xmlns:mc="http://schemas.openxmlformats.org/markup-compatibility/2006">
-          <mc:Choice xmlns:a14="http://schemas.microsoft.com/office/drawing/2010/main" Requires="a14">
+        <mc:AlternateContent xmlns:mc="http://schemas.openxmlformats.org/markup-compatibility/2006" xmlns:a14="http://schemas.microsoft.com/office/drawing/2010/main">
+          <mc:Choice Requires="a14">
             <p:sp>
               <p:nvSpPr>
                 <p:cNvPr id="32" name="CasellaDiTesto 31"/>
@@ -11991,7 +11850,7 @@
               </p:txBody>
             </p:sp>
           </mc:Choice>
-          <mc:Fallback>
+          <mc:Fallback xmlns="">
             <p:sp>
               <p:nvSpPr>
                 <p:cNvPr id="32" name="CasellaDiTesto 31"/>
@@ -13544,8 +13403,8 @@
           </a:fontRef>
         </p:style>
       </p:cxnSp>
-      <mc:AlternateContent xmlns:mc="http://schemas.openxmlformats.org/markup-compatibility/2006">
-        <mc:Choice xmlns:a14="http://schemas.microsoft.com/office/drawing/2010/main" Requires="a14">
+      <mc:AlternateContent xmlns:mc="http://schemas.openxmlformats.org/markup-compatibility/2006" xmlns:a14="http://schemas.microsoft.com/office/drawing/2010/main">
+        <mc:Choice Requires="a14">
           <p:sp>
             <p:nvSpPr>
               <p:cNvPr id="88" name="CasellaDiTesto 87"/>
@@ -13589,7 +13448,7 @@
             </p:txBody>
           </p:sp>
         </mc:Choice>
-        <mc:Fallback>
+        <mc:Fallback xmlns="">
           <p:sp>
             <p:nvSpPr>
               <p:cNvPr id="88" name="CasellaDiTesto 87"/>
@@ -13941,8 +13800,8 @@
             </a:fontRef>
           </p:style>
         </p:cxnSp>
-        <mc:AlternateContent xmlns:mc="http://schemas.openxmlformats.org/markup-compatibility/2006">
-          <mc:Choice xmlns:a14="http://schemas.microsoft.com/office/drawing/2010/main" Requires="a14">
+        <mc:AlternateContent xmlns:mc="http://schemas.openxmlformats.org/markup-compatibility/2006" xmlns:a14="http://schemas.microsoft.com/office/drawing/2010/main">
+          <mc:Choice Requires="a14">
             <p:sp>
               <p:nvSpPr>
                 <p:cNvPr id="128" name="CasellaDiTesto 127"/>
@@ -13992,7 +13851,7 @@
               </p:txBody>
             </p:sp>
           </mc:Choice>
-          <mc:Fallback>
+          <mc:Fallback xmlns="">
             <p:sp>
               <p:nvSpPr>
                 <p:cNvPr id="128" name="CasellaDiTesto 127"/>
@@ -15344,8 +15203,8 @@
           </a:fontRef>
         </p:style>
       </p:cxnSp>
-      <mc:AlternateContent xmlns:mc="http://schemas.openxmlformats.org/markup-compatibility/2006">
-        <mc:Choice xmlns:a14="http://schemas.microsoft.com/office/drawing/2010/main" Requires="a14">
+      <mc:AlternateContent xmlns:mc="http://schemas.openxmlformats.org/markup-compatibility/2006" xmlns:a14="http://schemas.microsoft.com/office/drawing/2010/main">
+        <mc:Choice Requires="a14">
           <p:sp>
             <p:nvSpPr>
               <p:cNvPr id="153" name="CasellaDiTesto 152"/>
@@ -15389,7 +15248,7 @@
             </p:txBody>
           </p:sp>
         </mc:Choice>
-        <mc:Fallback>
+        <mc:Fallback xmlns="">
           <p:sp>
             <p:nvSpPr>
               <p:cNvPr id="153" name="CasellaDiTesto 152"/>
@@ -15475,29 +15334,24 @@
               <a:t> </a:t>
             </a:r>
             <a:r>
-              <a:rPr lang="it-IT" sz="900" dirty="0" err="1" smtClean="0"/>
+              <a:rPr lang="it-IT" sz="900" dirty="0" err="1"/>
               <a:t>int</a:t>
             </a:r>
             <a:endParaRPr lang="it-IT" sz="900" dirty="0"/>
           </a:p>
           <a:p>
             <a:r>
-              <a:rPr lang="it-IT" sz="900" dirty="0" smtClean="0"/>
-              <a:t>Input</a:t>
+              <a:rPr lang="it-IT" sz="900" dirty="0"/>
+              <a:t>Input: </a:t>
+            </a:r>
+            <a:r>
+              <a:rPr lang="it-IT" sz="900" i="1" dirty="0" err="1"/>
+              <a:t>StopA,RestartA</a:t>
             </a:r>
             <a:r>
               <a:rPr lang="it-IT" sz="900" dirty="0"/>
-              <a:t>: </a:t>
-            </a:r>
-            <a:r>
-              <a:rPr lang="it-IT" sz="900" i="1" dirty="0" err="1" smtClean="0"/>
-              <a:t>StopA,RestartA</a:t>
-            </a:r>
-            <a:r>
-              <a:rPr lang="it-IT" sz="900" dirty="0" smtClean="0"/>
               <a:t> </a:t>
             </a:r>
-            <a:endParaRPr lang="it-IT" sz="900" dirty="0"/>
           </a:p>
           <a:p>
             <a:r>
@@ -15573,8 +15427,8 @@
           </a:p>
         </p:txBody>
       </p:sp>
-      <mc:AlternateContent xmlns:mc="http://schemas.openxmlformats.org/markup-compatibility/2006">
-        <mc:Choice xmlns:a14="http://schemas.microsoft.com/office/drawing/2010/main" Requires="a14">
+      <mc:AlternateContent xmlns:mc="http://schemas.openxmlformats.org/markup-compatibility/2006" xmlns:a14="http://schemas.microsoft.com/office/drawing/2010/main">
+        <mc:Choice Requires="a14">
           <p:sp>
             <p:nvSpPr>
               <p:cNvPr id="166" name="CasellaDiTesto 165"/>
@@ -15696,14 +15550,13 @@
                   <a:t>Input: </a:t>
                 </a:r>
                 <a:r>
-                  <a:rPr lang="it-IT" sz="900" i="1" dirty="0" err="1" smtClean="0"/>
+                  <a:rPr lang="it-IT" sz="900" i="1" dirty="0" err="1"/>
                   <a:t>StopA,RestartA</a:t>
                 </a:r>
                 <a:r>
-                  <a:rPr lang="it-IT" sz="900" dirty="0" smtClean="0"/>
+                  <a:rPr lang="it-IT" sz="900" dirty="0"/>
                   <a:t> </a:t>
                 </a:r>
-                <a:endParaRPr lang="it-IT" sz="900" dirty="0"/>
               </a:p>
               <a:p>
                 <a:r>
@@ -15726,7 +15579,7 @@
             </p:txBody>
           </p:sp>
         </mc:Choice>
-        <mc:Fallback>
+        <mc:Fallback xmlns="">
           <p:sp>
             <p:nvSpPr>
               <p:cNvPr id="166" name="CasellaDiTesto 165"/>
@@ -16031,8 +15884,8 @@
           </a:fontRef>
         </p:style>
       </p:cxnSp>
-      <mc:AlternateContent xmlns:mc="http://schemas.openxmlformats.org/markup-compatibility/2006">
-        <mc:Choice xmlns:a14="http://schemas.microsoft.com/office/drawing/2010/main" Requires="a14">
+      <mc:AlternateContent xmlns:mc="http://schemas.openxmlformats.org/markup-compatibility/2006" xmlns:a14="http://schemas.microsoft.com/office/drawing/2010/main">
+        <mc:Choice Requires="a14">
           <p:sp>
             <p:nvSpPr>
               <p:cNvPr id="183" name="CasellaDiTesto 182"/>
@@ -16154,14 +16007,13 @@
                   <a:t>Input: </a:t>
                 </a:r>
                 <a:r>
-                  <a:rPr lang="it-IT" sz="900" i="1" dirty="0" err="1" smtClean="0"/>
+                  <a:rPr lang="it-IT" sz="900" i="1" dirty="0" err="1"/>
                   <a:t>StopA,RestartA</a:t>
                 </a:r>
                 <a:r>
-                  <a:rPr lang="it-IT" sz="900" dirty="0" smtClean="0"/>
+                  <a:rPr lang="it-IT" sz="900" dirty="0"/>
                   <a:t> </a:t>
                 </a:r>
-                <a:endParaRPr lang="it-IT" sz="900" dirty="0"/>
               </a:p>
               <a:p>
                 <a:r>
@@ -16184,7 +16036,7 @@
             </p:txBody>
           </p:sp>
         </mc:Choice>
-        <mc:Fallback>
+        <mc:Fallback xmlns="">
           <p:sp>
             <p:nvSpPr>
               <p:cNvPr id="183" name="CasellaDiTesto 182"/>
@@ -17497,6 +17349,60 @@
           </p:sp>
         </mc:Fallback>
       </mc:AlternateContent>
+      <p:sp>
+        <p:nvSpPr>
+          <p:cNvPr id="5" name="Ovale 4">
+            <a:extLst>
+              <a:ext uri="{FF2B5EF4-FFF2-40B4-BE49-F238E27FC236}">
+                <a16:creationId xmlns:a16="http://schemas.microsoft.com/office/drawing/2014/main" id="{7ABD0B03-F225-4569-9434-D68C81407EB2}"/>
+              </a:ext>
+            </a:extLst>
+          </p:cNvPr>
+          <p:cNvSpPr/>
+          <p:nvPr/>
+        </p:nvSpPr>
+        <p:spPr>
+          <a:xfrm>
+            <a:off x="8596459" y="3104167"/>
+            <a:ext cx="85725" cy="74189"/>
+          </a:xfrm>
+          <a:prstGeom prst="ellipse">
+            <a:avLst/>
+          </a:prstGeom>
+          <a:solidFill>
+            <a:srgbClr val="FF0000"/>
+          </a:solidFill>
+          <a:ln>
+            <a:solidFill>
+              <a:schemeClr val="tx2"/>
+            </a:solidFill>
+          </a:ln>
+        </p:spPr>
+        <p:style>
+          <a:lnRef idx="2">
+            <a:schemeClr val="accent1">
+              <a:shade val="50000"/>
+            </a:schemeClr>
+          </a:lnRef>
+          <a:fillRef idx="1">
+            <a:schemeClr val="accent1"/>
+          </a:fillRef>
+          <a:effectRef idx="0">
+            <a:schemeClr val="accent1"/>
+          </a:effectRef>
+          <a:fontRef idx="minor">
+            <a:schemeClr val="lt1"/>
+          </a:fontRef>
+        </p:style>
+        <p:txBody>
+          <a:bodyPr rtlCol="0" anchor="ctr"/>
+          <a:lstStyle/>
+          <a:p>
+            <a:pPr algn="ctr"/>
+            <a:endParaRPr lang="it-IT"/>
+          </a:p>
+        </p:txBody>
+      </p:sp>
     </p:spTree>
     <p:extLst>
       <p:ext uri="{BB962C8B-B14F-4D97-AF65-F5344CB8AC3E}">
@@ -17570,8 +17476,8 @@
           </a:p>
         </p:txBody>
       </p:sp>
-      <mc:AlternateContent xmlns:mc="http://schemas.openxmlformats.org/markup-compatibility/2006">
-        <mc:Choice xmlns:a14="http://schemas.microsoft.com/office/drawing/2010/main" Requires="a14">
+      <mc:AlternateContent xmlns:mc="http://schemas.openxmlformats.org/markup-compatibility/2006" xmlns:a14="http://schemas.microsoft.com/office/drawing/2010/main">
+        <mc:Choice Requires="a14">
           <p:sp>
             <p:nvSpPr>
               <p:cNvPr id="45" name="CasellaDiTesto 44"/>
@@ -17608,11 +17514,11 @@
                   </a:tabLst>
                 </a:pPr>
                 <a:r>
-                  <a:rPr lang="it-IT" sz="1500" i="1" dirty="0" err="1" smtClean="0"/>
+                  <a:rPr lang="it-IT" sz="1500" i="1" dirty="0" err="1"/>
                   <a:t>StopA</a:t>
                 </a:r>
                 <a:r>
-                  <a:rPr lang="it-IT" sz="1500" i="1" dirty="0" smtClean="0"/>
+                  <a:rPr lang="it-IT" sz="1500" i="1" dirty="0"/>
                   <a:t> </a:t>
                 </a:r>
                 <a:r>
@@ -17647,12 +17553,8 @@
                   <a:t>absent</a:t>
                 </a:r>
                 <a:r>
-                  <a:rPr lang="it-IT" sz="1500" dirty="0" smtClean="0"/>
-                  <a:t>) </a:t>
-                </a:r>
-                <a:r>
-                  <a:rPr lang="it-IT" sz="1500" dirty="0" smtClean="0"/>
-                  <a:t>(Segnale inviato dalla navicella che indica una collisione) </a:t>
+                  <a:rPr lang="it-IT" sz="1500" dirty="0"/>
+                  <a:t>) (Segnale inviato dalla navicella che indica una collisione) </a:t>
                 </a:r>
               </a:p>
               <a:p>
@@ -17664,7 +17566,7 @@
                   </a:tabLst>
                 </a:pPr>
                 <a:r>
-                  <a:rPr lang="it-IT" sz="1500" dirty="0" err="1" smtClean="0"/>
+                  <a:rPr lang="it-IT" sz="1500" dirty="0" err="1"/>
                   <a:t>RestartA</a:t>
                 </a:r>
                 <a:r>
@@ -17699,22 +17601,14 @@
                   <a:t>absent</a:t>
                 </a:r>
                 <a:r>
-                  <a:rPr lang="it-IT" sz="1500" dirty="0" smtClean="0"/>
-                  <a:t>) </a:t>
-                </a:r>
-                <a:r>
-                  <a:rPr lang="it-IT" sz="1500" dirty="0" smtClean="0"/>
-                  <a:t>(</a:t>
-                </a:r>
-                <a:r>
                   <a:rPr lang="it-IT" sz="1500" dirty="0"/>
-                  <a:t>Segnale inviato dalla navicella che indica di inizializzare la posizione dell’asteroide)</a:t>
+                  <a:t>) (Segnale inviato dalla navicella che indica di inizializzare la posizione dell’asteroide)</a:t>
                 </a:r>
               </a:p>
             </p:txBody>
           </p:sp>
         </mc:Choice>
-        <mc:Fallback>
+        <mc:Fallback xmlns="">
           <p:sp>
             <p:nvSpPr>
               <p:cNvPr id="45" name="CasellaDiTesto 44"/>
@@ -19329,8 +19223,8 @@
           </a:fontRef>
         </p:style>
       </p:cxnSp>
-      <mc:AlternateContent xmlns:mc="http://schemas.openxmlformats.org/markup-compatibility/2006">
-        <mc:Choice xmlns:a14="http://schemas.microsoft.com/office/drawing/2010/main" Requires="a14">
+      <mc:AlternateContent xmlns:mc="http://schemas.openxmlformats.org/markup-compatibility/2006" xmlns:a14="http://schemas.microsoft.com/office/drawing/2010/main">
+        <mc:Choice Requires="a14">
           <p:sp>
             <p:nvSpPr>
               <p:cNvPr id="27" name="CasellaDiTesto 26"/>
@@ -19380,7 +19274,7 @@
             </p:txBody>
           </p:sp>
         </mc:Choice>
-        <mc:Fallback>
+        <mc:Fallback xmlns="">
           <p:sp>
             <p:nvSpPr>
               <p:cNvPr id="27" name="CasellaDiTesto 26"/>
@@ -19705,8 +19599,8 @@
           </a:p>
         </p:txBody>
       </p:sp>
-      <mc:AlternateContent xmlns:mc="http://schemas.openxmlformats.org/markup-compatibility/2006">
-        <mc:Choice xmlns:a14="http://schemas.microsoft.com/office/drawing/2010/main" Requires="a14">
+      <mc:AlternateContent xmlns:mc="http://schemas.openxmlformats.org/markup-compatibility/2006" xmlns:a14="http://schemas.microsoft.com/office/drawing/2010/main">
+        <mc:Choice Requires="a14">
           <p:sp>
             <p:nvSpPr>
               <p:cNvPr id="32" name="CasellaDiTesto 31"/>
@@ -19730,7 +19624,7 @@
               <a:lstStyle/>
               <a:p>
                 <a:r>
-                  <a:rPr lang="it-IT" sz="1500" dirty="0" smtClean="0"/>
+                  <a:rPr lang="it-IT" sz="1500" dirty="0"/>
                   <a:t>Parametri del sistema</a:t>
                 </a:r>
               </a:p>
@@ -19793,7 +19687,6 @@
                   <a:rPr lang="it-IT" sz="1500" dirty="0"/>
                   <a:t> (posizione asteroide) </a:t>
                 </a:r>
-                <a:endParaRPr lang="it-IT" sz="1500" dirty="0"/>
               </a:p>
               <a:p>
                 <a:pPr marL="447675" lvl="1" indent="-180975">
@@ -19834,7 +19727,6 @@
                   <a:rPr lang="it-IT" sz="1500" dirty="0"/>
                   <a:t> (posizione asteroide) </a:t>
                 </a:r>
-                <a:endParaRPr lang="it-IT" sz="1500" dirty="0"/>
               </a:p>
               <a:p>
                 <a:pPr marL="447675" lvl="1" indent="-180975">
@@ -19867,7 +19759,6 @@
                   <a:rPr lang="it-IT" sz="1500" dirty="0"/>
                   <a:t> (punteggio, aumenta ad ogni rimbalzo) </a:t>
                 </a:r>
-                <a:endParaRPr lang="it-IT" sz="1500" dirty="0"/>
               </a:p>
               <a:p>
                 <a:pPr marL="266700" indent="-266700">
@@ -19914,7 +19805,6 @@
                   <a:rPr lang="it-IT" sz="1500" dirty="0"/>
                   <a:t> (velocità) </a:t>
                 </a:r>
-                <a:endParaRPr lang="it-IT" sz="1500" dirty="0"/>
               </a:p>
               <a:p>
                 <a:pPr marL="447675" lvl="1" indent="-180975">
@@ -19955,7 +19845,6 @@
                   <a:rPr lang="it-IT" sz="1500" dirty="0"/>
                   <a:t> (valore massimo, bordo) </a:t>
                 </a:r>
-                <a:endParaRPr lang="it-IT" sz="1500" dirty="0"/>
               </a:p>
               <a:p>
                 <a:pPr marL="447675" lvl="1" indent="-180975">
@@ -20003,7 +19892,6 @@
                   <a:rPr lang="it-IT" sz="1500" dirty="0"/>
                   <a:t> (valore minimo, bordo) </a:t>
                 </a:r>
-                <a:endParaRPr lang="it-IT" sz="1500" dirty="0"/>
               </a:p>
               <a:p>
                 <a:pPr marL="447675" lvl="1" indent="-180975">
@@ -20047,7 +19935,6 @@
                   <a:rPr lang="it-IT" sz="1500" dirty="0"/>
                   <a:t> (valore massimo, bordo) </a:t>
                 </a:r>
-                <a:endParaRPr lang="it-IT" sz="1500" dirty="0"/>
               </a:p>
               <a:p>
                 <a:pPr marL="447675" lvl="1" indent="-180975">
@@ -20088,7 +19975,6 @@
                   <a:rPr lang="it-IT" sz="1500" dirty="0"/>
                   <a:t> (valore minimo, bordo) </a:t>
                 </a:r>
-                <a:endParaRPr lang="it-IT" sz="1500" dirty="0"/>
               </a:p>
               <a:p>
                 <a:endParaRPr lang="it-IT" sz="1500" i="1" dirty="0"/>
@@ -20096,7 +19982,7 @@
             </p:txBody>
           </p:sp>
         </mc:Choice>
-        <mc:Fallback>
+        <mc:Fallback xmlns="">
           <p:sp>
             <p:nvSpPr>
               <p:cNvPr id="32" name="CasellaDiTesto 31"/>
@@ -20266,8 +20152,8 @@
           </p:sp>
         </mc:Fallback>
       </mc:AlternateContent>
-      <mc:AlternateContent xmlns:mc="http://schemas.openxmlformats.org/markup-compatibility/2006">
-        <mc:Choice xmlns:a14="http://schemas.microsoft.com/office/drawing/2010/main" Requires="a14">
+      <mc:AlternateContent xmlns:mc="http://schemas.openxmlformats.org/markup-compatibility/2006" xmlns:a14="http://schemas.microsoft.com/office/drawing/2010/main">
+        <mc:Choice Requires="a14">
           <p:sp>
             <p:nvSpPr>
               <p:cNvPr id="37" name="CasellaDiTesto 36"/>
@@ -20291,7 +20177,7 @@
               <a:lstStyle/>
               <a:p>
                 <a:r>
-                  <a:rPr lang="it-IT" sz="1500" dirty="0" smtClean="0"/>
+                  <a:rPr lang="it-IT" sz="1500" dirty="0"/>
                   <a:t>Output:</a:t>
                 </a:r>
               </a:p>
@@ -20304,7 +20190,7 @@
                   </a:tabLst>
                 </a:pPr>
                 <a:r>
-                  <a:rPr lang="it-IT" sz="1500" i="1" dirty="0" smtClean="0"/>
+                  <a:rPr lang="it-IT" sz="1500" i="1" dirty="0"/>
                   <a:t>Position </a:t>
                 </a:r>
                 <a14:m>
@@ -20354,7 +20240,7 @@
                   </m:oMath>
                 </a14:m>
                 <a:r>
-                  <a:rPr lang="it-IT" sz="1500" i="1" dirty="0" smtClean="0"/>
+                  <a:rPr lang="it-IT" sz="1500" i="1" dirty="0"/>
                   <a:t> </a:t>
                 </a:r>
                 <a:r>
@@ -20385,7 +20271,7 @@
             </p:txBody>
           </p:sp>
         </mc:Choice>
-        <mc:Fallback>
+        <mc:Fallback xmlns="">
           <p:sp>
             <p:nvSpPr>
               <p:cNvPr id="37" name="CasellaDiTesto 36"/>
@@ -20717,8 +20603,8 @@
           <a:chExt cx="0" cy="0"/>
         </a:xfrm>
       </p:grpSpPr>
-      <mc:AlternateContent xmlns:mc="http://schemas.openxmlformats.org/markup-compatibility/2006">
-        <mc:Choice xmlns:a14="http://schemas.microsoft.com/office/drawing/2010/main" Requires="a14">
+      <mc:AlternateContent xmlns:mc="http://schemas.openxmlformats.org/markup-compatibility/2006" xmlns:a14="http://schemas.microsoft.com/office/drawing/2010/main">
+        <mc:Choice Requires="a14">
           <p:sp>
             <p:nvSpPr>
               <p:cNvPr id="131" name="CasellaDiTesto 130"/>
@@ -20760,7 +20646,7 @@
                   <a:t> (</a:t>
                 </a:r>
                 <a:r>
-                  <a:rPr lang="it-IT" sz="1500" dirty="0" err="1" smtClean="0"/>
+                  <a:rPr lang="it-IT" sz="1500" dirty="0" err="1"/>
                   <a:t>present</a:t>
                 </a:r>
                 <a:r>
@@ -20779,7 +20665,7 @@
                   </m:oMath>
                 </a14:m>
                 <a:r>
-                  <a:rPr lang="it-IT" sz="1500" dirty="0" smtClean="0"/>
+                  <a:rPr lang="it-IT" sz="1500" dirty="0"/>
                   <a:t> </a:t>
                 </a:r>
                 <a:r>
@@ -20787,10 +20673,9 @@
                   <a:t>absent</a:t>
                 </a:r>
                 <a:r>
-                  <a:rPr lang="it-IT" sz="1500" dirty="0" smtClean="0"/>
+                  <a:rPr lang="it-IT" sz="1500" dirty="0"/>
                   <a:t>)</a:t>
                 </a:r>
-                <a:endParaRPr lang="it-IT" sz="1500" dirty="0"/>
               </a:p>
               <a:p>
                 <a:pPr marL="180975" indent="-180975">
@@ -20806,7 +20691,7 @@
                   <a:t>(</a:t>
                 </a:r>
                 <a:r>
-                  <a:rPr lang="it-IT" sz="1500" dirty="0" err="1" smtClean="0"/>
+                  <a:rPr lang="it-IT" sz="1500" dirty="0" err="1"/>
                   <a:t>present</a:t>
                 </a:r>
                 <a:r>
@@ -20825,7 +20710,7 @@
                   </m:oMath>
                 </a14:m>
                 <a:r>
-                  <a:rPr lang="it-IT" sz="1500" dirty="0" smtClean="0"/>
+                  <a:rPr lang="it-IT" sz="1500" dirty="0"/>
                   <a:t> </a:t>
                 </a:r>
                 <a:r>
@@ -20833,7 +20718,7 @@
                   <a:t>absent</a:t>
                 </a:r>
                 <a:r>
-                  <a:rPr lang="it-IT" sz="1500" dirty="0" smtClean="0"/>
+                  <a:rPr lang="it-IT" sz="1500" dirty="0"/>
                   <a:t>)</a:t>
                 </a:r>
               </a:p>
@@ -20851,7 +20736,7 @@
                   <a:t> (</a:t>
                 </a:r>
                 <a:r>
-                  <a:rPr lang="it-IT" sz="1500" dirty="0" err="1" smtClean="0"/>
+                  <a:rPr lang="it-IT" sz="1500" dirty="0" err="1"/>
                   <a:t>present</a:t>
                 </a:r>
                 <a:r>
@@ -20870,7 +20755,7 @@
                   </m:oMath>
                 </a14:m>
                 <a:r>
-                  <a:rPr lang="it-IT" sz="1500" dirty="0" smtClean="0"/>
+                  <a:rPr lang="it-IT" sz="1500" dirty="0"/>
                   <a:t> </a:t>
                 </a:r>
                 <a:r>
@@ -20878,10 +20763,9 @@
                   <a:t>absent</a:t>
                 </a:r>
                 <a:r>
-                  <a:rPr lang="it-IT" sz="1500" dirty="0" smtClean="0"/>
+                  <a:rPr lang="it-IT" sz="1500" dirty="0"/>
                   <a:t>)</a:t>
                 </a:r>
-                <a:endParaRPr lang="it-IT" sz="1500" dirty="0"/>
               </a:p>
               <a:p>
                 <a:pPr marL="180975" indent="-180975">
@@ -20897,11 +20781,11 @@
                   <a:t> (</a:t>
                 </a:r>
                 <a:r>
-                  <a:rPr lang="it-IT" sz="1500" dirty="0" err="1" smtClean="0"/>
+                  <a:rPr lang="it-IT" sz="1500" dirty="0" err="1"/>
                   <a:t>present</a:t>
                 </a:r>
                 <a:r>
-                  <a:rPr lang="it-IT" sz="1500" dirty="0" smtClean="0"/>
+                  <a:rPr lang="it-IT" sz="1500" dirty="0"/>
                   <a:t> </a:t>
                 </a:r>
                 <a14:m>
@@ -20916,7 +20800,7 @@
                   </m:oMath>
                 </a14:m>
                 <a:r>
-                  <a:rPr lang="it-IT" sz="1500" dirty="0" smtClean="0"/>
+                  <a:rPr lang="it-IT" sz="1500" dirty="0"/>
                   <a:t> </a:t>
                 </a:r>
                 <a:r>
@@ -20924,10 +20808,9 @@
                   <a:t>absent</a:t>
                 </a:r>
                 <a:r>
-                  <a:rPr lang="it-IT" sz="1500" dirty="0" smtClean="0"/>
+                  <a:rPr lang="it-IT" sz="1500" dirty="0"/>
                   <a:t>)</a:t>
                 </a:r>
-                <a:endParaRPr lang="it-IT" sz="1500" dirty="0"/>
               </a:p>
               <a:p>
                 <a:pPr marL="180975" indent="-180975">
@@ -20935,7 +20818,7 @@
                   <a:buChar char="•"/>
                 </a:pPr>
                 <a:r>
-                  <a:rPr lang="it-IT" sz="1500" i="1" dirty="0" smtClean="0"/>
+                  <a:rPr lang="it-IT" sz="1500" i="1" dirty="0"/>
                   <a:t>Position </a:t>
                 </a:r>
                 <a14:m>
@@ -20978,15 +20861,14 @@
                   </m:oMath>
                 </a14:m>
                 <a:r>
-                  <a:rPr lang="it-IT" sz="1500" i="1" dirty="0" smtClean="0"/>
+                  <a:rPr lang="it-IT" sz="1500" i="1" dirty="0"/>
                   <a:t> </a:t>
                 </a:r>
-                <a:endParaRPr lang="it-IT" sz="1500" i="1" dirty="0"/>
               </a:p>
             </p:txBody>
           </p:sp>
         </mc:Choice>
-        <mc:Fallback>
+        <mc:Fallback xmlns="">
           <p:sp>
             <p:nvSpPr>
               <p:cNvPr id="131" name="CasellaDiTesto 130"/>
@@ -21025,8 +20907,8 @@
           </p:sp>
         </mc:Fallback>
       </mc:AlternateContent>
-      <mc:AlternateContent xmlns:mc="http://schemas.openxmlformats.org/markup-compatibility/2006">
-        <mc:Choice xmlns:a14="http://schemas.microsoft.com/office/drawing/2010/main" Requires="a14">
+      <mc:AlternateContent xmlns:mc="http://schemas.openxmlformats.org/markup-compatibility/2006" xmlns:a14="http://schemas.microsoft.com/office/drawing/2010/main">
+        <mc:Choice Requires="a14">
           <p:sp>
             <p:nvSpPr>
               <p:cNvPr id="132" name="CasellaDiTesto 131"/>
@@ -21060,7 +20942,7 @@
                   <a:buChar char="•"/>
                 </a:pPr>
                 <a:r>
-                  <a:rPr lang="it-IT" sz="1500" i="1" dirty="0" smtClean="0"/>
+                  <a:rPr lang="it-IT" sz="1500" i="1" dirty="0"/>
                   <a:t>Stop </a:t>
                 </a:r>
                 <a:r>
@@ -21088,18 +20970,14 @@
                 </a14:m>
                 <a:r>
                   <a:rPr lang="it-IT" sz="1500" dirty="0"/>
-                  <a:t> </a:t>
-                </a:r>
-                <a:r>
-                  <a:rPr lang="it-IT" sz="1500" dirty="0" smtClean="0"/>
-                  <a:t>absent)</a:t>
+                  <a:t> absent)</a:t>
                 </a:r>
                 <a:endParaRPr lang="it-IT" sz="1500" i="1" dirty="0"/>
               </a:p>
             </p:txBody>
           </p:sp>
         </mc:Choice>
-        <mc:Fallback>
+        <mc:Fallback xmlns="">
           <p:sp>
             <p:nvSpPr>
               <p:cNvPr id="132" name="CasellaDiTesto 131"/>
@@ -21138,8 +21016,8 @@
           </p:sp>
         </mc:Fallback>
       </mc:AlternateContent>
-      <mc:AlternateContent xmlns:mc="http://schemas.openxmlformats.org/markup-compatibility/2006">
-        <mc:Choice xmlns:a14="http://schemas.microsoft.com/office/drawing/2010/main" Requires="a14">
+      <mc:AlternateContent xmlns:mc="http://schemas.openxmlformats.org/markup-compatibility/2006" xmlns:a14="http://schemas.microsoft.com/office/drawing/2010/main">
+        <mc:Choice Requires="a14">
           <p:sp>
             <p:nvSpPr>
               <p:cNvPr id="133" name="CasellaDiTesto 132"/>
@@ -21217,15 +21095,7 @@
                 </a14:m>
                 <a:r>
                   <a:rPr lang="it-IT" sz="1500" dirty="0"/>
-                  <a:t> </a:t>
-                </a:r>
-                <a:r>
-                  <a:rPr lang="it-IT" sz="1500" dirty="0" smtClean="0"/>
-                  <a:t> (</a:t>
-                </a:r>
-                <a:r>
-                  <a:rPr lang="it-IT" sz="1500" dirty="0"/>
-                  <a:t>posizione navicella)</a:t>
+                  <a:t>  (posizione navicella)</a:t>
                 </a:r>
               </a:p>
               <a:p>
@@ -21265,15 +21135,7 @@
                 </a14:m>
                 <a:r>
                   <a:rPr lang="it-IT" sz="1500" dirty="0"/>
-                  <a:t> </a:t>
-                </a:r>
-                <a:r>
-                  <a:rPr lang="it-IT" sz="1500" dirty="0" smtClean="0"/>
-                  <a:t> (</a:t>
-                </a:r>
-                <a:r>
-                  <a:rPr lang="it-IT" sz="1500" dirty="0"/>
-                  <a:t>posizione navicella)</a:t>
+                  <a:t>  (posizione navicella)</a:t>
                 </a:r>
               </a:p>
               <a:p>
@@ -21319,15 +21181,7 @@
                 </a14:m>
                 <a:r>
                   <a:rPr lang="it-IT" sz="1500" dirty="0"/>
-                  <a:t> </a:t>
-                </a:r>
-                <a:r>
-                  <a:rPr lang="it-IT" sz="1500" dirty="0" smtClean="0"/>
-                  <a:t> (</a:t>
-                </a:r>
-                <a:r>
-                  <a:rPr lang="it-IT" sz="1500" dirty="0"/>
-                  <a:t>velocità)</a:t>
+                  <a:t>  (velocità)</a:t>
                 </a:r>
               </a:p>
               <a:p>
@@ -21367,15 +21221,7 @@
                 </a14:m>
                 <a:r>
                   <a:rPr lang="it-IT" sz="1500" dirty="0"/>
-                  <a:t> </a:t>
-                </a:r>
-                <a:r>
-                  <a:rPr lang="it-IT" sz="1500" dirty="0" smtClean="0"/>
-                  <a:t>(</a:t>
-                </a:r>
-                <a:r>
-                  <a:rPr lang="it-IT" sz="1500" dirty="0"/>
-                  <a:t>valore massimo, bordo)</a:t>
+                  <a:t> (valore massimo, bordo)</a:t>
                 </a:r>
               </a:p>
               <a:p>
@@ -21415,15 +21261,7 @@
                 </a14:m>
                 <a:r>
                   <a:rPr lang="it-IT" sz="1500" dirty="0"/>
-                  <a:t> </a:t>
-                </a:r>
-                <a:r>
-                  <a:rPr lang="it-IT" sz="1500" dirty="0" smtClean="0"/>
-                  <a:t> (</a:t>
-                </a:r>
-                <a:r>
-                  <a:rPr lang="it-IT" sz="1500" dirty="0"/>
-                  <a:t>valore minimo, bordo)</a:t>
+                  <a:t>  (valore minimo, bordo)</a:t>
                 </a:r>
               </a:p>
               <a:p>
@@ -21466,15 +21304,7 @@
                 </a14:m>
                 <a:r>
                   <a:rPr lang="it-IT" sz="1500" dirty="0"/>
-                  <a:t> </a:t>
-                </a:r>
-                <a:r>
-                  <a:rPr lang="it-IT" sz="1500" dirty="0" smtClean="0"/>
-                  <a:t> (</a:t>
-                </a:r>
-                <a:r>
-                  <a:rPr lang="it-IT" sz="1500" dirty="0"/>
-                  <a:t>valore massimo, bordo)</a:t>
+                  <a:t>  (valore massimo, bordo)</a:t>
                 </a:r>
               </a:p>
               <a:p>
@@ -21514,15 +21344,7 @@
                 </a14:m>
                 <a:r>
                   <a:rPr lang="it-IT" sz="1500" dirty="0"/>
-                  <a:t> </a:t>
-                </a:r>
-                <a:r>
-                  <a:rPr lang="it-IT" sz="1500" dirty="0" smtClean="0"/>
-                  <a:t> (</a:t>
-                </a:r>
-                <a:r>
-                  <a:rPr lang="it-IT" sz="1500" dirty="0"/>
-                  <a:t>valore minimo, bordo)</a:t>
+                  <a:t>  (valore minimo, bordo)</a:t>
                 </a:r>
               </a:p>
               <a:p>
@@ -21531,7 +21353,7 @@
             </p:txBody>
           </p:sp>
         </mc:Choice>
-        <mc:Fallback>
+        <mc:Fallback xmlns="">
           <p:sp>
             <p:nvSpPr>
               <p:cNvPr id="133" name="CasellaDiTesto 132"/>
@@ -28634,8 +28456,8 @@
           </mc:Fallback>
         </mc:AlternateContent>
       </p:grpSp>
-      <mc:AlternateContent xmlns:mc="http://schemas.openxmlformats.org/markup-compatibility/2006">
-        <mc:Choice xmlns:a14="http://schemas.microsoft.com/office/drawing/2010/main" Requires="a14">
+      <mc:AlternateContent xmlns:mc="http://schemas.openxmlformats.org/markup-compatibility/2006" xmlns:a14="http://schemas.microsoft.com/office/drawing/2010/main">
+        <mc:Choice Requires="a14">
           <p:sp>
             <p:nvSpPr>
               <p:cNvPr id="11" name="CasellaDiTesto 10"/>
@@ -28790,11 +28612,7 @@
                 </a:pPr>
                 <a:r>
                   <a:rPr lang="it-IT" sz="1500" i="1" dirty="0"/>
-                  <a:t>p</a:t>
-                </a:r>
-                <a:r>
-                  <a:rPr lang="it-IT" sz="1500" i="1" dirty="0" smtClean="0"/>
-                  <a:t>osition </a:t>
+                  <a:t>position </a:t>
                 </a:r>
                 <a14:m>
                   <m:oMath xmlns:m="http://schemas.openxmlformats.org/officeDocument/2006/math">
@@ -28840,7 +28658,7 @@
             </p:txBody>
           </p:sp>
         </mc:Choice>
-        <mc:Fallback>
+        <mc:Fallback xmlns="">
           <p:sp>
             <p:nvSpPr>
               <p:cNvPr id="11" name="CasellaDiTesto 10"/>
@@ -28879,8 +28697,8 @@
           </p:sp>
         </mc:Fallback>
       </mc:AlternateContent>
-      <mc:AlternateContent xmlns:mc="http://schemas.openxmlformats.org/markup-compatibility/2006">
-        <mc:Choice xmlns:a14="http://schemas.microsoft.com/office/drawing/2010/main" Requires="a14">
+      <mc:AlternateContent xmlns:mc="http://schemas.openxmlformats.org/markup-compatibility/2006" xmlns:a14="http://schemas.microsoft.com/office/drawing/2010/main">
+        <mc:Choice Requires="a14">
           <p:sp>
             <p:nvSpPr>
               <p:cNvPr id="12" name="CasellaDiTesto 11"/>
@@ -28914,11 +28732,11 @@
                   <a:buChar char="•"/>
                 </a:pPr>
                 <a:r>
-                  <a:rPr lang="it-IT" sz="1500" i="1" dirty="0" err="1" smtClean="0"/>
+                  <a:rPr lang="it-IT" sz="1500" i="1" dirty="0" err="1"/>
                   <a:t>StopA</a:t>
                 </a:r>
                 <a:r>
-                  <a:rPr lang="it-IT" sz="1500" i="1" dirty="0" smtClean="0"/>
+                  <a:rPr lang="it-IT" sz="1500" i="1" dirty="0"/>
                   <a:t> </a:t>
                 </a:r>
                 <a:r>
@@ -28953,19 +28771,18 @@
                   <a:t>absent</a:t>
                 </a:r>
                 <a:r>
-                  <a:rPr lang="it-IT" sz="1500" dirty="0" smtClean="0"/>
+                  <a:rPr lang="it-IT" sz="1500" dirty="0"/>
                   <a:t>)</a:t>
                 </a:r>
                 <a:r>
-                  <a:rPr lang="it-IT" sz="1500" i="1" dirty="0" smtClean="0"/>
+                  <a:rPr lang="it-IT" sz="1500" i="1" dirty="0"/>
                   <a:t> </a:t>
                 </a:r>
-                <a:endParaRPr lang="it-IT" sz="1500" i="1" dirty="0"/>
               </a:p>
             </p:txBody>
           </p:sp>
         </mc:Choice>
-        <mc:Fallback>
+        <mc:Fallback xmlns="">
           <p:sp>
             <p:nvSpPr>
               <p:cNvPr id="12" name="CasellaDiTesto 11"/>
@@ -29004,8 +28821,8 @@
           </p:sp>
         </mc:Fallback>
       </mc:AlternateContent>
-      <mc:AlternateContent xmlns:mc="http://schemas.openxmlformats.org/markup-compatibility/2006">
-        <mc:Choice xmlns:a14="http://schemas.microsoft.com/office/drawing/2010/main" Requires="a14">
+      <mc:AlternateContent xmlns:mc="http://schemas.openxmlformats.org/markup-compatibility/2006" xmlns:a14="http://schemas.microsoft.com/office/drawing/2010/main">
+        <mc:Choice Requires="a14">
           <p:sp>
             <p:nvSpPr>
               <p:cNvPr id="13" name="CasellaDiTesto 12"/>
@@ -29070,15 +28887,7 @@
                 </a14:m>
                 <a:r>
                   <a:rPr lang="it-IT" sz="1500" dirty="0"/>
-                  <a:t> </a:t>
-                </a:r>
-                <a:r>
-                  <a:rPr lang="it-IT" sz="1500" dirty="0" smtClean="0"/>
-                  <a:t>(</a:t>
-                </a:r>
-                <a:r>
-                  <a:rPr lang="it-IT" sz="1500" dirty="0"/>
-                  <a:t>Posizione navicella)</a:t>
+                  <a:t> (Posizione navicella)</a:t>
                 </a:r>
               </a:p>
               <a:p>
@@ -29149,12 +28958,8 @@
                   </m:oMath>
                 </a14:m>
                 <a:r>
-                  <a:rPr lang="it-IT" sz="1500" dirty="0" smtClean="0"/>
-                  <a:t> </a:t>
-                </a:r>
-                <a:r>
                   <a:rPr lang="it-IT" sz="1500" dirty="0"/>
-                  <a:t>(velocità costante)</a:t>
+                  <a:t> (velocità costante)</a:t>
                 </a:r>
               </a:p>
               <a:p>
@@ -29167,7 +28972,7 @@
             </p:txBody>
           </p:sp>
         </mc:Choice>
-        <mc:Fallback>
+        <mc:Fallback xmlns="">
           <p:sp>
             <p:nvSpPr>
               <p:cNvPr id="13" name="CasellaDiTesto 12"/>
@@ -29441,14 +29246,6 @@
   <p:clrMapOvr>
     <a:masterClrMapping/>
   </p:clrMapOvr>
-  <mc:AlternateContent xmlns:mc="http://schemas.openxmlformats.org/markup-compatibility/2006">
-    <mc:Choice xmlns:p14="http://schemas.microsoft.com/office/powerpoint/2010/main" Requires="p14">
-      <p:transition spd="slow" p14:dur="2000"/>
-    </mc:Choice>
-    <mc:Fallback>
-      <p:transition spd="slow"/>
-    </mc:Fallback>
-  </mc:AlternateContent>
 </p:sld>
 </file>
 
@@ -29813,8 +29610,8 @@
           </a:p>
         </p:txBody>
       </p:sp>
-      <mc:AlternateContent xmlns:mc="http://schemas.openxmlformats.org/markup-compatibility/2006">
-        <mc:Choice xmlns:a14="http://schemas.microsoft.com/office/drawing/2010/main" Requires="a14">
+      <mc:AlternateContent xmlns:mc="http://schemas.openxmlformats.org/markup-compatibility/2006" xmlns:a14="http://schemas.microsoft.com/office/drawing/2010/main">
+        <mc:Choice Requires="a14">
           <p:sp>
             <p:nvSpPr>
               <p:cNvPr id="18" name="CasellaDiTesto 17"/>
@@ -29969,11 +29766,7 @@
                 </a:pPr>
                 <a:r>
                   <a:rPr lang="it-IT" sz="1500" i="1" dirty="0"/>
-                  <a:t>p</a:t>
-                </a:r>
-                <a:r>
-                  <a:rPr lang="it-IT" sz="1500" i="1" dirty="0" smtClean="0"/>
-                  <a:t>osition </a:t>
+                  <a:t>position </a:t>
                 </a:r>
                 <a14:m>
                   <m:oMath xmlns:m="http://schemas.openxmlformats.org/officeDocument/2006/math">
@@ -30019,7 +29812,7 @@
             </p:txBody>
           </p:sp>
         </mc:Choice>
-        <mc:Fallback>
+        <mc:Fallback xmlns="">
           <p:sp>
             <p:nvSpPr>
               <p:cNvPr id="18" name="CasellaDiTesto 17"/>
@@ -30058,8 +29851,8 @@
           </p:sp>
         </mc:Fallback>
       </mc:AlternateContent>
-      <mc:AlternateContent xmlns:mc="http://schemas.openxmlformats.org/markup-compatibility/2006">
-        <mc:Choice xmlns:a14="http://schemas.microsoft.com/office/drawing/2010/main" Requires="a14">
+      <mc:AlternateContent xmlns:mc="http://schemas.openxmlformats.org/markup-compatibility/2006" xmlns:a14="http://schemas.microsoft.com/office/drawing/2010/main">
+        <mc:Choice Requires="a14">
           <p:sp>
             <p:nvSpPr>
               <p:cNvPr id="19" name="CasellaDiTesto 18"/>
@@ -30093,11 +29886,11 @@
                   <a:buChar char="•"/>
                 </a:pPr>
                 <a:r>
-                  <a:rPr lang="it-IT" sz="1500" i="1" dirty="0" err="1" smtClean="0"/>
+                  <a:rPr lang="it-IT" sz="1500" i="1" dirty="0" err="1"/>
                   <a:t>StopA</a:t>
                 </a:r>
                 <a:r>
-                  <a:rPr lang="it-IT" sz="1500" i="1" dirty="0" smtClean="0"/>
+                  <a:rPr lang="it-IT" sz="1500" i="1" dirty="0"/>
                   <a:t> </a:t>
                 </a:r>
                 <a:r>
@@ -30132,19 +29925,18 @@
                   <a:t>absent</a:t>
                 </a:r>
                 <a:r>
-                  <a:rPr lang="it-IT" sz="1500" dirty="0" smtClean="0"/>
+                  <a:rPr lang="it-IT" sz="1500" dirty="0"/>
                   <a:t>)</a:t>
                 </a:r>
                 <a:r>
-                  <a:rPr lang="it-IT" sz="1500" i="1" dirty="0" smtClean="0"/>
+                  <a:rPr lang="it-IT" sz="1500" i="1" dirty="0"/>
                   <a:t> </a:t>
                 </a:r>
-                <a:endParaRPr lang="it-IT" sz="1500" i="1" dirty="0"/>
               </a:p>
             </p:txBody>
           </p:sp>
         </mc:Choice>
-        <mc:Fallback>
+        <mc:Fallback xmlns="">
           <p:sp>
             <p:nvSpPr>
               <p:cNvPr id="19" name="CasellaDiTesto 18"/>
@@ -30183,8 +29975,8 @@
           </p:sp>
         </mc:Fallback>
       </mc:AlternateContent>
-      <mc:AlternateContent xmlns:mc="http://schemas.openxmlformats.org/markup-compatibility/2006">
-        <mc:Choice xmlns:a14="http://schemas.microsoft.com/office/drawing/2010/main" Requires="a14">
+      <mc:AlternateContent xmlns:mc="http://schemas.openxmlformats.org/markup-compatibility/2006" xmlns:a14="http://schemas.microsoft.com/office/drawing/2010/main">
+        <mc:Choice Requires="a14">
           <p:sp>
             <p:nvSpPr>
               <p:cNvPr id="20" name="CasellaDiTesto 19"/>
@@ -30249,15 +30041,7 @@
                 </a14:m>
                 <a:r>
                   <a:rPr lang="it-IT" sz="1500" dirty="0"/>
-                  <a:t> </a:t>
-                </a:r>
-                <a:r>
-                  <a:rPr lang="it-IT" sz="1500" dirty="0" smtClean="0"/>
-                  <a:t>(</a:t>
-                </a:r>
-                <a:r>
-                  <a:rPr lang="it-IT" sz="1500" dirty="0"/>
-                  <a:t>Posizione navicella)</a:t>
+                  <a:t> (Posizione navicella)</a:t>
                 </a:r>
               </a:p>
               <a:p>
@@ -30328,12 +30112,8 @@
                   </m:oMath>
                 </a14:m>
                 <a:r>
-                  <a:rPr lang="it-IT" sz="1500" dirty="0" smtClean="0"/>
-                  <a:t> </a:t>
-                </a:r>
-                <a:r>
                   <a:rPr lang="it-IT" sz="1500" dirty="0"/>
-                  <a:t>(velocità costante)</a:t>
+                  <a:t> (velocità costante)</a:t>
                 </a:r>
               </a:p>
               <a:p>
@@ -30346,7 +30126,7 @@
             </p:txBody>
           </p:sp>
         </mc:Choice>
-        <mc:Fallback>
+        <mc:Fallback xmlns="">
           <p:sp>
             <p:nvSpPr>
               <p:cNvPr id="20" name="CasellaDiTesto 19"/>
@@ -30395,14 +30175,6 @@
   <p:clrMapOvr>
     <a:masterClrMapping/>
   </p:clrMapOvr>
-  <mc:AlternateContent xmlns:mc="http://schemas.openxmlformats.org/markup-compatibility/2006">
-    <mc:Choice xmlns:p14="http://schemas.microsoft.com/office/powerpoint/2010/main" Requires="p14">
-      <p:transition spd="slow" p14:dur="2000"/>
-    </mc:Choice>
-    <mc:Fallback>
-      <p:transition spd="slow"/>
-    </mc:Fallback>
-  </mc:AlternateContent>
 </p:sld>
 </file>
 
@@ -30767,8 +30539,8 @@
           </a:p>
         </p:txBody>
       </p:sp>
-      <mc:AlternateContent xmlns:mc="http://schemas.openxmlformats.org/markup-compatibility/2006">
-        <mc:Choice xmlns:a14="http://schemas.microsoft.com/office/drawing/2010/main" Requires="a14">
+      <mc:AlternateContent xmlns:mc="http://schemas.openxmlformats.org/markup-compatibility/2006" xmlns:a14="http://schemas.microsoft.com/office/drawing/2010/main">
+        <mc:Choice Requires="a14">
           <p:sp>
             <p:nvSpPr>
               <p:cNvPr id="11" name="CasellaDiTesto 10"/>
@@ -30923,11 +30695,7 @@
                 </a:pPr>
                 <a:r>
                   <a:rPr lang="it-IT" sz="1500" i="1" dirty="0"/>
-                  <a:t>p</a:t>
-                </a:r>
-                <a:r>
-                  <a:rPr lang="it-IT" sz="1500" i="1" dirty="0" smtClean="0"/>
-                  <a:t>osition </a:t>
+                  <a:t>position </a:t>
                 </a:r>
                 <a14:m>
                   <m:oMath xmlns:m="http://schemas.openxmlformats.org/officeDocument/2006/math">
@@ -30973,7 +30741,7 @@
             </p:txBody>
           </p:sp>
         </mc:Choice>
-        <mc:Fallback>
+        <mc:Fallback xmlns="">
           <p:sp>
             <p:nvSpPr>
               <p:cNvPr id="11" name="CasellaDiTesto 10"/>
@@ -31012,8 +30780,8 @@
           </p:sp>
         </mc:Fallback>
       </mc:AlternateContent>
-      <mc:AlternateContent xmlns:mc="http://schemas.openxmlformats.org/markup-compatibility/2006">
-        <mc:Choice xmlns:a14="http://schemas.microsoft.com/office/drawing/2010/main" Requires="a14">
+      <mc:AlternateContent xmlns:mc="http://schemas.openxmlformats.org/markup-compatibility/2006" xmlns:a14="http://schemas.microsoft.com/office/drawing/2010/main">
+        <mc:Choice Requires="a14">
           <p:sp>
             <p:nvSpPr>
               <p:cNvPr id="12" name="CasellaDiTesto 11"/>
@@ -31047,11 +30815,11 @@
                   <a:buChar char="•"/>
                 </a:pPr>
                 <a:r>
-                  <a:rPr lang="it-IT" sz="1500" i="1" dirty="0" err="1" smtClean="0"/>
+                  <a:rPr lang="it-IT" sz="1500" i="1" dirty="0" err="1"/>
                   <a:t>StopA</a:t>
                 </a:r>
                 <a:r>
-                  <a:rPr lang="it-IT" sz="1500" i="1" dirty="0" smtClean="0"/>
+                  <a:rPr lang="it-IT" sz="1500" i="1" dirty="0"/>
                   <a:t> </a:t>
                 </a:r>
                 <a:r>
@@ -31086,19 +30854,18 @@
                   <a:t>absent</a:t>
                 </a:r>
                 <a:r>
-                  <a:rPr lang="it-IT" sz="1500" dirty="0" smtClean="0"/>
+                  <a:rPr lang="it-IT" sz="1500" dirty="0"/>
                   <a:t>)</a:t>
                 </a:r>
                 <a:r>
-                  <a:rPr lang="it-IT" sz="1500" i="1" dirty="0" smtClean="0"/>
+                  <a:rPr lang="it-IT" sz="1500" i="1" dirty="0"/>
                   <a:t> </a:t>
                 </a:r>
-                <a:endParaRPr lang="it-IT" sz="1500" i="1" dirty="0"/>
               </a:p>
             </p:txBody>
           </p:sp>
         </mc:Choice>
-        <mc:Fallback>
+        <mc:Fallback xmlns="">
           <p:sp>
             <p:nvSpPr>
               <p:cNvPr id="12" name="CasellaDiTesto 11"/>
@@ -31137,8 +30904,8 @@
           </p:sp>
         </mc:Fallback>
       </mc:AlternateContent>
-      <mc:AlternateContent xmlns:mc="http://schemas.openxmlformats.org/markup-compatibility/2006">
-        <mc:Choice xmlns:a14="http://schemas.microsoft.com/office/drawing/2010/main" Requires="a14">
+      <mc:AlternateContent xmlns:mc="http://schemas.openxmlformats.org/markup-compatibility/2006" xmlns:a14="http://schemas.microsoft.com/office/drawing/2010/main">
+        <mc:Choice Requires="a14">
           <p:sp>
             <p:nvSpPr>
               <p:cNvPr id="17" name="CasellaDiTesto 16"/>
@@ -31203,15 +30970,7 @@
                 </a14:m>
                 <a:r>
                   <a:rPr lang="it-IT" sz="1500" dirty="0"/>
-                  <a:t> </a:t>
-                </a:r>
-                <a:r>
-                  <a:rPr lang="it-IT" sz="1500" dirty="0" smtClean="0"/>
-                  <a:t>(</a:t>
-                </a:r>
-                <a:r>
-                  <a:rPr lang="it-IT" sz="1500" dirty="0"/>
-                  <a:t>Posizione navicella)</a:t>
+                  <a:t> (Posizione navicella)</a:t>
                 </a:r>
               </a:p>
               <a:p>
@@ -31282,12 +31041,8 @@
                   </m:oMath>
                 </a14:m>
                 <a:r>
-                  <a:rPr lang="it-IT" sz="1500" dirty="0" smtClean="0"/>
-                  <a:t> </a:t>
-                </a:r>
-                <a:r>
                   <a:rPr lang="it-IT" sz="1500" dirty="0"/>
-                  <a:t>(velocità costante)</a:t>
+                  <a:t> (velocità costante)</a:t>
                 </a:r>
               </a:p>
               <a:p>
@@ -31300,7 +31055,7 @@
             </p:txBody>
           </p:sp>
         </mc:Choice>
-        <mc:Fallback>
+        <mc:Fallback xmlns="">
           <p:sp>
             <p:nvSpPr>
               <p:cNvPr id="17" name="CasellaDiTesto 16"/>
@@ -31349,14 +31104,6 @@
   <p:clrMapOvr>
     <a:masterClrMapping/>
   </p:clrMapOvr>
-  <mc:AlternateContent xmlns:mc="http://schemas.openxmlformats.org/markup-compatibility/2006">
-    <mc:Choice xmlns:p14="http://schemas.microsoft.com/office/powerpoint/2010/main" Requires="p14">
-      <p:transition spd="slow" p14:dur="2000"/>
-    </mc:Choice>
-    <mc:Fallback>
-      <p:transition spd="slow"/>
-    </mc:Fallback>
-  </mc:AlternateContent>
 </p:sld>
 </file>
 
@@ -31721,8 +31468,8 @@
           </a:p>
         </p:txBody>
       </p:sp>
-      <mc:AlternateContent xmlns:mc="http://schemas.openxmlformats.org/markup-compatibility/2006">
-        <mc:Choice xmlns:a14="http://schemas.microsoft.com/office/drawing/2010/main" Requires="a14">
+      <mc:AlternateContent xmlns:mc="http://schemas.openxmlformats.org/markup-compatibility/2006" xmlns:a14="http://schemas.microsoft.com/office/drawing/2010/main">
+        <mc:Choice Requires="a14">
           <p:sp>
             <p:nvSpPr>
               <p:cNvPr id="11" name="CasellaDiTesto 10"/>
@@ -31877,11 +31624,7 @@
                 </a:pPr>
                 <a:r>
                   <a:rPr lang="it-IT" sz="1500" i="1" dirty="0"/>
-                  <a:t>p</a:t>
-                </a:r>
-                <a:r>
-                  <a:rPr lang="it-IT" sz="1500" i="1" dirty="0" smtClean="0"/>
-                  <a:t>osition </a:t>
+                  <a:t>position </a:t>
                 </a:r>
                 <a14:m>
                   <m:oMath xmlns:m="http://schemas.openxmlformats.org/officeDocument/2006/math">
@@ -31927,7 +31670,7 @@
             </p:txBody>
           </p:sp>
         </mc:Choice>
-        <mc:Fallback>
+        <mc:Fallback xmlns="">
           <p:sp>
             <p:nvSpPr>
               <p:cNvPr id="11" name="CasellaDiTesto 10"/>
@@ -31966,8 +31709,8 @@
           </p:sp>
         </mc:Fallback>
       </mc:AlternateContent>
-      <mc:AlternateContent xmlns:mc="http://schemas.openxmlformats.org/markup-compatibility/2006">
-        <mc:Choice xmlns:a14="http://schemas.microsoft.com/office/drawing/2010/main" Requires="a14">
+      <mc:AlternateContent xmlns:mc="http://schemas.openxmlformats.org/markup-compatibility/2006" xmlns:a14="http://schemas.microsoft.com/office/drawing/2010/main">
+        <mc:Choice Requires="a14">
           <p:sp>
             <p:nvSpPr>
               <p:cNvPr id="12" name="CasellaDiTesto 11"/>
@@ -32001,11 +31744,11 @@
                   <a:buChar char="•"/>
                 </a:pPr>
                 <a:r>
-                  <a:rPr lang="it-IT" sz="1500" i="1" dirty="0" err="1" smtClean="0"/>
+                  <a:rPr lang="it-IT" sz="1500" i="1" dirty="0" err="1"/>
                   <a:t>StopA</a:t>
                 </a:r>
                 <a:r>
-                  <a:rPr lang="it-IT" sz="1500" i="1" dirty="0" smtClean="0"/>
+                  <a:rPr lang="it-IT" sz="1500" i="1" dirty="0"/>
                   <a:t> </a:t>
                 </a:r>
                 <a:r>
@@ -32040,19 +31783,18 @@
                   <a:t>absent</a:t>
                 </a:r>
                 <a:r>
-                  <a:rPr lang="it-IT" sz="1500" dirty="0" smtClean="0"/>
+                  <a:rPr lang="it-IT" sz="1500" dirty="0"/>
                   <a:t>)</a:t>
                 </a:r>
                 <a:r>
-                  <a:rPr lang="it-IT" sz="1500" i="1" dirty="0" smtClean="0"/>
+                  <a:rPr lang="it-IT" sz="1500" i="1" dirty="0"/>
                   <a:t> </a:t>
                 </a:r>
-                <a:endParaRPr lang="it-IT" sz="1500" i="1" dirty="0"/>
               </a:p>
             </p:txBody>
           </p:sp>
         </mc:Choice>
-        <mc:Fallback>
+        <mc:Fallback xmlns="">
           <p:sp>
             <p:nvSpPr>
               <p:cNvPr id="12" name="CasellaDiTesto 11"/>
@@ -32091,8 +31833,8 @@
           </p:sp>
         </mc:Fallback>
       </mc:AlternateContent>
-      <mc:AlternateContent xmlns:mc="http://schemas.openxmlformats.org/markup-compatibility/2006">
-        <mc:Choice xmlns:a14="http://schemas.microsoft.com/office/drawing/2010/main" Requires="a14">
+      <mc:AlternateContent xmlns:mc="http://schemas.openxmlformats.org/markup-compatibility/2006" xmlns:a14="http://schemas.microsoft.com/office/drawing/2010/main">
+        <mc:Choice Requires="a14">
           <p:sp>
             <p:nvSpPr>
               <p:cNvPr id="17" name="CasellaDiTesto 16"/>
@@ -32157,15 +31899,7 @@
                 </a14:m>
                 <a:r>
                   <a:rPr lang="it-IT" sz="1500" dirty="0"/>
-                  <a:t> </a:t>
-                </a:r>
-                <a:r>
-                  <a:rPr lang="it-IT" sz="1500" dirty="0" smtClean="0"/>
-                  <a:t>(</a:t>
-                </a:r>
-                <a:r>
-                  <a:rPr lang="it-IT" sz="1500" dirty="0"/>
-                  <a:t>Posizione navicella)</a:t>
+                  <a:t> (Posizione navicella)</a:t>
                 </a:r>
               </a:p>
               <a:p>
@@ -32236,12 +31970,8 @@
                   </m:oMath>
                 </a14:m>
                 <a:r>
-                  <a:rPr lang="it-IT" sz="1500" dirty="0" smtClean="0"/>
-                  <a:t> </a:t>
-                </a:r>
-                <a:r>
                   <a:rPr lang="it-IT" sz="1500" dirty="0"/>
-                  <a:t>(velocità costante)</a:t>
+                  <a:t> (velocità costante)</a:t>
                 </a:r>
               </a:p>
               <a:p>
@@ -32254,7 +31984,7 @@
             </p:txBody>
           </p:sp>
         </mc:Choice>
-        <mc:Fallback>
+        <mc:Fallback xmlns="">
           <p:sp>
             <p:nvSpPr>
               <p:cNvPr id="17" name="CasellaDiTesto 16"/>
@@ -32303,14 +32033,6 @@
   <p:clrMapOvr>
     <a:masterClrMapping/>
   </p:clrMapOvr>
-  <mc:AlternateContent xmlns:mc="http://schemas.openxmlformats.org/markup-compatibility/2006">
-    <mc:Choice xmlns:p14="http://schemas.microsoft.com/office/powerpoint/2010/main" Requires="p14">
-      <p:transition spd="slow" p14:dur="2000"/>
-    </mc:Choice>
-    <mc:Fallback>
-      <p:transition spd="slow"/>
-    </mc:Fallback>
-  </mc:AlternateContent>
 </p:sld>
 </file>
 

--- a/Progetto sistemi.pptx
+++ b/Progetto sistemi.pptx
@@ -11054,25 +11054,13 @@
             </a:pPr>
             <a:r>
               <a:rPr lang="it-IT" dirty="0"/>
-              <a:t>Nel caso in cui l’asteroide collida con la navicella viene mandata a quest’ultima un messaggio di game over utilizzando «</a:t>
+              <a:t>Nel caso in cui l’asteroide collida con la navicella apparirà una schermata di game over e il gioco termina. Per ricominciare il gioco è possibile usare il pulsante </a:t>
             </a:r>
             <a:r>
               <a:rPr lang="it-IT" dirty="0" err="1"/>
-              <a:t>sendMessage</a:t>
+              <a:t>restart</a:t>
             </a:r>
-            <a:r>
-              <a:rPr lang="it-IT" dirty="0"/>
-              <a:t>»</a:t>
-            </a:r>
-          </a:p>
-          <a:p>
-            <a:pPr marL="0" indent="0">
-              <a:buNone/>
-            </a:pPr>
-            <a:r>
-              <a:rPr lang="it-IT" dirty="0"/>
-              <a:t>In questo caso apparirà una schermata di game over e il gioco termina</a:t>
-            </a:r>
+            <a:endParaRPr lang="it-IT" dirty="0"/>
           </a:p>
         </p:txBody>
       </p:sp>

--- a/Progetto sistemi.pptx
+++ b/Progetto sistemi.pptx
@@ -275,7 +275,7 @@
           <a:p>
             <a:fld id="{E7209603-6E60-49B9-BBC7-D363A6F8E0E1}" type="datetimeFigureOut">
               <a:rPr lang="it-IT" smtClean="0"/>
-              <a:t>19/02/2018</a:t>
+              <a:t>20/02/2018</a:t>
             </a:fld>
             <a:endParaRPr lang="it-IT"/>
           </a:p>
@@ -440,7 +440,7 @@
           <a:p>
             <a:fld id="{28EC8708-F48D-430F-8DA4-8CA34B9897F8}" type="datetimeFigureOut">
               <a:rPr lang="it-IT" smtClean="0"/>
-              <a:t>19/02/2018</a:t>
+              <a:t>20/02/2018</a:t>
             </a:fld>
             <a:endParaRPr lang="it-IT"/>
           </a:p>
@@ -1712,7 +1712,7 @@
           <a:p>
             <a:fld id="{5243369B-FBAA-403C-8A1E-C9994F99F854}" type="datetimeFigureOut">
               <a:rPr lang="it-IT" smtClean="0"/>
-              <a:t>19/02/2018</a:t>
+              <a:t>20/02/2018</a:t>
             </a:fld>
             <a:endParaRPr lang="it-IT"/>
           </a:p>
@@ -1880,7 +1880,7 @@
           <a:p>
             <a:fld id="{5243369B-FBAA-403C-8A1E-C9994F99F854}" type="datetimeFigureOut">
               <a:rPr lang="it-IT" smtClean="0"/>
-              <a:t>19/02/2018</a:t>
+              <a:t>20/02/2018</a:t>
             </a:fld>
             <a:endParaRPr lang="it-IT"/>
           </a:p>
@@ -2058,7 +2058,7 @@
           <a:p>
             <a:fld id="{5243369B-FBAA-403C-8A1E-C9994F99F854}" type="datetimeFigureOut">
               <a:rPr lang="it-IT" smtClean="0"/>
-              <a:t>19/02/2018</a:t>
+              <a:t>20/02/2018</a:t>
             </a:fld>
             <a:endParaRPr lang="it-IT"/>
           </a:p>
@@ -2226,7 +2226,7 @@
           <a:p>
             <a:fld id="{5243369B-FBAA-403C-8A1E-C9994F99F854}" type="datetimeFigureOut">
               <a:rPr lang="it-IT" smtClean="0"/>
-              <a:t>19/02/2018</a:t>
+              <a:t>20/02/2018</a:t>
             </a:fld>
             <a:endParaRPr lang="it-IT"/>
           </a:p>
@@ -2471,7 +2471,7 @@
           <a:p>
             <a:fld id="{5243369B-FBAA-403C-8A1E-C9994F99F854}" type="datetimeFigureOut">
               <a:rPr lang="it-IT" smtClean="0"/>
-              <a:t>19/02/2018</a:t>
+              <a:t>20/02/2018</a:t>
             </a:fld>
             <a:endParaRPr lang="it-IT"/>
           </a:p>
@@ -2700,7 +2700,7 @@
           <a:p>
             <a:fld id="{5243369B-FBAA-403C-8A1E-C9994F99F854}" type="datetimeFigureOut">
               <a:rPr lang="it-IT" smtClean="0"/>
-              <a:t>19/02/2018</a:t>
+              <a:t>20/02/2018</a:t>
             </a:fld>
             <a:endParaRPr lang="it-IT"/>
           </a:p>
@@ -3064,7 +3064,7 @@
           <a:p>
             <a:fld id="{5243369B-FBAA-403C-8A1E-C9994F99F854}" type="datetimeFigureOut">
               <a:rPr lang="it-IT" smtClean="0"/>
-              <a:t>19/02/2018</a:t>
+              <a:t>20/02/2018</a:t>
             </a:fld>
             <a:endParaRPr lang="it-IT"/>
           </a:p>
@@ -3181,7 +3181,7 @@
           <a:p>
             <a:fld id="{5243369B-FBAA-403C-8A1E-C9994F99F854}" type="datetimeFigureOut">
               <a:rPr lang="it-IT" smtClean="0"/>
-              <a:t>19/02/2018</a:t>
+              <a:t>20/02/2018</a:t>
             </a:fld>
             <a:endParaRPr lang="it-IT"/>
           </a:p>
@@ -3276,7 +3276,7 @@
           <a:p>
             <a:fld id="{5243369B-FBAA-403C-8A1E-C9994F99F854}" type="datetimeFigureOut">
               <a:rPr lang="it-IT" smtClean="0"/>
-              <a:t>19/02/2018</a:t>
+              <a:t>20/02/2018</a:t>
             </a:fld>
             <a:endParaRPr lang="it-IT"/>
           </a:p>
@@ -3551,7 +3551,7 @@
           <a:p>
             <a:fld id="{5243369B-FBAA-403C-8A1E-C9994F99F854}" type="datetimeFigureOut">
               <a:rPr lang="it-IT" smtClean="0"/>
-              <a:t>19/02/2018</a:t>
+              <a:t>20/02/2018</a:t>
             </a:fld>
             <a:endParaRPr lang="it-IT"/>
           </a:p>
@@ -3803,7 +3803,7 @@
           <a:p>
             <a:fld id="{5243369B-FBAA-403C-8A1E-C9994F99F854}" type="datetimeFigureOut">
               <a:rPr lang="it-IT" smtClean="0"/>
-              <a:t>19/02/2018</a:t>
+              <a:t>20/02/2018</a:t>
             </a:fld>
             <a:endParaRPr lang="it-IT"/>
           </a:p>
@@ -4014,7 +4014,7 @@
           <a:p>
             <a:fld id="{5243369B-FBAA-403C-8A1E-C9994F99F854}" type="datetimeFigureOut">
               <a:rPr lang="it-IT" smtClean="0"/>
-              <a:t>19/02/2018</a:t>
+              <a:t>20/02/2018</a:t>
             </a:fld>
             <a:endParaRPr lang="it-IT"/>
           </a:p>
@@ -4421,49 +4421,582 @@
       </p:grpSpPr>
       <p:sp>
         <p:nvSpPr>
-          <p:cNvPr id="2" name="Titolo 1"/>
+          <p:cNvPr id="6" name="Rectangle 2"/>
           <p:cNvSpPr>
-            <a:spLocks noGrp="1"/>
+            <a:spLocks noChangeArrowheads="1"/>
           </p:cNvSpPr>
-          <p:nvPr>
-            <p:ph type="ctrTitle"/>
-          </p:nvPr>
+          <p:nvPr/>
         </p:nvSpPr>
-        <p:spPr/>
+        <p:spPr bwMode="auto">
+          <a:xfrm>
+            <a:off x="0" y="0"/>
+            <a:ext cx="12192000" cy="457200"/>
+          </a:xfrm>
+          <a:prstGeom prst="rect">
+            <a:avLst/>
+          </a:prstGeom>
+          <a:noFill/>
+          <a:ln>
+            <a:noFill/>
+          </a:ln>
+          <a:effectLst/>
+          <a:extLst>
+            <a:ext uri="{909E8E84-426E-40DD-AFC4-6F175D3DCCD1}">
+              <a14:hiddenFill xmlns:a14="http://schemas.microsoft.com/office/drawing/2010/main">
+                <a:solidFill>
+                  <a:schemeClr val="accent1"/>
+                </a:solidFill>
+              </a14:hiddenFill>
+            </a:ext>
+            <a:ext uri="{91240B29-F687-4F45-9708-019B960494DF}">
+              <a14:hiddenLine xmlns:a14="http://schemas.microsoft.com/office/drawing/2010/main" w="9525">
+                <a:solidFill>
+                  <a:schemeClr val="tx1"/>
+                </a:solidFill>
+                <a:miter lim="800000"/>
+                <a:headEnd/>
+                <a:tailEnd/>
+              </a14:hiddenLine>
+            </a:ext>
+            <a:ext uri="{AF507438-7753-43E0-B8FC-AC1667EBCBE1}">
+              <a14:hiddenEffects xmlns:a14="http://schemas.microsoft.com/office/drawing/2010/main">
+                <a:effectLst>
+                  <a:outerShdw dist="35921" dir="2700000" algn="ctr" rotWithShape="0">
+                    <a:schemeClr val="bg2"/>
+                  </a:outerShdw>
+                </a:effectLst>
+              </a14:hiddenEffects>
+            </a:ext>
+          </a:extLst>
+        </p:spPr>
         <p:txBody>
-          <a:bodyPr/>
+          <a:bodyPr vert="horz" wrap="none" lIns="91440" tIns="45720" rIns="91440" bIns="45720" numCol="1" anchor="ctr" anchorCtr="0" compatLnSpc="1">
+            <a:prstTxWarp prst="textNoShape">
+              <a:avLst/>
+            </a:prstTxWarp>
+            <a:spAutoFit/>
+          </a:bodyPr>
           <a:lstStyle/>
           <a:p>
+            <a:endParaRPr lang="en-GB"/>
+          </a:p>
+        </p:txBody>
+      </p:sp>
+      <p:pic>
+        <p:nvPicPr>
+          <p:cNvPr id="1025" name="Picture 1"/>
+          <p:cNvPicPr>
+            <a:picLocks noChangeAspect="1" noChangeArrowheads="1"/>
+          </p:cNvPicPr>
+          <p:nvPr/>
+        </p:nvPicPr>
+        <p:blipFill>
+          <a:blip r:embed="rId2">
+            <a:extLst>
+              <a:ext uri="{28A0092B-C50C-407E-A947-70E740481C1C}">
+                <a14:useLocalDpi xmlns:a14="http://schemas.microsoft.com/office/drawing/2010/main" val="0"/>
+              </a:ext>
+            </a:extLst>
+          </a:blip>
+          <a:srcRect/>
+          <a:stretch>
+            <a:fillRect/>
+          </a:stretch>
+        </p:blipFill>
+        <p:spPr bwMode="auto">
+          <a:xfrm>
+            <a:off x="4805362" y="210787"/>
+            <a:ext cx="2581275" cy="2581275"/>
+          </a:xfrm>
+          <a:prstGeom prst="rect">
+            <a:avLst/>
+          </a:prstGeom>
+          <a:noFill/>
+          <a:extLst>
+            <a:ext uri="{909E8E84-426E-40DD-AFC4-6F175D3DCCD1}">
+              <a14:hiddenFill xmlns:a14="http://schemas.microsoft.com/office/drawing/2010/main">
+                <a:solidFill>
+                  <a:srgbClr val="FFFFFF"/>
+                </a:solidFill>
+              </a14:hiddenFill>
+            </a:ext>
+          </a:extLst>
+        </p:spPr>
+      </p:pic>
+      <p:sp>
+        <p:nvSpPr>
+          <p:cNvPr id="7" name="Rectangle 3"/>
+          <p:cNvSpPr>
+            <a:spLocks noChangeArrowheads="1"/>
+          </p:cNvSpPr>
+          <p:nvPr/>
+        </p:nvSpPr>
+        <p:spPr bwMode="auto">
+          <a:xfrm>
+            <a:off x="3488554" y="3038283"/>
+            <a:ext cx="5214889" cy="2287725"/>
+          </a:xfrm>
+          <a:prstGeom prst="rect">
+            <a:avLst/>
+          </a:prstGeom>
+          <a:noFill/>
+          <a:ln>
+            <a:noFill/>
+          </a:ln>
+          <a:effectLst/>
+          <a:extLst>
+            <a:ext uri="{909E8E84-426E-40DD-AFC4-6F175D3DCCD1}">
+              <a14:hiddenFill xmlns:a14="http://schemas.microsoft.com/office/drawing/2010/main">
+                <a:solidFill>
+                  <a:schemeClr val="accent1"/>
+                </a:solidFill>
+              </a14:hiddenFill>
+            </a:ext>
+            <a:ext uri="{91240B29-F687-4F45-9708-019B960494DF}">
+              <a14:hiddenLine xmlns:a14="http://schemas.microsoft.com/office/drawing/2010/main" w="9525">
+                <a:solidFill>
+                  <a:schemeClr val="tx1"/>
+                </a:solidFill>
+                <a:miter lim="800000"/>
+                <a:headEnd/>
+                <a:tailEnd/>
+              </a14:hiddenLine>
+            </a:ext>
+            <a:ext uri="{AF507438-7753-43E0-B8FC-AC1667EBCBE1}">
+              <a14:hiddenEffects xmlns:a14="http://schemas.microsoft.com/office/drawing/2010/main">
+                <a:effectLst>
+                  <a:outerShdw dist="35921" dir="2700000" algn="ctr" rotWithShape="0">
+                    <a:schemeClr val="bg2"/>
+                  </a:outerShdw>
+                </a:effectLst>
+              </a14:hiddenEffects>
+            </a:ext>
+          </a:extLst>
+        </p:spPr>
+        <p:txBody>
+          <a:bodyPr vert="horz" wrap="none" lIns="91440" tIns="228528" rIns="91440" bIns="25392" numCol="1" anchor="ctr" anchorCtr="0" compatLnSpc="1">
+            <a:prstTxWarp prst="textNoShape">
+              <a:avLst/>
+            </a:prstTxWarp>
+            <a:spAutoFit/>
+          </a:bodyPr>
+          <a:lstStyle/>
+          <a:p>
+            <a:pPr marL="0" marR="0" lvl="0" indent="0" algn="ctr" defTabSz="914400" rtl="0" eaLnBrk="0" fontAlgn="base" latinLnBrk="0" hangingPunct="0">
+              <a:lnSpc>
+                <a:spcPct val="100000"/>
+              </a:lnSpc>
+              <a:spcBef>
+                <a:spcPct val="0"/>
+              </a:spcBef>
+              <a:spcAft>
+                <a:spcPct val="0"/>
+              </a:spcAft>
+              <a:buClrTx/>
+              <a:buSzTx/>
+              <a:buFontTx/>
+              <a:buNone/>
+              <a:tabLst/>
+            </a:pPr>
             <a:r>
-              <a:rPr lang="it-IT" dirty="0" err="1"/>
-              <a:t>Don’t</a:t>
+              <a:rPr kumimoji="0" lang="it-IT" altLang="en-US" sz="2800" b="1" i="0" u="none" strike="noStrike" cap="none" normalizeH="0" baseline="0" dirty="0" smtClean="0">
+                <a:ln>
+                  <a:noFill/>
+                </a:ln>
+                <a:solidFill>
+                  <a:schemeClr val="tx1"/>
+                </a:solidFill>
+                <a:effectLst/>
+                <a:latin typeface="Times New Roman" panose="02020603050405020304" pitchFamily="18" charset="0"/>
+                <a:ea typeface="Calibri" panose="020F0502020204030204" pitchFamily="34" charset="0"/>
+                <a:cs typeface="Times New Roman" panose="02020603050405020304" pitchFamily="18" charset="0"/>
+              </a:rPr>
+              <a:t>Universit</a:t>
             </a:r>
             <a:r>
-              <a:rPr lang="it-IT" dirty="0"/>
-              <a:t> Die</a:t>
+              <a:rPr kumimoji="0" lang="it-IT" altLang="en-US" sz="2800" b="1" i="0" u="none" strike="noStrike" cap="none" normalizeH="0" baseline="0" dirty="0" smtClean="0">
+                <a:ln>
+                  <a:noFill/>
+                </a:ln>
+                <a:solidFill>
+                  <a:schemeClr val="tx1"/>
+                </a:solidFill>
+                <a:effectLst/>
+                <a:latin typeface="Times New Roman" panose="02020603050405020304" pitchFamily="18" charset="0"/>
+                <a:ea typeface="Calibri" panose="020F0502020204030204" pitchFamily="34" charset="0"/>
+                <a:cs typeface="Arial" panose="020B0604020202020204" pitchFamily="34" charset="0"/>
+              </a:rPr>
+              <a:t>à</a:t>
             </a:r>
+            <a:r>
+              <a:rPr kumimoji="0" lang="it-IT" altLang="en-US" sz="2800" b="1" i="0" u="none" strike="noStrike" cap="none" normalizeH="0" baseline="0" dirty="0" smtClean="0">
+                <a:ln>
+                  <a:noFill/>
+                </a:ln>
+                <a:solidFill>
+                  <a:schemeClr val="tx1"/>
+                </a:solidFill>
+                <a:effectLst/>
+                <a:latin typeface="Times New Roman" panose="02020603050405020304" pitchFamily="18" charset="0"/>
+                <a:ea typeface="Calibri" panose="020F0502020204030204" pitchFamily="34" charset="0"/>
+                <a:cs typeface="Times New Roman" panose="02020603050405020304" pitchFamily="18" charset="0"/>
+              </a:rPr>
+              <a:t> degli Studi del Sannio</a:t>
+            </a:r>
+            <a:endParaRPr kumimoji="0" lang="en-GB" altLang="en-US" sz="1100" b="0" i="0" u="none" strike="noStrike" cap="none" normalizeH="0" baseline="0" dirty="0" smtClean="0">
+              <a:ln>
+                <a:noFill/>
+              </a:ln>
+              <a:solidFill>
+                <a:schemeClr val="tx1"/>
+              </a:solidFill>
+              <a:effectLst/>
+            </a:endParaRPr>
+          </a:p>
+          <a:p>
+            <a:pPr marL="0" marR="0" lvl="0" indent="0" algn="ctr" defTabSz="914400" rtl="0" eaLnBrk="0" fontAlgn="base" latinLnBrk="0" hangingPunct="0">
+              <a:lnSpc>
+                <a:spcPct val="100000"/>
+              </a:lnSpc>
+              <a:spcBef>
+                <a:spcPct val="0"/>
+              </a:spcBef>
+              <a:spcAft>
+                <a:spcPct val="0"/>
+              </a:spcAft>
+              <a:buClrTx/>
+              <a:buSzTx/>
+              <a:buFontTx/>
+              <a:buNone/>
+              <a:tabLst/>
+            </a:pPr>
+            <a:r>
+              <a:rPr kumimoji="0" lang="it-IT" altLang="en-US" sz="2800" b="0" i="0" u="none" strike="noStrike" cap="none" normalizeH="0" baseline="0" dirty="0" smtClean="0">
+                <a:ln>
+                  <a:noFill/>
+                </a:ln>
+                <a:solidFill>
+                  <a:schemeClr val="tx1"/>
+                </a:solidFill>
+                <a:effectLst/>
+                <a:latin typeface="Times New Roman" panose="02020603050405020304" pitchFamily="18" charset="0"/>
+                <a:ea typeface="Calibri" panose="020F0502020204030204" pitchFamily="34" charset="0"/>
+                <a:cs typeface="Times New Roman" panose="02020603050405020304" pitchFamily="18" charset="0"/>
+              </a:rPr>
+              <a:t>Dipartimento di Ingegneria</a:t>
+            </a:r>
+            <a:endParaRPr kumimoji="0" lang="en-GB" altLang="en-US" sz="1100" b="0" i="0" u="none" strike="noStrike" cap="none" normalizeH="0" baseline="0" dirty="0" smtClean="0">
+              <a:ln>
+                <a:noFill/>
+              </a:ln>
+              <a:solidFill>
+                <a:schemeClr val="tx1"/>
+              </a:solidFill>
+              <a:effectLst/>
+            </a:endParaRPr>
+          </a:p>
+          <a:p>
+            <a:pPr marL="0" marR="0" lvl="0" indent="0" algn="ctr" defTabSz="914400" rtl="0" eaLnBrk="0" fontAlgn="base" latinLnBrk="0" hangingPunct="0">
+              <a:lnSpc>
+                <a:spcPct val="100000"/>
+              </a:lnSpc>
+              <a:spcBef>
+                <a:spcPct val="0"/>
+              </a:spcBef>
+              <a:spcAft>
+                <a:spcPct val="0"/>
+              </a:spcAft>
+              <a:buClrTx/>
+              <a:buSzTx/>
+              <a:buFontTx/>
+              <a:buNone/>
+              <a:tabLst/>
+            </a:pPr>
+            <a:r>
+              <a:rPr kumimoji="0" lang="it-IT" altLang="en-US" sz="2400" b="0" i="1" u="none" strike="noStrike" cap="none" normalizeH="0" baseline="0" dirty="0" smtClean="0">
+                <a:ln>
+                  <a:noFill/>
+                </a:ln>
+                <a:solidFill>
+                  <a:schemeClr val="tx1"/>
+                </a:solidFill>
+                <a:effectLst/>
+                <a:latin typeface="Times New Roman" panose="02020603050405020304" pitchFamily="18" charset="0"/>
+                <a:ea typeface="Calibri" panose="020F0502020204030204" pitchFamily="34" charset="0"/>
+                <a:cs typeface="Times New Roman" panose="02020603050405020304" pitchFamily="18" charset="0"/>
+              </a:rPr>
+              <a:t>Corso di Sistemi Discreti</a:t>
+            </a:r>
+            <a:endParaRPr kumimoji="0" lang="en-GB" altLang="en-US" sz="1100" b="0" i="0" u="none" strike="noStrike" cap="none" normalizeH="0" baseline="0" dirty="0" smtClean="0">
+              <a:ln>
+                <a:noFill/>
+              </a:ln>
+              <a:solidFill>
+                <a:schemeClr val="tx1"/>
+              </a:solidFill>
+              <a:effectLst/>
+            </a:endParaRPr>
+          </a:p>
+          <a:p>
+            <a:pPr marL="0" marR="0" lvl="0" indent="0" algn="ctr" defTabSz="914400" rtl="0" eaLnBrk="0" fontAlgn="base" latinLnBrk="0" hangingPunct="0">
+              <a:lnSpc>
+                <a:spcPct val="100000"/>
+              </a:lnSpc>
+              <a:spcBef>
+                <a:spcPct val="0"/>
+              </a:spcBef>
+              <a:spcAft>
+                <a:spcPct val="0"/>
+              </a:spcAft>
+              <a:buClrTx/>
+              <a:buSzTx/>
+              <a:buFontTx/>
+              <a:buNone/>
+              <a:tabLst/>
+            </a:pPr>
+            <a:r>
+              <a:rPr kumimoji="0" lang="it-IT" altLang="en-US" sz="2000" b="1" i="0" u="none" strike="noStrike" cap="none" normalizeH="0" baseline="0" dirty="0" smtClean="0">
+                <a:ln>
+                  <a:noFill/>
+                </a:ln>
+                <a:solidFill>
+                  <a:schemeClr val="tx1"/>
+                </a:solidFill>
+                <a:effectLst/>
+                <a:latin typeface="Times New Roman" panose="02020603050405020304" pitchFamily="18" charset="0"/>
+                <a:ea typeface="Calibri Light" panose="020F0302020204030204" pitchFamily="34" charset="0"/>
+                <a:cs typeface="Times New Roman" panose="02020603050405020304" pitchFamily="18" charset="0"/>
+              </a:rPr>
+              <a:t>Elaborato: </a:t>
+            </a:r>
+            <a:r>
+              <a:rPr kumimoji="0" lang="it-IT" altLang="en-US" sz="2000" b="1" i="0" u="none" strike="noStrike" cap="none" normalizeH="0" baseline="0" dirty="0" smtClean="0">
+                <a:ln>
+                  <a:noFill/>
+                </a:ln>
+                <a:solidFill>
+                  <a:schemeClr val="tx1"/>
+                </a:solidFill>
+                <a:effectLst/>
+                <a:latin typeface="Calibri Light" panose="020F0302020204030204" pitchFamily="34" charset="0"/>
+                <a:ea typeface="Calibri Light" panose="020F0302020204030204" pitchFamily="34" charset="0"/>
+                <a:cs typeface="Times New Roman" panose="02020603050405020304" pitchFamily="18" charset="0"/>
+              </a:rPr>
+              <a:t>“</a:t>
+            </a:r>
+            <a:r>
+              <a:rPr lang="it-IT" altLang="en-US" sz="2000" b="1" dirty="0" smtClean="0">
+                <a:latin typeface="Times New Roman" panose="02020603050405020304" pitchFamily="18" charset="0"/>
+                <a:ea typeface="Calibri Light" panose="020F0302020204030204" pitchFamily="34" charset="0"/>
+                <a:cs typeface="Times New Roman" panose="02020603050405020304" pitchFamily="18" charset="0"/>
+              </a:rPr>
+              <a:t>Realizzazione di un gioco 2D"</a:t>
+            </a:r>
+            <a:endParaRPr kumimoji="0" lang="en-GB" altLang="en-US" sz="2000" b="0" i="0" u="none" strike="noStrike" cap="none" normalizeH="0" baseline="0" dirty="0" smtClean="0">
+              <a:ln>
+                <a:noFill/>
+              </a:ln>
+              <a:solidFill>
+                <a:srgbClr val="538135"/>
+              </a:solidFill>
+              <a:effectLst/>
+              <a:latin typeface="Calibri Light" panose="020F0302020204030204" pitchFamily="34" charset="0"/>
+              <a:ea typeface="Calibri Light" panose="020F0302020204030204" pitchFamily="34" charset="0"/>
+              <a:cs typeface="Times New Roman" panose="02020603050405020304" pitchFamily="18" charset="0"/>
+            </a:endParaRPr>
+          </a:p>
+          <a:p>
+            <a:pPr marL="0" marR="0" lvl="0" indent="0" algn="ctr" defTabSz="914400" rtl="0" eaLnBrk="0" fontAlgn="base" latinLnBrk="0" hangingPunct="0">
+              <a:lnSpc>
+                <a:spcPct val="100000"/>
+              </a:lnSpc>
+              <a:spcBef>
+                <a:spcPct val="0"/>
+              </a:spcBef>
+              <a:spcAft>
+                <a:spcPct val="0"/>
+              </a:spcAft>
+              <a:buClrTx/>
+              <a:buSzTx/>
+              <a:buFontTx/>
+              <a:buNone/>
+              <a:tabLst/>
+            </a:pPr>
+            <a:r>
+              <a:rPr kumimoji="0" lang="it-IT" altLang="en-US" sz="1000" b="0" i="0" u="none" strike="noStrike" cap="none" normalizeH="0" baseline="0" dirty="0" smtClean="0">
+                <a:ln>
+                  <a:noFill/>
+                </a:ln>
+                <a:solidFill>
+                  <a:schemeClr val="tx1"/>
+                </a:solidFill>
+                <a:effectLst/>
+                <a:latin typeface="Helvetica" panose="020B0604020202020204" pitchFamily="34" charset="0"/>
+                <a:ea typeface="Calibri" panose="020F0502020204030204" pitchFamily="34" charset="0"/>
+                <a:cs typeface="Arial" panose="020B0604020202020204" pitchFamily="34" charset="0"/>
+              </a:rPr>
+              <a:t/>
+            </a:r>
+            <a:br>
+              <a:rPr kumimoji="0" lang="it-IT" altLang="en-US" sz="1000" b="0" i="0" u="none" strike="noStrike" cap="none" normalizeH="0" baseline="0" dirty="0" smtClean="0">
+                <a:ln>
+                  <a:noFill/>
+                </a:ln>
+                <a:solidFill>
+                  <a:schemeClr val="tx1"/>
+                </a:solidFill>
+                <a:effectLst/>
+                <a:latin typeface="Helvetica" panose="020B0604020202020204" pitchFamily="34" charset="0"/>
+                <a:ea typeface="Calibri" panose="020F0502020204030204" pitchFamily="34" charset="0"/>
+                <a:cs typeface="Arial" panose="020B0604020202020204" pitchFamily="34" charset="0"/>
+              </a:rPr>
+            </a:br>
+            <a:endParaRPr kumimoji="0" lang="it-IT" altLang="en-US" sz="1800" b="0" i="0" u="none" strike="noStrike" cap="none" normalizeH="0" baseline="0" dirty="0" smtClean="0">
+              <a:ln>
+                <a:noFill/>
+              </a:ln>
+              <a:solidFill>
+                <a:schemeClr val="tx1"/>
+              </a:solidFill>
+              <a:effectLst/>
+              <a:latin typeface="Arial" panose="020B0604020202020204" pitchFamily="34" charset="0"/>
+            </a:endParaRPr>
           </a:p>
         </p:txBody>
       </p:sp>
       <p:sp>
         <p:nvSpPr>
-          <p:cNvPr id="3" name="Sottotitolo 2"/>
-          <p:cNvSpPr>
-            <a:spLocks noGrp="1"/>
-          </p:cNvSpPr>
-          <p:nvPr>
-            <p:ph type="subTitle" idx="1"/>
-          </p:nvPr>
+          <p:cNvPr id="8" name="CasellaDiTesto 7"/>
+          <p:cNvSpPr txBox="1"/>
+          <p:nvPr/>
         </p:nvSpPr>
-        <p:spPr/>
+        <p:spPr>
+          <a:xfrm>
+            <a:off x="368135" y="5866410"/>
+            <a:ext cx="3503221" cy="646331"/>
+          </a:xfrm>
+          <a:prstGeom prst="rect">
+            <a:avLst/>
+          </a:prstGeom>
+          <a:noFill/>
+        </p:spPr>
         <p:txBody>
-          <a:bodyPr/>
+          <a:bodyPr wrap="square" rtlCol="0">
+            <a:spAutoFit/>
+          </a:bodyPr>
           <a:lstStyle/>
           <a:p>
+            <a:pPr algn="ctr"/>
             <a:r>
-              <a:rPr lang="it-IT" dirty="0"/>
-              <a:t>Elaborato Sistemi Discreti</a:t>
+              <a:rPr lang="it-IT" altLang="en-US" b="1" smtClean="0">
+                <a:latin typeface="Times New Roman" panose="02020603050405020304" pitchFamily="18" charset="0"/>
+                <a:ea typeface="Calibri" panose="020F0502020204030204" pitchFamily="34" charset="0"/>
+                <a:cs typeface="Times New Roman" panose="02020603050405020304" pitchFamily="18" charset="0"/>
+              </a:rPr>
+              <a:t>Docente</a:t>
             </a:r>
+          </a:p>
+          <a:p>
+            <a:pPr algn="ctr"/>
+            <a:r>
+              <a:rPr lang="it-IT" altLang="en-US" smtClean="0">
+                <a:latin typeface="Times New Roman" panose="02020603050405020304" pitchFamily="18" charset="0"/>
+                <a:ea typeface="Calibri" panose="020F0502020204030204" pitchFamily="34" charset="0"/>
+                <a:cs typeface="Times New Roman" panose="02020603050405020304" pitchFamily="18" charset="0"/>
+              </a:rPr>
+              <a:t>Luigi Iannelli</a:t>
+            </a:r>
+            <a:endParaRPr lang="en-GB" dirty="0"/>
+          </a:p>
+        </p:txBody>
+      </p:sp>
+      <p:sp>
+        <p:nvSpPr>
+          <p:cNvPr id="11" name="CasellaDiTesto 10"/>
+          <p:cNvSpPr txBox="1"/>
+          <p:nvPr/>
+        </p:nvSpPr>
+        <p:spPr>
+          <a:xfrm>
+            <a:off x="8703443" y="5572229"/>
+            <a:ext cx="3503221" cy="923330"/>
+          </a:xfrm>
+          <a:prstGeom prst="rect">
+            <a:avLst/>
+          </a:prstGeom>
+          <a:noFill/>
+        </p:spPr>
+        <p:txBody>
+          <a:bodyPr wrap="square" rtlCol="0">
+            <a:spAutoFit/>
+          </a:bodyPr>
+          <a:lstStyle/>
+          <a:p>
+            <a:pPr algn="ctr"/>
+            <a:r>
+              <a:rPr lang="it-IT" altLang="en-US" b="1" dirty="0" smtClean="0">
+                <a:latin typeface="Times New Roman" panose="02020603050405020304" pitchFamily="18" charset="0"/>
+                <a:ea typeface="Calibri" panose="020F0502020204030204" pitchFamily="34" charset="0"/>
+                <a:cs typeface="Times New Roman" panose="02020603050405020304" pitchFamily="18" charset="0"/>
+              </a:rPr>
+              <a:t>Studenti</a:t>
+            </a:r>
+          </a:p>
+          <a:p>
+            <a:pPr algn="ctr"/>
+            <a:r>
+              <a:rPr lang="it-IT" dirty="0" smtClean="0">
+                <a:latin typeface="Times New Roman" panose="02020603050405020304" pitchFamily="18" charset="0"/>
+                <a:cs typeface="Times New Roman" panose="02020603050405020304" pitchFamily="18" charset="0"/>
+              </a:rPr>
+              <a:t>Francesco Tedesco</a:t>
+            </a:r>
+          </a:p>
+          <a:p>
+            <a:pPr algn="ctr"/>
+            <a:r>
+              <a:rPr lang="it-IT" dirty="0" smtClean="0">
+                <a:latin typeface="Times New Roman" panose="02020603050405020304" pitchFamily="18" charset="0"/>
+                <a:cs typeface="Times New Roman" panose="02020603050405020304" pitchFamily="18" charset="0"/>
+              </a:rPr>
+              <a:t>Lucio De Luca</a:t>
+            </a:r>
+            <a:endParaRPr lang="en-GB" dirty="0"/>
+          </a:p>
+        </p:txBody>
+      </p:sp>
+      <p:sp>
+        <p:nvSpPr>
+          <p:cNvPr id="12" name="CasellaDiTesto 11"/>
+          <p:cNvSpPr txBox="1"/>
+          <p:nvPr/>
+        </p:nvSpPr>
+        <p:spPr>
+          <a:xfrm>
+            <a:off x="4048123" y="6310893"/>
+            <a:ext cx="4095750" cy="369332"/>
+          </a:xfrm>
+          <a:prstGeom prst="rect">
+            <a:avLst/>
+          </a:prstGeom>
+          <a:noFill/>
+        </p:spPr>
+        <p:txBody>
+          <a:bodyPr wrap="square" rtlCol="0">
+            <a:spAutoFit/>
+          </a:bodyPr>
+          <a:lstStyle/>
+          <a:p>
+            <a:pPr algn="ctr"/>
+            <a:r>
+              <a:rPr lang="it-IT" altLang="en-US" dirty="0">
+                <a:latin typeface="Times New Roman" panose="02020603050405020304" pitchFamily="18" charset="0"/>
+                <a:ea typeface="Calibri" panose="020F0502020204030204" pitchFamily="34" charset="0"/>
+                <a:cs typeface="Times New Roman" panose="02020603050405020304" pitchFamily="18" charset="0"/>
+              </a:rPr>
+              <a:t>Anno Accademico 2017/2018</a:t>
+            </a:r>
+            <a:endParaRPr lang="en-GB" dirty="0"/>
           </a:p>
         </p:txBody>
       </p:sp>
@@ -5406,6 +5939,14 @@
   <p:clrMapOvr>
     <a:masterClrMapping/>
   </p:clrMapOvr>
+  <mc:AlternateContent xmlns:mc="http://schemas.openxmlformats.org/markup-compatibility/2006">
+    <mc:Choice xmlns:p14="http://schemas.microsoft.com/office/powerpoint/2010/main" Requires="p14">
+      <p:transition spd="slow" p14:dur="2000"/>
+    </mc:Choice>
+    <mc:Fallback>
+      <p:transition spd="slow"/>
+    </mc:Fallback>
+  </mc:AlternateContent>
 </p:sld>
 </file>
 
@@ -6443,6 +6984,14 @@
   <p:clrMapOvr>
     <a:masterClrMapping/>
   </p:clrMapOvr>
+  <mc:AlternateContent xmlns:mc="http://schemas.openxmlformats.org/markup-compatibility/2006">
+    <mc:Choice xmlns:p14="http://schemas.microsoft.com/office/powerpoint/2010/main" Requires="p14">
+      <p:transition spd="slow" p14:dur="2000"/>
+    </mc:Choice>
+    <mc:Fallback>
+      <p:transition spd="slow"/>
+    </mc:Fallback>
+  </mc:AlternateContent>
 </p:sld>
 </file>
 
@@ -7474,6 +8023,14 @@
   <p:clrMapOvr>
     <a:masterClrMapping/>
   </p:clrMapOvr>
+  <mc:AlternateContent xmlns:mc="http://schemas.openxmlformats.org/markup-compatibility/2006">
+    <mc:Choice xmlns:p14="http://schemas.microsoft.com/office/powerpoint/2010/main" Requires="p14">
+      <p:transition spd="slow" p14:dur="2000"/>
+    </mc:Choice>
+    <mc:Fallback>
+      <p:transition spd="slow"/>
+    </mc:Fallback>
+  </mc:AlternateContent>
 </p:sld>
 </file>
 
@@ -8505,6 +9062,14 @@
   <p:clrMapOvr>
     <a:masterClrMapping/>
   </p:clrMapOvr>
+  <mc:AlternateContent xmlns:mc="http://schemas.openxmlformats.org/markup-compatibility/2006">
+    <mc:Choice xmlns:p14="http://schemas.microsoft.com/office/powerpoint/2010/main" Requires="p14">
+      <p:transition spd="slow" p14:dur="2000"/>
+    </mc:Choice>
+    <mc:Fallback>
+      <p:transition spd="slow"/>
+    </mc:Fallback>
+  </mc:AlternateContent>
 </p:sld>
 </file>
 
@@ -9536,6 +10101,14 @@
   <p:clrMapOvr>
     <a:masterClrMapping/>
   </p:clrMapOvr>
+  <mc:AlternateContent xmlns:mc="http://schemas.openxmlformats.org/markup-compatibility/2006">
+    <mc:Choice xmlns:p14="http://schemas.microsoft.com/office/powerpoint/2010/main" Requires="p14">
+      <p:transition spd="slow" p14:dur="2000"/>
+    </mc:Choice>
+    <mc:Fallback>
+      <p:transition spd="slow"/>
+    </mc:Fallback>
+  </mc:AlternateContent>
 </p:sld>
 </file>
 
@@ -9634,6 +10207,10 @@
             <a:pPr marL="0" indent="0">
               <a:buNone/>
             </a:pPr>
+            <a:r>
+              <a:rPr lang="it-IT" dirty="0"/>
+              <a:t/>
+            </a:r>
             <a:br>
               <a:rPr lang="it-IT" dirty="0"/>
             </a:br>
@@ -9904,6 +10481,10 @@
             <a:pPr marL="0" indent="0">
               <a:buNone/>
             </a:pPr>
+            <a:r>
+              <a:rPr lang="it-IT" dirty="0"/>
+              <a:t/>
+            </a:r>
             <a:br>
               <a:rPr lang="it-IT" dirty="0"/>
             </a:br>
@@ -10523,6 +11104,10 @@
             <a:pPr marL="0" indent="0">
               <a:buNone/>
             </a:pPr>
+            <a:r>
+              <a:rPr lang="it-IT" dirty="0"/>
+              <a:t/>
+            </a:r>
             <a:br>
               <a:rPr lang="it-IT" dirty="0"/>
             </a:br>
@@ -10903,6 +11488,10 @@
             <a:pPr marL="0" indent="0">
               <a:buNone/>
             </a:pPr>
+            <a:r>
+              <a:rPr lang="it-IT" dirty="0"/>
+              <a:t/>
+            </a:r>
             <a:br>
               <a:rPr lang="it-IT" dirty="0"/>
             </a:br>
@@ -29234,6 +29823,14 @@
   <p:clrMapOvr>
     <a:masterClrMapping/>
   </p:clrMapOvr>
+  <mc:AlternateContent xmlns:mc="http://schemas.openxmlformats.org/markup-compatibility/2006">
+    <mc:Choice xmlns:p14="http://schemas.microsoft.com/office/powerpoint/2010/main" Requires="p14">
+      <p:transition spd="slow" p14:dur="2000"/>
+    </mc:Choice>
+    <mc:Fallback>
+      <p:transition spd="slow"/>
+    </mc:Fallback>
+  </mc:AlternateContent>
 </p:sld>
 </file>
 
@@ -30163,6 +30760,14 @@
   <p:clrMapOvr>
     <a:masterClrMapping/>
   </p:clrMapOvr>
+  <mc:AlternateContent xmlns:mc="http://schemas.openxmlformats.org/markup-compatibility/2006">
+    <mc:Choice xmlns:p14="http://schemas.microsoft.com/office/powerpoint/2010/main" Requires="p14">
+      <p:transition spd="slow" p14:dur="2000"/>
+    </mc:Choice>
+    <mc:Fallback>
+      <p:transition spd="slow"/>
+    </mc:Fallback>
+  </mc:AlternateContent>
 </p:sld>
 </file>
 
@@ -31092,6 +31697,14 @@
   <p:clrMapOvr>
     <a:masterClrMapping/>
   </p:clrMapOvr>
+  <mc:AlternateContent xmlns:mc="http://schemas.openxmlformats.org/markup-compatibility/2006">
+    <mc:Choice xmlns:p14="http://schemas.microsoft.com/office/powerpoint/2010/main" Requires="p14">
+      <p:transition spd="slow" p14:dur="2000"/>
+    </mc:Choice>
+    <mc:Fallback>
+      <p:transition spd="slow"/>
+    </mc:Fallback>
+  </mc:AlternateContent>
 </p:sld>
 </file>
 
@@ -32021,6 +32634,14 @@
   <p:clrMapOvr>
     <a:masterClrMapping/>
   </p:clrMapOvr>
+  <mc:AlternateContent xmlns:mc="http://schemas.openxmlformats.org/markup-compatibility/2006">
+    <mc:Choice xmlns:p14="http://schemas.microsoft.com/office/powerpoint/2010/main" Requires="p14">
+      <p:transition spd="slow" p14:dur="2000"/>
+    </mc:Choice>
+    <mc:Fallback>
+      <p:transition spd="slow"/>
+    </mc:Fallback>
+  </mc:AlternateContent>
 </p:sld>
 </file>
 

--- a/Progetto sistemi.pptx
+++ b/Progetto sistemi.pptx
@@ -5378,7 +5378,197 @@
         <mc:Choice Requires="a14">
           <p:sp>
             <p:nvSpPr>
-              <p:cNvPr id="11" name="CasellaDiTesto 10"/>
+              <p:cNvPr id="17" name="CasellaDiTesto 16"/>
+              <p:cNvSpPr txBox="1"/>
+              <p:nvPr/>
+            </p:nvSpPr>
+            <p:spPr>
+              <a:xfrm>
+                <a:off x="8766686" y="848325"/>
+                <a:ext cx="2743200" cy="1246495"/>
+              </a:xfrm>
+              <a:prstGeom prst="rect">
+                <a:avLst/>
+              </a:prstGeom>
+              <a:noFill/>
+            </p:spPr>
+            <p:txBody>
+              <a:bodyPr wrap="square" rtlCol="0">
+                <a:spAutoFit/>
+              </a:bodyPr>
+              <a:lstStyle/>
+              <a:p>
+                <a:r>
+                  <a:rPr lang="it-IT" sz="1500" dirty="0"/>
+                  <a:t>Parametri:</a:t>
+                </a:r>
+              </a:p>
+              <a:p>
+                <a:pPr marL="285750" indent="-285750">
+                  <a:buFont typeface="Arial" panose="020B0604020202020204" pitchFamily="34" charset="0"/>
+                  <a:buChar char="•"/>
+                </a:pPr>
+                <a:r>
+                  <a:rPr lang="it-IT" sz="1500" i="1" dirty="0"/>
+                  <a:t>x</a:t>
+                </a:r>
+                <a:r>
+                  <a:rPr lang="it-IT" sz="1500" i="1" baseline="-25000" dirty="0"/>
+                  <a:t>s</a:t>
+                </a:r>
+                <a:r>
+                  <a:rPr lang="it-IT" sz="1500" i="1" dirty="0"/>
+                  <a:t> </a:t>
+                </a:r>
+                <a14:m>
+                  <m:oMath xmlns:m="http://schemas.openxmlformats.org/officeDocument/2006/math">
+                    <m:r>
+                      <a:rPr lang="it-IT" sz="1500" i="1">
+                        <a:latin typeface="Cambria Math" panose="02040503050406030204" pitchFamily="18" charset="0"/>
+                        <a:ea typeface="Cambria Math" panose="02040503050406030204" pitchFamily="18" charset="0"/>
+                      </a:rPr>
+                      <m:t>∈ </m:t>
+                    </m:r>
+                    <m:r>
+                      <a:rPr lang="it-IT" sz="1500" i="1">
+                        <a:latin typeface="Cambria Math" panose="02040503050406030204" pitchFamily="18" charset="0"/>
+                        <a:ea typeface="Cambria Math" panose="02040503050406030204" pitchFamily="18" charset="0"/>
+                      </a:rPr>
+                      <m:t>ℝ</m:t>
+                    </m:r>
+                  </m:oMath>
+                </a14:m>
+                <a:r>
+                  <a:rPr lang="it-IT" sz="1500" dirty="0"/>
+                  <a:t> (Posizione navicella)</a:t>
+                </a:r>
+              </a:p>
+              <a:p>
+                <a:pPr marL="285750" indent="-285750">
+                  <a:buFont typeface="Arial" panose="020B0604020202020204" pitchFamily="34" charset="0"/>
+                  <a:buChar char="•"/>
+                </a:pPr>
+                <a:r>
+                  <a:rPr lang="it-IT" sz="1500" i="1" dirty="0"/>
+                  <a:t>y</a:t>
+                </a:r>
+                <a:r>
+                  <a:rPr lang="it-IT" sz="1500" i="1" baseline="-25000" dirty="0"/>
+                  <a:t>s</a:t>
+                </a:r>
+                <a:r>
+                  <a:rPr lang="it-IT" sz="1500" i="1" dirty="0"/>
+                  <a:t> </a:t>
+                </a:r>
+                <a14:m>
+                  <m:oMath xmlns:m="http://schemas.openxmlformats.org/officeDocument/2006/math">
+                    <m:r>
+                      <a:rPr lang="it-IT" sz="1500" i="1">
+                        <a:latin typeface="Cambria Math" panose="02040503050406030204" pitchFamily="18" charset="0"/>
+                        <a:ea typeface="Cambria Math" panose="02040503050406030204" pitchFamily="18" charset="0"/>
+                      </a:rPr>
+                      <m:t>∈ </m:t>
+                    </m:r>
+                    <m:r>
+                      <a:rPr lang="it-IT" sz="1500" i="1">
+                        <a:latin typeface="Cambria Math" panose="02040503050406030204" pitchFamily="18" charset="0"/>
+                        <a:ea typeface="Cambria Math" panose="02040503050406030204" pitchFamily="18" charset="0"/>
+                      </a:rPr>
+                      <m:t>ℝ</m:t>
+                    </m:r>
+                  </m:oMath>
+                </a14:m>
+                <a:r>
+                  <a:rPr lang="it-IT" sz="1500" dirty="0"/>
+                  <a:t> (Posizione navicella)</a:t>
+                </a:r>
+              </a:p>
+              <a:p>
+                <a:pPr marL="285750" indent="-285750">
+                  <a:buFont typeface="Arial" panose="020B0604020202020204" pitchFamily="34" charset="0"/>
+                  <a:buChar char="•"/>
+                </a:pPr>
+                <a:r>
+                  <a:rPr lang="it-IT" sz="1500" i="1" dirty="0"/>
+                  <a:t>v </a:t>
+                </a:r>
+                <a14:m>
+                  <m:oMath xmlns:m="http://schemas.openxmlformats.org/officeDocument/2006/math">
+                    <m:r>
+                      <a:rPr lang="it-IT" sz="1500" i="1">
+                        <a:latin typeface="Cambria Math" panose="02040503050406030204" pitchFamily="18" charset="0"/>
+                        <a:ea typeface="Cambria Math" panose="02040503050406030204" pitchFamily="18" charset="0"/>
+                      </a:rPr>
+                      <m:t>∈ </m:t>
+                    </m:r>
+                    <m:r>
+                      <a:rPr lang="it-IT" sz="1500" i="1">
+                        <a:latin typeface="Cambria Math" panose="02040503050406030204" pitchFamily="18" charset="0"/>
+                        <a:ea typeface="Cambria Math" panose="02040503050406030204" pitchFamily="18" charset="0"/>
+                      </a:rPr>
+                      <m:t>ℕ</m:t>
+                    </m:r>
+                  </m:oMath>
+                </a14:m>
+                <a:r>
+                  <a:rPr lang="it-IT" sz="1500" dirty="0"/>
+                  <a:t> (velocità costante)</a:t>
+                </a:r>
+              </a:p>
+              <a:p>
+                <a:pPr marL="285750" indent="-285750">
+                  <a:buFont typeface="Arial" panose="020B0604020202020204" pitchFamily="34" charset="0"/>
+                  <a:buChar char="•"/>
+                </a:pPr>
+                <a:endParaRPr lang="it-IT" sz="1500" i="1" dirty="0"/>
+              </a:p>
+            </p:txBody>
+          </p:sp>
+        </mc:Choice>
+        <mc:Fallback xmlns="">
+          <p:sp>
+            <p:nvSpPr>
+              <p:cNvPr id="17" name="CasellaDiTesto 16"/>
+              <p:cNvSpPr txBox="1">
+                <a:spLocks noRot="1" noChangeAspect="1" noMove="1" noResize="1" noEditPoints="1" noAdjustHandles="1" noChangeArrowheads="1" noChangeShapeType="1" noTextEdit="1"/>
+              </p:cNvSpPr>
+              <p:nvPr/>
+            </p:nvSpPr>
+            <p:spPr>
+              <a:xfrm>
+                <a:off x="8766686" y="848325"/>
+                <a:ext cx="2743200" cy="1246495"/>
+              </a:xfrm>
+              <a:prstGeom prst="rect">
+                <a:avLst/>
+              </a:prstGeom>
+              <a:blipFill>
+                <a:blip r:embed="rId5"/>
+                <a:stretch>
+                  <a:fillRect l="-889" t="-976"/>
+                </a:stretch>
+              </a:blipFill>
+            </p:spPr>
+            <p:txBody>
+              <a:bodyPr/>
+              <a:lstStyle/>
+              <a:p>
+                <a:r>
+                  <a:rPr lang="it-IT">
+                    <a:noFill/>
+                  </a:rPr>
+                  <a:t> </a:t>
+                </a:r>
+              </a:p>
+            </p:txBody>
+          </p:sp>
+        </mc:Fallback>
+      </mc:AlternateContent>
+      <mc:AlternateContent xmlns:mc="http://schemas.openxmlformats.org/markup-compatibility/2006">
+        <mc:Choice xmlns:a14="http://schemas.microsoft.com/office/drawing/2010/main" Requires="a14">
+          <p:sp>
+            <p:nvSpPr>
+              <p:cNvPr id="13" name="CasellaDiTesto 12"/>
               <p:cNvSpPr txBox="1"/>
               <p:nvPr/>
             </p:nvSpPr>
@@ -5413,6 +5603,28 @@
                   <a:t>w</a:t>
                 </a:r>
                 <a:r>
+                  <a:rPr lang="it-IT" sz="1500" i="1" dirty="0"/>
+                  <a:t> : </a:t>
+                </a:r>
+                <a14:m>
+                  <m:oMath xmlns:m="http://schemas.openxmlformats.org/officeDocument/2006/math">
+                    <m:r>
+                      <a:rPr lang="it-IT" sz="1500" i="1">
+                        <a:latin typeface="Cambria Math" panose="02040503050406030204" pitchFamily="18" charset="0"/>
+                        <a:ea typeface="Cambria Math" panose="02040503050406030204" pitchFamily="18" charset="0"/>
+                      </a:rPr>
+                      <m:t>ℝ</m:t>
+                    </m:r>
+                    <m:r>
+                      <a:rPr lang="it-IT" sz="1500" i="1">
+                        <a:latin typeface="Cambria Math" panose="02040503050406030204" pitchFamily="18" charset="0"/>
+                        <a:ea typeface="Cambria Math" panose="02040503050406030204" pitchFamily="18" charset="0"/>
+                      </a:rPr>
+                      <m:t>→</m:t>
+                    </m:r>
+                  </m:oMath>
+                </a14:m>
+                <a:r>
                   <a:rPr lang="it-IT" sz="1500" dirty="0"/>
                   <a:t> (</a:t>
                 </a:r>
@@ -5440,7 +5652,29 @@
                 </a:pPr>
                 <a:r>
                   <a:rPr lang="it-IT" sz="1500" i="1" dirty="0"/>
-                  <a:t>a </a:t>
+                  <a:t>a : </a:t>
+                </a:r>
+                <a14:m>
+                  <m:oMath xmlns:m="http://schemas.openxmlformats.org/officeDocument/2006/math">
+                    <m:r>
+                      <a:rPr lang="it-IT" sz="1500" i="1">
+                        <a:latin typeface="Cambria Math" panose="02040503050406030204" pitchFamily="18" charset="0"/>
+                        <a:ea typeface="Cambria Math" panose="02040503050406030204" pitchFamily="18" charset="0"/>
+                      </a:rPr>
+                      <m:t>ℝ</m:t>
+                    </m:r>
+                    <m:r>
+                      <a:rPr lang="it-IT" sz="1500" i="1">
+                        <a:latin typeface="Cambria Math" panose="02040503050406030204" pitchFamily="18" charset="0"/>
+                        <a:ea typeface="Cambria Math" panose="02040503050406030204" pitchFamily="18" charset="0"/>
+                      </a:rPr>
+                      <m:t>→</m:t>
+                    </m:r>
+                  </m:oMath>
+                </a14:m>
+                <a:r>
+                  <a:rPr lang="it-IT" sz="1500" i="1" dirty="0" smtClean="0"/>
+                  <a:t> </a:t>
                 </a:r>
                 <a:r>
                   <a:rPr lang="it-IT" sz="1500" dirty="0"/>
@@ -5473,6 +5707,28 @@
                   <a:t>s</a:t>
                 </a:r>
                 <a:r>
+                  <a:rPr lang="it-IT" sz="1500" i="1" dirty="0"/>
+                  <a:t> : </a:t>
+                </a:r>
+                <a14:m>
+                  <m:oMath xmlns:m="http://schemas.openxmlformats.org/officeDocument/2006/math">
+                    <m:r>
+                      <a:rPr lang="it-IT" sz="1500" i="1">
+                        <a:latin typeface="Cambria Math" panose="02040503050406030204" pitchFamily="18" charset="0"/>
+                        <a:ea typeface="Cambria Math" panose="02040503050406030204" pitchFamily="18" charset="0"/>
+                      </a:rPr>
+                      <m:t>ℝ</m:t>
+                    </m:r>
+                    <m:r>
+                      <a:rPr lang="it-IT" sz="1500" i="1">
+                        <a:latin typeface="Cambria Math" panose="02040503050406030204" pitchFamily="18" charset="0"/>
+                        <a:ea typeface="Cambria Math" panose="02040503050406030204" pitchFamily="18" charset="0"/>
+                      </a:rPr>
+                      <m:t>→</m:t>
+                    </m:r>
+                  </m:oMath>
+                </a14:m>
+                <a:r>
                   <a:rPr lang="it-IT" sz="1500" dirty="0"/>
                   <a:t> (</a:t>
                 </a:r>
@@ -5502,6 +5758,28 @@
                   <a:rPr lang="it-IT" sz="1500" i="1" dirty="0"/>
                   <a:t>d</a:t>
                 </a:r>
+                <a:r>
+                  <a:rPr lang="it-IT" sz="1500" i="1" dirty="0"/>
+                  <a:t> : </a:t>
+                </a:r>
+                <a14:m>
+                  <m:oMath xmlns:m="http://schemas.openxmlformats.org/officeDocument/2006/math">
+                    <m:r>
+                      <a:rPr lang="it-IT" sz="1500" i="1">
+                        <a:latin typeface="Cambria Math" panose="02040503050406030204" pitchFamily="18" charset="0"/>
+                        <a:ea typeface="Cambria Math" panose="02040503050406030204" pitchFamily="18" charset="0"/>
+                      </a:rPr>
+                      <m:t>ℝ</m:t>
+                    </m:r>
+                    <m:r>
+                      <a:rPr lang="it-IT" sz="1500" i="1">
+                        <a:latin typeface="Cambria Math" panose="02040503050406030204" pitchFamily="18" charset="0"/>
+                        <a:ea typeface="Cambria Math" panose="02040503050406030204" pitchFamily="18" charset="0"/>
+                      </a:rPr>
+                      <m:t>→</m:t>
+                    </m:r>
+                  </m:oMath>
+                </a14:m>
                 <a:r>
                   <a:rPr lang="it-IT" sz="1500" dirty="0"/>
                   <a:t> (</a:t>
@@ -5576,10 +5854,10 @@
             </p:txBody>
           </p:sp>
         </mc:Choice>
-        <mc:Fallback xmlns="">
+        <mc:Fallback>
           <p:sp>
             <p:nvSpPr>
-              <p:cNvPr id="11" name="CasellaDiTesto 10"/>
+              <p:cNvPr id="13" name="CasellaDiTesto 12"/>
               <p:cNvSpPr txBox="1">
                 <a:spLocks noRot="1" noChangeAspect="1" noMove="1" noResize="1" noEditPoints="1" noAdjustHandles="1" noChangeArrowheads="1" noChangeShapeType="1" noTextEdit="1"/>
               </p:cNvSpPr>
@@ -5594,7 +5872,7 @@
                 <a:avLst/>
               </a:prstGeom>
               <a:blipFill>
-                <a:blip r:embed="rId3"/>
+                <a:blip r:embed="rId6"/>
                 <a:stretch>
                   <a:fillRect l="-889" t="-1240" b="-3719"/>
                 </a:stretch>
@@ -5605,7 +5883,7 @@
               <a:lstStyle/>
               <a:p>
                 <a:r>
-                  <a:rPr lang="it-IT">
+                  <a:rPr lang="en-GB">
                     <a:noFill/>
                   </a:rPr>
                   <a:t> </a:t>
@@ -5615,18 +5893,18 @@
           </p:sp>
         </mc:Fallback>
       </mc:AlternateContent>
-      <mc:AlternateContent xmlns:mc="http://schemas.openxmlformats.org/markup-compatibility/2006" xmlns:a14="http://schemas.microsoft.com/office/drawing/2010/main">
-        <mc:Choice Requires="a14">
+      <mc:AlternateContent xmlns:mc="http://schemas.openxmlformats.org/markup-compatibility/2006">
+        <mc:Choice xmlns:a14="http://schemas.microsoft.com/office/drawing/2010/main" Requires="a14">
           <p:sp>
             <p:nvSpPr>
-              <p:cNvPr id="12" name="CasellaDiTesto 11"/>
+              <p:cNvPr id="14" name="CasellaDiTesto 13"/>
               <p:cNvSpPr txBox="1"/>
               <p:nvPr/>
             </p:nvSpPr>
             <p:spPr>
               <a:xfrm>
                 <a:off x="8766686" y="3516143"/>
-                <a:ext cx="2743200" cy="553998"/>
+                <a:ext cx="2743200" cy="784830"/>
               </a:xfrm>
               <a:prstGeom prst="rect">
                 <a:avLst/>
@@ -5655,6 +5933,28 @@
                 </a:r>
                 <a:r>
                   <a:rPr lang="it-IT" sz="1500" i="1" dirty="0"/>
+                  <a:t> : </a:t>
+                </a:r>
+                <a14:m>
+                  <m:oMath xmlns:m="http://schemas.openxmlformats.org/officeDocument/2006/math">
+                    <m:r>
+                      <a:rPr lang="it-IT" sz="1500" i="1">
+                        <a:latin typeface="Cambria Math" panose="02040503050406030204" pitchFamily="18" charset="0"/>
+                        <a:ea typeface="Cambria Math" panose="02040503050406030204" pitchFamily="18" charset="0"/>
+                      </a:rPr>
+                      <m:t>ℝ</m:t>
+                    </m:r>
+                    <m:r>
+                      <a:rPr lang="it-IT" sz="1500" i="1">
+                        <a:latin typeface="Cambria Math" panose="02040503050406030204" pitchFamily="18" charset="0"/>
+                        <a:ea typeface="Cambria Math" panose="02040503050406030204" pitchFamily="18" charset="0"/>
+                      </a:rPr>
+                      <m:t>→</m:t>
+                    </m:r>
+                  </m:oMath>
+                </a14:m>
+                <a:r>
+                  <a:rPr lang="it-IT" sz="1500" i="1" dirty="0"/>
                   <a:t> </a:t>
                 </a:r>
                 <a:r>
@@ -5700,10 +6000,10 @@
             </p:txBody>
           </p:sp>
         </mc:Choice>
-        <mc:Fallback xmlns="">
+        <mc:Fallback>
           <p:sp>
             <p:nvSpPr>
-              <p:cNvPr id="12" name="CasellaDiTesto 11"/>
+              <p:cNvPr id="14" name="CasellaDiTesto 13"/>
               <p:cNvSpPr txBox="1">
                 <a:spLocks noRot="1" noChangeAspect="1" noMove="1" noResize="1" noEditPoints="1" noAdjustHandles="1" noChangeArrowheads="1" noChangeShapeType="1" noTextEdit="1"/>
               </p:cNvSpPr>
@@ -5712,15 +6012,15 @@
             <p:spPr>
               <a:xfrm>
                 <a:off x="8766686" y="3516143"/>
-                <a:ext cx="2743200" cy="553998"/>
+                <a:ext cx="2743200" cy="784830"/>
               </a:xfrm>
               <a:prstGeom prst="rect">
                 <a:avLst/>
               </a:prstGeom>
               <a:blipFill>
-                <a:blip r:embed="rId4"/>
+                <a:blip r:embed="rId7"/>
                 <a:stretch>
-                  <a:fillRect l="-889" t="-2198" b="-10989"/>
+                  <a:fillRect l="-889" t="-1550" b="-6977"/>
                 </a:stretch>
               </a:blipFill>
             </p:spPr>
@@ -5729,197 +6029,7 @@
               <a:lstStyle/>
               <a:p>
                 <a:r>
-                  <a:rPr lang="it-IT">
-                    <a:noFill/>
-                  </a:rPr>
-                  <a:t> </a:t>
-                </a:r>
-              </a:p>
-            </p:txBody>
-          </p:sp>
-        </mc:Fallback>
-      </mc:AlternateContent>
-      <mc:AlternateContent xmlns:mc="http://schemas.openxmlformats.org/markup-compatibility/2006" xmlns:a14="http://schemas.microsoft.com/office/drawing/2010/main">
-        <mc:Choice Requires="a14">
-          <p:sp>
-            <p:nvSpPr>
-              <p:cNvPr id="17" name="CasellaDiTesto 16"/>
-              <p:cNvSpPr txBox="1"/>
-              <p:nvPr/>
-            </p:nvSpPr>
-            <p:spPr>
-              <a:xfrm>
-                <a:off x="8766686" y="848325"/>
-                <a:ext cx="2743200" cy="1246495"/>
-              </a:xfrm>
-              <a:prstGeom prst="rect">
-                <a:avLst/>
-              </a:prstGeom>
-              <a:noFill/>
-            </p:spPr>
-            <p:txBody>
-              <a:bodyPr wrap="square" rtlCol="0">
-                <a:spAutoFit/>
-              </a:bodyPr>
-              <a:lstStyle/>
-              <a:p>
-                <a:r>
-                  <a:rPr lang="it-IT" sz="1500" dirty="0"/>
-                  <a:t>Parametri:</a:t>
-                </a:r>
-              </a:p>
-              <a:p>
-                <a:pPr marL="285750" indent="-285750">
-                  <a:buFont typeface="Arial" panose="020B0604020202020204" pitchFamily="34" charset="0"/>
-                  <a:buChar char="•"/>
-                </a:pPr>
-                <a:r>
-                  <a:rPr lang="it-IT" sz="1500" i="1" dirty="0"/>
-                  <a:t>x</a:t>
-                </a:r>
-                <a:r>
-                  <a:rPr lang="it-IT" sz="1500" i="1" baseline="-25000" dirty="0"/>
-                  <a:t>s</a:t>
-                </a:r>
-                <a:r>
-                  <a:rPr lang="it-IT" sz="1500" i="1" dirty="0"/>
-                  <a:t> </a:t>
-                </a:r>
-                <a14:m>
-                  <m:oMath xmlns:m="http://schemas.openxmlformats.org/officeDocument/2006/math">
-                    <m:r>
-                      <a:rPr lang="it-IT" sz="1500" i="1">
-                        <a:latin typeface="Cambria Math" panose="02040503050406030204" pitchFamily="18" charset="0"/>
-                        <a:ea typeface="Cambria Math" panose="02040503050406030204" pitchFamily="18" charset="0"/>
-                      </a:rPr>
-                      <m:t>∈ </m:t>
-                    </m:r>
-                    <m:r>
-                      <a:rPr lang="it-IT" sz="1500" i="1">
-                        <a:latin typeface="Cambria Math" panose="02040503050406030204" pitchFamily="18" charset="0"/>
-                        <a:ea typeface="Cambria Math" panose="02040503050406030204" pitchFamily="18" charset="0"/>
-                      </a:rPr>
-                      <m:t>ℝ</m:t>
-                    </m:r>
-                  </m:oMath>
-                </a14:m>
-                <a:r>
-                  <a:rPr lang="it-IT" sz="1500" dirty="0"/>
-                  <a:t> (Posizione navicella)</a:t>
-                </a:r>
-              </a:p>
-              <a:p>
-                <a:pPr marL="285750" indent="-285750">
-                  <a:buFont typeface="Arial" panose="020B0604020202020204" pitchFamily="34" charset="0"/>
-                  <a:buChar char="•"/>
-                </a:pPr>
-                <a:r>
-                  <a:rPr lang="it-IT" sz="1500" i="1" dirty="0"/>
-                  <a:t>y</a:t>
-                </a:r>
-                <a:r>
-                  <a:rPr lang="it-IT" sz="1500" i="1" baseline="-25000" dirty="0"/>
-                  <a:t>s</a:t>
-                </a:r>
-                <a:r>
-                  <a:rPr lang="it-IT" sz="1500" i="1" dirty="0"/>
-                  <a:t> </a:t>
-                </a:r>
-                <a14:m>
-                  <m:oMath xmlns:m="http://schemas.openxmlformats.org/officeDocument/2006/math">
-                    <m:r>
-                      <a:rPr lang="it-IT" sz="1500" i="1">
-                        <a:latin typeface="Cambria Math" panose="02040503050406030204" pitchFamily="18" charset="0"/>
-                        <a:ea typeface="Cambria Math" panose="02040503050406030204" pitchFamily="18" charset="0"/>
-                      </a:rPr>
-                      <m:t>∈ </m:t>
-                    </m:r>
-                    <m:r>
-                      <a:rPr lang="it-IT" sz="1500" i="1">
-                        <a:latin typeface="Cambria Math" panose="02040503050406030204" pitchFamily="18" charset="0"/>
-                        <a:ea typeface="Cambria Math" panose="02040503050406030204" pitchFamily="18" charset="0"/>
-                      </a:rPr>
-                      <m:t>ℝ</m:t>
-                    </m:r>
-                  </m:oMath>
-                </a14:m>
-                <a:r>
-                  <a:rPr lang="it-IT" sz="1500" dirty="0"/>
-                  <a:t> (Posizione navicella)</a:t>
-                </a:r>
-              </a:p>
-              <a:p>
-                <a:pPr marL="285750" indent="-285750">
-                  <a:buFont typeface="Arial" panose="020B0604020202020204" pitchFamily="34" charset="0"/>
-                  <a:buChar char="•"/>
-                </a:pPr>
-                <a:r>
-                  <a:rPr lang="it-IT" sz="1500" i="1" dirty="0"/>
-                  <a:t>v </a:t>
-                </a:r>
-                <a14:m>
-                  <m:oMath xmlns:m="http://schemas.openxmlformats.org/officeDocument/2006/math">
-                    <m:r>
-                      <a:rPr lang="it-IT" sz="1500" i="1">
-                        <a:latin typeface="Cambria Math" panose="02040503050406030204" pitchFamily="18" charset="0"/>
-                        <a:ea typeface="Cambria Math" panose="02040503050406030204" pitchFamily="18" charset="0"/>
-                      </a:rPr>
-                      <m:t>∈ </m:t>
-                    </m:r>
-                    <m:r>
-                      <a:rPr lang="it-IT" sz="1500" i="1">
-                        <a:latin typeface="Cambria Math" panose="02040503050406030204" pitchFamily="18" charset="0"/>
-                        <a:ea typeface="Cambria Math" panose="02040503050406030204" pitchFamily="18" charset="0"/>
-                      </a:rPr>
-                      <m:t>ℕ</m:t>
-                    </m:r>
-                  </m:oMath>
-                </a14:m>
-                <a:r>
-                  <a:rPr lang="it-IT" sz="1500" dirty="0"/>
-                  <a:t> (velocità costante)</a:t>
-                </a:r>
-              </a:p>
-              <a:p>
-                <a:pPr marL="285750" indent="-285750">
-                  <a:buFont typeface="Arial" panose="020B0604020202020204" pitchFamily="34" charset="0"/>
-                  <a:buChar char="•"/>
-                </a:pPr>
-                <a:endParaRPr lang="it-IT" sz="1500" i="1" dirty="0"/>
-              </a:p>
-            </p:txBody>
-          </p:sp>
-        </mc:Choice>
-        <mc:Fallback xmlns="">
-          <p:sp>
-            <p:nvSpPr>
-              <p:cNvPr id="17" name="CasellaDiTesto 16"/>
-              <p:cNvSpPr txBox="1">
-                <a:spLocks noRot="1" noChangeAspect="1" noMove="1" noResize="1" noEditPoints="1" noAdjustHandles="1" noChangeArrowheads="1" noChangeShapeType="1" noTextEdit="1"/>
-              </p:cNvSpPr>
-              <p:nvPr/>
-            </p:nvSpPr>
-            <p:spPr>
-              <a:xfrm>
-                <a:off x="8766686" y="848325"/>
-                <a:ext cx="2743200" cy="1246495"/>
-              </a:xfrm>
-              <a:prstGeom prst="rect">
-                <a:avLst/>
-              </a:prstGeom>
-              <a:blipFill>
-                <a:blip r:embed="rId5"/>
-                <a:stretch>
-                  <a:fillRect l="-889" t="-976"/>
-                </a:stretch>
-              </a:blipFill>
-            </p:spPr>
-            <p:txBody>
-              <a:bodyPr/>
-              <a:lstStyle/>
-              <a:p>
-                <a:r>
-                  <a:rPr lang="it-IT">
+                  <a:rPr lang="en-GB">
                     <a:noFill/>
                   </a:rPr>
                   <a:t> </a:t>
@@ -5939,11 +6049,11 @@
   <p:clrMapOvr>
     <a:masterClrMapping/>
   </p:clrMapOvr>
-  <mc:AlternateContent xmlns:mc="http://schemas.openxmlformats.org/markup-compatibility/2006">
-    <mc:Choice xmlns:p14="http://schemas.microsoft.com/office/powerpoint/2010/main" Requires="p14">
+  <mc:AlternateContent xmlns:mc="http://schemas.openxmlformats.org/markup-compatibility/2006" xmlns:p14="http://schemas.microsoft.com/office/powerpoint/2010/main">
+    <mc:Choice Requires="p14">
       <p:transition spd="slow" p14:dur="2000"/>
     </mc:Choice>
-    <mc:Fallback>
+    <mc:Fallback xmlns="">
       <p:transition spd="slow"/>
     </mc:Fallback>
   </mc:AlternateContent>
@@ -6423,7 +6533,197 @@
         <mc:Choice Requires="a14">
           <p:sp>
             <p:nvSpPr>
-              <p:cNvPr id="13" name="CasellaDiTesto 12"/>
+              <p:cNvPr id="15" name="CasellaDiTesto 14"/>
+              <p:cNvSpPr txBox="1"/>
+              <p:nvPr/>
+            </p:nvSpPr>
+            <p:spPr>
+              <a:xfrm>
+                <a:off x="8766686" y="848325"/>
+                <a:ext cx="2743200" cy="1246495"/>
+              </a:xfrm>
+              <a:prstGeom prst="rect">
+                <a:avLst/>
+              </a:prstGeom>
+              <a:noFill/>
+            </p:spPr>
+            <p:txBody>
+              <a:bodyPr wrap="square" rtlCol="0">
+                <a:spAutoFit/>
+              </a:bodyPr>
+              <a:lstStyle/>
+              <a:p>
+                <a:r>
+                  <a:rPr lang="it-IT" sz="1500" dirty="0"/>
+                  <a:t>Parametri:</a:t>
+                </a:r>
+              </a:p>
+              <a:p>
+                <a:pPr marL="285750" indent="-285750">
+                  <a:buFont typeface="Arial" panose="020B0604020202020204" pitchFamily="34" charset="0"/>
+                  <a:buChar char="•"/>
+                </a:pPr>
+                <a:r>
+                  <a:rPr lang="it-IT" sz="1500" i="1" dirty="0"/>
+                  <a:t>x</a:t>
+                </a:r>
+                <a:r>
+                  <a:rPr lang="it-IT" sz="1500" i="1" baseline="-25000" dirty="0"/>
+                  <a:t>s</a:t>
+                </a:r>
+                <a:r>
+                  <a:rPr lang="it-IT" sz="1500" i="1" dirty="0"/>
+                  <a:t> </a:t>
+                </a:r>
+                <a14:m>
+                  <m:oMath xmlns:m="http://schemas.openxmlformats.org/officeDocument/2006/math">
+                    <m:r>
+                      <a:rPr lang="it-IT" sz="1500" i="1">
+                        <a:latin typeface="Cambria Math" panose="02040503050406030204" pitchFamily="18" charset="0"/>
+                        <a:ea typeface="Cambria Math" panose="02040503050406030204" pitchFamily="18" charset="0"/>
+                      </a:rPr>
+                      <m:t>∈ </m:t>
+                    </m:r>
+                    <m:r>
+                      <a:rPr lang="it-IT" sz="1500" i="1">
+                        <a:latin typeface="Cambria Math" panose="02040503050406030204" pitchFamily="18" charset="0"/>
+                        <a:ea typeface="Cambria Math" panose="02040503050406030204" pitchFamily="18" charset="0"/>
+                      </a:rPr>
+                      <m:t>ℝ</m:t>
+                    </m:r>
+                  </m:oMath>
+                </a14:m>
+                <a:r>
+                  <a:rPr lang="it-IT" sz="1500" dirty="0"/>
+                  <a:t> (Posizione navicella)</a:t>
+                </a:r>
+              </a:p>
+              <a:p>
+                <a:pPr marL="285750" indent="-285750">
+                  <a:buFont typeface="Arial" panose="020B0604020202020204" pitchFamily="34" charset="0"/>
+                  <a:buChar char="•"/>
+                </a:pPr>
+                <a:r>
+                  <a:rPr lang="it-IT" sz="1500" i="1" dirty="0"/>
+                  <a:t>y</a:t>
+                </a:r>
+                <a:r>
+                  <a:rPr lang="it-IT" sz="1500" i="1" baseline="-25000" dirty="0"/>
+                  <a:t>s</a:t>
+                </a:r>
+                <a:r>
+                  <a:rPr lang="it-IT" sz="1500" i="1" dirty="0"/>
+                  <a:t> </a:t>
+                </a:r>
+                <a14:m>
+                  <m:oMath xmlns:m="http://schemas.openxmlformats.org/officeDocument/2006/math">
+                    <m:r>
+                      <a:rPr lang="it-IT" sz="1500" i="1">
+                        <a:latin typeface="Cambria Math" panose="02040503050406030204" pitchFamily="18" charset="0"/>
+                        <a:ea typeface="Cambria Math" panose="02040503050406030204" pitchFamily="18" charset="0"/>
+                      </a:rPr>
+                      <m:t>∈ </m:t>
+                    </m:r>
+                    <m:r>
+                      <a:rPr lang="it-IT" sz="1500" i="1">
+                        <a:latin typeface="Cambria Math" panose="02040503050406030204" pitchFamily="18" charset="0"/>
+                        <a:ea typeface="Cambria Math" panose="02040503050406030204" pitchFamily="18" charset="0"/>
+                      </a:rPr>
+                      <m:t>ℝ</m:t>
+                    </m:r>
+                  </m:oMath>
+                </a14:m>
+                <a:r>
+                  <a:rPr lang="it-IT" sz="1500" dirty="0"/>
+                  <a:t> (Posizione navicella)</a:t>
+                </a:r>
+              </a:p>
+              <a:p>
+                <a:pPr marL="285750" indent="-285750">
+                  <a:buFont typeface="Arial" panose="020B0604020202020204" pitchFamily="34" charset="0"/>
+                  <a:buChar char="•"/>
+                </a:pPr>
+                <a:r>
+                  <a:rPr lang="it-IT" sz="1500" i="1" dirty="0"/>
+                  <a:t>v </a:t>
+                </a:r>
+                <a14:m>
+                  <m:oMath xmlns:m="http://schemas.openxmlformats.org/officeDocument/2006/math">
+                    <m:r>
+                      <a:rPr lang="it-IT" sz="1500" i="1">
+                        <a:latin typeface="Cambria Math" panose="02040503050406030204" pitchFamily="18" charset="0"/>
+                        <a:ea typeface="Cambria Math" panose="02040503050406030204" pitchFamily="18" charset="0"/>
+                      </a:rPr>
+                      <m:t>∈ </m:t>
+                    </m:r>
+                    <m:r>
+                      <a:rPr lang="it-IT" sz="1500" i="1">
+                        <a:latin typeface="Cambria Math" panose="02040503050406030204" pitchFamily="18" charset="0"/>
+                        <a:ea typeface="Cambria Math" panose="02040503050406030204" pitchFamily="18" charset="0"/>
+                      </a:rPr>
+                      <m:t>ℕ</m:t>
+                    </m:r>
+                  </m:oMath>
+                </a14:m>
+                <a:r>
+                  <a:rPr lang="it-IT" sz="1500" dirty="0"/>
+                  <a:t> (velocità costante)</a:t>
+                </a:r>
+              </a:p>
+              <a:p>
+                <a:pPr marL="285750" indent="-285750">
+                  <a:buFont typeface="Arial" panose="020B0604020202020204" pitchFamily="34" charset="0"/>
+                  <a:buChar char="•"/>
+                </a:pPr>
+                <a:endParaRPr lang="it-IT" sz="1500" i="1" dirty="0"/>
+              </a:p>
+            </p:txBody>
+          </p:sp>
+        </mc:Choice>
+        <mc:Fallback xmlns="">
+          <p:sp>
+            <p:nvSpPr>
+              <p:cNvPr id="15" name="CasellaDiTesto 14"/>
+              <p:cNvSpPr txBox="1">
+                <a:spLocks noRot="1" noChangeAspect="1" noMove="1" noResize="1" noEditPoints="1" noAdjustHandles="1" noChangeArrowheads="1" noChangeShapeType="1" noTextEdit="1"/>
+              </p:cNvSpPr>
+              <p:nvPr/>
+            </p:nvSpPr>
+            <p:spPr>
+              <a:xfrm>
+                <a:off x="8766686" y="848325"/>
+                <a:ext cx="2743200" cy="1246495"/>
+              </a:xfrm>
+              <a:prstGeom prst="rect">
+                <a:avLst/>
+              </a:prstGeom>
+              <a:blipFill>
+                <a:blip r:embed="rId5"/>
+                <a:stretch>
+                  <a:fillRect l="-889" t="-976"/>
+                </a:stretch>
+              </a:blipFill>
+            </p:spPr>
+            <p:txBody>
+              <a:bodyPr/>
+              <a:lstStyle/>
+              <a:p>
+                <a:r>
+                  <a:rPr lang="it-IT">
+                    <a:noFill/>
+                  </a:rPr>
+                  <a:t> </a:t>
+                </a:r>
+              </a:p>
+            </p:txBody>
+          </p:sp>
+        </mc:Fallback>
+      </mc:AlternateContent>
+      <mc:AlternateContent xmlns:mc="http://schemas.openxmlformats.org/markup-compatibility/2006">
+        <mc:Choice xmlns:a14="http://schemas.microsoft.com/office/drawing/2010/main" Requires="a14">
+          <p:sp>
+            <p:nvSpPr>
+              <p:cNvPr id="11" name="CasellaDiTesto 10"/>
               <p:cNvSpPr txBox="1"/>
               <p:nvPr/>
             </p:nvSpPr>
@@ -6458,6 +6758,28 @@
                   <a:t>w</a:t>
                 </a:r>
                 <a:r>
+                  <a:rPr lang="it-IT" sz="1500" i="1" dirty="0"/>
+                  <a:t> : </a:t>
+                </a:r>
+                <a14:m>
+                  <m:oMath xmlns:m="http://schemas.openxmlformats.org/officeDocument/2006/math">
+                    <m:r>
+                      <a:rPr lang="it-IT" sz="1500" i="1">
+                        <a:latin typeface="Cambria Math" panose="02040503050406030204" pitchFamily="18" charset="0"/>
+                        <a:ea typeface="Cambria Math" panose="02040503050406030204" pitchFamily="18" charset="0"/>
+                      </a:rPr>
+                      <m:t>ℝ</m:t>
+                    </m:r>
+                    <m:r>
+                      <a:rPr lang="it-IT" sz="1500" i="1">
+                        <a:latin typeface="Cambria Math" panose="02040503050406030204" pitchFamily="18" charset="0"/>
+                        <a:ea typeface="Cambria Math" panose="02040503050406030204" pitchFamily="18" charset="0"/>
+                      </a:rPr>
+                      <m:t>→</m:t>
+                    </m:r>
+                  </m:oMath>
+                </a14:m>
+                <a:r>
                   <a:rPr lang="it-IT" sz="1500" dirty="0"/>
                   <a:t> (</a:t>
                 </a:r>
@@ -6485,7 +6807,29 @@
                 </a:pPr>
                 <a:r>
                   <a:rPr lang="it-IT" sz="1500" i="1" dirty="0"/>
-                  <a:t>a </a:t>
+                  <a:t>a : </a:t>
+                </a:r>
+                <a14:m>
+                  <m:oMath xmlns:m="http://schemas.openxmlformats.org/officeDocument/2006/math">
+                    <m:r>
+                      <a:rPr lang="it-IT" sz="1500" i="1">
+                        <a:latin typeface="Cambria Math" panose="02040503050406030204" pitchFamily="18" charset="0"/>
+                        <a:ea typeface="Cambria Math" panose="02040503050406030204" pitchFamily="18" charset="0"/>
+                      </a:rPr>
+                      <m:t>ℝ</m:t>
+                    </m:r>
+                    <m:r>
+                      <a:rPr lang="it-IT" sz="1500" i="1">
+                        <a:latin typeface="Cambria Math" panose="02040503050406030204" pitchFamily="18" charset="0"/>
+                        <a:ea typeface="Cambria Math" panose="02040503050406030204" pitchFamily="18" charset="0"/>
+                      </a:rPr>
+                      <m:t>→</m:t>
+                    </m:r>
+                  </m:oMath>
+                </a14:m>
+                <a:r>
+                  <a:rPr lang="it-IT" sz="1500" i="1" dirty="0" smtClean="0"/>
+                  <a:t> </a:t>
                 </a:r>
                 <a:r>
                   <a:rPr lang="it-IT" sz="1500" dirty="0"/>
@@ -6518,6 +6862,28 @@
                   <a:t>s</a:t>
                 </a:r>
                 <a:r>
+                  <a:rPr lang="it-IT" sz="1500" i="1" dirty="0"/>
+                  <a:t> : </a:t>
+                </a:r>
+                <a14:m>
+                  <m:oMath xmlns:m="http://schemas.openxmlformats.org/officeDocument/2006/math">
+                    <m:r>
+                      <a:rPr lang="it-IT" sz="1500" i="1">
+                        <a:latin typeface="Cambria Math" panose="02040503050406030204" pitchFamily="18" charset="0"/>
+                        <a:ea typeface="Cambria Math" panose="02040503050406030204" pitchFamily="18" charset="0"/>
+                      </a:rPr>
+                      <m:t>ℝ</m:t>
+                    </m:r>
+                    <m:r>
+                      <a:rPr lang="it-IT" sz="1500" i="1">
+                        <a:latin typeface="Cambria Math" panose="02040503050406030204" pitchFamily="18" charset="0"/>
+                        <a:ea typeface="Cambria Math" panose="02040503050406030204" pitchFamily="18" charset="0"/>
+                      </a:rPr>
+                      <m:t>→</m:t>
+                    </m:r>
+                  </m:oMath>
+                </a14:m>
+                <a:r>
                   <a:rPr lang="it-IT" sz="1500" dirty="0"/>
                   <a:t> (</a:t>
                 </a:r>
@@ -6547,6 +6913,28 @@
                   <a:rPr lang="it-IT" sz="1500" i="1" dirty="0"/>
                   <a:t>d</a:t>
                 </a:r>
+                <a:r>
+                  <a:rPr lang="it-IT" sz="1500" i="1" dirty="0"/>
+                  <a:t> : </a:t>
+                </a:r>
+                <a14:m>
+                  <m:oMath xmlns:m="http://schemas.openxmlformats.org/officeDocument/2006/math">
+                    <m:r>
+                      <a:rPr lang="it-IT" sz="1500" i="1">
+                        <a:latin typeface="Cambria Math" panose="02040503050406030204" pitchFamily="18" charset="0"/>
+                        <a:ea typeface="Cambria Math" panose="02040503050406030204" pitchFamily="18" charset="0"/>
+                      </a:rPr>
+                      <m:t>ℝ</m:t>
+                    </m:r>
+                    <m:r>
+                      <a:rPr lang="it-IT" sz="1500" i="1">
+                        <a:latin typeface="Cambria Math" panose="02040503050406030204" pitchFamily="18" charset="0"/>
+                        <a:ea typeface="Cambria Math" panose="02040503050406030204" pitchFamily="18" charset="0"/>
+                      </a:rPr>
+                      <m:t>→</m:t>
+                    </m:r>
+                  </m:oMath>
+                </a14:m>
                 <a:r>
                   <a:rPr lang="it-IT" sz="1500" dirty="0"/>
                   <a:t> (</a:t>
@@ -6621,10 +7009,10 @@
             </p:txBody>
           </p:sp>
         </mc:Choice>
-        <mc:Fallback xmlns="">
+        <mc:Fallback>
           <p:sp>
             <p:nvSpPr>
-              <p:cNvPr id="13" name="CasellaDiTesto 12"/>
+              <p:cNvPr id="11" name="CasellaDiTesto 10"/>
               <p:cNvSpPr txBox="1">
                 <a:spLocks noRot="1" noChangeAspect="1" noMove="1" noResize="1" noEditPoints="1" noAdjustHandles="1" noChangeArrowheads="1" noChangeShapeType="1" noTextEdit="1"/>
               </p:cNvSpPr>
@@ -6639,7 +7027,7 @@
                 <a:avLst/>
               </a:prstGeom>
               <a:blipFill>
-                <a:blip r:embed="rId3"/>
+                <a:blip r:embed="rId6"/>
                 <a:stretch>
                   <a:fillRect l="-889" t="-1240" b="-3719"/>
                 </a:stretch>
@@ -6650,7 +7038,7 @@
               <a:lstStyle/>
               <a:p>
                 <a:r>
-                  <a:rPr lang="it-IT">
+                  <a:rPr lang="en-GB">
                     <a:noFill/>
                   </a:rPr>
                   <a:t> </a:t>
@@ -6660,18 +7048,18 @@
           </p:sp>
         </mc:Fallback>
       </mc:AlternateContent>
-      <mc:AlternateContent xmlns:mc="http://schemas.openxmlformats.org/markup-compatibility/2006" xmlns:a14="http://schemas.microsoft.com/office/drawing/2010/main">
-        <mc:Choice Requires="a14">
+      <mc:AlternateContent xmlns:mc="http://schemas.openxmlformats.org/markup-compatibility/2006">
+        <mc:Choice xmlns:a14="http://schemas.microsoft.com/office/drawing/2010/main" Requires="a14">
           <p:sp>
             <p:nvSpPr>
-              <p:cNvPr id="14" name="CasellaDiTesto 13"/>
+              <p:cNvPr id="12" name="CasellaDiTesto 11"/>
               <p:cNvSpPr txBox="1"/>
               <p:nvPr/>
             </p:nvSpPr>
             <p:spPr>
               <a:xfrm>
                 <a:off x="8766686" y="3516143"/>
-                <a:ext cx="2743200" cy="553998"/>
+                <a:ext cx="2743200" cy="784830"/>
               </a:xfrm>
               <a:prstGeom prst="rect">
                 <a:avLst/>
@@ -6700,6 +7088,28 @@
                 </a:r>
                 <a:r>
                   <a:rPr lang="it-IT" sz="1500" i="1" dirty="0"/>
+                  <a:t> : </a:t>
+                </a:r>
+                <a14:m>
+                  <m:oMath xmlns:m="http://schemas.openxmlformats.org/officeDocument/2006/math">
+                    <m:r>
+                      <a:rPr lang="it-IT" sz="1500" i="1">
+                        <a:latin typeface="Cambria Math" panose="02040503050406030204" pitchFamily="18" charset="0"/>
+                        <a:ea typeface="Cambria Math" panose="02040503050406030204" pitchFamily="18" charset="0"/>
+                      </a:rPr>
+                      <m:t>ℝ</m:t>
+                    </m:r>
+                    <m:r>
+                      <a:rPr lang="it-IT" sz="1500" i="1">
+                        <a:latin typeface="Cambria Math" panose="02040503050406030204" pitchFamily="18" charset="0"/>
+                        <a:ea typeface="Cambria Math" panose="02040503050406030204" pitchFamily="18" charset="0"/>
+                      </a:rPr>
+                      <m:t>→</m:t>
+                    </m:r>
+                  </m:oMath>
+                </a14:m>
+                <a:r>
+                  <a:rPr lang="it-IT" sz="1500" i="1" dirty="0"/>
                   <a:t> </a:t>
                 </a:r>
                 <a:r>
@@ -6745,10 +7155,10 @@
             </p:txBody>
           </p:sp>
         </mc:Choice>
-        <mc:Fallback xmlns="">
+        <mc:Fallback>
           <p:sp>
             <p:nvSpPr>
-              <p:cNvPr id="14" name="CasellaDiTesto 13"/>
+              <p:cNvPr id="12" name="CasellaDiTesto 11"/>
               <p:cNvSpPr txBox="1">
                 <a:spLocks noRot="1" noChangeAspect="1" noMove="1" noResize="1" noEditPoints="1" noAdjustHandles="1" noChangeArrowheads="1" noChangeShapeType="1" noTextEdit="1"/>
               </p:cNvSpPr>
@@ -6757,15 +7167,15 @@
             <p:spPr>
               <a:xfrm>
                 <a:off x="8766686" y="3516143"/>
-                <a:ext cx="2743200" cy="553998"/>
+                <a:ext cx="2743200" cy="784830"/>
               </a:xfrm>
               <a:prstGeom prst="rect">
                 <a:avLst/>
               </a:prstGeom>
               <a:blipFill>
-                <a:blip r:embed="rId4"/>
+                <a:blip r:embed="rId7"/>
                 <a:stretch>
-                  <a:fillRect l="-889" t="-2198" b="-10989"/>
+                  <a:fillRect l="-889" t="-1550" b="-6977"/>
                 </a:stretch>
               </a:blipFill>
             </p:spPr>
@@ -6774,197 +7184,7 @@
               <a:lstStyle/>
               <a:p>
                 <a:r>
-                  <a:rPr lang="it-IT">
-                    <a:noFill/>
-                  </a:rPr>
-                  <a:t> </a:t>
-                </a:r>
-              </a:p>
-            </p:txBody>
-          </p:sp>
-        </mc:Fallback>
-      </mc:AlternateContent>
-      <mc:AlternateContent xmlns:mc="http://schemas.openxmlformats.org/markup-compatibility/2006" xmlns:a14="http://schemas.microsoft.com/office/drawing/2010/main">
-        <mc:Choice Requires="a14">
-          <p:sp>
-            <p:nvSpPr>
-              <p:cNvPr id="15" name="CasellaDiTesto 14"/>
-              <p:cNvSpPr txBox="1"/>
-              <p:nvPr/>
-            </p:nvSpPr>
-            <p:spPr>
-              <a:xfrm>
-                <a:off x="8766686" y="848325"/>
-                <a:ext cx="2743200" cy="1246495"/>
-              </a:xfrm>
-              <a:prstGeom prst="rect">
-                <a:avLst/>
-              </a:prstGeom>
-              <a:noFill/>
-            </p:spPr>
-            <p:txBody>
-              <a:bodyPr wrap="square" rtlCol="0">
-                <a:spAutoFit/>
-              </a:bodyPr>
-              <a:lstStyle/>
-              <a:p>
-                <a:r>
-                  <a:rPr lang="it-IT" sz="1500" dirty="0"/>
-                  <a:t>Parametri:</a:t>
-                </a:r>
-              </a:p>
-              <a:p>
-                <a:pPr marL="285750" indent="-285750">
-                  <a:buFont typeface="Arial" panose="020B0604020202020204" pitchFamily="34" charset="0"/>
-                  <a:buChar char="•"/>
-                </a:pPr>
-                <a:r>
-                  <a:rPr lang="it-IT" sz="1500" i="1" dirty="0"/>
-                  <a:t>x</a:t>
-                </a:r>
-                <a:r>
-                  <a:rPr lang="it-IT" sz="1500" i="1" baseline="-25000" dirty="0"/>
-                  <a:t>s</a:t>
-                </a:r>
-                <a:r>
-                  <a:rPr lang="it-IT" sz="1500" i="1" dirty="0"/>
-                  <a:t> </a:t>
-                </a:r>
-                <a14:m>
-                  <m:oMath xmlns:m="http://schemas.openxmlformats.org/officeDocument/2006/math">
-                    <m:r>
-                      <a:rPr lang="it-IT" sz="1500" i="1">
-                        <a:latin typeface="Cambria Math" panose="02040503050406030204" pitchFamily="18" charset="0"/>
-                        <a:ea typeface="Cambria Math" panose="02040503050406030204" pitchFamily="18" charset="0"/>
-                      </a:rPr>
-                      <m:t>∈ </m:t>
-                    </m:r>
-                    <m:r>
-                      <a:rPr lang="it-IT" sz="1500" i="1">
-                        <a:latin typeface="Cambria Math" panose="02040503050406030204" pitchFamily="18" charset="0"/>
-                        <a:ea typeface="Cambria Math" panose="02040503050406030204" pitchFamily="18" charset="0"/>
-                      </a:rPr>
-                      <m:t>ℝ</m:t>
-                    </m:r>
-                  </m:oMath>
-                </a14:m>
-                <a:r>
-                  <a:rPr lang="it-IT" sz="1500" dirty="0"/>
-                  <a:t> (Posizione navicella)</a:t>
-                </a:r>
-              </a:p>
-              <a:p>
-                <a:pPr marL="285750" indent="-285750">
-                  <a:buFont typeface="Arial" panose="020B0604020202020204" pitchFamily="34" charset="0"/>
-                  <a:buChar char="•"/>
-                </a:pPr>
-                <a:r>
-                  <a:rPr lang="it-IT" sz="1500" i="1" dirty="0"/>
-                  <a:t>y</a:t>
-                </a:r>
-                <a:r>
-                  <a:rPr lang="it-IT" sz="1500" i="1" baseline="-25000" dirty="0"/>
-                  <a:t>s</a:t>
-                </a:r>
-                <a:r>
-                  <a:rPr lang="it-IT" sz="1500" i="1" dirty="0"/>
-                  <a:t> </a:t>
-                </a:r>
-                <a14:m>
-                  <m:oMath xmlns:m="http://schemas.openxmlformats.org/officeDocument/2006/math">
-                    <m:r>
-                      <a:rPr lang="it-IT" sz="1500" i="1">
-                        <a:latin typeface="Cambria Math" panose="02040503050406030204" pitchFamily="18" charset="0"/>
-                        <a:ea typeface="Cambria Math" panose="02040503050406030204" pitchFamily="18" charset="0"/>
-                      </a:rPr>
-                      <m:t>∈ </m:t>
-                    </m:r>
-                    <m:r>
-                      <a:rPr lang="it-IT" sz="1500" i="1">
-                        <a:latin typeface="Cambria Math" panose="02040503050406030204" pitchFamily="18" charset="0"/>
-                        <a:ea typeface="Cambria Math" panose="02040503050406030204" pitchFamily="18" charset="0"/>
-                      </a:rPr>
-                      <m:t>ℝ</m:t>
-                    </m:r>
-                  </m:oMath>
-                </a14:m>
-                <a:r>
-                  <a:rPr lang="it-IT" sz="1500" dirty="0"/>
-                  <a:t> (Posizione navicella)</a:t>
-                </a:r>
-              </a:p>
-              <a:p>
-                <a:pPr marL="285750" indent="-285750">
-                  <a:buFont typeface="Arial" panose="020B0604020202020204" pitchFamily="34" charset="0"/>
-                  <a:buChar char="•"/>
-                </a:pPr>
-                <a:r>
-                  <a:rPr lang="it-IT" sz="1500" i="1" dirty="0"/>
-                  <a:t>v </a:t>
-                </a:r>
-                <a14:m>
-                  <m:oMath xmlns:m="http://schemas.openxmlformats.org/officeDocument/2006/math">
-                    <m:r>
-                      <a:rPr lang="it-IT" sz="1500" i="1">
-                        <a:latin typeface="Cambria Math" panose="02040503050406030204" pitchFamily="18" charset="0"/>
-                        <a:ea typeface="Cambria Math" panose="02040503050406030204" pitchFamily="18" charset="0"/>
-                      </a:rPr>
-                      <m:t>∈ </m:t>
-                    </m:r>
-                    <m:r>
-                      <a:rPr lang="it-IT" sz="1500" i="1">
-                        <a:latin typeface="Cambria Math" panose="02040503050406030204" pitchFamily="18" charset="0"/>
-                        <a:ea typeface="Cambria Math" panose="02040503050406030204" pitchFamily="18" charset="0"/>
-                      </a:rPr>
-                      <m:t>ℕ</m:t>
-                    </m:r>
-                  </m:oMath>
-                </a14:m>
-                <a:r>
-                  <a:rPr lang="it-IT" sz="1500" dirty="0"/>
-                  <a:t> (velocità costante)</a:t>
-                </a:r>
-              </a:p>
-              <a:p>
-                <a:pPr marL="285750" indent="-285750">
-                  <a:buFont typeface="Arial" panose="020B0604020202020204" pitchFamily="34" charset="0"/>
-                  <a:buChar char="•"/>
-                </a:pPr>
-                <a:endParaRPr lang="it-IT" sz="1500" i="1" dirty="0"/>
-              </a:p>
-            </p:txBody>
-          </p:sp>
-        </mc:Choice>
-        <mc:Fallback xmlns="">
-          <p:sp>
-            <p:nvSpPr>
-              <p:cNvPr id="15" name="CasellaDiTesto 14"/>
-              <p:cNvSpPr txBox="1">
-                <a:spLocks noRot="1" noChangeAspect="1" noMove="1" noResize="1" noEditPoints="1" noAdjustHandles="1" noChangeArrowheads="1" noChangeShapeType="1" noTextEdit="1"/>
-              </p:cNvSpPr>
-              <p:nvPr/>
-            </p:nvSpPr>
-            <p:spPr>
-              <a:xfrm>
-                <a:off x="8766686" y="848325"/>
-                <a:ext cx="2743200" cy="1246495"/>
-              </a:xfrm>
-              <a:prstGeom prst="rect">
-                <a:avLst/>
-              </a:prstGeom>
-              <a:blipFill>
-                <a:blip r:embed="rId5"/>
-                <a:stretch>
-                  <a:fillRect l="-889" t="-976"/>
-                </a:stretch>
-              </a:blipFill>
-            </p:spPr>
-            <p:txBody>
-              <a:bodyPr/>
-              <a:lstStyle/>
-              <a:p>
-                <a:r>
-                  <a:rPr lang="it-IT">
+                  <a:rPr lang="en-GB">
                     <a:noFill/>
                   </a:rPr>
                   <a:t> </a:t>
@@ -6984,11 +7204,11 @@
   <p:clrMapOvr>
     <a:masterClrMapping/>
   </p:clrMapOvr>
-  <mc:AlternateContent xmlns:mc="http://schemas.openxmlformats.org/markup-compatibility/2006">
-    <mc:Choice xmlns:p14="http://schemas.microsoft.com/office/powerpoint/2010/main" Requires="p14">
+  <mc:AlternateContent xmlns:mc="http://schemas.openxmlformats.org/markup-compatibility/2006" xmlns:p14="http://schemas.microsoft.com/office/powerpoint/2010/main">
+    <mc:Choice Requires="p14">
       <p:transition spd="slow" p14:dur="2000"/>
     </mc:Choice>
-    <mc:Fallback>
+    <mc:Fallback xmlns="">
       <p:transition spd="slow"/>
     </mc:Fallback>
   </mc:AlternateContent>
@@ -7462,7 +7682,197 @@
         <mc:Choice Requires="a14">
           <p:sp>
             <p:nvSpPr>
-              <p:cNvPr id="11" name="CasellaDiTesto 10"/>
+              <p:cNvPr id="14" name="CasellaDiTesto 13"/>
+              <p:cNvSpPr txBox="1"/>
+              <p:nvPr/>
+            </p:nvSpPr>
+            <p:spPr>
+              <a:xfrm>
+                <a:off x="8766686" y="848325"/>
+                <a:ext cx="2743200" cy="1246495"/>
+              </a:xfrm>
+              <a:prstGeom prst="rect">
+                <a:avLst/>
+              </a:prstGeom>
+              <a:noFill/>
+            </p:spPr>
+            <p:txBody>
+              <a:bodyPr wrap="square" rtlCol="0">
+                <a:spAutoFit/>
+              </a:bodyPr>
+              <a:lstStyle/>
+              <a:p>
+                <a:r>
+                  <a:rPr lang="it-IT" sz="1500" dirty="0"/>
+                  <a:t>Parametri:</a:t>
+                </a:r>
+              </a:p>
+              <a:p>
+                <a:pPr marL="285750" indent="-285750">
+                  <a:buFont typeface="Arial" panose="020B0604020202020204" pitchFamily="34" charset="0"/>
+                  <a:buChar char="•"/>
+                </a:pPr>
+                <a:r>
+                  <a:rPr lang="it-IT" sz="1500" i="1" dirty="0"/>
+                  <a:t>x</a:t>
+                </a:r>
+                <a:r>
+                  <a:rPr lang="it-IT" sz="1500" i="1" baseline="-25000" dirty="0"/>
+                  <a:t>s</a:t>
+                </a:r>
+                <a:r>
+                  <a:rPr lang="it-IT" sz="1500" i="1" dirty="0"/>
+                  <a:t> </a:t>
+                </a:r>
+                <a14:m>
+                  <m:oMath xmlns:m="http://schemas.openxmlformats.org/officeDocument/2006/math">
+                    <m:r>
+                      <a:rPr lang="it-IT" sz="1500" i="1">
+                        <a:latin typeface="Cambria Math" panose="02040503050406030204" pitchFamily="18" charset="0"/>
+                        <a:ea typeface="Cambria Math" panose="02040503050406030204" pitchFamily="18" charset="0"/>
+                      </a:rPr>
+                      <m:t>∈ </m:t>
+                    </m:r>
+                    <m:r>
+                      <a:rPr lang="it-IT" sz="1500" i="1">
+                        <a:latin typeface="Cambria Math" panose="02040503050406030204" pitchFamily="18" charset="0"/>
+                        <a:ea typeface="Cambria Math" panose="02040503050406030204" pitchFamily="18" charset="0"/>
+                      </a:rPr>
+                      <m:t>ℝ</m:t>
+                    </m:r>
+                  </m:oMath>
+                </a14:m>
+                <a:r>
+                  <a:rPr lang="it-IT" sz="1500" dirty="0"/>
+                  <a:t> (Posizione navicella)</a:t>
+                </a:r>
+              </a:p>
+              <a:p>
+                <a:pPr marL="285750" indent="-285750">
+                  <a:buFont typeface="Arial" panose="020B0604020202020204" pitchFamily="34" charset="0"/>
+                  <a:buChar char="•"/>
+                </a:pPr>
+                <a:r>
+                  <a:rPr lang="it-IT" sz="1500" i="1" dirty="0"/>
+                  <a:t>y</a:t>
+                </a:r>
+                <a:r>
+                  <a:rPr lang="it-IT" sz="1500" i="1" baseline="-25000" dirty="0"/>
+                  <a:t>s</a:t>
+                </a:r>
+                <a:r>
+                  <a:rPr lang="it-IT" sz="1500" i="1" dirty="0"/>
+                  <a:t> </a:t>
+                </a:r>
+                <a14:m>
+                  <m:oMath xmlns:m="http://schemas.openxmlformats.org/officeDocument/2006/math">
+                    <m:r>
+                      <a:rPr lang="it-IT" sz="1500" i="1">
+                        <a:latin typeface="Cambria Math" panose="02040503050406030204" pitchFamily="18" charset="0"/>
+                        <a:ea typeface="Cambria Math" panose="02040503050406030204" pitchFamily="18" charset="0"/>
+                      </a:rPr>
+                      <m:t>∈ </m:t>
+                    </m:r>
+                    <m:r>
+                      <a:rPr lang="it-IT" sz="1500" i="1">
+                        <a:latin typeface="Cambria Math" panose="02040503050406030204" pitchFamily="18" charset="0"/>
+                        <a:ea typeface="Cambria Math" panose="02040503050406030204" pitchFamily="18" charset="0"/>
+                      </a:rPr>
+                      <m:t>ℝ</m:t>
+                    </m:r>
+                  </m:oMath>
+                </a14:m>
+                <a:r>
+                  <a:rPr lang="it-IT" sz="1500" dirty="0"/>
+                  <a:t> (Posizione navicella)</a:t>
+                </a:r>
+              </a:p>
+              <a:p>
+                <a:pPr marL="285750" indent="-285750">
+                  <a:buFont typeface="Arial" panose="020B0604020202020204" pitchFamily="34" charset="0"/>
+                  <a:buChar char="•"/>
+                </a:pPr>
+                <a:r>
+                  <a:rPr lang="it-IT" sz="1500" i="1" dirty="0"/>
+                  <a:t>v </a:t>
+                </a:r>
+                <a14:m>
+                  <m:oMath xmlns:m="http://schemas.openxmlformats.org/officeDocument/2006/math">
+                    <m:r>
+                      <a:rPr lang="it-IT" sz="1500" i="1">
+                        <a:latin typeface="Cambria Math" panose="02040503050406030204" pitchFamily="18" charset="0"/>
+                        <a:ea typeface="Cambria Math" panose="02040503050406030204" pitchFamily="18" charset="0"/>
+                      </a:rPr>
+                      <m:t>∈ </m:t>
+                    </m:r>
+                    <m:r>
+                      <a:rPr lang="it-IT" sz="1500" i="1">
+                        <a:latin typeface="Cambria Math" panose="02040503050406030204" pitchFamily="18" charset="0"/>
+                        <a:ea typeface="Cambria Math" panose="02040503050406030204" pitchFamily="18" charset="0"/>
+                      </a:rPr>
+                      <m:t>ℕ</m:t>
+                    </m:r>
+                  </m:oMath>
+                </a14:m>
+                <a:r>
+                  <a:rPr lang="it-IT" sz="1500" dirty="0"/>
+                  <a:t> (velocità costante)</a:t>
+                </a:r>
+              </a:p>
+              <a:p>
+                <a:pPr marL="285750" indent="-285750">
+                  <a:buFont typeface="Arial" panose="020B0604020202020204" pitchFamily="34" charset="0"/>
+                  <a:buChar char="•"/>
+                </a:pPr>
+                <a:endParaRPr lang="it-IT" sz="1500" i="1" dirty="0"/>
+              </a:p>
+            </p:txBody>
+          </p:sp>
+        </mc:Choice>
+        <mc:Fallback xmlns="">
+          <p:sp>
+            <p:nvSpPr>
+              <p:cNvPr id="14" name="CasellaDiTesto 13"/>
+              <p:cNvSpPr txBox="1">
+                <a:spLocks noRot="1" noChangeAspect="1" noMove="1" noResize="1" noEditPoints="1" noAdjustHandles="1" noChangeArrowheads="1" noChangeShapeType="1" noTextEdit="1"/>
+              </p:cNvSpPr>
+              <p:nvPr/>
+            </p:nvSpPr>
+            <p:spPr>
+              <a:xfrm>
+                <a:off x="8766686" y="848325"/>
+                <a:ext cx="2743200" cy="1246495"/>
+              </a:xfrm>
+              <a:prstGeom prst="rect">
+                <a:avLst/>
+              </a:prstGeom>
+              <a:blipFill>
+                <a:blip r:embed="rId5"/>
+                <a:stretch>
+                  <a:fillRect l="-889" t="-976"/>
+                </a:stretch>
+              </a:blipFill>
+            </p:spPr>
+            <p:txBody>
+              <a:bodyPr/>
+              <a:lstStyle/>
+              <a:p>
+                <a:r>
+                  <a:rPr lang="it-IT">
+                    <a:noFill/>
+                  </a:rPr>
+                  <a:t> </a:t>
+                </a:r>
+              </a:p>
+            </p:txBody>
+          </p:sp>
+        </mc:Fallback>
+      </mc:AlternateContent>
+      <mc:AlternateContent xmlns:mc="http://schemas.openxmlformats.org/markup-compatibility/2006">
+        <mc:Choice xmlns:a14="http://schemas.microsoft.com/office/drawing/2010/main" Requires="a14">
+          <p:sp>
+            <p:nvSpPr>
+              <p:cNvPr id="15" name="CasellaDiTesto 14"/>
               <p:cNvSpPr txBox="1"/>
               <p:nvPr/>
             </p:nvSpPr>
@@ -7497,6 +7907,28 @@
                   <a:t>w</a:t>
                 </a:r>
                 <a:r>
+                  <a:rPr lang="it-IT" sz="1500" i="1" dirty="0"/>
+                  <a:t> : </a:t>
+                </a:r>
+                <a14:m>
+                  <m:oMath xmlns:m="http://schemas.openxmlformats.org/officeDocument/2006/math">
+                    <m:r>
+                      <a:rPr lang="it-IT" sz="1500" i="1">
+                        <a:latin typeface="Cambria Math" panose="02040503050406030204" pitchFamily="18" charset="0"/>
+                        <a:ea typeface="Cambria Math" panose="02040503050406030204" pitchFamily="18" charset="0"/>
+                      </a:rPr>
+                      <m:t>ℝ</m:t>
+                    </m:r>
+                    <m:r>
+                      <a:rPr lang="it-IT" sz="1500" i="1">
+                        <a:latin typeface="Cambria Math" panose="02040503050406030204" pitchFamily="18" charset="0"/>
+                        <a:ea typeface="Cambria Math" panose="02040503050406030204" pitchFamily="18" charset="0"/>
+                      </a:rPr>
+                      <m:t>→</m:t>
+                    </m:r>
+                  </m:oMath>
+                </a14:m>
+                <a:r>
                   <a:rPr lang="it-IT" sz="1500" dirty="0"/>
                   <a:t> (</a:t>
                 </a:r>
@@ -7524,7 +7956,29 @@
                 </a:pPr>
                 <a:r>
                   <a:rPr lang="it-IT" sz="1500" i="1" dirty="0"/>
-                  <a:t>a </a:t>
+                  <a:t>a : </a:t>
+                </a:r>
+                <a14:m>
+                  <m:oMath xmlns:m="http://schemas.openxmlformats.org/officeDocument/2006/math">
+                    <m:r>
+                      <a:rPr lang="it-IT" sz="1500" i="1">
+                        <a:latin typeface="Cambria Math" panose="02040503050406030204" pitchFamily="18" charset="0"/>
+                        <a:ea typeface="Cambria Math" panose="02040503050406030204" pitchFamily="18" charset="0"/>
+                      </a:rPr>
+                      <m:t>ℝ</m:t>
+                    </m:r>
+                    <m:r>
+                      <a:rPr lang="it-IT" sz="1500" i="1">
+                        <a:latin typeface="Cambria Math" panose="02040503050406030204" pitchFamily="18" charset="0"/>
+                        <a:ea typeface="Cambria Math" panose="02040503050406030204" pitchFamily="18" charset="0"/>
+                      </a:rPr>
+                      <m:t>→</m:t>
+                    </m:r>
+                  </m:oMath>
+                </a14:m>
+                <a:r>
+                  <a:rPr lang="it-IT" sz="1500" i="1" dirty="0" smtClean="0"/>
+                  <a:t> </a:t>
                 </a:r>
                 <a:r>
                   <a:rPr lang="it-IT" sz="1500" dirty="0"/>
@@ -7557,6 +8011,28 @@
                   <a:t>s</a:t>
                 </a:r>
                 <a:r>
+                  <a:rPr lang="it-IT" sz="1500" i="1" dirty="0"/>
+                  <a:t> : </a:t>
+                </a:r>
+                <a14:m>
+                  <m:oMath xmlns:m="http://schemas.openxmlformats.org/officeDocument/2006/math">
+                    <m:r>
+                      <a:rPr lang="it-IT" sz="1500" i="1">
+                        <a:latin typeface="Cambria Math" panose="02040503050406030204" pitchFamily="18" charset="0"/>
+                        <a:ea typeface="Cambria Math" panose="02040503050406030204" pitchFamily="18" charset="0"/>
+                      </a:rPr>
+                      <m:t>ℝ</m:t>
+                    </m:r>
+                    <m:r>
+                      <a:rPr lang="it-IT" sz="1500" i="1">
+                        <a:latin typeface="Cambria Math" panose="02040503050406030204" pitchFamily="18" charset="0"/>
+                        <a:ea typeface="Cambria Math" panose="02040503050406030204" pitchFamily="18" charset="0"/>
+                      </a:rPr>
+                      <m:t>→</m:t>
+                    </m:r>
+                  </m:oMath>
+                </a14:m>
+                <a:r>
                   <a:rPr lang="it-IT" sz="1500" dirty="0"/>
                   <a:t> (</a:t>
                 </a:r>
@@ -7586,6 +8062,28 @@
                   <a:rPr lang="it-IT" sz="1500" i="1" dirty="0"/>
                   <a:t>d</a:t>
                 </a:r>
+                <a:r>
+                  <a:rPr lang="it-IT" sz="1500" i="1" dirty="0"/>
+                  <a:t> : </a:t>
+                </a:r>
+                <a14:m>
+                  <m:oMath xmlns:m="http://schemas.openxmlformats.org/officeDocument/2006/math">
+                    <m:r>
+                      <a:rPr lang="it-IT" sz="1500" i="1">
+                        <a:latin typeface="Cambria Math" panose="02040503050406030204" pitchFamily="18" charset="0"/>
+                        <a:ea typeface="Cambria Math" panose="02040503050406030204" pitchFamily="18" charset="0"/>
+                      </a:rPr>
+                      <m:t>ℝ</m:t>
+                    </m:r>
+                    <m:r>
+                      <a:rPr lang="it-IT" sz="1500" i="1">
+                        <a:latin typeface="Cambria Math" panose="02040503050406030204" pitchFamily="18" charset="0"/>
+                        <a:ea typeface="Cambria Math" panose="02040503050406030204" pitchFamily="18" charset="0"/>
+                      </a:rPr>
+                      <m:t>→</m:t>
+                    </m:r>
+                  </m:oMath>
+                </a14:m>
                 <a:r>
                   <a:rPr lang="it-IT" sz="1500" dirty="0"/>
                   <a:t> (</a:t>
@@ -7660,10 +8158,10 @@
             </p:txBody>
           </p:sp>
         </mc:Choice>
-        <mc:Fallback xmlns="">
+        <mc:Fallback>
           <p:sp>
             <p:nvSpPr>
-              <p:cNvPr id="11" name="CasellaDiTesto 10"/>
+              <p:cNvPr id="15" name="CasellaDiTesto 14"/>
               <p:cNvSpPr txBox="1">
                 <a:spLocks noRot="1" noChangeAspect="1" noMove="1" noResize="1" noEditPoints="1" noAdjustHandles="1" noChangeArrowheads="1" noChangeShapeType="1" noTextEdit="1"/>
               </p:cNvSpPr>
@@ -7678,7 +8176,7 @@
                 <a:avLst/>
               </a:prstGeom>
               <a:blipFill>
-                <a:blip r:embed="rId3"/>
+                <a:blip r:embed="rId6"/>
                 <a:stretch>
                   <a:fillRect l="-889" t="-1240" b="-3719"/>
                 </a:stretch>
@@ -7689,7 +8187,7 @@
               <a:lstStyle/>
               <a:p>
                 <a:r>
-                  <a:rPr lang="it-IT">
+                  <a:rPr lang="en-GB">
                     <a:noFill/>
                   </a:rPr>
                   <a:t> </a:t>
@@ -7699,18 +8197,18 @@
           </p:sp>
         </mc:Fallback>
       </mc:AlternateContent>
-      <mc:AlternateContent xmlns:mc="http://schemas.openxmlformats.org/markup-compatibility/2006" xmlns:a14="http://schemas.microsoft.com/office/drawing/2010/main">
-        <mc:Choice Requires="a14">
+      <mc:AlternateContent xmlns:mc="http://schemas.openxmlformats.org/markup-compatibility/2006">
+        <mc:Choice xmlns:a14="http://schemas.microsoft.com/office/drawing/2010/main" Requires="a14">
           <p:sp>
             <p:nvSpPr>
-              <p:cNvPr id="12" name="CasellaDiTesto 11"/>
+              <p:cNvPr id="16" name="CasellaDiTesto 15"/>
               <p:cNvSpPr txBox="1"/>
               <p:nvPr/>
             </p:nvSpPr>
             <p:spPr>
               <a:xfrm>
                 <a:off x="8766686" y="3516143"/>
-                <a:ext cx="2743200" cy="553998"/>
+                <a:ext cx="2743200" cy="784830"/>
               </a:xfrm>
               <a:prstGeom prst="rect">
                 <a:avLst/>
@@ -7739,6 +8237,28 @@
                 </a:r>
                 <a:r>
                   <a:rPr lang="it-IT" sz="1500" i="1" dirty="0"/>
+                  <a:t> : </a:t>
+                </a:r>
+                <a14:m>
+                  <m:oMath xmlns:m="http://schemas.openxmlformats.org/officeDocument/2006/math">
+                    <m:r>
+                      <a:rPr lang="it-IT" sz="1500" i="1">
+                        <a:latin typeface="Cambria Math" panose="02040503050406030204" pitchFamily="18" charset="0"/>
+                        <a:ea typeface="Cambria Math" panose="02040503050406030204" pitchFamily="18" charset="0"/>
+                      </a:rPr>
+                      <m:t>ℝ</m:t>
+                    </m:r>
+                    <m:r>
+                      <a:rPr lang="it-IT" sz="1500" i="1">
+                        <a:latin typeface="Cambria Math" panose="02040503050406030204" pitchFamily="18" charset="0"/>
+                        <a:ea typeface="Cambria Math" panose="02040503050406030204" pitchFamily="18" charset="0"/>
+                      </a:rPr>
+                      <m:t>→</m:t>
+                    </m:r>
+                  </m:oMath>
+                </a14:m>
+                <a:r>
+                  <a:rPr lang="it-IT" sz="1500" i="1" dirty="0"/>
                   <a:t> </a:t>
                 </a:r>
                 <a:r>
@@ -7784,10 +8304,10 @@
             </p:txBody>
           </p:sp>
         </mc:Choice>
-        <mc:Fallback xmlns="">
+        <mc:Fallback>
           <p:sp>
             <p:nvSpPr>
-              <p:cNvPr id="12" name="CasellaDiTesto 11"/>
+              <p:cNvPr id="16" name="CasellaDiTesto 15"/>
               <p:cNvSpPr txBox="1">
                 <a:spLocks noRot="1" noChangeAspect="1" noMove="1" noResize="1" noEditPoints="1" noAdjustHandles="1" noChangeArrowheads="1" noChangeShapeType="1" noTextEdit="1"/>
               </p:cNvSpPr>
@@ -7796,15 +8316,15 @@
             <p:spPr>
               <a:xfrm>
                 <a:off x="8766686" y="3516143"/>
-                <a:ext cx="2743200" cy="553998"/>
+                <a:ext cx="2743200" cy="784830"/>
               </a:xfrm>
               <a:prstGeom prst="rect">
                 <a:avLst/>
               </a:prstGeom>
               <a:blipFill>
-                <a:blip r:embed="rId4"/>
+                <a:blip r:embed="rId7"/>
                 <a:stretch>
-                  <a:fillRect l="-889" t="-2198" b="-10989"/>
+                  <a:fillRect l="-889" t="-1550" b="-6977"/>
                 </a:stretch>
               </a:blipFill>
             </p:spPr>
@@ -7813,197 +8333,7 @@
               <a:lstStyle/>
               <a:p>
                 <a:r>
-                  <a:rPr lang="it-IT">
-                    <a:noFill/>
-                  </a:rPr>
-                  <a:t> </a:t>
-                </a:r>
-              </a:p>
-            </p:txBody>
-          </p:sp>
-        </mc:Fallback>
-      </mc:AlternateContent>
-      <mc:AlternateContent xmlns:mc="http://schemas.openxmlformats.org/markup-compatibility/2006" xmlns:a14="http://schemas.microsoft.com/office/drawing/2010/main">
-        <mc:Choice Requires="a14">
-          <p:sp>
-            <p:nvSpPr>
-              <p:cNvPr id="14" name="CasellaDiTesto 13"/>
-              <p:cNvSpPr txBox="1"/>
-              <p:nvPr/>
-            </p:nvSpPr>
-            <p:spPr>
-              <a:xfrm>
-                <a:off x="8766686" y="848325"/>
-                <a:ext cx="2743200" cy="1246495"/>
-              </a:xfrm>
-              <a:prstGeom prst="rect">
-                <a:avLst/>
-              </a:prstGeom>
-              <a:noFill/>
-            </p:spPr>
-            <p:txBody>
-              <a:bodyPr wrap="square" rtlCol="0">
-                <a:spAutoFit/>
-              </a:bodyPr>
-              <a:lstStyle/>
-              <a:p>
-                <a:r>
-                  <a:rPr lang="it-IT" sz="1500" dirty="0"/>
-                  <a:t>Parametri:</a:t>
-                </a:r>
-              </a:p>
-              <a:p>
-                <a:pPr marL="285750" indent="-285750">
-                  <a:buFont typeface="Arial" panose="020B0604020202020204" pitchFamily="34" charset="0"/>
-                  <a:buChar char="•"/>
-                </a:pPr>
-                <a:r>
-                  <a:rPr lang="it-IT" sz="1500" i="1" dirty="0"/>
-                  <a:t>x</a:t>
-                </a:r>
-                <a:r>
-                  <a:rPr lang="it-IT" sz="1500" i="1" baseline="-25000" dirty="0"/>
-                  <a:t>s</a:t>
-                </a:r>
-                <a:r>
-                  <a:rPr lang="it-IT" sz="1500" i="1" dirty="0"/>
-                  <a:t> </a:t>
-                </a:r>
-                <a14:m>
-                  <m:oMath xmlns:m="http://schemas.openxmlformats.org/officeDocument/2006/math">
-                    <m:r>
-                      <a:rPr lang="it-IT" sz="1500" i="1">
-                        <a:latin typeface="Cambria Math" panose="02040503050406030204" pitchFamily="18" charset="0"/>
-                        <a:ea typeface="Cambria Math" panose="02040503050406030204" pitchFamily="18" charset="0"/>
-                      </a:rPr>
-                      <m:t>∈ </m:t>
-                    </m:r>
-                    <m:r>
-                      <a:rPr lang="it-IT" sz="1500" i="1">
-                        <a:latin typeface="Cambria Math" panose="02040503050406030204" pitchFamily="18" charset="0"/>
-                        <a:ea typeface="Cambria Math" panose="02040503050406030204" pitchFamily="18" charset="0"/>
-                      </a:rPr>
-                      <m:t>ℝ</m:t>
-                    </m:r>
-                  </m:oMath>
-                </a14:m>
-                <a:r>
-                  <a:rPr lang="it-IT" sz="1500" dirty="0"/>
-                  <a:t> (Posizione navicella)</a:t>
-                </a:r>
-              </a:p>
-              <a:p>
-                <a:pPr marL="285750" indent="-285750">
-                  <a:buFont typeface="Arial" panose="020B0604020202020204" pitchFamily="34" charset="0"/>
-                  <a:buChar char="•"/>
-                </a:pPr>
-                <a:r>
-                  <a:rPr lang="it-IT" sz="1500" i="1" dirty="0"/>
-                  <a:t>y</a:t>
-                </a:r>
-                <a:r>
-                  <a:rPr lang="it-IT" sz="1500" i="1" baseline="-25000" dirty="0"/>
-                  <a:t>s</a:t>
-                </a:r>
-                <a:r>
-                  <a:rPr lang="it-IT" sz="1500" i="1" dirty="0"/>
-                  <a:t> </a:t>
-                </a:r>
-                <a14:m>
-                  <m:oMath xmlns:m="http://schemas.openxmlformats.org/officeDocument/2006/math">
-                    <m:r>
-                      <a:rPr lang="it-IT" sz="1500" i="1">
-                        <a:latin typeface="Cambria Math" panose="02040503050406030204" pitchFamily="18" charset="0"/>
-                        <a:ea typeface="Cambria Math" panose="02040503050406030204" pitchFamily="18" charset="0"/>
-                      </a:rPr>
-                      <m:t>∈ </m:t>
-                    </m:r>
-                    <m:r>
-                      <a:rPr lang="it-IT" sz="1500" i="1">
-                        <a:latin typeface="Cambria Math" panose="02040503050406030204" pitchFamily="18" charset="0"/>
-                        <a:ea typeface="Cambria Math" panose="02040503050406030204" pitchFamily="18" charset="0"/>
-                      </a:rPr>
-                      <m:t>ℝ</m:t>
-                    </m:r>
-                  </m:oMath>
-                </a14:m>
-                <a:r>
-                  <a:rPr lang="it-IT" sz="1500" dirty="0"/>
-                  <a:t> (Posizione navicella)</a:t>
-                </a:r>
-              </a:p>
-              <a:p>
-                <a:pPr marL="285750" indent="-285750">
-                  <a:buFont typeface="Arial" panose="020B0604020202020204" pitchFamily="34" charset="0"/>
-                  <a:buChar char="•"/>
-                </a:pPr>
-                <a:r>
-                  <a:rPr lang="it-IT" sz="1500" i="1" dirty="0"/>
-                  <a:t>v </a:t>
-                </a:r>
-                <a14:m>
-                  <m:oMath xmlns:m="http://schemas.openxmlformats.org/officeDocument/2006/math">
-                    <m:r>
-                      <a:rPr lang="it-IT" sz="1500" i="1">
-                        <a:latin typeface="Cambria Math" panose="02040503050406030204" pitchFamily="18" charset="0"/>
-                        <a:ea typeface="Cambria Math" panose="02040503050406030204" pitchFamily="18" charset="0"/>
-                      </a:rPr>
-                      <m:t>∈ </m:t>
-                    </m:r>
-                    <m:r>
-                      <a:rPr lang="it-IT" sz="1500" i="1">
-                        <a:latin typeface="Cambria Math" panose="02040503050406030204" pitchFamily="18" charset="0"/>
-                        <a:ea typeface="Cambria Math" panose="02040503050406030204" pitchFamily="18" charset="0"/>
-                      </a:rPr>
-                      <m:t>ℕ</m:t>
-                    </m:r>
-                  </m:oMath>
-                </a14:m>
-                <a:r>
-                  <a:rPr lang="it-IT" sz="1500" dirty="0"/>
-                  <a:t> (velocità costante)</a:t>
-                </a:r>
-              </a:p>
-              <a:p>
-                <a:pPr marL="285750" indent="-285750">
-                  <a:buFont typeface="Arial" panose="020B0604020202020204" pitchFamily="34" charset="0"/>
-                  <a:buChar char="•"/>
-                </a:pPr>
-                <a:endParaRPr lang="it-IT" sz="1500" i="1" dirty="0"/>
-              </a:p>
-            </p:txBody>
-          </p:sp>
-        </mc:Choice>
-        <mc:Fallback xmlns="">
-          <p:sp>
-            <p:nvSpPr>
-              <p:cNvPr id="14" name="CasellaDiTesto 13"/>
-              <p:cNvSpPr txBox="1">
-                <a:spLocks noRot="1" noChangeAspect="1" noMove="1" noResize="1" noEditPoints="1" noAdjustHandles="1" noChangeArrowheads="1" noChangeShapeType="1" noTextEdit="1"/>
-              </p:cNvSpPr>
-              <p:nvPr/>
-            </p:nvSpPr>
-            <p:spPr>
-              <a:xfrm>
-                <a:off x="8766686" y="848325"/>
-                <a:ext cx="2743200" cy="1246495"/>
-              </a:xfrm>
-              <a:prstGeom prst="rect">
-                <a:avLst/>
-              </a:prstGeom>
-              <a:blipFill>
-                <a:blip r:embed="rId5"/>
-                <a:stretch>
-                  <a:fillRect l="-889" t="-976"/>
-                </a:stretch>
-              </a:blipFill>
-            </p:spPr>
-            <p:txBody>
-              <a:bodyPr/>
-              <a:lstStyle/>
-              <a:p>
-                <a:r>
-                  <a:rPr lang="it-IT">
+                  <a:rPr lang="en-GB">
                     <a:noFill/>
                   </a:rPr>
                   <a:t> </a:t>
@@ -8023,11 +8353,11 @@
   <p:clrMapOvr>
     <a:masterClrMapping/>
   </p:clrMapOvr>
-  <mc:AlternateContent xmlns:mc="http://schemas.openxmlformats.org/markup-compatibility/2006">
-    <mc:Choice xmlns:p14="http://schemas.microsoft.com/office/powerpoint/2010/main" Requires="p14">
+  <mc:AlternateContent xmlns:mc="http://schemas.openxmlformats.org/markup-compatibility/2006" xmlns:p14="http://schemas.microsoft.com/office/powerpoint/2010/main">
+    <mc:Choice Requires="p14">
       <p:transition spd="slow" p14:dur="2000"/>
     </mc:Choice>
-    <mc:Fallback>
+    <mc:Fallback xmlns="">
       <p:transition spd="slow"/>
     </mc:Fallback>
   </mc:AlternateContent>
@@ -8501,7 +8831,197 @@
         <mc:Choice Requires="a14">
           <p:sp>
             <p:nvSpPr>
-              <p:cNvPr id="11" name="CasellaDiTesto 10"/>
+              <p:cNvPr id="17" name="CasellaDiTesto 16"/>
+              <p:cNvSpPr txBox="1"/>
+              <p:nvPr/>
+            </p:nvSpPr>
+            <p:spPr>
+              <a:xfrm>
+                <a:off x="8766686" y="848325"/>
+                <a:ext cx="2743200" cy="1246495"/>
+              </a:xfrm>
+              <a:prstGeom prst="rect">
+                <a:avLst/>
+              </a:prstGeom>
+              <a:noFill/>
+            </p:spPr>
+            <p:txBody>
+              <a:bodyPr wrap="square" rtlCol="0">
+                <a:spAutoFit/>
+              </a:bodyPr>
+              <a:lstStyle/>
+              <a:p>
+                <a:r>
+                  <a:rPr lang="it-IT" sz="1500" dirty="0"/>
+                  <a:t>Parametri:</a:t>
+                </a:r>
+              </a:p>
+              <a:p>
+                <a:pPr marL="285750" indent="-285750">
+                  <a:buFont typeface="Arial" panose="020B0604020202020204" pitchFamily="34" charset="0"/>
+                  <a:buChar char="•"/>
+                </a:pPr>
+                <a:r>
+                  <a:rPr lang="it-IT" sz="1500" i="1" dirty="0"/>
+                  <a:t>x</a:t>
+                </a:r>
+                <a:r>
+                  <a:rPr lang="it-IT" sz="1500" i="1" baseline="-25000" dirty="0"/>
+                  <a:t>s</a:t>
+                </a:r>
+                <a:r>
+                  <a:rPr lang="it-IT" sz="1500" i="1" dirty="0"/>
+                  <a:t> </a:t>
+                </a:r>
+                <a14:m>
+                  <m:oMath xmlns:m="http://schemas.openxmlformats.org/officeDocument/2006/math">
+                    <m:r>
+                      <a:rPr lang="it-IT" sz="1500" i="1">
+                        <a:latin typeface="Cambria Math" panose="02040503050406030204" pitchFamily="18" charset="0"/>
+                        <a:ea typeface="Cambria Math" panose="02040503050406030204" pitchFamily="18" charset="0"/>
+                      </a:rPr>
+                      <m:t>∈ </m:t>
+                    </m:r>
+                    <m:r>
+                      <a:rPr lang="it-IT" sz="1500" i="1">
+                        <a:latin typeface="Cambria Math" panose="02040503050406030204" pitchFamily="18" charset="0"/>
+                        <a:ea typeface="Cambria Math" panose="02040503050406030204" pitchFamily="18" charset="0"/>
+                      </a:rPr>
+                      <m:t>ℝ</m:t>
+                    </m:r>
+                  </m:oMath>
+                </a14:m>
+                <a:r>
+                  <a:rPr lang="it-IT" sz="1500" dirty="0"/>
+                  <a:t> (Posizione navicella)</a:t>
+                </a:r>
+              </a:p>
+              <a:p>
+                <a:pPr marL="285750" indent="-285750">
+                  <a:buFont typeface="Arial" panose="020B0604020202020204" pitchFamily="34" charset="0"/>
+                  <a:buChar char="•"/>
+                </a:pPr>
+                <a:r>
+                  <a:rPr lang="it-IT" sz="1500" i="1" dirty="0"/>
+                  <a:t>y</a:t>
+                </a:r>
+                <a:r>
+                  <a:rPr lang="it-IT" sz="1500" i="1" baseline="-25000" dirty="0"/>
+                  <a:t>s</a:t>
+                </a:r>
+                <a:r>
+                  <a:rPr lang="it-IT" sz="1500" i="1" dirty="0"/>
+                  <a:t> </a:t>
+                </a:r>
+                <a14:m>
+                  <m:oMath xmlns:m="http://schemas.openxmlformats.org/officeDocument/2006/math">
+                    <m:r>
+                      <a:rPr lang="it-IT" sz="1500" i="1">
+                        <a:latin typeface="Cambria Math" panose="02040503050406030204" pitchFamily="18" charset="0"/>
+                        <a:ea typeface="Cambria Math" panose="02040503050406030204" pitchFamily="18" charset="0"/>
+                      </a:rPr>
+                      <m:t>∈ </m:t>
+                    </m:r>
+                    <m:r>
+                      <a:rPr lang="it-IT" sz="1500" i="1">
+                        <a:latin typeface="Cambria Math" panose="02040503050406030204" pitchFamily="18" charset="0"/>
+                        <a:ea typeface="Cambria Math" panose="02040503050406030204" pitchFamily="18" charset="0"/>
+                      </a:rPr>
+                      <m:t>ℝ</m:t>
+                    </m:r>
+                  </m:oMath>
+                </a14:m>
+                <a:r>
+                  <a:rPr lang="it-IT" sz="1500" dirty="0"/>
+                  <a:t> (Posizione navicella)</a:t>
+                </a:r>
+              </a:p>
+              <a:p>
+                <a:pPr marL="285750" indent="-285750">
+                  <a:buFont typeface="Arial" panose="020B0604020202020204" pitchFamily="34" charset="0"/>
+                  <a:buChar char="•"/>
+                </a:pPr>
+                <a:r>
+                  <a:rPr lang="it-IT" sz="1500" i="1" dirty="0"/>
+                  <a:t>v </a:t>
+                </a:r>
+                <a14:m>
+                  <m:oMath xmlns:m="http://schemas.openxmlformats.org/officeDocument/2006/math">
+                    <m:r>
+                      <a:rPr lang="it-IT" sz="1500" i="1">
+                        <a:latin typeface="Cambria Math" panose="02040503050406030204" pitchFamily="18" charset="0"/>
+                        <a:ea typeface="Cambria Math" panose="02040503050406030204" pitchFamily="18" charset="0"/>
+                      </a:rPr>
+                      <m:t>∈ </m:t>
+                    </m:r>
+                    <m:r>
+                      <a:rPr lang="it-IT" sz="1500" i="1">
+                        <a:latin typeface="Cambria Math" panose="02040503050406030204" pitchFamily="18" charset="0"/>
+                        <a:ea typeface="Cambria Math" panose="02040503050406030204" pitchFamily="18" charset="0"/>
+                      </a:rPr>
+                      <m:t>ℕ</m:t>
+                    </m:r>
+                  </m:oMath>
+                </a14:m>
+                <a:r>
+                  <a:rPr lang="it-IT" sz="1500" dirty="0"/>
+                  <a:t> (velocità costante)</a:t>
+                </a:r>
+              </a:p>
+              <a:p>
+                <a:pPr marL="285750" indent="-285750">
+                  <a:buFont typeface="Arial" panose="020B0604020202020204" pitchFamily="34" charset="0"/>
+                  <a:buChar char="•"/>
+                </a:pPr>
+                <a:endParaRPr lang="it-IT" sz="1500" i="1" dirty="0"/>
+              </a:p>
+            </p:txBody>
+          </p:sp>
+        </mc:Choice>
+        <mc:Fallback xmlns="">
+          <p:sp>
+            <p:nvSpPr>
+              <p:cNvPr id="17" name="CasellaDiTesto 16"/>
+              <p:cNvSpPr txBox="1">
+                <a:spLocks noRot="1" noChangeAspect="1" noMove="1" noResize="1" noEditPoints="1" noAdjustHandles="1" noChangeArrowheads="1" noChangeShapeType="1" noTextEdit="1"/>
+              </p:cNvSpPr>
+              <p:nvPr/>
+            </p:nvSpPr>
+            <p:spPr>
+              <a:xfrm>
+                <a:off x="8766686" y="848325"/>
+                <a:ext cx="2743200" cy="1246495"/>
+              </a:xfrm>
+              <a:prstGeom prst="rect">
+                <a:avLst/>
+              </a:prstGeom>
+              <a:blipFill>
+                <a:blip r:embed="rId5"/>
+                <a:stretch>
+                  <a:fillRect l="-889" t="-976"/>
+                </a:stretch>
+              </a:blipFill>
+            </p:spPr>
+            <p:txBody>
+              <a:bodyPr/>
+              <a:lstStyle/>
+              <a:p>
+                <a:r>
+                  <a:rPr lang="it-IT">
+                    <a:noFill/>
+                  </a:rPr>
+                  <a:t> </a:t>
+                </a:r>
+              </a:p>
+            </p:txBody>
+          </p:sp>
+        </mc:Fallback>
+      </mc:AlternateContent>
+      <mc:AlternateContent xmlns:mc="http://schemas.openxmlformats.org/markup-compatibility/2006">
+        <mc:Choice xmlns:a14="http://schemas.microsoft.com/office/drawing/2010/main" Requires="a14">
+          <p:sp>
+            <p:nvSpPr>
+              <p:cNvPr id="14" name="CasellaDiTesto 13"/>
               <p:cNvSpPr txBox="1"/>
               <p:nvPr/>
             </p:nvSpPr>
@@ -8536,6 +9056,28 @@
                   <a:t>w</a:t>
                 </a:r>
                 <a:r>
+                  <a:rPr lang="it-IT" sz="1500" i="1" dirty="0"/>
+                  <a:t> : </a:t>
+                </a:r>
+                <a14:m>
+                  <m:oMath xmlns:m="http://schemas.openxmlformats.org/officeDocument/2006/math">
+                    <m:r>
+                      <a:rPr lang="it-IT" sz="1500" i="1">
+                        <a:latin typeface="Cambria Math" panose="02040503050406030204" pitchFamily="18" charset="0"/>
+                        <a:ea typeface="Cambria Math" panose="02040503050406030204" pitchFamily="18" charset="0"/>
+                      </a:rPr>
+                      <m:t>ℝ</m:t>
+                    </m:r>
+                    <m:r>
+                      <a:rPr lang="it-IT" sz="1500" i="1">
+                        <a:latin typeface="Cambria Math" panose="02040503050406030204" pitchFamily="18" charset="0"/>
+                        <a:ea typeface="Cambria Math" panose="02040503050406030204" pitchFamily="18" charset="0"/>
+                      </a:rPr>
+                      <m:t>→</m:t>
+                    </m:r>
+                  </m:oMath>
+                </a14:m>
+                <a:r>
                   <a:rPr lang="it-IT" sz="1500" dirty="0"/>
                   <a:t> (</a:t>
                 </a:r>
@@ -8563,7 +9105,29 @@
                 </a:pPr>
                 <a:r>
                   <a:rPr lang="it-IT" sz="1500" i="1" dirty="0"/>
-                  <a:t>a </a:t>
+                  <a:t>a : </a:t>
+                </a:r>
+                <a14:m>
+                  <m:oMath xmlns:m="http://schemas.openxmlformats.org/officeDocument/2006/math">
+                    <m:r>
+                      <a:rPr lang="it-IT" sz="1500" i="1">
+                        <a:latin typeface="Cambria Math" panose="02040503050406030204" pitchFamily="18" charset="0"/>
+                        <a:ea typeface="Cambria Math" panose="02040503050406030204" pitchFamily="18" charset="0"/>
+                      </a:rPr>
+                      <m:t>ℝ</m:t>
+                    </m:r>
+                    <m:r>
+                      <a:rPr lang="it-IT" sz="1500" i="1">
+                        <a:latin typeface="Cambria Math" panose="02040503050406030204" pitchFamily="18" charset="0"/>
+                        <a:ea typeface="Cambria Math" panose="02040503050406030204" pitchFamily="18" charset="0"/>
+                      </a:rPr>
+                      <m:t>→</m:t>
+                    </m:r>
+                  </m:oMath>
+                </a14:m>
+                <a:r>
+                  <a:rPr lang="it-IT" sz="1500" i="1" dirty="0" smtClean="0"/>
+                  <a:t> </a:t>
                 </a:r>
                 <a:r>
                   <a:rPr lang="it-IT" sz="1500" dirty="0"/>
@@ -8596,6 +9160,28 @@
                   <a:t>s</a:t>
                 </a:r>
                 <a:r>
+                  <a:rPr lang="it-IT" sz="1500" i="1" dirty="0"/>
+                  <a:t> : </a:t>
+                </a:r>
+                <a14:m>
+                  <m:oMath xmlns:m="http://schemas.openxmlformats.org/officeDocument/2006/math">
+                    <m:r>
+                      <a:rPr lang="it-IT" sz="1500" i="1">
+                        <a:latin typeface="Cambria Math" panose="02040503050406030204" pitchFamily="18" charset="0"/>
+                        <a:ea typeface="Cambria Math" panose="02040503050406030204" pitchFamily="18" charset="0"/>
+                      </a:rPr>
+                      <m:t>ℝ</m:t>
+                    </m:r>
+                    <m:r>
+                      <a:rPr lang="it-IT" sz="1500" i="1">
+                        <a:latin typeface="Cambria Math" panose="02040503050406030204" pitchFamily="18" charset="0"/>
+                        <a:ea typeface="Cambria Math" panose="02040503050406030204" pitchFamily="18" charset="0"/>
+                      </a:rPr>
+                      <m:t>→</m:t>
+                    </m:r>
+                  </m:oMath>
+                </a14:m>
+                <a:r>
                   <a:rPr lang="it-IT" sz="1500" dirty="0"/>
                   <a:t> (</a:t>
                 </a:r>
@@ -8625,6 +9211,28 @@
                   <a:rPr lang="it-IT" sz="1500" i="1" dirty="0"/>
                   <a:t>d</a:t>
                 </a:r>
+                <a:r>
+                  <a:rPr lang="it-IT" sz="1500" i="1" dirty="0"/>
+                  <a:t> : </a:t>
+                </a:r>
+                <a14:m>
+                  <m:oMath xmlns:m="http://schemas.openxmlformats.org/officeDocument/2006/math">
+                    <m:r>
+                      <a:rPr lang="it-IT" sz="1500" i="1">
+                        <a:latin typeface="Cambria Math" panose="02040503050406030204" pitchFamily="18" charset="0"/>
+                        <a:ea typeface="Cambria Math" panose="02040503050406030204" pitchFamily="18" charset="0"/>
+                      </a:rPr>
+                      <m:t>ℝ</m:t>
+                    </m:r>
+                    <m:r>
+                      <a:rPr lang="it-IT" sz="1500" i="1">
+                        <a:latin typeface="Cambria Math" panose="02040503050406030204" pitchFamily="18" charset="0"/>
+                        <a:ea typeface="Cambria Math" panose="02040503050406030204" pitchFamily="18" charset="0"/>
+                      </a:rPr>
+                      <m:t>→</m:t>
+                    </m:r>
+                  </m:oMath>
+                </a14:m>
                 <a:r>
                   <a:rPr lang="it-IT" sz="1500" dirty="0"/>
                   <a:t> (</a:t>
@@ -8699,10 +9307,10 @@
             </p:txBody>
           </p:sp>
         </mc:Choice>
-        <mc:Fallback xmlns="">
+        <mc:Fallback>
           <p:sp>
             <p:nvSpPr>
-              <p:cNvPr id="11" name="CasellaDiTesto 10"/>
+              <p:cNvPr id="14" name="CasellaDiTesto 13"/>
               <p:cNvSpPr txBox="1">
                 <a:spLocks noRot="1" noChangeAspect="1" noMove="1" noResize="1" noEditPoints="1" noAdjustHandles="1" noChangeArrowheads="1" noChangeShapeType="1" noTextEdit="1"/>
               </p:cNvSpPr>
@@ -8717,7 +9325,7 @@
                 <a:avLst/>
               </a:prstGeom>
               <a:blipFill>
-                <a:blip r:embed="rId3"/>
+                <a:blip r:embed="rId6"/>
                 <a:stretch>
                   <a:fillRect l="-889" t="-1240" b="-3719"/>
                 </a:stretch>
@@ -8728,7 +9336,7 @@
               <a:lstStyle/>
               <a:p>
                 <a:r>
-                  <a:rPr lang="it-IT">
+                  <a:rPr lang="en-GB">
                     <a:noFill/>
                   </a:rPr>
                   <a:t> </a:t>
@@ -8738,18 +9346,18 @@
           </p:sp>
         </mc:Fallback>
       </mc:AlternateContent>
-      <mc:AlternateContent xmlns:mc="http://schemas.openxmlformats.org/markup-compatibility/2006" xmlns:a14="http://schemas.microsoft.com/office/drawing/2010/main">
-        <mc:Choice Requires="a14">
+      <mc:AlternateContent xmlns:mc="http://schemas.openxmlformats.org/markup-compatibility/2006">
+        <mc:Choice xmlns:a14="http://schemas.microsoft.com/office/drawing/2010/main" Requires="a14">
           <p:sp>
             <p:nvSpPr>
-              <p:cNvPr id="12" name="CasellaDiTesto 11"/>
+              <p:cNvPr id="15" name="CasellaDiTesto 14"/>
               <p:cNvSpPr txBox="1"/>
               <p:nvPr/>
             </p:nvSpPr>
             <p:spPr>
               <a:xfrm>
                 <a:off x="8766686" y="3516143"/>
-                <a:ext cx="2743200" cy="553998"/>
+                <a:ext cx="2743200" cy="784830"/>
               </a:xfrm>
               <a:prstGeom prst="rect">
                 <a:avLst/>
@@ -8778,6 +9386,28 @@
                 </a:r>
                 <a:r>
                   <a:rPr lang="it-IT" sz="1500" i="1" dirty="0"/>
+                  <a:t> : </a:t>
+                </a:r>
+                <a14:m>
+                  <m:oMath xmlns:m="http://schemas.openxmlformats.org/officeDocument/2006/math">
+                    <m:r>
+                      <a:rPr lang="it-IT" sz="1500" i="1">
+                        <a:latin typeface="Cambria Math" panose="02040503050406030204" pitchFamily="18" charset="0"/>
+                        <a:ea typeface="Cambria Math" panose="02040503050406030204" pitchFamily="18" charset="0"/>
+                      </a:rPr>
+                      <m:t>ℝ</m:t>
+                    </m:r>
+                    <m:r>
+                      <a:rPr lang="it-IT" sz="1500" i="1">
+                        <a:latin typeface="Cambria Math" panose="02040503050406030204" pitchFamily="18" charset="0"/>
+                        <a:ea typeface="Cambria Math" panose="02040503050406030204" pitchFamily="18" charset="0"/>
+                      </a:rPr>
+                      <m:t>→</m:t>
+                    </m:r>
+                  </m:oMath>
+                </a14:m>
+                <a:r>
+                  <a:rPr lang="it-IT" sz="1500" i="1" dirty="0"/>
                   <a:t> </a:t>
                 </a:r>
                 <a:r>
@@ -8823,10 +9453,10 @@
             </p:txBody>
           </p:sp>
         </mc:Choice>
-        <mc:Fallback xmlns="">
+        <mc:Fallback>
           <p:sp>
             <p:nvSpPr>
-              <p:cNvPr id="12" name="CasellaDiTesto 11"/>
+              <p:cNvPr id="15" name="CasellaDiTesto 14"/>
               <p:cNvSpPr txBox="1">
                 <a:spLocks noRot="1" noChangeAspect="1" noMove="1" noResize="1" noEditPoints="1" noAdjustHandles="1" noChangeArrowheads="1" noChangeShapeType="1" noTextEdit="1"/>
               </p:cNvSpPr>
@@ -8835,15 +9465,15 @@
             <p:spPr>
               <a:xfrm>
                 <a:off x="8766686" y="3516143"/>
-                <a:ext cx="2743200" cy="553998"/>
+                <a:ext cx="2743200" cy="784830"/>
               </a:xfrm>
               <a:prstGeom prst="rect">
                 <a:avLst/>
               </a:prstGeom>
               <a:blipFill>
-                <a:blip r:embed="rId4"/>
+                <a:blip r:embed="rId7"/>
                 <a:stretch>
-                  <a:fillRect l="-889" t="-2198" b="-10989"/>
+                  <a:fillRect l="-889" t="-1550" b="-6977"/>
                 </a:stretch>
               </a:blipFill>
             </p:spPr>
@@ -8852,197 +9482,7 @@
               <a:lstStyle/>
               <a:p>
                 <a:r>
-                  <a:rPr lang="it-IT">
-                    <a:noFill/>
-                  </a:rPr>
-                  <a:t> </a:t>
-                </a:r>
-              </a:p>
-            </p:txBody>
-          </p:sp>
-        </mc:Fallback>
-      </mc:AlternateContent>
-      <mc:AlternateContent xmlns:mc="http://schemas.openxmlformats.org/markup-compatibility/2006" xmlns:a14="http://schemas.microsoft.com/office/drawing/2010/main">
-        <mc:Choice Requires="a14">
-          <p:sp>
-            <p:nvSpPr>
-              <p:cNvPr id="17" name="CasellaDiTesto 16"/>
-              <p:cNvSpPr txBox="1"/>
-              <p:nvPr/>
-            </p:nvSpPr>
-            <p:spPr>
-              <a:xfrm>
-                <a:off x="8766686" y="848325"/>
-                <a:ext cx="2743200" cy="1246495"/>
-              </a:xfrm>
-              <a:prstGeom prst="rect">
-                <a:avLst/>
-              </a:prstGeom>
-              <a:noFill/>
-            </p:spPr>
-            <p:txBody>
-              <a:bodyPr wrap="square" rtlCol="0">
-                <a:spAutoFit/>
-              </a:bodyPr>
-              <a:lstStyle/>
-              <a:p>
-                <a:r>
-                  <a:rPr lang="it-IT" sz="1500" dirty="0"/>
-                  <a:t>Parametri:</a:t>
-                </a:r>
-              </a:p>
-              <a:p>
-                <a:pPr marL="285750" indent="-285750">
-                  <a:buFont typeface="Arial" panose="020B0604020202020204" pitchFamily="34" charset="0"/>
-                  <a:buChar char="•"/>
-                </a:pPr>
-                <a:r>
-                  <a:rPr lang="it-IT" sz="1500" i="1" dirty="0"/>
-                  <a:t>x</a:t>
-                </a:r>
-                <a:r>
-                  <a:rPr lang="it-IT" sz="1500" i="1" baseline="-25000" dirty="0"/>
-                  <a:t>s</a:t>
-                </a:r>
-                <a:r>
-                  <a:rPr lang="it-IT" sz="1500" i="1" dirty="0"/>
-                  <a:t> </a:t>
-                </a:r>
-                <a14:m>
-                  <m:oMath xmlns:m="http://schemas.openxmlformats.org/officeDocument/2006/math">
-                    <m:r>
-                      <a:rPr lang="it-IT" sz="1500" i="1">
-                        <a:latin typeface="Cambria Math" panose="02040503050406030204" pitchFamily="18" charset="0"/>
-                        <a:ea typeface="Cambria Math" panose="02040503050406030204" pitchFamily="18" charset="0"/>
-                      </a:rPr>
-                      <m:t>∈ </m:t>
-                    </m:r>
-                    <m:r>
-                      <a:rPr lang="it-IT" sz="1500" i="1">
-                        <a:latin typeface="Cambria Math" panose="02040503050406030204" pitchFamily="18" charset="0"/>
-                        <a:ea typeface="Cambria Math" panose="02040503050406030204" pitchFamily="18" charset="0"/>
-                      </a:rPr>
-                      <m:t>ℝ</m:t>
-                    </m:r>
-                  </m:oMath>
-                </a14:m>
-                <a:r>
-                  <a:rPr lang="it-IT" sz="1500" dirty="0"/>
-                  <a:t> (Posizione navicella)</a:t>
-                </a:r>
-              </a:p>
-              <a:p>
-                <a:pPr marL="285750" indent="-285750">
-                  <a:buFont typeface="Arial" panose="020B0604020202020204" pitchFamily="34" charset="0"/>
-                  <a:buChar char="•"/>
-                </a:pPr>
-                <a:r>
-                  <a:rPr lang="it-IT" sz="1500" i="1" dirty="0"/>
-                  <a:t>y</a:t>
-                </a:r>
-                <a:r>
-                  <a:rPr lang="it-IT" sz="1500" i="1" baseline="-25000" dirty="0"/>
-                  <a:t>s</a:t>
-                </a:r>
-                <a:r>
-                  <a:rPr lang="it-IT" sz="1500" i="1" dirty="0"/>
-                  <a:t> </a:t>
-                </a:r>
-                <a14:m>
-                  <m:oMath xmlns:m="http://schemas.openxmlformats.org/officeDocument/2006/math">
-                    <m:r>
-                      <a:rPr lang="it-IT" sz="1500" i="1">
-                        <a:latin typeface="Cambria Math" panose="02040503050406030204" pitchFamily="18" charset="0"/>
-                        <a:ea typeface="Cambria Math" panose="02040503050406030204" pitchFamily="18" charset="0"/>
-                      </a:rPr>
-                      <m:t>∈ </m:t>
-                    </m:r>
-                    <m:r>
-                      <a:rPr lang="it-IT" sz="1500" i="1">
-                        <a:latin typeface="Cambria Math" panose="02040503050406030204" pitchFamily="18" charset="0"/>
-                        <a:ea typeface="Cambria Math" panose="02040503050406030204" pitchFamily="18" charset="0"/>
-                      </a:rPr>
-                      <m:t>ℝ</m:t>
-                    </m:r>
-                  </m:oMath>
-                </a14:m>
-                <a:r>
-                  <a:rPr lang="it-IT" sz="1500" dirty="0"/>
-                  <a:t> (Posizione navicella)</a:t>
-                </a:r>
-              </a:p>
-              <a:p>
-                <a:pPr marL="285750" indent="-285750">
-                  <a:buFont typeface="Arial" panose="020B0604020202020204" pitchFamily="34" charset="0"/>
-                  <a:buChar char="•"/>
-                </a:pPr>
-                <a:r>
-                  <a:rPr lang="it-IT" sz="1500" i="1" dirty="0"/>
-                  <a:t>v </a:t>
-                </a:r>
-                <a14:m>
-                  <m:oMath xmlns:m="http://schemas.openxmlformats.org/officeDocument/2006/math">
-                    <m:r>
-                      <a:rPr lang="it-IT" sz="1500" i="1">
-                        <a:latin typeface="Cambria Math" panose="02040503050406030204" pitchFamily="18" charset="0"/>
-                        <a:ea typeface="Cambria Math" panose="02040503050406030204" pitchFamily="18" charset="0"/>
-                      </a:rPr>
-                      <m:t>∈ </m:t>
-                    </m:r>
-                    <m:r>
-                      <a:rPr lang="it-IT" sz="1500" i="1">
-                        <a:latin typeface="Cambria Math" panose="02040503050406030204" pitchFamily="18" charset="0"/>
-                        <a:ea typeface="Cambria Math" panose="02040503050406030204" pitchFamily="18" charset="0"/>
-                      </a:rPr>
-                      <m:t>ℕ</m:t>
-                    </m:r>
-                  </m:oMath>
-                </a14:m>
-                <a:r>
-                  <a:rPr lang="it-IT" sz="1500" dirty="0"/>
-                  <a:t> (velocità costante)</a:t>
-                </a:r>
-              </a:p>
-              <a:p>
-                <a:pPr marL="285750" indent="-285750">
-                  <a:buFont typeface="Arial" panose="020B0604020202020204" pitchFamily="34" charset="0"/>
-                  <a:buChar char="•"/>
-                </a:pPr>
-                <a:endParaRPr lang="it-IT" sz="1500" i="1" dirty="0"/>
-              </a:p>
-            </p:txBody>
-          </p:sp>
-        </mc:Choice>
-        <mc:Fallback xmlns="">
-          <p:sp>
-            <p:nvSpPr>
-              <p:cNvPr id="17" name="CasellaDiTesto 16"/>
-              <p:cNvSpPr txBox="1">
-                <a:spLocks noRot="1" noChangeAspect="1" noMove="1" noResize="1" noEditPoints="1" noAdjustHandles="1" noChangeArrowheads="1" noChangeShapeType="1" noTextEdit="1"/>
-              </p:cNvSpPr>
-              <p:nvPr/>
-            </p:nvSpPr>
-            <p:spPr>
-              <a:xfrm>
-                <a:off x="8766686" y="848325"/>
-                <a:ext cx="2743200" cy="1246495"/>
-              </a:xfrm>
-              <a:prstGeom prst="rect">
-                <a:avLst/>
-              </a:prstGeom>
-              <a:blipFill>
-                <a:blip r:embed="rId5"/>
-                <a:stretch>
-                  <a:fillRect l="-889" t="-976"/>
-                </a:stretch>
-              </a:blipFill>
-            </p:spPr>
-            <p:txBody>
-              <a:bodyPr/>
-              <a:lstStyle/>
-              <a:p>
-                <a:r>
-                  <a:rPr lang="it-IT">
+                  <a:rPr lang="en-GB">
                     <a:noFill/>
                   </a:rPr>
                   <a:t> </a:t>
@@ -9062,11 +9502,11 @@
   <p:clrMapOvr>
     <a:masterClrMapping/>
   </p:clrMapOvr>
-  <mc:AlternateContent xmlns:mc="http://schemas.openxmlformats.org/markup-compatibility/2006">
-    <mc:Choice xmlns:p14="http://schemas.microsoft.com/office/powerpoint/2010/main" Requires="p14">
+  <mc:AlternateContent xmlns:mc="http://schemas.openxmlformats.org/markup-compatibility/2006" xmlns:p14="http://schemas.microsoft.com/office/powerpoint/2010/main">
+    <mc:Choice Requires="p14">
       <p:transition spd="slow" p14:dur="2000"/>
     </mc:Choice>
-    <mc:Fallback>
+    <mc:Fallback xmlns="">
       <p:transition spd="slow"/>
     </mc:Fallback>
   </mc:AlternateContent>
@@ -9540,7 +9980,197 @@
         <mc:Choice Requires="a14">
           <p:sp>
             <p:nvSpPr>
-              <p:cNvPr id="11" name="CasellaDiTesto 10"/>
+              <p:cNvPr id="17" name="CasellaDiTesto 16"/>
+              <p:cNvSpPr txBox="1"/>
+              <p:nvPr/>
+            </p:nvSpPr>
+            <p:spPr>
+              <a:xfrm>
+                <a:off x="8766686" y="848325"/>
+                <a:ext cx="2743200" cy="1246495"/>
+              </a:xfrm>
+              <a:prstGeom prst="rect">
+                <a:avLst/>
+              </a:prstGeom>
+              <a:noFill/>
+            </p:spPr>
+            <p:txBody>
+              <a:bodyPr wrap="square" rtlCol="0">
+                <a:spAutoFit/>
+              </a:bodyPr>
+              <a:lstStyle/>
+              <a:p>
+                <a:r>
+                  <a:rPr lang="it-IT" sz="1500" dirty="0"/>
+                  <a:t>Parametri:</a:t>
+                </a:r>
+              </a:p>
+              <a:p>
+                <a:pPr marL="285750" indent="-285750">
+                  <a:buFont typeface="Arial" panose="020B0604020202020204" pitchFamily="34" charset="0"/>
+                  <a:buChar char="•"/>
+                </a:pPr>
+                <a:r>
+                  <a:rPr lang="it-IT" sz="1500" i="1" dirty="0"/>
+                  <a:t>x</a:t>
+                </a:r>
+                <a:r>
+                  <a:rPr lang="it-IT" sz="1500" i="1" baseline="-25000" dirty="0"/>
+                  <a:t>s</a:t>
+                </a:r>
+                <a:r>
+                  <a:rPr lang="it-IT" sz="1500" i="1" dirty="0"/>
+                  <a:t> </a:t>
+                </a:r>
+                <a14:m>
+                  <m:oMath xmlns:m="http://schemas.openxmlformats.org/officeDocument/2006/math">
+                    <m:r>
+                      <a:rPr lang="it-IT" sz="1500" i="1">
+                        <a:latin typeface="Cambria Math" panose="02040503050406030204" pitchFamily="18" charset="0"/>
+                        <a:ea typeface="Cambria Math" panose="02040503050406030204" pitchFamily="18" charset="0"/>
+                      </a:rPr>
+                      <m:t>∈ </m:t>
+                    </m:r>
+                    <m:r>
+                      <a:rPr lang="it-IT" sz="1500" i="1">
+                        <a:latin typeface="Cambria Math" panose="02040503050406030204" pitchFamily="18" charset="0"/>
+                        <a:ea typeface="Cambria Math" panose="02040503050406030204" pitchFamily="18" charset="0"/>
+                      </a:rPr>
+                      <m:t>ℝ</m:t>
+                    </m:r>
+                  </m:oMath>
+                </a14:m>
+                <a:r>
+                  <a:rPr lang="it-IT" sz="1500" dirty="0"/>
+                  <a:t> (Posizione navicella)</a:t>
+                </a:r>
+              </a:p>
+              <a:p>
+                <a:pPr marL="285750" indent="-285750">
+                  <a:buFont typeface="Arial" panose="020B0604020202020204" pitchFamily="34" charset="0"/>
+                  <a:buChar char="•"/>
+                </a:pPr>
+                <a:r>
+                  <a:rPr lang="it-IT" sz="1500" i="1" dirty="0"/>
+                  <a:t>y</a:t>
+                </a:r>
+                <a:r>
+                  <a:rPr lang="it-IT" sz="1500" i="1" baseline="-25000" dirty="0"/>
+                  <a:t>s</a:t>
+                </a:r>
+                <a:r>
+                  <a:rPr lang="it-IT" sz="1500" i="1" dirty="0"/>
+                  <a:t> </a:t>
+                </a:r>
+                <a14:m>
+                  <m:oMath xmlns:m="http://schemas.openxmlformats.org/officeDocument/2006/math">
+                    <m:r>
+                      <a:rPr lang="it-IT" sz="1500" i="1">
+                        <a:latin typeface="Cambria Math" panose="02040503050406030204" pitchFamily="18" charset="0"/>
+                        <a:ea typeface="Cambria Math" panose="02040503050406030204" pitchFamily="18" charset="0"/>
+                      </a:rPr>
+                      <m:t>∈ </m:t>
+                    </m:r>
+                    <m:r>
+                      <a:rPr lang="it-IT" sz="1500" i="1">
+                        <a:latin typeface="Cambria Math" panose="02040503050406030204" pitchFamily="18" charset="0"/>
+                        <a:ea typeface="Cambria Math" panose="02040503050406030204" pitchFamily="18" charset="0"/>
+                      </a:rPr>
+                      <m:t>ℝ</m:t>
+                    </m:r>
+                  </m:oMath>
+                </a14:m>
+                <a:r>
+                  <a:rPr lang="it-IT" sz="1500" dirty="0"/>
+                  <a:t> (Posizione navicella)</a:t>
+                </a:r>
+              </a:p>
+              <a:p>
+                <a:pPr marL="285750" indent="-285750">
+                  <a:buFont typeface="Arial" panose="020B0604020202020204" pitchFamily="34" charset="0"/>
+                  <a:buChar char="•"/>
+                </a:pPr>
+                <a:r>
+                  <a:rPr lang="it-IT" sz="1500" i="1" dirty="0"/>
+                  <a:t>v </a:t>
+                </a:r>
+                <a14:m>
+                  <m:oMath xmlns:m="http://schemas.openxmlformats.org/officeDocument/2006/math">
+                    <m:r>
+                      <a:rPr lang="it-IT" sz="1500" i="1">
+                        <a:latin typeface="Cambria Math" panose="02040503050406030204" pitchFamily="18" charset="0"/>
+                        <a:ea typeface="Cambria Math" panose="02040503050406030204" pitchFamily="18" charset="0"/>
+                      </a:rPr>
+                      <m:t>∈ </m:t>
+                    </m:r>
+                    <m:r>
+                      <a:rPr lang="it-IT" sz="1500" i="1">
+                        <a:latin typeface="Cambria Math" panose="02040503050406030204" pitchFamily="18" charset="0"/>
+                        <a:ea typeface="Cambria Math" panose="02040503050406030204" pitchFamily="18" charset="0"/>
+                      </a:rPr>
+                      <m:t>ℕ</m:t>
+                    </m:r>
+                  </m:oMath>
+                </a14:m>
+                <a:r>
+                  <a:rPr lang="it-IT" sz="1500" dirty="0"/>
+                  <a:t> (velocità costante)</a:t>
+                </a:r>
+              </a:p>
+              <a:p>
+                <a:pPr marL="285750" indent="-285750">
+                  <a:buFont typeface="Arial" panose="020B0604020202020204" pitchFamily="34" charset="0"/>
+                  <a:buChar char="•"/>
+                </a:pPr>
+                <a:endParaRPr lang="it-IT" sz="1500" i="1" dirty="0"/>
+              </a:p>
+            </p:txBody>
+          </p:sp>
+        </mc:Choice>
+        <mc:Fallback xmlns="">
+          <p:sp>
+            <p:nvSpPr>
+              <p:cNvPr id="17" name="CasellaDiTesto 16"/>
+              <p:cNvSpPr txBox="1">
+                <a:spLocks noRot="1" noChangeAspect="1" noMove="1" noResize="1" noEditPoints="1" noAdjustHandles="1" noChangeArrowheads="1" noChangeShapeType="1" noTextEdit="1"/>
+              </p:cNvSpPr>
+              <p:nvPr/>
+            </p:nvSpPr>
+            <p:spPr>
+              <a:xfrm>
+                <a:off x="8766686" y="848325"/>
+                <a:ext cx="2743200" cy="1246495"/>
+              </a:xfrm>
+              <a:prstGeom prst="rect">
+                <a:avLst/>
+              </a:prstGeom>
+              <a:blipFill>
+                <a:blip r:embed="rId5"/>
+                <a:stretch>
+                  <a:fillRect l="-889" t="-976"/>
+                </a:stretch>
+              </a:blipFill>
+            </p:spPr>
+            <p:txBody>
+              <a:bodyPr/>
+              <a:lstStyle/>
+              <a:p>
+                <a:r>
+                  <a:rPr lang="it-IT">
+                    <a:noFill/>
+                  </a:rPr>
+                  <a:t> </a:t>
+                </a:r>
+              </a:p>
+            </p:txBody>
+          </p:sp>
+        </mc:Fallback>
+      </mc:AlternateContent>
+      <mc:AlternateContent xmlns:mc="http://schemas.openxmlformats.org/markup-compatibility/2006">
+        <mc:Choice xmlns:a14="http://schemas.microsoft.com/office/drawing/2010/main" Requires="a14">
+          <p:sp>
+            <p:nvSpPr>
+              <p:cNvPr id="14" name="CasellaDiTesto 13"/>
               <p:cNvSpPr txBox="1"/>
               <p:nvPr/>
             </p:nvSpPr>
@@ -9575,6 +10205,28 @@
                   <a:t>w</a:t>
                 </a:r>
                 <a:r>
+                  <a:rPr lang="it-IT" sz="1500" i="1" dirty="0"/>
+                  <a:t> : </a:t>
+                </a:r>
+                <a14:m>
+                  <m:oMath xmlns:m="http://schemas.openxmlformats.org/officeDocument/2006/math">
+                    <m:r>
+                      <a:rPr lang="it-IT" sz="1500" i="1">
+                        <a:latin typeface="Cambria Math" panose="02040503050406030204" pitchFamily="18" charset="0"/>
+                        <a:ea typeface="Cambria Math" panose="02040503050406030204" pitchFamily="18" charset="0"/>
+                      </a:rPr>
+                      <m:t>ℝ</m:t>
+                    </m:r>
+                    <m:r>
+                      <a:rPr lang="it-IT" sz="1500" i="1">
+                        <a:latin typeface="Cambria Math" panose="02040503050406030204" pitchFamily="18" charset="0"/>
+                        <a:ea typeface="Cambria Math" panose="02040503050406030204" pitchFamily="18" charset="0"/>
+                      </a:rPr>
+                      <m:t>→</m:t>
+                    </m:r>
+                  </m:oMath>
+                </a14:m>
+                <a:r>
                   <a:rPr lang="it-IT" sz="1500" dirty="0"/>
                   <a:t> (</a:t>
                 </a:r>
@@ -9602,7 +10254,29 @@
                 </a:pPr>
                 <a:r>
                   <a:rPr lang="it-IT" sz="1500" i="1" dirty="0"/>
-                  <a:t>a </a:t>
+                  <a:t>a : </a:t>
+                </a:r>
+                <a14:m>
+                  <m:oMath xmlns:m="http://schemas.openxmlformats.org/officeDocument/2006/math">
+                    <m:r>
+                      <a:rPr lang="it-IT" sz="1500" i="1">
+                        <a:latin typeface="Cambria Math" panose="02040503050406030204" pitchFamily="18" charset="0"/>
+                        <a:ea typeface="Cambria Math" panose="02040503050406030204" pitchFamily="18" charset="0"/>
+                      </a:rPr>
+                      <m:t>ℝ</m:t>
+                    </m:r>
+                    <m:r>
+                      <a:rPr lang="it-IT" sz="1500" i="1">
+                        <a:latin typeface="Cambria Math" panose="02040503050406030204" pitchFamily="18" charset="0"/>
+                        <a:ea typeface="Cambria Math" panose="02040503050406030204" pitchFamily="18" charset="0"/>
+                      </a:rPr>
+                      <m:t>→</m:t>
+                    </m:r>
+                  </m:oMath>
+                </a14:m>
+                <a:r>
+                  <a:rPr lang="it-IT" sz="1500" i="1" dirty="0" smtClean="0"/>
+                  <a:t> </a:t>
                 </a:r>
                 <a:r>
                   <a:rPr lang="it-IT" sz="1500" dirty="0"/>
@@ -9635,6 +10309,28 @@
                   <a:t>s</a:t>
                 </a:r>
                 <a:r>
+                  <a:rPr lang="it-IT" sz="1500" i="1" dirty="0"/>
+                  <a:t> : </a:t>
+                </a:r>
+                <a14:m>
+                  <m:oMath xmlns:m="http://schemas.openxmlformats.org/officeDocument/2006/math">
+                    <m:r>
+                      <a:rPr lang="it-IT" sz="1500" i="1">
+                        <a:latin typeface="Cambria Math" panose="02040503050406030204" pitchFamily="18" charset="0"/>
+                        <a:ea typeface="Cambria Math" panose="02040503050406030204" pitchFamily="18" charset="0"/>
+                      </a:rPr>
+                      <m:t>ℝ</m:t>
+                    </m:r>
+                    <m:r>
+                      <a:rPr lang="it-IT" sz="1500" i="1">
+                        <a:latin typeface="Cambria Math" panose="02040503050406030204" pitchFamily="18" charset="0"/>
+                        <a:ea typeface="Cambria Math" panose="02040503050406030204" pitchFamily="18" charset="0"/>
+                      </a:rPr>
+                      <m:t>→</m:t>
+                    </m:r>
+                  </m:oMath>
+                </a14:m>
+                <a:r>
                   <a:rPr lang="it-IT" sz="1500" dirty="0"/>
                   <a:t> (</a:t>
                 </a:r>
@@ -9664,6 +10360,28 @@
                   <a:rPr lang="it-IT" sz="1500" i="1" dirty="0"/>
                   <a:t>d</a:t>
                 </a:r>
+                <a:r>
+                  <a:rPr lang="it-IT" sz="1500" i="1" dirty="0"/>
+                  <a:t> : </a:t>
+                </a:r>
+                <a14:m>
+                  <m:oMath xmlns:m="http://schemas.openxmlformats.org/officeDocument/2006/math">
+                    <m:r>
+                      <a:rPr lang="it-IT" sz="1500" i="1">
+                        <a:latin typeface="Cambria Math" panose="02040503050406030204" pitchFamily="18" charset="0"/>
+                        <a:ea typeface="Cambria Math" panose="02040503050406030204" pitchFamily="18" charset="0"/>
+                      </a:rPr>
+                      <m:t>ℝ</m:t>
+                    </m:r>
+                    <m:r>
+                      <a:rPr lang="it-IT" sz="1500" i="1">
+                        <a:latin typeface="Cambria Math" panose="02040503050406030204" pitchFamily="18" charset="0"/>
+                        <a:ea typeface="Cambria Math" panose="02040503050406030204" pitchFamily="18" charset="0"/>
+                      </a:rPr>
+                      <m:t>→</m:t>
+                    </m:r>
+                  </m:oMath>
+                </a14:m>
                 <a:r>
                   <a:rPr lang="it-IT" sz="1500" dirty="0"/>
                   <a:t> (</a:t>
@@ -9738,10 +10456,10 @@
             </p:txBody>
           </p:sp>
         </mc:Choice>
-        <mc:Fallback xmlns="">
+        <mc:Fallback>
           <p:sp>
             <p:nvSpPr>
-              <p:cNvPr id="11" name="CasellaDiTesto 10"/>
+              <p:cNvPr id="14" name="CasellaDiTesto 13"/>
               <p:cNvSpPr txBox="1">
                 <a:spLocks noRot="1" noChangeAspect="1" noMove="1" noResize="1" noEditPoints="1" noAdjustHandles="1" noChangeArrowheads="1" noChangeShapeType="1" noTextEdit="1"/>
               </p:cNvSpPr>
@@ -9756,7 +10474,7 @@
                 <a:avLst/>
               </a:prstGeom>
               <a:blipFill>
-                <a:blip r:embed="rId3"/>
+                <a:blip r:embed="rId6"/>
                 <a:stretch>
                   <a:fillRect l="-889" t="-1240" b="-3719"/>
                 </a:stretch>
@@ -9767,7 +10485,7 @@
               <a:lstStyle/>
               <a:p>
                 <a:r>
-                  <a:rPr lang="it-IT">
+                  <a:rPr lang="en-GB">
                     <a:noFill/>
                   </a:rPr>
                   <a:t> </a:t>
@@ -9777,18 +10495,18 @@
           </p:sp>
         </mc:Fallback>
       </mc:AlternateContent>
-      <mc:AlternateContent xmlns:mc="http://schemas.openxmlformats.org/markup-compatibility/2006" xmlns:a14="http://schemas.microsoft.com/office/drawing/2010/main">
-        <mc:Choice Requires="a14">
+      <mc:AlternateContent xmlns:mc="http://schemas.openxmlformats.org/markup-compatibility/2006">
+        <mc:Choice xmlns:a14="http://schemas.microsoft.com/office/drawing/2010/main" Requires="a14">
           <p:sp>
             <p:nvSpPr>
-              <p:cNvPr id="12" name="CasellaDiTesto 11"/>
+              <p:cNvPr id="15" name="CasellaDiTesto 14"/>
               <p:cNvSpPr txBox="1"/>
               <p:nvPr/>
             </p:nvSpPr>
             <p:spPr>
               <a:xfrm>
                 <a:off x="8766686" y="3516143"/>
-                <a:ext cx="2743200" cy="553998"/>
+                <a:ext cx="2743200" cy="784830"/>
               </a:xfrm>
               <a:prstGeom prst="rect">
                 <a:avLst/>
@@ -9817,6 +10535,28 @@
                 </a:r>
                 <a:r>
                   <a:rPr lang="it-IT" sz="1500" i="1" dirty="0"/>
+                  <a:t> : </a:t>
+                </a:r>
+                <a14:m>
+                  <m:oMath xmlns:m="http://schemas.openxmlformats.org/officeDocument/2006/math">
+                    <m:r>
+                      <a:rPr lang="it-IT" sz="1500" i="1">
+                        <a:latin typeface="Cambria Math" panose="02040503050406030204" pitchFamily="18" charset="0"/>
+                        <a:ea typeface="Cambria Math" panose="02040503050406030204" pitchFamily="18" charset="0"/>
+                      </a:rPr>
+                      <m:t>ℝ</m:t>
+                    </m:r>
+                    <m:r>
+                      <a:rPr lang="it-IT" sz="1500" i="1">
+                        <a:latin typeface="Cambria Math" panose="02040503050406030204" pitchFamily="18" charset="0"/>
+                        <a:ea typeface="Cambria Math" panose="02040503050406030204" pitchFamily="18" charset="0"/>
+                      </a:rPr>
+                      <m:t>→</m:t>
+                    </m:r>
+                  </m:oMath>
+                </a14:m>
+                <a:r>
+                  <a:rPr lang="it-IT" sz="1500" i="1" dirty="0"/>
                   <a:t> </a:t>
                 </a:r>
                 <a:r>
@@ -9862,10 +10602,10 @@
             </p:txBody>
           </p:sp>
         </mc:Choice>
-        <mc:Fallback xmlns="">
+        <mc:Fallback>
           <p:sp>
             <p:nvSpPr>
-              <p:cNvPr id="12" name="CasellaDiTesto 11"/>
+              <p:cNvPr id="15" name="CasellaDiTesto 14"/>
               <p:cNvSpPr txBox="1">
                 <a:spLocks noRot="1" noChangeAspect="1" noMove="1" noResize="1" noEditPoints="1" noAdjustHandles="1" noChangeArrowheads="1" noChangeShapeType="1" noTextEdit="1"/>
               </p:cNvSpPr>
@@ -9874,15 +10614,15 @@
             <p:spPr>
               <a:xfrm>
                 <a:off x="8766686" y="3516143"/>
-                <a:ext cx="2743200" cy="553998"/>
+                <a:ext cx="2743200" cy="784830"/>
               </a:xfrm>
               <a:prstGeom prst="rect">
                 <a:avLst/>
               </a:prstGeom>
               <a:blipFill>
-                <a:blip r:embed="rId4"/>
+                <a:blip r:embed="rId7"/>
                 <a:stretch>
-                  <a:fillRect l="-889" t="-2198" b="-10989"/>
+                  <a:fillRect l="-889" t="-1550" b="-6977"/>
                 </a:stretch>
               </a:blipFill>
             </p:spPr>
@@ -9891,197 +10631,7 @@
               <a:lstStyle/>
               <a:p>
                 <a:r>
-                  <a:rPr lang="it-IT">
-                    <a:noFill/>
-                  </a:rPr>
-                  <a:t> </a:t>
-                </a:r>
-              </a:p>
-            </p:txBody>
-          </p:sp>
-        </mc:Fallback>
-      </mc:AlternateContent>
-      <mc:AlternateContent xmlns:mc="http://schemas.openxmlformats.org/markup-compatibility/2006" xmlns:a14="http://schemas.microsoft.com/office/drawing/2010/main">
-        <mc:Choice Requires="a14">
-          <p:sp>
-            <p:nvSpPr>
-              <p:cNvPr id="17" name="CasellaDiTesto 16"/>
-              <p:cNvSpPr txBox="1"/>
-              <p:nvPr/>
-            </p:nvSpPr>
-            <p:spPr>
-              <a:xfrm>
-                <a:off x="8766686" y="848325"/>
-                <a:ext cx="2743200" cy="1246495"/>
-              </a:xfrm>
-              <a:prstGeom prst="rect">
-                <a:avLst/>
-              </a:prstGeom>
-              <a:noFill/>
-            </p:spPr>
-            <p:txBody>
-              <a:bodyPr wrap="square" rtlCol="0">
-                <a:spAutoFit/>
-              </a:bodyPr>
-              <a:lstStyle/>
-              <a:p>
-                <a:r>
-                  <a:rPr lang="it-IT" sz="1500" dirty="0"/>
-                  <a:t>Parametri:</a:t>
-                </a:r>
-              </a:p>
-              <a:p>
-                <a:pPr marL="285750" indent="-285750">
-                  <a:buFont typeface="Arial" panose="020B0604020202020204" pitchFamily="34" charset="0"/>
-                  <a:buChar char="•"/>
-                </a:pPr>
-                <a:r>
-                  <a:rPr lang="it-IT" sz="1500" i="1" dirty="0"/>
-                  <a:t>x</a:t>
-                </a:r>
-                <a:r>
-                  <a:rPr lang="it-IT" sz="1500" i="1" baseline="-25000" dirty="0"/>
-                  <a:t>s</a:t>
-                </a:r>
-                <a:r>
-                  <a:rPr lang="it-IT" sz="1500" i="1" dirty="0"/>
-                  <a:t> </a:t>
-                </a:r>
-                <a14:m>
-                  <m:oMath xmlns:m="http://schemas.openxmlformats.org/officeDocument/2006/math">
-                    <m:r>
-                      <a:rPr lang="it-IT" sz="1500" i="1">
-                        <a:latin typeface="Cambria Math" panose="02040503050406030204" pitchFamily="18" charset="0"/>
-                        <a:ea typeface="Cambria Math" panose="02040503050406030204" pitchFamily="18" charset="0"/>
-                      </a:rPr>
-                      <m:t>∈ </m:t>
-                    </m:r>
-                    <m:r>
-                      <a:rPr lang="it-IT" sz="1500" i="1">
-                        <a:latin typeface="Cambria Math" panose="02040503050406030204" pitchFamily="18" charset="0"/>
-                        <a:ea typeface="Cambria Math" panose="02040503050406030204" pitchFamily="18" charset="0"/>
-                      </a:rPr>
-                      <m:t>ℝ</m:t>
-                    </m:r>
-                  </m:oMath>
-                </a14:m>
-                <a:r>
-                  <a:rPr lang="it-IT" sz="1500" dirty="0"/>
-                  <a:t> (Posizione navicella)</a:t>
-                </a:r>
-              </a:p>
-              <a:p>
-                <a:pPr marL="285750" indent="-285750">
-                  <a:buFont typeface="Arial" panose="020B0604020202020204" pitchFamily="34" charset="0"/>
-                  <a:buChar char="•"/>
-                </a:pPr>
-                <a:r>
-                  <a:rPr lang="it-IT" sz="1500" i="1" dirty="0"/>
-                  <a:t>y</a:t>
-                </a:r>
-                <a:r>
-                  <a:rPr lang="it-IT" sz="1500" i="1" baseline="-25000" dirty="0"/>
-                  <a:t>s</a:t>
-                </a:r>
-                <a:r>
-                  <a:rPr lang="it-IT" sz="1500" i="1" dirty="0"/>
-                  <a:t> </a:t>
-                </a:r>
-                <a14:m>
-                  <m:oMath xmlns:m="http://schemas.openxmlformats.org/officeDocument/2006/math">
-                    <m:r>
-                      <a:rPr lang="it-IT" sz="1500" i="1">
-                        <a:latin typeface="Cambria Math" panose="02040503050406030204" pitchFamily="18" charset="0"/>
-                        <a:ea typeface="Cambria Math" panose="02040503050406030204" pitchFamily="18" charset="0"/>
-                      </a:rPr>
-                      <m:t>∈ </m:t>
-                    </m:r>
-                    <m:r>
-                      <a:rPr lang="it-IT" sz="1500" i="1">
-                        <a:latin typeface="Cambria Math" panose="02040503050406030204" pitchFamily="18" charset="0"/>
-                        <a:ea typeface="Cambria Math" panose="02040503050406030204" pitchFamily="18" charset="0"/>
-                      </a:rPr>
-                      <m:t>ℝ</m:t>
-                    </m:r>
-                  </m:oMath>
-                </a14:m>
-                <a:r>
-                  <a:rPr lang="it-IT" sz="1500" dirty="0"/>
-                  <a:t> (Posizione navicella)</a:t>
-                </a:r>
-              </a:p>
-              <a:p>
-                <a:pPr marL="285750" indent="-285750">
-                  <a:buFont typeface="Arial" panose="020B0604020202020204" pitchFamily="34" charset="0"/>
-                  <a:buChar char="•"/>
-                </a:pPr>
-                <a:r>
-                  <a:rPr lang="it-IT" sz="1500" i="1" dirty="0"/>
-                  <a:t>v </a:t>
-                </a:r>
-                <a14:m>
-                  <m:oMath xmlns:m="http://schemas.openxmlformats.org/officeDocument/2006/math">
-                    <m:r>
-                      <a:rPr lang="it-IT" sz="1500" i="1">
-                        <a:latin typeface="Cambria Math" panose="02040503050406030204" pitchFamily="18" charset="0"/>
-                        <a:ea typeface="Cambria Math" panose="02040503050406030204" pitchFamily="18" charset="0"/>
-                      </a:rPr>
-                      <m:t>∈ </m:t>
-                    </m:r>
-                    <m:r>
-                      <a:rPr lang="it-IT" sz="1500" i="1">
-                        <a:latin typeface="Cambria Math" panose="02040503050406030204" pitchFamily="18" charset="0"/>
-                        <a:ea typeface="Cambria Math" panose="02040503050406030204" pitchFamily="18" charset="0"/>
-                      </a:rPr>
-                      <m:t>ℕ</m:t>
-                    </m:r>
-                  </m:oMath>
-                </a14:m>
-                <a:r>
-                  <a:rPr lang="it-IT" sz="1500" dirty="0"/>
-                  <a:t> (velocità costante)</a:t>
-                </a:r>
-              </a:p>
-              <a:p>
-                <a:pPr marL="285750" indent="-285750">
-                  <a:buFont typeface="Arial" panose="020B0604020202020204" pitchFamily="34" charset="0"/>
-                  <a:buChar char="•"/>
-                </a:pPr>
-                <a:endParaRPr lang="it-IT" sz="1500" i="1" dirty="0"/>
-              </a:p>
-            </p:txBody>
-          </p:sp>
-        </mc:Choice>
-        <mc:Fallback xmlns="">
-          <p:sp>
-            <p:nvSpPr>
-              <p:cNvPr id="17" name="CasellaDiTesto 16"/>
-              <p:cNvSpPr txBox="1">
-                <a:spLocks noRot="1" noChangeAspect="1" noMove="1" noResize="1" noEditPoints="1" noAdjustHandles="1" noChangeArrowheads="1" noChangeShapeType="1" noTextEdit="1"/>
-              </p:cNvSpPr>
-              <p:nvPr/>
-            </p:nvSpPr>
-            <p:spPr>
-              <a:xfrm>
-                <a:off x="8766686" y="848325"/>
-                <a:ext cx="2743200" cy="1246495"/>
-              </a:xfrm>
-              <a:prstGeom prst="rect">
-                <a:avLst/>
-              </a:prstGeom>
-              <a:blipFill>
-                <a:blip r:embed="rId5"/>
-                <a:stretch>
-                  <a:fillRect l="-889" t="-976"/>
-                </a:stretch>
-              </a:blipFill>
-            </p:spPr>
-            <p:txBody>
-              <a:bodyPr/>
-              <a:lstStyle/>
-              <a:p>
-                <a:r>
-                  <a:rPr lang="it-IT">
+                  <a:rPr lang="en-GB">
                     <a:noFill/>
                   </a:rPr>
                   <a:t> </a:t>
@@ -10101,11 +10651,11 @@
   <p:clrMapOvr>
     <a:masterClrMapping/>
   </p:clrMapOvr>
-  <mc:AlternateContent xmlns:mc="http://schemas.openxmlformats.org/markup-compatibility/2006">
-    <mc:Choice xmlns:p14="http://schemas.microsoft.com/office/powerpoint/2010/main" Requires="p14">
+  <mc:AlternateContent xmlns:mc="http://schemas.openxmlformats.org/markup-compatibility/2006" xmlns:p14="http://schemas.microsoft.com/office/powerpoint/2010/main">
+    <mc:Choice Requires="p14">
       <p:transition spd="slow" p14:dur="2000"/>
     </mc:Choice>
-    <mc:Fallback>
+    <mc:Fallback xmlns="">
       <p:transition spd="slow"/>
     </mc:Fallback>
   </mc:AlternateContent>
@@ -18053,8 +18603,8 @@
           </a:p>
         </p:txBody>
       </p:sp>
-      <mc:AlternateContent xmlns:mc="http://schemas.openxmlformats.org/markup-compatibility/2006" xmlns:a14="http://schemas.microsoft.com/office/drawing/2010/main">
-        <mc:Choice Requires="a14">
+      <mc:AlternateContent xmlns:mc="http://schemas.openxmlformats.org/markup-compatibility/2006">
+        <mc:Choice xmlns:a14="http://schemas.microsoft.com/office/drawing/2010/main" Requires="a14">
           <p:sp>
             <p:nvSpPr>
               <p:cNvPr id="45" name="CasellaDiTesto 44"/>
@@ -18091,15 +18641,33 @@
                   </a:tabLst>
                 </a:pPr>
                 <a:r>
-                  <a:rPr lang="it-IT" sz="1500" i="1" dirty="0" err="1"/>
+                  <a:rPr lang="it-IT" sz="1500" i="1" dirty="0" err="1" smtClean="0"/>
                   <a:t>StopA</a:t>
                 </a:r>
                 <a:r>
-                  <a:rPr lang="it-IT" sz="1500" i="1" dirty="0"/>
-                  <a:t> </a:t>
-                </a:r>
-                <a:r>
-                  <a:rPr lang="it-IT" sz="1500" dirty="0"/>
+                  <a:rPr lang="it-IT" sz="1500" i="1" dirty="0" smtClean="0"/>
+                  <a:t>: </a:t>
+                </a:r>
+                <a14:m>
+                  <m:oMath xmlns:m="http://schemas.openxmlformats.org/officeDocument/2006/math">
+                    <m:r>
+                      <a:rPr lang="it-IT" sz="1500" i="1" smtClean="0">
+                        <a:latin typeface="Cambria Math" panose="02040503050406030204" pitchFamily="18" charset="0"/>
+                        <a:ea typeface="Cambria Math" panose="02040503050406030204" pitchFamily="18" charset="0"/>
+                      </a:rPr>
+                      <m:t>ℝ</m:t>
+                    </m:r>
+                    <m:r>
+                      <a:rPr lang="it-IT" sz="1500" i="1" smtClean="0">
+                        <a:latin typeface="Cambria Math" panose="02040503050406030204" pitchFamily="18" charset="0"/>
+                        <a:ea typeface="Cambria Math" panose="02040503050406030204" pitchFamily="18" charset="0"/>
+                      </a:rPr>
+                      <m:t>→</m:t>
+                    </m:r>
+                  </m:oMath>
+                </a14:m>
+                <a:r>
+                  <a:rPr lang="it-IT" sz="1500" dirty="0" smtClean="0"/>
                   <a:t>(</a:t>
                 </a:r>
                 <a:r>
@@ -18143,12 +18711,38 @@
                   </a:tabLst>
                 </a:pPr>
                 <a:r>
-                  <a:rPr lang="it-IT" sz="1500" dirty="0" err="1"/>
+                  <a:rPr lang="it-IT" sz="1500" dirty="0" err="1" smtClean="0"/>
                   <a:t>RestartA</a:t>
                 </a:r>
                 <a:r>
+                  <a:rPr lang="it-IT" sz="1500" dirty="0" smtClean="0"/>
+                  <a:t>: </a:t>
+                </a:r>
+                <a14:m>
+                  <m:oMath xmlns:m="http://schemas.openxmlformats.org/officeDocument/2006/math">
+                    <m:r>
+                      <a:rPr lang="it-IT" sz="1500" i="1">
+                        <a:latin typeface="Cambria Math" panose="02040503050406030204" pitchFamily="18" charset="0"/>
+                        <a:ea typeface="Cambria Math" panose="02040503050406030204" pitchFamily="18" charset="0"/>
+                      </a:rPr>
+                      <m:t>ℝ</m:t>
+                    </m:r>
+                    <m:r>
+                      <a:rPr lang="it-IT" sz="1500" i="1">
+                        <a:latin typeface="Cambria Math" panose="02040503050406030204" pitchFamily="18" charset="0"/>
+                        <a:ea typeface="Cambria Math" panose="02040503050406030204" pitchFamily="18" charset="0"/>
+                      </a:rPr>
+                      <m:t>→</m:t>
+                    </m:r>
+                  </m:oMath>
+                </a14:m>
+                <a:r>
+                  <a:rPr lang="it-IT" sz="1500" dirty="0" smtClean="0"/>
+                  <a:t> </a:t>
+                </a:r>
+                <a:r>
                   <a:rPr lang="it-IT" sz="1500" dirty="0"/>
-                  <a:t> (</a:t>
+                  <a:t>(</a:t>
                 </a:r>
                 <a:r>
                   <a:rPr lang="it-IT" sz="1500" dirty="0" err="1"/>
@@ -18185,7 +18779,7 @@
             </p:txBody>
           </p:sp>
         </mc:Choice>
-        <mc:Fallback xmlns="">
+        <mc:Fallback>
           <p:sp>
             <p:nvSpPr>
               <p:cNvPr id="45" name="CasellaDiTesto 44"/>
@@ -18205,7 +18799,7 @@
               <a:blipFill>
                 <a:blip r:embed="rId3"/>
                 <a:stretch>
-                  <a:fillRect l="-742" t="-629" b="-2830"/>
+                  <a:fillRect l="-742" t="-629" r="-557" b="-2830"/>
                 </a:stretch>
               </a:blipFill>
             </p:spPr>
@@ -18214,7 +18808,7 @@
               <a:lstStyle/>
               <a:p>
                 <a:r>
-                  <a:rPr lang="it-IT">
+                  <a:rPr lang="en-GB">
                     <a:noFill/>
                   </a:rPr>
                   <a:t> </a:t>
@@ -21180,8 +21774,8 @@
           <a:chExt cx="0" cy="0"/>
         </a:xfrm>
       </p:grpSpPr>
-      <mc:AlternateContent xmlns:mc="http://schemas.openxmlformats.org/markup-compatibility/2006" xmlns:a14="http://schemas.microsoft.com/office/drawing/2010/main">
-        <mc:Choice Requires="a14">
+      <mc:AlternateContent xmlns:mc="http://schemas.openxmlformats.org/markup-compatibility/2006">
+        <mc:Choice xmlns:a14="http://schemas.microsoft.com/office/drawing/2010/main" Requires="a14">
           <p:sp>
             <p:nvSpPr>
               <p:cNvPr id="131" name="CasellaDiTesto 130"/>
@@ -21215,12 +21809,34 @@
                   <a:buChar char="•"/>
                 </a:pPr>
                 <a:r>
-                  <a:rPr lang="it-IT" sz="1500" i="1" dirty="0"/>
-                  <a:t>w</a:t>
+                  <a:rPr lang="it-IT" sz="1500" i="1" dirty="0" smtClean="0"/>
+                  <a:t>w: </a:t>
+                </a:r>
+                <a14:m>
+                  <m:oMath xmlns:m="http://schemas.openxmlformats.org/officeDocument/2006/math">
+                    <m:r>
+                      <a:rPr lang="it-IT" sz="1500" i="1">
+                        <a:latin typeface="Cambria Math" panose="02040503050406030204" pitchFamily="18" charset="0"/>
+                        <a:ea typeface="Cambria Math" panose="02040503050406030204" pitchFamily="18" charset="0"/>
+                      </a:rPr>
+                      <m:t>ℝ</m:t>
+                    </m:r>
+                    <m:r>
+                      <a:rPr lang="it-IT" sz="1500" i="1">
+                        <a:latin typeface="Cambria Math" panose="02040503050406030204" pitchFamily="18" charset="0"/>
+                        <a:ea typeface="Cambria Math" panose="02040503050406030204" pitchFamily="18" charset="0"/>
+                      </a:rPr>
+                      <m:t>→</m:t>
+                    </m:r>
+                  </m:oMath>
+                </a14:m>
+                <a:r>
+                  <a:rPr lang="it-IT" sz="1500" dirty="0" smtClean="0"/>
+                  <a:t> </a:t>
                 </a:r>
                 <a:r>
                   <a:rPr lang="it-IT" sz="1500" dirty="0"/>
-                  <a:t> (</a:t>
+                  <a:t>(</a:t>
                 </a:r>
                 <a:r>
                   <a:rPr lang="it-IT" sz="1500" dirty="0" err="1"/>
@@ -21260,8 +21876,34 @@
                   <a:buChar char="•"/>
                 </a:pPr>
                 <a:r>
+                  <a:rPr lang="it-IT" sz="1500" i="1" dirty="0" smtClean="0"/>
+                  <a:t>a</a:t>
+                </a:r>
+                <a:r>
+                  <a:rPr lang="it-IT" sz="1500" i="1" dirty="0" smtClean="0"/>
+                  <a:t>: </a:t>
+                </a:r>
+                <a14:m>
+                  <m:oMath xmlns:m="http://schemas.openxmlformats.org/officeDocument/2006/math">
+                    <m:r>
+                      <a:rPr lang="it-IT" sz="1500" i="1">
+                        <a:latin typeface="Cambria Math" panose="02040503050406030204" pitchFamily="18" charset="0"/>
+                        <a:ea typeface="Cambria Math" panose="02040503050406030204" pitchFamily="18" charset="0"/>
+                      </a:rPr>
+                      <m:t>ℝ</m:t>
+                    </m:r>
+                    <m:r>
+                      <a:rPr lang="it-IT" sz="1500" i="1">
+                        <a:latin typeface="Cambria Math" panose="02040503050406030204" pitchFamily="18" charset="0"/>
+                        <a:ea typeface="Cambria Math" panose="02040503050406030204" pitchFamily="18" charset="0"/>
+                      </a:rPr>
+                      <m:t>→</m:t>
+                    </m:r>
+                  </m:oMath>
+                </a14:m>
+                <a:r>
                   <a:rPr lang="it-IT" sz="1500" i="1" dirty="0"/>
-                  <a:t>a </a:t>
+                  <a:t> </a:t>
                 </a:r>
                 <a:r>
                   <a:rPr lang="it-IT" sz="1500" dirty="0"/>
@@ -21305,9 +21947,31 @@
                   <a:buChar char="•"/>
                 </a:pPr>
                 <a:r>
-                  <a:rPr lang="it-IT" sz="1500" i="1" dirty="0"/>
+                  <a:rPr lang="it-IT" sz="1500" i="1" dirty="0" smtClean="0"/>
                   <a:t>s</a:t>
                 </a:r>
+                <a:r>
+                  <a:rPr lang="it-IT" sz="1500" i="1" dirty="0" smtClean="0"/>
+                  <a:t>: </a:t>
+                </a:r>
+                <a14:m>
+                  <m:oMath xmlns:m="http://schemas.openxmlformats.org/officeDocument/2006/math">
+                    <m:r>
+                      <a:rPr lang="it-IT" sz="1500" i="1">
+                        <a:latin typeface="Cambria Math" panose="02040503050406030204" pitchFamily="18" charset="0"/>
+                        <a:ea typeface="Cambria Math" panose="02040503050406030204" pitchFamily="18" charset="0"/>
+                      </a:rPr>
+                      <m:t>ℝ</m:t>
+                    </m:r>
+                    <m:r>
+                      <a:rPr lang="it-IT" sz="1500" i="1">
+                        <a:latin typeface="Cambria Math" panose="02040503050406030204" pitchFamily="18" charset="0"/>
+                        <a:ea typeface="Cambria Math" panose="02040503050406030204" pitchFamily="18" charset="0"/>
+                      </a:rPr>
+                      <m:t>→</m:t>
+                    </m:r>
+                  </m:oMath>
+                </a14:m>
                 <a:r>
                   <a:rPr lang="it-IT" sz="1500" dirty="0"/>
                   <a:t> (</a:t>
@@ -21350,9 +22014,31 @@
                   <a:buChar char="•"/>
                 </a:pPr>
                 <a:r>
-                  <a:rPr lang="it-IT" sz="1500" i="1" dirty="0"/>
+                  <a:rPr lang="it-IT" sz="1500" i="1" dirty="0" smtClean="0"/>
                   <a:t>d</a:t>
                 </a:r>
+                <a:r>
+                  <a:rPr lang="it-IT" sz="1500" i="1" dirty="0" smtClean="0"/>
+                  <a:t>: </a:t>
+                </a:r>
+                <a14:m>
+                  <m:oMath xmlns:m="http://schemas.openxmlformats.org/officeDocument/2006/math">
+                    <m:r>
+                      <a:rPr lang="it-IT" sz="1500" i="1">
+                        <a:latin typeface="Cambria Math" panose="02040503050406030204" pitchFamily="18" charset="0"/>
+                        <a:ea typeface="Cambria Math" panose="02040503050406030204" pitchFamily="18" charset="0"/>
+                      </a:rPr>
+                      <m:t>ℝ</m:t>
+                    </m:r>
+                    <m:r>
+                      <a:rPr lang="it-IT" sz="1500" i="1">
+                        <a:latin typeface="Cambria Math" panose="02040503050406030204" pitchFamily="18" charset="0"/>
+                        <a:ea typeface="Cambria Math" panose="02040503050406030204" pitchFamily="18" charset="0"/>
+                      </a:rPr>
+                      <m:t>→</m:t>
+                    </m:r>
+                  </m:oMath>
+                </a14:m>
                 <a:r>
                   <a:rPr lang="it-IT" sz="1500" dirty="0"/>
                   <a:t> (</a:t>
@@ -21445,7 +22131,7 @@
             </p:txBody>
           </p:sp>
         </mc:Choice>
-        <mc:Fallback xmlns="">
+        <mc:Fallback>
           <p:sp>
             <p:nvSpPr>
               <p:cNvPr id="131" name="CasellaDiTesto 130"/>
@@ -21474,7 +22160,7 @@
               <a:lstStyle/>
               <a:p>
                 <a:r>
-                  <a:rPr lang="it-IT">
+                  <a:rPr lang="en-GB">
                     <a:noFill/>
                   </a:rPr>
                   <a:t> </a:t>
@@ -21484,8 +22170,8 @@
           </p:sp>
         </mc:Fallback>
       </mc:AlternateContent>
-      <mc:AlternateContent xmlns:mc="http://schemas.openxmlformats.org/markup-compatibility/2006" xmlns:a14="http://schemas.microsoft.com/office/drawing/2010/main">
-        <mc:Choice Requires="a14">
+      <mc:AlternateContent xmlns:mc="http://schemas.openxmlformats.org/markup-compatibility/2006">
+        <mc:Choice xmlns:a14="http://schemas.microsoft.com/office/drawing/2010/main" Requires="a14">
           <p:sp>
             <p:nvSpPr>
               <p:cNvPr id="132" name="CasellaDiTesto 131"/>
@@ -21495,7 +22181,7 @@
             <p:spPr>
               <a:xfrm>
                 <a:off x="9421777" y="5767833"/>
-                <a:ext cx="2743200" cy="553998"/>
+                <a:ext cx="2743200" cy="784830"/>
               </a:xfrm>
               <a:prstGeom prst="rect">
                 <a:avLst/>
@@ -21519,8 +22205,34 @@
                   <a:buChar char="•"/>
                 </a:pPr>
                 <a:r>
-                  <a:rPr lang="it-IT" sz="1500" i="1" dirty="0"/>
-                  <a:t>Stop </a:t>
+                  <a:rPr lang="it-IT" sz="1500" i="1" dirty="0" err="1" smtClean="0"/>
+                  <a:t>StopA</a:t>
+                </a:r>
+                <a:r>
+                  <a:rPr lang="it-IT" sz="1500" i="1" dirty="0" smtClean="0"/>
+                  <a:t>: </a:t>
+                </a:r>
+                <a14:m>
+                  <m:oMath xmlns:m="http://schemas.openxmlformats.org/officeDocument/2006/math">
+                    <m:r>
+                      <a:rPr lang="it-IT" sz="1500" i="1">
+                        <a:latin typeface="Cambria Math" panose="02040503050406030204" pitchFamily="18" charset="0"/>
+                        <a:ea typeface="Cambria Math" panose="02040503050406030204" pitchFamily="18" charset="0"/>
+                      </a:rPr>
+                      <m:t>ℝ</m:t>
+                    </m:r>
+                    <m:r>
+                      <a:rPr lang="it-IT" sz="1500" i="1">
+                        <a:latin typeface="Cambria Math" panose="02040503050406030204" pitchFamily="18" charset="0"/>
+                        <a:ea typeface="Cambria Math" panose="02040503050406030204" pitchFamily="18" charset="0"/>
+                      </a:rPr>
+                      <m:t>→</m:t>
+                    </m:r>
+                  </m:oMath>
+                </a14:m>
+                <a:r>
+                  <a:rPr lang="it-IT" sz="1500" i="1" dirty="0" smtClean="0"/>
+                  <a:t> </a:t>
                 </a:r>
                 <a:r>
                   <a:rPr lang="it-IT" sz="1500" dirty="0"/>
@@ -21554,7 +22266,7 @@
             </p:txBody>
           </p:sp>
         </mc:Choice>
-        <mc:Fallback xmlns="">
+        <mc:Fallback>
           <p:sp>
             <p:nvSpPr>
               <p:cNvPr id="132" name="CasellaDiTesto 131"/>
@@ -21566,7 +22278,7 @@
             <p:spPr>
               <a:xfrm>
                 <a:off x="9421777" y="5767833"/>
-                <a:ext cx="2743200" cy="553998"/>
+                <a:ext cx="2743200" cy="784830"/>
               </a:xfrm>
               <a:prstGeom prst="rect">
                 <a:avLst/>
@@ -21574,7 +22286,7 @@
               <a:blipFill>
                 <a:blip r:embed="rId4"/>
                 <a:stretch>
-                  <a:fillRect l="-889" t="-2198" b="-12088"/>
+                  <a:fillRect l="-889" t="-1550" b="-7752"/>
                 </a:stretch>
               </a:blipFill>
             </p:spPr>
@@ -21583,7 +22295,7 @@
               <a:lstStyle/>
               <a:p>
                 <a:r>
-                  <a:rPr lang="it-IT">
+                  <a:rPr lang="en-GB">
                     <a:noFill/>
                   </a:rPr>
                   <a:t> </a:t>
@@ -29033,8 +29745,8 @@
           </mc:Fallback>
         </mc:AlternateContent>
       </p:grpSp>
-      <mc:AlternateContent xmlns:mc="http://schemas.openxmlformats.org/markup-compatibility/2006" xmlns:a14="http://schemas.microsoft.com/office/drawing/2010/main">
-        <mc:Choice Requires="a14">
+      <mc:AlternateContent xmlns:mc="http://schemas.openxmlformats.org/markup-compatibility/2006">
+        <mc:Choice xmlns:a14="http://schemas.microsoft.com/office/drawing/2010/main" Requires="a14">
           <p:sp>
             <p:nvSpPr>
               <p:cNvPr id="11" name="CasellaDiTesto 10"/>
@@ -29072,6 +29784,28 @@
                   <a:t>w</a:t>
                 </a:r>
                 <a:r>
+                  <a:rPr lang="it-IT" sz="1500" i="1" dirty="0"/>
+                  <a:t> : </a:t>
+                </a:r>
+                <a14:m>
+                  <m:oMath xmlns:m="http://schemas.openxmlformats.org/officeDocument/2006/math">
+                    <m:r>
+                      <a:rPr lang="it-IT" sz="1500" i="1">
+                        <a:latin typeface="Cambria Math" panose="02040503050406030204" pitchFamily="18" charset="0"/>
+                        <a:ea typeface="Cambria Math" panose="02040503050406030204" pitchFamily="18" charset="0"/>
+                      </a:rPr>
+                      <m:t>ℝ</m:t>
+                    </m:r>
+                    <m:r>
+                      <a:rPr lang="it-IT" sz="1500" i="1">
+                        <a:latin typeface="Cambria Math" panose="02040503050406030204" pitchFamily="18" charset="0"/>
+                        <a:ea typeface="Cambria Math" panose="02040503050406030204" pitchFamily="18" charset="0"/>
+                      </a:rPr>
+                      <m:t>→</m:t>
+                    </m:r>
+                  </m:oMath>
+                </a14:m>
+                <a:r>
                   <a:rPr lang="it-IT" sz="1500" dirty="0"/>
                   <a:t> (</a:t>
                 </a:r>
@@ -29099,7 +29833,29 @@
                 </a:pPr>
                 <a:r>
                   <a:rPr lang="it-IT" sz="1500" i="1" dirty="0"/>
-                  <a:t>a </a:t>
+                  <a:t>a : </a:t>
+                </a:r>
+                <a14:m>
+                  <m:oMath xmlns:m="http://schemas.openxmlformats.org/officeDocument/2006/math">
+                    <m:r>
+                      <a:rPr lang="it-IT" sz="1500" i="1">
+                        <a:latin typeface="Cambria Math" panose="02040503050406030204" pitchFamily="18" charset="0"/>
+                        <a:ea typeface="Cambria Math" panose="02040503050406030204" pitchFamily="18" charset="0"/>
+                      </a:rPr>
+                      <m:t>ℝ</m:t>
+                    </m:r>
+                    <m:r>
+                      <a:rPr lang="it-IT" sz="1500" i="1">
+                        <a:latin typeface="Cambria Math" panose="02040503050406030204" pitchFamily="18" charset="0"/>
+                        <a:ea typeface="Cambria Math" panose="02040503050406030204" pitchFamily="18" charset="0"/>
+                      </a:rPr>
+                      <m:t>→</m:t>
+                    </m:r>
+                  </m:oMath>
+                </a14:m>
+                <a:r>
+                  <a:rPr lang="it-IT" sz="1500" i="1" dirty="0" smtClean="0"/>
+                  <a:t> </a:t>
                 </a:r>
                 <a:r>
                   <a:rPr lang="it-IT" sz="1500" dirty="0"/>
@@ -29132,6 +29888,28 @@
                   <a:t>s</a:t>
                 </a:r>
                 <a:r>
+                  <a:rPr lang="it-IT" sz="1500" i="1" dirty="0"/>
+                  <a:t> : </a:t>
+                </a:r>
+                <a14:m>
+                  <m:oMath xmlns:m="http://schemas.openxmlformats.org/officeDocument/2006/math">
+                    <m:r>
+                      <a:rPr lang="it-IT" sz="1500" i="1">
+                        <a:latin typeface="Cambria Math" panose="02040503050406030204" pitchFamily="18" charset="0"/>
+                        <a:ea typeface="Cambria Math" panose="02040503050406030204" pitchFamily="18" charset="0"/>
+                      </a:rPr>
+                      <m:t>ℝ</m:t>
+                    </m:r>
+                    <m:r>
+                      <a:rPr lang="it-IT" sz="1500" i="1">
+                        <a:latin typeface="Cambria Math" panose="02040503050406030204" pitchFamily="18" charset="0"/>
+                        <a:ea typeface="Cambria Math" panose="02040503050406030204" pitchFamily="18" charset="0"/>
+                      </a:rPr>
+                      <m:t>→</m:t>
+                    </m:r>
+                  </m:oMath>
+                </a14:m>
+                <a:r>
                   <a:rPr lang="it-IT" sz="1500" dirty="0"/>
                   <a:t> (</a:t>
                 </a:r>
@@ -29161,6 +29939,28 @@
                   <a:rPr lang="it-IT" sz="1500" i="1" dirty="0"/>
                   <a:t>d</a:t>
                 </a:r>
+                <a:r>
+                  <a:rPr lang="it-IT" sz="1500" i="1" dirty="0"/>
+                  <a:t> : </a:t>
+                </a:r>
+                <a14:m>
+                  <m:oMath xmlns:m="http://schemas.openxmlformats.org/officeDocument/2006/math">
+                    <m:r>
+                      <a:rPr lang="it-IT" sz="1500" i="1">
+                        <a:latin typeface="Cambria Math" panose="02040503050406030204" pitchFamily="18" charset="0"/>
+                        <a:ea typeface="Cambria Math" panose="02040503050406030204" pitchFamily="18" charset="0"/>
+                      </a:rPr>
+                      <m:t>ℝ</m:t>
+                    </m:r>
+                    <m:r>
+                      <a:rPr lang="it-IT" sz="1500" i="1">
+                        <a:latin typeface="Cambria Math" panose="02040503050406030204" pitchFamily="18" charset="0"/>
+                        <a:ea typeface="Cambria Math" panose="02040503050406030204" pitchFamily="18" charset="0"/>
+                      </a:rPr>
+                      <m:t>→</m:t>
+                    </m:r>
+                  </m:oMath>
+                </a14:m>
                 <a:r>
                   <a:rPr lang="it-IT" sz="1500" dirty="0"/>
                   <a:t> (</a:t>
@@ -29235,7 +30035,7 @@
             </p:txBody>
           </p:sp>
         </mc:Choice>
-        <mc:Fallback xmlns="">
+        <mc:Fallback>
           <p:sp>
             <p:nvSpPr>
               <p:cNvPr id="11" name="CasellaDiTesto 10"/>
@@ -29264,7 +30064,7 @@
               <a:lstStyle/>
               <a:p>
                 <a:r>
-                  <a:rPr lang="it-IT">
+                  <a:rPr lang="en-GB">
                     <a:noFill/>
                   </a:rPr>
                   <a:t> </a:t>
@@ -29274,8 +30074,8 @@
           </p:sp>
         </mc:Fallback>
       </mc:AlternateContent>
-      <mc:AlternateContent xmlns:mc="http://schemas.openxmlformats.org/markup-compatibility/2006" xmlns:a14="http://schemas.microsoft.com/office/drawing/2010/main">
-        <mc:Choice Requires="a14">
+      <mc:AlternateContent xmlns:mc="http://schemas.openxmlformats.org/markup-compatibility/2006">
+        <mc:Choice xmlns:a14="http://schemas.microsoft.com/office/drawing/2010/main" Requires="a14">
           <p:sp>
             <p:nvSpPr>
               <p:cNvPr id="12" name="CasellaDiTesto 11"/>
@@ -29285,7 +30085,7 @@
             <p:spPr>
               <a:xfrm>
                 <a:off x="8766686" y="3516143"/>
-                <a:ext cx="2743200" cy="553998"/>
+                <a:ext cx="2743200" cy="784830"/>
               </a:xfrm>
               <a:prstGeom prst="rect">
                 <a:avLst/>
@@ -29314,6 +30114,28 @@
                 </a:r>
                 <a:r>
                   <a:rPr lang="it-IT" sz="1500" i="1" dirty="0"/>
+                  <a:t> : </a:t>
+                </a:r>
+                <a14:m>
+                  <m:oMath xmlns:m="http://schemas.openxmlformats.org/officeDocument/2006/math">
+                    <m:r>
+                      <a:rPr lang="it-IT" sz="1500" i="1">
+                        <a:latin typeface="Cambria Math" panose="02040503050406030204" pitchFamily="18" charset="0"/>
+                        <a:ea typeface="Cambria Math" panose="02040503050406030204" pitchFamily="18" charset="0"/>
+                      </a:rPr>
+                      <m:t>ℝ</m:t>
+                    </m:r>
+                    <m:r>
+                      <a:rPr lang="it-IT" sz="1500" i="1">
+                        <a:latin typeface="Cambria Math" panose="02040503050406030204" pitchFamily="18" charset="0"/>
+                        <a:ea typeface="Cambria Math" panose="02040503050406030204" pitchFamily="18" charset="0"/>
+                      </a:rPr>
+                      <m:t>→</m:t>
+                    </m:r>
+                  </m:oMath>
+                </a14:m>
+                <a:r>
+                  <a:rPr lang="it-IT" sz="1500" i="1" dirty="0"/>
                   <a:t> </a:t>
                 </a:r>
                 <a:r>
@@ -29359,7 +30181,7 @@
             </p:txBody>
           </p:sp>
         </mc:Choice>
-        <mc:Fallback xmlns="">
+        <mc:Fallback>
           <p:sp>
             <p:nvSpPr>
               <p:cNvPr id="12" name="CasellaDiTesto 11"/>
@@ -29371,7 +30193,7 @@
             <p:spPr>
               <a:xfrm>
                 <a:off x="8766686" y="3516143"/>
-                <a:ext cx="2743200" cy="553998"/>
+                <a:ext cx="2743200" cy="784830"/>
               </a:xfrm>
               <a:prstGeom prst="rect">
                 <a:avLst/>
@@ -29379,7 +30201,7 @@
               <a:blipFill>
                 <a:blip r:embed="rId4"/>
                 <a:stretch>
-                  <a:fillRect l="-889" t="-2198" b="-10989"/>
+                  <a:fillRect l="-889" t="-1550" b="-6977"/>
                 </a:stretch>
               </a:blipFill>
             </p:spPr>
@@ -29388,7 +30210,7 @@
               <a:lstStyle/>
               <a:p>
                 <a:r>
-                  <a:rPr lang="it-IT">
+                  <a:rPr lang="en-GB">
                     <a:noFill/>
                   </a:rPr>
                   <a:t> </a:t>
@@ -29823,11 +30645,11 @@
   <p:clrMapOvr>
     <a:masterClrMapping/>
   </p:clrMapOvr>
-  <mc:AlternateContent xmlns:mc="http://schemas.openxmlformats.org/markup-compatibility/2006">
-    <mc:Choice xmlns:p14="http://schemas.microsoft.com/office/powerpoint/2010/main" Requires="p14">
+  <mc:AlternateContent xmlns:mc="http://schemas.openxmlformats.org/markup-compatibility/2006" xmlns:p14="http://schemas.microsoft.com/office/powerpoint/2010/main">
+    <mc:Choice Requires="p14">
       <p:transition spd="slow" p14:dur="2000"/>
     </mc:Choice>
-    <mc:Fallback>
+    <mc:Fallback xmlns="">
       <p:transition spd="slow"/>
     </mc:Fallback>
   </mc:AlternateContent>
@@ -30199,7 +31021,197 @@
         <mc:Choice Requires="a14">
           <p:sp>
             <p:nvSpPr>
-              <p:cNvPr id="18" name="CasellaDiTesto 17"/>
+              <p:cNvPr id="20" name="CasellaDiTesto 19"/>
+              <p:cNvSpPr txBox="1"/>
+              <p:nvPr/>
+            </p:nvSpPr>
+            <p:spPr>
+              <a:xfrm>
+                <a:off x="8766686" y="848325"/>
+                <a:ext cx="2743200" cy="1246495"/>
+              </a:xfrm>
+              <a:prstGeom prst="rect">
+                <a:avLst/>
+              </a:prstGeom>
+              <a:noFill/>
+            </p:spPr>
+            <p:txBody>
+              <a:bodyPr wrap="square" rtlCol="0">
+                <a:spAutoFit/>
+              </a:bodyPr>
+              <a:lstStyle/>
+              <a:p>
+                <a:r>
+                  <a:rPr lang="it-IT" sz="1500" dirty="0"/>
+                  <a:t>Parametri:</a:t>
+                </a:r>
+              </a:p>
+              <a:p>
+                <a:pPr marL="285750" indent="-285750">
+                  <a:buFont typeface="Arial" panose="020B0604020202020204" pitchFamily="34" charset="0"/>
+                  <a:buChar char="•"/>
+                </a:pPr>
+                <a:r>
+                  <a:rPr lang="it-IT" sz="1500" i="1" dirty="0"/>
+                  <a:t>x</a:t>
+                </a:r>
+                <a:r>
+                  <a:rPr lang="it-IT" sz="1500" i="1" baseline="-25000" dirty="0"/>
+                  <a:t>s</a:t>
+                </a:r>
+                <a:r>
+                  <a:rPr lang="it-IT" sz="1500" i="1" dirty="0"/>
+                  <a:t> </a:t>
+                </a:r>
+                <a14:m>
+                  <m:oMath xmlns:m="http://schemas.openxmlformats.org/officeDocument/2006/math">
+                    <m:r>
+                      <a:rPr lang="it-IT" sz="1500" i="1">
+                        <a:latin typeface="Cambria Math" panose="02040503050406030204" pitchFamily="18" charset="0"/>
+                        <a:ea typeface="Cambria Math" panose="02040503050406030204" pitchFamily="18" charset="0"/>
+                      </a:rPr>
+                      <m:t>∈ </m:t>
+                    </m:r>
+                    <m:r>
+                      <a:rPr lang="it-IT" sz="1500" i="1">
+                        <a:latin typeface="Cambria Math" panose="02040503050406030204" pitchFamily="18" charset="0"/>
+                        <a:ea typeface="Cambria Math" panose="02040503050406030204" pitchFamily="18" charset="0"/>
+                      </a:rPr>
+                      <m:t>ℝ</m:t>
+                    </m:r>
+                  </m:oMath>
+                </a14:m>
+                <a:r>
+                  <a:rPr lang="it-IT" sz="1500" dirty="0"/>
+                  <a:t> (Posizione navicella)</a:t>
+                </a:r>
+              </a:p>
+              <a:p>
+                <a:pPr marL="285750" indent="-285750">
+                  <a:buFont typeface="Arial" panose="020B0604020202020204" pitchFamily="34" charset="0"/>
+                  <a:buChar char="•"/>
+                </a:pPr>
+                <a:r>
+                  <a:rPr lang="it-IT" sz="1500" i="1" dirty="0"/>
+                  <a:t>y</a:t>
+                </a:r>
+                <a:r>
+                  <a:rPr lang="it-IT" sz="1500" i="1" baseline="-25000" dirty="0"/>
+                  <a:t>s</a:t>
+                </a:r>
+                <a:r>
+                  <a:rPr lang="it-IT" sz="1500" i="1" dirty="0"/>
+                  <a:t> </a:t>
+                </a:r>
+                <a14:m>
+                  <m:oMath xmlns:m="http://schemas.openxmlformats.org/officeDocument/2006/math">
+                    <m:r>
+                      <a:rPr lang="it-IT" sz="1500" i="1">
+                        <a:latin typeface="Cambria Math" panose="02040503050406030204" pitchFamily="18" charset="0"/>
+                        <a:ea typeface="Cambria Math" panose="02040503050406030204" pitchFamily="18" charset="0"/>
+                      </a:rPr>
+                      <m:t>∈ </m:t>
+                    </m:r>
+                    <m:r>
+                      <a:rPr lang="it-IT" sz="1500" i="1">
+                        <a:latin typeface="Cambria Math" panose="02040503050406030204" pitchFamily="18" charset="0"/>
+                        <a:ea typeface="Cambria Math" panose="02040503050406030204" pitchFamily="18" charset="0"/>
+                      </a:rPr>
+                      <m:t>ℝ</m:t>
+                    </m:r>
+                  </m:oMath>
+                </a14:m>
+                <a:r>
+                  <a:rPr lang="it-IT" sz="1500" dirty="0"/>
+                  <a:t> (Posizione navicella)</a:t>
+                </a:r>
+              </a:p>
+              <a:p>
+                <a:pPr marL="285750" indent="-285750">
+                  <a:buFont typeface="Arial" panose="020B0604020202020204" pitchFamily="34" charset="0"/>
+                  <a:buChar char="•"/>
+                </a:pPr>
+                <a:r>
+                  <a:rPr lang="it-IT" sz="1500" i="1" dirty="0"/>
+                  <a:t>v </a:t>
+                </a:r>
+                <a14:m>
+                  <m:oMath xmlns:m="http://schemas.openxmlformats.org/officeDocument/2006/math">
+                    <m:r>
+                      <a:rPr lang="it-IT" sz="1500" i="1">
+                        <a:latin typeface="Cambria Math" panose="02040503050406030204" pitchFamily="18" charset="0"/>
+                        <a:ea typeface="Cambria Math" panose="02040503050406030204" pitchFamily="18" charset="0"/>
+                      </a:rPr>
+                      <m:t>∈ </m:t>
+                    </m:r>
+                    <m:r>
+                      <a:rPr lang="it-IT" sz="1500" i="1">
+                        <a:latin typeface="Cambria Math" panose="02040503050406030204" pitchFamily="18" charset="0"/>
+                        <a:ea typeface="Cambria Math" panose="02040503050406030204" pitchFamily="18" charset="0"/>
+                      </a:rPr>
+                      <m:t>ℕ</m:t>
+                    </m:r>
+                  </m:oMath>
+                </a14:m>
+                <a:r>
+                  <a:rPr lang="it-IT" sz="1500" dirty="0"/>
+                  <a:t> (velocità costante)</a:t>
+                </a:r>
+              </a:p>
+              <a:p>
+                <a:pPr marL="285750" indent="-285750">
+                  <a:buFont typeface="Arial" panose="020B0604020202020204" pitchFamily="34" charset="0"/>
+                  <a:buChar char="•"/>
+                </a:pPr>
+                <a:endParaRPr lang="it-IT" sz="1500" i="1" dirty="0"/>
+              </a:p>
+            </p:txBody>
+          </p:sp>
+        </mc:Choice>
+        <mc:Fallback xmlns="">
+          <p:sp>
+            <p:nvSpPr>
+              <p:cNvPr id="20" name="CasellaDiTesto 19"/>
+              <p:cNvSpPr txBox="1">
+                <a:spLocks noRot="1" noChangeAspect="1" noMove="1" noResize="1" noEditPoints="1" noAdjustHandles="1" noChangeArrowheads="1" noChangeShapeType="1" noTextEdit="1"/>
+              </p:cNvSpPr>
+              <p:nvPr/>
+            </p:nvSpPr>
+            <p:spPr>
+              <a:xfrm>
+                <a:off x="8766686" y="848325"/>
+                <a:ext cx="2743200" cy="1246495"/>
+              </a:xfrm>
+              <a:prstGeom prst="rect">
+                <a:avLst/>
+              </a:prstGeom>
+              <a:blipFill>
+                <a:blip r:embed="rId4"/>
+                <a:stretch>
+                  <a:fillRect l="-889" t="-976"/>
+                </a:stretch>
+              </a:blipFill>
+            </p:spPr>
+            <p:txBody>
+              <a:bodyPr/>
+              <a:lstStyle/>
+              <a:p>
+                <a:r>
+                  <a:rPr lang="it-IT">
+                    <a:noFill/>
+                  </a:rPr>
+                  <a:t> </a:t>
+                </a:r>
+              </a:p>
+            </p:txBody>
+          </p:sp>
+        </mc:Fallback>
+      </mc:AlternateContent>
+      <mc:AlternateContent xmlns:mc="http://schemas.openxmlformats.org/markup-compatibility/2006">
+        <mc:Choice xmlns:a14="http://schemas.microsoft.com/office/drawing/2010/main" Requires="a14">
+          <p:sp>
+            <p:nvSpPr>
+              <p:cNvPr id="11" name="CasellaDiTesto 10"/>
               <p:cNvSpPr txBox="1"/>
               <p:nvPr/>
             </p:nvSpPr>
@@ -30234,6 +31246,28 @@
                   <a:t>w</a:t>
                 </a:r>
                 <a:r>
+                  <a:rPr lang="it-IT" sz="1500" i="1" dirty="0"/>
+                  <a:t> : </a:t>
+                </a:r>
+                <a14:m>
+                  <m:oMath xmlns:m="http://schemas.openxmlformats.org/officeDocument/2006/math">
+                    <m:r>
+                      <a:rPr lang="it-IT" sz="1500" i="1">
+                        <a:latin typeface="Cambria Math" panose="02040503050406030204" pitchFamily="18" charset="0"/>
+                        <a:ea typeface="Cambria Math" panose="02040503050406030204" pitchFamily="18" charset="0"/>
+                      </a:rPr>
+                      <m:t>ℝ</m:t>
+                    </m:r>
+                    <m:r>
+                      <a:rPr lang="it-IT" sz="1500" i="1">
+                        <a:latin typeface="Cambria Math" panose="02040503050406030204" pitchFamily="18" charset="0"/>
+                        <a:ea typeface="Cambria Math" panose="02040503050406030204" pitchFamily="18" charset="0"/>
+                      </a:rPr>
+                      <m:t>→</m:t>
+                    </m:r>
+                  </m:oMath>
+                </a14:m>
+                <a:r>
                   <a:rPr lang="it-IT" sz="1500" dirty="0"/>
                   <a:t> (</a:t>
                 </a:r>
@@ -30261,7 +31295,29 @@
                 </a:pPr>
                 <a:r>
                   <a:rPr lang="it-IT" sz="1500" i="1" dirty="0"/>
-                  <a:t>a </a:t>
+                  <a:t>a : </a:t>
+                </a:r>
+                <a14:m>
+                  <m:oMath xmlns:m="http://schemas.openxmlformats.org/officeDocument/2006/math">
+                    <m:r>
+                      <a:rPr lang="it-IT" sz="1500" i="1">
+                        <a:latin typeface="Cambria Math" panose="02040503050406030204" pitchFamily="18" charset="0"/>
+                        <a:ea typeface="Cambria Math" panose="02040503050406030204" pitchFamily="18" charset="0"/>
+                      </a:rPr>
+                      <m:t>ℝ</m:t>
+                    </m:r>
+                    <m:r>
+                      <a:rPr lang="it-IT" sz="1500" i="1">
+                        <a:latin typeface="Cambria Math" panose="02040503050406030204" pitchFamily="18" charset="0"/>
+                        <a:ea typeface="Cambria Math" panose="02040503050406030204" pitchFamily="18" charset="0"/>
+                      </a:rPr>
+                      <m:t>→</m:t>
+                    </m:r>
+                  </m:oMath>
+                </a14:m>
+                <a:r>
+                  <a:rPr lang="it-IT" sz="1500" i="1" dirty="0" smtClean="0"/>
+                  <a:t> </a:t>
                 </a:r>
                 <a:r>
                   <a:rPr lang="it-IT" sz="1500" dirty="0"/>
@@ -30294,6 +31350,28 @@
                   <a:t>s</a:t>
                 </a:r>
                 <a:r>
+                  <a:rPr lang="it-IT" sz="1500" i="1" dirty="0"/>
+                  <a:t> : </a:t>
+                </a:r>
+                <a14:m>
+                  <m:oMath xmlns:m="http://schemas.openxmlformats.org/officeDocument/2006/math">
+                    <m:r>
+                      <a:rPr lang="it-IT" sz="1500" i="1">
+                        <a:latin typeface="Cambria Math" panose="02040503050406030204" pitchFamily="18" charset="0"/>
+                        <a:ea typeface="Cambria Math" panose="02040503050406030204" pitchFamily="18" charset="0"/>
+                      </a:rPr>
+                      <m:t>ℝ</m:t>
+                    </m:r>
+                    <m:r>
+                      <a:rPr lang="it-IT" sz="1500" i="1">
+                        <a:latin typeface="Cambria Math" panose="02040503050406030204" pitchFamily="18" charset="0"/>
+                        <a:ea typeface="Cambria Math" panose="02040503050406030204" pitchFamily="18" charset="0"/>
+                      </a:rPr>
+                      <m:t>→</m:t>
+                    </m:r>
+                  </m:oMath>
+                </a14:m>
+                <a:r>
                   <a:rPr lang="it-IT" sz="1500" dirty="0"/>
                   <a:t> (</a:t>
                 </a:r>
@@ -30323,6 +31401,28 @@
                   <a:rPr lang="it-IT" sz="1500" i="1" dirty="0"/>
                   <a:t>d</a:t>
                 </a:r>
+                <a:r>
+                  <a:rPr lang="it-IT" sz="1500" i="1" dirty="0"/>
+                  <a:t> : </a:t>
+                </a:r>
+                <a14:m>
+                  <m:oMath xmlns:m="http://schemas.openxmlformats.org/officeDocument/2006/math">
+                    <m:r>
+                      <a:rPr lang="it-IT" sz="1500" i="1">
+                        <a:latin typeface="Cambria Math" panose="02040503050406030204" pitchFamily="18" charset="0"/>
+                        <a:ea typeface="Cambria Math" panose="02040503050406030204" pitchFamily="18" charset="0"/>
+                      </a:rPr>
+                      <m:t>ℝ</m:t>
+                    </m:r>
+                    <m:r>
+                      <a:rPr lang="it-IT" sz="1500" i="1">
+                        <a:latin typeface="Cambria Math" panose="02040503050406030204" pitchFamily="18" charset="0"/>
+                        <a:ea typeface="Cambria Math" panose="02040503050406030204" pitchFamily="18" charset="0"/>
+                      </a:rPr>
+                      <m:t>→</m:t>
+                    </m:r>
+                  </m:oMath>
+                </a14:m>
                 <a:r>
                   <a:rPr lang="it-IT" sz="1500" dirty="0"/>
                   <a:t> (</a:t>
@@ -30397,10 +31497,10 @@
             </p:txBody>
           </p:sp>
         </mc:Choice>
-        <mc:Fallback xmlns="">
+        <mc:Fallback>
           <p:sp>
             <p:nvSpPr>
-              <p:cNvPr id="18" name="CasellaDiTesto 17"/>
+              <p:cNvPr id="11" name="CasellaDiTesto 10"/>
               <p:cNvSpPr txBox="1">
                 <a:spLocks noRot="1" noChangeAspect="1" noMove="1" noResize="1" noEditPoints="1" noAdjustHandles="1" noChangeArrowheads="1" noChangeShapeType="1" noTextEdit="1"/>
               </p:cNvSpPr>
@@ -30415,7 +31515,7 @@
                 <a:avLst/>
               </a:prstGeom>
               <a:blipFill>
-                <a:blip r:embed="rId2"/>
+                <a:blip r:embed="rId5"/>
                 <a:stretch>
                   <a:fillRect l="-889" t="-1240" b="-3719"/>
                 </a:stretch>
@@ -30426,7 +31526,7 @@
               <a:lstStyle/>
               <a:p>
                 <a:r>
-                  <a:rPr lang="it-IT">
+                  <a:rPr lang="en-GB">
                     <a:noFill/>
                   </a:rPr>
                   <a:t> </a:t>
@@ -30436,18 +31536,18 @@
           </p:sp>
         </mc:Fallback>
       </mc:AlternateContent>
-      <mc:AlternateContent xmlns:mc="http://schemas.openxmlformats.org/markup-compatibility/2006" xmlns:a14="http://schemas.microsoft.com/office/drawing/2010/main">
-        <mc:Choice Requires="a14">
+      <mc:AlternateContent xmlns:mc="http://schemas.openxmlformats.org/markup-compatibility/2006">
+        <mc:Choice xmlns:a14="http://schemas.microsoft.com/office/drawing/2010/main" Requires="a14">
           <p:sp>
             <p:nvSpPr>
-              <p:cNvPr id="19" name="CasellaDiTesto 18"/>
+              <p:cNvPr id="12" name="CasellaDiTesto 11"/>
               <p:cNvSpPr txBox="1"/>
               <p:nvPr/>
             </p:nvSpPr>
             <p:spPr>
               <a:xfrm>
                 <a:off x="8766686" y="3516143"/>
-                <a:ext cx="2743200" cy="553998"/>
+                <a:ext cx="2743200" cy="784830"/>
               </a:xfrm>
               <a:prstGeom prst="rect">
                 <a:avLst/>
@@ -30476,6 +31576,28 @@
                 </a:r>
                 <a:r>
                   <a:rPr lang="it-IT" sz="1500" i="1" dirty="0"/>
+                  <a:t> : </a:t>
+                </a:r>
+                <a14:m>
+                  <m:oMath xmlns:m="http://schemas.openxmlformats.org/officeDocument/2006/math">
+                    <m:r>
+                      <a:rPr lang="it-IT" sz="1500" i="1">
+                        <a:latin typeface="Cambria Math" panose="02040503050406030204" pitchFamily="18" charset="0"/>
+                        <a:ea typeface="Cambria Math" panose="02040503050406030204" pitchFamily="18" charset="0"/>
+                      </a:rPr>
+                      <m:t>ℝ</m:t>
+                    </m:r>
+                    <m:r>
+                      <a:rPr lang="it-IT" sz="1500" i="1">
+                        <a:latin typeface="Cambria Math" panose="02040503050406030204" pitchFamily="18" charset="0"/>
+                        <a:ea typeface="Cambria Math" panose="02040503050406030204" pitchFamily="18" charset="0"/>
+                      </a:rPr>
+                      <m:t>→</m:t>
+                    </m:r>
+                  </m:oMath>
+                </a14:m>
+                <a:r>
+                  <a:rPr lang="it-IT" sz="1500" i="1" dirty="0"/>
                   <a:t> </a:t>
                 </a:r>
                 <a:r>
@@ -30521,10 +31643,10 @@
             </p:txBody>
           </p:sp>
         </mc:Choice>
-        <mc:Fallback xmlns="">
+        <mc:Fallback>
           <p:sp>
             <p:nvSpPr>
-              <p:cNvPr id="19" name="CasellaDiTesto 18"/>
+              <p:cNvPr id="12" name="CasellaDiTesto 11"/>
               <p:cNvSpPr txBox="1">
                 <a:spLocks noRot="1" noChangeAspect="1" noMove="1" noResize="1" noEditPoints="1" noAdjustHandles="1" noChangeArrowheads="1" noChangeShapeType="1" noTextEdit="1"/>
               </p:cNvSpPr>
@@ -30533,15 +31655,15 @@
             <p:spPr>
               <a:xfrm>
                 <a:off x="8766686" y="3516143"/>
-                <a:ext cx="2743200" cy="553998"/>
+                <a:ext cx="2743200" cy="784830"/>
               </a:xfrm>
               <a:prstGeom prst="rect">
                 <a:avLst/>
               </a:prstGeom>
               <a:blipFill>
-                <a:blip r:embed="rId3"/>
+                <a:blip r:embed="rId6"/>
                 <a:stretch>
-                  <a:fillRect l="-889" t="-2198" b="-10989"/>
+                  <a:fillRect l="-889" t="-1550" b="-6977"/>
                 </a:stretch>
               </a:blipFill>
             </p:spPr>
@@ -30550,197 +31672,7 @@
               <a:lstStyle/>
               <a:p>
                 <a:r>
-                  <a:rPr lang="it-IT">
-                    <a:noFill/>
-                  </a:rPr>
-                  <a:t> </a:t>
-                </a:r>
-              </a:p>
-            </p:txBody>
-          </p:sp>
-        </mc:Fallback>
-      </mc:AlternateContent>
-      <mc:AlternateContent xmlns:mc="http://schemas.openxmlformats.org/markup-compatibility/2006" xmlns:a14="http://schemas.microsoft.com/office/drawing/2010/main">
-        <mc:Choice Requires="a14">
-          <p:sp>
-            <p:nvSpPr>
-              <p:cNvPr id="20" name="CasellaDiTesto 19"/>
-              <p:cNvSpPr txBox="1"/>
-              <p:nvPr/>
-            </p:nvSpPr>
-            <p:spPr>
-              <a:xfrm>
-                <a:off x="8766686" y="848325"/>
-                <a:ext cx="2743200" cy="1246495"/>
-              </a:xfrm>
-              <a:prstGeom prst="rect">
-                <a:avLst/>
-              </a:prstGeom>
-              <a:noFill/>
-            </p:spPr>
-            <p:txBody>
-              <a:bodyPr wrap="square" rtlCol="0">
-                <a:spAutoFit/>
-              </a:bodyPr>
-              <a:lstStyle/>
-              <a:p>
-                <a:r>
-                  <a:rPr lang="it-IT" sz="1500" dirty="0"/>
-                  <a:t>Parametri:</a:t>
-                </a:r>
-              </a:p>
-              <a:p>
-                <a:pPr marL="285750" indent="-285750">
-                  <a:buFont typeface="Arial" panose="020B0604020202020204" pitchFamily="34" charset="0"/>
-                  <a:buChar char="•"/>
-                </a:pPr>
-                <a:r>
-                  <a:rPr lang="it-IT" sz="1500" i="1" dirty="0"/>
-                  <a:t>x</a:t>
-                </a:r>
-                <a:r>
-                  <a:rPr lang="it-IT" sz="1500" i="1" baseline="-25000" dirty="0"/>
-                  <a:t>s</a:t>
-                </a:r>
-                <a:r>
-                  <a:rPr lang="it-IT" sz="1500" i="1" dirty="0"/>
-                  <a:t> </a:t>
-                </a:r>
-                <a14:m>
-                  <m:oMath xmlns:m="http://schemas.openxmlformats.org/officeDocument/2006/math">
-                    <m:r>
-                      <a:rPr lang="it-IT" sz="1500" i="1">
-                        <a:latin typeface="Cambria Math" panose="02040503050406030204" pitchFamily="18" charset="0"/>
-                        <a:ea typeface="Cambria Math" panose="02040503050406030204" pitchFamily="18" charset="0"/>
-                      </a:rPr>
-                      <m:t>∈ </m:t>
-                    </m:r>
-                    <m:r>
-                      <a:rPr lang="it-IT" sz="1500" i="1">
-                        <a:latin typeface="Cambria Math" panose="02040503050406030204" pitchFamily="18" charset="0"/>
-                        <a:ea typeface="Cambria Math" panose="02040503050406030204" pitchFamily="18" charset="0"/>
-                      </a:rPr>
-                      <m:t>ℝ</m:t>
-                    </m:r>
-                  </m:oMath>
-                </a14:m>
-                <a:r>
-                  <a:rPr lang="it-IT" sz="1500" dirty="0"/>
-                  <a:t> (Posizione navicella)</a:t>
-                </a:r>
-              </a:p>
-              <a:p>
-                <a:pPr marL="285750" indent="-285750">
-                  <a:buFont typeface="Arial" panose="020B0604020202020204" pitchFamily="34" charset="0"/>
-                  <a:buChar char="•"/>
-                </a:pPr>
-                <a:r>
-                  <a:rPr lang="it-IT" sz="1500" i="1" dirty="0"/>
-                  <a:t>y</a:t>
-                </a:r>
-                <a:r>
-                  <a:rPr lang="it-IT" sz="1500" i="1" baseline="-25000" dirty="0"/>
-                  <a:t>s</a:t>
-                </a:r>
-                <a:r>
-                  <a:rPr lang="it-IT" sz="1500" i="1" dirty="0"/>
-                  <a:t> </a:t>
-                </a:r>
-                <a14:m>
-                  <m:oMath xmlns:m="http://schemas.openxmlformats.org/officeDocument/2006/math">
-                    <m:r>
-                      <a:rPr lang="it-IT" sz="1500" i="1">
-                        <a:latin typeface="Cambria Math" panose="02040503050406030204" pitchFamily="18" charset="0"/>
-                        <a:ea typeface="Cambria Math" panose="02040503050406030204" pitchFamily="18" charset="0"/>
-                      </a:rPr>
-                      <m:t>∈ </m:t>
-                    </m:r>
-                    <m:r>
-                      <a:rPr lang="it-IT" sz="1500" i="1">
-                        <a:latin typeface="Cambria Math" panose="02040503050406030204" pitchFamily="18" charset="0"/>
-                        <a:ea typeface="Cambria Math" panose="02040503050406030204" pitchFamily="18" charset="0"/>
-                      </a:rPr>
-                      <m:t>ℝ</m:t>
-                    </m:r>
-                  </m:oMath>
-                </a14:m>
-                <a:r>
-                  <a:rPr lang="it-IT" sz="1500" dirty="0"/>
-                  <a:t> (Posizione navicella)</a:t>
-                </a:r>
-              </a:p>
-              <a:p>
-                <a:pPr marL="285750" indent="-285750">
-                  <a:buFont typeface="Arial" panose="020B0604020202020204" pitchFamily="34" charset="0"/>
-                  <a:buChar char="•"/>
-                </a:pPr>
-                <a:r>
-                  <a:rPr lang="it-IT" sz="1500" i="1" dirty="0"/>
-                  <a:t>v </a:t>
-                </a:r>
-                <a14:m>
-                  <m:oMath xmlns:m="http://schemas.openxmlformats.org/officeDocument/2006/math">
-                    <m:r>
-                      <a:rPr lang="it-IT" sz="1500" i="1">
-                        <a:latin typeface="Cambria Math" panose="02040503050406030204" pitchFamily="18" charset="0"/>
-                        <a:ea typeface="Cambria Math" panose="02040503050406030204" pitchFamily="18" charset="0"/>
-                      </a:rPr>
-                      <m:t>∈ </m:t>
-                    </m:r>
-                    <m:r>
-                      <a:rPr lang="it-IT" sz="1500" i="1">
-                        <a:latin typeface="Cambria Math" panose="02040503050406030204" pitchFamily="18" charset="0"/>
-                        <a:ea typeface="Cambria Math" panose="02040503050406030204" pitchFamily="18" charset="0"/>
-                      </a:rPr>
-                      <m:t>ℕ</m:t>
-                    </m:r>
-                  </m:oMath>
-                </a14:m>
-                <a:r>
-                  <a:rPr lang="it-IT" sz="1500" dirty="0"/>
-                  <a:t> (velocità costante)</a:t>
-                </a:r>
-              </a:p>
-              <a:p>
-                <a:pPr marL="285750" indent="-285750">
-                  <a:buFont typeface="Arial" panose="020B0604020202020204" pitchFamily="34" charset="0"/>
-                  <a:buChar char="•"/>
-                </a:pPr>
-                <a:endParaRPr lang="it-IT" sz="1500" i="1" dirty="0"/>
-              </a:p>
-            </p:txBody>
-          </p:sp>
-        </mc:Choice>
-        <mc:Fallback xmlns="">
-          <p:sp>
-            <p:nvSpPr>
-              <p:cNvPr id="20" name="CasellaDiTesto 19"/>
-              <p:cNvSpPr txBox="1">
-                <a:spLocks noRot="1" noChangeAspect="1" noMove="1" noResize="1" noEditPoints="1" noAdjustHandles="1" noChangeArrowheads="1" noChangeShapeType="1" noTextEdit="1"/>
-              </p:cNvSpPr>
-              <p:nvPr/>
-            </p:nvSpPr>
-            <p:spPr>
-              <a:xfrm>
-                <a:off x="8766686" y="848325"/>
-                <a:ext cx="2743200" cy="1246495"/>
-              </a:xfrm>
-              <a:prstGeom prst="rect">
-                <a:avLst/>
-              </a:prstGeom>
-              <a:blipFill>
-                <a:blip r:embed="rId4"/>
-                <a:stretch>
-                  <a:fillRect l="-889" t="-976"/>
-                </a:stretch>
-              </a:blipFill>
-            </p:spPr>
-            <p:txBody>
-              <a:bodyPr/>
-              <a:lstStyle/>
-              <a:p>
-                <a:r>
-                  <a:rPr lang="it-IT">
+                  <a:rPr lang="en-GB">
                     <a:noFill/>
                   </a:rPr>
                   <a:t> </a:t>
@@ -30760,11 +31692,11 @@
   <p:clrMapOvr>
     <a:masterClrMapping/>
   </p:clrMapOvr>
-  <mc:AlternateContent xmlns:mc="http://schemas.openxmlformats.org/markup-compatibility/2006">
-    <mc:Choice xmlns:p14="http://schemas.microsoft.com/office/powerpoint/2010/main" Requires="p14">
+  <mc:AlternateContent xmlns:mc="http://schemas.openxmlformats.org/markup-compatibility/2006" xmlns:p14="http://schemas.microsoft.com/office/powerpoint/2010/main">
+    <mc:Choice Requires="p14">
       <p:transition spd="slow" p14:dur="2000"/>
     </mc:Choice>
-    <mc:Fallback>
+    <mc:Fallback xmlns="">
       <p:transition spd="slow"/>
     </mc:Fallback>
   </mc:AlternateContent>
@@ -31136,7 +32068,197 @@
         <mc:Choice Requires="a14">
           <p:sp>
             <p:nvSpPr>
-              <p:cNvPr id="11" name="CasellaDiTesto 10"/>
+              <p:cNvPr id="17" name="CasellaDiTesto 16"/>
+              <p:cNvSpPr txBox="1"/>
+              <p:nvPr/>
+            </p:nvSpPr>
+            <p:spPr>
+              <a:xfrm>
+                <a:off x="8766686" y="848325"/>
+                <a:ext cx="2743200" cy="1246495"/>
+              </a:xfrm>
+              <a:prstGeom prst="rect">
+                <a:avLst/>
+              </a:prstGeom>
+              <a:noFill/>
+            </p:spPr>
+            <p:txBody>
+              <a:bodyPr wrap="square" rtlCol="0">
+                <a:spAutoFit/>
+              </a:bodyPr>
+              <a:lstStyle/>
+              <a:p>
+                <a:r>
+                  <a:rPr lang="it-IT" sz="1500" dirty="0"/>
+                  <a:t>Parametri:</a:t>
+                </a:r>
+              </a:p>
+              <a:p>
+                <a:pPr marL="285750" indent="-285750">
+                  <a:buFont typeface="Arial" panose="020B0604020202020204" pitchFamily="34" charset="0"/>
+                  <a:buChar char="•"/>
+                </a:pPr>
+                <a:r>
+                  <a:rPr lang="it-IT" sz="1500" i="1" dirty="0"/>
+                  <a:t>x</a:t>
+                </a:r>
+                <a:r>
+                  <a:rPr lang="it-IT" sz="1500" i="1" baseline="-25000" dirty="0"/>
+                  <a:t>s</a:t>
+                </a:r>
+                <a:r>
+                  <a:rPr lang="it-IT" sz="1500" i="1" dirty="0"/>
+                  <a:t> </a:t>
+                </a:r>
+                <a14:m>
+                  <m:oMath xmlns:m="http://schemas.openxmlformats.org/officeDocument/2006/math">
+                    <m:r>
+                      <a:rPr lang="it-IT" sz="1500" i="1">
+                        <a:latin typeface="Cambria Math" panose="02040503050406030204" pitchFamily="18" charset="0"/>
+                        <a:ea typeface="Cambria Math" panose="02040503050406030204" pitchFamily="18" charset="0"/>
+                      </a:rPr>
+                      <m:t>∈ </m:t>
+                    </m:r>
+                    <m:r>
+                      <a:rPr lang="it-IT" sz="1500" i="1">
+                        <a:latin typeface="Cambria Math" panose="02040503050406030204" pitchFamily="18" charset="0"/>
+                        <a:ea typeface="Cambria Math" panose="02040503050406030204" pitchFamily="18" charset="0"/>
+                      </a:rPr>
+                      <m:t>ℝ</m:t>
+                    </m:r>
+                  </m:oMath>
+                </a14:m>
+                <a:r>
+                  <a:rPr lang="it-IT" sz="1500" dirty="0"/>
+                  <a:t> (Posizione navicella)</a:t>
+                </a:r>
+              </a:p>
+              <a:p>
+                <a:pPr marL="285750" indent="-285750">
+                  <a:buFont typeface="Arial" panose="020B0604020202020204" pitchFamily="34" charset="0"/>
+                  <a:buChar char="•"/>
+                </a:pPr>
+                <a:r>
+                  <a:rPr lang="it-IT" sz="1500" i="1" dirty="0"/>
+                  <a:t>y</a:t>
+                </a:r>
+                <a:r>
+                  <a:rPr lang="it-IT" sz="1500" i="1" baseline="-25000" dirty="0"/>
+                  <a:t>s</a:t>
+                </a:r>
+                <a:r>
+                  <a:rPr lang="it-IT" sz="1500" i="1" dirty="0"/>
+                  <a:t> </a:t>
+                </a:r>
+                <a14:m>
+                  <m:oMath xmlns:m="http://schemas.openxmlformats.org/officeDocument/2006/math">
+                    <m:r>
+                      <a:rPr lang="it-IT" sz="1500" i="1">
+                        <a:latin typeface="Cambria Math" panose="02040503050406030204" pitchFamily="18" charset="0"/>
+                        <a:ea typeface="Cambria Math" panose="02040503050406030204" pitchFamily="18" charset="0"/>
+                      </a:rPr>
+                      <m:t>∈ </m:t>
+                    </m:r>
+                    <m:r>
+                      <a:rPr lang="it-IT" sz="1500" i="1">
+                        <a:latin typeface="Cambria Math" panose="02040503050406030204" pitchFamily="18" charset="0"/>
+                        <a:ea typeface="Cambria Math" panose="02040503050406030204" pitchFamily="18" charset="0"/>
+                      </a:rPr>
+                      <m:t>ℝ</m:t>
+                    </m:r>
+                  </m:oMath>
+                </a14:m>
+                <a:r>
+                  <a:rPr lang="it-IT" sz="1500" dirty="0"/>
+                  <a:t> (Posizione navicella)</a:t>
+                </a:r>
+              </a:p>
+              <a:p>
+                <a:pPr marL="285750" indent="-285750">
+                  <a:buFont typeface="Arial" panose="020B0604020202020204" pitchFamily="34" charset="0"/>
+                  <a:buChar char="•"/>
+                </a:pPr>
+                <a:r>
+                  <a:rPr lang="it-IT" sz="1500" i="1" dirty="0"/>
+                  <a:t>v </a:t>
+                </a:r>
+                <a14:m>
+                  <m:oMath xmlns:m="http://schemas.openxmlformats.org/officeDocument/2006/math">
+                    <m:r>
+                      <a:rPr lang="it-IT" sz="1500" i="1">
+                        <a:latin typeface="Cambria Math" panose="02040503050406030204" pitchFamily="18" charset="0"/>
+                        <a:ea typeface="Cambria Math" panose="02040503050406030204" pitchFamily="18" charset="0"/>
+                      </a:rPr>
+                      <m:t>∈ </m:t>
+                    </m:r>
+                    <m:r>
+                      <a:rPr lang="it-IT" sz="1500" i="1">
+                        <a:latin typeface="Cambria Math" panose="02040503050406030204" pitchFamily="18" charset="0"/>
+                        <a:ea typeface="Cambria Math" panose="02040503050406030204" pitchFamily="18" charset="0"/>
+                      </a:rPr>
+                      <m:t>ℕ</m:t>
+                    </m:r>
+                  </m:oMath>
+                </a14:m>
+                <a:r>
+                  <a:rPr lang="it-IT" sz="1500" dirty="0"/>
+                  <a:t> (velocità costante)</a:t>
+                </a:r>
+              </a:p>
+              <a:p>
+                <a:pPr marL="285750" indent="-285750">
+                  <a:buFont typeface="Arial" panose="020B0604020202020204" pitchFamily="34" charset="0"/>
+                  <a:buChar char="•"/>
+                </a:pPr>
+                <a:endParaRPr lang="it-IT" sz="1500" i="1" dirty="0"/>
+              </a:p>
+            </p:txBody>
+          </p:sp>
+        </mc:Choice>
+        <mc:Fallback xmlns="">
+          <p:sp>
+            <p:nvSpPr>
+              <p:cNvPr id="17" name="CasellaDiTesto 16"/>
+              <p:cNvSpPr txBox="1">
+                <a:spLocks noRot="1" noChangeAspect="1" noMove="1" noResize="1" noEditPoints="1" noAdjustHandles="1" noChangeArrowheads="1" noChangeShapeType="1" noTextEdit="1"/>
+              </p:cNvSpPr>
+              <p:nvPr/>
+            </p:nvSpPr>
+            <p:spPr>
+              <a:xfrm>
+                <a:off x="8766686" y="848325"/>
+                <a:ext cx="2743200" cy="1246495"/>
+              </a:xfrm>
+              <a:prstGeom prst="rect">
+                <a:avLst/>
+              </a:prstGeom>
+              <a:blipFill>
+                <a:blip r:embed="rId4"/>
+                <a:stretch>
+                  <a:fillRect l="-889" t="-976"/>
+                </a:stretch>
+              </a:blipFill>
+            </p:spPr>
+            <p:txBody>
+              <a:bodyPr/>
+              <a:lstStyle/>
+              <a:p>
+                <a:r>
+                  <a:rPr lang="it-IT">
+                    <a:noFill/>
+                  </a:rPr>
+                  <a:t> </a:t>
+                </a:r>
+              </a:p>
+            </p:txBody>
+          </p:sp>
+        </mc:Fallback>
+      </mc:AlternateContent>
+      <mc:AlternateContent xmlns:mc="http://schemas.openxmlformats.org/markup-compatibility/2006">
+        <mc:Choice xmlns:a14="http://schemas.microsoft.com/office/drawing/2010/main" Requires="a14">
+          <p:sp>
+            <p:nvSpPr>
+              <p:cNvPr id="13" name="CasellaDiTesto 12"/>
               <p:cNvSpPr txBox="1"/>
               <p:nvPr/>
             </p:nvSpPr>
@@ -31171,6 +32293,28 @@
                   <a:t>w</a:t>
                 </a:r>
                 <a:r>
+                  <a:rPr lang="it-IT" sz="1500" i="1" dirty="0"/>
+                  <a:t> : </a:t>
+                </a:r>
+                <a14:m>
+                  <m:oMath xmlns:m="http://schemas.openxmlformats.org/officeDocument/2006/math">
+                    <m:r>
+                      <a:rPr lang="it-IT" sz="1500" i="1">
+                        <a:latin typeface="Cambria Math" panose="02040503050406030204" pitchFamily="18" charset="0"/>
+                        <a:ea typeface="Cambria Math" panose="02040503050406030204" pitchFamily="18" charset="0"/>
+                      </a:rPr>
+                      <m:t>ℝ</m:t>
+                    </m:r>
+                    <m:r>
+                      <a:rPr lang="it-IT" sz="1500" i="1">
+                        <a:latin typeface="Cambria Math" panose="02040503050406030204" pitchFamily="18" charset="0"/>
+                        <a:ea typeface="Cambria Math" panose="02040503050406030204" pitchFamily="18" charset="0"/>
+                      </a:rPr>
+                      <m:t>→</m:t>
+                    </m:r>
+                  </m:oMath>
+                </a14:m>
+                <a:r>
                   <a:rPr lang="it-IT" sz="1500" dirty="0"/>
                   <a:t> (</a:t>
                 </a:r>
@@ -31198,7 +32342,29 @@
                 </a:pPr>
                 <a:r>
                   <a:rPr lang="it-IT" sz="1500" i="1" dirty="0"/>
-                  <a:t>a </a:t>
+                  <a:t>a : </a:t>
+                </a:r>
+                <a14:m>
+                  <m:oMath xmlns:m="http://schemas.openxmlformats.org/officeDocument/2006/math">
+                    <m:r>
+                      <a:rPr lang="it-IT" sz="1500" i="1">
+                        <a:latin typeface="Cambria Math" panose="02040503050406030204" pitchFamily="18" charset="0"/>
+                        <a:ea typeface="Cambria Math" panose="02040503050406030204" pitchFamily="18" charset="0"/>
+                      </a:rPr>
+                      <m:t>ℝ</m:t>
+                    </m:r>
+                    <m:r>
+                      <a:rPr lang="it-IT" sz="1500" i="1">
+                        <a:latin typeface="Cambria Math" panose="02040503050406030204" pitchFamily="18" charset="0"/>
+                        <a:ea typeface="Cambria Math" panose="02040503050406030204" pitchFamily="18" charset="0"/>
+                      </a:rPr>
+                      <m:t>→</m:t>
+                    </m:r>
+                  </m:oMath>
+                </a14:m>
+                <a:r>
+                  <a:rPr lang="it-IT" sz="1500" i="1" dirty="0" smtClean="0"/>
+                  <a:t> </a:t>
                 </a:r>
                 <a:r>
                   <a:rPr lang="it-IT" sz="1500" dirty="0"/>
@@ -31231,6 +32397,28 @@
                   <a:t>s</a:t>
                 </a:r>
                 <a:r>
+                  <a:rPr lang="it-IT" sz="1500" i="1" dirty="0"/>
+                  <a:t> : </a:t>
+                </a:r>
+                <a14:m>
+                  <m:oMath xmlns:m="http://schemas.openxmlformats.org/officeDocument/2006/math">
+                    <m:r>
+                      <a:rPr lang="it-IT" sz="1500" i="1">
+                        <a:latin typeface="Cambria Math" panose="02040503050406030204" pitchFamily="18" charset="0"/>
+                        <a:ea typeface="Cambria Math" panose="02040503050406030204" pitchFamily="18" charset="0"/>
+                      </a:rPr>
+                      <m:t>ℝ</m:t>
+                    </m:r>
+                    <m:r>
+                      <a:rPr lang="it-IT" sz="1500" i="1">
+                        <a:latin typeface="Cambria Math" panose="02040503050406030204" pitchFamily="18" charset="0"/>
+                        <a:ea typeface="Cambria Math" panose="02040503050406030204" pitchFamily="18" charset="0"/>
+                      </a:rPr>
+                      <m:t>→</m:t>
+                    </m:r>
+                  </m:oMath>
+                </a14:m>
+                <a:r>
                   <a:rPr lang="it-IT" sz="1500" dirty="0"/>
                   <a:t> (</a:t>
                 </a:r>
@@ -31260,6 +32448,28 @@
                   <a:rPr lang="it-IT" sz="1500" i="1" dirty="0"/>
                   <a:t>d</a:t>
                 </a:r>
+                <a:r>
+                  <a:rPr lang="it-IT" sz="1500" i="1" dirty="0"/>
+                  <a:t> : </a:t>
+                </a:r>
+                <a14:m>
+                  <m:oMath xmlns:m="http://schemas.openxmlformats.org/officeDocument/2006/math">
+                    <m:r>
+                      <a:rPr lang="it-IT" sz="1500" i="1">
+                        <a:latin typeface="Cambria Math" panose="02040503050406030204" pitchFamily="18" charset="0"/>
+                        <a:ea typeface="Cambria Math" panose="02040503050406030204" pitchFamily="18" charset="0"/>
+                      </a:rPr>
+                      <m:t>ℝ</m:t>
+                    </m:r>
+                    <m:r>
+                      <a:rPr lang="it-IT" sz="1500" i="1">
+                        <a:latin typeface="Cambria Math" panose="02040503050406030204" pitchFamily="18" charset="0"/>
+                        <a:ea typeface="Cambria Math" panose="02040503050406030204" pitchFamily="18" charset="0"/>
+                      </a:rPr>
+                      <m:t>→</m:t>
+                    </m:r>
+                  </m:oMath>
+                </a14:m>
                 <a:r>
                   <a:rPr lang="it-IT" sz="1500" dirty="0"/>
                   <a:t> (</a:t>
@@ -31334,10 +32544,10 @@
             </p:txBody>
           </p:sp>
         </mc:Choice>
-        <mc:Fallback xmlns="">
+        <mc:Fallback>
           <p:sp>
             <p:nvSpPr>
-              <p:cNvPr id="11" name="CasellaDiTesto 10"/>
+              <p:cNvPr id="13" name="CasellaDiTesto 12"/>
               <p:cNvSpPr txBox="1">
                 <a:spLocks noRot="1" noChangeAspect="1" noMove="1" noResize="1" noEditPoints="1" noAdjustHandles="1" noChangeArrowheads="1" noChangeShapeType="1" noTextEdit="1"/>
               </p:cNvSpPr>
@@ -31352,7 +32562,7 @@
                 <a:avLst/>
               </a:prstGeom>
               <a:blipFill>
-                <a:blip r:embed="rId3"/>
+                <a:blip r:embed="rId5"/>
                 <a:stretch>
                   <a:fillRect l="-889" t="-1240" b="-3719"/>
                 </a:stretch>
@@ -31363,7 +32573,7 @@
               <a:lstStyle/>
               <a:p>
                 <a:r>
-                  <a:rPr lang="it-IT">
+                  <a:rPr lang="en-GB">
                     <a:noFill/>
                   </a:rPr>
                   <a:t> </a:t>
@@ -31373,18 +32583,18 @@
           </p:sp>
         </mc:Fallback>
       </mc:AlternateContent>
-      <mc:AlternateContent xmlns:mc="http://schemas.openxmlformats.org/markup-compatibility/2006" xmlns:a14="http://schemas.microsoft.com/office/drawing/2010/main">
-        <mc:Choice Requires="a14">
+      <mc:AlternateContent xmlns:mc="http://schemas.openxmlformats.org/markup-compatibility/2006">
+        <mc:Choice xmlns:a14="http://schemas.microsoft.com/office/drawing/2010/main" Requires="a14">
           <p:sp>
             <p:nvSpPr>
-              <p:cNvPr id="12" name="CasellaDiTesto 11"/>
+              <p:cNvPr id="14" name="CasellaDiTesto 13"/>
               <p:cNvSpPr txBox="1"/>
               <p:nvPr/>
             </p:nvSpPr>
             <p:spPr>
               <a:xfrm>
                 <a:off x="8766686" y="3516143"/>
-                <a:ext cx="2743200" cy="553998"/>
+                <a:ext cx="2743200" cy="784830"/>
               </a:xfrm>
               <a:prstGeom prst="rect">
                 <a:avLst/>
@@ -31413,6 +32623,28 @@
                 </a:r>
                 <a:r>
                   <a:rPr lang="it-IT" sz="1500" i="1" dirty="0"/>
+                  <a:t> : </a:t>
+                </a:r>
+                <a14:m>
+                  <m:oMath xmlns:m="http://schemas.openxmlformats.org/officeDocument/2006/math">
+                    <m:r>
+                      <a:rPr lang="it-IT" sz="1500" i="1">
+                        <a:latin typeface="Cambria Math" panose="02040503050406030204" pitchFamily="18" charset="0"/>
+                        <a:ea typeface="Cambria Math" panose="02040503050406030204" pitchFamily="18" charset="0"/>
+                      </a:rPr>
+                      <m:t>ℝ</m:t>
+                    </m:r>
+                    <m:r>
+                      <a:rPr lang="it-IT" sz="1500" i="1">
+                        <a:latin typeface="Cambria Math" panose="02040503050406030204" pitchFamily="18" charset="0"/>
+                        <a:ea typeface="Cambria Math" panose="02040503050406030204" pitchFamily="18" charset="0"/>
+                      </a:rPr>
+                      <m:t>→</m:t>
+                    </m:r>
+                  </m:oMath>
+                </a14:m>
+                <a:r>
+                  <a:rPr lang="it-IT" sz="1500" i="1" dirty="0"/>
                   <a:t> </a:t>
                 </a:r>
                 <a:r>
@@ -31458,10 +32690,10 @@
             </p:txBody>
           </p:sp>
         </mc:Choice>
-        <mc:Fallback xmlns="">
+        <mc:Fallback>
           <p:sp>
             <p:nvSpPr>
-              <p:cNvPr id="12" name="CasellaDiTesto 11"/>
+              <p:cNvPr id="14" name="CasellaDiTesto 13"/>
               <p:cNvSpPr txBox="1">
                 <a:spLocks noRot="1" noChangeAspect="1" noMove="1" noResize="1" noEditPoints="1" noAdjustHandles="1" noChangeArrowheads="1" noChangeShapeType="1" noTextEdit="1"/>
               </p:cNvSpPr>
@@ -31470,15 +32702,15 @@
             <p:spPr>
               <a:xfrm>
                 <a:off x="8766686" y="3516143"/>
-                <a:ext cx="2743200" cy="553998"/>
+                <a:ext cx="2743200" cy="784830"/>
               </a:xfrm>
               <a:prstGeom prst="rect">
                 <a:avLst/>
               </a:prstGeom>
               <a:blipFill>
-                <a:blip r:embed="rId2"/>
+                <a:blip r:embed="rId6"/>
                 <a:stretch>
-                  <a:fillRect l="-889" t="-2198" b="-10989"/>
+                  <a:fillRect l="-889" t="-1550" b="-6977"/>
                 </a:stretch>
               </a:blipFill>
             </p:spPr>
@@ -31487,197 +32719,7 @@
               <a:lstStyle/>
               <a:p>
                 <a:r>
-                  <a:rPr lang="it-IT">
-                    <a:noFill/>
-                  </a:rPr>
-                  <a:t> </a:t>
-                </a:r>
-              </a:p>
-            </p:txBody>
-          </p:sp>
-        </mc:Fallback>
-      </mc:AlternateContent>
-      <mc:AlternateContent xmlns:mc="http://schemas.openxmlformats.org/markup-compatibility/2006" xmlns:a14="http://schemas.microsoft.com/office/drawing/2010/main">
-        <mc:Choice Requires="a14">
-          <p:sp>
-            <p:nvSpPr>
-              <p:cNvPr id="17" name="CasellaDiTesto 16"/>
-              <p:cNvSpPr txBox="1"/>
-              <p:nvPr/>
-            </p:nvSpPr>
-            <p:spPr>
-              <a:xfrm>
-                <a:off x="8766686" y="848325"/>
-                <a:ext cx="2743200" cy="1246495"/>
-              </a:xfrm>
-              <a:prstGeom prst="rect">
-                <a:avLst/>
-              </a:prstGeom>
-              <a:noFill/>
-            </p:spPr>
-            <p:txBody>
-              <a:bodyPr wrap="square" rtlCol="0">
-                <a:spAutoFit/>
-              </a:bodyPr>
-              <a:lstStyle/>
-              <a:p>
-                <a:r>
-                  <a:rPr lang="it-IT" sz="1500" dirty="0"/>
-                  <a:t>Parametri:</a:t>
-                </a:r>
-              </a:p>
-              <a:p>
-                <a:pPr marL="285750" indent="-285750">
-                  <a:buFont typeface="Arial" panose="020B0604020202020204" pitchFamily="34" charset="0"/>
-                  <a:buChar char="•"/>
-                </a:pPr>
-                <a:r>
-                  <a:rPr lang="it-IT" sz="1500" i="1" dirty="0"/>
-                  <a:t>x</a:t>
-                </a:r>
-                <a:r>
-                  <a:rPr lang="it-IT" sz="1500" i="1" baseline="-25000" dirty="0"/>
-                  <a:t>s</a:t>
-                </a:r>
-                <a:r>
-                  <a:rPr lang="it-IT" sz="1500" i="1" dirty="0"/>
-                  <a:t> </a:t>
-                </a:r>
-                <a14:m>
-                  <m:oMath xmlns:m="http://schemas.openxmlformats.org/officeDocument/2006/math">
-                    <m:r>
-                      <a:rPr lang="it-IT" sz="1500" i="1">
-                        <a:latin typeface="Cambria Math" panose="02040503050406030204" pitchFamily="18" charset="0"/>
-                        <a:ea typeface="Cambria Math" panose="02040503050406030204" pitchFamily="18" charset="0"/>
-                      </a:rPr>
-                      <m:t>∈ </m:t>
-                    </m:r>
-                    <m:r>
-                      <a:rPr lang="it-IT" sz="1500" i="1">
-                        <a:latin typeface="Cambria Math" panose="02040503050406030204" pitchFamily="18" charset="0"/>
-                        <a:ea typeface="Cambria Math" panose="02040503050406030204" pitchFamily="18" charset="0"/>
-                      </a:rPr>
-                      <m:t>ℝ</m:t>
-                    </m:r>
-                  </m:oMath>
-                </a14:m>
-                <a:r>
-                  <a:rPr lang="it-IT" sz="1500" dirty="0"/>
-                  <a:t> (Posizione navicella)</a:t>
-                </a:r>
-              </a:p>
-              <a:p>
-                <a:pPr marL="285750" indent="-285750">
-                  <a:buFont typeface="Arial" panose="020B0604020202020204" pitchFamily="34" charset="0"/>
-                  <a:buChar char="•"/>
-                </a:pPr>
-                <a:r>
-                  <a:rPr lang="it-IT" sz="1500" i="1" dirty="0"/>
-                  <a:t>y</a:t>
-                </a:r>
-                <a:r>
-                  <a:rPr lang="it-IT" sz="1500" i="1" baseline="-25000" dirty="0"/>
-                  <a:t>s</a:t>
-                </a:r>
-                <a:r>
-                  <a:rPr lang="it-IT" sz="1500" i="1" dirty="0"/>
-                  <a:t> </a:t>
-                </a:r>
-                <a14:m>
-                  <m:oMath xmlns:m="http://schemas.openxmlformats.org/officeDocument/2006/math">
-                    <m:r>
-                      <a:rPr lang="it-IT" sz="1500" i="1">
-                        <a:latin typeface="Cambria Math" panose="02040503050406030204" pitchFamily="18" charset="0"/>
-                        <a:ea typeface="Cambria Math" panose="02040503050406030204" pitchFamily="18" charset="0"/>
-                      </a:rPr>
-                      <m:t>∈ </m:t>
-                    </m:r>
-                    <m:r>
-                      <a:rPr lang="it-IT" sz="1500" i="1">
-                        <a:latin typeface="Cambria Math" panose="02040503050406030204" pitchFamily="18" charset="0"/>
-                        <a:ea typeface="Cambria Math" panose="02040503050406030204" pitchFamily="18" charset="0"/>
-                      </a:rPr>
-                      <m:t>ℝ</m:t>
-                    </m:r>
-                  </m:oMath>
-                </a14:m>
-                <a:r>
-                  <a:rPr lang="it-IT" sz="1500" dirty="0"/>
-                  <a:t> (Posizione navicella)</a:t>
-                </a:r>
-              </a:p>
-              <a:p>
-                <a:pPr marL="285750" indent="-285750">
-                  <a:buFont typeface="Arial" panose="020B0604020202020204" pitchFamily="34" charset="0"/>
-                  <a:buChar char="•"/>
-                </a:pPr>
-                <a:r>
-                  <a:rPr lang="it-IT" sz="1500" i="1" dirty="0"/>
-                  <a:t>v </a:t>
-                </a:r>
-                <a14:m>
-                  <m:oMath xmlns:m="http://schemas.openxmlformats.org/officeDocument/2006/math">
-                    <m:r>
-                      <a:rPr lang="it-IT" sz="1500" i="1">
-                        <a:latin typeface="Cambria Math" panose="02040503050406030204" pitchFamily="18" charset="0"/>
-                        <a:ea typeface="Cambria Math" panose="02040503050406030204" pitchFamily="18" charset="0"/>
-                      </a:rPr>
-                      <m:t>∈ </m:t>
-                    </m:r>
-                    <m:r>
-                      <a:rPr lang="it-IT" sz="1500" i="1">
-                        <a:latin typeface="Cambria Math" panose="02040503050406030204" pitchFamily="18" charset="0"/>
-                        <a:ea typeface="Cambria Math" panose="02040503050406030204" pitchFamily="18" charset="0"/>
-                      </a:rPr>
-                      <m:t>ℕ</m:t>
-                    </m:r>
-                  </m:oMath>
-                </a14:m>
-                <a:r>
-                  <a:rPr lang="it-IT" sz="1500" dirty="0"/>
-                  <a:t> (velocità costante)</a:t>
-                </a:r>
-              </a:p>
-              <a:p>
-                <a:pPr marL="285750" indent="-285750">
-                  <a:buFont typeface="Arial" panose="020B0604020202020204" pitchFamily="34" charset="0"/>
-                  <a:buChar char="•"/>
-                </a:pPr>
-                <a:endParaRPr lang="it-IT" sz="1500" i="1" dirty="0"/>
-              </a:p>
-            </p:txBody>
-          </p:sp>
-        </mc:Choice>
-        <mc:Fallback xmlns="">
-          <p:sp>
-            <p:nvSpPr>
-              <p:cNvPr id="17" name="CasellaDiTesto 16"/>
-              <p:cNvSpPr txBox="1">
-                <a:spLocks noRot="1" noChangeAspect="1" noMove="1" noResize="1" noEditPoints="1" noAdjustHandles="1" noChangeArrowheads="1" noChangeShapeType="1" noTextEdit="1"/>
-              </p:cNvSpPr>
-              <p:nvPr/>
-            </p:nvSpPr>
-            <p:spPr>
-              <a:xfrm>
-                <a:off x="8766686" y="848325"/>
-                <a:ext cx="2743200" cy="1246495"/>
-              </a:xfrm>
-              <a:prstGeom prst="rect">
-                <a:avLst/>
-              </a:prstGeom>
-              <a:blipFill>
-                <a:blip r:embed="rId4"/>
-                <a:stretch>
-                  <a:fillRect l="-889" t="-976"/>
-                </a:stretch>
-              </a:blipFill>
-            </p:spPr>
-            <p:txBody>
-              <a:bodyPr/>
-              <a:lstStyle/>
-              <a:p>
-                <a:r>
-                  <a:rPr lang="it-IT">
+                  <a:rPr lang="en-GB">
                     <a:noFill/>
                   </a:rPr>
                   <a:t> </a:t>
@@ -31697,11 +32739,11 @@
   <p:clrMapOvr>
     <a:masterClrMapping/>
   </p:clrMapOvr>
-  <mc:AlternateContent xmlns:mc="http://schemas.openxmlformats.org/markup-compatibility/2006">
-    <mc:Choice xmlns:p14="http://schemas.microsoft.com/office/powerpoint/2010/main" Requires="p14">
+  <mc:AlternateContent xmlns:mc="http://schemas.openxmlformats.org/markup-compatibility/2006" xmlns:p14="http://schemas.microsoft.com/office/powerpoint/2010/main">
+    <mc:Choice Requires="p14">
       <p:transition spd="slow" p14:dur="2000"/>
     </mc:Choice>
-    <mc:Fallback>
+    <mc:Fallback xmlns="">
       <p:transition spd="slow"/>
     </mc:Fallback>
   </mc:AlternateContent>
@@ -32073,7 +33115,197 @@
         <mc:Choice Requires="a14">
           <p:sp>
             <p:nvSpPr>
-              <p:cNvPr id="11" name="CasellaDiTesto 10"/>
+              <p:cNvPr id="17" name="CasellaDiTesto 16"/>
+              <p:cNvSpPr txBox="1"/>
+              <p:nvPr/>
+            </p:nvSpPr>
+            <p:spPr>
+              <a:xfrm>
+                <a:off x="8766686" y="848325"/>
+                <a:ext cx="2743200" cy="1246495"/>
+              </a:xfrm>
+              <a:prstGeom prst="rect">
+                <a:avLst/>
+              </a:prstGeom>
+              <a:noFill/>
+            </p:spPr>
+            <p:txBody>
+              <a:bodyPr wrap="square" rtlCol="0">
+                <a:spAutoFit/>
+              </a:bodyPr>
+              <a:lstStyle/>
+              <a:p>
+                <a:r>
+                  <a:rPr lang="it-IT" sz="1500" dirty="0"/>
+                  <a:t>Parametri:</a:t>
+                </a:r>
+              </a:p>
+              <a:p>
+                <a:pPr marL="285750" indent="-285750">
+                  <a:buFont typeface="Arial" panose="020B0604020202020204" pitchFamily="34" charset="0"/>
+                  <a:buChar char="•"/>
+                </a:pPr>
+                <a:r>
+                  <a:rPr lang="it-IT" sz="1500" i="1" dirty="0"/>
+                  <a:t>x</a:t>
+                </a:r>
+                <a:r>
+                  <a:rPr lang="it-IT" sz="1500" i="1" baseline="-25000" dirty="0"/>
+                  <a:t>s</a:t>
+                </a:r>
+                <a:r>
+                  <a:rPr lang="it-IT" sz="1500" i="1" dirty="0"/>
+                  <a:t> </a:t>
+                </a:r>
+                <a14:m>
+                  <m:oMath xmlns:m="http://schemas.openxmlformats.org/officeDocument/2006/math">
+                    <m:r>
+                      <a:rPr lang="it-IT" sz="1500" i="1">
+                        <a:latin typeface="Cambria Math" panose="02040503050406030204" pitchFamily="18" charset="0"/>
+                        <a:ea typeface="Cambria Math" panose="02040503050406030204" pitchFamily="18" charset="0"/>
+                      </a:rPr>
+                      <m:t>∈ </m:t>
+                    </m:r>
+                    <m:r>
+                      <a:rPr lang="it-IT" sz="1500" i="1">
+                        <a:latin typeface="Cambria Math" panose="02040503050406030204" pitchFamily="18" charset="0"/>
+                        <a:ea typeface="Cambria Math" panose="02040503050406030204" pitchFamily="18" charset="0"/>
+                      </a:rPr>
+                      <m:t>ℝ</m:t>
+                    </m:r>
+                  </m:oMath>
+                </a14:m>
+                <a:r>
+                  <a:rPr lang="it-IT" sz="1500" dirty="0"/>
+                  <a:t> (Posizione navicella)</a:t>
+                </a:r>
+              </a:p>
+              <a:p>
+                <a:pPr marL="285750" indent="-285750">
+                  <a:buFont typeface="Arial" panose="020B0604020202020204" pitchFamily="34" charset="0"/>
+                  <a:buChar char="•"/>
+                </a:pPr>
+                <a:r>
+                  <a:rPr lang="it-IT" sz="1500" i="1" dirty="0"/>
+                  <a:t>y</a:t>
+                </a:r>
+                <a:r>
+                  <a:rPr lang="it-IT" sz="1500" i="1" baseline="-25000" dirty="0"/>
+                  <a:t>s</a:t>
+                </a:r>
+                <a:r>
+                  <a:rPr lang="it-IT" sz="1500" i="1" dirty="0"/>
+                  <a:t> </a:t>
+                </a:r>
+                <a14:m>
+                  <m:oMath xmlns:m="http://schemas.openxmlformats.org/officeDocument/2006/math">
+                    <m:r>
+                      <a:rPr lang="it-IT" sz="1500" i="1">
+                        <a:latin typeface="Cambria Math" panose="02040503050406030204" pitchFamily="18" charset="0"/>
+                        <a:ea typeface="Cambria Math" panose="02040503050406030204" pitchFamily="18" charset="0"/>
+                      </a:rPr>
+                      <m:t>∈ </m:t>
+                    </m:r>
+                    <m:r>
+                      <a:rPr lang="it-IT" sz="1500" i="1">
+                        <a:latin typeface="Cambria Math" panose="02040503050406030204" pitchFamily="18" charset="0"/>
+                        <a:ea typeface="Cambria Math" panose="02040503050406030204" pitchFamily="18" charset="0"/>
+                      </a:rPr>
+                      <m:t>ℝ</m:t>
+                    </m:r>
+                  </m:oMath>
+                </a14:m>
+                <a:r>
+                  <a:rPr lang="it-IT" sz="1500" dirty="0"/>
+                  <a:t> (Posizione navicella)</a:t>
+                </a:r>
+              </a:p>
+              <a:p>
+                <a:pPr marL="285750" indent="-285750">
+                  <a:buFont typeface="Arial" panose="020B0604020202020204" pitchFamily="34" charset="0"/>
+                  <a:buChar char="•"/>
+                </a:pPr>
+                <a:r>
+                  <a:rPr lang="it-IT" sz="1500" i="1" dirty="0"/>
+                  <a:t>v </a:t>
+                </a:r>
+                <a14:m>
+                  <m:oMath xmlns:m="http://schemas.openxmlformats.org/officeDocument/2006/math">
+                    <m:r>
+                      <a:rPr lang="it-IT" sz="1500" i="1">
+                        <a:latin typeface="Cambria Math" panose="02040503050406030204" pitchFamily="18" charset="0"/>
+                        <a:ea typeface="Cambria Math" panose="02040503050406030204" pitchFamily="18" charset="0"/>
+                      </a:rPr>
+                      <m:t>∈ </m:t>
+                    </m:r>
+                    <m:r>
+                      <a:rPr lang="it-IT" sz="1500" i="1">
+                        <a:latin typeface="Cambria Math" panose="02040503050406030204" pitchFamily="18" charset="0"/>
+                        <a:ea typeface="Cambria Math" panose="02040503050406030204" pitchFamily="18" charset="0"/>
+                      </a:rPr>
+                      <m:t>ℕ</m:t>
+                    </m:r>
+                  </m:oMath>
+                </a14:m>
+                <a:r>
+                  <a:rPr lang="it-IT" sz="1500" dirty="0"/>
+                  <a:t> (velocità costante)</a:t>
+                </a:r>
+              </a:p>
+              <a:p>
+                <a:pPr marL="285750" indent="-285750">
+                  <a:buFont typeface="Arial" panose="020B0604020202020204" pitchFamily="34" charset="0"/>
+                  <a:buChar char="•"/>
+                </a:pPr>
+                <a:endParaRPr lang="it-IT" sz="1500" i="1" dirty="0"/>
+              </a:p>
+            </p:txBody>
+          </p:sp>
+        </mc:Choice>
+        <mc:Fallback xmlns="">
+          <p:sp>
+            <p:nvSpPr>
+              <p:cNvPr id="17" name="CasellaDiTesto 16"/>
+              <p:cNvSpPr txBox="1">
+                <a:spLocks noRot="1" noChangeAspect="1" noMove="1" noResize="1" noEditPoints="1" noAdjustHandles="1" noChangeArrowheads="1" noChangeShapeType="1" noTextEdit="1"/>
+              </p:cNvSpPr>
+              <p:nvPr/>
+            </p:nvSpPr>
+            <p:spPr>
+              <a:xfrm>
+                <a:off x="8766686" y="848325"/>
+                <a:ext cx="2743200" cy="1246495"/>
+              </a:xfrm>
+              <a:prstGeom prst="rect">
+                <a:avLst/>
+              </a:prstGeom>
+              <a:blipFill>
+                <a:blip r:embed="rId2"/>
+                <a:stretch>
+                  <a:fillRect l="-889" t="-976"/>
+                </a:stretch>
+              </a:blipFill>
+            </p:spPr>
+            <p:txBody>
+              <a:bodyPr/>
+              <a:lstStyle/>
+              <a:p>
+                <a:r>
+                  <a:rPr lang="it-IT">
+                    <a:noFill/>
+                  </a:rPr>
+                  <a:t> </a:t>
+                </a:r>
+              </a:p>
+            </p:txBody>
+          </p:sp>
+        </mc:Fallback>
+      </mc:AlternateContent>
+      <mc:AlternateContent xmlns:mc="http://schemas.openxmlformats.org/markup-compatibility/2006">
+        <mc:Choice xmlns:a14="http://schemas.microsoft.com/office/drawing/2010/main" Requires="a14">
+          <p:sp>
+            <p:nvSpPr>
+              <p:cNvPr id="14" name="CasellaDiTesto 13"/>
               <p:cNvSpPr txBox="1"/>
               <p:nvPr/>
             </p:nvSpPr>
@@ -32108,6 +33340,28 @@
                   <a:t>w</a:t>
                 </a:r>
                 <a:r>
+                  <a:rPr lang="it-IT" sz="1500" i="1" dirty="0"/>
+                  <a:t> : </a:t>
+                </a:r>
+                <a14:m>
+                  <m:oMath xmlns:m="http://schemas.openxmlformats.org/officeDocument/2006/math">
+                    <m:r>
+                      <a:rPr lang="it-IT" sz="1500" i="1">
+                        <a:latin typeface="Cambria Math" panose="02040503050406030204" pitchFamily="18" charset="0"/>
+                        <a:ea typeface="Cambria Math" panose="02040503050406030204" pitchFamily="18" charset="0"/>
+                      </a:rPr>
+                      <m:t>ℝ</m:t>
+                    </m:r>
+                    <m:r>
+                      <a:rPr lang="it-IT" sz="1500" i="1">
+                        <a:latin typeface="Cambria Math" panose="02040503050406030204" pitchFamily="18" charset="0"/>
+                        <a:ea typeface="Cambria Math" panose="02040503050406030204" pitchFamily="18" charset="0"/>
+                      </a:rPr>
+                      <m:t>→</m:t>
+                    </m:r>
+                  </m:oMath>
+                </a14:m>
+                <a:r>
                   <a:rPr lang="it-IT" sz="1500" dirty="0"/>
                   <a:t> (</a:t>
                 </a:r>
@@ -32135,7 +33389,29 @@
                 </a:pPr>
                 <a:r>
                   <a:rPr lang="it-IT" sz="1500" i="1" dirty="0"/>
-                  <a:t>a </a:t>
+                  <a:t>a : </a:t>
+                </a:r>
+                <a14:m>
+                  <m:oMath xmlns:m="http://schemas.openxmlformats.org/officeDocument/2006/math">
+                    <m:r>
+                      <a:rPr lang="it-IT" sz="1500" i="1">
+                        <a:latin typeface="Cambria Math" panose="02040503050406030204" pitchFamily="18" charset="0"/>
+                        <a:ea typeface="Cambria Math" panose="02040503050406030204" pitchFamily="18" charset="0"/>
+                      </a:rPr>
+                      <m:t>ℝ</m:t>
+                    </m:r>
+                    <m:r>
+                      <a:rPr lang="it-IT" sz="1500" i="1">
+                        <a:latin typeface="Cambria Math" panose="02040503050406030204" pitchFamily="18" charset="0"/>
+                        <a:ea typeface="Cambria Math" panose="02040503050406030204" pitchFamily="18" charset="0"/>
+                      </a:rPr>
+                      <m:t>→</m:t>
+                    </m:r>
+                  </m:oMath>
+                </a14:m>
+                <a:r>
+                  <a:rPr lang="it-IT" sz="1500" i="1" dirty="0" smtClean="0"/>
+                  <a:t> </a:t>
                 </a:r>
                 <a:r>
                   <a:rPr lang="it-IT" sz="1500" dirty="0"/>
@@ -32168,6 +33444,28 @@
                   <a:t>s</a:t>
                 </a:r>
                 <a:r>
+                  <a:rPr lang="it-IT" sz="1500" i="1" dirty="0"/>
+                  <a:t> : </a:t>
+                </a:r>
+                <a14:m>
+                  <m:oMath xmlns:m="http://schemas.openxmlformats.org/officeDocument/2006/math">
+                    <m:r>
+                      <a:rPr lang="it-IT" sz="1500" i="1">
+                        <a:latin typeface="Cambria Math" panose="02040503050406030204" pitchFamily="18" charset="0"/>
+                        <a:ea typeface="Cambria Math" panose="02040503050406030204" pitchFamily="18" charset="0"/>
+                      </a:rPr>
+                      <m:t>ℝ</m:t>
+                    </m:r>
+                    <m:r>
+                      <a:rPr lang="it-IT" sz="1500" i="1">
+                        <a:latin typeface="Cambria Math" panose="02040503050406030204" pitchFamily="18" charset="0"/>
+                        <a:ea typeface="Cambria Math" panose="02040503050406030204" pitchFamily="18" charset="0"/>
+                      </a:rPr>
+                      <m:t>→</m:t>
+                    </m:r>
+                  </m:oMath>
+                </a14:m>
+                <a:r>
                   <a:rPr lang="it-IT" sz="1500" dirty="0"/>
                   <a:t> (</a:t>
                 </a:r>
@@ -32197,6 +33495,28 @@
                   <a:rPr lang="it-IT" sz="1500" i="1" dirty="0"/>
                   <a:t>d</a:t>
                 </a:r>
+                <a:r>
+                  <a:rPr lang="it-IT" sz="1500" i="1" dirty="0"/>
+                  <a:t> : </a:t>
+                </a:r>
+                <a14:m>
+                  <m:oMath xmlns:m="http://schemas.openxmlformats.org/officeDocument/2006/math">
+                    <m:r>
+                      <a:rPr lang="it-IT" sz="1500" i="1">
+                        <a:latin typeface="Cambria Math" panose="02040503050406030204" pitchFamily="18" charset="0"/>
+                        <a:ea typeface="Cambria Math" panose="02040503050406030204" pitchFamily="18" charset="0"/>
+                      </a:rPr>
+                      <m:t>ℝ</m:t>
+                    </m:r>
+                    <m:r>
+                      <a:rPr lang="it-IT" sz="1500" i="1">
+                        <a:latin typeface="Cambria Math" panose="02040503050406030204" pitchFamily="18" charset="0"/>
+                        <a:ea typeface="Cambria Math" panose="02040503050406030204" pitchFamily="18" charset="0"/>
+                      </a:rPr>
+                      <m:t>→</m:t>
+                    </m:r>
+                  </m:oMath>
+                </a14:m>
                 <a:r>
                   <a:rPr lang="it-IT" sz="1500" dirty="0"/>
                   <a:t> (</a:t>
@@ -32271,10 +33591,10 @@
             </p:txBody>
           </p:sp>
         </mc:Choice>
-        <mc:Fallback xmlns="">
+        <mc:Fallback>
           <p:sp>
             <p:nvSpPr>
-              <p:cNvPr id="11" name="CasellaDiTesto 10"/>
+              <p:cNvPr id="14" name="CasellaDiTesto 13"/>
               <p:cNvSpPr txBox="1">
                 <a:spLocks noRot="1" noChangeAspect="1" noMove="1" noResize="1" noEditPoints="1" noAdjustHandles="1" noChangeArrowheads="1" noChangeShapeType="1" noTextEdit="1"/>
               </p:cNvSpPr>
@@ -32300,7 +33620,7 @@
               <a:lstStyle/>
               <a:p>
                 <a:r>
-                  <a:rPr lang="it-IT">
+                  <a:rPr lang="en-GB">
                     <a:noFill/>
                   </a:rPr>
                   <a:t> </a:t>
@@ -32310,18 +33630,18 @@
           </p:sp>
         </mc:Fallback>
       </mc:AlternateContent>
-      <mc:AlternateContent xmlns:mc="http://schemas.openxmlformats.org/markup-compatibility/2006" xmlns:a14="http://schemas.microsoft.com/office/drawing/2010/main">
-        <mc:Choice Requires="a14">
+      <mc:AlternateContent xmlns:mc="http://schemas.openxmlformats.org/markup-compatibility/2006">
+        <mc:Choice xmlns:a14="http://schemas.microsoft.com/office/drawing/2010/main" Requires="a14">
           <p:sp>
             <p:nvSpPr>
-              <p:cNvPr id="12" name="CasellaDiTesto 11"/>
+              <p:cNvPr id="15" name="CasellaDiTesto 14"/>
               <p:cNvSpPr txBox="1"/>
               <p:nvPr/>
             </p:nvSpPr>
             <p:spPr>
               <a:xfrm>
                 <a:off x="8766686" y="3516143"/>
-                <a:ext cx="2743200" cy="553998"/>
+                <a:ext cx="2743200" cy="784830"/>
               </a:xfrm>
               <a:prstGeom prst="rect">
                 <a:avLst/>
@@ -32350,6 +33670,28 @@
                 </a:r>
                 <a:r>
                   <a:rPr lang="it-IT" sz="1500" i="1" dirty="0"/>
+                  <a:t> : </a:t>
+                </a:r>
+                <a14:m>
+                  <m:oMath xmlns:m="http://schemas.openxmlformats.org/officeDocument/2006/math">
+                    <m:r>
+                      <a:rPr lang="it-IT" sz="1500" i="1">
+                        <a:latin typeface="Cambria Math" panose="02040503050406030204" pitchFamily="18" charset="0"/>
+                        <a:ea typeface="Cambria Math" panose="02040503050406030204" pitchFamily="18" charset="0"/>
+                      </a:rPr>
+                      <m:t>ℝ</m:t>
+                    </m:r>
+                    <m:r>
+                      <a:rPr lang="it-IT" sz="1500" i="1">
+                        <a:latin typeface="Cambria Math" panose="02040503050406030204" pitchFamily="18" charset="0"/>
+                        <a:ea typeface="Cambria Math" panose="02040503050406030204" pitchFamily="18" charset="0"/>
+                      </a:rPr>
+                      <m:t>→</m:t>
+                    </m:r>
+                  </m:oMath>
+                </a14:m>
+                <a:r>
+                  <a:rPr lang="it-IT" sz="1500" i="1" dirty="0"/>
                   <a:t> </a:t>
                 </a:r>
                 <a:r>
@@ -32395,10 +33737,10 @@
             </p:txBody>
           </p:sp>
         </mc:Choice>
-        <mc:Fallback xmlns="">
+        <mc:Fallback>
           <p:sp>
             <p:nvSpPr>
-              <p:cNvPr id="12" name="CasellaDiTesto 11"/>
+              <p:cNvPr id="15" name="CasellaDiTesto 14"/>
               <p:cNvSpPr txBox="1">
                 <a:spLocks noRot="1" noChangeAspect="1" noMove="1" noResize="1" noEditPoints="1" noAdjustHandles="1" noChangeArrowheads="1" noChangeShapeType="1" noTextEdit="1"/>
               </p:cNvSpPr>
@@ -32407,7 +33749,7 @@
             <p:spPr>
               <a:xfrm>
                 <a:off x="8766686" y="3516143"/>
-                <a:ext cx="2743200" cy="553998"/>
+                <a:ext cx="2743200" cy="784830"/>
               </a:xfrm>
               <a:prstGeom prst="rect">
                 <a:avLst/>
@@ -32415,7 +33757,7 @@
               <a:blipFill>
                 <a:blip r:embed="rId4"/>
                 <a:stretch>
-                  <a:fillRect l="-889" t="-2198" b="-10989"/>
+                  <a:fillRect l="-889" t="-1550" b="-6977"/>
                 </a:stretch>
               </a:blipFill>
             </p:spPr>
@@ -32424,197 +33766,7 @@
               <a:lstStyle/>
               <a:p>
                 <a:r>
-                  <a:rPr lang="it-IT">
-                    <a:noFill/>
-                  </a:rPr>
-                  <a:t> </a:t>
-                </a:r>
-              </a:p>
-            </p:txBody>
-          </p:sp>
-        </mc:Fallback>
-      </mc:AlternateContent>
-      <mc:AlternateContent xmlns:mc="http://schemas.openxmlformats.org/markup-compatibility/2006" xmlns:a14="http://schemas.microsoft.com/office/drawing/2010/main">
-        <mc:Choice Requires="a14">
-          <p:sp>
-            <p:nvSpPr>
-              <p:cNvPr id="17" name="CasellaDiTesto 16"/>
-              <p:cNvSpPr txBox="1"/>
-              <p:nvPr/>
-            </p:nvSpPr>
-            <p:spPr>
-              <a:xfrm>
-                <a:off x="8766686" y="848325"/>
-                <a:ext cx="2743200" cy="1246495"/>
-              </a:xfrm>
-              <a:prstGeom prst="rect">
-                <a:avLst/>
-              </a:prstGeom>
-              <a:noFill/>
-            </p:spPr>
-            <p:txBody>
-              <a:bodyPr wrap="square" rtlCol="0">
-                <a:spAutoFit/>
-              </a:bodyPr>
-              <a:lstStyle/>
-              <a:p>
-                <a:r>
-                  <a:rPr lang="it-IT" sz="1500" dirty="0"/>
-                  <a:t>Parametri:</a:t>
-                </a:r>
-              </a:p>
-              <a:p>
-                <a:pPr marL="285750" indent="-285750">
-                  <a:buFont typeface="Arial" panose="020B0604020202020204" pitchFamily="34" charset="0"/>
-                  <a:buChar char="•"/>
-                </a:pPr>
-                <a:r>
-                  <a:rPr lang="it-IT" sz="1500" i="1" dirty="0"/>
-                  <a:t>x</a:t>
-                </a:r>
-                <a:r>
-                  <a:rPr lang="it-IT" sz="1500" i="1" baseline="-25000" dirty="0"/>
-                  <a:t>s</a:t>
-                </a:r>
-                <a:r>
-                  <a:rPr lang="it-IT" sz="1500" i="1" dirty="0"/>
-                  <a:t> </a:t>
-                </a:r>
-                <a14:m>
-                  <m:oMath xmlns:m="http://schemas.openxmlformats.org/officeDocument/2006/math">
-                    <m:r>
-                      <a:rPr lang="it-IT" sz="1500" i="1">
-                        <a:latin typeface="Cambria Math" panose="02040503050406030204" pitchFamily="18" charset="0"/>
-                        <a:ea typeface="Cambria Math" panose="02040503050406030204" pitchFamily="18" charset="0"/>
-                      </a:rPr>
-                      <m:t>∈ </m:t>
-                    </m:r>
-                    <m:r>
-                      <a:rPr lang="it-IT" sz="1500" i="1">
-                        <a:latin typeface="Cambria Math" panose="02040503050406030204" pitchFamily="18" charset="0"/>
-                        <a:ea typeface="Cambria Math" panose="02040503050406030204" pitchFamily="18" charset="0"/>
-                      </a:rPr>
-                      <m:t>ℝ</m:t>
-                    </m:r>
-                  </m:oMath>
-                </a14:m>
-                <a:r>
-                  <a:rPr lang="it-IT" sz="1500" dirty="0"/>
-                  <a:t> (Posizione navicella)</a:t>
-                </a:r>
-              </a:p>
-              <a:p>
-                <a:pPr marL="285750" indent="-285750">
-                  <a:buFont typeface="Arial" panose="020B0604020202020204" pitchFamily="34" charset="0"/>
-                  <a:buChar char="•"/>
-                </a:pPr>
-                <a:r>
-                  <a:rPr lang="it-IT" sz="1500" i="1" dirty="0"/>
-                  <a:t>y</a:t>
-                </a:r>
-                <a:r>
-                  <a:rPr lang="it-IT" sz="1500" i="1" baseline="-25000" dirty="0"/>
-                  <a:t>s</a:t>
-                </a:r>
-                <a:r>
-                  <a:rPr lang="it-IT" sz="1500" i="1" dirty="0"/>
-                  <a:t> </a:t>
-                </a:r>
-                <a14:m>
-                  <m:oMath xmlns:m="http://schemas.openxmlformats.org/officeDocument/2006/math">
-                    <m:r>
-                      <a:rPr lang="it-IT" sz="1500" i="1">
-                        <a:latin typeface="Cambria Math" panose="02040503050406030204" pitchFamily="18" charset="0"/>
-                        <a:ea typeface="Cambria Math" panose="02040503050406030204" pitchFamily="18" charset="0"/>
-                      </a:rPr>
-                      <m:t>∈ </m:t>
-                    </m:r>
-                    <m:r>
-                      <a:rPr lang="it-IT" sz="1500" i="1">
-                        <a:latin typeface="Cambria Math" panose="02040503050406030204" pitchFamily="18" charset="0"/>
-                        <a:ea typeface="Cambria Math" panose="02040503050406030204" pitchFamily="18" charset="0"/>
-                      </a:rPr>
-                      <m:t>ℝ</m:t>
-                    </m:r>
-                  </m:oMath>
-                </a14:m>
-                <a:r>
-                  <a:rPr lang="it-IT" sz="1500" dirty="0"/>
-                  <a:t> (Posizione navicella)</a:t>
-                </a:r>
-              </a:p>
-              <a:p>
-                <a:pPr marL="285750" indent="-285750">
-                  <a:buFont typeface="Arial" panose="020B0604020202020204" pitchFamily="34" charset="0"/>
-                  <a:buChar char="•"/>
-                </a:pPr>
-                <a:r>
-                  <a:rPr lang="it-IT" sz="1500" i="1" dirty="0"/>
-                  <a:t>v </a:t>
-                </a:r>
-                <a14:m>
-                  <m:oMath xmlns:m="http://schemas.openxmlformats.org/officeDocument/2006/math">
-                    <m:r>
-                      <a:rPr lang="it-IT" sz="1500" i="1">
-                        <a:latin typeface="Cambria Math" panose="02040503050406030204" pitchFamily="18" charset="0"/>
-                        <a:ea typeface="Cambria Math" panose="02040503050406030204" pitchFamily="18" charset="0"/>
-                      </a:rPr>
-                      <m:t>∈ </m:t>
-                    </m:r>
-                    <m:r>
-                      <a:rPr lang="it-IT" sz="1500" i="1">
-                        <a:latin typeface="Cambria Math" panose="02040503050406030204" pitchFamily="18" charset="0"/>
-                        <a:ea typeface="Cambria Math" panose="02040503050406030204" pitchFamily="18" charset="0"/>
-                      </a:rPr>
-                      <m:t>ℕ</m:t>
-                    </m:r>
-                  </m:oMath>
-                </a14:m>
-                <a:r>
-                  <a:rPr lang="it-IT" sz="1500" dirty="0"/>
-                  <a:t> (velocità costante)</a:t>
-                </a:r>
-              </a:p>
-              <a:p>
-                <a:pPr marL="285750" indent="-285750">
-                  <a:buFont typeface="Arial" panose="020B0604020202020204" pitchFamily="34" charset="0"/>
-                  <a:buChar char="•"/>
-                </a:pPr>
-                <a:endParaRPr lang="it-IT" sz="1500" i="1" dirty="0"/>
-              </a:p>
-            </p:txBody>
-          </p:sp>
-        </mc:Choice>
-        <mc:Fallback xmlns="">
-          <p:sp>
-            <p:nvSpPr>
-              <p:cNvPr id="17" name="CasellaDiTesto 16"/>
-              <p:cNvSpPr txBox="1">
-                <a:spLocks noRot="1" noChangeAspect="1" noMove="1" noResize="1" noEditPoints="1" noAdjustHandles="1" noChangeArrowheads="1" noChangeShapeType="1" noTextEdit="1"/>
-              </p:cNvSpPr>
-              <p:nvPr/>
-            </p:nvSpPr>
-            <p:spPr>
-              <a:xfrm>
-                <a:off x="8766686" y="848325"/>
-                <a:ext cx="2743200" cy="1246495"/>
-              </a:xfrm>
-              <a:prstGeom prst="rect">
-                <a:avLst/>
-              </a:prstGeom>
-              <a:blipFill>
-                <a:blip r:embed="rId2"/>
-                <a:stretch>
-                  <a:fillRect l="-889" t="-976"/>
-                </a:stretch>
-              </a:blipFill>
-            </p:spPr>
-            <p:txBody>
-              <a:bodyPr/>
-              <a:lstStyle/>
-              <a:p>
-                <a:r>
-                  <a:rPr lang="it-IT">
+                  <a:rPr lang="en-GB">
                     <a:noFill/>
                   </a:rPr>
                   <a:t> </a:t>
@@ -32634,11 +33786,11 @@
   <p:clrMapOvr>
     <a:masterClrMapping/>
   </p:clrMapOvr>
-  <mc:AlternateContent xmlns:mc="http://schemas.openxmlformats.org/markup-compatibility/2006">
-    <mc:Choice xmlns:p14="http://schemas.microsoft.com/office/powerpoint/2010/main" Requires="p14">
+  <mc:AlternateContent xmlns:mc="http://schemas.openxmlformats.org/markup-compatibility/2006" xmlns:p14="http://schemas.microsoft.com/office/powerpoint/2010/main">
+    <mc:Choice Requires="p14">
       <p:transition spd="slow" p14:dur="2000"/>
     </mc:Choice>
-    <mc:Fallback>
+    <mc:Fallback xmlns="">
       <p:transition spd="slow"/>
     </mc:Fallback>
   </mc:AlternateContent>

--- a/Progetto sistemi.pptx
+++ b/Progetto sistemi.pptx
@@ -275,7 +275,7 @@
           <a:p>
             <a:fld id="{E7209603-6E60-49B9-BBC7-D363A6F8E0E1}" type="datetimeFigureOut">
               <a:rPr lang="it-IT" smtClean="0"/>
-              <a:t>20/02/2018</a:t>
+              <a:t>21/02/2018</a:t>
             </a:fld>
             <a:endParaRPr lang="it-IT"/>
           </a:p>
@@ -440,7 +440,7 @@
           <a:p>
             <a:fld id="{28EC8708-F48D-430F-8DA4-8CA34B9897F8}" type="datetimeFigureOut">
               <a:rPr lang="it-IT" smtClean="0"/>
-              <a:t>20/02/2018</a:t>
+              <a:t>21/02/2018</a:t>
             </a:fld>
             <a:endParaRPr lang="it-IT"/>
           </a:p>
@@ -1242,52 +1242,6 @@
           <a:bodyPr/>
           <a:lstStyle/>
           <a:p>
-            <a:pPr marL="0" marR="0" lvl="0" indent="0" algn="l" defTabSz="914400" rtl="0" eaLnBrk="1" fontAlgn="auto" latinLnBrk="0" hangingPunct="1">
-              <a:lnSpc>
-                <a:spcPct val="100000"/>
-              </a:lnSpc>
-              <a:spcBef>
-                <a:spcPts val="0"/>
-              </a:spcBef>
-              <a:spcAft>
-                <a:spcPts val="0"/>
-              </a:spcAft>
-              <a:buClrTx/>
-              <a:buSzTx/>
-              <a:buFontTx/>
-              <a:buNone/>
-              <a:tabLst/>
-              <a:defRPr/>
-            </a:pPr>
-            <a:r>
-              <a:rPr lang="it-IT" dirty="0"/>
-              <a:t>Infine passiamo a «Rigidbody2d.AddForce»  un parametro che è il prodotto tra «ray2D» e la forza da voler applicare in modo che l’oggetto si muova</a:t>
-            </a:r>
-          </a:p>
-          <a:p>
-            <a:pPr marL="0" marR="0" lvl="0" indent="0" algn="l" defTabSz="914400" rtl="0" eaLnBrk="1" fontAlgn="auto" latinLnBrk="0" hangingPunct="1">
-              <a:lnSpc>
-                <a:spcPct val="100000"/>
-              </a:lnSpc>
-              <a:spcBef>
-                <a:spcPts val="0"/>
-              </a:spcBef>
-              <a:spcAft>
-                <a:spcPts val="0"/>
-              </a:spcAft>
-              <a:buClrTx/>
-              <a:buSzTx/>
-              <a:buFontTx/>
-              <a:buNone/>
-              <a:tabLst/>
-              <a:defRPr/>
-            </a:pPr>
-            <a:r>
-              <a:rPr lang="it-IT" dirty="0"/>
-              <a:t>(La massa dell’asteroide è 1)</a:t>
-            </a:r>
-          </a:p>
-          <a:p>
             <a:endParaRPr lang="it-IT" dirty="0"/>
           </a:p>
         </p:txBody>
@@ -1712,7 +1666,7 @@
           <a:p>
             <a:fld id="{5243369B-FBAA-403C-8A1E-C9994F99F854}" type="datetimeFigureOut">
               <a:rPr lang="it-IT" smtClean="0"/>
-              <a:t>20/02/2018</a:t>
+              <a:t>21/02/2018</a:t>
             </a:fld>
             <a:endParaRPr lang="it-IT"/>
           </a:p>
@@ -1880,7 +1834,7 @@
           <a:p>
             <a:fld id="{5243369B-FBAA-403C-8A1E-C9994F99F854}" type="datetimeFigureOut">
               <a:rPr lang="it-IT" smtClean="0"/>
-              <a:t>20/02/2018</a:t>
+              <a:t>21/02/2018</a:t>
             </a:fld>
             <a:endParaRPr lang="it-IT"/>
           </a:p>
@@ -2058,7 +2012,7 @@
           <a:p>
             <a:fld id="{5243369B-FBAA-403C-8A1E-C9994F99F854}" type="datetimeFigureOut">
               <a:rPr lang="it-IT" smtClean="0"/>
-              <a:t>20/02/2018</a:t>
+              <a:t>21/02/2018</a:t>
             </a:fld>
             <a:endParaRPr lang="it-IT"/>
           </a:p>
@@ -2226,7 +2180,7 @@
           <a:p>
             <a:fld id="{5243369B-FBAA-403C-8A1E-C9994F99F854}" type="datetimeFigureOut">
               <a:rPr lang="it-IT" smtClean="0"/>
-              <a:t>20/02/2018</a:t>
+              <a:t>21/02/2018</a:t>
             </a:fld>
             <a:endParaRPr lang="it-IT"/>
           </a:p>
@@ -2471,7 +2425,7 @@
           <a:p>
             <a:fld id="{5243369B-FBAA-403C-8A1E-C9994F99F854}" type="datetimeFigureOut">
               <a:rPr lang="it-IT" smtClean="0"/>
-              <a:t>20/02/2018</a:t>
+              <a:t>21/02/2018</a:t>
             </a:fld>
             <a:endParaRPr lang="it-IT"/>
           </a:p>
@@ -2700,7 +2654,7 @@
           <a:p>
             <a:fld id="{5243369B-FBAA-403C-8A1E-C9994F99F854}" type="datetimeFigureOut">
               <a:rPr lang="it-IT" smtClean="0"/>
-              <a:t>20/02/2018</a:t>
+              <a:t>21/02/2018</a:t>
             </a:fld>
             <a:endParaRPr lang="it-IT"/>
           </a:p>
@@ -3064,7 +3018,7 @@
           <a:p>
             <a:fld id="{5243369B-FBAA-403C-8A1E-C9994F99F854}" type="datetimeFigureOut">
               <a:rPr lang="it-IT" smtClean="0"/>
-              <a:t>20/02/2018</a:t>
+              <a:t>21/02/2018</a:t>
             </a:fld>
             <a:endParaRPr lang="it-IT"/>
           </a:p>
@@ -3181,7 +3135,7 @@
           <a:p>
             <a:fld id="{5243369B-FBAA-403C-8A1E-C9994F99F854}" type="datetimeFigureOut">
               <a:rPr lang="it-IT" smtClean="0"/>
-              <a:t>20/02/2018</a:t>
+              <a:t>21/02/2018</a:t>
             </a:fld>
             <a:endParaRPr lang="it-IT"/>
           </a:p>
@@ -3276,7 +3230,7 @@
           <a:p>
             <a:fld id="{5243369B-FBAA-403C-8A1E-C9994F99F854}" type="datetimeFigureOut">
               <a:rPr lang="it-IT" smtClean="0"/>
-              <a:t>20/02/2018</a:t>
+              <a:t>21/02/2018</a:t>
             </a:fld>
             <a:endParaRPr lang="it-IT"/>
           </a:p>
@@ -3551,7 +3505,7 @@
           <a:p>
             <a:fld id="{5243369B-FBAA-403C-8A1E-C9994F99F854}" type="datetimeFigureOut">
               <a:rPr lang="it-IT" smtClean="0"/>
-              <a:t>20/02/2018</a:t>
+              <a:t>21/02/2018</a:t>
             </a:fld>
             <a:endParaRPr lang="it-IT"/>
           </a:p>
@@ -3803,7 +3757,7 @@
           <a:p>
             <a:fld id="{5243369B-FBAA-403C-8A1E-C9994F99F854}" type="datetimeFigureOut">
               <a:rPr lang="it-IT" smtClean="0"/>
-              <a:t>20/02/2018</a:t>
+              <a:t>21/02/2018</a:t>
             </a:fld>
             <a:endParaRPr lang="it-IT"/>
           </a:p>
@@ -4014,7 +3968,7 @@
           <a:p>
             <a:fld id="{5243369B-FBAA-403C-8A1E-C9994F99F854}" type="datetimeFigureOut">
               <a:rPr lang="it-IT" smtClean="0"/>
-              <a:t>20/02/2018</a:t>
+              <a:t>21/02/2018</a:t>
             </a:fld>
             <a:endParaRPr lang="it-IT"/>
           </a:p>
@@ -4599,7 +4553,7 @@
               <a:tabLst/>
             </a:pPr>
             <a:r>
-              <a:rPr kumimoji="0" lang="it-IT" altLang="en-US" sz="2800" b="1" i="0" u="none" strike="noStrike" cap="none" normalizeH="0" baseline="0" dirty="0" smtClean="0">
+              <a:rPr kumimoji="0" lang="it-IT" altLang="en-US" sz="2800" b="1" i="0" u="none" strike="noStrike" cap="none" normalizeH="0" baseline="0" dirty="0">
                 <a:ln>
                   <a:noFill/>
                 </a:ln>
@@ -4614,7 +4568,7 @@
               <a:t>Universit</a:t>
             </a:r>
             <a:r>
-              <a:rPr kumimoji="0" lang="it-IT" altLang="en-US" sz="2800" b="1" i="0" u="none" strike="noStrike" cap="none" normalizeH="0" baseline="0" dirty="0" smtClean="0">
+              <a:rPr kumimoji="0" lang="it-IT" altLang="en-US" sz="2800" b="1" i="0" u="none" strike="noStrike" cap="none" normalizeH="0" baseline="0" dirty="0">
                 <a:ln>
                   <a:noFill/>
                 </a:ln>
@@ -4629,7 +4583,7 @@
               <a:t>à</a:t>
             </a:r>
             <a:r>
-              <a:rPr kumimoji="0" lang="it-IT" altLang="en-US" sz="2800" b="1" i="0" u="none" strike="noStrike" cap="none" normalizeH="0" baseline="0" dirty="0" smtClean="0">
+              <a:rPr kumimoji="0" lang="it-IT" altLang="en-US" sz="2800" b="1" i="0" u="none" strike="noStrike" cap="none" normalizeH="0" baseline="0" dirty="0">
                 <a:ln>
                   <a:noFill/>
                 </a:ln>
@@ -4643,7 +4597,7 @@
               </a:rPr>
               <a:t> degli Studi del Sannio</a:t>
             </a:r>
-            <a:endParaRPr kumimoji="0" lang="en-GB" altLang="en-US" sz="1100" b="0" i="0" u="none" strike="noStrike" cap="none" normalizeH="0" baseline="0" dirty="0" smtClean="0">
+            <a:endParaRPr kumimoji="0" lang="en-GB" altLang="en-US" sz="1100" b="0" i="0" u="none" strike="noStrike" cap="none" normalizeH="0" baseline="0" dirty="0">
               <a:ln>
                 <a:noFill/>
               </a:ln>
@@ -4671,7 +4625,7 @@
               <a:tabLst/>
             </a:pPr>
             <a:r>
-              <a:rPr kumimoji="0" lang="it-IT" altLang="en-US" sz="2800" b="0" i="0" u="none" strike="noStrike" cap="none" normalizeH="0" baseline="0" dirty="0" smtClean="0">
+              <a:rPr kumimoji="0" lang="it-IT" altLang="en-US" sz="2800" b="0" i="0" u="none" strike="noStrike" cap="none" normalizeH="0" baseline="0" dirty="0">
                 <a:ln>
                   <a:noFill/>
                 </a:ln>
@@ -4685,7 +4639,7 @@
               </a:rPr>
               <a:t>Dipartimento di Ingegneria</a:t>
             </a:r>
-            <a:endParaRPr kumimoji="0" lang="en-GB" altLang="en-US" sz="1100" b="0" i="0" u="none" strike="noStrike" cap="none" normalizeH="0" baseline="0" dirty="0" smtClean="0">
+            <a:endParaRPr kumimoji="0" lang="en-GB" altLang="en-US" sz="1100" b="0" i="0" u="none" strike="noStrike" cap="none" normalizeH="0" baseline="0" dirty="0">
               <a:ln>
                 <a:noFill/>
               </a:ln>
@@ -4713,7 +4667,7 @@
               <a:tabLst/>
             </a:pPr>
             <a:r>
-              <a:rPr kumimoji="0" lang="it-IT" altLang="en-US" sz="2400" b="0" i="1" u="none" strike="noStrike" cap="none" normalizeH="0" baseline="0" dirty="0" smtClean="0">
+              <a:rPr kumimoji="0" lang="it-IT" altLang="en-US" sz="2400" b="0" i="1" u="none" strike="noStrike" cap="none" normalizeH="0" baseline="0" dirty="0">
                 <a:ln>
                   <a:noFill/>
                 </a:ln>
@@ -4727,7 +4681,7 @@
               </a:rPr>
               <a:t>Corso di Sistemi Discreti</a:t>
             </a:r>
-            <a:endParaRPr kumimoji="0" lang="en-GB" altLang="en-US" sz="1100" b="0" i="0" u="none" strike="noStrike" cap="none" normalizeH="0" baseline="0" dirty="0" smtClean="0">
+            <a:endParaRPr kumimoji="0" lang="en-GB" altLang="en-US" sz="1100" b="0" i="0" u="none" strike="noStrike" cap="none" normalizeH="0" baseline="0" dirty="0">
               <a:ln>
                 <a:noFill/>
               </a:ln>
@@ -4755,7 +4709,7 @@
               <a:tabLst/>
             </a:pPr>
             <a:r>
-              <a:rPr kumimoji="0" lang="it-IT" altLang="en-US" sz="2000" b="1" i="0" u="none" strike="noStrike" cap="none" normalizeH="0" baseline="0" dirty="0" smtClean="0">
+              <a:rPr kumimoji="0" lang="it-IT" altLang="en-US" sz="2000" b="1" i="0" u="none" strike="noStrike" cap="none" normalizeH="0" baseline="0" dirty="0">
                 <a:ln>
                   <a:noFill/>
                 </a:ln>
@@ -4770,7 +4724,7 @@
               <a:t>Elaborato: </a:t>
             </a:r>
             <a:r>
-              <a:rPr kumimoji="0" lang="it-IT" altLang="en-US" sz="2000" b="1" i="0" u="none" strike="noStrike" cap="none" normalizeH="0" baseline="0" dirty="0" smtClean="0">
+              <a:rPr kumimoji="0" lang="it-IT" altLang="en-US" sz="2000" b="1" i="0" u="none" strike="noStrike" cap="none" normalizeH="0" baseline="0" dirty="0">
                 <a:ln>
                   <a:noFill/>
                 </a:ln>
@@ -4785,14 +4739,14 @@
               <a:t>“</a:t>
             </a:r>
             <a:r>
-              <a:rPr lang="it-IT" altLang="en-US" sz="2000" b="1" dirty="0" smtClean="0">
+              <a:rPr lang="it-IT" altLang="en-US" sz="2000" b="1" dirty="0">
                 <a:latin typeface="Times New Roman" panose="02020603050405020304" pitchFamily="18" charset="0"/>
                 <a:ea typeface="Calibri Light" panose="020F0302020204030204" pitchFamily="34" charset="0"/>
                 <a:cs typeface="Times New Roman" panose="02020603050405020304" pitchFamily="18" charset="0"/>
               </a:rPr>
               <a:t>Realizzazione di un gioco 2D"</a:t>
             </a:r>
-            <a:endParaRPr kumimoji="0" lang="en-GB" altLang="en-US" sz="2000" b="0" i="0" u="none" strike="noStrike" cap="none" normalizeH="0" baseline="0" dirty="0" smtClean="0">
+            <a:endParaRPr kumimoji="0" lang="en-GB" altLang="en-US" sz="2000" b="0" i="0" u="none" strike="noStrike" cap="none" normalizeH="0" baseline="0" dirty="0">
               <a:ln>
                 <a:noFill/>
               </a:ln>
@@ -4822,23 +4776,8 @@
               <a:buNone/>
               <a:tabLst/>
             </a:pPr>
-            <a:r>
-              <a:rPr kumimoji="0" lang="it-IT" altLang="en-US" sz="1000" b="0" i="0" u="none" strike="noStrike" cap="none" normalizeH="0" baseline="0" dirty="0" smtClean="0">
-                <a:ln>
-                  <a:noFill/>
-                </a:ln>
-                <a:solidFill>
-                  <a:schemeClr val="tx1"/>
-                </a:solidFill>
-                <a:effectLst/>
-                <a:latin typeface="Helvetica" panose="020B0604020202020204" pitchFamily="34" charset="0"/>
-                <a:ea typeface="Calibri" panose="020F0502020204030204" pitchFamily="34" charset="0"/>
-                <a:cs typeface="Arial" panose="020B0604020202020204" pitchFamily="34" charset="0"/>
-              </a:rPr>
-              <a:t/>
-            </a:r>
             <a:br>
-              <a:rPr kumimoji="0" lang="it-IT" altLang="en-US" sz="1000" b="0" i="0" u="none" strike="noStrike" cap="none" normalizeH="0" baseline="0" dirty="0" smtClean="0">
+              <a:rPr kumimoji="0" lang="it-IT" altLang="en-US" sz="1000" b="0" i="0" u="none" strike="noStrike" cap="none" normalizeH="0" baseline="0" dirty="0">
                 <a:ln>
                   <a:noFill/>
                 </a:ln>
@@ -4851,7 +4790,7 @@
                 <a:cs typeface="Arial" panose="020B0604020202020204" pitchFamily="34" charset="0"/>
               </a:rPr>
             </a:br>
-            <a:endParaRPr kumimoji="0" lang="it-IT" altLang="en-US" sz="1800" b="0" i="0" u="none" strike="noStrike" cap="none" normalizeH="0" baseline="0" dirty="0" smtClean="0">
+            <a:endParaRPr kumimoji="0" lang="it-IT" altLang="en-US" sz="1800" b="0" i="0" u="none" strike="noStrike" cap="none" normalizeH="0" baseline="0" dirty="0">
               <a:ln>
                 <a:noFill/>
               </a:ln>
@@ -4888,7 +4827,7 @@
           <a:p>
             <a:pPr algn="ctr"/>
             <a:r>
-              <a:rPr lang="it-IT" altLang="en-US" b="1" smtClean="0">
+              <a:rPr lang="it-IT" altLang="en-US" b="1">
                 <a:latin typeface="Times New Roman" panose="02020603050405020304" pitchFamily="18" charset="0"/>
                 <a:ea typeface="Calibri" panose="020F0502020204030204" pitchFamily="34" charset="0"/>
                 <a:cs typeface="Times New Roman" panose="02020603050405020304" pitchFamily="18" charset="0"/>
@@ -4899,7 +4838,7 @@
           <a:p>
             <a:pPr algn="ctr"/>
             <a:r>
-              <a:rPr lang="it-IT" altLang="en-US" smtClean="0">
+              <a:rPr lang="it-IT" altLang="en-US">
                 <a:latin typeface="Times New Roman" panose="02020603050405020304" pitchFamily="18" charset="0"/>
                 <a:ea typeface="Calibri" panose="020F0502020204030204" pitchFamily="34" charset="0"/>
                 <a:cs typeface="Times New Roman" panose="02020603050405020304" pitchFamily="18" charset="0"/>
@@ -4934,7 +4873,7 @@
           <a:p>
             <a:pPr algn="ctr"/>
             <a:r>
-              <a:rPr lang="it-IT" altLang="en-US" b="1" dirty="0" smtClean="0">
+              <a:rPr lang="it-IT" altLang="en-US" b="1" dirty="0">
                 <a:latin typeface="Times New Roman" panose="02020603050405020304" pitchFamily="18" charset="0"/>
                 <a:ea typeface="Calibri" panose="020F0502020204030204" pitchFamily="34" charset="0"/>
                 <a:cs typeface="Times New Roman" panose="02020603050405020304" pitchFamily="18" charset="0"/>
@@ -4945,7 +4884,7 @@
           <a:p>
             <a:pPr algn="ctr"/>
             <a:r>
-              <a:rPr lang="it-IT" dirty="0" smtClean="0">
+              <a:rPr lang="it-IT" dirty="0">
                 <a:latin typeface="Times New Roman" panose="02020603050405020304" pitchFamily="18" charset="0"/>
                 <a:cs typeface="Times New Roman" panose="02020603050405020304" pitchFamily="18" charset="0"/>
               </a:rPr>
@@ -4955,7 +4894,7 @@
           <a:p>
             <a:pPr algn="ctr"/>
             <a:r>
-              <a:rPr lang="it-IT" dirty="0" smtClean="0">
+              <a:rPr lang="it-IT" dirty="0">
                 <a:latin typeface="Times New Roman" panose="02020603050405020304" pitchFamily="18" charset="0"/>
                 <a:cs typeface="Times New Roman" panose="02020603050405020304" pitchFamily="18" charset="0"/>
               </a:rPr>
@@ -5564,8 +5503,8 @@
           </p:sp>
         </mc:Fallback>
       </mc:AlternateContent>
-      <mc:AlternateContent xmlns:mc="http://schemas.openxmlformats.org/markup-compatibility/2006">
-        <mc:Choice xmlns:a14="http://schemas.microsoft.com/office/drawing/2010/main" Requires="a14">
+      <mc:AlternateContent xmlns:mc="http://schemas.openxmlformats.org/markup-compatibility/2006" xmlns:a14="http://schemas.microsoft.com/office/drawing/2010/main">
+        <mc:Choice Requires="a14">
           <p:sp>
             <p:nvSpPr>
               <p:cNvPr id="13" name="CasellaDiTesto 12"/>
@@ -5600,11 +5539,7 @@
                 </a:pPr>
                 <a:r>
                   <a:rPr lang="it-IT" sz="1500" i="1" dirty="0"/>
-                  <a:t>w</a:t>
-                </a:r>
-                <a:r>
-                  <a:rPr lang="it-IT" sz="1500" i="1" dirty="0"/>
-                  <a:t> : </a:t>
+                  <a:t>w : </a:t>
                 </a:r>
                 <a14:m>
                   <m:oMath xmlns:m="http://schemas.openxmlformats.org/officeDocument/2006/math">
@@ -5673,7 +5608,7 @@
                   </m:oMath>
                 </a14:m>
                 <a:r>
-                  <a:rPr lang="it-IT" sz="1500" i="1" dirty="0" smtClean="0"/>
+                  <a:rPr lang="it-IT" sz="1500" i="1" dirty="0"/>
                   <a:t> </a:t>
                 </a:r>
                 <a:r>
@@ -5704,11 +5639,7 @@
                 </a:pPr>
                 <a:r>
                   <a:rPr lang="it-IT" sz="1500" i="1" dirty="0"/>
-                  <a:t>s</a:t>
-                </a:r>
-                <a:r>
-                  <a:rPr lang="it-IT" sz="1500" i="1" dirty="0"/>
-                  <a:t> : </a:t>
+                  <a:t>s : </a:t>
                 </a:r>
                 <a14:m>
                   <m:oMath xmlns:m="http://schemas.openxmlformats.org/officeDocument/2006/math">
@@ -5756,11 +5687,7 @@
                 </a:pPr>
                 <a:r>
                   <a:rPr lang="it-IT" sz="1500" i="1" dirty="0"/>
-                  <a:t>d</a:t>
-                </a:r>
-                <a:r>
-                  <a:rPr lang="it-IT" sz="1500" i="1" dirty="0"/>
-                  <a:t> : </a:t>
+                  <a:t>d : </a:t>
                 </a:r>
                 <a14:m>
                   <m:oMath xmlns:m="http://schemas.openxmlformats.org/officeDocument/2006/math">
@@ -5854,7 +5781,7 @@
             </p:txBody>
           </p:sp>
         </mc:Choice>
-        <mc:Fallback>
+        <mc:Fallback xmlns="">
           <p:sp>
             <p:nvSpPr>
               <p:cNvPr id="13" name="CasellaDiTesto 12"/>
@@ -5893,8 +5820,8 @@
           </p:sp>
         </mc:Fallback>
       </mc:AlternateContent>
-      <mc:AlternateContent xmlns:mc="http://schemas.openxmlformats.org/markup-compatibility/2006">
-        <mc:Choice xmlns:a14="http://schemas.microsoft.com/office/drawing/2010/main" Requires="a14">
+      <mc:AlternateContent xmlns:mc="http://schemas.openxmlformats.org/markup-compatibility/2006" xmlns:a14="http://schemas.microsoft.com/office/drawing/2010/main">
+        <mc:Choice Requires="a14">
           <p:sp>
             <p:nvSpPr>
               <p:cNvPr id="14" name="CasellaDiTesto 13"/>
@@ -6000,7 +5927,7 @@
             </p:txBody>
           </p:sp>
         </mc:Choice>
-        <mc:Fallback>
+        <mc:Fallback xmlns="">
           <p:sp>
             <p:nvSpPr>
               <p:cNvPr id="14" name="CasellaDiTesto 13"/>
@@ -6049,14 +5976,6 @@
   <p:clrMapOvr>
     <a:masterClrMapping/>
   </p:clrMapOvr>
-  <mc:AlternateContent xmlns:mc="http://schemas.openxmlformats.org/markup-compatibility/2006" xmlns:p14="http://schemas.microsoft.com/office/powerpoint/2010/main">
-    <mc:Choice Requires="p14">
-      <p:transition spd="slow" p14:dur="2000"/>
-    </mc:Choice>
-    <mc:Fallback xmlns="">
-      <p:transition spd="slow"/>
-    </mc:Fallback>
-  </mc:AlternateContent>
 </p:sld>
 </file>
 
@@ -6719,8 +6638,8 @@
           </p:sp>
         </mc:Fallback>
       </mc:AlternateContent>
-      <mc:AlternateContent xmlns:mc="http://schemas.openxmlformats.org/markup-compatibility/2006">
-        <mc:Choice xmlns:a14="http://schemas.microsoft.com/office/drawing/2010/main" Requires="a14">
+      <mc:AlternateContent xmlns:mc="http://schemas.openxmlformats.org/markup-compatibility/2006" xmlns:a14="http://schemas.microsoft.com/office/drawing/2010/main">
+        <mc:Choice Requires="a14">
           <p:sp>
             <p:nvSpPr>
               <p:cNvPr id="11" name="CasellaDiTesto 10"/>
@@ -6755,11 +6674,7 @@
                 </a:pPr>
                 <a:r>
                   <a:rPr lang="it-IT" sz="1500" i="1" dirty="0"/>
-                  <a:t>w</a:t>
-                </a:r>
-                <a:r>
-                  <a:rPr lang="it-IT" sz="1500" i="1" dirty="0"/>
-                  <a:t> : </a:t>
+                  <a:t>w : </a:t>
                 </a:r>
                 <a14:m>
                   <m:oMath xmlns:m="http://schemas.openxmlformats.org/officeDocument/2006/math">
@@ -6828,7 +6743,7 @@
                   </m:oMath>
                 </a14:m>
                 <a:r>
-                  <a:rPr lang="it-IT" sz="1500" i="1" dirty="0" smtClean="0"/>
+                  <a:rPr lang="it-IT" sz="1500" i="1" dirty="0"/>
                   <a:t> </a:t>
                 </a:r>
                 <a:r>
@@ -6859,11 +6774,7 @@
                 </a:pPr>
                 <a:r>
                   <a:rPr lang="it-IT" sz="1500" i="1" dirty="0"/>
-                  <a:t>s</a:t>
-                </a:r>
-                <a:r>
-                  <a:rPr lang="it-IT" sz="1500" i="1" dirty="0"/>
-                  <a:t> : </a:t>
+                  <a:t>s : </a:t>
                 </a:r>
                 <a14:m>
                   <m:oMath xmlns:m="http://schemas.openxmlformats.org/officeDocument/2006/math">
@@ -6911,11 +6822,7 @@
                 </a:pPr>
                 <a:r>
                   <a:rPr lang="it-IT" sz="1500" i="1" dirty="0"/>
-                  <a:t>d</a:t>
-                </a:r>
-                <a:r>
-                  <a:rPr lang="it-IT" sz="1500" i="1" dirty="0"/>
-                  <a:t> : </a:t>
+                  <a:t>d : </a:t>
                 </a:r>
                 <a14:m>
                   <m:oMath xmlns:m="http://schemas.openxmlformats.org/officeDocument/2006/math">
@@ -7009,7 +6916,7 @@
             </p:txBody>
           </p:sp>
         </mc:Choice>
-        <mc:Fallback>
+        <mc:Fallback xmlns="">
           <p:sp>
             <p:nvSpPr>
               <p:cNvPr id="11" name="CasellaDiTesto 10"/>
@@ -7048,8 +6955,8 @@
           </p:sp>
         </mc:Fallback>
       </mc:AlternateContent>
-      <mc:AlternateContent xmlns:mc="http://schemas.openxmlformats.org/markup-compatibility/2006">
-        <mc:Choice xmlns:a14="http://schemas.microsoft.com/office/drawing/2010/main" Requires="a14">
+      <mc:AlternateContent xmlns:mc="http://schemas.openxmlformats.org/markup-compatibility/2006" xmlns:a14="http://schemas.microsoft.com/office/drawing/2010/main">
+        <mc:Choice Requires="a14">
           <p:sp>
             <p:nvSpPr>
               <p:cNvPr id="12" name="CasellaDiTesto 11"/>
@@ -7155,7 +7062,7 @@
             </p:txBody>
           </p:sp>
         </mc:Choice>
-        <mc:Fallback>
+        <mc:Fallback xmlns="">
           <p:sp>
             <p:nvSpPr>
               <p:cNvPr id="12" name="CasellaDiTesto 11"/>
@@ -7204,14 +7111,6 @@
   <p:clrMapOvr>
     <a:masterClrMapping/>
   </p:clrMapOvr>
-  <mc:AlternateContent xmlns:mc="http://schemas.openxmlformats.org/markup-compatibility/2006" xmlns:p14="http://schemas.microsoft.com/office/powerpoint/2010/main">
-    <mc:Choice Requires="p14">
-      <p:transition spd="slow" p14:dur="2000"/>
-    </mc:Choice>
-    <mc:Fallback xmlns="">
-      <p:transition spd="slow"/>
-    </mc:Fallback>
-  </mc:AlternateContent>
 </p:sld>
 </file>
 
@@ -7868,8 +7767,8 @@
           </p:sp>
         </mc:Fallback>
       </mc:AlternateContent>
-      <mc:AlternateContent xmlns:mc="http://schemas.openxmlformats.org/markup-compatibility/2006">
-        <mc:Choice xmlns:a14="http://schemas.microsoft.com/office/drawing/2010/main" Requires="a14">
+      <mc:AlternateContent xmlns:mc="http://schemas.openxmlformats.org/markup-compatibility/2006" xmlns:a14="http://schemas.microsoft.com/office/drawing/2010/main">
+        <mc:Choice Requires="a14">
           <p:sp>
             <p:nvSpPr>
               <p:cNvPr id="15" name="CasellaDiTesto 14"/>
@@ -7904,11 +7803,7 @@
                 </a:pPr>
                 <a:r>
                   <a:rPr lang="it-IT" sz="1500" i="1" dirty="0"/>
-                  <a:t>w</a:t>
-                </a:r>
-                <a:r>
-                  <a:rPr lang="it-IT" sz="1500" i="1" dirty="0"/>
-                  <a:t> : </a:t>
+                  <a:t>w : </a:t>
                 </a:r>
                 <a14:m>
                   <m:oMath xmlns:m="http://schemas.openxmlformats.org/officeDocument/2006/math">
@@ -7977,7 +7872,7 @@
                   </m:oMath>
                 </a14:m>
                 <a:r>
-                  <a:rPr lang="it-IT" sz="1500" i="1" dirty="0" smtClean="0"/>
+                  <a:rPr lang="it-IT" sz="1500" i="1" dirty="0"/>
                   <a:t> </a:t>
                 </a:r>
                 <a:r>
@@ -8008,11 +7903,7 @@
                 </a:pPr>
                 <a:r>
                   <a:rPr lang="it-IT" sz="1500" i="1" dirty="0"/>
-                  <a:t>s</a:t>
-                </a:r>
-                <a:r>
-                  <a:rPr lang="it-IT" sz="1500" i="1" dirty="0"/>
-                  <a:t> : </a:t>
+                  <a:t>s : </a:t>
                 </a:r>
                 <a14:m>
                   <m:oMath xmlns:m="http://schemas.openxmlformats.org/officeDocument/2006/math">
@@ -8060,11 +7951,7 @@
                 </a:pPr>
                 <a:r>
                   <a:rPr lang="it-IT" sz="1500" i="1" dirty="0"/>
-                  <a:t>d</a:t>
-                </a:r>
-                <a:r>
-                  <a:rPr lang="it-IT" sz="1500" i="1" dirty="0"/>
-                  <a:t> : </a:t>
+                  <a:t>d : </a:t>
                 </a:r>
                 <a14:m>
                   <m:oMath xmlns:m="http://schemas.openxmlformats.org/officeDocument/2006/math">
@@ -8158,7 +8045,7 @@
             </p:txBody>
           </p:sp>
         </mc:Choice>
-        <mc:Fallback>
+        <mc:Fallback xmlns="">
           <p:sp>
             <p:nvSpPr>
               <p:cNvPr id="15" name="CasellaDiTesto 14"/>
@@ -8197,8 +8084,8 @@
           </p:sp>
         </mc:Fallback>
       </mc:AlternateContent>
-      <mc:AlternateContent xmlns:mc="http://schemas.openxmlformats.org/markup-compatibility/2006">
-        <mc:Choice xmlns:a14="http://schemas.microsoft.com/office/drawing/2010/main" Requires="a14">
+      <mc:AlternateContent xmlns:mc="http://schemas.openxmlformats.org/markup-compatibility/2006" xmlns:a14="http://schemas.microsoft.com/office/drawing/2010/main">
+        <mc:Choice Requires="a14">
           <p:sp>
             <p:nvSpPr>
               <p:cNvPr id="16" name="CasellaDiTesto 15"/>
@@ -8304,7 +8191,7 @@
             </p:txBody>
           </p:sp>
         </mc:Choice>
-        <mc:Fallback>
+        <mc:Fallback xmlns="">
           <p:sp>
             <p:nvSpPr>
               <p:cNvPr id="16" name="CasellaDiTesto 15"/>
@@ -8353,14 +8240,6 @@
   <p:clrMapOvr>
     <a:masterClrMapping/>
   </p:clrMapOvr>
-  <mc:AlternateContent xmlns:mc="http://schemas.openxmlformats.org/markup-compatibility/2006" xmlns:p14="http://schemas.microsoft.com/office/powerpoint/2010/main">
-    <mc:Choice Requires="p14">
-      <p:transition spd="slow" p14:dur="2000"/>
-    </mc:Choice>
-    <mc:Fallback xmlns="">
-      <p:transition spd="slow"/>
-    </mc:Fallback>
-  </mc:AlternateContent>
 </p:sld>
 </file>
 
@@ -9017,8 +8896,8 @@
           </p:sp>
         </mc:Fallback>
       </mc:AlternateContent>
-      <mc:AlternateContent xmlns:mc="http://schemas.openxmlformats.org/markup-compatibility/2006">
-        <mc:Choice xmlns:a14="http://schemas.microsoft.com/office/drawing/2010/main" Requires="a14">
+      <mc:AlternateContent xmlns:mc="http://schemas.openxmlformats.org/markup-compatibility/2006" xmlns:a14="http://schemas.microsoft.com/office/drawing/2010/main">
+        <mc:Choice Requires="a14">
           <p:sp>
             <p:nvSpPr>
               <p:cNvPr id="14" name="CasellaDiTesto 13"/>
@@ -9053,11 +8932,7 @@
                 </a:pPr>
                 <a:r>
                   <a:rPr lang="it-IT" sz="1500" i="1" dirty="0"/>
-                  <a:t>w</a:t>
-                </a:r>
-                <a:r>
-                  <a:rPr lang="it-IT" sz="1500" i="1" dirty="0"/>
-                  <a:t> : </a:t>
+                  <a:t>w : </a:t>
                 </a:r>
                 <a14:m>
                   <m:oMath xmlns:m="http://schemas.openxmlformats.org/officeDocument/2006/math">
@@ -9126,7 +9001,7 @@
                   </m:oMath>
                 </a14:m>
                 <a:r>
-                  <a:rPr lang="it-IT" sz="1500" i="1" dirty="0" smtClean="0"/>
+                  <a:rPr lang="it-IT" sz="1500" i="1" dirty="0"/>
                   <a:t> </a:t>
                 </a:r>
                 <a:r>
@@ -9157,11 +9032,7 @@
                 </a:pPr>
                 <a:r>
                   <a:rPr lang="it-IT" sz="1500" i="1" dirty="0"/>
-                  <a:t>s</a:t>
-                </a:r>
-                <a:r>
-                  <a:rPr lang="it-IT" sz="1500" i="1" dirty="0"/>
-                  <a:t> : </a:t>
+                  <a:t>s : </a:t>
                 </a:r>
                 <a14:m>
                   <m:oMath xmlns:m="http://schemas.openxmlformats.org/officeDocument/2006/math">
@@ -9209,11 +9080,7 @@
                 </a:pPr>
                 <a:r>
                   <a:rPr lang="it-IT" sz="1500" i="1" dirty="0"/>
-                  <a:t>d</a:t>
-                </a:r>
-                <a:r>
-                  <a:rPr lang="it-IT" sz="1500" i="1" dirty="0"/>
-                  <a:t> : </a:t>
+                  <a:t>d : </a:t>
                 </a:r>
                 <a14:m>
                   <m:oMath xmlns:m="http://schemas.openxmlformats.org/officeDocument/2006/math">
@@ -9307,7 +9174,7 @@
             </p:txBody>
           </p:sp>
         </mc:Choice>
-        <mc:Fallback>
+        <mc:Fallback xmlns="">
           <p:sp>
             <p:nvSpPr>
               <p:cNvPr id="14" name="CasellaDiTesto 13"/>
@@ -9346,8 +9213,8 @@
           </p:sp>
         </mc:Fallback>
       </mc:AlternateContent>
-      <mc:AlternateContent xmlns:mc="http://schemas.openxmlformats.org/markup-compatibility/2006">
-        <mc:Choice xmlns:a14="http://schemas.microsoft.com/office/drawing/2010/main" Requires="a14">
+      <mc:AlternateContent xmlns:mc="http://schemas.openxmlformats.org/markup-compatibility/2006" xmlns:a14="http://schemas.microsoft.com/office/drawing/2010/main">
+        <mc:Choice Requires="a14">
           <p:sp>
             <p:nvSpPr>
               <p:cNvPr id="15" name="CasellaDiTesto 14"/>
@@ -9453,7 +9320,7 @@
             </p:txBody>
           </p:sp>
         </mc:Choice>
-        <mc:Fallback>
+        <mc:Fallback xmlns="">
           <p:sp>
             <p:nvSpPr>
               <p:cNvPr id="15" name="CasellaDiTesto 14"/>
@@ -9502,14 +9369,6 @@
   <p:clrMapOvr>
     <a:masterClrMapping/>
   </p:clrMapOvr>
-  <mc:AlternateContent xmlns:mc="http://schemas.openxmlformats.org/markup-compatibility/2006" xmlns:p14="http://schemas.microsoft.com/office/powerpoint/2010/main">
-    <mc:Choice Requires="p14">
-      <p:transition spd="slow" p14:dur="2000"/>
-    </mc:Choice>
-    <mc:Fallback xmlns="">
-      <p:transition spd="slow"/>
-    </mc:Fallback>
-  </mc:AlternateContent>
 </p:sld>
 </file>
 
@@ -10166,8 +10025,8 @@
           </p:sp>
         </mc:Fallback>
       </mc:AlternateContent>
-      <mc:AlternateContent xmlns:mc="http://schemas.openxmlformats.org/markup-compatibility/2006">
-        <mc:Choice xmlns:a14="http://schemas.microsoft.com/office/drawing/2010/main" Requires="a14">
+      <mc:AlternateContent xmlns:mc="http://schemas.openxmlformats.org/markup-compatibility/2006" xmlns:a14="http://schemas.microsoft.com/office/drawing/2010/main">
+        <mc:Choice Requires="a14">
           <p:sp>
             <p:nvSpPr>
               <p:cNvPr id="14" name="CasellaDiTesto 13"/>
@@ -10202,11 +10061,7 @@
                 </a:pPr>
                 <a:r>
                   <a:rPr lang="it-IT" sz="1500" i="1" dirty="0"/>
-                  <a:t>w</a:t>
-                </a:r>
-                <a:r>
-                  <a:rPr lang="it-IT" sz="1500" i="1" dirty="0"/>
-                  <a:t> : </a:t>
+                  <a:t>w : </a:t>
                 </a:r>
                 <a14:m>
                   <m:oMath xmlns:m="http://schemas.openxmlformats.org/officeDocument/2006/math">
@@ -10275,7 +10130,7 @@
                   </m:oMath>
                 </a14:m>
                 <a:r>
-                  <a:rPr lang="it-IT" sz="1500" i="1" dirty="0" smtClean="0"/>
+                  <a:rPr lang="it-IT" sz="1500" i="1" dirty="0"/>
                   <a:t> </a:t>
                 </a:r>
                 <a:r>
@@ -10306,11 +10161,7 @@
                 </a:pPr>
                 <a:r>
                   <a:rPr lang="it-IT" sz="1500" i="1" dirty="0"/>
-                  <a:t>s</a:t>
-                </a:r>
-                <a:r>
-                  <a:rPr lang="it-IT" sz="1500" i="1" dirty="0"/>
-                  <a:t> : </a:t>
+                  <a:t>s : </a:t>
                 </a:r>
                 <a14:m>
                   <m:oMath xmlns:m="http://schemas.openxmlformats.org/officeDocument/2006/math">
@@ -10358,11 +10209,7 @@
                 </a:pPr>
                 <a:r>
                   <a:rPr lang="it-IT" sz="1500" i="1" dirty="0"/>
-                  <a:t>d</a:t>
-                </a:r>
-                <a:r>
-                  <a:rPr lang="it-IT" sz="1500" i="1" dirty="0"/>
-                  <a:t> : </a:t>
+                  <a:t>d : </a:t>
                 </a:r>
                 <a14:m>
                   <m:oMath xmlns:m="http://schemas.openxmlformats.org/officeDocument/2006/math">
@@ -10456,7 +10303,7 @@
             </p:txBody>
           </p:sp>
         </mc:Choice>
-        <mc:Fallback>
+        <mc:Fallback xmlns="">
           <p:sp>
             <p:nvSpPr>
               <p:cNvPr id="14" name="CasellaDiTesto 13"/>
@@ -10495,8 +10342,8 @@
           </p:sp>
         </mc:Fallback>
       </mc:AlternateContent>
-      <mc:AlternateContent xmlns:mc="http://schemas.openxmlformats.org/markup-compatibility/2006">
-        <mc:Choice xmlns:a14="http://schemas.microsoft.com/office/drawing/2010/main" Requires="a14">
+      <mc:AlternateContent xmlns:mc="http://schemas.openxmlformats.org/markup-compatibility/2006" xmlns:a14="http://schemas.microsoft.com/office/drawing/2010/main">
+        <mc:Choice Requires="a14">
           <p:sp>
             <p:nvSpPr>
               <p:cNvPr id="15" name="CasellaDiTesto 14"/>
@@ -10602,7 +10449,7 @@
             </p:txBody>
           </p:sp>
         </mc:Choice>
-        <mc:Fallback>
+        <mc:Fallback xmlns="">
           <p:sp>
             <p:nvSpPr>
               <p:cNvPr id="15" name="CasellaDiTesto 14"/>
@@ -10651,14 +10498,6 @@
   <p:clrMapOvr>
     <a:masterClrMapping/>
   </p:clrMapOvr>
-  <mc:AlternateContent xmlns:mc="http://schemas.openxmlformats.org/markup-compatibility/2006" xmlns:p14="http://schemas.microsoft.com/office/powerpoint/2010/main">
-    <mc:Choice Requires="p14">
-      <p:transition spd="slow" p14:dur="2000"/>
-    </mc:Choice>
-    <mc:Fallback xmlns="">
-      <p:transition spd="slow"/>
-    </mc:Fallback>
-  </mc:AlternateContent>
 </p:sld>
 </file>
 
@@ -10757,10 +10596,6 @@
             <a:pPr marL="0" indent="0">
               <a:buNone/>
             </a:pPr>
-            <a:r>
-              <a:rPr lang="it-IT" dirty="0"/>
-              <a:t/>
-            </a:r>
             <a:br>
               <a:rPr lang="it-IT" dirty="0"/>
             </a:br>
@@ -11031,10 +10866,6 @@
             <a:pPr marL="0" indent="0">
               <a:buNone/>
             </a:pPr>
-            <a:r>
-              <a:rPr lang="it-IT" dirty="0"/>
-              <a:t/>
-            </a:r>
             <a:br>
               <a:rPr lang="it-IT" dirty="0"/>
             </a:br>
@@ -11654,10 +11485,6 @@
             <a:pPr marL="0" indent="0">
               <a:buNone/>
             </a:pPr>
-            <a:r>
-              <a:rPr lang="it-IT" dirty="0"/>
-              <a:t/>
-            </a:r>
             <a:br>
               <a:rPr lang="it-IT" dirty="0"/>
             </a:br>
@@ -12038,10 +11865,6 @@
             <a:pPr marL="0" indent="0">
               <a:buNone/>
             </a:pPr>
-            <a:r>
-              <a:rPr lang="it-IT" dirty="0"/>
-              <a:t/>
-            </a:r>
             <a:br>
               <a:rPr lang="it-IT" dirty="0"/>
             </a:br>
@@ -18603,8 +18426,8 @@
           </a:p>
         </p:txBody>
       </p:sp>
-      <mc:AlternateContent xmlns:mc="http://schemas.openxmlformats.org/markup-compatibility/2006">
-        <mc:Choice xmlns:a14="http://schemas.microsoft.com/office/drawing/2010/main" Requires="a14">
+      <mc:AlternateContent xmlns:mc="http://schemas.openxmlformats.org/markup-compatibility/2006" xmlns:a14="http://schemas.microsoft.com/office/drawing/2010/main">
+        <mc:Choice Requires="a14">
           <p:sp>
             <p:nvSpPr>
               <p:cNvPr id="45" name="CasellaDiTesto 44"/>
@@ -18641,11 +18464,11 @@
                   </a:tabLst>
                 </a:pPr>
                 <a:r>
-                  <a:rPr lang="it-IT" sz="1500" i="1" dirty="0" err="1" smtClean="0"/>
+                  <a:rPr lang="it-IT" sz="1500" i="1" dirty="0" err="1"/>
                   <a:t>StopA</a:t>
                 </a:r>
                 <a:r>
-                  <a:rPr lang="it-IT" sz="1500" i="1" dirty="0" smtClean="0"/>
+                  <a:rPr lang="it-IT" sz="1500" i="1" dirty="0"/>
                   <a:t>: </a:t>
                 </a:r>
                 <a14:m>
@@ -18667,7 +18490,7 @@
                   </m:oMath>
                 </a14:m>
                 <a:r>
-                  <a:rPr lang="it-IT" sz="1500" dirty="0" smtClean="0"/>
+                  <a:rPr lang="it-IT" sz="1500" dirty="0"/>
                   <a:t>(</a:t>
                 </a:r>
                 <a:r>
@@ -18711,11 +18534,11 @@
                   </a:tabLst>
                 </a:pPr>
                 <a:r>
-                  <a:rPr lang="it-IT" sz="1500" dirty="0" err="1" smtClean="0"/>
+                  <a:rPr lang="it-IT" sz="1500" dirty="0" err="1"/>
                   <a:t>RestartA</a:t>
                 </a:r>
                 <a:r>
-                  <a:rPr lang="it-IT" sz="1500" dirty="0" smtClean="0"/>
+                  <a:rPr lang="it-IT" sz="1500" dirty="0"/>
                   <a:t>: </a:t>
                 </a:r>
                 <a14:m>
@@ -18737,12 +18560,8 @@
                   </m:oMath>
                 </a14:m>
                 <a:r>
-                  <a:rPr lang="it-IT" sz="1500" dirty="0" smtClean="0"/>
-                  <a:t> </a:t>
-                </a:r>
-                <a:r>
                   <a:rPr lang="it-IT" sz="1500" dirty="0"/>
-                  <a:t>(</a:t>
+                  <a:t> (</a:t>
                 </a:r>
                 <a:r>
                   <a:rPr lang="it-IT" sz="1500" dirty="0" err="1"/>
@@ -18779,7 +18598,7 @@
             </p:txBody>
           </p:sp>
         </mc:Choice>
-        <mc:Fallback>
+        <mc:Fallback xmlns="">
           <p:sp>
             <p:nvSpPr>
               <p:cNvPr id="45" name="CasellaDiTesto 44"/>
@@ -21774,8 +21593,8 @@
           <a:chExt cx="0" cy="0"/>
         </a:xfrm>
       </p:grpSpPr>
-      <mc:AlternateContent xmlns:mc="http://schemas.openxmlformats.org/markup-compatibility/2006">
-        <mc:Choice xmlns:a14="http://schemas.microsoft.com/office/drawing/2010/main" Requires="a14">
+      <mc:AlternateContent xmlns:mc="http://schemas.openxmlformats.org/markup-compatibility/2006" xmlns:a14="http://schemas.microsoft.com/office/drawing/2010/main">
+        <mc:Choice Requires="a14">
           <p:sp>
             <p:nvSpPr>
               <p:cNvPr id="131" name="CasellaDiTesto 130"/>
@@ -21809,7 +21628,7 @@
                   <a:buChar char="•"/>
                 </a:pPr>
                 <a:r>
-                  <a:rPr lang="it-IT" sz="1500" i="1" dirty="0" smtClean="0"/>
+                  <a:rPr lang="it-IT" sz="1500" i="1" dirty="0"/>
                   <a:t>w: </a:t>
                 </a:r>
                 <a14:m>
@@ -21831,12 +21650,8 @@
                   </m:oMath>
                 </a14:m>
                 <a:r>
-                  <a:rPr lang="it-IT" sz="1500" dirty="0" smtClean="0"/>
-                  <a:t> </a:t>
-                </a:r>
-                <a:r>
                   <a:rPr lang="it-IT" sz="1500" dirty="0"/>
-                  <a:t>(</a:t>
+                  <a:t> (</a:t>
                 </a:r>
                 <a:r>
                   <a:rPr lang="it-IT" sz="1500" dirty="0" err="1"/>
@@ -21876,12 +21691,8 @@
                   <a:buChar char="•"/>
                 </a:pPr>
                 <a:r>
-                  <a:rPr lang="it-IT" sz="1500" i="1" dirty="0" smtClean="0"/>
-                  <a:t>a</a:t>
-                </a:r>
-                <a:r>
-                  <a:rPr lang="it-IT" sz="1500" i="1" dirty="0" smtClean="0"/>
-                  <a:t>: </a:t>
+                  <a:rPr lang="it-IT" sz="1500" i="1" dirty="0"/>
+                  <a:t>a: </a:t>
                 </a:r>
                 <a14:m>
                   <m:oMath xmlns:m="http://schemas.openxmlformats.org/officeDocument/2006/math">
@@ -21947,12 +21758,8 @@
                   <a:buChar char="•"/>
                 </a:pPr>
                 <a:r>
-                  <a:rPr lang="it-IT" sz="1500" i="1" dirty="0" smtClean="0"/>
-                  <a:t>s</a:t>
-                </a:r>
-                <a:r>
-                  <a:rPr lang="it-IT" sz="1500" i="1" dirty="0" smtClean="0"/>
-                  <a:t>: </a:t>
+                  <a:rPr lang="it-IT" sz="1500" i="1" dirty="0"/>
+                  <a:t>s: </a:t>
                 </a:r>
                 <a14:m>
                   <m:oMath xmlns:m="http://schemas.openxmlformats.org/officeDocument/2006/math">
@@ -22014,12 +21821,8 @@
                   <a:buChar char="•"/>
                 </a:pPr>
                 <a:r>
-                  <a:rPr lang="it-IT" sz="1500" i="1" dirty="0" smtClean="0"/>
-                  <a:t>d</a:t>
-                </a:r>
-                <a:r>
-                  <a:rPr lang="it-IT" sz="1500" i="1" dirty="0" smtClean="0"/>
-                  <a:t>: </a:t>
+                  <a:rPr lang="it-IT" sz="1500" i="1" dirty="0"/>
+                  <a:t>d: </a:t>
                 </a:r>
                 <a14:m>
                   <m:oMath xmlns:m="http://schemas.openxmlformats.org/officeDocument/2006/math">
@@ -22131,7 +21934,7 @@
             </p:txBody>
           </p:sp>
         </mc:Choice>
-        <mc:Fallback>
+        <mc:Fallback xmlns="">
           <p:sp>
             <p:nvSpPr>
               <p:cNvPr id="131" name="CasellaDiTesto 130"/>
@@ -22170,8 +21973,8 @@
           </p:sp>
         </mc:Fallback>
       </mc:AlternateContent>
-      <mc:AlternateContent xmlns:mc="http://schemas.openxmlformats.org/markup-compatibility/2006">
-        <mc:Choice xmlns:a14="http://schemas.microsoft.com/office/drawing/2010/main" Requires="a14">
+      <mc:AlternateContent xmlns:mc="http://schemas.openxmlformats.org/markup-compatibility/2006" xmlns:a14="http://schemas.microsoft.com/office/drawing/2010/main">
+        <mc:Choice Requires="a14">
           <p:sp>
             <p:nvSpPr>
               <p:cNvPr id="132" name="CasellaDiTesto 131"/>
@@ -22205,11 +22008,11 @@
                   <a:buChar char="•"/>
                 </a:pPr>
                 <a:r>
-                  <a:rPr lang="it-IT" sz="1500" i="1" dirty="0" err="1" smtClean="0"/>
+                  <a:rPr lang="it-IT" sz="1500" i="1" dirty="0" err="1"/>
                   <a:t>StopA</a:t>
                 </a:r>
                 <a:r>
-                  <a:rPr lang="it-IT" sz="1500" i="1" dirty="0" smtClean="0"/>
+                  <a:rPr lang="it-IT" sz="1500" i="1" dirty="0"/>
                   <a:t>: </a:t>
                 </a:r>
                 <a14:m>
@@ -22231,7 +22034,7 @@
                   </m:oMath>
                 </a14:m>
                 <a:r>
-                  <a:rPr lang="it-IT" sz="1500" i="1" dirty="0" smtClean="0"/>
+                  <a:rPr lang="it-IT" sz="1500" i="1" dirty="0"/>
                   <a:t> </a:t>
                 </a:r>
                 <a:r>
@@ -22266,7 +22069,7 @@
             </p:txBody>
           </p:sp>
         </mc:Choice>
-        <mc:Fallback>
+        <mc:Fallback xmlns="">
           <p:sp>
             <p:nvSpPr>
               <p:cNvPr id="132" name="CasellaDiTesto 131"/>
@@ -29745,8 +29548,8 @@
           </mc:Fallback>
         </mc:AlternateContent>
       </p:grpSp>
-      <mc:AlternateContent xmlns:mc="http://schemas.openxmlformats.org/markup-compatibility/2006">
-        <mc:Choice xmlns:a14="http://schemas.microsoft.com/office/drawing/2010/main" Requires="a14">
+      <mc:AlternateContent xmlns:mc="http://schemas.openxmlformats.org/markup-compatibility/2006" xmlns:a14="http://schemas.microsoft.com/office/drawing/2010/main">
+        <mc:Choice Requires="a14">
           <p:sp>
             <p:nvSpPr>
               <p:cNvPr id="11" name="CasellaDiTesto 10"/>
@@ -29781,11 +29584,7 @@
                 </a:pPr>
                 <a:r>
                   <a:rPr lang="it-IT" sz="1500" i="1" dirty="0"/>
-                  <a:t>w</a:t>
-                </a:r>
-                <a:r>
-                  <a:rPr lang="it-IT" sz="1500" i="1" dirty="0"/>
-                  <a:t> : </a:t>
+                  <a:t>w : </a:t>
                 </a:r>
                 <a14:m>
                   <m:oMath xmlns:m="http://schemas.openxmlformats.org/officeDocument/2006/math">
@@ -29854,7 +29653,7 @@
                   </m:oMath>
                 </a14:m>
                 <a:r>
-                  <a:rPr lang="it-IT" sz="1500" i="1" dirty="0" smtClean="0"/>
+                  <a:rPr lang="it-IT" sz="1500" i="1" dirty="0"/>
                   <a:t> </a:t>
                 </a:r>
                 <a:r>
@@ -29885,11 +29684,7 @@
                 </a:pPr>
                 <a:r>
                   <a:rPr lang="it-IT" sz="1500" i="1" dirty="0"/>
-                  <a:t>s</a:t>
-                </a:r>
-                <a:r>
-                  <a:rPr lang="it-IT" sz="1500" i="1" dirty="0"/>
-                  <a:t> : </a:t>
+                  <a:t>s : </a:t>
                 </a:r>
                 <a14:m>
                   <m:oMath xmlns:m="http://schemas.openxmlformats.org/officeDocument/2006/math">
@@ -29937,11 +29732,7 @@
                 </a:pPr>
                 <a:r>
                   <a:rPr lang="it-IT" sz="1500" i="1" dirty="0"/>
-                  <a:t>d</a:t>
-                </a:r>
-                <a:r>
-                  <a:rPr lang="it-IT" sz="1500" i="1" dirty="0"/>
-                  <a:t> : </a:t>
+                  <a:t>d : </a:t>
                 </a:r>
                 <a14:m>
                   <m:oMath xmlns:m="http://schemas.openxmlformats.org/officeDocument/2006/math">
@@ -30035,7 +29826,7 @@
             </p:txBody>
           </p:sp>
         </mc:Choice>
-        <mc:Fallback>
+        <mc:Fallback xmlns="">
           <p:sp>
             <p:nvSpPr>
               <p:cNvPr id="11" name="CasellaDiTesto 10"/>
@@ -30074,8 +29865,8 @@
           </p:sp>
         </mc:Fallback>
       </mc:AlternateContent>
-      <mc:AlternateContent xmlns:mc="http://schemas.openxmlformats.org/markup-compatibility/2006">
-        <mc:Choice xmlns:a14="http://schemas.microsoft.com/office/drawing/2010/main" Requires="a14">
+      <mc:AlternateContent xmlns:mc="http://schemas.openxmlformats.org/markup-compatibility/2006" xmlns:a14="http://schemas.microsoft.com/office/drawing/2010/main">
+        <mc:Choice Requires="a14">
           <p:sp>
             <p:nvSpPr>
               <p:cNvPr id="12" name="CasellaDiTesto 11"/>
@@ -30181,7 +29972,7 @@
             </p:txBody>
           </p:sp>
         </mc:Choice>
-        <mc:Fallback>
+        <mc:Fallback xmlns="">
           <p:sp>
             <p:nvSpPr>
               <p:cNvPr id="12" name="CasellaDiTesto 11"/>
@@ -30645,14 +30436,6 @@
   <p:clrMapOvr>
     <a:masterClrMapping/>
   </p:clrMapOvr>
-  <mc:AlternateContent xmlns:mc="http://schemas.openxmlformats.org/markup-compatibility/2006" xmlns:p14="http://schemas.microsoft.com/office/powerpoint/2010/main">
-    <mc:Choice Requires="p14">
-      <p:transition spd="slow" p14:dur="2000"/>
-    </mc:Choice>
-    <mc:Fallback xmlns="">
-      <p:transition spd="slow"/>
-    </mc:Fallback>
-  </mc:AlternateContent>
 </p:sld>
 </file>
 
@@ -31207,8 +30990,8 @@
           </p:sp>
         </mc:Fallback>
       </mc:AlternateContent>
-      <mc:AlternateContent xmlns:mc="http://schemas.openxmlformats.org/markup-compatibility/2006">
-        <mc:Choice xmlns:a14="http://schemas.microsoft.com/office/drawing/2010/main" Requires="a14">
+      <mc:AlternateContent xmlns:mc="http://schemas.openxmlformats.org/markup-compatibility/2006" xmlns:a14="http://schemas.microsoft.com/office/drawing/2010/main">
+        <mc:Choice Requires="a14">
           <p:sp>
             <p:nvSpPr>
               <p:cNvPr id="11" name="CasellaDiTesto 10"/>
@@ -31243,11 +31026,7 @@
                 </a:pPr>
                 <a:r>
                   <a:rPr lang="it-IT" sz="1500" i="1" dirty="0"/>
-                  <a:t>w</a:t>
-                </a:r>
-                <a:r>
-                  <a:rPr lang="it-IT" sz="1500" i="1" dirty="0"/>
-                  <a:t> : </a:t>
+                  <a:t>w : </a:t>
                 </a:r>
                 <a14:m>
                   <m:oMath xmlns:m="http://schemas.openxmlformats.org/officeDocument/2006/math">
@@ -31316,7 +31095,7 @@
                   </m:oMath>
                 </a14:m>
                 <a:r>
-                  <a:rPr lang="it-IT" sz="1500" i="1" dirty="0" smtClean="0"/>
+                  <a:rPr lang="it-IT" sz="1500" i="1" dirty="0"/>
                   <a:t> </a:t>
                 </a:r>
                 <a:r>
@@ -31347,11 +31126,7 @@
                 </a:pPr>
                 <a:r>
                   <a:rPr lang="it-IT" sz="1500" i="1" dirty="0"/>
-                  <a:t>s</a:t>
-                </a:r>
-                <a:r>
-                  <a:rPr lang="it-IT" sz="1500" i="1" dirty="0"/>
-                  <a:t> : </a:t>
+                  <a:t>s : </a:t>
                 </a:r>
                 <a14:m>
                   <m:oMath xmlns:m="http://schemas.openxmlformats.org/officeDocument/2006/math">
@@ -31399,11 +31174,7 @@
                 </a:pPr>
                 <a:r>
                   <a:rPr lang="it-IT" sz="1500" i="1" dirty="0"/>
-                  <a:t>d</a:t>
-                </a:r>
-                <a:r>
-                  <a:rPr lang="it-IT" sz="1500" i="1" dirty="0"/>
-                  <a:t> : </a:t>
+                  <a:t>d : </a:t>
                 </a:r>
                 <a14:m>
                   <m:oMath xmlns:m="http://schemas.openxmlformats.org/officeDocument/2006/math">
@@ -31497,7 +31268,7 @@
             </p:txBody>
           </p:sp>
         </mc:Choice>
-        <mc:Fallback>
+        <mc:Fallback xmlns="">
           <p:sp>
             <p:nvSpPr>
               <p:cNvPr id="11" name="CasellaDiTesto 10"/>
@@ -31536,8 +31307,8 @@
           </p:sp>
         </mc:Fallback>
       </mc:AlternateContent>
-      <mc:AlternateContent xmlns:mc="http://schemas.openxmlformats.org/markup-compatibility/2006">
-        <mc:Choice xmlns:a14="http://schemas.microsoft.com/office/drawing/2010/main" Requires="a14">
+      <mc:AlternateContent xmlns:mc="http://schemas.openxmlformats.org/markup-compatibility/2006" xmlns:a14="http://schemas.microsoft.com/office/drawing/2010/main">
+        <mc:Choice Requires="a14">
           <p:sp>
             <p:nvSpPr>
               <p:cNvPr id="12" name="CasellaDiTesto 11"/>
@@ -31643,7 +31414,7 @@
             </p:txBody>
           </p:sp>
         </mc:Choice>
-        <mc:Fallback>
+        <mc:Fallback xmlns="">
           <p:sp>
             <p:nvSpPr>
               <p:cNvPr id="12" name="CasellaDiTesto 11"/>
@@ -31692,14 +31463,6 @@
   <p:clrMapOvr>
     <a:masterClrMapping/>
   </p:clrMapOvr>
-  <mc:AlternateContent xmlns:mc="http://schemas.openxmlformats.org/markup-compatibility/2006" xmlns:p14="http://schemas.microsoft.com/office/powerpoint/2010/main">
-    <mc:Choice Requires="p14">
-      <p:transition spd="slow" p14:dur="2000"/>
-    </mc:Choice>
-    <mc:Fallback xmlns="">
-      <p:transition spd="slow"/>
-    </mc:Fallback>
-  </mc:AlternateContent>
 </p:sld>
 </file>
 
@@ -32254,8 +32017,8 @@
           </p:sp>
         </mc:Fallback>
       </mc:AlternateContent>
-      <mc:AlternateContent xmlns:mc="http://schemas.openxmlformats.org/markup-compatibility/2006">
-        <mc:Choice xmlns:a14="http://schemas.microsoft.com/office/drawing/2010/main" Requires="a14">
+      <mc:AlternateContent xmlns:mc="http://schemas.openxmlformats.org/markup-compatibility/2006" xmlns:a14="http://schemas.microsoft.com/office/drawing/2010/main">
+        <mc:Choice Requires="a14">
           <p:sp>
             <p:nvSpPr>
               <p:cNvPr id="13" name="CasellaDiTesto 12"/>
@@ -32290,11 +32053,7 @@
                 </a:pPr>
                 <a:r>
                   <a:rPr lang="it-IT" sz="1500" i="1" dirty="0"/>
-                  <a:t>w</a:t>
-                </a:r>
-                <a:r>
-                  <a:rPr lang="it-IT" sz="1500" i="1" dirty="0"/>
-                  <a:t> : </a:t>
+                  <a:t>w : </a:t>
                 </a:r>
                 <a14:m>
                   <m:oMath xmlns:m="http://schemas.openxmlformats.org/officeDocument/2006/math">
@@ -32363,7 +32122,7 @@
                   </m:oMath>
                 </a14:m>
                 <a:r>
-                  <a:rPr lang="it-IT" sz="1500" i="1" dirty="0" smtClean="0"/>
+                  <a:rPr lang="it-IT" sz="1500" i="1" dirty="0"/>
                   <a:t> </a:t>
                 </a:r>
                 <a:r>
@@ -32394,11 +32153,7 @@
                 </a:pPr>
                 <a:r>
                   <a:rPr lang="it-IT" sz="1500" i="1" dirty="0"/>
-                  <a:t>s</a:t>
-                </a:r>
-                <a:r>
-                  <a:rPr lang="it-IT" sz="1500" i="1" dirty="0"/>
-                  <a:t> : </a:t>
+                  <a:t>s : </a:t>
                 </a:r>
                 <a14:m>
                   <m:oMath xmlns:m="http://schemas.openxmlformats.org/officeDocument/2006/math">
@@ -32446,11 +32201,7 @@
                 </a:pPr>
                 <a:r>
                   <a:rPr lang="it-IT" sz="1500" i="1" dirty="0"/>
-                  <a:t>d</a:t>
-                </a:r>
-                <a:r>
-                  <a:rPr lang="it-IT" sz="1500" i="1" dirty="0"/>
-                  <a:t> : </a:t>
+                  <a:t>d : </a:t>
                 </a:r>
                 <a14:m>
                   <m:oMath xmlns:m="http://schemas.openxmlformats.org/officeDocument/2006/math">
@@ -32544,7 +32295,7 @@
             </p:txBody>
           </p:sp>
         </mc:Choice>
-        <mc:Fallback>
+        <mc:Fallback xmlns="">
           <p:sp>
             <p:nvSpPr>
               <p:cNvPr id="13" name="CasellaDiTesto 12"/>
@@ -32583,8 +32334,8 @@
           </p:sp>
         </mc:Fallback>
       </mc:AlternateContent>
-      <mc:AlternateContent xmlns:mc="http://schemas.openxmlformats.org/markup-compatibility/2006">
-        <mc:Choice xmlns:a14="http://schemas.microsoft.com/office/drawing/2010/main" Requires="a14">
+      <mc:AlternateContent xmlns:mc="http://schemas.openxmlformats.org/markup-compatibility/2006" xmlns:a14="http://schemas.microsoft.com/office/drawing/2010/main">
+        <mc:Choice Requires="a14">
           <p:sp>
             <p:nvSpPr>
               <p:cNvPr id="14" name="CasellaDiTesto 13"/>
@@ -32690,7 +32441,7 @@
             </p:txBody>
           </p:sp>
         </mc:Choice>
-        <mc:Fallback>
+        <mc:Fallback xmlns="">
           <p:sp>
             <p:nvSpPr>
               <p:cNvPr id="14" name="CasellaDiTesto 13"/>
@@ -32739,14 +32490,6 @@
   <p:clrMapOvr>
     <a:masterClrMapping/>
   </p:clrMapOvr>
-  <mc:AlternateContent xmlns:mc="http://schemas.openxmlformats.org/markup-compatibility/2006" xmlns:p14="http://schemas.microsoft.com/office/powerpoint/2010/main">
-    <mc:Choice Requires="p14">
-      <p:transition spd="slow" p14:dur="2000"/>
-    </mc:Choice>
-    <mc:Fallback xmlns="">
-      <p:transition spd="slow"/>
-    </mc:Fallback>
-  </mc:AlternateContent>
 </p:sld>
 </file>
 
@@ -33301,8 +33044,8 @@
           </p:sp>
         </mc:Fallback>
       </mc:AlternateContent>
-      <mc:AlternateContent xmlns:mc="http://schemas.openxmlformats.org/markup-compatibility/2006">
-        <mc:Choice xmlns:a14="http://schemas.microsoft.com/office/drawing/2010/main" Requires="a14">
+      <mc:AlternateContent xmlns:mc="http://schemas.openxmlformats.org/markup-compatibility/2006" xmlns:a14="http://schemas.microsoft.com/office/drawing/2010/main">
+        <mc:Choice Requires="a14">
           <p:sp>
             <p:nvSpPr>
               <p:cNvPr id="14" name="CasellaDiTesto 13"/>
@@ -33337,11 +33080,7 @@
                 </a:pPr>
                 <a:r>
                   <a:rPr lang="it-IT" sz="1500" i="1" dirty="0"/>
-                  <a:t>w</a:t>
-                </a:r>
-                <a:r>
-                  <a:rPr lang="it-IT" sz="1500" i="1" dirty="0"/>
-                  <a:t> : </a:t>
+                  <a:t>w : </a:t>
                 </a:r>
                 <a14:m>
                   <m:oMath xmlns:m="http://schemas.openxmlformats.org/officeDocument/2006/math">
@@ -33410,7 +33149,7 @@
                   </m:oMath>
                 </a14:m>
                 <a:r>
-                  <a:rPr lang="it-IT" sz="1500" i="1" dirty="0" smtClean="0"/>
+                  <a:rPr lang="it-IT" sz="1500" i="1" dirty="0"/>
                   <a:t> </a:t>
                 </a:r>
                 <a:r>
@@ -33441,11 +33180,7 @@
                 </a:pPr>
                 <a:r>
                   <a:rPr lang="it-IT" sz="1500" i="1" dirty="0"/>
-                  <a:t>s</a:t>
-                </a:r>
-                <a:r>
-                  <a:rPr lang="it-IT" sz="1500" i="1" dirty="0"/>
-                  <a:t> : </a:t>
+                  <a:t>s : </a:t>
                 </a:r>
                 <a14:m>
                   <m:oMath xmlns:m="http://schemas.openxmlformats.org/officeDocument/2006/math">
@@ -33493,11 +33228,7 @@
                 </a:pPr>
                 <a:r>
                   <a:rPr lang="it-IT" sz="1500" i="1" dirty="0"/>
-                  <a:t>d</a:t>
-                </a:r>
-                <a:r>
-                  <a:rPr lang="it-IT" sz="1500" i="1" dirty="0"/>
-                  <a:t> : </a:t>
+                  <a:t>d : </a:t>
                 </a:r>
                 <a14:m>
                   <m:oMath xmlns:m="http://schemas.openxmlformats.org/officeDocument/2006/math">
@@ -33591,7 +33322,7 @@
             </p:txBody>
           </p:sp>
         </mc:Choice>
-        <mc:Fallback>
+        <mc:Fallback xmlns="">
           <p:sp>
             <p:nvSpPr>
               <p:cNvPr id="14" name="CasellaDiTesto 13"/>
@@ -33630,8 +33361,8 @@
           </p:sp>
         </mc:Fallback>
       </mc:AlternateContent>
-      <mc:AlternateContent xmlns:mc="http://schemas.openxmlformats.org/markup-compatibility/2006">
-        <mc:Choice xmlns:a14="http://schemas.microsoft.com/office/drawing/2010/main" Requires="a14">
+      <mc:AlternateContent xmlns:mc="http://schemas.openxmlformats.org/markup-compatibility/2006" xmlns:a14="http://schemas.microsoft.com/office/drawing/2010/main">
+        <mc:Choice Requires="a14">
           <p:sp>
             <p:nvSpPr>
               <p:cNvPr id="15" name="CasellaDiTesto 14"/>
@@ -33737,7 +33468,7 @@
             </p:txBody>
           </p:sp>
         </mc:Choice>
-        <mc:Fallback>
+        <mc:Fallback xmlns="">
           <p:sp>
             <p:nvSpPr>
               <p:cNvPr id="15" name="CasellaDiTesto 14"/>
@@ -33786,14 +33517,6 @@
   <p:clrMapOvr>
     <a:masterClrMapping/>
   </p:clrMapOvr>
-  <mc:AlternateContent xmlns:mc="http://schemas.openxmlformats.org/markup-compatibility/2006" xmlns:p14="http://schemas.microsoft.com/office/powerpoint/2010/main">
-    <mc:Choice Requires="p14">
-      <p:transition spd="slow" p14:dur="2000"/>
-    </mc:Choice>
-    <mc:Fallback xmlns="">
-      <p:transition spd="slow"/>
-    </mc:Fallback>
-  </mc:AlternateContent>
 </p:sld>
 </file>
 
